--- a/Bounce_Back 24012018v1.pptx
+++ b/Bounce_Back 24012018v1.pptx
@@ -5,21 +5,27 @@
     <p:sldMasterId id="2147483648" r:id="rId1"/>
   </p:sldMasterIdLst>
   <p:notesMasterIdLst>
-    <p:notesMasterId r:id="rId14"/>
+    <p:notesMasterId r:id="rId20"/>
   </p:notesMasterIdLst>
   <p:sldIdLst>
-    <p:sldId id="256" r:id="rId2"/>
-    <p:sldId id="296" r:id="rId3"/>
-    <p:sldId id="295" r:id="rId4"/>
-    <p:sldId id="297" r:id="rId5"/>
-    <p:sldId id="298" r:id="rId6"/>
-    <p:sldId id="299" r:id="rId7"/>
-    <p:sldId id="301" r:id="rId8"/>
-    <p:sldId id="300" r:id="rId9"/>
-    <p:sldId id="305" r:id="rId10"/>
-    <p:sldId id="302" r:id="rId11"/>
-    <p:sldId id="303" r:id="rId12"/>
-    <p:sldId id="304" r:id="rId13"/>
+    <p:sldId id="307" r:id="rId2"/>
+    <p:sldId id="311" r:id="rId3"/>
+    <p:sldId id="296" r:id="rId4"/>
+    <p:sldId id="256" r:id="rId5"/>
+    <p:sldId id="295" r:id="rId6"/>
+    <p:sldId id="297" r:id="rId7"/>
+    <p:sldId id="298" r:id="rId8"/>
+    <p:sldId id="299" r:id="rId9"/>
+    <p:sldId id="301" r:id="rId10"/>
+    <p:sldId id="300" r:id="rId11"/>
+    <p:sldId id="306" r:id="rId12"/>
+    <p:sldId id="312" r:id="rId13"/>
+    <p:sldId id="305" r:id="rId14"/>
+    <p:sldId id="303" r:id="rId15"/>
+    <p:sldId id="310" r:id="rId16"/>
+    <p:sldId id="304" r:id="rId17"/>
+    <p:sldId id="309" r:id="rId18"/>
+    <p:sldId id="308" r:id="rId19"/>
   </p:sldIdLst>
   <p:sldSz cx="9144000" cy="6858000" type="screen4x3"/>
   <p:notesSz cx="7010400" cy="9296400"/>
@@ -224,7 +230,7 @@
             <a:fld id="{C449B9E2-F6E0-43F1-9141-B8839419D296}" type="datetimeFigureOut">
               <a:rPr lang="en-US" smtClean="0"/>
               <a:pPr/>
-              <a:t>1/26/2018</a:t>
+              <a:t>1/30/2018</a:t>
             </a:fld>
             <a:endParaRPr lang="en-US"/>
           </a:p>
@@ -552,7 +558,7 @@
     </p:spTree>
     <p:extLst>
       <p:ext uri="{BB962C8B-B14F-4D97-AF65-F5344CB8AC3E}">
-        <p14:creationId xmlns:p14="http://schemas.microsoft.com/office/powerpoint/2010/main" val="375834856"/>
+        <p14:creationId xmlns:p14="http://schemas.microsoft.com/office/powerpoint/2010/main" val="1293713133"/>
       </p:ext>
     </p:extLst>
   </p:cSld>
@@ -620,7 +626,7 @@
     </p:spTree>
     <p:extLst>
       <p:ext uri="{BB962C8B-B14F-4D97-AF65-F5344CB8AC3E}">
-        <p14:creationId xmlns:p14="http://schemas.microsoft.com/office/powerpoint/2010/main" val="3013727566"/>
+        <p14:creationId xmlns:p14="http://schemas.microsoft.com/office/powerpoint/2010/main" val="905527008"/>
       </p:ext>
     </p:extLst>
   </p:cSld>
@@ -688,7 +694,415 @@
     </p:spTree>
     <p:extLst>
       <p:ext uri="{BB962C8B-B14F-4D97-AF65-F5344CB8AC3E}">
+        <p14:creationId xmlns:p14="http://schemas.microsoft.com/office/powerpoint/2010/main" val="2430084841"/>
+      </p:ext>
+    </p:extLst>
+  </p:cSld>
+  <p:clrMapOvr>
+    <a:masterClrMapping/>
+  </p:clrMapOvr>
+</p:notes>
+</file>
+
+<file path=ppt/notesSlides/notesSlide12.xml><?xml version="1.0" encoding="utf-8"?>
+<p:notes xmlns:a="http://schemas.openxmlformats.org/drawingml/2006/main" xmlns:r="http://schemas.openxmlformats.org/officeDocument/2006/relationships" xmlns:p="http://schemas.openxmlformats.org/presentationml/2006/main">
+  <p:cSld>
+    <p:spTree>
+      <p:nvGrpSpPr>
+        <p:cNvPr id="1" name=""/>
+        <p:cNvGrpSpPr/>
+        <p:nvPr/>
+      </p:nvGrpSpPr>
+      <p:grpSpPr>
+        <a:xfrm>
+          <a:off x="0" y="0"/>
+          <a:ext cx="0" cy="0"/>
+          <a:chOff x="0" y="0"/>
+          <a:chExt cx="0" cy="0"/>
+        </a:xfrm>
+      </p:grpSpPr>
+      <p:sp>
+        <p:nvSpPr>
+          <p:cNvPr id="236546" name="Rectangle 2"/>
+          <p:cNvSpPr>
+            <a:spLocks noGrp="1" noRot="1" noChangeAspect="1" noChangeArrowheads="1" noTextEdit="1"/>
+          </p:cNvSpPr>
+          <p:nvPr>
+            <p:ph type="sldImg"/>
+          </p:nvPr>
+        </p:nvSpPr>
+        <p:spPr>
+          <a:ln/>
+        </p:spPr>
+      </p:sp>
+      <p:sp>
+        <p:nvSpPr>
+          <p:cNvPr id="236547" name="Rectangle 3"/>
+          <p:cNvSpPr>
+            <a:spLocks noGrp="1" noChangeArrowheads="1"/>
+          </p:cNvSpPr>
+          <p:nvPr>
+            <p:ph type="body" idx="1"/>
+          </p:nvPr>
+        </p:nvSpPr>
+        <p:spPr>
+          <a:xfrm>
+            <a:off x="701362" y="4416113"/>
+            <a:ext cx="5607678" cy="4182419"/>
+          </a:xfrm>
+        </p:spPr>
+        <p:txBody>
+          <a:bodyPr/>
+          <a:lstStyle/>
+          <a:p>
+            <a:endParaRPr lang="en-US"/>
+          </a:p>
+        </p:txBody>
+      </p:sp>
+    </p:spTree>
+    <p:extLst>
+      <p:ext uri="{BB962C8B-B14F-4D97-AF65-F5344CB8AC3E}">
+        <p14:creationId xmlns:p14="http://schemas.microsoft.com/office/powerpoint/2010/main" val="1280191976"/>
+      </p:ext>
+    </p:extLst>
+  </p:cSld>
+  <p:clrMapOvr>
+    <a:masterClrMapping/>
+  </p:clrMapOvr>
+</p:notes>
+</file>
+
+<file path=ppt/notesSlides/notesSlide13.xml><?xml version="1.0" encoding="utf-8"?>
+<p:notes xmlns:a="http://schemas.openxmlformats.org/drawingml/2006/main" xmlns:r="http://schemas.openxmlformats.org/officeDocument/2006/relationships" xmlns:p="http://schemas.openxmlformats.org/presentationml/2006/main">
+  <p:cSld>
+    <p:spTree>
+      <p:nvGrpSpPr>
+        <p:cNvPr id="1" name=""/>
+        <p:cNvGrpSpPr/>
+        <p:nvPr/>
+      </p:nvGrpSpPr>
+      <p:grpSpPr>
+        <a:xfrm>
+          <a:off x="0" y="0"/>
+          <a:ext cx="0" cy="0"/>
+          <a:chOff x="0" y="0"/>
+          <a:chExt cx="0" cy="0"/>
+        </a:xfrm>
+      </p:grpSpPr>
+      <p:sp>
+        <p:nvSpPr>
+          <p:cNvPr id="236546" name="Rectangle 2"/>
+          <p:cNvSpPr>
+            <a:spLocks noGrp="1" noRot="1" noChangeAspect="1" noChangeArrowheads="1" noTextEdit="1"/>
+          </p:cNvSpPr>
+          <p:nvPr>
+            <p:ph type="sldImg"/>
+          </p:nvPr>
+        </p:nvSpPr>
+        <p:spPr>
+          <a:ln/>
+        </p:spPr>
+      </p:sp>
+      <p:sp>
+        <p:nvSpPr>
+          <p:cNvPr id="236547" name="Rectangle 3"/>
+          <p:cNvSpPr>
+            <a:spLocks noGrp="1" noChangeArrowheads="1"/>
+          </p:cNvSpPr>
+          <p:nvPr>
+            <p:ph type="body" idx="1"/>
+          </p:nvPr>
+        </p:nvSpPr>
+        <p:spPr>
+          <a:xfrm>
+            <a:off x="701362" y="4416113"/>
+            <a:ext cx="5607678" cy="4182419"/>
+          </a:xfrm>
+        </p:spPr>
+        <p:txBody>
+          <a:bodyPr/>
+          <a:lstStyle/>
+          <a:p>
+            <a:endParaRPr lang="en-US"/>
+          </a:p>
+        </p:txBody>
+      </p:sp>
+    </p:spTree>
+    <p:extLst>
+      <p:ext uri="{BB962C8B-B14F-4D97-AF65-F5344CB8AC3E}">
+        <p14:creationId xmlns:p14="http://schemas.microsoft.com/office/powerpoint/2010/main" val="3013727566"/>
+      </p:ext>
+    </p:extLst>
+  </p:cSld>
+  <p:clrMapOvr>
+    <a:masterClrMapping/>
+  </p:clrMapOvr>
+</p:notes>
+</file>
+
+<file path=ppt/notesSlides/notesSlide14.xml><?xml version="1.0" encoding="utf-8"?>
+<p:notes xmlns:a="http://schemas.openxmlformats.org/drawingml/2006/main" xmlns:r="http://schemas.openxmlformats.org/officeDocument/2006/relationships" xmlns:p="http://schemas.openxmlformats.org/presentationml/2006/main">
+  <p:cSld>
+    <p:spTree>
+      <p:nvGrpSpPr>
+        <p:cNvPr id="1" name=""/>
+        <p:cNvGrpSpPr/>
+        <p:nvPr/>
+      </p:nvGrpSpPr>
+      <p:grpSpPr>
+        <a:xfrm>
+          <a:off x="0" y="0"/>
+          <a:ext cx="0" cy="0"/>
+          <a:chOff x="0" y="0"/>
+          <a:chExt cx="0" cy="0"/>
+        </a:xfrm>
+      </p:grpSpPr>
+      <p:sp>
+        <p:nvSpPr>
+          <p:cNvPr id="236546" name="Rectangle 2"/>
+          <p:cNvSpPr>
+            <a:spLocks noGrp="1" noRot="1" noChangeAspect="1" noChangeArrowheads="1" noTextEdit="1"/>
+          </p:cNvSpPr>
+          <p:nvPr>
+            <p:ph type="sldImg"/>
+          </p:nvPr>
+        </p:nvSpPr>
+        <p:spPr>
+          <a:ln/>
+        </p:spPr>
+      </p:sp>
+      <p:sp>
+        <p:nvSpPr>
+          <p:cNvPr id="236547" name="Rectangle 3"/>
+          <p:cNvSpPr>
+            <a:spLocks noGrp="1" noChangeArrowheads="1"/>
+          </p:cNvSpPr>
+          <p:nvPr>
+            <p:ph type="body" idx="1"/>
+          </p:nvPr>
+        </p:nvSpPr>
+        <p:spPr>
+          <a:xfrm>
+            <a:off x="701362" y="4416113"/>
+            <a:ext cx="5607678" cy="4182419"/>
+          </a:xfrm>
+        </p:spPr>
+        <p:txBody>
+          <a:bodyPr/>
+          <a:lstStyle/>
+          <a:p>
+            <a:endParaRPr lang="en-US"/>
+          </a:p>
+        </p:txBody>
+      </p:sp>
+    </p:spTree>
+    <p:extLst>
+      <p:ext uri="{BB962C8B-B14F-4D97-AF65-F5344CB8AC3E}">
+        <p14:creationId xmlns:p14="http://schemas.microsoft.com/office/powerpoint/2010/main" val="2801113320"/>
+      </p:ext>
+    </p:extLst>
+  </p:cSld>
+  <p:clrMapOvr>
+    <a:masterClrMapping/>
+  </p:clrMapOvr>
+</p:notes>
+</file>
+
+<file path=ppt/notesSlides/notesSlide15.xml><?xml version="1.0" encoding="utf-8"?>
+<p:notes xmlns:a="http://schemas.openxmlformats.org/drawingml/2006/main" xmlns:r="http://schemas.openxmlformats.org/officeDocument/2006/relationships" xmlns:p="http://schemas.openxmlformats.org/presentationml/2006/main">
+  <p:cSld>
+    <p:spTree>
+      <p:nvGrpSpPr>
+        <p:cNvPr id="1" name=""/>
+        <p:cNvGrpSpPr/>
+        <p:nvPr/>
+      </p:nvGrpSpPr>
+      <p:grpSpPr>
+        <a:xfrm>
+          <a:off x="0" y="0"/>
+          <a:ext cx="0" cy="0"/>
+          <a:chOff x="0" y="0"/>
+          <a:chExt cx="0" cy="0"/>
+        </a:xfrm>
+      </p:grpSpPr>
+      <p:sp>
+        <p:nvSpPr>
+          <p:cNvPr id="236546" name="Rectangle 2"/>
+          <p:cNvSpPr>
+            <a:spLocks noGrp="1" noRot="1" noChangeAspect="1" noChangeArrowheads="1" noTextEdit="1"/>
+          </p:cNvSpPr>
+          <p:nvPr>
+            <p:ph type="sldImg"/>
+          </p:nvPr>
+        </p:nvSpPr>
+        <p:spPr>
+          <a:ln/>
+        </p:spPr>
+      </p:sp>
+      <p:sp>
+        <p:nvSpPr>
+          <p:cNvPr id="236547" name="Rectangle 3"/>
+          <p:cNvSpPr>
+            <a:spLocks noGrp="1" noChangeArrowheads="1"/>
+          </p:cNvSpPr>
+          <p:nvPr>
+            <p:ph type="body" idx="1"/>
+          </p:nvPr>
+        </p:nvSpPr>
+        <p:spPr>
+          <a:xfrm>
+            <a:off x="701362" y="4416113"/>
+            <a:ext cx="5607678" cy="4182419"/>
+          </a:xfrm>
+        </p:spPr>
+        <p:txBody>
+          <a:bodyPr/>
+          <a:lstStyle/>
+          <a:p>
+            <a:endParaRPr lang="en-US"/>
+          </a:p>
+        </p:txBody>
+      </p:sp>
+    </p:spTree>
+    <p:extLst>
+      <p:ext uri="{BB962C8B-B14F-4D97-AF65-F5344CB8AC3E}">
         <p14:creationId xmlns:p14="http://schemas.microsoft.com/office/powerpoint/2010/main" val="726682867"/>
+      </p:ext>
+    </p:extLst>
+  </p:cSld>
+  <p:clrMapOvr>
+    <a:masterClrMapping/>
+  </p:clrMapOvr>
+</p:notes>
+</file>
+
+<file path=ppt/notesSlides/notesSlide16.xml><?xml version="1.0" encoding="utf-8"?>
+<p:notes xmlns:a="http://schemas.openxmlformats.org/drawingml/2006/main" xmlns:r="http://schemas.openxmlformats.org/officeDocument/2006/relationships" xmlns:p="http://schemas.openxmlformats.org/presentationml/2006/main">
+  <p:cSld>
+    <p:spTree>
+      <p:nvGrpSpPr>
+        <p:cNvPr id="1" name=""/>
+        <p:cNvGrpSpPr/>
+        <p:nvPr/>
+      </p:nvGrpSpPr>
+      <p:grpSpPr>
+        <a:xfrm>
+          <a:off x="0" y="0"/>
+          <a:ext cx="0" cy="0"/>
+          <a:chOff x="0" y="0"/>
+          <a:chExt cx="0" cy="0"/>
+        </a:xfrm>
+      </p:grpSpPr>
+      <p:sp>
+        <p:nvSpPr>
+          <p:cNvPr id="236546" name="Rectangle 2"/>
+          <p:cNvSpPr>
+            <a:spLocks noGrp="1" noRot="1" noChangeAspect="1" noChangeArrowheads="1" noTextEdit="1"/>
+          </p:cNvSpPr>
+          <p:nvPr>
+            <p:ph type="sldImg"/>
+          </p:nvPr>
+        </p:nvSpPr>
+        <p:spPr>
+          <a:ln/>
+        </p:spPr>
+      </p:sp>
+      <p:sp>
+        <p:nvSpPr>
+          <p:cNvPr id="236547" name="Rectangle 3"/>
+          <p:cNvSpPr>
+            <a:spLocks noGrp="1" noChangeArrowheads="1"/>
+          </p:cNvSpPr>
+          <p:nvPr>
+            <p:ph type="body" idx="1"/>
+          </p:nvPr>
+        </p:nvSpPr>
+        <p:spPr>
+          <a:xfrm>
+            <a:off x="701362" y="4416113"/>
+            <a:ext cx="5607678" cy="4182419"/>
+          </a:xfrm>
+        </p:spPr>
+        <p:txBody>
+          <a:bodyPr/>
+          <a:lstStyle/>
+          <a:p>
+            <a:endParaRPr lang="en-US"/>
+          </a:p>
+        </p:txBody>
+      </p:sp>
+    </p:spTree>
+    <p:extLst>
+      <p:ext uri="{BB962C8B-B14F-4D97-AF65-F5344CB8AC3E}">
+        <p14:creationId xmlns:p14="http://schemas.microsoft.com/office/powerpoint/2010/main" val="3036743236"/>
+      </p:ext>
+    </p:extLst>
+  </p:cSld>
+  <p:clrMapOvr>
+    <a:masterClrMapping/>
+  </p:clrMapOvr>
+</p:notes>
+</file>
+
+<file path=ppt/notesSlides/notesSlide17.xml><?xml version="1.0" encoding="utf-8"?>
+<p:notes xmlns:a="http://schemas.openxmlformats.org/drawingml/2006/main" xmlns:r="http://schemas.openxmlformats.org/officeDocument/2006/relationships" xmlns:p="http://schemas.openxmlformats.org/presentationml/2006/main">
+  <p:cSld>
+    <p:spTree>
+      <p:nvGrpSpPr>
+        <p:cNvPr id="1" name=""/>
+        <p:cNvGrpSpPr/>
+        <p:nvPr/>
+      </p:nvGrpSpPr>
+      <p:grpSpPr>
+        <a:xfrm>
+          <a:off x="0" y="0"/>
+          <a:ext cx="0" cy="0"/>
+          <a:chOff x="0" y="0"/>
+          <a:chExt cx="0" cy="0"/>
+        </a:xfrm>
+      </p:grpSpPr>
+      <p:sp>
+        <p:nvSpPr>
+          <p:cNvPr id="236546" name="Rectangle 2"/>
+          <p:cNvSpPr>
+            <a:spLocks noGrp="1" noRot="1" noChangeAspect="1" noChangeArrowheads="1" noTextEdit="1"/>
+          </p:cNvSpPr>
+          <p:nvPr>
+            <p:ph type="sldImg"/>
+          </p:nvPr>
+        </p:nvSpPr>
+        <p:spPr>
+          <a:ln/>
+        </p:spPr>
+      </p:sp>
+      <p:sp>
+        <p:nvSpPr>
+          <p:cNvPr id="236547" name="Rectangle 3"/>
+          <p:cNvSpPr>
+            <a:spLocks noGrp="1" noChangeArrowheads="1"/>
+          </p:cNvSpPr>
+          <p:nvPr>
+            <p:ph type="body" idx="1"/>
+          </p:nvPr>
+        </p:nvSpPr>
+        <p:spPr>
+          <a:xfrm>
+            <a:off x="701362" y="4416113"/>
+            <a:ext cx="5607678" cy="4182419"/>
+          </a:xfrm>
+        </p:spPr>
+        <p:txBody>
+          <a:bodyPr/>
+          <a:lstStyle/>
+          <a:p>
+            <a:endParaRPr lang="en-US"/>
+          </a:p>
+        </p:txBody>
+      </p:sp>
+    </p:spTree>
+    <p:extLst>
+      <p:ext uri="{BB962C8B-B14F-4D97-AF65-F5344CB8AC3E}">
+        <p14:creationId xmlns:p14="http://schemas.microsoft.com/office/powerpoint/2010/main" val="1724726575"/>
       </p:ext>
     </p:extLst>
   </p:cSld>
@@ -756,7 +1170,7 @@
     </p:spTree>
     <p:extLst>
       <p:ext uri="{BB962C8B-B14F-4D97-AF65-F5344CB8AC3E}">
-        <p14:creationId xmlns:p14="http://schemas.microsoft.com/office/powerpoint/2010/main" val="3829412528"/>
+        <p14:creationId xmlns:p14="http://schemas.microsoft.com/office/powerpoint/2010/main" val="2121113133"/>
       </p:ext>
     </p:extLst>
   </p:cSld>
@@ -824,7 +1238,7 @@
     </p:spTree>
     <p:extLst>
       <p:ext uri="{BB962C8B-B14F-4D97-AF65-F5344CB8AC3E}">
-        <p14:creationId xmlns:p14="http://schemas.microsoft.com/office/powerpoint/2010/main" val="3662405186"/>
+        <p14:creationId xmlns:p14="http://schemas.microsoft.com/office/powerpoint/2010/main" val="375834856"/>
       </p:ext>
     </p:extLst>
   </p:cSld>
@@ -892,7 +1306,7 @@
     </p:spTree>
     <p:extLst>
       <p:ext uri="{BB962C8B-B14F-4D97-AF65-F5344CB8AC3E}">
-        <p14:creationId xmlns:p14="http://schemas.microsoft.com/office/powerpoint/2010/main" val="364384944"/>
+        <p14:creationId xmlns:p14="http://schemas.microsoft.com/office/powerpoint/2010/main" val="3829412528"/>
       </p:ext>
     </p:extLst>
   </p:cSld>
@@ -960,7 +1374,7 @@
     </p:spTree>
     <p:extLst>
       <p:ext uri="{BB962C8B-B14F-4D97-AF65-F5344CB8AC3E}">
-        <p14:creationId xmlns:p14="http://schemas.microsoft.com/office/powerpoint/2010/main" val="2133018733"/>
+        <p14:creationId xmlns:p14="http://schemas.microsoft.com/office/powerpoint/2010/main" val="3662405186"/>
       </p:ext>
     </p:extLst>
   </p:cSld>
@@ -1028,7 +1442,7 @@
     </p:spTree>
     <p:extLst>
       <p:ext uri="{BB962C8B-B14F-4D97-AF65-F5344CB8AC3E}">
-        <p14:creationId xmlns:p14="http://schemas.microsoft.com/office/powerpoint/2010/main" val="1062867310"/>
+        <p14:creationId xmlns:p14="http://schemas.microsoft.com/office/powerpoint/2010/main" val="364384944"/>
       </p:ext>
     </p:extLst>
   </p:cSld>
@@ -1096,7 +1510,7 @@
     </p:spTree>
     <p:extLst>
       <p:ext uri="{BB962C8B-B14F-4D97-AF65-F5344CB8AC3E}">
-        <p14:creationId xmlns:p14="http://schemas.microsoft.com/office/powerpoint/2010/main" val="4042249785"/>
+        <p14:creationId xmlns:p14="http://schemas.microsoft.com/office/powerpoint/2010/main" val="2133018733"/>
       </p:ext>
     </p:extLst>
   </p:cSld>
@@ -1164,7 +1578,7 @@
     </p:spTree>
     <p:extLst>
       <p:ext uri="{BB962C8B-B14F-4D97-AF65-F5344CB8AC3E}">
-        <p14:creationId xmlns:p14="http://schemas.microsoft.com/office/powerpoint/2010/main" val="1280191976"/>
+        <p14:creationId xmlns:p14="http://schemas.microsoft.com/office/powerpoint/2010/main" val="1062867310"/>
       </p:ext>
     </p:extLst>
   </p:cSld>
@@ -1232,7 +1646,7 @@
     </p:spTree>
     <p:extLst>
       <p:ext uri="{BB962C8B-B14F-4D97-AF65-F5344CB8AC3E}">
-        <p14:creationId xmlns:p14="http://schemas.microsoft.com/office/powerpoint/2010/main" val="1695321687"/>
+        <p14:creationId xmlns:p14="http://schemas.microsoft.com/office/powerpoint/2010/main" val="4042249785"/>
       </p:ext>
     </p:extLst>
   </p:cSld>
@@ -1422,7 +1836,7 @@
             <a:fld id="{17450E51-4C5E-4BB5-8E54-A147694BC1CA}" type="datetimeFigureOut">
               <a:rPr lang="en-US" smtClean="0"/>
               <a:pPr/>
-              <a:t>1/26/2018</a:t>
+              <a:t>1/30/2018</a:t>
             </a:fld>
             <a:endParaRPr lang="en-US"/>
           </a:p>
@@ -1587,7 +2001,7 @@
             <a:fld id="{17450E51-4C5E-4BB5-8E54-A147694BC1CA}" type="datetimeFigureOut">
               <a:rPr lang="en-US" smtClean="0"/>
               <a:pPr/>
-              <a:t>1/26/2018</a:t>
+              <a:t>1/30/2018</a:t>
             </a:fld>
             <a:endParaRPr lang="en-US"/>
           </a:p>
@@ -1762,7 +2176,7 @@
             <a:fld id="{17450E51-4C5E-4BB5-8E54-A147694BC1CA}" type="datetimeFigureOut">
               <a:rPr lang="en-US" smtClean="0"/>
               <a:pPr/>
-              <a:t>1/26/2018</a:t>
+              <a:t>1/30/2018</a:t>
             </a:fld>
             <a:endParaRPr lang="en-US"/>
           </a:p>
@@ -1927,7 +2341,7 @@
             <a:fld id="{17450E51-4C5E-4BB5-8E54-A147694BC1CA}" type="datetimeFigureOut">
               <a:rPr lang="en-US" smtClean="0"/>
               <a:pPr/>
-              <a:t>1/26/2018</a:t>
+              <a:t>1/30/2018</a:t>
             </a:fld>
             <a:endParaRPr lang="en-US"/>
           </a:p>
@@ -2169,7 +2583,7 @@
             <a:fld id="{17450E51-4C5E-4BB5-8E54-A147694BC1CA}" type="datetimeFigureOut">
               <a:rPr lang="en-US" smtClean="0"/>
               <a:pPr/>
-              <a:t>1/26/2018</a:t>
+              <a:t>1/30/2018</a:t>
             </a:fld>
             <a:endParaRPr lang="en-US"/>
           </a:p>
@@ -2451,7 +2865,7 @@
             <a:fld id="{17450E51-4C5E-4BB5-8E54-A147694BC1CA}" type="datetimeFigureOut">
               <a:rPr lang="en-US" smtClean="0"/>
               <a:pPr/>
-              <a:t>1/26/2018</a:t>
+              <a:t>1/30/2018</a:t>
             </a:fld>
             <a:endParaRPr lang="en-US"/>
           </a:p>
@@ -2867,7 +3281,7 @@
             <a:fld id="{17450E51-4C5E-4BB5-8E54-A147694BC1CA}" type="datetimeFigureOut">
               <a:rPr lang="en-US" smtClean="0"/>
               <a:pPr/>
-              <a:t>1/26/2018</a:t>
+              <a:t>1/30/2018</a:t>
             </a:fld>
             <a:endParaRPr lang="en-US"/>
           </a:p>
@@ -2981,7 +3395,7 @@
             <a:fld id="{17450E51-4C5E-4BB5-8E54-A147694BC1CA}" type="datetimeFigureOut">
               <a:rPr lang="en-US" smtClean="0"/>
               <a:pPr/>
-              <a:t>1/26/2018</a:t>
+              <a:t>1/30/2018</a:t>
             </a:fld>
             <a:endParaRPr lang="en-US"/>
           </a:p>
@@ -3073,7 +3487,7 @@
             <a:fld id="{17450E51-4C5E-4BB5-8E54-A147694BC1CA}" type="datetimeFigureOut">
               <a:rPr lang="en-US" smtClean="0"/>
               <a:pPr/>
-              <a:t>1/26/2018</a:t>
+              <a:t>1/30/2018</a:t>
             </a:fld>
             <a:endParaRPr lang="en-US"/>
           </a:p>
@@ -3345,7 +3759,7 @@
             <a:fld id="{17450E51-4C5E-4BB5-8E54-A147694BC1CA}" type="datetimeFigureOut">
               <a:rPr lang="en-US" smtClean="0"/>
               <a:pPr/>
-              <a:t>1/26/2018</a:t>
+              <a:t>1/30/2018</a:t>
             </a:fld>
             <a:endParaRPr lang="en-US"/>
           </a:p>
@@ -3594,7 +4008,7 @@
             <a:fld id="{17450E51-4C5E-4BB5-8E54-A147694BC1CA}" type="datetimeFigureOut">
               <a:rPr lang="en-US" smtClean="0"/>
               <a:pPr/>
-              <a:t>1/26/2018</a:t>
+              <a:t>1/30/2018</a:t>
             </a:fld>
             <a:endParaRPr lang="en-US"/>
           </a:p>
@@ -3802,7 +4216,7 @@
             <a:fld id="{17450E51-4C5E-4BB5-8E54-A147694BC1CA}" type="datetimeFigureOut">
               <a:rPr lang="en-US" smtClean="0"/>
               <a:pPr/>
-              <a:t>1/26/2018</a:t>
+              <a:t>1/30/2018</a:t>
             </a:fld>
             <a:endParaRPr lang="en-US"/>
           </a:p>
@@ -4173,243 +4587,6 @@
           <a:chExt cx="0" cy="0"/>
         </a:xfrm>
       </p:grpSpPr>
-      <p:pic>
-        <p:nvPicPr>
-          <p:cNvPr id="22530" name="Picture 2" descr="Image result for stock market chart pictures">
-            <a:extLst>
-              <a:ext uri="{FF2B5EF4-FFF2-40B4-BE49-F238E27FC236}">
-                <a16:creationId xmlns:a16="http://schemas.microsoft.com/office/drawing/2014/main" id="{B6E261C0-D1F9-4D86-A8FC-7C37CC741C58}"/>
-              </a:ext>
-            </a:extLst>
-          </p:cNvPr>
-          <p:cNvPicPr>
-            <a:picLocks noChangeAspect="1" noChangeArrowheads="1"/>
-          </p:cNvPicPr>
-          <p:nvPr/>
-        </p:nvPicPr>
-        <p:blipFill>
-          <a:blip r:embed="rId2">
-            <a:extLst>
-              <a:ext uri="{28A0092B-C50C-407E-A947-70E740481C1C}">
-                <a14:useLocalDpi xmlns:a14="http://schemas.microsoft.com/office/drawing/2010/main" val="0"/>
-              </a:ext>
-            </a:extLst>
-          </a:blip>
-          <a:srcRect/>
-          <a:stretch>
-            <a:fillRect/>
-          </a:stretch>
-        </p:blipFill>
-        <p:spPr bwMode="auto">
-          <a:xfrm>
-            <a:off x="0" y="1600200"/>
-            <a:ext cx="9144000" cy="5257800"/>
-          </a:xfrm>
-          <a:prstGeom prst="rect">
-            <a:avLst/>
-          </a:prstGeom>
-          <a:noFill/>
-          <a:extLst>
-            <a:ext uri="{909E8E84-426E-40DD-AFC4-6F175D3DCCD1}">
-              <a14:hiddenFill xmlns:a14="http://schemas.microsoft.com/office/drawing/2010/main">
-                <a:solidFill>
-                  <a:srgbClr val="FFFFFF"/>
-                </a:solidFill>
-              </a14:hiddenFill>
-            </a:ext>
-          </a:extLst>
-        </p:spPr>
-      </p:pic>
-      <p:sp>
-        <p:nvSpPr>
-          <p:cNvPr id="4" name="Rectangle 2"/>
-          <p:cNvSpPr txBox="1">
-            <a:spLocks noChangeArrowheads="1"/>
-          </p:cNvSpPr>
-          <p:nvPr/>
-        </p:nvSpPr>
-        <p:spPr>
-          <a:xfrm>
-            <a:off x="0" y="0"/>
-            <a:ext cx="9144000" cy="1600200"/>
-          </a:xfrm>
-          <a:prstGeom prst="rect">
-            <a:avLst/>
-          </a:prstGeom>
-          <a:solidFill>
-            <a:srgbClr val="000066"/>
-          </a:solidFill>
-        </p:spPr>
-        <p:txBody>
-          <a:bodyPr/>
-          <a:lstStyle/>
-          <a:p>
-            <a:pPr lvl="0" eaLnBrk="0" hangingPunct="0">
-              <a:defRPr/>
-            </a:pPr>
-            <a:r>
-              <a:rPr lang="en-US" sz="2800" b="1" kern="0" dirty="0">
-                <a:solidFill>
-                  <a:schemeClr val="bg1"/>
-                </a:solidFill>
-              </a:rPr>
-              <a:t>	</a:t>
-            </a:r>
-          </a:p>
-          <a:p>
-            <a:pPr lvl="0" eaLnBrk="0" hangingPunct="0">
-              <a:defRPr/>
-            </a:pPr>
-            <a:r>
-              <a:rPr lang="en-US" sz="2800" b="1" kern="0" dirty="0">
-                <a:solidFill>
-                  <a:schemeClr val="bg1"/>
-                </a:solidFill>
-              </a:rPr>
-              <a:t>	Bounce Back</a:t>
-            </a:r>
-            <a:endParaRPr lang="en-US" b="1" i="1" kern="0" dirty="0">
-              <a:solidFill>
-                <a:schemeClr val="bg1"/>
-              </a:solidFill>
-            </a:endParaRPr>
-          </a:p>
-          <a:p>
-            <a:pPr lvl="0" eaLnBrk="0" hangingPunct="0">
-              <a:defRPr/>
-            </a:pPr>
-            <a:r>
-              <a:rPr lang="en-US" b="1" i="1" kern="0" dirty="0">
-                <a:solidFill>
-                  <a:schemeClr val="bg1"/>
-                </a:solidFill>
-              </a:rPr>
-              <a:t>	An analysis of emotional stock volatility to corporate news worthy events</a:t>
-            </a:r>
-            <a:endParaRPr lang="en-US" sz="1600" b="1" i="1" kern="0" dirty="0">
-              <a:solidFill>
-                <a:schemeClr val="bg1"/>
-              </a:solidFill>
-            </a:endParaRPr>
-          </a:p>
-          <a:p>
-            <a:pPr lvl="0" eaLnBrk="0" hangingPunct="0">
-              <a:defRPr/>
-            </a:pPr>
-            <a:r>
-              <a:rPr lang="en-US" sz="1600" b="1" kern="0" dirty="0">
-                <a:solidFill>
-                  <a:schemeClr val="bg1"/>
-                </a:solidFill>
-              </a:rPr>
-              <a:t>	Jan 24, 2018</a:t>
-            </a:r>
-          </a:p>
-          <a:p>
-            <a:pPr lvl="0" eaLnBrk="0" hangingPunct="0">
-              <a:defRPr/>
-            </a:pPr>
-            <a:endParaRPr lang="en-US" sz="1400" kern="0" dirty="0">
-              <a:solidFill>
-                <a:schemeClr val="bg1"/>
-              </a:solidFill>
-              <a:latin typeface="+mj-lt"/>
-              <a:ea typeface="+mj-ea"/>
-              <a:cs typeface="+mj-cs"/>
-            </a:endParaRPr>
-          </a:p>
-          <a:p>
-            <a:pPr lvl="0" eaLnBrk="0" hangingPunct="0">
-              <a:defRPr/>
-            </a:pPr>
-            <a:endParaRPr lang="en-US" kern="0" dirty="0">
-              <a:solidFill>
-                <a:schemeClr val="bg1"/>
-              </a:solidFill>
-              <a:latin typeface="+mj-lt"/>
-              <a:ea typeface="+mj-ea"/>
-              <a:cs typeface="+mj-cs"/>
-            </a:endParaRPr>
-          </a:p>
-          <a:p>
-            <a:pPr lvl="0" eaLnBrk="0" hangingPunct="0">
-              <a:defRPr/>
-            </a:pPr>
-            <a:r>
-              <a:rPr lang="en-US" sz="1600" kern="0" dirty="0">
-                <a:solidFill>
-                  <a:schemeClr val="bg1"/>
-                </a:solidFill>
-                <a:latin typeface="+mj-lt"/>
-                <a:ea typeface="+mj-ea"/>
-                <a:cs typeface="+mj-cs"/>
-              </a:rPr>
-              <a:t>Names</a:t>
-            </a:r>
-            <a:endParaRPr lang="en-US" sz="2000" b="0" kern="0" noProof="0" dirty="0">
-              <a:solidFill>
-                <a:schemeClr val="bg1"/>
-              </a:solidFill>
-              <a:latin typeface="+mj-lt"/>
-              <a:ea typeface="+mj-ea"/>
-              <a:cs typeface="+mj-cs"/>
-              <a:hlinkClick r:id="rId3"/>
-            </a:endParaRPr>
-          </a:p>
-          <a:p>
-            <a:pPr lvl="0" eaLnBrk="0" hangingPunct="0">
-              <a:defRPr/>
-            </a:pPr>
-            <a:endParaRPr lang="en-US" sz="1050" b="0" kern="0" dirty="0">
-              <a:solidFill>
-                <a:schemeClr val="bg1"/>
-              </a:solidFill>
-              <a:latin typeface="+mj-lt"/>
-              <a:ea typeface="+mj-ea"/>
-              <a:cs typeface="+mj-cs"/>
-              <a:hlinkClick r:id="rId3"/>
-            </a:endParaRPr>
-          </a:p>
-          <a:p>
-            <a:pPr lvl="0" eaLnBrk="0" hangingPunct="0">
-              <a:defRPr/>
-            </a:pPr>
-            <a:endParaRPr lang="en-US" kern="0" dirty="0">
-              <a:solidFill>
-                <a:schemeClr val="bg1"/>
-              </a:solidFill>
-              <a:latin typeface="+mj-lt"/>
-              <a:ea typeface="+mj-ea"/>
-              <a:cs typeface="+mj-cs"/>
-            </a:endParaRPr>
-          </a:p>
-        </p:txBody>
-      </p:sp>
-    </p:spTree>
-  </p:cSld>
-  <p:clrMapOvr>
-    <a:masterClrMapping/>
-  </p:clrMapOvr>
-</p:sld>
-</file>
-
-<file path=ppt/slides/slide10.xml><?xml version="1.0" encoding="utf-8"?>
-<p:sld xmlns:a="http://schemas.openxmlformats.org/drawingml/2006/main" xmlns:r="http://schemas.openxmlformats.org/officeDocument/2006/relationships" xmlns:p="http://schemas.openxmlformats.org/presentationml/2006/main">
-  <p:cSld>
-    <p:spTree>
-      <p:nvGrpSpPr>
-        <p:cNvPr id="1" name=""/>
-        <p:cNvGrpSpPr/>
-        <p:nvPr/>
-      </p:nvGrpSpPr>
-      <p:grpSpPr>
-        <a:xfrm>
-          <a:off x="0" y="0"/>
-          <a:ext cx="0" cy="0"/>
-          <a:chOff x="0" y="0"/>
-          <a:chExt cx="0" cy="0"/>
-        </a:xfrm>
-      </p:grpSpPr>
       <p:graphicFrame>
         <p:nvGraphicFramePr>
           <p:cNvPr id="235522" name="Rectangle 2" hidden="1"/>
@@ -4430,7 +4607,7 @@
           <a:graphicData uri="http://schemas.openxmlformats.org/presentationml/2006/ole">
             <mc:AlternateContent xmlns:mc="http://schemas.openxmlformats.org/markup-compatibility/2006">
               <mc:Choice xmlns:v="urn:schemas-microsoft-com:vml" Requires="v">
-                <p:oleObj spid="_x0000_s28690" r:id="rId5" imgW="0" imgH="0" progId="TCLayout.ActiveDocument.1">
+                <p:oleObj spid="_x0000_s33813" r:id="rId5" imgW="0" imgH="0" progId="TCLayout.ActiveDocument.1">
                   <p:embed/>
                 </p:oleObj>
               </mc:Choice>
@@ -4499,477 +4676,6 @@
       </p:graphicFrame>
       <p:sp>
         <p:nvSpPr>
-          <p:cNvPr id="8" name="Title 40">
-            <a:extLst>
-              <a:ext uri="{FF2B5EF4-FFF2-40B4-BE49-F238E27FC236}">
-                <a16:creationId xmlns:a16="http://schemas.microsoft.com/office/drawing/2014/main" id="{6D65D641-D69D-4168-BB7D-AD3F200877E3}"/>
-              </a:ext>
-            </a:extLst>
-          </p:cNvPr>
-          <p:cNvSpPr>
-            <a:spLocks noGrp="1"/>
-          </p:cNvSpPr>
-          <p:nvPr>
-            <p:ph type="title"/>
-          </p:nvPr>
-        </p:nvSpPr>
-        <p:spPr>
-          <a:xfrm>
-            <a:off x="381000" y="152400"/>
-            <a:ext cx="8153400" cy="808038"/>
-          </a:xfrm>
-        </p:spPr>
-        <p:txBody>
-          <a:bodyPr>
-            <a:normAutofit/>
-          </a:bodyPr>
-          <a:lstStyle/>
-          <a:p>
-            <a:pPr algn="l"/>
-            <a:r>
-              <a:rPr lang="en-US" sz="1800" b="1" dirty="0">
-                <a:solidFill>
-                  <a:srgbClr val="000066"/>
-                </a:solidFill>
-              </a:rPr>
-              <a:t>Methodology</a:t>
-            </a:r>
-          </a:p>
-        </p:txBody>
-      </p:sp>
-    </p:spTree>
-    <p:extLst>
-      <p:ext uri="{BB962C8B-B14F-4D97-AF65-F5344CB8AC3E}">
-        <p14:creationId xmlns:p14="http://schemas.microsoft.com/office/powerpoint/2010/main" val="2893906040"/>
-      </p:ext>
-    </p:extLst>
-  </p:cSld>
-  <p:clrMapOvr>
-    <a:masterClrMapping/>
-  </p:clrMapOvr>
-</p:sld>
-</file>
-
-<file path=ppt/slides/slide11.xml><?xml version="1.0" encoding="utf-8"?>
-<p:sld xmlns:a="http://schemas.openxmlformats.org/drawingml/2006/main" xmlns:r="http://schemas.openxmlformats.org/officeDocument/2006/relationships" xmlns:p="http://schemas.openxmlformats.org/presentationml/2006/main">
-  <p:cSld>
-    <p:spTree>
-      <p:nvGrpSpPr>
-        <p:cNvPr id="1" name=""/>
-        <p:cNvGrpSpPr/>
-        <p:nvPr/>
-      </p:nvGrpSpPr>
-      <p:grpSpPr>
-        <a:xfrm>
-          <a:off x="0" y="0"/>
-          <a:ext cx="0" cy="0"/>
-          <a:chOff x="0" y="0"/>
-          <a:chExt cx="0" cy="0"/>
-        </a:xfrm>
-      </p:grpSpPr>
-      <p:graphicFrame>
-        <p:nvGraphicFramePr>
-          <p:cNvPr id="235522" name="Rectangle 2" hidden="1"/>
-          <p:cNvGraphicFramePr>
-            <a:graphicFrameLocks/>
-          </p:cNvGraphicFramePr>
-          <p:nvPr>
-            <p:custDataLst>
-              <p:tags r:id="rId2"/>
-            </p:custDataLst>
-          </p:nvPr>
-        </p:nvGraphicFramePr>
-        <p:xfrm>
-          <a:off x="0" y="-305118"/>
-          <a:ext cx="158519" cy="158518"/>
-        </p:xfrm>
-        <a:graphic>
-          <a:graphicData uri="http://schemas.openxmlformats.org/presentationml/2006/ole">
-            <mc:AlternateContent xmlns:mc="http://schemas.openxmlformats.org/markup-compatibility/2006">
-              <mc:Choice xmlns:v="urn:schemas-microsoft-com:vml" Requires="v">
-                <p:oleObj spid="_x0000_s29714" r:id="rId5" imgW="0" imgH="0" progId="TCLayout.ActiveDocument.1">
-                  <p:embed/>
-                </p:oleObj>
-              </mc:Choice>
-              <mc:Fallback>
-                <p:oleObj r:id="rId5" imgW="0" imgH="0" progId="TCLayout.ActiveDocument.1">
-                  <p:embed/>
-                  <p:pic>
-                    <p:nvPicPr>
-                      <p:cNvPr id="235522" name="Rectangle 2" hidden="1"/>
-                      <p:cNvPicPr preferRelativeResize="0">
-                        <a:picLocks noChangeArrowheads="1"/>
-                      </p:cNvPicPr>
-                      <p:nvPr/>
-                    </p:nvPicPr>
-                    <p:blipFill>
-                      <a:blip>
-                        <a:extLst>
-                          <a:ext uri="{28A0092B-C50C-407E-A947-70E740481C1C}">
-                            <a14:useLocalDpi xmlns:a14="http://schemas.microsoft.com/office/drawing/2010/main" val="0"/>
-                          </a:ext>
-                        </a:extLst>
-                      </a:blip>
-                      <a:srcRect/>
-                      <a:stretch>
-                        <a:fillRect/>
-                      </a:stretch>
-                    </p:blipFill>
-                    <p:spPr bwMode="auto">
-                      <a:xfrm>
-                        <a:off x="0" y="-305118"/>
-                        <a:ext cx="158519" cy="158518"/>
-                      </a:xfrm>
-                      <a:prstGeom prst="rect">
-                        <a:avLst/>
-                      </a:prstGeom>
-                      <a:noFill/>
-                      <a:ln>
-                        <a:noFill/>
-                      </a:ln>
-                      <a:extLst>
-                        <a:ext uri="{909E8E84-426E-40DD-AFC4-6F175D3DCCD1}">
-                          <a14:hiddenFill xmlns:a14="http://schemas.microsoft.com/office/drawing/2010/main">
-                            <a:solidFill>
-                              <a:srgbClr val="FFFFFF"/>
-                            </a:solidFill>
-                          </a14:hiddenFill>
-                        </a:ext>
-                        <a:ext uri="{91240B29-F687-4F45-9708-019B960494DF}">
-                          <a14:hiddenLine xmlns:a14="http://schemas.microsoft.com/office/drawing/2010/main" w="9525">
-                            <a:solidFill>
-                              <a:srgbClr val="000000"/>
-                            </a:solidFill>
-                            <a:miter lim="800000"/>
-                            <a:headEnd/>
-                            <a:tailEnd/>
-                          </a14:hiddenLine>
-                        </a:ext>
-                      </a:extLst>
-                    </p:spPr>
-                  </p:pic>
-                </p:oleObj>
-              </mc:Fallback>
-            </mc:AlternateContent>
-          </a:graphicData>
-        </a:graphic>
-      </p:graphicFrame>
-      <p:sp>
-        <p:nvSpPr>
-          <p:cNvPr id="8" name="Title 40">
-            <a:extLst>
-              <a:ext uri="{FF2B5EF4-FFF2-40B4-BE49-F238E27FC236}">
-                <a16:creationId xmlns:a16="http://schemas.microsoft.com/office/drawing/2014/main" id="{6D65D641-D69D-4168-BB7D-AD3F200877E3}"/>
-              </a:ext>
-            </a:extLst>
-          </p:cNvPr>
-          <p:cNvSpPr>
-            <a:spLocks noGrp="1"/>
-          </p:cNvSpPr>
-          <p:nvPr>
-            <p:ph type="title"/>
-          </p:nvPr>
-        </p:nvSpPr>
-        <p:spPr>
-          <a:xfrm>
-            <a:off x="381000" y="152400"/>
-            <a:ext cx="8153400" cy="808038"/>
-          </a:xfrm>
-        </p:spPr>
-        <p:txBody>
-          <a:bodyPr>
-            <a:normAutofit/>
-          </a:bodyPr>
-          <a:lstStyle/>
-          <a:p>
-            <a:pPr algn="l"/>
-            <a:r>
-              <a:rPr lang="en-US" sz="1800" b="1" dirty="0">
-                <a:solidFill>
-                  <a:srgbClr val="000066"/>
-                </a:solidFill>
-              </a:rPr>
-              <a:t>Analysis</a:t>
-            </a:r>
-          </a:p>
-        </p:txBody>
-      </p:sp>
-    </p:spTree>
-    <p:extLst>
-      <p:ext uri="{BB962C8B-B14F-4D97-AF65-F5344CB8AC3E}">
-        <p14:creationId xmlns:p14="http://schemas.microsoft.com/office/powerpoint/2010/main" val="1283919287"/>
-      </p:ext>
-    </p:extLst>
-  </p:cSld>
-  <p:clrMapOvr>
-    <a:masterClrMapping/>
-  </p:clrMapOvr>
-</p:sld>
-</file>
-
-<file path=ppt/slides/slide12.xml><?xml version="1.0" encoding="utf-8"?>
-<p:sld xmlns:a="http://schemas.openxmlformats.org/drawingml/2006/main" xmlns:r="http://schemas.openxmlformats.org/officeDocument/2006/relationships" xmlns:p="http://schemas.openxmlformats.org/presentationml/2006/main">
-  <p:cSld>
-    <p:spTree>
-      <p:nvGrpSpPr>
-        <p:cNvPr id="1" name=""/>
-        <p:cNvGrpSpPr/>
-        <p:nvPr/>
-      </p:nvGrpSpPr>
-      <p:grpSpPr>
-        <a:xfrm>
-          <a:off x="0" y="0"/>
-          <a:ext cx="0" cy="0"/>
-          <a:chOff x="0" y="0"/>
-          <a:chExt cx="0" cy="0"/>
-        </a:xfrm>
-      </p:grpSpPr>
-      <p:graphicFrame>
-        <p:nvGraphicFramePr>
-          <p:cNvPr id="235522" name="Rectangle 2" hidden="1"/>
-          <p:cNvGraphicFramePr>
-            <a:graphicFrameLocks/>
-          </p:cNvGraphicFramePr>
-          <p:nvPr>
-            <p:custDataLst>
-              <p:tags r:id="rId2"/>
-            </p:custDataLst>
-          </p:nvPr>
-        </p:nvGraphicFramePr>
-        <p:xfrm>
-          <a:off x="0" y="-305118"/>
-          <a:ext cx="158519" cy="158518"/>
-        </p:xfrm>
-        <a:graphic>
-          <a:graphicData uri="http://schemas.openxmlformats.org/presentationml/2006/ole">
-            <mc:AlternateContent xmlns:mc="http://schemas.openxmlformats.org/markup-compatibility/2006">
-              <mc:Choice xmlns:v="urn:schemas-microsoft-com:vml" Requires="v">
-                <p:oleObj spid="_x0000_s30738" r:id="rId5" imgW="0" imgH="0" progId="TCLayout.ActiveDocument.1">
-                  <p:embed/>
-                </p:oleObj>
-              </mc:Choice>
-              <mc:Fallback>
-                <p:oleObj r:id="rId5" imgW="0" imgH="0" progId="TCLayout.ActiveDocument.1">
-                  <p:embed/>
-                  <p:pic>
-                    <p:nvPicPr>
-                      <p:cNvPr id="235522" name="Rectangle 2" hidden="1"/>
-                      <p:cNvPicPr preferRelativeResize="0">
-                        <a:picLocks noChangeArrowheads="1"/>
-                      </p:cNvPicPr>
-                      <p:nvPr/>
-                    </p:nvPicPr>
-                    <p:blipFill>
-                      <a:blip>
-                        <a:extLst>
-                          <a:ext uri="{28A0092B-C50C-407E-A947-70E740481C1C}">
-                            <a14:useLocalDpi xmlns:a14="http://schemas.microsoft.com/office/drawing/2010/main" val="0"/>
-                          </a:ext>
-                        </a:extLst>
-                      </a:blip>
-                      <a:srcRect/>
-                      <a:stretch>
-                        <a:fillRect/>
-                      </a:stretch>
-                    </p:blipFill>
-                    <p:spPr bwMode="auto">
-                      <a:xfrm>
-                        <a:off x="0" y="-305118"/>
-                        <a:ext cx="158519" cy="158518"/>
-                      </a:xfrm>
-                      <a:prstGeom prst="rect">
-                        <a:avLst/>
-                      </a:prstGeom>
-                      <a:noFill/>
-                      <a:ln>
-                        <a:noFill/>
-                      </a:ln>
-                      <a:extLst>
-                        <a:ext uri="{909E8E84-426E-40DD-AFC4-6F175D3DCCD1}">
-                          <a14:hiddenFill xmlns:a14="http://schemas.microsoft.com/office/drawing/2010/main">
-                            <a:solidFill>
-                              <a:srgbClr val="FFFFFF"/>
-                            </a:solidFill>
-                          </a14:hiddenFill>
-                        </a:ext>
-                        <a:ext uri="{91240B29-F687-4F45-9708-019B960494DF}">
-                          <a14:hiddenLine xmlns:a14="http://schemas.microsoft.com/office/drawing/2010/main" w="9525">
-                            <a:solidFill>
-                              <a:srgbClr val="000000"/>
-                            </a:solidFill>
-                            <a:miter lim="800000"/>
-                            <a:headEnd/>
-                            <a:tailEnd/>
-                          </a14:hiddenLine>
-                        </a:ext>
-                      </a:extLst>
-                    </p:spPr>
-                  </p:pic>
-                </p:oleObj>
-              </mc:Fallback>
-            </mc:AlternateContent>
-          </a:graphicData>
-        </a:graphic>
-      </p:graphicFrame>
-      <p:sp>
-        <p:nvSpPr>
-          <p:cNvPr id="8" name="Title 40">
-            <a:extLst>
-              <a:ext uri="{FF2B5EF4-FFF2-40B4-BE49-F238E27FC236}">
-                <a16:creationId xmlns:a16="http://schemas.microsoft.com/office/drawing/2014/main" id="{6D65D641-D69D-4168-BB7D-AD3F200877E3}"/>
-              </a:ext>
-            </a:extLst>
-          </p:cNvPr>
-          <p:cNvSpPr>
-            <a:spLocks noGrp="1"/>
-          </p:cNvSpPr>
-          <p:nvPr>
-            <p:ph type="title"/>
-          </p:nvPr>
-        </p:nvSpPr>
-        <p:spPr>
-          <a:xfrm>
-            <a:off x="381000" y="152400"/>
-            <a:ext cx="8153400" cy="808038"/>
-          </a:xfrm>
-        </p:spPr>
-        <p:txBody>
-          <a:bodyPr>
-            <a:normAutofit/>
-          </a:bodyPr>
-          <a:lstStyle/>
-          <a:p>
-            <a:pPr algn="l"/>
-            <a:r>
-              <a:rPr lang="en-US" sz="1800" b="1" dirty="0">
-                <a:solidFill>
-                  <a:srgbClr val="000066"/>
-                </a:solidFill>
-              </a:rPr>
-              <a:t>Findings</a:t>
-            </a:r>
-          </a:p>
-        </p:txBody>
-      </p:sp>
-    </p:spTree>
-    <p:extLst>
-      <p:ext uri="{BB962C8B-B14F-4D97-AF65-F5344CB8AC3E}">
-        <p14:creationId xmlns:p14="http://schemas.microsoft.com/office/powerpoint/2010/main" val="3075463552"/>
-      </p:ext>
-    </p:extLst>
-  </p:cSld>
-  <p:clrMapOvr>
-    <a:masterClrMapping/>
-  </p:clrMapOvr>
-</p:sld>
-</file>
-
-<file path=ppt/slides/slide2.xml><?xml version="1.0" encoding="utf-8"?>
-<p:sld xmlns:a="http://schemas.openxmlformats.org/drawingml/2006/main" xmlns:r="http://schemas.openxmlformats.org/officeDocument/2006/relationships" xmlns:p="http://schemas.openxmlformats.org/presentationml/2006/main">
-  <p:cSld>
-    <p:spTree>
-      <p:nvGrpSpPr>
-        <p:cNvPr id="1" name=""/>
-        <p:cNvGrpSpPr/>
-        <p:nvPr/>
-      </p:nvGrpSpPr>
-      <p:grpSpPr>
-        <a:xfrm>
-          <a:off x="0" y="0"/>
-          <a:ext cx="0" cy="0"/>
-          <a:chOff x="0" y="0"/>
-          <a:chExt cx="0" cy="0"/>
-        </a:xfrm>
-      </p:grpSpPr>
-      <p:graphicFrame>
-        <p:nvGraphicFramePr>
-          <p:cNvPr id="235522" name="Rectangle 2" hidden="1"/>
-          <p:cNvGraphicFramePr>
-            <a:graphicFrameLocks/>
-          </p:cNvGraphicFramePr>
-          <p:nvPr>
-            <p:custDataLst>
-              <p:tags r:id="rId2"/>
-            </p:custDataLst>
-          </p:nvPr>
-        </p:nvGraphicFramePr>
-        <p:xfrm>
-          <a:off x="0" y="-305118"/>
-          <a:ext cx="158519" cy="158518"/>
-        </p:xfrm>
-        <a:graphic>
-          <a:graphicData uri="http://schemas.openxmlformats.org/presentationml/2006/ole">
-            <mc:AlternateContent xmlns:mc="http://schemas.openxmlformats.org/markup-compatibility/2006">
-              <mc:Choice xmlns:v="urn:schemas-microsoft-com:vml" Requires="v">
-                <p:oleObj spid="_x0000_s21557" r:id="rId5" imgW="0" imgH="0" progId="TCLayout.ActiveDocument.1">
-                  <p:embed/>
-                </p:oleObj>
-              </mc:Choice>
-              <mc:Fallback>
-                <p:oleObj r:id="rId5" imgW="0" imgH="0" progId="TCLayout.ActiveDocument.1">
-                  <p:embed/>
-                  <p:pic>
-                    <p:nvPicPr>
-                      <p:cNvPr id="235522" name="Rectangle 2" hidden="1"/>
-                      <p:cNvPicPr preferRelativeResize="0">
-                        <a:picLocks noChangeArrowheads="1"/>
-                      </p:cNvPicPr>
-                      <p:nvPr/>
-                    </p:nvPicPr>
-                    <p:blipFill>
-                      <a:blip>
-                        <a:extLst>
-                          <a:ext uri="{28A0092B-C50C-407E-A947-70E740481C1C}">
-                            <a14:useLocalDpi xmlns:a14="http://schemas.microsoft.com/office/drawing/2010/main" val="0"/>
-                          </a:ext>
-                        </a:extLst>
-                      </a:blip>
-                      <a:srcRect/>
-                      <a:stretch>
-                        <a:fillRect/>
-                      </a:stretch>
-                    </p:blipFill>
-                    <p:spPr bwMode="auto">
-                      <a:xfrm>
-                        <a:off x="0" y="-305118"/>
-                        <a:ext cx="158519" cy="158518"/>
-                      </a:xfrm>
-                      <a:prstGeom prst="rect">
-                        <a:avLst/>
-                      </a:prstGeom>
-                      <a:noFill/>
-                      <a:ln>
-                        <a:noFill/>
-                      </a:ln>
-                      <a:extLst>
-                        <a:ext uri="{909E8E84-426E-40DD-AFC4-6F175D3DCCD1}">
-                          <a14:hiddenFill xmlns:a14="http://schemas.microsoft.com/office/drawing/2010/main">
-                            <a:solidFill>
-                              <a:srgbClr val="FFFFFF"/>
-                            </a:solidFill>
-                          </a14:hiddenFill>
-                        </a:ext>
-                        <a:ext uri="{91240B29-F687-4F45-9708-019B960494DF}">
-                          <a14:hiddenLine xmlns:a14="http://schemas.microsoft.com/office/drawing/2010/main" w="9525">
-                            <a:solidFill>
-                              <a:srgbClr val="000000"/>
-                            </a:solidFill>
-                            <a:miter lim="800000"/>
-                            <a:headEnd/>
-                            <a:tailEnd/>
-                          </a14:hiddenLine>
-                        </a:ext>
-                      </a:extLst>
-                    </p:spPr>
-                  </p:pic>
-                </p:oleObj>
-              </mc:Fallback>
-            </mc:AlternateContent>
-          </a:graphicData>
-        </a:graphic>
-      </p:graphicFrame>
-      <p:sp>
-        <p:nvSpPr>
           <p:cNvPr id="47" name="Title 40"/>
           <p:cNvSpPr>
             <a:spLocks noGrp="1"/>
@@ -4997,7 +4703,7 @@
                   <a:srgbClr val="000066"/>
                 </a:solidFill>
               </a:rPr>
-              <a:t>Executive Summary</a:t>
+              <a:t>Safe Harbor Statement</a:t>
             </a:r>
           </a:p>
         </p:txBody>
@@ -5017,7 +4723,7 @@
         <p:spPr>
           <a:xfrm>
             <a:off x="533400" y="975985"/>
-            <a:ext cx="7772400" cy="4524315"/>
+            <a:ext cx="7772400" cy="5078313"/>
           </a:xfrm>
           <a:prstGeom prst="rect">
             <a:avLst/>
@@ -5030,160 +4736,22 @@
           </a:bodyPr>
           <a:lstStyle/>
           <a:p>
-            <a:r>
-              <a:rPr lang="en-US" sz="1600" b="1" dirty="0">
-                <a:solidFill>
-                  <a:srgbClr val="000066"/>
-                </a:solidFill>
-              </a:rPr>
-              <a:t>Non-statistical sampling suggests equity markets initially overreact to unfavorable corporate news events</a:t>
-            </a:r>
-          </a:p>
-          <a:p>
-            <a:endParaRPr lang="en-US" sz="1600" b="1" dirty="0">
-              <a:solidFill>
-                <a:srgbClr val="000066"/>
-              </a:solidFill>
-            </a:endParaRPr>
-          </a:p>
-          <a:p>
-            <a:r>
-              <a:rPr lang="en-US" sz="1600" b="1" dirty="0">
-                <a:solidFill>
-                  <a:srgbClr val="000066"/>
-                </a:solidFill>
-              </a:rPr>
-              <a:t>These news events can be categorized into:</a:t>
-            </a:r>
-          </a:p>
-          <a:p>
-            <a:pPr marL="285750" indent="-285750">
-              <a:buFont typeface="Arial" panose="020B0604020202020204" pitchFamily="34" charset="0"/>
-              <a:buChar char="•"/>
-            </a:pPr>
-            <a:r>
-              <a:rPr lang="en-US" sz="1600" b="1" i="1" dirty="0">
-                <a:solidFill>
-                  <a:srgbClr val="000066"/>
-                </a:solidFill>
-              </a:rPr>
-              <a:t>Product Failure, Service Failure or Fraudulent Practice</a:t>
-            </a:r>
-          </a:p>
-          <a:p>
-            <a:pPr marL="285750" indent="-285750">
-              <a:buFont typeface="Arial" panose="020B0604020202020204" pitchFamily="34" charset="0"/>
-              <a:buChar char="•"/>
-            </a:pPr>
-            <a:r>
-              <a:rPr lang="en-US" sz="1600" b="1" i="1" dirty="0">
-                <a:solidFill>
-                  <a:srgbClr val="000066"/>
-                </a:solidFill>
-              </a:rPr>
-              <a:t>Accounting and Financial Misrepresentation</a:t>
-            </a:r>
-          </a:p>
-          <a:p>
-            <a:pPr marL="285750" indent="-285750">
-              <a:buFont typeface="Arial" panose="020B0604020202020204" pitchFamily="34" charset="0"/>
-              <a:buChar char="•"/>
-            </a:pPr>
-            <a:r>
-              <a:rPr lang="en-US" sz="1600" b="1" i="1" dirty="0">
-                <a:solidFill>
-                  <a:srgbClr val="000066"/>
-                </a:solidFill>
-              </a:rPr>
-              <a:t>Environmental or Ecological Hazzard</a:t>
-            </a:r>
-          </a:p>
-          <a:p>
-            <a:pPr marL="285750" indent="-285750">
-              <a:buFont typeface="Arial" panose="020B0604020202020204" pitchFamily="34" charset="0"/>
-              <a:buChar char="•"/>
-            </a:pPr>
-            <a:r>
-              <a:rPr lang="en-US" sz="1600" b="1" i="1" dirty="0">
-                <a:solidFill>
-                  <a:srgbClr val="000066"/>
-                </a:solidFill>
-              </a:rPr>
-              <a:t>Human Health Hazzard</a:t>
-            </a:r>
-          </a:p>
-          <a:p>
-            <a:pPr marL="285750" indent="-285750">
-              <a:buFont typeface="Arial" panose="020B0604020202020204" pitchFamily="34" charset="0"/>
-              <a:buChar char="•"/>
-            </a:pPr>
-            <a:endParaRPr lang="en-US" sz="1600" b="1" dirty="0">
-              <a:solidFill>
-                <a:srgbClr val="000066"/>
-              </a:solidFill>
-            </a:endParaRPr>
-          </a:p>
-          <a:p>
-            <a:r>
-              <a:rPr lang="en-US" sz="1600" b="1" dirty="0">
-                <a:solidFill>
-                  <a:srgbClr val="000066"/>
-                </a:solidFill>
-              </a:rPr>
-              <a:t>When the equity price begins losing value, the market becomes more fearful of sustaining further losses and the equity is subsequently sold in a panic</a:t>
-            </a:r>
-          </a:p>
-          <a:p>
-            <a:endParaRPr lang="en-US" sz="1600" b="1" dirty="0">
-              <a:solidFill>
-                <a:srgbClr val="000066"/>
-              </a:solidFill>
-            </a:endParaRPr>
-          </a:p>
-          <a:p>
-            <a:r>
-              <a:rPr lang="en-US" sz="1600" b="1" dirty="0">
-                <a:solidFill>
-                  <a:srgbClr val="000066"/>
-                </a:solidFill>
-              </a:rPr>
-              <a:t>Buying opportunity emerges when the equity becomes undervalued relative to it’s future cash flows</a:t>
-            </a:r>
-          </a:p>
-          <a:p>
-            <a:endParaRPr lang="en-US" sz="1600" b="1" dirty="0">
-              <a:solidFill>
-                <a:srgbClr val="000066"/>
-              </a:solidFill>
-            </a:endParaRPr>
-          </a:p>
-          <a:p>
-            <a:endParaRPr lang="en-US" sz="1600" dirty="0">
-              <a:solidFill>
-                <a:srgbClr val="000066"/>
-              </a:solidFill>
-            </a:endParaRPr>
-          </a:p>
-          <a:p>
-            <a:endParaRPr lang="en-US" sz="1600" dirty="0">
-              <a:solidFill>
-                <a:srgbClr val="000066"/>
-              </a:solidFill>
-            </a:endParaRPr>
-          </a:p>
-          <a:p>
-            <a:endParaRPr lang="en-US" sz="1600" dirty="0">
-              <a:solidFill>
-                <a:srgbClr val="000066"/>
-              </a:solidFill>
-            </a:endParaRPr>
+            <a:pPr fontAlgn="base"/>
+            <a:r>
+              <a:rPr lang="en-US" dirty="0"/>
+              <a:t>The analyst in this presentation are not financial advisers or brokers and do not offer financial advice based on your personal financial situation or goals and shall not be held liable for any investment or trading losses you may incur by using the information provided. This includes your trading the stocks mentioned on the Internet, various Internet chat rooms, message boards, video charts, in daily or weekly alerts or any other company publications. None of the information contained on messages in various Internet chat rooms, message boards, video charts, in daily or weekly alerts or any other company publications constitutes a recommendation to buy or sell a particular security. The content provided by the company is provided solely as an informational aid to your investment research and all investment decisions are solely the responsibility of the user. The information contained in any alerts, various Internet chat rooms, video charts, and other materials offered is believed to be accurate; however, we make no warranties or guarantees to its accuracy. All information is taken from SEC filings, company websites and Internet search engines and is believed to be deemed accurate and we take no responsibility if the information was not accurate and up to date.</a:t>
+            </a:r>
+          </a:p>
+          <a:p>
+            <a:pPr fontAlgn="base"/>
+            <a:endParaRPr lang="en-US" dirty="0"/>
           </a:p>
         </p:txBody>
       </p:sp>
     </p:spTree>
     <p:extLst>
       <p:ext uri="{BB962C8B-B14F-4D97-AF65-F5344CB8AC3E}">
-        <p14:creationId xmlns:p14="http://schemas.microsoft.com/office/powerpoint/2010/main" val="2179746406"/>
+        <p14:creationId xmlns:p14="http://schemas.microsoft.com/office/powerpoint/2010/main" val="3749445515"/>
       </p:ext>
     </p:extLst>
   </p:cSld>
@@ -5271,7 +4839,4003 @@
 </p:sld>
 </file>
 
+<file path=ppt/slides/slide10.xml><?xml version="1.0" encoding="utf-8"?>
+<p:sld xmlns:a="http://schemas.openxmlformats.org/drawingml/2006/main" xmlns:r="http://schemas.openxmlformats.org/officeDocument/2006/relationships" xmlns:p="http://schemas.openxmlformats.org/presentationml/2006/main">
+  <p:cSld>
+    <p:spTree>
+      <p:nvGrpSpPr>
+        <p:cNvPr id="1" name=""/>
+        <p:cNvGrpSpPr/>
+        <p:nvPr/>
+      </p:nvGrpSpPr>
+      <p:grpSpPr>
+        <a:xfrm>
+          <a:off x="0" y="0"/>
+          <a:ext cx="0" cy="0"/>
+          <a:chOff x="0" y="0"/>
+          <a:chExt cx="0" cy="0"/>
+        </a:xfrm>
+      </p:grpSpPr>
+      <p:graphicFrame>
+        <p:nvGraphicFramePr>
+          <p:cNvPr id="235522" name="Rectangle 2" hidden="1"/>
+          <p:cNvGraphicFramePr>
+            <a:graphicFrameLocks/>
+          </p:cNvGraphicFramePr>
+          <p:nvPr>
+            <p:custDataLst>
+              <p:tags r:id="rId2"/>
+            </p:custDataLst>
+          </p:nvPr>
+        </p:nvGraphicFramePr>
+        <p:xfrm>
+          <a:off x="0" y="-305118"/>
+          <a:ext cx="158519" cy="158518"/>
+        </p:xfrm>
+        <a:graphic>
+          <a:graphicData uri="http://schemas.openxmlformats.org/presentationml/2006/ole">
+            <mc:AlternateContent xmlns:mc="http://schemas.openxmlformats.org/markup-compatibility/2006">
+              <mc:Choice xmlns:v="urn:schemas-microsoft-com:vml" Requires="v">
+                <p:oleObj spid="_x0000_s27687" r:id="rId5" imgW="0" imgH="0" progId="TCLayout.ActiveDocument.1">
+                  <p:embed/>
+                </p:oleObj>
+              </mc:Choice>
+              <mc:Fallback>
+                <p:oleObj r:id="rId5" imgW="0" imgH="0" progId="TCLayout.ActiveDocument.1">
+                  <p:embed/>
+                  <p:pic>
+                    <p:nvPicPr>
+                      <p:cNvPr id="235522" name="Rectangle 2" hidden="1"/>
+                      <p:cNvPicPr preferRelativeResize="0">
+                        <a:picLocks noChangeArrowheads="1"/>
+                      </p:cNvPicPr>
+                      <p:nvPr/>
+                    </p:nvPicPr>
+                    <p:blipFill>
+                      <a:blip>
+                        <a:extLst>
+                          <a:ext uri="{28A0092B-C50C-407E-A947-70E740481C1C}">
+                            <a14:useLocalDpi xmlns:a14="http://schemas.microsoft.com/office/drawing/2010/main" val="0"/>
+                          </a:ext>
+                        </a:extLst>
+                      </a:blip>
+                      <a:srcRect/>
+                      <a:stretch>
+                        <a:fillRect/>
+                      </a:stretch>
+                    </p:blipFill>
+                    <p:spPr bwMode="auto">
+                      <a:xfrm>
+                        <a:off x="0" y="-305118"/>
+                        <a:ext cx="158519" cy="158518"/>
+                      </a:xfrm>
+                      <a:prstGeom prst="rect">
+                        <a:avLst/>
+                      </a:prstGeom>
+                      <a:noFill/>
+                      <a:ln>
+                        <a:noFill/>
+                      </a:ln>
+                      <a:extLst>
+                        <a:ext uri="{909E8E84-426E-40DD-AFC4-6F175D3DCCD1}">
+                          <a14:hiddenFill xmlns:a14="http://schemas.microsoft.com/office/drawing/2010/main">
+                            <a:solidFill>
+                              <a:srgbClr val="FFFFFF"/>
+                            </a:solidFill>
+                          </a14:hiddenFill>
+                        </a:ext>
+                        <a:ext uri="{91240B29-F687-4F45-9708-019B960494DF}">
+                          <a14:hiddenLine xmlns:a14="http://schemas.microsoft.com/office/drawing/2010/main" w="9525">
+                            <a:solidFill>
+                              <a:srgbClr val="000000"/>
+                            </a:solidFill>
+                            <a:miter lim="800000"/>
+                            <a:headEnd/>
+                            <a:tailEnd/>
+                          </a14:hiddenLine>
+                        </a:ext>
+                      </a:extLst>
+                    </p:spPr>
+                  </p:pic>
+                </p:oleObj>
+              </mc:Fallback>
+            </mc:AlternateContent>
+          </a:graphicData>
+        </a:graphic>
+      </p:graphicFrame>
+      <p:sp>
+        <p:nvSpPr>
+          <p:cNvPr id="47" name="Title 40"/>
+          <p:cNvSpPr>
+            <a:spLocks noGrp="1"/>
+          </p:cNvSpPr>
+          <p:nvPr>
+            <p:ph type="title"/>
+          </p:nvPr>
+        </p:nvSpPr>
+        <p:spPr>
+          <a:xfrm>
+            <a:off x="381000" y="152400"/>
+            <a:ext cx="8153400" cy="808038"/>
+          </a:xfrm>
+        </p:spPr>
+        <p:txBody>
+          <a:bodyPr>
+            <a:normAutofit/>
+          </a:bodyPr>
+          <a:lstStyle/>
+          <a:p>
+            <a:pPr algn="l"/>
+            <a:r>
+              <a:rPr lang="en-US" sz="2400" b="1" dirty="0">
+                <a:solidFill>
+                  <a:srgbClr val="000066"/>
+                </a:solidFill>
+              </a:rPr>
+              <a:t>Additional Events</a:t>
+            </a:r>
+          </a:p>
+        </p:txBody>
+      </p:sp>
+      <p:grpSp>
+        <p:nvGrpSpPr>
+          <p:cNvPr id="13" name="Group 12">
+            <a:extLst>
+              <a:ext uri="{FF2B5EF4-FFF2-40B4-BE49-F238E27FC236}">
+                <a16:creationId xmlns:a16="http://schemas.microsoft.com/office/drawing/2014/main" id="{AF8D378F-06B0-4C7D-A8DC-3897EBC527B2}"/>
+              </a:ext>
+            </a:extLst>
+          </p:cNvPr>
+          <p:cNvGrpSpPr/>
+          <p:nvPr/>
+        </p:nvGrpSpPr>
+        <p:grpSpPr>
+          <a:xfrm>
+            <a:off x="838200" y="1219199"/>
+            <a:ext cx="5185502" cy="3417835"/>
+            <a:chOff x="838200" y="1219200"/>
+            <a:chExt cx="1965367" cy="1295400"/>
+          </a:xfrm>
+        </p:grpSpPr>
+        <p:sp>
+          <p:nvSpPr>
+            <p:cNvPr id="11" name="Rectangle 2">
+              <a:extLst>
+                <a:ext uri="{FF2B5EF4-FFF2-40B4-BE49-F238E27FC236}">
+                  <a16:creationId xmlns:a16="http://schemas.microsoft.com/office/drawing/2014/main" id="{340A7B56-754B-452D-844A-C81239CEB0F3}"/>
+                </a:ext>
+              </a:extLst>
+            </p:cNvPr>
+            <p:cNvSpPr txBox="1">
+              <a:spLocks noChangeArrowheads="1"/>
+            </p:cNvSpPr>
+            <p:nvPr/>
+          </p:nvSpPr>
+          <p:spPr>
+            <a:xfrm>
+              <a:off x="838200" y="2314831"/>
+              <a:ext cx="1885123" cy="199769"/>
+            </a:xfrm>
+            <a:prstGeom prst="rect">
+              <a:avLst/>
+            </a:prstGeom>
+            <a:solidFill>
+              <a:srgbClr val="000066"/>
+            </a:solidFill>
+          </p:spPr>
+          <p:txBody>
+            <a:bodyPr/>
+            <a:lstStyle/>
+            <a:p>
+              <a:pPr lvl="0" eaLnBrk="0" hangingPunct="0">
+                <a:defRPr/>
+              </a:pPr>
+              <a:r>
+                <a:rPr lang="en-US" sz="1100" b="1" kern="0" dirty="0">
+                  <a:solidFill>
+                    <a:schemeClr val="bg1"/>
+                  </a:solidFill>
+                </a:rPr>
+                <a:t>Samsung Galaxy  phones explode</a:t>
+              </a:r>
+              <a:endParaRPr lang="en-US" sz="1100" kern="0" dirty="0">
+                <a:solidFill>
+                  <a:schemeClr val="bg1"/>
+                </a:solidFill>
+                <a:latin typeface="+mj-lt"/>
+                <a:ea typeface="+mj-ea"/>
+                <a:cs typeface="+mj-cs"/>
+              </a:endParaRPr>
+            </a:p>
+          </p:txBody>
+        </p:sp>
+        <p:pic>
+          <p:nvPicPr>
+            <p:cNvPr id="2" name="Picture 1">
+              <a:extLst>
+                <a:ext uri="{FF2B5EF4-FFF2-40B4-BE49-F238E27FC236}">
+                  <a16:creationId xmlns:a16="http://schemas.microsoft.com/office/drawing/2014/main" id="{B69BA337-7192-4723-A968-65052031615B}"/>
+                </a:ext>
+              </a:extLst>
+            </p:cNvPr>
+            <p:cNvPicPr>
+              <a:picLocks noChangeAspect="1"/>
+            </p:cNvPicPr>
+            <p:nvPr/>
+          </p:nvPicPr>
+          <p:blipFill>
+            <a:blip r:embed="rId6"/>
+            <a:stretch>
+              <a:fillRect/>
+            </a:stretch>
+          </p:blipFill>
+          <p:spPr>
+            <a:xfrm>
+              <a:off x="838200" y="1219200"/>
+              <a:ext cx="1965367" cy="1090636"/>
+            </a:xfrm>
+            <a:prstGeom prst="rect">
+              <a:avLst/>
+            </a:prstGeom>
+          </p:spPr>
+        </p:pic>
+        <p:sp>
+          <p:nvSpPr>
+            <p:cNvPr id="20" name="Rectangle 19">
+              <a:extLst>
+                <a:ext uri="{FF2B5EF4-FFF2-40B4-BE49-F238E27FC236}">
+                  <a16:creationId xmlns:a16="http://schemas.microsoft.com/office/drawing/2014/main" id="{F52B8517-3790-47B2-B06A-A7D51337D86B}"/>
+                </a:ext>
+              </a:extLst>
+            </p:cNvPr>
+            <p:cNvSpPr/>
+            <p:nvPr/>
+          </p:nvSpPr>
+          <p:spPr>
+            <a:xfrm>
+              <a:off x="1107503" y="1944293"/>
+              <a:ext cx="323165" cy="345788"/>
+            </a:xfrm>
+            <a:prstGeom prst="rect">
+              <a:avLst/>
+            </a:prstGeom>
+            <a:noFill/>
+            <a:ln>
+              <a:solidFill>
+                <a:srgbClr val="00B050"/>
+              </a:solidFill>
+              <a:prstDash val="dash"/>
+            </a:ln>
+          </p:spPr>
+          <p:style>
+            <a:lnRef idx="2">
+              <a:schemeClr val="accent1">
+                <a:shade val="50000"/>
+              </a:schemeClr>
+            </a:lnRef>
+            <a:fillRef idx="1">
+              <a:schemeClr val="accent1"/>
+            </a:fillRef>
+            <a:effectRef idx="0">
+              <a:schemeClr val="accent1"/>
+            </a:effectRef>
+            <a:fontRef idx="minor">
+              <a:schemeClr val="lt1"/>
+            </a:fontRef>
+          </p:style>
+          <p:txBody>
+            <a:bodyPr rtlCol="0" anchor="ctr"/>
+            <a:lstStyle/>
+            <a:p>
+              <a:pPr algn="ctr"/>
+              <a:endParaRPr lang="en-US"/>
+            </a:p>
+          </p:txBody>
+        </p:sp>
+      </p:grpSp>
+      <p:grpSp>
+        <p:nvGrpSpPr>
+          <p:cNvPr id="26" name="Group 25">
+            <a:extLst>
+              <a:ext uri="{FF2B5EF4-FFF2-40B4-BE49-F238E27FC236}">
+                <a16:creationId xmlns:a16="http://schemas.microsoft.com/office/drawing/2014/main" id="{09E04D29-E4EB-43C5-91C3-07324CA56B40}"/>
+              </a:ext>
+            </a:extLst>
+          </p:cNvPr>
+          <p:cNvGrpSpPr/>
+          <p:nvPr/>
+        </p:nvGrpSpPr>
+        <p:grpSpPr>
+          <a:xfrm>
+            <a:off x="1414299" y="1524000"/>
+            <a:ext cx="5210631" cy="3568693"/>
+            <a:chOff x="2279312" y="2709589"/>
+            <a:chExt cx="1974891" cy="1352577"/>
+          </a:xfrm>
+        </p:grpSpPr>
+        <p:pic>
+          <p:nvPicPr>
+            <p:cNvPr id="8" name="Picture 7">
+              <a:extLst>
+                <a:ext uri="{FF2B5EF4-FFF2-40B4-BE49-F238E27FC236}">
+                  <a16:creationId xmlns:a16="http://schemas.microsoft.com/office/drawing/2014/main" id="{3D694C7A-BA08-4C78-9C38-C235F05AD0BC}"/>
+                </a:ext>
+              </a:extLst>
+            </p:cNvPr>
+            <p:cNvPicPr>
+              <a:picLocks noChangeAspect="1"/>
+            </p:cNvPicPr>
+            <p:nvPr/>
+          </p:nvPicPr>
+          <p:blipFill>
+            <a:blip r:embed="rId7"/>
+            <a:stretch>
+              <a:fillRect/>
+            </a:stretch>
+          </p:blipFill>
+          <p:spPr>
+            <a:xfrm>
+              <a:off x="2279312" y="2709589"/>
+              <a:ext cx="1974891" cy="1104923"/>
+            </a:xfrm>
+            <a:prstGeom prst="rect">
+              <a:avLst/>
+            </a:prstGeom>
+          </p:spPr>
+        </p:pic>
+        <p:sp>
+          <p:nvSpPr>
+            <p:cNvPr id="15" name="Rectangle 2">
+              <a:extLst>
+                <a:ext uri="{FF2B5EF4-FFF2-40B4-BE49-F238E27FC236}">
+                  <a16:creationId xmlns:a16="http://schemas.microsoft.com/office/drawing/2014/main" id="{C8362624-861F-43A9-B40A-5DE35CE921CE}"/>
+                </a:ext>
+              </a:extLst>
+            </p:cNvPr>
+            <p:cNvSpPr txBox="1">
+              <a:spLocks noChangeArrowheads="1"/>
+            </p:cNvSpPr>
+            <p:nvPr/>
+          </p:nvSpPr>
+          <p:spPr>
+            <a:xfrm>
+              <a:off x="2279312" y="3862397"/>
+              <a:ext cx="1885123" cy="199769"/>
+            </a:xfrm>
+            <a:prstGeom prst="rect">
+              <a:avLst/>
+            </a:prstGeom>
+            <a:solidFill>
+              <a:srgbClr val="000066"/>
+            </a:solidFill>
+          </p:spPr>
+          <p:txBody>
+            <a:bodyPr/>
+            <a:lstStyle/>
+            <a:p>
+              <a:pPr lvl="0" eaLnBrk="0" hangingPunct="0">
+                <a:defRPr/>
+              </a:pPr>
+              <a:r>
+                <a:rPr lang="en-US" sz="1100" b="1" kern="0" dirty="0">
+                  <a:solidFill>
+                    <a:schemeClr val="bg1"/>
+                  </a:solidFill>
+                </a:rPr>
+                <a:t>Mylan called to hearing for EpiPen pricing</a:t>
+              </a:r>
+              <a:endParaRPr lang="en-US" sz="1100" kern="0" dirty="0">
+                <a:solidFill>
+                  <a:schemeClr val="bg1"/>
+                </a:solidFill>
+                <a:latin typeface="+mj-lt"/>
+                <a:ea typeface="+mj-ea"/>
+                <a:cs typeface="+mj-cs"/>
+              </a:endParaRPr>
+            </a:p>
+          </p:txBody>
+        </p:sp>
+        <p:sp>
+          <p:nvSpPr>
+            <p:cNvPr id="21" name="Rectangle 20">
+              <a:extLst>
+                <a:ext uri="{FF2B5EF4-FFF2-40B4-BE49-F238E27FC236}">
+                  <a16:creationId xmlns:a16="http://schemas.microsoft.com/office/drawing/2014/main" id="{D6B3708A-7098-4058-AD99-BEE78F192AB7}"/>
+                </a:ext>
+              </a:extLst>
+            </p:cNvPr>
+            <p:cNvSpPr/>
+            <p:nvPr/>
+          </p:nvSpPr>
+          <p:spPr>
+            <a:xfrm>
+              <a:off x="3269035" y="3359559"/>
+              <a:ext cx="518375" cy="454954"/>
+            </a:xfrm>
+            <a:prstGeom prst="rect">
+              <a:avLst/>
+            </a:prstGeom>
+            <a:noFill/>
+            <a:ln>
+              <a:solidFill>
+                <a:srgbClr val="00B050"/>
+              </a:solidFill>
+              <a:prstDash val="dash"/>
+            </a:ln>
+          </p:spPr>
+          <p:style>
+            <a:lnRef idx="2">
+              <a:schemeClr val="accent1">
+                <a:shade val="50000"/>
+              </a:schemeClr>
+            </a:lnRef>
+            <a:fillRef idx="1">
+              <a:schemeClr val="accent1"/>
+            </a:fillRef>
+            <a:effectRef idx="0">
+              <a:schemeClr val="accent1"/>
+            </a:effectRef>
+            <a:fontRef idx="minor">
+              <a:schemeClr val="lt1"/>
+            </a:fontRef>
+          </p:style>
+          <p:txBody>
+            <a:bodyPr rtlCol="0" anchor="ctr"/>
+            <a:lstStyle/>
+            <a:p>
+              <a:pPr algn="ctr"/>
+              <a:endParaRPr lang="en-US"/>
+            </a:p>
+          </p:txBody>
+        </p:sp>
+      </p:grpSp>
+      <p:grpSp>
+        <p:nvGrpSpPr>
+          <p:cNvPr id="27" name="Group 26">
+            <a:extLst>
+              <a:ext uri="{FF2B5EF4-FFF2-40B4-BE49-F238E27FC236}">
+                <a16:creationId xmlns:a16="http://schemas.microsoft.com/office/drawing/2014/main" id="{6837C4E7-E6DD-4169-B741-FD7251C7CD8E}"/>
+              </a:ext>
+            </a:extLst>
+          </p:cNvPr>
+          <p:cNvGrpSpPr/>
+          <p:nvPr/>
+        </p:nvGrpSpPr>
+        <p:grpSpPr>
+          <a:xfrm>
+            <a:off x="1767022" y="1954020"/>
+            <a:ext cx="5257999" cy="3556559"/>
+            <a:chOff x="1080803" y="4109591"/>
+            <a:chExt cx="1992844" cy="1347978"/>
+          </a:xfrm>
+        </p:grpSpPr>
+        <p:pic>
+          <p:nvPicPr>
+            <p:cNvPr id="14" name="Picture 13">
+              <a:extLst>
+                <a:ext uri="{FF2B5EF4-FFF2-40B4-BE49-F238E27FC236}">
+                  <a16:creationId xmlns:a16="http://schemas.microsoft.com/office/drawing/2014/main" id="{32BAD7AC-85E4-4FE2-A08A-6F0AF3FAC27B}"/>
+                </a:ext>
+              </a:extLst>
+            </p:cNvPr>
+            <p:cNvPicPr>
+              <a:picLocks noChangeAspect="1"/>
+            </p:cNvPicPr>
+            <p:nvPr/>
+          </p:nvPicPr>
+          <p:blipFill>
+            <a:blip r:embed="rId8"/>
+            <a:stretch>
+              <a:fillRect/>
+            </a:stretch>
+          </p:blipFill>
+          <p:spPr>
+            <a:xfrm>
+              <a:off x="1100343" y="4109591"/>
+              <a:ext cx="1973304" cy="1119211"/>
+            </a:xfrm>
+            <a:prstGeom prst="rect">
+              <a:avLst/>
+            </a:prstGeom>
+          </p:spPr>
+        </p:pic>
+        <p:sp>
+          <p:nvSpPr>
+            <p:cNvPr id="19" name="Rectangle 2">
+              <a:extLst>
+                <a:ext uri="{FF2B5EF4-FFF2-40B4-BE49-F238E27FC236}">
+                  <a16:creationId xmlns:a16="http://schemas.microsoft.com/office/drawing/2014/main" id="{11A81F7D-89AE-4543-AC28-D15A3978268E}"/>
+                </a:ext>
+              </a:extLst>
+            </p:cNvPr>
+            <p:cNvSpPr txBox="1">
+              <a:spLocks noChangeArrowheads="1"/>
+            </p:cNvSpPr>
+            <p:nvPr/>
+          </p:nvSpPr>
+          <p:spPr>
+            <a:xfrm>
+              <a:off x="1080803" y="5257800"/>
+              <a:ext cx="1885123" cy="199769"/>
+            </a:xfrm>
+            <a:prstGeom prst="rect">
+              <a:avLst/>
+            </a:prstGeom>
+            <a:solidFill>
+              <a:srgbClr val="000066"/>
+            </a:solidFill>
+          </p:spPr>
+          <p:txBody>
+            <a:bodyPr/>
+            <a:lstStyle/>
+            <a:p>
+              <a:pPr lvl="0" eaLnBrk="0" hangingPunct="0">
+                <a:defRPr/>
+              </a:pPr>
+              <a:r>
+                <a:rPr lang="en-US" sz="1100" b="1" kern="0" dirty="0">
+                  <a:solidFill>
+                    <a:schemeClr val="bg1"/>
+                  </a:solidFill>
+                </a:rPr>
+                <a:t>Kobe Steel misrepresent financials</a:t>
+              </a:r>
+              <a:endParaRPr lang="en-US" sz="1100" kern="0" dirty="0">
+                <a:solidFill>
+                  <a:schemeClr val="bg1"/>
+                </a:solidFill>
+              </a:endParaRPr>
+            </a:p>
+          </p:txBody>
+        </p:sp>
+        <p:sp>
+          <p:nvSpPr>
+            <p:cNvPr id="24" name="Rectangle 23">
+              <a:extLst>
+                <a:ext uri="{FF2B5EF4-FFF2-40B4-BE49-F238E27FC236}">
+                  <a16:creationId xmlns:a16="http://schemas.microsoft.com/office/drawing/2014/main" id="{FE291957-6303-4956-B24C-E9D19A6D1282}"/>
+                </a:ext>
+              </a:extLst>
+            </p:cNvPr>
+            <p:cNvSpPr/>
+            <p:nvPr/>
+          </p:nvSpPr>
+          <p:spPr>
+            <a:xfrm>
+              <a:off x="1680693" y="4535021"/>
+              <a:ext cx="598619" cy="663618"/>
+            </a:xfrm>
+            <a:prstGeom prst="rect">
+              <a:avLst/>
+            </a:prstGeom>
+            <a:noFill/>
+            <a:ln>
+              <a:solidFill>
+                <a:srgbClr val="00B050"/>
+              </a:solidFill>
+              <a:prstDash val="dash"/>
+            </a:ln>
+          </p:spPr>
+          <p:style>
+            <a:lnRef idx="2">
+              <a:schemeClr val="accent1">
+                <a:shade val="50000"/>
+              </a:schemeClr>
+            </a:lnRef>
+            <a:fillRef idx="1">
+              <a:schemeClr val="accent1"/>
+            </a:fillRef>
+            <a:effectRef idx="0">
+              <a:schemeClr val="accent1"/>
+            </a:effectRef>
+            <a:fontRef idx="minor">
+              <a:schemeClr val="lt1"/>
+            </a:fontRef>
+          </p:style>
+          <p:txBody>
+            <a:bodyPr rtlCol="0" anchor="ctr"/>
+            <a:lstStyle/>
+            <a:p>
+              <a:pPr algn="ctr"/>
+              <a:endParaRPr lang="en-US"/>
+            </a:p>
+          </p:txBody>
+        </p:sp>
+      </p:grpSp>
+      <p:grpSp>
+        <p:nvGrpSpPr>
+          <p:cNvPr id="25" name="Group 24">
+            <a:extLst>
+              <a:ext uri="{FF2B5EF4-FFF2-40B4-BE49-F238E27FC236}">
+                <a16:creationId xmlns:a16="http://schemas.microsoft.com/office/drawing/2014/main" id="{3EA8F59B-A5D2-43EB-8F99-2AED90B6D324}"/>
+              </a:ext>
+            </a:extLst>
+          </p:cNvPr>
+          <p:cNvGrpSpPr/>
+          <p:nvPr/>
+        </p:nvGrpSpPr>
+        <p:grpSpPr>
+          <a:xfrm>
+            <a:off x="2092470" y="2325549"/>
+            <a:ext cx="5206945" cy="3460002"/>
+            <a:chOff x="4572000" y="1479187"/>
+            <a:chExt cx="1973494" cy="1311382"/>
+          </a:xfrm>
+        </p:grpSpPr>
+        <p:pic>
+          <p:nvPicPr>
+            <p:cNvPr id="12" name="Picture 11">
+              <a:extLst>
+                <a:ext uri="{FF2B5EF4-FFF2-40B4-BE49-F238E27FC236}">
+                  <a16:creationId xmlns:a16="http://schemas.microsoft.com/office/drawing/2014/main" id="{F5047BBE-332B-48E6-B054-5D95898F1882}"/>
+                </a:ext>
+              </a:extLst>
+            </p:cNvPr>
+            <p:cNvPicPr>
+              <a:picLocks noChangeAspect="1"/>
+            </p:cNvPicPr>
+            <p:nvPr/>
+          </p:nvPicPr>
+          <p:blipFill>
+            <a:blip r:embed="rId9"/>
+            <a:stretch>
+              <a:fillRect/>
+            </a:stretch>
+          </p:blipFill>
+          <p:spPr>
+            <a:xfrm>
+              <a:off x="4588064" y="1479187"/>
+              <a:ext cx="1957430" cy="1089048"/>
+            </a:xfrm>
+            <a:prstGeom prst="rect">
+              <a:avLst/>
+            </a:prstGeom>
+          </p:spPr>
+        </p:pic>
+        <p:sp>
+          <p:nvSpPr>
+            <p:cNvPr id="17" name="Rectangle 2">
+              <a:extLst>
+                <a:ext uri="{FF2B5EF4-FFF2-40B4-BE49-F238E27FC236}">
+                  <a16:creationId xmlns:a16="http://schemas.microsoft.com/office/drawing/2014/main" id="{34796B36-8460-4AA7-BB8F-D2D4FE1A7AE5}"/>
+                </a:ext>
+              </a:extLst>
+            </p:cNvPr>
+            <p:cNvSpPr txBox="1">
+              <a:spLocks noChangeArrowheads="1"/>
+            </p:cNvSpPr>
+            <p:nvPr/>
+          </p:nvSpPr>
+          <p:spPr>
+            <a:xfrm>
+              <a:off x="4572000" y="2590800"/>
+              <a:ext cx="1885123" cy="199769"/>
+            </a:xfrm>
+            <a:prstGeom prst="rect">
+              <a:avLst/>
+            </a:prstGeom>
+            <a:solidFill>
+              <a:srgbClr val="000066"/>
+            </a:solidFill>
+          </p:spPr>
+          <p:txBody>
+            <a:bodyPr/>
+            <a:lstStyle/>
+            <a:p>
+              <a:pPr lvl="0" eaLnBrk="0" hangingPunct="0">
+                <a:defRPr/>
+              </a:pPr>
+              <a:r>
+                <a:rPr lang="en-US" sz="1100" b="1" kern="0" dirty="0">
+                  <a:solidFill>
+                    <a:schemeClr val="bg1"/>
+                  </a:solidFill>
+                </a:rPr>
+                <a:t>Tesco misrepresent financials</a:t>
+              </a:r>
+              <a:endParaRPr lang="en-US" sz="1100" kern="0" dirty="0">
+                <a:solidFill>
+                  <a:schemeClr val="bg1"/>
+                </a:solidFill>
+                <a:latin typeface="+mj-lt"/>
+                <a:ea typeface="+mj-ea"/>
+                <a:cs typeface="+mj-cs"/>
+              </a:endParaRPr>
+            </a:p>
+          </p:txBody>
+        </p:sp>
+        <p:sp>
+          <p:nvSpPr>
+            <p:cNvPr id="23" name="Rectangle 22">
+              <a:extLst>
+                <a:ext uri="{FF2B5EF4-FFF2-40B4-BE49-F238E27FC236}">
+                  <a16:creationId xmlns:a16="http://schemas.microsoft.com/office/drawing/2014/main" id="{B13B3A79-E38B-4AAE-A79C-3C3B02C83F06}"/>
+                </a:ext>
+              </a:extLst>
+            </p:cNvPr>
+            <p:cNvSpPr/>
+            <p:nvPr/>
+          </p:nvSpPr>
+          <p:spPr>
+            <a:xfrm>
+              <a:off x="5346280" y="1796234"/>
+              <a:ext cx="598619" cy="663618"/>
+            </a:xfrm>
+            <a:prstGeom prst="rect">
+              <a:avLst/>
+            </a:prstGeom>
+            <a:noFill/>
+            <a:ln>
+              <a:solidFill>
+                <a:srgbClr val="00B050"/>
+              </a:solidFill>
+              <a:prstDash val="dash"/>
+            </a:ln>
+          </p:spPr>
+          <p:style>
+            <a:lnRef idx="2">
+              <a:schemeClr val="accent1">
+                <a:shade val="50000"/>
+              </a:schemeClr>
+            </a:lnRef>
+            <a:fillRef idx="1">
+              <a:schemeClr val="accent1"/>
+            </a:fillRef>
+            <a:effectRef idx="0">
+              <a:schemeClr val="accent1"/>
+            </a:effectRef>
+            <a:fontRef idx="minor">
+              <a:schemeClr val="lt1"/>
+            </a:fontRef>
+          </p:style>
+          <p:txBody>
+            <a:bodyPr rtlCol="0" anchor="ctr"/>
+            <a:lstStyle/>
+            <a:p>
+              <a:pPr algn="ctr"/>
+              <a:endParaRPr lang="en-US"/>
+            </a:p>
+          </p:txBody>
+        </p:sp>
+      </p:grpSp>
+      <p:grpSp>
+        <p:nvGrpSpPr>
+          <p:cNvPr id="5" name="Group 4">
+            <a:extLst>
+              <a:ext uri="{FF2B5EF4-FFF2-40B4-BE49-F238E27FC236}">
+                <a16:creationId xmlns:a16="http://schemas.microsoft.com/office/drawing/2014/main" id="{70E882FA-D878-4031-AE0D-F2063BCDFEFD}"/>
+              </a:ext>
+            </a:extLst>
+          </p:cNvPr>
+          <p:cNvGrpSpPr/>
+          <p:nvPr/>
+        </p:nvGrpSpPr>
+        <p:grpSpPr>
+          <a:xfrm>
+            <a:off x="2619616" y="2683828"/>
+            <a:ext cx="5152783" cy="3568690"/>
+            <a:chOff x="6042527" y="1058227"/>
+            <a:chExt cx="2762982" cy="1913573"/>
+          </a:xfrm>
+        </p:grpSpPr>
+        <p:pic>
+          <p:nvPicPr>
+            <p:cNvPr id="9" name="Picture 8">
+              <a:extLst>
+                <a:ext uri="{FF2B5EF4-FFF2-40B4-BE49-F238E27FC236}">
+                  <a16:creationId xmlns:a16="http://schemas.microsoft.com/office/drawing/2014/main" id="{BAF1E3F6-0C2C-480D-B395-F4CFBB522C23}"/>
+                </a:ext>
+              </a:extLst>
+            </p:cNvPr>
+            <p:cNvPicPr>
+              <a:picLocks noChangeAspect="1"/>
+            </p:cNvPicPr>
+            <p:nvPr/>
+          </p:nvPicPr>
+          <p:blipFill>
+            <a:blip r:embed="rId10"/>
+            <a:stretch>
+              <a:fillRect/>
+            </a:stretch>
+          </p:blipFill>
+          <p:spPr>
+            <a:xfrm>
+              <a:off x="6047443" y="1058227"/>
+              <a:ext cx="2758066" cy="1578925"/>
+            </a:xfrm>
+            <a:prstGeom prst="rect">
+              <a:avLst/>
+            </a:prstGeom>
+          </p:spPr>
+        </p:pic>
+        <p:sp>
+          <p:nvSpPr>
+            <p:cNvPr id="16" name="Rectangle 2">
+              <a:extLst>
+                <a:ext uri="{FF2B5EF4-FFF2-40B4-BE49-F238E27FC236}">
+                  <a16:creationId xmlns:a16="http://schemas.microsoft.com/office/drawing/2014/main" id="{9726BE47-F08A-411E-B579-8E0033EF1C64}"/>
+                </a:ext>
+              </a:extLst>
+            </p:cNvPr>
+            <p:cNvSpPr txBox="1">
+              <a:spLocks noChangeArrowheads="1"/>
+            </p:cNvSpPr>
+            <p:nvPr/>
+          </p:nvSpPr>
+          <p:spPr>
+            <a:xfrm>
+              <a:off x="6042527" y="2689174"/>
+              <a:ext cx="2667000" cy="282626"/>
+            </a:xfrm>
+            <a:prstGeom prst="rect">
+              <a:avLst/>
+            </a:prstGeom>
+            <a:solidFill>
+              <a:srgbClr val="000066"/>
+            </a:solidFill>
+          </p:spPr>
+          <p:txBody>
+            <a:bodyPr/>
+            <a:lstStyle/>
+            <a:p>
+              <a:pPr lvl="0" eaLnBrk="0" hangingPunct="0">
+                <a:defRPr/>
+              </a:pPr>
+              <a:r>
+                <a:rPr lang="en-US" sz="1100" b="1" kern="0" dirty="0">
+                  <a:solidFill>
+                    <a:schemeClr val="bg1"/>
+                  </a:solidFill>
+                </a:rPr>
+                <a:t>VW falsifies emissions</a:t>
+              </a:r>
+              <a:endParaRPr lang="en-US" sz="1100" kern="0" dirty="0">
+                <a:solidFill>
+                  <a:schemeClr val="bg1"/>
+                </a:solidFill>
+                <a:latin typeface="+mj-lt"/>
+                <a:ea typeface="+mj-ea"/>
+                <a:cs typeface="+mj-cs"/>
+              </a:endParaRPr>
+            </a:p>
+          </p:txBody>
+        </p:sp>
+        <p:sp>
+          <p:nvSpPr>
+            <p:cNvPr id="22" name="Rectangle 21">
+              <a:extLst>
+                <a:ext uri="{FF2B5EF4-FFF2-40B4-BE49-F238E27FC236}">
+                  <a16:creationId xmlns:a16="http://schemas.microsoft.com/office/drawing/2014/main" id="{1FD29097-FDFD-438B-B3A7-17FBC442A115}"/>
+                </a:ext>
+              </a:extLst>
+            </p:cNvPr>
+            <p:cNvSpPr/>
+            <p:nvPr/>
+          </p:nvSpPr>
+          <p:spPr>
+            <a:xfrm>
+              <a:off x="6477000" y="1697687"/>
+              <a:ext cx="1295400" cy="816913"/>
+            </a:xfrm>
+            <a:prstGeom prst="rect">
+              <a:avLst/>
+            </a:prstGeom>
+            <a:noFill/>
+            <a:ln>
+              <a:solidFill>
+                <a:srgbClr val="00B050"/>
+              </a:solidFill>
+              <a:prstDash val="dash"/>
+            </a:ln>
+          </p:spPr>
+          <p:style>
+            <a:lnRef idx="2">
+              <a:schemeClr val="accent1">
+                <a:shade val="50000"/>
+              </a:schemeClr>
+            </a:lnRef>
+            <a:fillRef idx="1">
+              <a:schemeClr val="accent1"/>
+            </a:fillRef>
+            <a:effectRef idx="0">
+              <a:schemeClr val="accent1"/>
+            </a:effectRef>
+            <a:fontRef idx="minor">
+              <a:schemeClr val="lt1"/>
+            </a:fontRef>
+          </p:style>
+          <p:txBody>
+            <a:bodyPr rtlCol="0" anchor="ctr"/>
+            <a:lstStyle/>
+            <a:p>
+              <a:pPr algn="ctr"/>
+              <a:endParaRPr lang="en-US"/>
+            </a:p>
+          </p:txBody>
+        </p:sp>
+      </p:grpSp>
+    </p:spTree>
+    <p:extLst>
+      <p:ext uri="{BB962C8B-B14F-4D97-AF65-F5344CB8AC3E}">
+        <p14:creationId xmlns:p14="http://schemas.microsoft.com/office/powerpoint/2010/main" val="1465022240"/>
+      </p:ext>
+    </p:extLst>
+  </p:cSld>
+  <p:clrMapOvr>
+    <a:masterClrMapping/>
+  </p:clrMapOvr>
+  <p:timing>
+    <p:tnLst>
+      <p:par>
+        <p:cTn id="1" dur="indefinite" restart="never" nodeType="tmRoot">
+          <p:childTnLst>
+            <p:seq concurrent="1" nextAc="seek">
+              <p:cTn id="2" dur="indefinite" nodeType="mainSeq">
+                <p:childTnLst>
+                  <p:par>
+                    <p:cTn id="3" fill="hold">
+                      <p:stCondLst>
+                        <p:cond delay="indefinite"/>
+                      </p:stCondLst>
+                      <p:childTnLst>
+                        <p:par>
+                          <p:cTn id="4" fill="hold">
+                            <p:stCondLst>
+                              <p:cond delay="0"/>
+                            </p:stCondLst>
+                            <p:childTnLst>
+                              <p:par>
+                                <p:cTn id="5" presetID="1" presetClass="entr" presetSubtype="0" fill="hold" nodeType="clickEffect">
+                                  <p:stCondLst>
+                                    <p:cond delay="0"/>
+                                  </p:stCondLst>
+                                  <p:childTnLst>
+                                    <p:set>
+                                      <p:cBhvr>
+                                        <p:cTn id="6" dur="1" fill="hold">
+                                          <p:stCondLst>
+                                            <p:cond delay="0"/>
+                                          </p:stCondLst>
+                                        </p:cTn>
+                                        <p:tgtEl>
+                                          <p:spTgt spid="13"/>
+                                        </p:tgtEl>
+                                        <p:attrNameLst>
+                                          <p:attrName>style.visibility</p:attrName>
+                                        </p:attrNameLst>
+                                      </p:cBhvr>
+                                      <p:to>
+                                        <p:strVal val="visible"/>
+                                      </p:to>
+                                    </p:set>
+                                  </p:childTnLst>
+                                </p:cTn>
+                              </p:par>
+                            </p:childTnLst>
+                          </p:cTn>
+                        </p:par>
+                      </p:childTnLst>
+                    </p:cTn>
+                  </p:par>
+                  <p:par>
+                    <p:cTn id="7" fill="hold">
+                      <p:stCondLst>
+                        <p:cond delay="indefinite"/>
+                      </p:stCondLst>
+                      <p:childTnLst>
+                        <p:par>
+                          <p:cTn id="8" fill="hold">
+                            <p:stCondLst>
+                              <p:cond delay="0"/>
+                            </p:stCondLst>
+                            <p:childTnLst>
+                              <p:par>
+                                <p:cTn id="9" presetID="1" presetClass="entr" presetSubtype="0" fill="hold" nodeType="clickEffect">
+                                  <p:stCondLst>
+                                    <p:cond delay="0"/>
+                                  </p:stCondLst>
+                                  <p:childTnLst>
+                                    <p:set>
+                                      <p:cBhvr>
+                                        <p:cTn id="10" dur="1" fill="hold">
+                                          <p:stCondLst>
+                                            <p:cond delay="0"/>
+                                          </p:stCondLst>
+                                        </p:cTn>
+                                        <p:tgtEl>
+                                          <p:spTgt spid="26"/>
+                                        </p:tgtEl>
+                                        <p:attrNameLst>
+                                          <p:attrName>style.visibility</p:attrName>
+                                        </p:attrNameLst>
+                                      </p:cBhvr>
+                                      <p:to>
+                                        <p:strVal val="visible"/>
+                                      </p:to>
+                                    </p:set>
+                                  </p:childTnLst>
+                                </p:cTn>
+                              </p:par>
+                            </p:childTnLst>
+                          </p:cTn>
+                        </p:par>
+                      </p:childTnLst>
+                    </p:cTn>
+                  </p:par>
+                  <p:par>
+                    <p:cTn id="11" fill="hold">
+                      <p:stCondLst>
+                        <p:cond delay="indefinite"/>
+                      </p:stCondLst>
+                      <p:childTnLst>
+                        <p:par>
+                          <p:cTn id="12" fill="hold">
+                            <p:stCondLst>
+                              <p:cond delay="0"/>
+                            </p:stCondLst>
+                            <p:childTnLst>
+                              <p:par>
+                                <p:cTn id="13" presetID="1" presetClass="entr" presetSubtype="0" fill="hold" nodeType="clickEffect">
+                                  <p:stCondLst>
+                                    <p:cond delay="0"/>
+                                  </p:stCondLst>
+                                  <p:childTnLst>
+                                    <p:set>
+                                      <p:cBhvr>
+                                        <p:cTn id="14" dur="1" fill="hold">
+                                          <p:stCondLst>
+                                            <p:cond delay="0"/>
+                                          </p:stCondLst>
+                                        </p:cTn>
+                                        <p:tgtEl>
+                                          <p:spTgt spid="27"/>
+                                        </p:tgtEl>
+                                        <p:attrNameLst>
+                                          <p:attrName>style.visibility</p:attrName>
+                                        </p:attrNameLst>
+                                      </p:cBhvr>
+                                      <p:to>
+                                        <p:strVal val="visible"/>
+                                      </p:to>
+                                    </p:set>
+                                  </p:childTnLst>
+                                </p:cTn>
+                              </p:par>
+                            </p:childTnLst>
+                          </p:cTn>
+                        </p:par>
+                      </p:childTnLst>
+                    </p:cTn>
+                  </p:par>
+                  <p:par>
+                    <p:cTn id="15" fill="hold">
+                      <p:stCondLst>
+                        <p:cond delay="indefinite"/>
+                      </p:stCondLst>
+                      <p:childTnLst>
+                        <p:par>
+                          <p:cTn id="16" fill="hold">
+                            <p:stCondLst>
+                              <p:cond delay="0"/>
+                            </p:stCondLst>
+                            <p:childTnLst>
+                              <p:par>
+                                <p:cTn id="17" presetID="1" presetClass="entr" presetSubtype="0" fill="hold" nodeType="clickEffect">
+                                  <p:stCondLst>
+                                    <p:cond delay="0"/>
+                                  </p:stCondLst>
+                                  <p:childTnLst>
+                                    <p:set>
+                                      <p:cBhvr>
+                                        <p:cTn id="18" dur="1" fill="hold">
+                                          <p:stCondLst>
+                                            <p:cond delay="0"/>
+                                          </p:stCondLst>
+                                        </p:cTn>
+                                        <p:tgtEl>
+                                          <p:spTgt spid="25"/>
+                                        </p:tgtEl>
+                                        <p:attrNameLst>
+                                          <p:attrName>style.visibility</p:attrName>
+                                        </p:attrNameLst>
+                                      </p:cBhvr>
+                                      <p:to>
+                                        <p:strVal val="visible"/>
+                                      </p:to>
+                                    </p:set>
+                                  </p:childTnLst>
+                                </p:cTn>
+                              </p:par>
+                            </p:childTnLst>
+                          </p:cTn>
+                        </p:par>
+                      </p:childTnLst>
+                    </p:cTn>
+                  </p:par>
+                  <p:par>
+                    <p:cTn id="19" fill="hold">
+                      <p:stCondLst>
+                        <p:cond delay="indefinite"/>
+                      </p:stCondLst>
+                      <p:childTnLst>
+                        <p:par>
+                          <p:cTn id="20" fill="hold">
+                            <p:stCondLst>
+                              <p:cond delay="0"/>
+                            </p:stCondLst>
+                            <p:childTnLst>
+                              <p:par>
+                                <p:cTn id="21" presetID="1" presetClass="entr" presetSubtype="0" fill="hold" nodeType="clickEffect">
+                                  <p:stCondLst>
+                                    <p:cond delay="0"/>
+                                  </p:stCondLst>
+                                  <p:childTnLst>
+                                    <p:set>
+                                      <p:cBhvr>
+                                        <p:cTn id="22" dur="1" fill="hold">
+                                          <p:stCondLst>
+                                            <p:cond delay="0"/>
+                                          </p:stCondLst>
+                                        </p:cTn>
+                                        <p:tgtEl>
+                                          <p:spTgt spid="5"/>
+                                        </p:tgtEl>
+                                        <p:attrNameLst>
+                                          <p:attrName>style.visibility</p:attrName>
+                                        </p:attrNameLst>
+                                      </p:cBhvr>
+                                      <p:to>
+                                        <p:strVal val="visible"/>
+                                      </p:to>
+                                    </p:set>
+                                  </p:childTnLst>
+                                </p:cTn>
+                              </p:par>
+                            </p:childTnLst>
+                          </p:cTn>
+                        </p:par>
+                      </p:childTnLst>
+                    </p:cTn>
+                  </p:par>
+                </p:childTnLst>
+              </p:cTn>
+              <p:prevCondLst>
+                <p:cond evt="onPrev" delay="0">
+                  <p:tgtEl>
+                    <p:sldTgt/>
+                  </p:tgtEl>
+                </p:cond>
+              </p:prevCondLst>
+              <p:nextCondLst>
+                <p:cond evt="onNext" delay="0">
+                  <p:tgtEl>
+                    <p:sldTgt/>
+                  </p:tgtEl>
+                </p:cond>
+              </p:nextCondLst>
+            </p:seq>
+          </p:childTnLst>
+        </p:cTn>
+      </p:par>
+    </p:tnLst>
+  </p:timing>
+</p:sld>
+</file>
+
+<file path=ppt/slides/slide11.xml><?xml version="1.0" encoding="utf-8"?>
+<p:sld xmlns:a="http://schemas.openxmlformats.org/drawingml/2006/main" xmlns:r="http://schemas.openxmlformats.org/officeDocument/2006/relationships" xmlns:p="http://schemas.openxmlformats.org/presentationml/2006/main">
+  <p:cSld>
+    <p:spTree>
+      <p:nvGrpSpPr>
+        <p:cNvPr id="1" name=""/>
+        <p:cNvGrpSpPr/>
+        <p:nvPr/>
+      </p:nvGrpSpPr>
+      <p:grpSpPr>
+        <a:xfrm>
+          <a:off x="0" y="0"/>
+          <a:ext cx="0" cy="0"/>
+          <a:chOff x="0" y="0"/>
+          <a:chExt cx="0" cy="0"/>
+        </a:xfrm>
+      </p:grpSpPr>
+      <p:graphicFrame>
+        <p:nvGraphicFramePr>
+          <p:cNvPr id="235522" name="Rectangle 2" hidden="1"/>
+          <p:cNvGraphicFramePr>
+            <a:graphicFrameLocks/>
+          </p:cNvGraphicFramePr>
+          <p:nvPr>
+            <p:custDataLst>
+              <p:tags r:id="rId2"/>
+            </p:custDataLst>
+          </p:nvPr>
+        </p:nvGraphicFramePr>
+        <p:xfrm>
+          <a:off x="0" y="-305118"/>
+          <a:ext cx="158519" cy="158518"/>
+        </p:xfrm>
+        <a:graphic>
+          <a:graphicData uri="http://schemas.openxmlformats.org/presentationml/2006/ole">
+            <mc:AlternateContent xmlns:mc="http://schemas.openxmlformats.org/markup-compatibility/2006">
+              <mc:Choice xmlns:v="urn:schemas-microsoft-com:vml" Requires="v">
+                <p:oleObj spid="_x0000_s32792" r:id="rId5" imgW="0" imgH="0" progId="TCLayout.ActiveDocument.1">
+                  <p:embed/>
+                </p:oleObj>
+              </mc:Choice>
+              <mc:Fallback>
+                <p:oleObj r:id="rId5" imgW="0" imgH="0" progId="TCLayout.ActiveDocument.1">
+                  <p:embed/>
+                  <p:pic>
+                    <p:nvPicPr>
+                      <p:cNvPr id="235522" name="Rectangle 2" hidden="1"/>
+                      <p:cNvPicPr preferRelativeResize="0">
+                        <a:picLocks noChangeArrowheads="1"/>
+                      </p:cNvPicPr>
+                      <p:nvPr/>
+                    </p:nvPicPr>
+                    <p:blipFill>
+                      <a:blip>
+                        <a:extLst>
+                          <a:ext uri="{28A0092B-C50C-407E-A947-70E740481C1C}">
+                            <a14:useLocalDpi xmlns:a14="http://schemas.microsoft.com/office/drawing/2010/main" val="0"/>
+                          </a:ext>
+                        </a:extLst>
+                      </a:blip>
+                      <a:srcRect/>
+                      <a:stretch>
+                        <a:fillRect/>
+                      </a:stretch>
+                    </p:blipFill>
+                    <p:spPr bwMode="auto">
+                      <a:xfrm>
+                        <a:off x="0" y="-305118"/>
+                        <a:ext cx="158519" cy="158518"/>
+                      </a:xfrm>
+                      <a:prstGeom prst="rect">
+                        <a:avLst/>
+                      </a:prstGeom>
+                      <a:noFill/>
+                      <a:ln>
+                        <a:noFill/>
+                      </a:ln>
+                      <a:extLst>
+                        <a:ext uri="{909E8E84-426E-40DD-AFC4-6F175D3DCCD1}">
+                          <a14:hiddenFill xmlns:a14="http://schemas.microsoft.com/office/drawing/2010/main">
+                            <a:solidFill>
+                              <a:srgbClr val="FFFFFF"/>
+                            </a:solidFill>
+                          </a14:hiddenFill>
+                        </a:ext>
+                        <a:ext uri="{91240B29-F687-4F45-9708-019B960494DF}">
+                          <a14:hiddenLine xmlns:a14="http://schemas.microsoft.com/office/drawing/2010/main" w="9525">
+                            <a:solidFill>
+                              <a:srgbClr val="000000"/>
+                            </a:solidFill>
+                            <a:miter lim="800000"/>
+                            <a:headEnd/>
+                            <a:tailEnd/>
+                          </a14:hiddenLine>
+                        </a:ext>
+                      </a:extLst>
+                    </p:spPr>
+                  </p:pic>
+                </p:oleObj>
+              </mc:Fallback>
+            </mc:AlternateContent>
+          </a:graphicData>
+        </a:graphic>
+      </p:graphicFrame>
+      <p:sp>
+        <p:nvSpPr>
+          <p:cNvPr id="47" name="Title 40"/>
+          <p:cNvSpPr>
+            <a:spLocks noGrp="1"/>
+          </p:cNvSpPr>
+          <p:nvPr>
+            <p:ph type="title"/>
+          </p:nvPr>
+        </p:nvSpPr>
+        <p:spPr>
+          <a:xfrm>
+            <a:off x="533400" y="152400"/>
+            <a:ext cx="8001000" cy="808038"/>
+          </a:xfrm>
+        </p:spPr>
+        <p:txBody>
+          <a:bodyPr>
+            <a:normAutofit fontScale="90000"/>
+          </a:bodyPr>
+          <a:lstStyle/>
+          <a:p>
+            <a:pPr algn="l"/>
+            <a:r>
+              <a:rPr lang="en-US" sz="2400" b="1" dirty="0">
+                <a:solidFill>
+                  <a:srgbClr val="000066"/>
+                </a:solidFill>
+              </a:rPr>
+              <a:t>Process of proving the thesis with a Statistical Model using Machine Learning</a:t>
+            </a:r>
+          </a:p>
+        </p:txBody>
+      </p:sp>
+      <p:sp>
+        <p:nvSpPr>
+          <p:cNvPr id="7" name="TextBox 6">
+            <a:extLst>
+              <a:ext uri="{FF2B5EF4-FFF2-40B4-BE49-F238E27FC236}">
+                <a16:creationId xmlns:a16="http://schemas.microsoft.com/office/drawing/2014/main" id="{59D6BA0D-75DA-411C-AE80-6B1C75B5F712}"/>
+              </a:ext>
+            </a:extLst>
+          </p:cNvPr>
+          <p:cNvSpPr txBox="1"/>
+          <p:nvPr/>
+        </p:nvSpPr>
+        <p:spPr>
+          <a:xfrm>
+            <a:off x="533400" y="1143923"/>
+            <a:ext cx="7772400" cy="2308324"/>
+          </a:xfrm>
+          <a:prstGeom prst="rect">
+            <a:avLst/>
+          </a:prstGeom>
+          <a:noFill/>
+        </p:spPr>
+        <p:txBody>
+          <a:bodyPr wrap="square" rtlCol="0">
+            <a:spAutoFit/>
+          </a:bodyPr>
+          <a:lstStyle/>
+          <a:p>
+            <a:r>
+              <a:rPr lang="en-US" b="1" dirty="0">
+                <a:solidFill>
+                  <a:srgbClr val="000066"/>
+                </a:solidFill>
+              </a:rPr>
+              <a:t>Grouped news events into five categories:</a:t>
+            </a:r>
+          </a:p>
+          <a:p>
+            <a:endParaRPr lang="en-US" b="1" dirty="0">
+              <a:solidFill>
+                <a:srgbClr val="000066"/>
+              </a:solidFill>
+            </a:endParaRPr>
+          </a:p>
+          <a:p>
+            <a:pPr marL="285750" indent="-285750">
+              <a:buFont typeface="Arial" panose="020B0604020202020204" pitchFamily="34" charset="0"/>
+              <a:buChar char="•"/>
+            </a:pPr>
+            <a:r>
+              <a:rPr lang="en-US" b="1" i="1" dirty="0">
+                <a:solidFill>
+                  <a:srgbClr val="000066"/>
+                </a:solidFill>
+              </a:rPr>
+              <a:t>Product Failure, Service Failure or Fraudulent Practice</a:t>
+            </a:r>
+          </a:p>
+          <a:p>
+            <a:pPr marL="285750" indent="-285750">
+              <a:buFont typeface="Arial" panose="020B0604020202020204" pitchFamily="34" charset="0"/>
+              <a:buChar char="•"/>
+            </a:pPr>
+            <a:r>
+              <a:rPr lang="en-US" b="1" i="1" dirty="0">
+                <a:solidFill>
+                  <a:srgbClr val="000066"/>
+                </a:solidFill>
+              </a:rPr>
+              <a:t>Accounting and Financial Misrepresentation</a:t>
+            </a:r>
+          </a:p>
+          <a:p>
+            <a:pPr marL="285750" indent="-285750">
+              <a:buFont typeface="Arial" panose="020B0604020202020204" pitchFamily="34" charset="0"/>
+              <a:buChar char="•"/>
+            </a:pPr>
+            <a:r>
+              <a:rPr lang="en-US" b="1" i="1" dirty="0">
+                <a:solidFill>
+                  <a:srgbClr val="000066"/>
+                </a:solidFill>
+              </a:rPr>
+              <a:t>Environmental or Ecological Hazzard</a:t>
+            </a:r>
+          </a:p>
+          <a:p>
+            <a:pPr marL="285750" indent="-285750">
+              <a:buFont typeface="Arial" panose="020B0604020202020204" pitchFamily="34" charset="0"/>
+              <a:buChar char="•"/>
+            </a:pPr>
+            <a:r>
+              <a:rPr lang="en-US" b="1" i="1" dirty="0">
+                <a:solidFill>
+                  <a:srgbClr val="000066"/>
+                </a:solidFill>
+              </a:rPr>
+              <a:t>Human Health Hazzard</a:t>
+            </a:r>
+          </a:p>
+          <a:p>
+            <a:pPr marL="285750" indent="-285750">
+              <a:buFont typeface="Arial" panose="020B0604020202020204" pitchFamily="34" charset="0"/>
+              <a:buChar char="•"/>
+            </a:pPr>
+            <a:r>
+              <a:rPr lang="en-US" b="1" i="1" dirty="0">
+                <a:solidFill>
+                  <a:srgbClr val="000066"/>
+                </a:solidFill>
+              </a:rPr>
+              <a:t>Impact to Key Executive</a:t>
+            </a:r>
+            <a:endParaRPr lang="en-US" b="1" dirty="0">
+              <a:solidFill>
+                <a:srgbClr val="000066"/>
+              </a:solidFill>
+            </a:endParaRPr>
+          </a:p>
+          <a:p>
+            <a:endParaRPr lang="en-US" b="1" dirty="0">
+              <a:solidFill>
+                <a:srgbClr val="000066"/>
+              </a:solidFill>
+            </a:endParaRPr>
+          </a:p>
+        </p:txBody>
+      </p:sp>
+      <p:sp>
+        <p:nvSpPr>
+          <p:cNvPr id="6" name="TextBox 5">
+            <a:extLst>
+              <a:ext uri="{FF2B5EF4-FFF2-40B4-BE49-F238E27FC236}">
+                <a16:creationId xmlns:a16="http://schemas.microsoft.com/office/drawing/2014/main" id="{B5445D99-1429-4B9F-AFF3-64CE73903E87}"/>
+              </a:ext>
+            </a:extLst>
+          </p:cNvPr>
+          <p:cNvSpPr txBox="1"/>
+          <p:nvPr/>
+        </p:nvSpPr>
+        <p:spPr>
+          <a:xfrm>
+            <a:off x="533400" y="3635276"/>
+            <a:ext cx="7772400" cy="2585323"/>
+          </a:xfrm>
+          <a:prstGeom prst="rect">
+            <a:avLst/>
+          </a:prstGeom>
+          <a:noFill/>
+        </p:spPr>
+        <p:txBody>
+          <a:bodyPr wrap="square" rtlCol="0">
+            <a:spAutoFit/>
+          </a:bodyPr>
+          <a:lstStyle/>
+          <a:p>
+            <a:r>
+              <a:rPr lang="en-US" b="1" dirty="0">
+                <a:solidFill>
+                  <a:srgbClr val="000066"/>
+                </a:solidFill>
+              </a:rPr>
+              <a:t>Defined Business Logic</a:t>
+            </a:r>
+          </a:p>
+          <a:p>
+            <a:endParaRPr lang="en-US" b="1" dirty="0">
+              <a:solidFill>
+                <a:srgbClr val="000066"/>
+              </a:solidFill>
+            </a:endParaRPr>
+          </a:p>
+          <a:p>
+            <a:pPr marL="285750" indent="-285750">
+              <a:buFont typeface="Arial" panose="020B0604020202020204" pitchFamily="34" charset="0"/>
+              <a:buChar char="•"/>
+            </a:pPr>
+            <a:r>
+              <a:rPr lang="en-US" b="1" i="1" dirty="0">
+                <a:solidFill>
+                  <a:srgbClr val="000066"/>
+                </a:solidFill>
+              </a:rPr>
+              <a:t>A minimum of a 15% decline in price of any security within 1-week is an ‘event’</a:t>
+            </a:r>
+          </a:p>
+          <a:p>
+            <a:pPr marL="285750" indent="-285750">
+              <a:buFont typeface="Arial" panose="020B0604020202020204" pitchFamily="34" charset="0"/>
+              <a:buChar char="•"/>
+            </a:pPr>
+            <a:r>
+              <a:rPr lang="en-US" b="1" i="1" dirty="0">
+                <a:solidFill>
+                  <a:srgbClr val="000066"/>
+                </a:solidFill>
+              </a:rPr>
+              <a:t>Any subsequent decline of that same security within 4-weeks of ‘the event’ is the same ‘event’</a:t>
+            </a:r>
+          </a:p>
+          <a:p>
+            <a:pPr marL="285750" indent="-285750">
+              <a:buFont typeface="Arial" panose="020B0604020202020204" pitchFamily="34" charset="0"/>
+              <a:buChar char="•"/>
+            </a:pPr>
+            <a:r>
+              <a:rPr lang="en-US" b="1" i="1" dirty="0">
+                <a:solidFill>
+                  <a:srgbClr val="000066"/>
+                </a:solidFill>
+              </a:rPr>
+              <a:t>A 15% increase in the security price above the 26-week low after the ‘event’ is considered ‘the bounce’</a:t>
+            </a:r>
+            <a:endParaRPr lang="en-US" b="1" dirty="0">
+              <a:solidFill>
+                <a:srgbClr val="000066"/>
+              </a:solidFill>
+            </a:endParaRPr>
+          </a:p>
+          <a:p>
+            <a:endParaRPr lang="en-US" b="1" dirty="0">
+              <a:solidFill>
+                <a:srgbClr val="000066"/>
+              </a:solidFill>
+            </a:endParaRPr>
+          </a:p>
+        </p:txBody>
+      </p:sp>
+    </p:spTree>
+    <p:extLst>
+      <p:ext uri="{BB962C8B-B14F-4D97-AF65-F5344CB8AC3E}">
+        <p14:creationId xmlns:p14="http://schemas.microsoft.com/office/powerpoint/2010/main" val="1990165780"/>
+      </p:ext>
+    </p:extLst>
+  </p:cSld>
+  <p:clrMapOvr>
+    <a:masterClrMapping/>
+  </p:clrMapOvr>
+  <p:timing>
+    <p:tnLst>
+      <p:par>
+        <p:cTn id="1" dur="indefinite" restart="never" nodeType="tmRoot">
+          <p:childTnLst>
+            <p:seq concurrent="1" nextAc="seek">
+              <p:cTn id="2" dur="indefinite" nodeType="mainSeq">
+                <p:childTnLst>
+                  <p:par>
+                    <p:cTn id="3" fill="hold">
+                      <p:stCondLst>
+                        <p:cond delay="indefinite"/>
+                      </p:stCondLst>
+                      <p:childTnLst>
+                        <p:par>
+                          <p:cTn id="4" fill="hold">
+                            <p:stCondLst>
+                              <p:cond delay="0"/>
+                            </p:stCondLst>
+                            <p:childTnLst>
+                              <p:par>
+                                <p:cTn id="5" presetID="1" presetClass="entr" presetSubtype="0" fill="hold" grpId="0" nodeType="clickEffect">
+                                  <p:stCondLst>
+                                    <p:cond delay="0"/>
+                                  </p:stCondLst>
+                                  <p:childTnLst>
+                                    <p:set>
+                                      <p:cBhvr>
+                                        <p:cTn id="6" dur="1" fill="hold">
+                                          <p:stCondLst>
+                                            <p:cond delay="0"/>
+                                          </p:stCondLst>
+                                        </p:cTn>
+                                        <p:tgtEl>
+                                          <p:spTgt spid="7"/>
+                                        </p:tgtEl>
+                                        <p:attrNameLst>
+                                          <p:attrName>style.visibility</p:attrName>
+                                        </p:attrNameLst>
+                                      </p:cBhvr>
+                                      <p:to>
+                                        <p:strVal val="visible"/>
+                                      </p:to>
+                                    </p:set>
+                                  </p:childTnLst>
+                                </p:cTn>
+                              </p:par>
+                            </p:childTnLst>
+                          </p:cTn>
+                        </p:par>
+                      </p:childTnLst>
+                    </p:cTn>
+                  </p:par>
+                  <p:par>
+                    <p:cTn id="7" fill="hold">
+                      <p:stCondLst>
+                        <p:cond delay="indefinite"/>
+                      </p:stCondLst>
+                      <p:childTnLst>
+                        <p:par>
+                          <p:cTn id="8" fill="hold">
+                            <p:stCondLst>
+                              <p:cond delay="0"/>
+                            </p:stCondLst>
+                            <p:childTnLst>
+                              <p:par>
+                                <p:cTn id="9" presetID="1" presetClass="entr" presetSubtype="0" fill="hold" grpId="0" nodeType="clickEffect">
+                                  <p:stCondLst>
+                                    <p:cond delay="0"/>
+                                  </p:stCondLst>
+                                  <p:childTnLst>
+                                    <p:set>
+                                      <p:cBhvr>
+                                        <p:cTn id="10" dur="1" fill="hold">
+                                          <p:stCondLst>
+                                            <p:cond delay="0"/>
+                                          </p:stCondLst>
+                                        </p:cTn>
+                                        <p:tgtEl>
+                                          <p:spTgt spid="6"/>
+                                        </p:tgtEl>
+                                        <p:attrNameLst>
+                                          <p:attrName>style.visibility</p:attrName>
+                                        </p:attrNameLst>
+                                      </p:cBhvr>
+                                      <p:to>
+                                        <p:strVal val="visible"/>
+                                      </p:to>
+                                    </p:set>
+                                  </p:childTnLst>
+                                </p:cTn>
+                              </p:par>
+                            </p:childTnLst>
+                          </p:cTn>
+                        </p:par>
+                      </p:childTnLst>
+                    </p:cTn>
+                  </p:par>
+                </p:childTnLst>
+              </p:cTn>
+              <p:prevCondLst>
+                <p:cond evt="onPrev" delay="0">
+                  <p:tgtEl>
+                    <p:sldTgt/>
+                  </p:tgtEl>
+                </p:cond>
+              </p:prevCondLst>
+              <p:nextCondLst>
+                <p:cond evt="onNext" delay="0">
+                  <p:tgtEl>
+                    <p:sldTgt/>
+                  </p:tgtEl>
+                </p:cond>
+              </p:nextCondLst>
+            </p:seq>
+          </p:childTnLst>
+        </p:cTn>
+      </p:par>
+    </p:tnLst>
+    <p:bldLst>
+      <p:bldP spid="7" grpId="0"/>
+      <p:bldP spid="6" grpId="0"/>
+    </p:bldLst>
+  </p:timing>
+</p:sld>
+</file>
+
+<file path=ppt/slides/slide12.xml><?xml version="1.0" encoding="utf-8"?>
+<p:sld xmlns:a="http://schemas.openxmlformats.org/drawingml/2006/main" xmlns:r="http://schemas.openxmlformats.org/officeDocument/2006/relationships" xmlns:p="http://schemas.openxmlformats.org/presentationml/2006/main">
+  <p:cSld>
+    <p:spTree>
+      <p:nvGrpSpPr>
+        <p:cNvPr id="1" name=""/>
+        <p:cNvGrpSpPr/>
+        <p:nvPr/>
+      </p:nvGrpSpPr>
+      <p:grpSpPr>
+        <a:xfrm>
+          <a:off x="0" y="0"/>
+          <a:ext cx="0" cy="0"/>
+          <a:chOff x="0" y="0"/>
+          <a:chExt cx="0" cy="0"/>
+        </a:xfrm>
+      </p:grpSpPr>
+      <p:graphicFrame>
+        <p:nvGraphicFramePr>
+          <p:cNvPr id="235522" name="Rectangle 2" hidden="1"/>
+          <p:cNvGraphicFramePr>
+            <a:graphicFrameLocks/>
+          </p:cNvGraphicFramePr>
+          <p:nvPr>
+            <p:custDataLst>
+              <p:tags r:id="rId2"/>
+            </p:custDataLst>
+          </p:nvPr>
+        </p:nvGraphicFramePr>
+        <p:xfrm>
+          <a:off x="0" y="-305118"/>
+          <a:ext cx="158519" cy="158518"/>
+        </p:xfrm>
+        <a:graphic>
+          <a:graphicData uri="http://schemas.openxmlformats.org/presentationml/2006/ole">
+            <mc:AlternateContent xmlns:mc="http://schemas.openxmlformats.org/markup-compatibility/2006">
+              <mc:Choice xmlns:v="urn:schemas-microsoft-com:vml" Requires="v">
+                <p:oleObj spid="_x0000_s38916" r:id="rId5" imgW="0" imgH="0" progId="TCLayout.ActiveDocument.1">
+                  <p:embed/>
+                </p:oleObj>
+              </mc:Choice>
+              <mc:Fallback>
+                <p:oleObj r:id="rId5" imgW="0" imgH="0" progId="TCLayout.ActiveDocument.1">
+                  <p:embed/>
+                  <p:pic>
+                    <p:nvPicPr>
+                      <p:cNvPr id="235522" name="Rectangle 2" hidden="1"/>
+                      <p:cNvPicPr preferRelativeResize="0">
+                        <a:picLocks noChangeArrowheads="1"/>
+                      </p:cNvPicPr>
+                      <p:nvPr/>
+                    </p:nvPicPr>
+                    <p:blipFill>
+                      <a:blip>
+                        <a:extLst>
+                          <a:ext uri="{28A0092B-C50C-407E-A947-70E740481C1C}">
+                            <a14:useLocalDpi xmlns:a14="http://schemas.microsoft.com/office/drawing/2010/main" val="0"/>
+                          </a:ext>
+                        </a:extLst>
+                      </a:blip>
+                      <a:srcRect/>
+                      <a:stretch>
+                        <a:fillRect/>
+                      </a:stretch>
+                    </p:blipFill>
+                    <p:spPr bwMode="auto">
+                      <a:xfrm>
+                        <a:off x="0" y="-305118"/>
+                        <a:ext cx="158519" cy="158518"/>
+                      </a:xfrm>
+                      <a:prstGeom prst="rect">
+                        <a:avLst/>
+                      </a:prstGeom>
+                      <a:noFill/>
+                      <a:ln>
+                        <a:noFill/>
+                      </a:ln>
+                      <a:extLst>
+                        <a:ext uri="{909E8E84-426E-40DD-AFC4-6F175D3DCCD1}">
+                          <a14:hiddenFill xmlns:a14="http://schemas.microsoft.com/office/drawing/2010/main">
+                            <a:solidFill>
+                              <a:srgbClr val="FFFFFF"/>
+                            </a:solidFill>
+                          </a14:hiddenFill>
+                        </a:ext>
+                        <a:ext uri="{91240B29-F687-4F45-9708-019B960494DF}">
+                          <a14:hiddenLine xmlns:a14="http://schemas.microsoft.com/office/drawing/2010/main" w="9525">
+                            <a:solidFill>
+                              <a:srgbClr val="000000"/>
+                            </a:solidFill>
+                            <a:miter lim="800000"/>
+                            <a:headEnd/>
+                            <a:tailEnd/>
+                          </a14:hiddenLine>
+                        </a:ext>
+                      </a:extLst>
+                    </p:spPr>
+                  </p:pic>
+                </p:oleObj>
+              </mc:Fallback>
+            </mc:AlternateContent>
+          </a:graphicData>
+        </a:graphic>
+      </p:graphicFrame>
+      <p:sp>
+        <p:nvSpPr>
+          <p:cNvPr id="8" name="Title 40">
+            <a:extLst>
+              <a:ext uri="{FF2B5EF4-FFF2-40B4-BE49-F238E27FC236}">
+                <a16:creationId xmlns:a16="http://schemas.microsoft.com/office/drawing/2014/main" id="{6D65D641-D69D-4168-BB7D-AD3F200877E3}"/>
+              </a:ext>
+            </a:extLst>
+          </p:cNvPr>
+          <p:cNvSpPr>
+            <a:spLocks noGrp="1"/>
+          </p:cNvSpPr>
+          <p:nvPr>
+            <p:ph type="title"/>
+          </p:nvPr>
+        </p:nvSpPr>
+        <p:spPr>
+          <a:xfrm>
+            <a:off x="381000" y="152400"/>
+            <a:ext cx="8153400" cy="808038"/>
+          </a:xfrm>
+        </p:spPr>
+        <p:txBody>
+          <a:bodyPr>
+            <a:normAutofit/>
+          </a:bodyPr>
+          <a:lstStyle/>
+          <a:p>
+            <a:pPr algn="l"/>
+            <a:r>
+              <a:rPr lang="en-US" sz="2400" b="1" dirty="0">
+                <a:solidFill>
+                  <a:srgbClr val="000066"/>
+                </a:solidFill>
+              </a:rPr>
+              <a:t>Workflow</a:t>
+            </a:r>
+          </a:p>
+        </p:txBody>
+      </p:sp>
+    </p:spTree>
+    <p:extLst>
+      <p:ext uri="{BB962C8B-B14F-4D97-AF65-F5344CB8AC3E}">
+        <p14:creationId xmlns:p14="http://schemas.microsoft.com/office/powerpoint/2010/main" val="99790701"/>
+      </p:ext>
+    </p:extLst>
+  </p:cSld>
+  <p:clrMapOvr>
+    <a:masterClrMapping/>
+  </p:clrMapOvr>
+</p:sld>
+</file>
+
+<file path=ppt/slides/slide13.xml><?xml version="1.0" encoding="utf-8"?>
+<p:sld xmlns:a="http://schemas.openxmlformats.org/drawingml/2006/main" xmlns:r="http://schemas.openxmlformats.org/officeDocument/2006/relationships" xmlns:p="http://schemas.openxmlformats.org/presentationml/2006/main">
+  <p:cSld>
+    <p:spTree>
+      <p:nvGrpSpPr>
+        <p:cNvPr id="1" name=""/>
+        <p:cNvGrpSpPr/>
+        <p:nvPr/>
+      </p:nvGrpSpPr>
+      <p:grpSpPr>
+        <a:xfrm>
+          <a:off x="0" y="0"/>
+          <a:ext cx="0" cy="0"/>
+          <a:chOff x="0" y="0"/>
+          <a:chExt cx="0" cy="0"/>
+        </a:xfrm>
+      </p:grpSpPr>
+      <p:graphicFrame>
+        <p:nvGraphicFramePr>
+          <p:cNvPr id="235522" name="Rectangle 2" hidden="1"/>
+          <p:cNvGraphicFramePr>
+            <a:graphicFrameLocks/>
+          </p:cNvGraphicFramePr>
+          <p:nvPr>
+            <p:custDataLst>
+              <p:tags r:id="rId2"/>
+            </p:custDataLst>
+          </p:nvPr>
+        </p:nvGraphicFramePr>
+        <p:xfrm>
+          <a:off x="0" y="-305118"/>
+          <a:ext cx="158519" cy="158518"/>
+        </p:xfrm>
+        <a:graphic>
+          <a:graphicData uri="http://schemas.openxmlformats.org/presentationml/2006/ole">
+            <mc:AlternateContent xmlns:mc="http://schemas.openxmlformats.org/markup-compatibility/2006">
+              <mc:Choice xmlns:v="urn:schemas-microsoft-com:vml" Requires="v">
+                <p:oleObj spid="_x0000_s31769" r:id="rId5" imgW="0" imgH="0" progId="TCLayout.ActiveDocument.1">
+                  <p:embed/>
+                </p:oleObj>
+              </mc:Choice>
+              <mc:Fallback>
+                <p:oleObj r:id="rId5" imgW="0" imgH="0" progId="TCLayout.ActiveDocument.1">
+                  <p:embed/>
+                  <p:pic>
+                    <p:nvPicPr>
+                      <p:cNvPr id="235522" name="Rectangle 2" hidden="1"/>
+                      <p:cNvPicPr preferRelativeResize="0">
+                        <a:picLocks noChangeArrowheads="1"/>
+                      </p:cNvPicPr>
+                      <p:nvPr/>
+                    </p:nvPicPr>
+                    <p:blipFill>
+                      <a:blip>
+                        <a:extLst>
+                          <a:ext uri="{28A0092B-C50C-407E-A947-70E740481C1C}">
+                            <a14:useLocalDpi xmlns:a14="http://schemas.microsoft.com/office/drawing/2010/main" val="0"/>
+                          </a:ext>
+                        </a:extLst>
+                      </a:blip>
+                      <a:srcRect/>
+                      <a:stretch>
+                        <a:fillRect/>
+                      </a:stretch>
+                    </p:blipFill>
+                    <p:spPr bwMode="auto">
+                      <a:xfrm>
+                        <a:off x="0" y="-305118"/>
+                        <a:ext cx="158519" cy="158518"/>
+                      </a:xfrm>
+                      <a:prstGeom prst="rect">
+                        <a:avLst/>
+                      </a:prstGeom>
+                      <a:noFill/>
+                      <a:ln>
+                        <a:noFill/>
+                      </a:ln>
+                      <a:extLst>
+                        <a:ext uri="{909E8E84-426E-40DD-AFC4-6F175D3DCCD1}">
+                          <a14:hiddenFill xmlns:a14="http://schemas.microsoft.com/office/drawing/2010/main">
+                            <a:solidFill>
+                              <a:srgbClr val="FFFFFF"/>
+                            </a:solidFill>
+                          </a14:hiddenFill>
+                        </a:ext>
+                        <a:ext uri="{91240B29-F687-4F45-9708-019B960494DF}">
+                          <a14:hiddenLine xmlns:a14="http://schemas.microsoft.com/office/drawing/2010/main" w="9525">
+                            <a:solidFill>
+                              <a:srgbClr val="000000"/>
+                            </a:solidFill>
+                            <a:miter lim="800000"/>
+                            <a:headEnd/>
+                            <a:tailEnd/>
+                          </a14:hiddenLine>
+                        </a:ext>
+                      </a:extLst>
+                    </p:spPr>
+                  </p:pic>
+                </p:oleObj>
+              </mc:Fallback>
+            </mc:AlternateContent>
+          </a:graphicData>
+        </a:graphic>
+      </p:graphicFrame>
+      <p:sp>
+        <p:nvSpPr>
+          <p:cNvPr id="8" name="Title 40">
+            <a:extLst>
+              <a:ext uri="{FF2B5EF4-FFF2-40B4-BE49-F238E27FC236}">
+                <a16:creationId xmlns:a16="http://schemas.microsoft.com/office/drawing/2014/main" id="{6D65D641-D69D-4168-BB7D-AD3F200877E3}"/>
+              </a:ext>
+            </a:extLst>
+          </p:cNvPr>
+          <p:cNvSpPr>
+            <a:spLocks noGrp="1"/>
+          </p:cNvSpPr>
+          <p:nvPr>
+            <p:ph type="title"/>
+          </p:nvPr>
+        </p:nvSpPr>
+        <p:spPr>
+          <a:xfrm>
+            <a:off x="381000" y="152400"/>
+            <a:ext cx="8153400" cy="808038"/>
+          </a:xfrm>
+        </p:spPr>
+        <p:txBody>
+          <a:bodyPr>
+            <a:normAutofit/>
+          </a:bodyPr>
+          <a:lstStyle/>
+          <a:p>
+            <a:pPr algn="l"/>
+            <a:r>
+              <a:rPr lang="en-US" sz="2400" b="1" dirty="0">
+                <a:solidFill>
+                  <a:srgbClr val="000066"/>
+                </a:solidFill>
+              </a:rPr>
+              <a:t>Methodology</a:t>
+            </a:r>
+          </a:p>
+        </p:txBody>
+      </p:sp>
+    </p:spTree>
+    <p:extLst>
+      <p:ext uri="{BB962C8B-B14F-4D97-AF65-F5344CB8AC3E}">
+        <p14:creationId xmlns:p14="http://schemas.microsoft.com/office/powerpoint/2010/main" val="2276996167"/>
+      </p:ext>
+    </p:extLst>
+  </p:cSld>
+  <p:clrMapOvr>
+    <a:masterClrMapping/>
+  </p:clrMapOvr>
+</p:sld>
+</file>
+
+<file path=ppt/slides/slide14.xml><?xml version="1.0" encoding="utf-8"?>
+<p:sld xmlns:a="http://schemas.openxmlformats.org/drawingml/2006/main" xmlns:r="http://schemas.openxmlformats.org/officeDocument/2006/relationships" xmlns:p="http://schemas.openxmlformats.org/presentationml/2006/main">
+  <p:cSld>
+    <p:spTree>
+      <p:nvGrpSpPr>
+        <p:cNvPr id="1" name=""/>
+        <p:cNvGrpSpPr/>
+        <p:nvPr/>
+      </p:nvGrpSpPr>
+      <p:grpSpPr>
+        <a:xfrm>
+          <a:off x="0" y="0"/>
+          <a:ext cx="0" cy="0"/>
+          <a:chOff x="0" y="0"/>
+          <a:chExt cx="0" cy="0"/>
+        </a:xfrm>
+      </p:grpSpPr>
+      <p:graphicFrame>
+        <p:nvGraphicFramePr>
+          <p:cNvPr id="235522" name="Rectangle 2" hidden="1"/>
+          <p:cNvGraphicFramePr>
+            <a:graphicFrameLocks/>
+          </p:cNvGraphicFramePr>
+          <p:nvPr>
+            <p:custDataLst>
+              <p:tags r:id="rId2"/>
+            </p:custDataLst>
+          </p:nvPr>
+        </p:nvGraphicFramePr>
+        <p:xfrm>
+          <a:off x="0" y="-305118"/>
+          <a:ext cx="158519" cy="158518"/>
+        </p:xfrm>
+        <a:graphic>
+          <a:graphicData uri="http://schemas.openxmlformats.org/presentationml/2006/ole">
+            <mc:AlternateContent xmlns:mc="http://schemas.openxmlformats.org/markup-compatibility/2006">
+              <mc:Choice xmlns:v="urn:schemas-microsoft-com:vml" Requires="v">
+                <p:oleObj spid="_x0000_s29734" r:id="rId5" imgW="0" imgH="0" progId="TCLayout.ActiveDocument.1">
+                  <p:embed/>
+                </p:oleObj>
+              </mc:Choice>
+              <mc:Fallback>
+                <p:oleObj r:id="rId5" imgW="0" imgH="0" progId="TCLayout.ActiveDocument.1">
+                  <p:embed/>
+                  <p:pic>
+                    <p:nvPicPr>
+                      <p:cNvPr id="235522" name="Rectangle 2" hidden="1"/>
+                      <p:cNvPicPr preferRelativeResize="0">
+                        <a:picLocks noChangeArrowheads="1"/>
+                      </p:cNvPicPr>
+                      <p:nvPr/>
+                    </p:nvPicPr>
+                    <p:blipFill>
+                      <a:blip>
+                        <a:extLst>
+                          <a:ext uri="{28A0092B-C50C-407E-A947-70E740481C1C}">
+                            <a14:useLocalDpi xmlns:a14="http://schemas.microsoft.com/office/drawing/2010/main" val="0"/>
+                          </a:ext>
+                        </a:extLst>
+                      </a:blip>
+                      <a:srcRect/>
+                      <a:stretch>
+                        <a:fillRect/>
+                      </a:stretch>
+                    </p:blipFill>
+                    <p:spPr bwMode="auto">
+                      <a:xfrm>
+                        <a:off x="0" y="-305118"/>
+                        <a:ext cx="158519" cy="158518"/>
+                      </a:xfrm>
+                      <a:prstGeom prst="rect">
+                        <a:avLst/>
+                      </a:prstGeom>
+                      <a:noFill/>
+                      <a:ln>
+                        <a:noFill/>
+                      </a:ln>
+                      <a:extLst>
+                        <a:ext uri="{909E8E84-426E-40DD-AFC4-6F175D3DCCD1}">
+                          <a14:hiddenFill xmlns:a14="http://schemas.microsoft.com/office/drawing/2010/main">
+                            <a:solidFill>
+                              <a:srgbClr val="FFFFFF"/>
+                            </a:solidFill>
+                          </a14:hiddenFill>
+                        </a:ext>
+                        <a:ext uri="{91240B29-F687-4F45-9708-019B960494DF}">
+                          <a14:hiddenLine xmlns:a14="http://schemas.microsoft.com/office/drawing/2010/main" w="9525">
+                            <a:solidFill>
+                              <a:srgbClr val="000000"/>
+                            </a:solidFill>
+                            <a:miter lim="800000"/>
+                            <a:headEnd/>
+                            <a:tailEnd/>
+                          </a14:hiddenLine>
+                        </a:ext>
+                      </a:extLst>
+                    </p:spPr>
+                  </p:pic>
+                </p:oleObj>
+              </mc:Fallback>
+            </mc:AlternateContent>
+          </a:graphicData>
+        </a:graphic>
+      </p:graphicFrame>
+      <p:sp>
+        <p:nvSpPr>
+          <p:cNvPr id="8" name="Title 40">
+            <a:extLst>
+              <a:ext uri="{FF2B5EF4-FFF2-40B4-BE49-F238E27FC236}">
+                <a16:creationId xmlns:a16="http://schemas.microsoft.com/office/drawing/2014/main" id="{6D65D641-D69D-4168-BB7D-AD3F200877E3}"/>
+              </a:ext>
+            </a:extLst>
+          </p:cNvPr>
+          <p:cNvSpPr>
+            <a:spLocks noGrp="1"/>
+          </p:cNvSpPr>
+          <p:nvPr>
+            <p:ph type="title"/>
+          </p:nvPr>
+        </p:nvSpPr>
+        <p:spPr>
+          <a:xfrm>
+            <a:off x="381000" y="152400"/>
+            <a:ext cx="8153400" cy="808038"/>
+          </a:xfrm>
+        </p:spPr>
+        <p:txBody>
+          <a:bodyPr>
+            <a:normAutofit/>
+          </a:bodyPr>
+          <a:lstStyle/>
+          <a:p>
+            <a:pPr algn="l"/>
+            <a:r>
+              <a:rPr lang="en-US" sz="2400" b="1" dirty="0">
+                <a:solidFill>
+                  <a:srgbClr val="000066"/>
+                </a:solidFill>
+              </a:rPr>
+              <a:t>Analysis</a:t>
+            </a:r>
+          </a:p>
+        </p:txBody>
+      </p:sp>
+    </p:spTree>
+    <p:extLst>
+      <p:ext uri="{BB962C8B-B14F-4D97-AF65-F5344CB8AC3E}">
+        <p14:creationId xmlns:p14="http://schemas.microsoft.com/office/powerpoint/2010/main" val="1283919287"/>
+      </p:ext>
+    </p:extLst>
+  </p:cSld>
+  <p:clrMapOvr>
+    <a:masterClrMapping/>
+  </p:clrMapOvr>
+</p:sld>
+</file>
+
+<file path=ppt/slides/slide15.xml><?xml version="1.0" encoding="utf-8"?>
+<p:sld xmlns:a="http://schemas.openxmlformats.org/drawingml/2006/main" xmlns:r="http://schemas.openxmlformats.org/officeDocument/2006/relationships" xmlns:p="http://schemas.openxmlformats.org/presentationml/2006/main">
+  <p:cSld>
+    <p:spTree>
+      <p:nvGrpSpPr>
+        <p:cNvPr id="1" name=""/>
+        <p:cNvGrpSpPr/>
+        <p:nvPr/>
+      </p:nvGrpSpPr>
+      <p:grpSpPr>
+        <a:xfrm>
+          <a:off x="0" y="0"/>
+          <a:ext cx="0" cy="0"/>
+          <a:chOff x="0" y="0"/>
+          <a:chExt cx="0" cy="0"/>
+        </a:xfrm>
+      </p:grpSpPr>
+      <p:graphicFrame>
+        <p:nvGraphicFramePr>
+          <p:cNvPr id="235522" name="Rectangle 2" hidden="1"/>
+          <p:cNvGraphicFramePr>
+            <a:graphicFrameLocks/>
+          </p:cNvGraphicFramePr>
+          <p:nvPr>
+            <p:custDataLst>
+              <p:tags r:id="rId2"/>
+            </p:custDataLst>
+          </p:nvPr>
+        </p:nvGraphicFramePr>
+        <p:xfrm>
+          <a:off x="0" y="-305118"/>
+          <a:ext cx="158519" cy="158518"/>
+        </p:xfrm>
+        <a:graphic>
+          <a:graphicData uri="http://schemas.openxmlformats.org/presentationml/2006/ole">
+            <mc:AlternateContent xmlns:mc="http://schemas.openxmlformats.org/markup-compatibility/2006">
+              <mc:Choice xmlns:v="urn:schemas-microsoft-com:vml" Requires="v">
+                <p:oleObj spid="_x0000_s35849" r:id="rId5" imgW="0" imgH="0" progId="TCLayout.ActiveDocument.1">
+                  <p:embed/>
+                </p:oleObj>
+              </mc:Choice>
+              <mc:Fallback>
+                <p:oleObj r:id="rId5" imgW="0" imgH="0" progId="TCLayout.ActiveDocument.1">
+                  <p:embed/>
+                  <p:pic>
+                    <p:nvPicPr>
+                      <p:cNvPr id="235522" name="Rectangle 2" hidden="1"/>
+                      <p:cNvPicPr preferRelativeResize="0">
+                        <a:picLocks noChangeArrowheads="1"/>
+                      </p:cNvPicPr>
+                      <p:nvPr/>
+                    </p:nvPicPr>
+                    <p:blipFill>
+                      <a:blip>
+                        <a:extLst>
+                          <a:ext uri="{28A0092B-C50C-407E-A947-70E740481C1C}">
+                            <a14:useLocalDpi xmlns:a14="http://schemas.microsoft.com/office/drawing/2010/main" val="0"/>
+                          </a:ext>
+                        </a:extLst>
+                      </a:blip>
+                      <a:srcRect/>
+                      <a:stretch>
+                        <a:fillRect/>
+                      </a:stretch>
+                    </p:blipFill>
+                    <p:spPr bwMode="auto">
+                      <a:xfrm>
+                        <a:off x="0" y="-305118"/>
+                        <a:ext cx="158519" cy="158518"/>
+                      </a:xfrm>
+                      <a:prstGeom prst="rect">
+                        <a:avLst/>
+                      </a:prstGeom>
+                      <a:noFill/>
+                      <a:ln>
+                        <a:noFill/>
+                      </a:ln>
+                      <a:extLst>
+                        <a:ext uri="{909E8E84-426E-40DD-AFC4-6F175D3DCCD1}">
+                          <a14:hiddenFill xmlns:a14="http://schemas.microsoft.com/office/drawing/2010/main">
+                            <a:solidFill>
+                              <a:srgbClr val="FFFFFF"/>
+                            </a:solidFill>
+                          </a14:hiddenFill>
+                        </a:ext>
+                        <a:ext uri="{91240B29-F687-4F45-9708-019B960494DF}">
+                          <a14:hiddenLine xmlns:a14="http://schemas.microsoft.com/office/drawing/2010/main" w="9525">
+                            <a:solidFill>
+                              <a:srgbClr val="000000"/>
+                            </a:solidFill>
+                            <a:miter lim="800000"/>
+                            <a:headEnd/>
+                            <a:tailEnd/>
+                          </a14:hiddenLine>
+                        </a:ext>
+                      </a:extLst>
+                    </p:spPr>
+                  </p:pic>
+                </p:oleObj>
+              </mc:Fallback>
+            </mc:AlternateContent>
+          </a:graphicData>
+        </a:graphic>
+      </p:graphicFrame>
+      <p:sp>
+        <p:nvSpPr>
+          <p:cNvPr id="8" name="Title 40">
+            <a:extLst>
+              <a:ext uri="{FF2B5EF4-FFF2-40B4-BE49-F238E27FC236}">
+                <a16:creationId xmlns:a16="http://schemas.microsoft.com/office/drawing/2014/main" id="{6D65D641-D69D-4168-BB7D-AD3F200877E3}"/>
+              </a:ext>
+            </a:extLst>
+          </p:cNvPr>
+          <p:cNvSpPr>
+            <a:spLocks noGrp="1"/>
+          </p:cNvSpPr>
+          <p:nvPr>
+            <p:ph type="title"/>
+          </p:nvPr>
+        </p:nvSpPr>
+        <p:spPr>
+          <a:xfrm>
+            <a:off x="381000" y="152400"/>
+            <a:ext cx="8153400" cy="808038"/>
+          </a:xfrm>
+        </p:spPr>
+        <p:txBody>
+          <a:bodyPr>
+            <a:normAutofit/>
+          </a:bodyPr>
+          <a:lstStyle/>
+          <a:p>
+            <a:pPr algn="l"/>
+            <a:r>
+              <a:rPr lang="en-US" sz="2400" b="1" dirty="0">
+                <a:solidFill>
+                  <a:srgbClr val="000066"/>
+                </a:solidFill>
+              </a:rPr>
+              <a:t>Analysis</a:t>
+            </a:r>
+          </a:p>
+        </p:txBody>
+      </p:sp>
+    </p:spTree>
+    <p:extLst>
+      <p:ext uri="{BB962C8B-B14F-4D97-AF65-F5344CB8AC3E}">
+        <p14:creationId xmlns:p14="http://schemas.microsoft.com/office/powerpoint/2010/main" val="4081715577"/>
+      </p:ext>
+    </p:extLst>
+  </p:cSld>
+  <p:clrMapOvr>
+    <a:masterClrMapping/>
+  </p:clrMapOvr>
+</p:sld>
+</file>
+
+<file path=ppt/slides/slide16.xml><?xml version="1.0" encoding="utf-8"?>
+<p:sld xmlns:a="http://schemas.openxmlformats.org/drawingml/2006/main" xmlns:r="http://schemas.openxmlformats.org/officeDocument/2006/relationships" xmlns:p="http://schemas.openxmlformats.org/presentationml/2006/main">
+  <p:cSld>
+    <p:spTree>
+      <p:nvGrpSpPr>
+        <p:cNvPr id="1" name=""/>
+        <p:cNvGrpSpPr/>
+        <p:nvPr/>
+      </p:nvGrpSpPr>
+      <p:grpSpPr>
+        <a:xfrm>
+          <a:off x="0" y="0"/>
+          <a:ext cx="0" cy="0"/>
+          <a:chOff x="0" y="0"/>
+          <a:chExt cx="0" cy="0"/>
+        </a:xfrm>
+      </p:grpSpPr>
+      <p:graphicFrame>
+        <p:nvGraphicFramePr>
+          <p:cNvPr id="235522" name="Rectangle 2" hidden="1"/>
+          <p:cNvGraphicFramePr>
+            <a:graphicFrameLocks/>
+          </p:cNvGraphicFramePr>
+          <p:nvPr>
+            <p:custDataLst>
+              <p:tags r:id="rId2"/>
+            </p:custDataLst>
+          </p:nvPr>
+        </p:nvGraphicFramePr>
+        <p:xfrm>
+          <a:off x="0" y="-305118"/>
+          <a:ext cx="158519" cy="158518"/>
+        </p:xfrm>
+        <a:graphic>
+          <a:graphicData uri="http://schemas.openxmlformats.org/presentationml/2006/ole">
+            <mc:AlternateContent xmlns:mc="http://schemas.openxmlformats.org/markup-compatibility/2006">
+              <mc:Choice xmlns:v="urn:schemas-microsoft-com:vml" Requires="v">
+                <p:oleObj spid="_x0000_s30758" r:id="rId5" imgW="0" imgH="0" progId="TCLayout.ActiveDocument.1">
+                  <p:embed/>
+                </p:oleObj>
+              </mc:Choice>
+              <mc:Fallback>
+                <p:oleObj r:id="rId5" imgW="0" imgH="0" progId="TCLayout.ActiveDocument.1">
+                  <p:embed/>
+                  <p:pic>
+                    <p:nvPicPr>
+                      <p:cNvPr id="235522" name="Rectangle 2" hidden="1"/>
+                      <p:cNvPicPr preferRelativeResize="0">
+                        <a:picLocks noChangeArrowheads="1"/>
+                      </p:cNvPicPr>
+                      <p:nvPr/>
+                    </p:nvPicPr>
+                    <p:blipFill>
+                      <a:blip>
+                        <a:extLst>
+                          <a:ext uri="{28A0092B-C50C-407E-A947-70E740481C1C}">
+                            <a14:useLocalDpi xmlns:a14="http://schemas.microsoft.com/office/drawing/2010/main" val="0"/>
+                          </a:ext>
+                        </a:extLst>
+                      </a:blip>
+                      <a:srcRect/>
+                      <a:stretch>
+                        <a:fillRect/>
+                      </a:stretch>
+                    </p:blipFill>
+                    <p:spPr bwMode="auto">
+                      <a:xfrm>
+                        <a:off x="0" y="-305118"/>
+                        <a:ext cx="158519" cy="158518"/>
+                      </a:xfrm>
+                      <a:prstGeom prst="rect">
+                        <a:avLst/>
+                      </a:prstGeom>
+                      <a:noFill/>
+                      <a:ln>
+                        <a:noFill/>
+                      </a:ln>
+                      <a:extLst>
+                        <a:ext uri="{909E8E84-426E-40DD-AFC4-6F175D3DCCD1}">
+                          <a14:hiddenFill xmlns:a14="http://schemas.microsoft.com/office/drawing/2010/main">
+                            <a:solidFill>
+                              <a:srgbClr val="FFFFFF"/>
+                            </a:solidFill>
+                          </a14:hiddenFill>
+                        </a:ext>
+                        <a:ext uri="{91240B29-F687-4F45-9708-019B960494DF}">
+                          <a14:hiddenLine xmlns:a14="http://schemas.microsoft.com/office/drawing/2010/main" w="9525">
+                            <a:solidFill>
+                              <a:srgbClr val="000000"/>
+                            </a:solidFill>
+                            <a:miter lim="800000"/>
+                            <a:headEnd/>
+                            <a:tailEnd/>
+                          </a14:hiddenLine>
+                        </a:ext>
+                      </a:extLst>
+                    </p:spPr>
+                  </p:pic>
+                </p:oleObj>
+              </mc:Fallback>
+            </mc:AlternateContent>
+          </a:graphicData>
+        </a:graphic>
+      </p:graphicFrame>
+      <p:sp>
+        <p:nvSpPr>
+          <p:cNvPr id="8" name="Title 40">
+            <a:extLst>
+              <a:ext uri="{FF2B5EF4-FFF2-40B4-BE49-F238E27FC236}">
+                <a16:creationId xmlns:a16="http://schemas.microsoft.com/office/drawing/2014/main" id="{6D65D641-D69D-4168-BB7D-AD3F200877E3}"/>
+              </a:ext>
+            </a:extLst>
+          </p:cNvPr>
+          <p:cNvSpPr>
+            <a:spLocks noGrp="1"/>
+          </p:cNvSpPr>
+          <p:nvPr>
+            <p:ph type="title"/>
+          </p:nvPr>
+        </p:nvSpPr>
+        <p:spPr>
+          <a:xfrm>
+            <a:off x="381000" y="152400"/>
+            <a:ext cx="8153400" cy="808038"/>
+          </a:xfrm>
+        </p:spPr>
+        <p:txBody>
+          <a:bodyPr>
+            <a:normAutofit/>
+          </a:bodyPr>
+          <a:lstStyle/>
+          <a:p>
+            <a:pPr algn="l"/>
+            <a:r>
+              <a:rPr lang="en-US" sz="2400" b="1" dirty="0">
+                <a:solidFill>
+                  <a:srgbClr val="000066"/>
+                </a:solidFill>
+              </a:rPr>
+              <a:t>Findings</a:t>
+            </a:r>
+          </a:p>
+        </p:txBody>
+      </p:sp>
+    </p:spTree>
+    <p:extLst>
+      <p:ext uri="{BB962C8B-B14F-4D97-AF65-F5344CB8AC3E}">
+        <p14:creationId xmlns:p14="http://schemas.microsoft.com/office/powerpoint/2010/main" val="3075463552"/>
+      </p:ext>
+    </p:extLst>
+  </p:cSld>
+  <p:clrMapOvr>
+    <a:masterClrMapping/>
+  </p:clrMapOvr>
+</p:sld>
+</file>
+
+<file path=ppt/slides/slide17.xml><?xml version="1.0" encoding="utf-8"?>
+<p:sld xmlns:a="http://schemas.openxmlformats.org/drawingml/2006/main" xmlns:r="http://schemas.openxmlformats.org/officeDocument/2006/relationships" xmlns:p="http://schemas.openxmlformats.org/presentationml/2006/main">
+  <p:cSld>
+    <p:spTree>
+      <p:nvGrpSpPr>
+        <p:cNvPr id="1" name=""/>
+        <p:cNvGrpSpPr/>
+        <p:nvPr/>
+      </p:nvGrpSpPr>
+      <p:grpSpPr>
+        <a:xfrm>
+          <a:off x="0" y="0"/>
+          <a:ext cx="0" cy="0"/>
+          <a:chOff x="0" y="0"/>
+          <a:chExt cx="0" cy="0"/>
+        </a:xfrm>
+      </p:grpSpPr>
+      <p:graphicFrame>
+        <p:nvGraphicFramePr>
+          <p:cNvPr id="235522" name="Rectangle 2" hidden="1"/>
+          <p:cNvGraphicFramePr>
+            <a:graphicFrameLocks/>
+          </p:cNvGraphicFramePr>
+          <p:nvPr>
+            <p:custDataLst>
+              <p:tags r:id="rId2"/>
+            </p:custDataLst>
+          </p:nvPr>
+        </p:nvGraphicFramePr>
+        <p:xfrm>
+          <a:off x="0" y="-305118"/>
+          <a:ext cx="158519" cy="158518"/>
+        </p:xfrm>
+        <a:graphic>
+          <a:graphicData uri="http://schemas.openxmlformats.org/presentationml/2006/ole">
+            <mc:AlternateContent xmlns:mc="http://schemas.openxmlformats.org/markup-compatibility/2006">
+              <mc:Choice xmlns:v="urn:schemas-microsoft-com:vml" Requires="v">
+                <p:oleObj spid="_x0000_s36873" r:id="rId5" imgW="0" imgH="0" progId="TCLayout.ActiveDocument.1">
+                  <p:embed/>
+                </p:oleObj>
+              </mc:Choice>
+              <mc:Fallback>
+                <p:oleObj r:id="rId5" imgW="0" imgH="0" progId="TCLayout.ActiveDocument.1">
+                  <p:embed/>
+                  <p:pic>
+                    <p:nvPicPr>
+                      <p:cNvPr id="235522" name="Rectangle 2" hidden="1"/>
+                      <p:cNvPicPr preferRelativeResize="0">
+                        <a:picLocks noChangeArrowheads="1"/>
+                      </p:cNvPicPr>
+                      <p:nvPr/>
+                    </p:nvPicPr>
+                    <p:blipFill>
+                      <a:blip>
+                        <a:extLst>
+                          <a:ext uri="{28A0092B-C50C-407E-A947-70E740481C1C}">
+                            <a14:useLocalDpi xmlns:a14="http://schemas.microsoft.com/office/drawing/2010/main" val="0"/>
+                          </a:ext>
+                        </a:extLst>
+                      </a:blip>
+                      <a:srcRect/>
+                      <a:stretch>
+                        <a:fillRect/>
+                      </a:stretch>
+                    </p:blipFill>
+                    <p:spPr bwMode="auto">
+                      <a:xfrm>
+                        <a:off x="0" y="-305118"/>
+                        <a:ext cx="158519" cy="158518"/>
+                      </a:xfrm>
+                      <a:prstGeom prst="rect">
+                        <a:avLst/>
+                      </a:prstGeom>
+                      <a:noFill/>
+                      <a:ln>
+                        <a:noFill/>
+                      </a:ln>
+                      <a:extLst>
+                        <a:ext uri="{909E8E84-426E-40DD-AFC4-6F175D3DCCD1}">
+                          <a14:hiddenFill xmlns:a14="http://schemas.microsoft.com/office/drawing/2010/main">
+                            <a:solidFill>
+                              <a:srgbClr val="FFFFFF"/>
+                            </a:solidFill>
+                          </a14:hiddenFill>
+                        </a:ext>
+                        <a:ext uri="{91240B29-F687-4F45-9708-019B960494DF}">
+                          <a14:hiddenLine xmlns:a14="http://schemas.microsoft.com/office/drawing/2010/main" w="9525">
+                            <a:solidFill>
+                              <a:srgbClr val="000000"/>
+                            </a:solidFill>
+                            <a:miter lim="800000"/>
+                            <a:headEnd/>
+                            <a:tailEnd/>
+                          </a14:hiddenLine>
+                        </a:ext>
+                      </a:extLst>
+                    </p:spPr>
+                  </p:pic>
+                </p:oleObj>
+              </mc:Fallback>
+            </mc:AlternateContent>
+          </a:graphicData>
+        </a:graphic>
+      </p:graphicFrame>
+      <p:sp>
+        <p:nvSpPr>
+          <p:cNvPr id="8" name="Title 40">
+            <a:extLst>
+              <a:ext uri="{FF2B5EF4-FFF2-40B4-BE49-F238E27FC236}">
+                <a16:creationId xmlns:a16="http://schemas.microsoft.com/office/drawing/2014/main" id="{6D65D641-D69D-4168-BB7D-AD3F200877E3}"/>
+              </a:ext>
+            </a:extLst>
+          </p:cNvPr>
+          <p:cNvSpPr>
+            <a:spLocks noGrp="1"/>
+          </p:cNvSpPr>
+          <p:nvPr>
+            <p:ph type="title"/>
+          </p:nvPr>
+        </p:nvSpPr>
+        <p:spPr>
+          <a:xfrm>
+            <a:off x="381000" y="152400"/>
+            <a:ext cx="8153400" cy="808038"/>
+          </a:xfrm>
+        </p:spPr>
+        <p:txBody>
+          <a:bodyPr>
+            <a:normAutofit/>
+          </a:bodyPr>
+          <a:lstStyle/>
+          <a:p>
+            <a:pPr algn="l"/>
+            <a:r>
+              <a:rPr lang="en-US" sz="2400" b="1" dirty="0">
+                <a:solidFill>
+                  <a:srgbClr val="000066"/>
+                </a:solidFill>
+              </a:rPr>
+              <a:t>Findings</a:t>
+            </a:r>
+          </a:p>
+        </p:txBody>
+      </p:sp>
+    </p:spTree>
+    <p:extLst>
+      <p:ext uri="{BB962C8B-B14F-4D97-AF65-F5344CB8AC3E}">
+        <p14:creationId xmlns:p14="http://schemas.microsoft.com/office/powerpoint/2010/main" val="2486427540"/>
+      </p:ext>
+    </p:extLst>
+  </p:cSld>
+  <p:clrMapOvr>
+    <a:masterClrMapping/>
+  </p:clrMapOvr>
+</p:sld>
+</file>
+
+<file path=ppt/slides/slide18.xml><?xml version="1.0" encoding="utf-8"?>
+<p:sld xmlns:a="http://schemas.openxmlformats.org/drawingml/2006/main" xmlns:r="http://schemas.openxmlformats.org/officeDocument/2006/relationships" xmlns:p="http://schemas.openxmlformats.org/presentationml/2006/main">
+  <p:cSld>
+    <p:spTree>
+      <p:nvGrpSpPr>
+        <p:cNvPr id="1" name=""/>
+        <p:cNvGrpSpPr/>
+        <p:nvPr/>
+      </p:nvGrpSpPr>
+      <p:grpSpPr>
+        <a:xfrm>
+          <a:off x="0" y="0"/>
+          <a:ext cx="0" cy="0"/>
+          <a:chOff x="0" y="0"/>
+          <a:chExt cx="0" cy="0"/>
+        </a:xfrm>
+      </p:grpSpPr>
+      <p:graphicFrame>
+        <p:nvGraphicFramePr>
+          <p:cNvPr id="235522" name="Rectangle 2" hidden="1"/>
+          <p:cNvGraphicFramePr>
+            <a:graphicFrameLocks/>
+          </p:cNvGraphicFramePr>
+          <p:nvPr>
+            <p:custDataLst>
+              <p:tags r:id="rId2"/>
+            </p:custDataLst>
+          </p:nvPr>
+        </p:nvGraphicFramePr>
+        <p:xfrm>
+          <a:off x="0" y="-305118"/>
+          <a:ext cx="158519" cy="158518"/>
+        </p:xfrm>
+        <a:graphic>
+          <a:graphicData uri="http://schemas.openxmlformats.org/presentationml/2006/ole">
+            <mc:AlternateContent xmlns:mc="http://schemas.openxmlformats.org/markup-compatibility/2006">
+              <mc:Choice xmlns:v="urn:schemas-microsoft-com:vml" Requires="v">
+                <p:oleObj spid="_x0000_s34832" r:id="rId5" imgW="0" imgH="0" progId="TCLayout.ActiveDocument.1">
+                  <p:embed/>
+                </p:oleObj>
+              </mc:Choice>
+              <mc:Fallback>
+                <p:oleObj r:id="rId5" imgW="0" imgH="0" progId="TCLayout.ActiveDocument.1">
+                  <p:embed/>
+                  <p:pic>
+                    <p:nvPicPr>
+                      <p:cNvPr id="235522" name="Rectangle 2" hidden="1"/>
+                      <p:cNvPicPr preferRelativeResize="0">
+                        <a:picLocks noChangeArrowheads="1"/>
+                      </p:cNvPicPr>
+                      <p:nvPr/>
+                    </p:nvPicPr>
+                    <p:blipFill>
+                      <a:blip>
+                        <a:extLst>
+                          <a:ext uri="{28A0092B-C50C-407E-A947-70E740481C1C}">
+                            <a14:useLocalDpi xmlns:a14="http://schemas.microsoft.com/office/drawing/2010/main" val="0"/>
+                          </a:ext>
+                        </a:extLst>
+                      </a:blip>
+                      <a:srcRect/>
+                      <a:stretch>
+                        <a:fillRect/>
+                      </a:stretch>
+                    </p:blipFill>
+                    <p:spPr bwMode="auto">
+                      <a:xfrm>
+                        <a:off x="0" y="-305118"/>
+                        <a:ext cx="158519" cy="158518"/>
+                      </a:xfrm>
+                      <a:prstGeom prst="rect">
+                        <a:avLst/>
+                      </a:prstGeom>
+                      <a:noFill/>
+                      <a:ln>
+                        <a:noFill/>
+                      </a:ln>
+                      <a:extLst>
+                        <a:ext uri="{909E8E84-426E-40DD-AFC4-6F175D3DCCD1}">
+                          <a14:hiddenFill xmlns:a14="http://schemas.microsoft.com/office/drawing/2010/main">
+                            <a:solidFill>
+                              <a:srgbClr val="FFFFFF"/>
+                            </a:solidFill>
+                          </a14:hiddenFill>
+                        </a:ext>
+                        <a:ext uri="{91240B29-F687-4F45-9708-019B960494DF}">
+                          <a14:hiddenLine xmlns:a14="http://schemas.microsoft.com/office/drawing/2010/main" w="9525">
+                            <a:solidFill>
+                              <a:srgbClr val="000000"/>
+                            </a:solidFill>
+                            <a:miter lim="800000"/>
+                            <a:headEnd/>
+                            <a:tailEnd/>
+                          </a14:hiddenLine>
+                        </a:ext>
+                      </a:extLst>
+                    </p:spPr>
+                  </p:pic>
+                </p:oleObj>
+              </mc:Fallback>
+            </mc:AlternateContent>
+          </a:graphicData>
+        </a:graphic>
+      </p:graphicFrame>
+      <p:sp>
+        <p:nvSpPr>
+          <p:cNvPr id="8" name="Title 40">
+            <a:extLst>
+              <a:ext uri="{FF2B5EF4-FFF2-40B4-BE49-F238E27FC236}">
+                <a16:creationId xmlns:a16="http://schemas.microsoft.com/office/drawing/2014/main" id="{6D65D641-D69D-4168-BB7D-AD3F200877E3}"/>
+              </a:ext>
+            </a:extLst>
+          </p:cNvPr>
+          <p:cNvSpPr>
+            <a:spLocks noGrp="1"/>
+          </p:cNvSpPr>
+          <p:nvPr>
+            <p:ph type="title"/>
+          </p:nvPr>
+        </p:nvSpPr>
+        <p:spPr>
+          <a:xfrm>
+            <a:off x="381000" y="152400"/>
+            <a:ext cx="8153400" cy="808038"/>
+          </a:xfrm>
+        </p:spPr>
+        <p:txBody>
+          <a:bodyPr>
+            <a:normAutofit/>
+          </a:bodyPr>
+          <a:lstStyle/>
+          <a:p>
+            <a:pPr algn="l"/>
+            <a:r>
+              <a:rPr lang="en-US" sz="2400" b="1" dirty="0">
+                <a:solidFill>
+                  <a:srgbClr val="000066"/>
+                </a:solidFill>
+              </a:rPr>
+              <a:t>Next Steps</a:t>
+            </a:r>
+          </a:p>
+        </p:txBody>
+      </p:sp>
+    </p:spTree>
+    <p:extLst>
+      <p:ext uri="{BB962C8B-B14F-4D97-AF65-F5344CB8AC3E}">
+        <p14:creationId xmlns:p14="http://schemas.microsoft.com/office/powerpoint/2010/main" val="1830593239"/>
+      </p:ext>
+    </p:extLst>
+  </p:cSld>
+  <p:clrMapOvr>
+    <a:masterClrMapping/>
+  </p:clrMapOvr>
+</p:sld>
+</file>
+
+<file path=ppt/slides/slide2.xml><?xml version="1.0" encoding="utf-8"?>
+<p:sld xmlns:a="http://schemas.openxmlformats.org/drawingml/2006/main" xmlns:r="http://schemas.openxmlformats.org/officeDocument/2006/relationships" xmlns:p="http://schemas.openxmlformats.org/presentationml/2006/main">
+  <p:cSld>
+    <p:spTree>
+      <p:nvGrpSpPr>
+        <p:cNvPr id="1" name=""/>
+        <p:cNvGrpSpPr/>
+        <p:nvPr/>
+      </p:nvGrpSpPr>
+      <p:grpSpPr>
+        <a:xfrm>
+          <a:off x="0" y="0"/>
+          <a:ext cx="0" cy="0"/>
+          <a:chOff x="0" y="0"/>
+          <a:chExt cx="0" cy="0"/>
+        </a:xfrm>
+      </p:grpSpPr>
+      <p:graphicFrame>
+        <p:nvGraphicFramePr>
+          <p:cNvPr id="235522" name="Rectangle 2" hidden="1"/>
+          <p:cNvGraphicFramePr>
+            <a:graphicFrameLocks/>
+          </p:cNvGraphicFramePr>
+          <p:nvPr>
+            <p:custDataLst>
+              <p:tags r:id="rId2"/>
+            </p:custDataLst>
+          </p:nvPr>
+        </p:nvGraphicFramePr>
+        <p:xfrm>
+          <a:off x="0" y="-305118"/>
+          <a:ext cx="158519" cy="158518"/>
+        </p:xfrm>
+        <a:graphic>
+          <a:graphicData uri="http://schemas.openxmlformats.org/presentationml/2006/ole">
+            <mc:AlternateContent xmlns:mc="http://schemas.openxmlformats.org/markup-compatibility/2006">
+              <mc:Choice xmlns:v="urn:schemas-microsoft-com:vml" Requires="v">
+                <p:oleObj spid="_x0000_s37893" r:id="rId5" imgW="0" imgH="0" progId="TCLayout.ActiveDocument.1">
+                  <p:embed/>
+                </p:oleObj>
+              </mc:Choice>
+              <mc:Fallback>
+                <p:oleObj r:id="rId5" imgW="0" imgH="0" progId="TCLayout.ActiveDocument.1">
+                  <p:embed/>
+                  <p:pic>
+                    <p:nvPicPr>
+                      <p:cNvPr id="235522" name="Rectangle 2" hidden="1"/>
+                      <p:cNvPicPr preferRelativeResize="0">
+                        <a:picLocks noChangeArrowheads="1"/>
+                      </p:cNvPicPr>
+                      <p:nvPr/>
+                    </p:nvPicPr>
+                    <p:blipFill>
+                      <a:blip>
+                        <a:extLst>
+                          <a:ext uri="{28A0092B-C50C-407E-A947-70E740481C1C}">
+                            <a14:useLocalDpi xmlns:a14="http://schemas.microsoft.com/office/drawing/2010/main" val="0"/>
+                          </a:ext>
+                        </a:extLst>
+                      </a:blip>
+                      <a:srcRect/>
+                      <a:stretch>
+                        <a:fillRect/>
+                      </a:stretch>
+                    </p:blipFill>
+                    <p:spPr bwMode="auto">
+                      <a:xfrm>
+                        <a:off x="0" y="-305118"/>
+                        <a:ext cx="158519" cy="158518"/>
+                      </a:xfrm>
+                      <a:prstGeom prst="rect">
+                        <a:avLst/>
+                      </a:prstGeom>
+                      <a:noFill/>
+                      <a:ln>
+                        <a:noFill/>
+                      </a:ln>
+                      <a:extLst>
+                        <a:ext uri="{909E8E84-426E-40DD-AFC4-6F175D3DCCD1}">
+                          <a14:hiddenFill xmlns:a14="http://schemas.microsoft.com/office/drawing/2010/main">
+                            <a:solidFill>
+                              <a:srgbClr val="FFFFFF"/>
+                            </a:solidFill>
+                          </a14:hiddenFill>
+                        </a:ext>
+                        <a:ext uri="{91240B29-F687-4F45-9708-019B960494DF}">
+                          <a14:hiddenLine xmlns:a14="http://schemas.microsoft.com/office/drawing/2010/main" w="9525">
+                            <a:solidFill>
+                              <a:srgbClr val="000000"/>
+                            </a:solidFill>
+                            <a:miter lim="800000"/>
+                            <a:headEnd/>
+                            <a:tailEnd/>
+                          </a14:hiddenLine>
+                        </a:ext>
+                      </a:extLst>
+                    </p:spPr>
+                  </p:pic>
+                </p:oleObj>
+              </mc:Fallback>
+            </mc:AlternateContent>
+          </a:graphicData>
+        </a:graphic>
+      </p:graphicFrame>
+      <p:sp>
+        <p:nvSpPr>
+          <p:cNvPr id="47" name="Title 40"/>
+          <p:cNvSpPr>
+            <a:spLocks noGrp="1"/>
+          </p:cNvSpPr>
+          <p:nvPr>
+            <p:ph type="title"/>
+          </p:nvPr>
+        </p:nvSpPr>
+        <p:spPr>
+          <a:xfrm>
+            <a:off x="533400" y="152400"/>
+            <a:ext cx="8001000" cy="808038"/>
+          </a:xfrm>
+        </p:spPr>
+        <p:txBody>
+          <a:bodyPr>
+            <a:normAutofit/>
+          </a:bodyPr>
+          <a:lstStyle/>
+          <a:p>
+            <a:pPr algn="l"/>
+            <a:r>
+              <a:rPr lang="en-US" sz="2400" b="1" dirty="0">
+                <a:solidFill>
+                  <a:srgbClr val="000066"/>
+                </a:solidFill>
+              </a:rPr>
+              <a:t>Executive Summary</a:t>
+            </a:r>
+          </a:p>
+        </p:txBody>
+      </p:sp>
+      <p:sp>
+        <p:nvSpPr>
+          <p:cNvPr id="7" name="TextBox 6">
+            <a:extLst>
+              <a:ext uri="{FF2B5EF4-FFF2-40B4-BE49-F238E27FC236}">
+                <a16:creationId xmlns:a16="http://schemas.microsoft.com/office/drawing/2014/main" id="{59D6BA0D-75DA-411C-AE80-6B1C75B5F712}"/>
+              </a:ext>
+            </a:extLst>
+          </p:cNvPr>
+          <p:cNvSpPr txBox="1"/>
+          <p:nvPr/>
+        </p:nvSpPr>
+        <p:spPr>
+          <a:xfrm>
+            <a:off x="533400" y="1228933"/>
+            <a:ext cx="7772400" cy="707886"/>
+          </a:xfrm>
+          <a:prstGeom prst="rect">
+            <a:avLst/>
+          </a:prstGeom>
+          <a:noFill/>
+        </p:spPr>
+        <p:txBody>
+          <a:bodyPr wrap="square" rtlCol="0">
+            <a:spAutoFit/>
+          </a:bodyPr>
+          <a:lstStyle/>
+          <a:p>
+            <a:r>
+              <a:rPr lang="en-US" sz="2000" b="1" dirty="0">
+                <a:solidFill>
+                  <a:srgbClr val="000066"/>
+                </a:solidFill>
+              </a:rPr>
+              <a:t>Our non-statistical sampling suggested equity markets initially overreact to unfavorable corporate news events of any one equity</a:t>
+            </a:r>
+          </a:p>
+        </p:txBody>
+      </p:sp>
+      <p:sp>
+        <p:nvSpPr>
+          <p:cNvPr id="5" name="TextBox 4">
+            <a:extLst>
+              <a:ext uri="{FF2B5EF4-FFF2-40B4-BE49-F238E27FC236}">
+                <a16:creationId xmlns:a16="http://schemas.microsoft.com/office/drawing/2014/main" id="{D4726C2B-DC37-47C3-8C2B-30F56E0AFE99}"/>
+              </a:ext>
+            </a:extLst>
+          </p:cNvPr>
+          <p:cNvSpPr txBox="1"/>
+          <p:nvPr/>
+        </p:nvSpPr>
+        <p:spPr>
+          <a:xfrm>
+            <a:off x="533400" y="2438400"/>
+            <a:ext cx="7772400" cy="3754874"/>
+          </a:xfrm>
+          <a:prstGeom prst="rect">
+            <a:avLst/>
+          </a:prstGeom>
+          <a:noFill/>
+        </p:spPr>
+        <p:txBody>
+          <a:bodyPr wrap="square" rtlCol="0">
+            <a:spAutoFit/>
+          </a:bodyPr>
+          <a:lstStyle/>
+          <a:p>
+            <a:r>
+              <a:rPr lang="en-US" sz="2000" b="1" dirty="0">
+                <a:solidFill>
+                  <a:srgbClr val="000066"/>
+                </a:solidFill>
+              </a:rPr>
+              <a:t>We believe this is caused by two key factors:</a:t>
+            </a:r>
+          </a:p>
+          <a:p>
+            <a:endParaRPr lang="en-US" sz="2000" b="1" i="1" u="sng" dirty="0">
+              <a:solidFill>
+                <a:srgbClr val="000066"/>
+              </a:solidFill>
+            </a:endParaRPr>
+          </a:p>
+          <a:p>
+            <a:r>
+              <a:rPr lang="en-US" sz="2000" b="1" i="1" dirty="0">
+                <a:solidFill>
+                  <a:srgbClr val="00B0F0"/>
+                </a:solidFill>
+              </a:rPr>
+              <a:t>Emotion</a:t>
+            </a:r>
+          </a:p>
+          <a:p>
+            <a:r>
+              <a:rPr lang="en-US" sz="2000" b="1" dirty="0">
+                <a:solidFill>
+                  <a:srgbClr val="000066"/>
+                </a:solidFill>
+              </a:rPr>
+              <a:t>	“</a:t>
+            </a:r>
+            <a:r>
+              <a:rPr lang="en-US" sz="2000" b="1" i="1" dirty="0">
+                <a:solidFill>
+                  <a:srgbClr val="000066"/>
+                </a:solidFill>
+              </a:rPr>
+              <a:t>People generally feel twice as much sadness or pain when something is lost than when something of equal value is gained. This is the main reason why stocks go down faster than they go up”</a:t>
+            </a:r>
+          </a:p>
+          <a:p>
+            <a:endParaRPr lang="en-US" sz="2000" b="1" i="1" dirty="0">
+              <a:solidFill>
+                <a:srgbClr val="000066"/>
+              </a:solidFill>
+            </a:endParaRPr>
+          </a:p>
+          <a:p>
+            <a:r>
+              <a:rPr lang="en-US" sz="2000" b="1" i="1" dirty="0">
+                <a:solidFill>
+                  <a:srgbClr val="00B0F0"/>
+                </a:solidFill>
+              </a:rPr>
+              <a:t>Technology</a:t>
+            </a:r>
+          </a:p>
+          <a:p>
+            <a:r>
+              <a:rPr lang="en-US" sz="2000" b="1" i="1" dirty="0">
+                <a:solidFill>
+                  <a:srgbClr val="000066"/>
+                </a:solidFill>
+              </a:rPr>
+              <a:t>	Mobile and automated technology has not only enabled news to propagate quickly but companies, individuals and bots to transact on that news </a:t>
+            </a:r>
+            <a:r>
+              <a:rPr lang="en-US" sz="2000" b="1" i="1" u="sng" dirty="0">
+                <a:solidFill>
+                  <a:srgbClr val="000066"/>
+                </a:solidFill>
+              </a:rPr>
+              <a:t>instantly</a:t>
+            </a:r>
+          </a:p>
+          <a:p>
+            <a:endParaRPr lang="en-US" sz="2000" dirty="0">
+              <a:solidFill>
+                <a:srgbClr val="000066"/>
+              </a:solidFill>
+            </a:endParaRPr>
+          </a:p>
+        </p:txBody>
+      </p:sp>
+      <p:sp>
+        <p:nvSpPr>
+          <p:cNvPr id="6" name="TextBox 5">
+            <a:extLst>
+              <a:ext uri="{FF2B5EF4-FFF2-40B4-BE49-F238E27FC236}">
+                <a16:creationId xmlns:a16="http://schemas.microsoft.com/office/drawing/2014/main" id="{0C7F0FDA-5F46-41BD-BF0F-A903C866FD37}"/>
+              </a:ext>
+            </a:extLst>
+          </p:cNvPr>
+          <p:cNvSpPr txBox="1"/>
+          <p:nvPr/>
+        </p:nvSpPr>
+        <p:spPr>
+          <a:xfrm>
+            <a:off x="381000" y="6443990"/>
+            <a:ext cx="7772400" cy="261610"/>
+          </a:xfrm>
+          <a:prstGeom prst="rect">
+            <a:avLst/>
+          </a:prstGeom>
+          <a:noFill/>
+        </p:spPr>
+        <p:txBody>
+          <a:bodyPr wrap="square" rtlCol="0">
+            <a:spAutoFit/>
+          </a:bodyPr>
+          <a:lstStyle/>
+          <a:p>
+            <a:r>
+              <a:rPr lang="en-US" sz="1100" dirty="0">
+                <a:solidFill>
+                  <a:srgbClr val="000066"/>
+                </a:solidFill>
+              </a:rPr>
+              <a:t>Source: Why Stocks Tend To Decline Much Faster Than They Rise; http://theemotionallyintelligentinvestor.com/?p=145</a:t>
+            </a:r>
+          </a:p>
+        </p:txBody>
+      </p:sp>
+    </p:spTree>
+    <p:extLst>
+      <p:ext uri="{BB962C8B-B14F-4D97-AF65-F5344CB8AC3E}">
+        <p14:creationId xmlns:p14="http://schemas.microsoft.com/office/powerpoint/2010/main" val="1936990372"/>
+      </p:ext>
+    </p:extLst>
+  </p:cSld>
+  <p:clrMapOvr>
+    <a:masterClrMapping/>
+  </p:clrMapOvr>
+  <p:timing>
+    <p:tnLst>
+      <p:par>
+        <p:cTn id="1" dur="indefinite" restart="never" nodeType="tmRoot">
+          <p:childTnLst>
+            <p:seq concurrent="1" nextAc="seek">
+              <p:cTn id="2" dur="indefinite" nodeType="mainSeq">
+                <p:childTnLst>
+                  <p:par>
+                    <p:cTn id="3" fill="hold">
+                      <p:stCondLst>
+                        <p:cond delay="indefinite"/>
+                      </p:stCondLst>
+                      <p:childTnLst>
+                        <p:par>
+                          <p:cTn id="4" fill="hold">
+                            <p:stCondLst>
+                              <p:cond delay="0"/>
+                            </p:stCondLst>
+                            <p:childTnLst>
+                              <p:par>
+                                <p:cTn id="5" presetID="1" presetClass="entr" presetSubtype="0" fill="hold" grpId="0" nodeType="clickEffect">
+                                  <p:stCondLst>
+                                    <p:cond delay="0"/>
+                                  </p:stCondLst>
+                                  <p:childTnLst>
+                                    <p:set>
+                                      <p:cBhvr>
+                                        <p:cTn id="6" dur="1" fill="hold">
+                                          <p:stCondLst>
+                                            <p:cond delay="0"/>
+                                          </p:stCondLst>
+                                        </p:cTn>
+                                        <p:tgtEl>
+                                          <p:spTgt spid="7"/>
+                                        </p:tgtEl>
+                                        <p:attrNameLst>
+                                          <p:attrName>style.visibility</p:attrName>
+                                        </p:attrNameLst>
+                                      </p:cBhvr>
+                                      <p:to>
+                                        <p:strVal val="visible"/>
+                                      </p:to>
+                                    </p:set>
+                                  </p:childTnLst>
+                                </p:cTn>
+                              </p:par>
+                            </p:childTnLst>
+                          </p:cTn>
+                        </p:par>
+                      </p:childTnLst>
+                    </p:cTn>
+                  </p:par>
+                  <p:par>
+                    <p:cTn id="7" fill="hold">
+                      <p:stCondLst>
+                        <p:cond delay="indefinite"/>
+                      </p:stCondLst>
+                      <p:childTnLst>
+                        <p:par>
+                          <p:cTn id="8" fill="hold">
+                            <p:stCondLst>
+                              <p:cond delay="0"/>
+                            </p:stCondLst>
+                            <p:childTnLst>
+                              <p:par>
+                                <p:cTn id="9" presetID="1" presetClass="entr" presetSubtype="0" fill="hold" grpId="0" nodeType="clickEffect">
+                                  <p:stCondLst>
+                                    <p:cond delay="0"/>
+                                  </p:stCondLst>
+                                  <p:childTnLst>
+                                    <p:set>
+                                      <p:cBhvr>
+                                        <p:cTn id="10" dur="1" fill="hold">
+                                          <p:stCondLst>
+                                            <p:cond delay="0"/>
+                                          </p:stCondLst>
+                                        </p:cTn>
+                                        <p:tgtEl>
+                                          <p:spTgt spid="5"/>
+                                        </p:tgtEl>
+                                        <p:attrNameLst>
+                                          <p:attrName>style.visibility</p:attrName>
+                                        </p:attrNameLst>
+                                      </p:cBhvr>
+                                      <p:to>
+                                        <p:strVal val="visible"/>
+                                      </p:to>
+                                    </p:set>
+                                  </p:childTnLst>
+                                </p:cTn>
+                              </p:par>
+                            </p:childTnLst>
+                          </p:cTn>
+                        </p:par>
+                      </p:childTnLst>
+                    </p:cTn>
+                  </p:par>
+                </p:childTnLst>
+              </p:cTn>
+              <p:prevCondLst>
+                <p:cond evt="onPrev" delay="0">
+                  <p:tgtEl>
+                    <p:sldTgt/>
+                  </p:tgtEl>
+                </p:cond>
+              </p:prevCondLst>
+              <p:nextCondLst>
+                <p:cond evt="onNext" delay="0">
+                  <p:tgtEl>
+                    <p:sldTgt/>
+                  </p:tgtEl>
+                </p:cond>
+              </p:nextCondLst>
+            </p:seq>
+          </p:childTnLst>
+        </p:cTn>
+      </p:par>
+    </p:tnLst>
+    <p:bldLst>
+      <p:bldP spid="7" grpId="0"/>
+      <p:bldP spid="5" grpId="0"/>
+    </p:bldLst>
+  </p:timing>
+</p:sld>
+</file>
+
 <file path=ppt/slides/slide3.xml><?xml version="1.0" encoding="utf-8"?>
+<p:sld xmlns:a="http://schemas.openxmlformats.org/drawingml/2006/main" xmlns:r="http://schemas.openxmlformats.org/officeDocument/2006/relationships" xmlns:p="http://schemas.openxmlformats.org/presentationml/2006/main">
+  <p:cSld>
+    <p:spTree>
+      <p:nvGrpSpPr>
+        <p:cNvPr id="1" name=""/>
+        <p:cNvGrpSpPr/>
+        <p:nvPr/>
+      </p:nvGrpSpPr>
+      <p:grpSpPr>
+        <a:xfrm>
+          <a:off x="0" y="0"/>
+          <a:ext cx="0" cy="0"/>
+          <a:chOff x="0" y="0"/>
+          <a:chExt cx="0" cy="0"/>
+        </a:xfrm>
+      </p:grpSpPr>
+      <p:graphicFrame>
+        <p:nvGraphicFramePr>
+          <p:cNvPr id="235522" name="Rectangle 2" hidden="1"/>
+          <p:cNvGraphicFramePr>
+            <a:graphicFrameLocks/>
+          </p:cNvGraphicFramePr>
+          <p:nvPr>
+            <p:custDataLst>
+              <p:tags r:id="rId2"/>
+            </p:custDataLst>
+          </p:nvPr>
+        </p:nvGraphicFramePr>
+        <p:xfrm>
+          <a:off x="0" y="-305118"/>
+          <a:ext cx="158519" cy="158518"/>
+        </p:xfrm>
+        <a:graphic>
+          <a:graphicData uri="http://schemas.openxmlformats.org/presentationml/2006/ole">
+            <mc:AlternateContent xmlns:mc="http://schemas.openxmlformats.org/markup-compatibility/2006">
+              <mc:Choice xmlns:v="urn:schemas-microsoft-com:vml" Requires="v">
+                <p:oleObj spid="_x0000_s21583" r:id="rId5" imgW="0" imgH="0" progId="TCLayout.ActiveDocument.1">
+                  <p:embed/>
+                </p:oleObj>
+              </mc:Choice>
+              <mc:Fallback>
+                <p:oleObj r:id="rId5" imgW="0" imgH="0" progId="TCLayout.ActiveDocument.1">
+                  <p:embed/>
+                  <p:pic>
+                    <p:nvPicPr>
+                      <p:cNvPr id="235522" name="Rectangle 2" hidden="1"/>
+                      <p:cNvPicPr preferRelativeResize="0">
+                        <a:picLocks noChangeArrowheads="1"/>
+                      </p:cNvPicPr>
+                      <p:nvPr/>
+                    </p:nvPicPr>
+                    <p:blipFill>
+                      <a:blip>
+                        <a:extLst>
+                          <a:ext uri="{28A0092B-C50C-407E-A947-70E740481C1C}">
+                            <a14:useLocalDpi xmlns:a14="http://schemas.microsoft.com/office/drawing/2010/main" val="0"/>
+                          </a:ext>
+                        </a:extLst>
+                      </a:blip>
+                      <a:srcRect/>
+                      <a:stretch>
+                        <a:fillRect/>
+                      </a:stretch>
+                    </p:blipFill>
+                    <p:spPr bwMode="auto">
+                      <a:xfrm>
+                        <a:off x="0" y="-305118"/>
+                        <a:ext cx="158519" cy="158518"/>
+                      </a:xfrm>
+                      <a:prstGeom prst="rect">
+                        <a:avLst/>
+                      </a:prstGeom>
+                      <a:noFill/>
+                      <a:ln>
+                        <a:noFill/>
+                      </a:ln>
+                      <a:extLst>
+                        <a:ext uri="{909E8E84-426E-40DD-AFC4-6F175D3DCCD1}">
+                          <a14:hiddenFill xmlns:a14="http://schemas.microsoft.com/office/drawing/2010/main">
+                            <a:solidFill>
+                              <a:srgbClr val="FFFFFF"/>
+                            </a:solidFill>
+                          </a14:hiddenFill>
+                        </a:ext>
+                        <a:ext uri="{91240B29-F687-4F45-9708-019B960494DF}">
+                          <a14:hiddenLine xmlns:a14="http://schemas.microsoft.com/office/drawing/2010/main" w="9525">
+                            <a:solidFill>
+                              <a:srgbClr val="000000"/>
+                            </a:solidFill>
+                            <a:miter lim="800000"/>
+                            <a:headEnd/>
+                            <a:tailEnd/>
+                          </a14:hiddenLine>
+                        </a:ext>
+                      </a:extLst>
+                    </p:spPr>
+                  </p:pic>
+                </p:oleObj>
+              </mc:Fallback>
+            </mc:AlternateContent>
+          </a:graphicData>
+        </a:graphic>
+      </p:graphicFrame>
+      <p:sp>
+        <p:nvSpPr>
+          <p:cNvPr id="47" name="Title 40"/>
+          <p:cNvSpPr>
+            <a:spLocks noGrp="1"/>
+          </p:cNvSpPr>
+          <p:nvPr>
+            <p:ph type="title"/>
+          </p:nvPr>
+        </p:nvSpPr>
+        <p:spPr>
+          <a:xfrm>
+            <a:off x="533400" y="152400"/>
+            <a:ext cx="8001000" cy="808038"/>
+          </a:xfrm>
+        </p:spPr>
+        <p:txBody>
+          <a:bodyPr>
+            <a:normAutofit/>
+          </a:bodyPr>
+          <a:lstStyle/>
+          <a:p>
+            <a:pPr algn="l"/>
+            <a:r>
+              <a:rPr lang="en-US" sz="2400" b="1" dirty="0">
+                <a:solidFill>
+                  <a:srgbClr val="000066"/>
+                </a:solidFill>
+              </a:rPr>
+              <a:t>Executive Summary</a:t>
+            </a:r>
+          </a:p>
+        </p:txBody>
+      </p:sp>
+      <p:sp>
+        <p:nvSpPr>
+          <p:cNvPr id="6" name="TextBox 5">
+            <a:extLst>
+              <a:ext uri="{FF2B5EF4-FFF2-40B4-BE49-F238E27FC236}">
+                <a16:creationId xmlns:a16="http://schemas.microsoft.com/office/drawing/2014/main" id="{0C7F0FDA-5F46-41BD-BF0F-A903C866FD37}"/>
+              </a:ext>
+            </a:extLst>
+          </p:cNvPr>
+          <p:cNvSpPr txBox="1"/>
+          <p:nvPr/>
+        </p:nvSpPr>
+        <p:spPr>
+          <a:xfrm>
+            <a:off x="381000" y="6443990"/>
+            <a:ext cx="7772400" cy="261610"/>
+          </a:xfrm>
+          <a:prstGeom prst="rect">
+            <a:avLst/>
+          </a:prstGeom>
+          <a:noFill/>
+        </p:spPr>
+        <p:txBody>
+          <a:bodyPr wrap="square" rtlCol="0">
+            <a:spAutoFit/>
+          </a:bodyPr>
+          <a:lstStyle/>
+          <a:p>
+            <a:r>
+              <a:rPr lang="en-US" sz="1100" dirty="0">
+                <a:solidFill>
+                  <a:srgbClr val="000066"/>
+                </a:solidFill>
+              </a:rPr>
+              <a:t>Source: Why Stocks Tend To Decline Much Faster Than They Rise; http://theemotionallyintelligentinvestor.com/?p=145</a:t>
+            </a:r>
+          </a:p>
+        </p:txBody>
+      </p:sp>
+      <p:sp>
+        <p:nvSpPr>
+          <p:cNvPr id="8" name="TextBox 7">
+            <a:extLst>
+              <a:ext uri="{FF2B5EF4-FFF2-40B4-BE49-F238E27FC236}">
+                <a16:creationId xmlns:a16="http://schemas.microsoft.com/office/drawing/2014/main" id="{7FDC7CAA-A9D5-461C-94AF-C8FCB40CB859}"/>
+              </a:ext>
+            </a:extLst>
+          </p:cNvPr>
+          <p:cNvSpPr txBox="1"/>
+          <p:nvPr/>
+        </p:nvSpPr>
+        <p:spPr>
+          <a:xfrm>
+            <a:off x="514865" y="2609671"/>
+            <a:ext cx="7772400" cy="1200329"/>
+          </a:xfrm>
+          <a:prstGeom prst="rect">
+            <a:avLst/>
+          </a:prstGeom>
+          <a:noFill/>
+        </p:spPr>
+        <p:txBody>
+          <a:bodyPr wrap="square" rtlCol="0">
+            <a:spAutoFit/>
+          </a:bodyPr>
+          <a:lstStyle/>
+          <a:p>
+            <a:r>
+              <a:rPr lang="en-US" sz="2400" b="1" dirty="0">
+                <a:solidFill>
+                  <a:srgbClr val="000066"/>
+                </a:solidFill>
+              </a:rPr>
+              <a:t>This is perpetuated until the security is viewed as ‘undervalued’ </a:t>
+            </a:r>
+          </a:p>
+          <a:p>
+            <a:endParaRPr lang="en-US" sz="2400" b="1" dirty="0">
+              <a:solidFill>
+                <a:srgbClr val="000066"/>
+              </a:solidFill>
+            </a:endParaRPr>
+          </a:p>
+        </p:txBody>
+      </p:sp>
+      <p:sp>
+        <p:nvSpPr>
+          <p:cNvPr id="9" name="TextBox 8">
+            <a:extLst>
+              <a:ext uri="{FF2B5EF4-FFF2-40B4-BE49-F238E27FC236}">
+                <a16:creationId xmlns:a16="http://schemas.microsoft.com/office/drawing/2014/main" id="{C7BE35D0-0DDA-4BE4-BFDD-F2FA63A36A32}"/>
+              </a:ext>
+            </a:extLst>
+          </p:cNvPr>
+          <p:cNvSpPr txBox="1"/>
+          <p:nvPr/>
+        </p:nvSpPr>
+        <p:spPr>
+          <a:xfrm>
+            <a:off x="514865" y="3690879"/>
+            <a:ext cx="7772400" cy="830997"/>
+          </a:xfrm>
+          <a:prstGeom prst="rect">
+            <a:avLst/>
+          </a:prstGeom>
+          <a:noFill/>
+        </p:spPr>
+        <p:txBody>
+          <a:bodyPr wrap="square" rtlCol="0">
+            <a:spAutoFit/>
+          </a:bodyPr>
+          <a:lstStyle/>
+          <a:p>
+            <a:r>
+              <a:rPr lang="en-US" sz="2400" b="1" dirty="0">
+                <a:solidFill>
+                  <a:srgbClr val="000066"/>
+                </a:solidFill>
+              </a:rPr>
+              <a:t>Then the market begins buying into the shares allowing a visible recovery to be seen</a:t>
+            </a:r>
+          </a:p>
+        </p:txBody>
+      </p:sp>
+      <p:sp>
+        <p:nvSpPr>
+          <p:cNvPr id="10" name="TextBox 9">
+            <a:extLst>
+              <a:ext uri="{FF2B5EF4-FFF2-40B4-BE49-F238E27FC236}">
+                <a16:creationId xmlns:a16="http://schemas.microsoft.com/office/drawing/2014/main" id="{376AF7DA-345A-469B-AA8A-F827385FD190}"/>
+              </a:ext>
+            </a:extLst>
+          </p:cNvPr>
+          <p:cNvSpPr txBox="1"/>
+          <p:nvPr/>
+        </p:nvSpPr>
+        <p:spPr>
+          <a:xfrm>
+            <a:off x="514865" y="1505996"/>
+            <a:ext cx="7772400" cy="1200329"/>
+          </a:xfrm>
+          <a:prstGeom prst="rect">
+            <a:avLst/>
+          </a:prstGeom>
+          <a:noFill/>
+        </p:spPr>
+        <p:txBody>
+          <a:bodyPr wrap="square" rtlCol="0">
+            <a:spAutoFit/>
+          </a:bodyPr>
+          <a:lstStyle/>
+          <a:p>
+            <a:r>
+              <a:rPr lang="en-US" sz="2400" b="1" dirty="0">
+                <a:solidFill>
+                  <a:srgbClr val="000066"/>
+                </a:solidFill>
+              </a:rPr>
+              <a:t>The market reaction  typically causes a steep and rapid decline in price value </a:t>
+            </a:r>
+          </a:p>
+          <a:p>
+            <a:endParaRPr lang="en-US" sz="2400" b="1" dirty="0">
+              <a:solidFill>
+                <a:srgbClr val="000066"/>
+              </a:solidFill>
+            </a:endParaRPr>
+          </a:p>
+        </p:txBody>
+      </p:sp>
+    </p:spTree>
+    <p:extLst>
+      <p:ext uri="{BB962C8B-B14F-4D97-AF65-F5344CB8AC3E}">
+        <p14:creationId xmlns:p14="http://schemas.microsoft.com/office/powerpoint/2010/main" val="2179746406"/>
+      </p:ext>
+    </p:extLst>
+  </p:cSld>
+  <p:clrMapOvr>
+    <a:masterClrMapping/>
+  </p:clrMapOvr>
+</p:sld>
+</file>
+
+<file path=ppt/slides/slide4.xml><?xml version="1.0" encoding="utf-8"?>
+<p:sld xmlns:a="http://schemas.openxmlformats.org/drawingml/2006/main" xmlns:r="http://schemas.openxmlformats.org/officeDocument/2006/relationships" xmlns:p="http://schemas.openxmlformats.org/presentationml/2006/main">
+  <p:cSld>
+    <p:spTree>
+      <p:nvGrpSpPr>
+        <p:cNvPr id="1" name=""/>
+        <p:cNvGrpSpPr/>
+        <p:nvPr/>
+      </p:nvGrpSpPr>
+      <p:grpSpPr>
+        <a:xfrm>
+          <a:off x="0" y="0"/>
+          <a:ext cx="0" cy="0"/>
+          <a:chOff x="0" y="0"/>
+          <a:chExt cx="0" cy="0"/>
+        </a:xfrm>
+      </p:grpSpPr>
+      <p:pic>
+        <p:nvPicPr>
+          <p:cNvPr id="22530" name="Picture 2" descr="Image result for stock market chart pictures">
+            <a:extLst>
+              <a:ext uri="{FF2B5EF4-FFF2-40B4-BE49-F238E27FC236}">
+                <a16:creationId xmlns:a16="http://schemas.microsoft.com/office/drawing/2014/main" id="{B6E261C0-D1F9-4D86-A8FC-7C37CC741C58}"/>
+              </a:ext>
+            </a:extLst>
+          </p:cNvPr>
+          <p:cNvPicPr>
+            <a:picLocks noChangeAspect="1" noChangeArrowheads="1"/>
+          </p:cNvPicPr>
+          <p:nvPr/>
+        </p:nvPicPr>
+        <p:blipFill>
+          <a:blip r:embed="rId2">
+            <a:extLst>
+              <a:ext uri="{28A0092B-C50C-407E-A947-70E740481C1C}">
+                <a14:useLocalDpi xmlns:a14="http://schemas.microsoft.com/office/drawing/2010/main" val="0"/>
+              </a:ext>
+            </a:extLst>
+          </a:blip>
+          <a:srcRect/>
+          <a:stretch>
+            <a:fillRect/>
+          </a:stretch>
+        </p:blipFill>
+        <p:spPr bwMode="auto">
+          <a:xfrm>
+            <a:off x="0" y="1600200"/>
+            <a:ext cx="9144000" cy="5257800"/>
+          </a:xfrm>
+          <a:prstGeom prst="rect">
+            <a:avLst/>
+          </a:prstGeom>
+          <a:noFill/>
+          <a:extLst>
+            <a:ext uri="{909E8E84-426E-40DD-AFC4-6F175D3DCCD1}">
+              <a14:hiddenFill xmlns:a14="http://schemas.microsoft.com/office/drawing/2010/main">
+                <a:solidFill>
+                  <a:srgbClr val="FFFFFF"/>
+                </a:solidFill>
+              </a14:hiddenFill>
+            </a:ext>
+          </a:extLst>
+        </p:spPr>
+      </p:pic>
+      <p:sp>
+        <p:nvSpPr>
+          <p:cNvPr id="4" name="Rectangle 2"/>
+          <p:cNvSpPr txBox="1">
+            <a:spLocks noChangeArrowheads="1"/>
+          </p:cNvSpPr>
+          <p:nvPr/>
+        </p:nvSpPr>
+        <p:spPr>
+          <a:xfrm>
+            <a:off x="0" y="0"/>
+            <a:ext cx="9144000" cy="1752600"/>
+          </a:xfrm>
+          <a:prstGeom prst="rect">
+            <a:avLst/>
+          </a:prstGeom>
+          <a:solidFill>
+            <a:srgbClr val="000066"/>
+          </a:solidFill>
+        </p:spPr>
+        <p:txBody>
+          <a:bodyPr/>
+          <a:lstStyle/>
+          <a:p>
+            <a:pPr lvl="0" eaLnBrk="0" hangingPunct="0">
+              <a:defRPr/>
+            </a:pPr>
+            <a:r>
+              <a:rPr lang="en-US" sz="3200" b="1" kern="0" dirty="0">
+                <a:solidFill>
+                  <a:schemeClr val="bg1"/>
+                </a:solidFill>
+              </a:rPr>
+              <a:t>	</a:t>
+            </a:r>
+            <a:endParaRPr lang="en-US" sz="2400" b="1" kern="0" dirty="0">
+              <a:solidFill>
+                <a:schemeClr val="bg1"/>
+              </a:solidFill>
+            </a:endParaRPr>
+          </a:p>
+          <a:p>
+            <a:pPr lvl="0" eaLnBrk="0" hangingPunct="0">
+              <a:defRPr/>
+            </a:pPr>
+            <a:r>
+              <a:rPr lang="en-US" sz="3200" b="1" kern="0" dirty="0">
+                <a:solidFill>
+                  <a:schemeClr val="bg1"/>
+                </a:solidFill>
+              </a:rPr>
+              <a:t>	</a:t>
+            </a:r>
+            <a:endParaRPr lang="en-US" sz="1600" kern="0" dirty="0">
+              <a:solidFill>
+                <a:schemeClr val="bg1"/>
+              </a:solidFill>
+              <a:latin typeface="+mj-lt"/>
+              <a:ea typeface="+mj-ea"/>
+              <a:cs typeface="+mj-cs"/>
+            </a:endParaRPr>
+          </a:p>
+          <a:p>
+            <a:pPr lvl="0" eaLnBrk="0" hangingPunct="0">
+              <a:defRPr/>
+            </a:pPr>
+            <a:endParaRPr lang="en-US" sz="2000" kern="0" dirty="0">
+              <a:solidFill>
+                <a:schemeClr val="bg1"/>
+              </a:solidFill>
+              <a:latin typeface="+mj-lt"/>
+              <a:ea typeface="+mj-ea"/>
+              <a:cs typeface="+mj-cs"/>
+            </a:endParaRPr>
+          </a:p>
+          <a:p>
+            <a:pPr lvl="0" eaLnBrk="0" hangingPunct="0">
+              <a:defRPr/>
+            </a:pPr>
+            <a:endParaRPr lang="en-US" sz="1100" b="0" kern="0" dirty="0">
+              <a:solidFill>
+                <a:schemeClr val="bg1"/>
+              </a:solidFill>
+              <a:latin typeface="+mj-lt"/>
+              <a:ea typeface="+mj-ea"/>
+              <a:cs typeface="+mj-cs"/>
+              <a:hlinkClick r:id="rId3"/>
+            </a:endParaRPr>
+          </a:p>
+          <a:p>
+            <a:pPr lvl="0" eaLnBrk="0" hangingPunct="0">
+              <a:defRPr/>
+            </a:pPr>
+            <a:endParaRPr lang="en-US" sz="2000" kern="0" dirty="0">
+              <a:solidFill>
+                <a:schemeClr val="bg1"/>
+              </a:solidFill>
+              <a:latin typeface="+mj-lt"/>
+              <a:ea typeface="+mj-ea"/>
+              <a:cs typeface="+mj-cs"/>
+            </a:endParaRPr>
+          </a:p>
+        </p:txBody>
+      </p:sp>
+      <p:sp>
+        <p:nvSpPr>
+          <p:cNvPr id="5" name="Rectangle 2">
+            <a:extLst>
+              <a:ext uri="{FF2B5EF4-FFF2-40B4-BE49-F238E27FC236}">
+                <a16:creationId xmlns:a16="http://schemas.microsoft.com/office/drawing/2014/main" id="{B46E0A87-1915-4F74-A2DA-E556CAEBAC44}"/>
+              </a:ext>
+            </a:extLst>
+          </p:cNvPr>
+          <p:cNvSpPr txBox="1">
+            <a:spLocks noChangeArrowheads="1"/>
+          </p:cNvSpPr>
+          <p:nvPr/>
+        </p:nvSpPr>
+        <p:spPr>
+          <a:xfrm>
+            <a:off x="76200" y="6400800"/>
+            <a:ext cx="9062633" cy="457200"/>
+          </a:xfrm>
+          <a:prstGeom prst="rect">
+            <a:avLst/>
+          </a:prstGeom>
+          <a:solidFill>
+            <a:srgbClr val="000066"/>
+          </a:solidFill>
+        </p:spPr>
+        <p:txBody>
+          <a:bodyPr/>
+          <a:lstStyle/>
+          <a:p>
+            <a:pPr lvl="0" eaLnBrk="0" hangingPunct="0">
+              <a:defRPr/>
+            </a:pPr>
+            <a:r>
+              <a:rPr lang="en-US" sz="2000" b="1" kern="0" dirty="0">
+                <a:solidFill>
+                  <a:schemeClr val="bg1"/>
+                </a:solidFill>
+              </a:rPr>
+              <a:t>	</a:t>
+            </a:r>
+            <a:r>
+              <a:rPr lang="en-US" sz="2000" b="1" kern="0" dirty="0" err="1">
+                <a:solidFill>
+                  <a:schemeClr val="bg1"/>
+                </a:solidFill>
+              </a:rPr>
+              <a:t>Harshil</a:t>
+            </a:r>
+            <a:r>
+              <a:rPr lang="en-US" sz="2000" b="1" kern="0" dirty="0">
+                <a:solidFill>
+                  <a:schemeClr val="bg1"/>
+                </a:solidFill>
+              </a:rPr>
+              <a:t> Patel, Sean </a:t>
+            </a:r>
+            <a:r>
+              <a:rPr lang="en-US" sz="2000" b="1" kern="0" dirty="0" err="1">
+                <a:solidFill>
+                  <a:schemeClr val="bg1"/>
+                </a:solidFill>
+              </a:rPr>
+              <a:t>Slavin</a:t>
+            </a:r>
+            <a:r>
+              <a:rPr lang="en-US" sz="2000" b="1" kern="0" dirty="0">
+                <a:solidFill>
+                  <a:schemeClr val="bg1"/>
+                </a:solidFill>
+              </a:rPr>
+              <a:t>, Craig Bauer, Mariah McLaughlin</a:t>
+            </a:r>
+            <a:endParaRPr lang="en-US" sz="2000" b="0" kern="0" dirty="0">
+              <a:solidFill>
+                <a:schemeClr val="bg1"/>
+              </a:solidFill>
+              <a:latin typeface="+mj-lt"/>
+              <a:ea typeface="+mj-ea"/>
+              <a:cs typeface="+mj-cs"/>
+              <a:hlinkClick r:id="rId3"/>
+            </a:endParaRPr>
+          </a:p>
+          <a:p>
+            <a:pPr lvl="0" eaLnBrk="0" hangingPunct="0">
+              <a:defRPr/>
+            </a:pPr>
+            <a:endParaRPr lang="en-US" sz="2000" kern="0" dirty="0">
+              <a:solidFill>
+                <a:schemeClr val="bg1"/>
+              </a:solidFill>
+              <a:latin typeface="+mj-lt"/>
+              <a:ea typeface="+mj-ea"/>
+              <a:cs typeface="+mj-cs"/>
+            </a:endParaRPr>
+          </a:p>
+        </p:txBody>
+      </p:sp>
+      <p:sp>
+        <p:nvSpPr>
+          <p:cNvPr id="6" name="Rectangle 2">
+            <a:extLst>
+              <a:ext uri="{FF2B5EF4-FFF2-40B4-BE49-F238E27FC236}">
+                <a16:creationId xmlns:a16="http://schemas.microsoft.com/office/drawing/2014/main" id="{022D944A-7D95-4176-971B-BA4CECC293DE}"/>
+              </a:ext>
+            </a:extLst>
+          </p:cNvPr>
+          <p:cNvSpPr txBox="1">
+            <a:spLocks noChangeArrowheads="1"/>
+          </p:cNvSpPr>
+          <p:nvPr/>
+        </p:nvSpPr>
+        <p:spPr>
+          <a:xfrm>
+            <a:off x="104614" y="114300"/>
+            <a:ext cx="9144000" cy="1371600"/>
+          </a:xfrm>
+          <a:prstGeom prst="rect">
+            <a:avLst/>
+          </a:prstGeom>
+          <a:noFill/>
+        </p:spPr>
+        <p:txBody>
+          <a:bodyPr/>
+          <a:lstStyle/>
+          <a:p>
+            <a:pPr lvl="0" eaLnBrk="0" hangingPunct="0">
+              <a:defRPr/>
+            </a:pPr>
+            <a:r>
+              <a:rPr lang="en-US" sz="3200" b="1" kern="0" dirty="0">
+                <a:solidFill>
+                  <a:schemeClr val="bg1"/>
+                </a:solidFill>
+              </a:rPr>
+              <a:t>	The Bounce</a:t>
+            </a:r>
+            <a:endParaRPr lang="en-US" sz="2000" b="1" i="1" kern="0" dirty="0">
+              <a:solidFill>
+                <a:schemeClr val="bg1"/>
+              </a:solidFill>
+            </a:endParaRPr>
+          </a:p>
+          <a:p>
+            <a:pPr lvl="0" eaLnBrk="0" hangingPunct="0">
+              <a:defRPr/>
+            </a:pPr>
+            <a:r>
+              <a:rPr lang="en-US" sz="2000" b="1" i="1" kern="0" dirty="0">
+                <a:solidFill>
+                  <a:schemeClr val="bg1"/>
+                </a:solidFill>
+              </a:rPr>
+              <a:t>	An analysis of the emotional stock volatility to corporate news worthy 	events </a:t>
+            </a:r>
+            <a:r>
+              <a:rPr lang="en-US" b="1" i="1" kern="0" dirty="0">
+                <a:solidFill>
+                  <a:schemeClr val="bg1"/>
+                </a:solidFill>
+              </a:rPr>
+              <a:t>and the buying opportunity and returns they present</a:t>
+            </a:r>
+          </a:p>
+          <a:p>
+            <a:pPr lvl="0" eaLnBrk="0" hangingPunct="0">
+              <a:defRPr/>
+            </a:pPr>
+            <a:r>
+              <a:rPr lang="en-US" b="1" kern="0" dirty="0">
+                <a:solidFill>
+                  <a:schemeClr val="bg1"/>
+                </a:solidFill>
+              </a:rPr>
+              <a:t>	</a:t>
+            </a:r>
+          </a:p>
+          <a:p>
+            <a:pPr lvl="0" eaLnBrk="0" hangingPunct="0">
+              <a:defRPr/>
+            </a:pPr>
+            <a:r>
+              <a:rPr lang="en-US" b="1" kern="0" dirty="0">
+                <a:solidFill>
+                  <a:schemeClr val="bg1"/>
+                </a:solidFill>
+              </a:rPr>
+              <a:t>	Jan 24, 2018</a:t>
+            </a:r>
+          </a:p>
+          <a:p>
+            <a:pPr lvl="0" eaLnBrk="0" hangingPunct="0">
+              <a:defRPr/>
+            </a:pPr>
+            <a:endParaRPr lang="en-US" sz="1600" kern="0" dirty="0">
+              <a:solidFill>
+                <a:schemeClr val="bg1"/>
+              </a:solidFill>
+              <a:latin typeface="+mj-lt"/>
+              <a:ea typeface="+mj-ea"/>
+              <a:cs typeface="+mj-cs"/>
+            </a:endParaRPr>
+          </a:p>
+          <a:p>
+            <a:pPr lvl="0" eaLnBrk="0" hangingPunct="0">
+              <a:defRPr/>
+            </a:pPr>
+            <a:endParaRPr lang="en-US" sz="2000" kern="0" dirty="0">
+              <a:solidFill>
+                <a:schemeClr val="bg1"/>
+              </a:solidFill>
+              <a:latin typeface="+mj-lt"/>
+              <a:ea typeface="+mj-ea"/>
+              <a:cs typeface="+mj-cs"/>
+            </a:endParaRPr>
+          </a:p>
+          <a:p>
+            <a:pPr lvl="0" eaLnBrk="0" hangingPunct="0">
+              <a:defRPr/>
+            </a:pPr>
+            <a:endParaRPr lang="en-US" sz="1100" b="0" kern="0" dirty="0">
+              <a:solidFill>
+                <a:schemeClr val="bg1"/>
+              </a:solidFill>
+              <a:latin typeface="+mj-lt"/>
+              <a:ea typeface="+mj-ea"/>
+              <a:cs typeface="+mj-cs"/>
+              <a:hlinkClick r:id="rId3"/>
+            </a:endParaRPr>
+          </a:p>
+          <a:p>
+            <a:pPr lvl="0" eaLnBrk="0" hangingPunct="0">
+              <a:defRPr/>
+            </a:pPr>
+            <a:endParaRPr lang="en-US" sz="2000" kern="0" dirty="0">
+              <a:solidFill>
+                <a:schemeClr val="bg1"/>
+              </a:solidFill>
+              <a:latin typeface="+mj-lt"/>
+              <a:ea typeface="+mj-ea"/>
+              <a:cs typeface="+mj-cs"/>
+            </a:endParaRPr>
+          </a:p>
+        </p:txBody>
+      </p:sp>
+    </p:spTree>
+  </p:cSld>
+  <p:clrMapOvr>
+    <a:masterClrMapping/>
+  </p:clrMapOvr>
+</p:sld>
+</file>
+
+<file path=ppt/slides/slide5.xml><?xml version="1.0" encoding="utf-8"?>
 <p:sld xmlns:a="http://schemas.openxmlformats.org/drawingml/2006/main" xmlns:r="http://schemas.openxmlformats.org/officeDocument/2006/relationships" xmlns:p="http://schemas.openxmlformats.org/presentationml/2006/main">
   <p:cSld>
     <p:spTree>
@@ -5338,7 +8902,7 @@
           <a:graphicData uri="http://schemas.openxmlformats.org/presentationml/2006/ole">
             <mc:AlternateContent xmlns:mc="http://schemas.openxmlformats.org/markup-compatibility/2006">
               <mc:Choice xmlns:v="urn:schemas-microsoft-com:vml" Requires="v">
-                <p:oleObj spid="_x0000_s19513" r:id="rId6" imgW="0" imgH="0" progId="TCLayout.ActiveDocument.1">
+                <p:oleObj spid="_x0000_s19533" r:id="rId6" imgW="0" imgH="0" progId="TCLayout.ActiveDocument.1">
                   <p:embed/>
                 </p:oleObj>
               </mc:Choice>
@@ -5429,7 +8993,7 @@
           <a:p>
             <a:pPr algn="l"/>
             <a:r>
-              <a:rPr lang="en-US" sz="1800" b="1" dirty="0">
+              <a:rPr lang="en-US" sz="2400" b="1" dirty="0">
                 <a:solidFill>
                   <a:srgbClr val="000066"/>
                 </a:solidFill>
@@ -5570,7 +9134,7 @@
 </p:sld>
 </file>
 
-<file path=ppt/slides/slide4.xml><?xml version="1.0" encoding="utf-8"?>
+<file path=ppt/slides/slide6.xml><?xml version="1.0" encoding="utf-8"?>
 <p:sld xmlns:a="http://schemas.openxmlformats.org/drawingml/2006/main" xmlns:r="http://schemas.openxmlformats.org/officeDocument/2006/relationships" xmlns:p="http://schemas.openxmlformats.org/presentationml/2006/main">
   <p:cSld>
     <p:spTree>
@@ -5637,7 +9201,7 @@
           <a:graphicData uri="http://schemas.openxmlformats.org/presentationml/2006/ole">
             <mc:AlternateContent xmlns:mc="http://schemas.openxmlformats.org/markup-compatibility/2006">
               <mc:Choice xmlns:v="urn:schemas-microsoft-com:vml" Requires="v">
-                <p:oleObj spid="_x0000_s22548" r:id="rId6" imgW="0" imgH="0" progId="TCLayout.ActiveDocument.1">
+                <p:oleObj spid="_x0000_s22568" r:id="rId6" imgW="0" imgH="0" progId="TCLayout.ActiveDocument.1">
                   <p:embed/>
                 </p:oleObj>
               </mc:Choice>
@@ -5728,7 +9292,7 @@
           <a:p>
             <a:pPr algn="l"/>
             <a:r>
-              <a:rPr lang="en-US" sz="1800" b="1" dirty="0">
+              <a:rPr lang="en-US" sz="2400" b="1" dirty="0">
                 <a:solidFill>
                   <a:srgbClr val="000066"/>
                 </a:solidFill>
@@ -5856,7 +9420,7 @@
 </p:sld>
 </file>
 
-<file path=ppt/slides/slide5.xml><?xml version="1.0" encoding="utf-8"?>
+<file path=ppt/slides/slide7.xml><?xml version="1.0" encoding="utf-8"?>
 <p:sld xmlns:a="http://schemas.openxmlformats.org/drawingml/2006/main" xmlns:r="http://schemas.openxmlformats.org/officeDocument/2006/relationships" xmlns:p="http://schemas.openxmlformats.org/presentationml/2006/main">
   <p:cSld>
     <p:spTree>
@@ -5923,7 +9487,7 @@
           <a:graphicData uri="http://schemas.openxmlformats.org/presentationml/2006/ole">
             <mc:AlternateContent xmlns:mc="http://schemas.openxmlformats.org/markup-compatibility/2006">
               <mc:Choice xmlns:v="urn:schemas-microsoft-com:vml" Requires="v">
-                <p:oleObj spid="_x0000_s23569" r:id="rId6" imgW="0" imgH="0" progId="TCLayout.ActiveDocument.1">
+                <p:oleObj spid="_x0000_s23588" r:id="rId6" imgW="0" imgH="0" progId="TCLayout.ActiveDocument.1">
                   <p:embed/>
                 </p:oleObj>
               </mc:Choice>
@@ -6014,7 +9578,7 @@
           <a:p>
             <a:pPr algn="l"/>
             <a:r>
-              <a:rPr lang="en-US" sz="1800" b="1" dirty="0">
+              <a:rPr lang="en-US" sz="2400" b="1" dirty="0">
                 <a:solidFill>
                   <a:srgbClr val="000066"/>
                 </a:solidFill>
@@ -6166,7 +9730,7 @@
 </p:sld>
 </file>
 
-<file path=ppt/slides/slide6.xml><?xml version="1.0" encoding="utf-8"?>
+<file path=ppt/slides/slide8.xml><?xml version="1.0" encoding="utf-8"?>
 <p:sld xmlns:a="http://schemas.openxmlformats.org/drawingml/2006/main" xmlns:r="http://schemas.openxmlformats.org/officeDocument/2006/relationships" xmlns:p="http://schemas.openxmlformats.org/presentationml/2006/main">
   <p:cSld>
     <p:spTree>
@@ -6233,7 +9797,7 @@
           <a:graphicData uri="http://schemas.openxmlformats.org/presentationml/2006/ole">
             <mc:AlternateContent xmlns:mc="http://schemas.openxmlformats.org/markup-compatibility/2006">
               <mc:Choice xmlns:v="urn:schemas-microsoft-com:vml" Requires="v">
-                <p:oleObj spid="_x0000_s24595" r:id="rId6" imgW="0" imgH="0" progId="TCLayout.ActiveDocument.1">
+                <p:oleObj spid="_x0000_s24615" r:id="rId6" imgW="0" imgH="0" progId="TCLayout.ActiveDocument.1">
                   <p:embed/>
                 </p:oleObj>
               </mc:Choice>
@@ -6324,7 +9888,7 @@
           <a:p>
             <a:pPr algn="l"/>
             <a:r>
-              <a:rPr lang="en-US" sz="1800" b="1" dirty="0">
+              <a:rPr lang="en-US" sz="2400" b="1" dirty="0">
                 <a:solidFill>
                   <a:srgbClr val="000066"/>
                 </a:solidFill>
@@ -6452,7 +10016,7 @@
 </p:sld>
 </file>
 
-<file path=ppt/slides/slide7.xml><?xml version="1.0" encoding="utf-8"?>
+<file path=ppt/slides/slide9.xml><?xml version="1.0" encoding="utf-8"?>
 <p:sld xmlns:a="http://schemas.openxmlformats.org/drawingml/2006/main" xmlns:r="http://schemas.openxmlformats.org/officeDocument/2006/relationships" xmlns:p="http://schemas.openxmlformats.org/presentationml/2006/main">
   <p:cSld>
     <p:spTree>
@@ -6519,7 +10083,7 @@
           <a:graphicData uri="http://schemas.openxmlformats.org/presentationml/2006/ole">
             <mc:AlternateContent xmlns:mc="http://schemas.openxmlformats.org/markup-compatibility/2006">
               <mc:Choice xmlns:v="urn:schemas-microsoft-com:vml" Requires="v">
-                <p:oleObj spid="_x0000_s26643" r:id="rId6" imgW="0" imgH="0" progId="TCLayout.ActiveDocument.1">
+                <p:oleObj spid="_x0000_s26664" r:id="rId6" imgW="0" imgH="0" progId="TCLayout.ActiveDocument.1">
                   <p:embed/>
                 </p:oleObj>
               </mc:Choice>
@@ -6634,8 +10198,8 @@
         </p:nvSpPr>
         <p:spPr>
           <a:xfrm>
-            <a:off x="990600" y="2166186"/>
-            <a:ext cx="1694281" cy="3407593"/>
+            <a:off x="990600" y="2743200"/>
+            <a:ext cx="1694281" cy="2830579"/>
           </a:xfrm>
           <a:prstGeom prst="rect">
             <a:avLst/>
@@ -6712,7 +10276,7 @@
                   <a:schemeClr val="bg1"/>
                 </a:solidFill>
               </a:rPr>
-              <a:t> Sep. 18, 2017 Credit reporting company Equifax suffered a breach in March, two months before the massive breach that hit as many as 143 million people</a:t>
+              <a:t> April 21, 2010: The oil rig Deepwater Horizon, under contract with BP, exploded with catastrophic results.</a:t>
             </a:r>
             <a:endParaRPr lang="en-US" sz="1200" kern="0" dirty="0">
               <a:solidFill>
@@ -6729,803 +10293,6 @@
     <p:extLst>
       <p:ext uri="{BB962C8B-B14F-4D97-AF65-F5344CB8AC3E}">
         <p14:creationId xmlns:p14="http://schemas.microsoft.com/office/powerpoint/2010/main" val="844539505"/>
-      </p:ext>
-    </p:extLst>
-  </p:cSld>
-  <p:clrMapOvr>
-    <a:masterClrMapping/>
-  </p:clrMapOvr>
-</p:sld>
-</file>
-
-<file path=ppt/slides/slide8.xml><?xml version="1.0" encoding="utf-8"?>
-<p:sld xmlns:a="http://schemas.openxmlformats.org/drawingml/2006/main" xmlns:r="http://schemas.openxmlformats.org/officeDocument/2006/relationships" xmlns:p="http://schemas.openxmlformats.org/presentationml/2006/main">
-  <p:cSld>
-    <p:spTree>
-      <p:nvGrpSpPr>
-        <p:cNvPr id="1" name=""/>
-        <p:cNvGrpSpPr/>
-        <p:nvPr/>
-      </p:nvGrpSpPr>
-      <p:grpSpPr>
-        <a:xfrm>
-          <a:off x="0" y="0"/>
-          <a:ext cx="0" cy="0"/>
-          <a:chOff x="0" y="0"/>
-          <a:chExt cx="0" cy="0"/>
-        </a:xfrm>
-      </p:grpSpPr>
-      <p:graphicFrame>
-        <p:nvGraphicFramePr>
-          <p:cNvPr id="235522" name="Rectangle 2" hidden="1"/>
-          <p:cNvGraphicFramePr>
-            <a:graphicFrameLocks/>
-          </p:cNvGraphicFramePr>
-          <p:nvPr>
-            <p:custDataLst>
-              <p:tags r:id="rId2"/>
-            </p:custDataLst>
-          </p:nvPr>
-        </p:nvGraphicFramePr>
-        <p:xfrm>
-          <a:off x="0" y="-305118"/>
-          <a:ext cx="158519" cy="158518"/>
-        </p:xfrm>
-        <a:graphic>
-          <a:graphicData uri="http://schemas.openxmlformats.org/presentationml/2006/ole">
-            <mc:AlternateContent xmlns:mc="http://schemas.openxmlformats.org/markup-compatibility/2006">
-              <mc:Choice xmlns:v="urn:schemas-microsoft-com:vml" Requires="v">
-                <p:oleObj spid="_x0000_s27666" r:id="rId5" imgW="0" imgH="0" progId="TCLayout.ActiveDocument.1">
-                  <p:embed/>
-                </p:oleObj>
-              </mc:Choice>
-              <mc:Fallback>
-                <p:oleObj r:id="rId5" imgW="0" imgH="0" progId="TCLayout.ActiveDocument.1">
-                  <p:embed/>
-                  <p:pic>
-                    <p:nvPicPr>
-                      <p:cNvPr id="235522" name="Rectangle 2" hidden="1"/>
-                      <p:cNvPicPr preferRelativeResize="0">
-                        <a:picLocks noChangeArrowheads="1"/>
-                      </p:cNvPicPr>
-                      <p:nvPr/>
-                    </p:nvPicPr>
-                    <p:blipFill>
-                      <a:blip>
-                        <a:extLst>
-                          <a:ext uri="{28A0092B-C50C-407E-A947-70E740481C1C}">
-                            <a14:useLocalDpi xmlns:a14="http://schemas.microsoft.com/office/drawing/2010/main" val="0"/>
-                          </a:ext>
-                        </a:extLst>
-                      </a:blip>
-                      <a:srcRect/>
-                      <a:stretch>
-                        <a:fillRect/>
-                      </a:stretch>
-                    </p:blipFill>
-                    <p:spPr bwMode="auto">
-                      <a:xfrm>
-                        <a:off x="0" y="-305118"/>
-                        <a:ext cx="158519" cy="158518"/>
-                      </a:xfrm>
-                      <a:prstGeom prst="rect">
-                        <a:avLst/>
-                      </a:prstGeom>
-                      <a:noFill/>
-                      <a:ln>
-                        <a:noFill/>
-                      </a:ln>
-                      <a:extLst>
-                        <a:ext uri="{909E8E84-426E-40DD-AFC4-6F175D3DCCD1}">
-                          <a14:hiddenFill xmlns:a14="http://schemas.microsoft.com/office/drawing/2010/main">
-                            <a:solidFill>
-                              <a:srgbClr val="FFFFFF"/>
-                            </a:solidFill>
-                          </a14:hiddenFill>
-                        </a:ext>
-                        <a:ext uri="{91240B29-F687-4F45-9708-019B960494DF}">
-                          <a14:hiddenLine xmlns:a14="http://schemas.microsoft.com/office/drawing/2010/main" w="9525">
-                            <a:solidFill>
-                              <a:srgbClr val="000000"/>
-                            </a:solidFill>
-                            <a:miter lim="800000"/>
-                            <a:headEnd/>
-                            <a:tailEnd/>
-                          </a14:hiddenLine>
-                        </a:ext>
-                      </a:extLst>
-                    </p:spPr>
-                  </p:pic>
-                </p:oleObj>
-              </mc:Fallback>
-            </mc:AlternateContent>
-          </a:graphicData>
-        </a:graphic>
-      </p:graphicFrame>
-      <p:sp>
-        <p:nvSpPr>
-          <p:cNvPr id="47" name="Title 40"/>
-          <p:cNvSpPr>
-            <a:spLocks noGrp="1"/>
-          </p:cNvSpPr>
-          <p:nvPr>
-            <p:ph type="title"/>
-          </p:nvPr>
-        </p:nvSpPr>
-        <p:spPr>
-          <a:xfrm>
-            <a:off x="381000" y="152400"/>
-            <a:ext cx="8153400" cy="808038"/>
-          </a:xfrm>
-        </p:spPr>
-        <p:txBody>
-          <a:bodyPr>
-            <a:normAutofit/>
-          </a:bodyPr>
-          <a:lstStyle/>
-          <a:p>
-            <a:pPr algn="l"/>
-            <a:r>
-              <a:rPr lang="en-US" sz="1800" b="1" dirty="0">
-                <a:solidFill>
-                  <a:srgbClr val="000066"/>
-                </a:solidFill>
-              </a:rPr>
-              <a:t>Accounting and Finance Misrepresentation</a:t>
-            </a:r>
-          </a:p>
-        </p:txBody>
-      </p:sp>
-      <p:sp>
-        <p:nvSpPr>
-          <p:cNvPr id="11" name="Rectangle 2">
-            <a:extLst>
-              <a:ext uri="{FF2B5EF4-FFF2-40B4-BE49-F238E27FC236}">
-                <a16:creationId xmlns:a16="http://schemas.microsoft.com/office/drawing/2014/main" id="{340A7B56-754B-452D-844A-C81239CEB0F3}"/>
-              </a:ext>
-            </a:extLst>
-          </p:cNvPr>
-          <p:cNvSpPr txBox="1">
-            <a:spLocks noChangeArrowheads="1"/>
-          </p:cNvSpPr>
-          <p:nvPr/>
-        </p:nvSpPr>
-        <p:spPr>
-          <a:xfrm>
-            <a:off x="304800" y="2689174"/>
-            <a:ext cx="2667000" cy="282626"/>
-          </a:xfrm>
-          <a:prstGeom prst="rect">
-            <a:avLst/>
-          </a:prstGeom>
-          <a:solidFill>
-            <a:srgbClr val="000066"/>
-          </a:solidFill>
-        </p:spPr>
-        <p:txBody>
-          <a:bodyPr/>
-          <a:lstStyle/>
-          <a:p>
-            <a:pPr lvl="0" eaLnBrk="0" hangingPunct="0">
-              <a:defRPr/>
-            </a:pPr>
-            <a:r>
-              <a:rPr lang="en-US" sz="1100" b="1" kern="0" dirty="0">
-                <a:solidFill>
-                  <a:schemeClr val="bg1"/>
-                </a:solidFill>
-              </a:rPr>
-              <a:t>Samsung Galaxy  phones explode</a:t>
-            </a:r>
-            <a:endParaRPr lang="en-US" sz="1100" kern="0" dirty="0">
-              <a:solidFill>
-                <a:schemeClr val="bg1"/>
-              </a:solidFill>
-              <a:latin typeface="+mj-lt"/>
-              <a:ea typeface="+mj-ea"/>
-              <a:cs typeface="+mj-cs"/>
-            </a:endParaRPr>
-          </a:p>
-        </p:txBody>
-      </p:sp>
-      <p:pic>
-        <p:nvPicPr>
-          <p:cNvPr id="8" name="Picture 7">
-            <a:extLst>
-              <a:ext uri="{FF2B5EF4-FFF2-40B4-BE49-F238E27FC236}">
-                <a16:creationId xmlns:a16="http://schemas.microsoft.com/office/drawing/2014/main" id="{3D694C7A-BA08-4C78-9C38-C235F05AD0BC}"/>
-              </a:ext>
-            </a:extLst>
-          </p:cNvPr>
-          <p:cNvPicPr>
-            <a:picLocks noChangeAspect="1"/>
-          </p:cNvPicPr>
-          <p:nvPr/>
-        </p:nvPicPr>
-        <p:blipFill>
-          <a:blip r:embed="rId6"/>
-          <a:stretch>
-            <a:fillRect/>
-          </a:stretch>
-        </p:blipFill>
-        <p:spPr>
-          <a:xfrm>
-            <a:off x="3200400" y="1058226"/>
-            <a:ext cx="2794001" cy="1563203"/>
-          </a:xfrm>
-          <a:prstGeom prst="rect">
-            <a:avLst/>
-          </a:prstGeom>
-        </p:spPr>
-      </p:pic>
-      <p:pic>
-        <p:nvPicPr>
-          <p:cNvPr id="9" name="Picture 8">
-            <a:extLst>
-              <a:ext uri="{FF2B5EF4-FFF2-40B4-BE49-F238E27FC236}">
-                <a16:creationId xmlns:a16="http://schemas.microsoft.com/office/drawing/2014/main" id="{BAF1E3F6-0C2C-480D-B395-F4CFBB522C23}"/>
-              </a:ext>
-            </a:extLst>
-          </p:cNvPr>
-          <p:cNvPicPr>
-            <a:picLocks noChangeAspect="1"/>
-          </p:cNvPicPr>
-          <p:nvPr/>
-        </p:nvPicPr>
-        <p:blipFill>
-          <a:blip r:embed="rId7"/>
-          <a:stretch>
-            <a:fillRect/>
-          </a:stretch>
-        </p:blipFill>
-        <p:spPr>
-          <a:xfrm>
-            <a:off x="6047443" y="1058227"/>
-            <a:ext cx="2758066" cy="1578925"/>
-          </a:xfrm>
-          <a:prstGeom prst="rect">
-            <a:avLst/>
-          </a:prstGeom>
-        </p:spPr>
-      </p:pic>
-      <p:pic>
-        <p:nvPicPr>
-          <p:cNvPr id="10" name="Picture 9">
-            <a:extLst>
-              <a:ext uri="{FF2B5EF4-FFF2-40B4-BE49-F238E27FC236}">
-                <a16:creationId xmlns:a16="http://schemas.microsoft.com/office/drawing/2014/main" id="{3A99E5FB-0B44-482A-B24B-114B9A833211}"/>
-              </a:ext>
-            </a:extLst>
-          </p:cNvPr>
-          <p:cNvPicPr>
-            <a:picLocks noChangeAspect="1"/>
-          </p:cNvPicPr>
-          <p:nvPr/>
-        </p:nvPicPr>
-        <p:blipFill>
-          <a:blip r:embed="rId8"/>
-          <a:stretch>
-            <a:fillRect/>
-          </a:stretch>
-        </p:blipFill>
-        <p:spPr>
-          <a:xfrm>
-            <a:off x="3200400" y="3445782"/>
-            <a:ext cx="2760311" cy="1567695"/>
-          </a:xfrm>
-          <a:prstGeom prst="rect">
-            <a:avLst/>
-          </a:prstGeom>
-        </p:spPr>
-      </p:pic>
-      <p:pic>
-        <p:nvPicPr>
-          <p:cNvPr id="12" name="Picture 11">
-            <a:extLst>
-              <a:ext uri="{FF2B5EF4-FFF2-40B4-BE49-F238E27FC236}">
-                <a16:creationId xmlns:a16="http://schemas.microsoft.com/office/drawing/2014/main" id="{F5047BBE-332B-48E6-B054-5D95898F1882}"/>
-              </a:ext>
-            </a:extLst>
-          </p:cNvPr>
-          <p:cNvPicPr>
-            <a:picLocks noChangeAspect="1"/>
-          </p:cNvPicPr>
-          <p:nvPr/>
-        </p:nvPicPr>
-        <p:blipFill>
-          <a:blip r:embed="rId9"/>
-          <a:stretch>
-            <a:fillRect/>
-          </a:stretch>
-        </p:blipFill>
-        <p:spPr>
-          <a:xfrm>
-            <a:off x="304800" y="3445783"/>
-            <a:ext cx="2769297" cy="1540744"/>
-          </a:xfrm>
-          <a:prstGeom prst="rect">
-            <a:avLst/>
-          </a:prstGeom>
-        </p:spPr>
-      </p:pic>
-      <p:pic>
-        <p:nvPicPr>
-          <p:cNvPr id="14" name="Picture 13">
-            <a:extLst>
-              <a:ext uri="{FF2B5EF4-FFF2-40B4-BE49-F238E27FC236}">
-                <a16:creationId xmlns:a16="http://schemas.microsoft.com/office/drawing/2014/main" id="{32BAD7AC-85E4-4FE2-A08A-6F0AF3FAC27B}"/>
-              </a:ext>
-            </a:extLst>
-          </p:cNvPr>
-          <p:cNvPicPr>
-            <a:picLocks noChangeAspect="1"/>
-          </p:cNvPicPr>
-          <p:nvPr/>
-        </p:nvPicPr>
-        <p:blipFill>
-          <a:blip r:embed="rId10"/>
-          <a:stretch>
-            <a:fillRect/>
-          </a:stretch>
-        </p:blipFill>
-        <p:spPr>
-          <a:xfrm>
-            <a:off x="6047444" y="3445783"/>
-            <a:ext cx="2791756" cy="1583417"/>
-          </a:xfrm>
-          <a:prstGeom prst="rect">
-            <a:avLst/>
-          </a:prstGeom>
-        </p:spPr>
-      </p:pic>
-      <p:pic>
-        <p:nvPicPr>
-          <p:cNvPr id="2" name="Picture 1">
-            <a:extLst>
-              <a:ext uri="{FF2B5EF4-FFF2-40B4-BE49-F238E27FC236}">
-                <a16:creationId xmlns:a16="http://schemas.microsoft.com/office/drawing/2014/main" id="{B69BA337-7192-4723-A968-65052031615B}"/>
-              </a:ext>
-            </a:extLst>
-          </p:cNvPr>
-          <p:cNvPicPr>
-            <a:picLocks noChangeAspect="1"/>
-          </p:cNvPicPr>
-          <p:nvPr/>
-        </p:nvPicPr>
-        <p:blipFill>
-          <a:blip r:embed="rId11"/>
-          <a:stretch>
-            <a:fillRect/>
-          </a:stretch>
-        </p:blipFill>
-        <p:spPr>
-          <a:xfrm>
-            <a:off x="304800" y="1058227"/>
-            <a:ext cx="2780526" cy="1542990"/>
-          </a:xfrm>
-          <a:prstGeom prst="rect">
-            <a:avLst/>
-          </a:prstGeom>
-        </p:spPr>
-      </p:pic>
-      <p:sp>
-        <p:nvSpPr>
-          <p:cNvPr id="15" name="Rectangle 2">
-            <a:extLst>
-              <a:ext uri="{FF2B5EF4-FFF2-40B4-BE49-F238E27FC236}">
-                <a16:creationId xmlns:a16="http://schemas.microsoft.com/office/drawing/2014/main" id="{C8362624-861F-43A9-B40A-5DE35CE921CE}"/>
-              </a:ext>
-            </a:extLst>
-          </p:cNvPr>
-          <p:cNvSpPr txBox="1">
-            <a:spLocks noChangeArrowheads="1"/>
-          </p:cNvSpPr>
-          <p:nvPr/>
-        </p:nvSpPr>
-        <p:spPr>
-          <a:xfrm>
-            <a:off x="3200400" y="2689174"/>
-            <a:ext cx="2667000" cy="282626"/>
-          </a:xfrm>
-          <a:prstGeom prst="rect">
-            <a:avLst/>
-          </a:prstGeom>
-          <a:solidFill>
-            <a:srgbClr val="000066"/>
-          </a:solidFill>
-        </p:spPr>
-        <p:txBody>
-          <a:bodyPr/>
-          <a:lstStyle/>
-          <a:p>
-            <a:pPr lvl="0" eaLnBrk="0" hangingPunct="0">
-              <a:defRPr/>
-            </a:pPr>
-            <a:r>
-              <a:rPr lang="en-US" sz="1100" b="1" kern="0" dirty="0">
-                <a:solidFill>
-                  <a:schemeClr val="bg1"/>
-                </a:solidFill>
-              </a:rPr>
-              <a:t>Mylan called to hearing for EpiPen pricing</a:t>
-            </a:r>
-            <a:endParaRPr lang="en-US" sz="1100" kern="0" dirty="0">
-              <a:solidFill>
-                <a:schemeClr val="bg1"/>
-              </a:solidFill>
-              <a:latin typeface="+mj-lt"/>
-              <a:ea typeface="+mj-ea"/>
-              <a:cs typeface="+mj-cs"/>
-            </a:endParaRPr>
-          </a:p>
-        </p:txBody>
-      </p:sp>
-      <p:sp>
-        <p:nvSpPr>
-          <p:cNvPr id="16" name="Rectangle 2">
-            <a:extLst>
-              <a:ext uri="{FF2B5EF4-FFF2-40B4-BE49-F238E27FC236}">
-                <a16:creationId xmlns:a16="http://schemas.microsoft.com/office/drawing/2014/main" id="{9726BE47-F08A-411E-B579-8E0033EF1C64}"/>
-              </a:ext>
-            </a:extLst>
-          </p:cNvPr>
-          <p:cNvSpPr txBox="1">
-            <a:spLocks noChangeArrowheads="1"/>
-          </p:cNvSpPr>
-          <p:nvPr/>
-        </p:nvSpPr>
-        <p:spPr>
-          <a:xfrm>
-            <a:off x="6042527" y="2689174"/>
-            <a:ext cx="2667000" cy="282626"/>
-          </a:xfrm>
-          <a:prstGeom prst="rect">
-            <a:avLst/>
-          </a:prstGeom>
-          <a:solidFill>
-            <a:srgbClr val="000066"/>
-          </a:solidFill>
-        </p:spPr>
-        <p:txBody>
-          <a:bodyPr/>
-          <a:lstStyle/>
-          <a:p>
-            <a:pPr lvl="0" eaLnBrk="0" hangingPunct="0">
-              <a:defRPr/>
-            </a:pPr>
-            <a:r>
-              <a:rPr lang="en-US" sz="1100" b="1" kern="0" dirty="0">
-                <a:solidFill>
-                  <a:schemeClr val="bg1"/>
-                </a:solidFill>
-              </a:rPr>
-              <a:t>VW falsifies emissions</a:t>
-            </a:r>
-            <a:endParaRPr lang="en-US" sz="1100" kern="0" dirty="0">
-              <a:solidFill>
-                <a:schemeClr val="bg1"/>
-              </a:solidFill>
-              <a:latin typeface="+mj-lt"/>
-              <a:ea typeface="+mj-ea"/>
-              <a:cs typeface="+mj-cs"/>
-            </a:endParaRPr>
-          </a:p>
-        </p:txBody>
-      </p:sp>
-      <p:sp>
-        <p:nvSpPr>
-          <p:cNvPr id="17" name="Rectangle 2">
-            <a:extLst>
-              <a:ext uri="{FF2B5EF4-FFF2-40B4-BE49-F238E27FC236}">
-                <a16:creationId xmlns:a16="http://schemas.microsoft.com/office/drawing/2014/main" id="{34796B36-8460-4AA7-BB8F-D2D4FE1A7AE5}"/>
-              </a:ext>
-            </a:extLst>
-          </p:cNvPr>
-          <p:cNvSpPr txBox="1">
-            <a:spLocks noChangeArrowheads="1"/>
-          </p:cNvSpPr>
-          <p:nvPr/>
-        </p:nvSpPr>
-        <p:spPr>
-          <a:xfrm>
-            <a:off x="282073" y="5203774"/>
-            <a:ext cx="2667000" cy="282626"/>
-          </a:xfrm>
-          <a:prstGeom prst="rect">
-            <a:avLst/>
-          </a:prstGeom>
-          <a:solidFill>
-            <a:srgbClr val="000066"/>
-          </a:solidFill>
-        </p:spPr>
-        <p:txBody>
-          <a:bodyPr/>
-          <a:lstStyle/>
-          <a:p>
-            <a:pPr lvl="0" eaLnBrk="0" hangingPunct="0">
-              <a:defRPr/>
-            </a:pPr>
-            <a:r>
-              <a:rPr lang="en-US" sz="1100" b="1" kern="0" dirty="0">
-                <a:solidFill>
-                  <a:schemeClr val="bg1"/>
-                </a:solidFill>
-              </a:rPr>
-              <a:t>Tesco misrepresent financials</a:t>
-            </a:r>
-            <a:endParaRPr lang="en-US" sz="1100" kern="0" dirty="0">
-              <a:solidFill>
-                <a:schemeClr val="bg1"/>
-              </a:solidFill>
-              <a:latin typeface="+mj-lt"/>
-              <a:ea typeface="+mj-ea"/>
-              <a:cs typeface="+mj-cs"/>
-            </a:endParaRPr>
-          </a:p>
-        </p:txBody>
-      </p:sp>
-      <p:sp>
-        <p:nvSpPr>
-          <p:cNvPr id="18" name="Rectangle 2">
-            <a:extLst>
-              <a:ext uri="{FF2B5EF4-FFF2-40B4-BE49-F238E27FC236}">
-                <a16:creationId xmlns:a16="http://schemas.microsoft.com/office/drawing/2014/main" id="{D2C1DC40-92E6-4CF2-900D-BE501B4282D2}"/>
-              </a:ext>
-            </a:extLst>
-          </p:cNvPr>
-          <p:cNvSpPr txBox="1">
-            <a:spLocks noChangeArrowheads="1"/>
-          </p:cNvSpPr>
-          <p:nvPr/>
-        </p:nvSpPr>
-        <p:spPr>
-          <a:xfrm>
-            <a:off x="3177673" y="5203774"/>
-            <a:ext cx="2667000" cy="282626"/>
-          </a:xfrm>
-          <a:prstGeom prst="rect">
-            <a:avLst/>
-          </a:prstGeom>
-          <a:solidFill>
-            <a:srgbClr val="000066"/>
-          </a:solidFill>
-        </p:spPr>
-        <p:txBody>
-          <a:bodyPr/>
-          <a:lstStyle/>
-          <a:p>
-            <a:pPr lvl="0" eaLnBrk="0" hangingPunct="0">
-              <a:defRPr/>
-            </a:pPr>
-            <a:r>
-              <a:rPr lang="en-US" sz="1100" b="1" kern="0" dirty="0">
-                <a:solidFill>
-                  <a:schemeClr val="bg1"/>
-                </a:solidFill>
-              </a:rPr>
-              <a:t>??</a:t>
-            </a:r>
-            <a:endParaRPr lang="en-US" sz="1100" kern="0" dirty="0">
-              <a:solidFill>
-                <a:schemeClr val="bg1"/>
-              </a:solidFill>
-              <a:latin typeface="+mj-lt"/>
-              <a:ea typeface="+mj-ea"/>
-              <a:cs typeface="+mj-cs"/>
-            </a:endParaRPr>
-          </a:p>
-        </p:txBody>
-      </p:sp>
-      <p:sp>
-        <p:nvSpPr>
-          <p:cNvPr id="19" name="Rectangle 2">
-            <a:extLst>
-              <a:ext uri="{FF2B5EF4-FFF2-40B4-BE49-F238E27FC236}">
-                <a16:creationId xmlns:a16="http://schemas.microsoft.com/office/drawing/2014/main" id="{11A81F7D-89AE-4543-AC28-D15A3978268E}"/>
-              </a:ext>
-            </a:extLst>
-          </p:cNvPr>
-          <p:cNvSpPr txBox="1">
-            <a:spLocks noChangeArrowheads="1"/>
-          </p:cNvSpPr>
-          <p:nvPr/>
-        </p:nvSpPr>
-        <p:spPr>
-          <a:xfrm>
-            <a:off x="6019800" y="5203774"/>
-            <a:ext cx="2667000" cy="282626"/>
-          </a:xfrm>
-          <a:prstGeom prst="rect">
-            <a:avLst/>
-          </a:prstGeom>
-          <a:solidFill>
-            <a:srgbClr val="000066"/>
-          </a:solidFill>
-        </p:spPr>
-        <p:txBody>
-          <a:bodyPr/>
-          <a:lstStyle/>
-          <a:p>
-            <a:pPr lvl="0" eaLnBrk="0" hangingPunct="0">
-              <a:defRPr/>
-            </a:pPr>
-            <a:r>
-              <a:rPr lang="en-US" sz="1100" b="1" kern="0" dirty="0">
-                <a:solidFill>
-                  <a:schemeClr val="bg1"/>
-                </a:solidFill>
-              </a:rPr>
-              <a:t>Kobe Steel misrepresent financials</a:t>
-            </a:r>
-            <a:endParaRPr lang="en-US" sz="1100" kern="0" dirty="0">
-              <a:solidFill>
-                <a:schemeClr val="bg1"/>
-              </a:solidFill>
-            </a:endParaRPr>
-          </a:p>
-        </p:txBody>
-      </p:sp>
-    </p:spTree>
-    <p:extLst>
-      <p:ext uri="{BB962C8B-B14F-4D97-AF65-F5344CB8AC3E}">
-        <p14:creationId xmlns:p14="http://schemas.microsoft.com/office/powerpoint/2010/main" val="1465022240"/>
-      </p:ext>
-    </p:extLst>
-  </p:cSld>
-  <p:clrMapOvr>
-    <a:masterClrMapping/>
-  </p:clrMapOvr>
-</p:sld>
-</file>
-
-<file path=ppt/slides/slide9.xml><?xml version="1.0" encoding="utf-8"?>
-<p:sld xmlns:a="http://schemas.openxmlformats.org/drawingml/2006/main" xmlns:r="http://schemas.openxmlformats.org/officeDocument/2006/relationships" xmlns:p="http://schemas.openxmlformats.org/presentationml/2006/main">
-  <p:cSld>
-    <p:spTree>
-      <p:nvGrpSpPr>
-        <p:cNvPr id="1" name=""/>
-        <p:cNvGrpSpPr/>
-        <p:nvPr/>
-      </p:nvGrpSpPr>
-      <p:grpSpPr>
-        <a:xfrm>
-          <a:off x="0" y="0"/>
-          <a:ext cx="0" cy="0"/>
-          <a:chOff x="0" y="0"/>
-          <a:chExt cx="0" cy="0"/>
-        </a:xfrm>
-      </p:grpSpPr>
-      <p:graphicFrame>
-        <p:nvGraphicFramePr>
-          <p:cNvPr id="235522" name="Rectangle 2" hidden="1"/>
-          <p:cNvGraphicFramePr>
-            <a:graphicFrameLocks/>
-          </p:cNvGraphicFramePr>
-          <p:nvPr>
-            <p:custDataLst>
-              <p:tags r:id="rId2"/>
-            </p:custDataLst>
-          </p:nvPr>
-        </p:nvGraphicFramePr>
-        <p:xfrm>
-          <a:off x="0" y="-305118"/>
-          <a:ext cx="158519" cy="158518"/>
-        </p:xfrm>
-        <a:graphic>
-          <a:graphicData uri="http://schemas.openxmlformats.org/presentationml/2006/ole">
-            <mc:AlternateContent xmlns:mc="http://schemas.openxmlformats.org/markup-compatibility/2006">
-              <mc:Choice xmlns:v="urn:schemas-microsoft-com:vml" Requires="v">
-                <p:oleObj spid="_x0000_s31749" r:id="rId5" imgW="0" imgH="0" progId="TCLayout.ActiveDocument.1">
-                  <p:embed/>
-                </p:oleObj>
-              </mc:Choice>
-              <mc:Fallback>
-                <p:oleObj r:id="rId5" imgW="0" imgH="0" progId="TCLayout.ActiveDocument.1">
-                  <p:embed/>
-                  <p:pic>
-                    <p:nvPicPr>
-                      <p:cNvPr id="235522" name="Rectangle 2" hidden="1"/>
-                      <p:cNvPicPr preferRelativeResize="0">
-                        <a:picLocks noChangeArrowheads="1"/>
-                      </p:cNvPicPr>
-                      <p:nvPr/>
-                    </p:nvPicPr>
-                    <p:blipFill>
-                      <a:blip>
-                        <a:extLst>
-                          <a:ext uri="{28A0092B-C50C-407E-A947-70E740481C1C}">
-                            <a14:useLocalDpi xmlns:a14="http://schemas.microsoft.com/office/drawing/2010/main" val="0"/>
-                          </a:ext>
-                        </a:extLst>
-                      </a:blip>
-                      <a:srcRect/>
-                      <a:stretch>
-                        <a:fillRect/>
-                      </a:stretch>
-                    </p:blipFill>
-                    <p:spPr bwMode="auto">
-                      <a:xfrm>
-                        <a:off x="0" y="-305118"/>
-                        <a:ext cx="158519" cy="158518"/>
-                      </a:xfrm>
-                      <a:prstGeom prst="rect">
-                        <a:avLst/>
-                      </a:prstGeom>
-                      <a:noFill/>
-                      <a:ln>
-                        <a:noFill/>
-                      </a:ln>
-                      <a:extLst>
-                        <a:ext uri="{909E8E84-426E-40DD-AFC4-6F175D3DCCD1}">
-                          <a14:hiddenFill xmlns:a14="http://schemas.microsoft.com/office/drawing/2010/main">
-                            <a:solidFill>
-                              <a:srgbClr val="FFFFFF"/>
-                            </a:solidFill>
-                          </a14:hiddenFill>
-                        </a:ext>
-                        <a:ext uri="{91240B29-F687-4F45-9708-019B960494DF}">
-                          <a14:hiddenLine xmlns:a14="http://schemas.microsoft.com/office/drawing/2010/main" w="9525">
-                            <a:solidFill>
-                              <a:srgbClr val="000000"/>
-                            </a:solidFill>
-                            <a:miter lim="800000"/>
-                            <a:headEnd/>
-                            <a:tailEnd/>
-                          </a14:hiddenLine>
-                        </a:ext>
-                      </a:extLst>
-                    </p:spPr>
-                  </p:pic>
-                </p:oleObj>
-              </mc:Fallback>
-            </mc:AlternateContent>
-          </a:graphicData>
-        </a:graphic>
-      </p:graphicFrame>
-      <p:sp>
-        <p:nvSpPr>
-          <p:cNvPr id="8" name="Title 40">
-            <a:extLst>
-              <a:ext uri="{FF2B5EF4-FFF2-40B4-BE49-F238E27FC236}">
-                <a16:creationId xmlns:a16="http://schemas.microsoft.com/office/drawing/2014/main" id="{6D65D641-D69D-4168-BB7D-AD3F200877E3}"/>
-              </a:ext>
-            </a:extLst>
-          </p:cNvPr>
-          <p:cNvSpPr>
-            <a:spLocks noGrp="1"/>
-          </p:cNvSpPr>
-          <p:nvPr>
-            <p:ph type="title"/>
-          </p:nvPr>
-        </p:nvSpPr>
-        <p:spPr>
-          <a:xfrm>
-            <a:off x="381000" y="152400"/>
-            <a:ext cx="8153400" cy="808038"/>
-          </a:xfrm>
-        </p:spPr>
-        <p:txBody>
-          <a:bodyPr>
-            <a:normAutofit/>
-          </a:bodyPr>
-          <a:lstStyle/>
-          <a:p>
-            <a:pPr algn="l"/>
-            <a:r>
-              <a:rPr lang="en-US" sz="1800" b="1" dirty="0">
-                <a:solidFill>
-                  <a:srgbClr val="000066"/>
-                </a:solidFill>
-              </a:rPr>
-              <a:t>Methodology</a:t>
-            </a:r>
-          </a:p>
-        </p:txBody>
-      </p:sp>
-    </p:spTree>
-    <p:extLst>
-      <p:ext uri="{BB962C8B-B14F-4D97-AF65-F5344CB8AC3E}">
-        <p14:creationId xmlns:p14="http://schemas.microsoft.com/office/powerpoint/2010/main" val="2276996167"/>
       </p:ext>
     </p:extLst>
   </p:cSld>
@@ -7548,6 +10315,42 @@
 </file>
 
 <file path=ppt/tags/tag11.xml><?xml version="1.0" encoding="utf-8"?>
+<p:tagLst xmlns:a="http://schemas.openxmlformats.org/drawingml/2006/main" xmlns:r="http://schemas.openxmlformats.org/officeDocument/2006/relationships" xmlns:p="http://schemas.openxmlformats.org/presentationml/2006/main">
+  <p:tag name="THINKCELLSHAPEDONOTDELETE" val="thinkcellActiveDocDoNotDelete"/>
+</p:tagLst>
+</file>
+
+<file path=ppt/tags/tag12.xml><?xml version="1.0" encoding="utf-8"?>
+<p:tagLst xmlns:a="http://schemas.openxmlformats.org/drawingml/2006/main" xmlns:r="http://schemas.openxmlformats.org/officeDocument/2006/relationships" xmlns:p="http://schemas.openxmlformats.org/presentationml/2006/main">
+  <p:tag name="THINKCELLSHAPEDONOTDELETE" val="thinkcellActiveDocDoNotDelete"/>
+</p:tagLst>
+</file>
+
+<file path=ppt/tags/tag13.xml><?xml version="1.0" encoding="utf-8"?>
+<p:tagLst xmlns:a="http://schemas.openxmlformats.org/drawingml/2006/main" xmlns:r="http://schemas.openxmlformats.org/officeDocument/2006/relationships" xmlns:p="http://schemas.openxmlformats.org/presentationml/2006/main">
+  <p:tag name="THINKCELLSHAPEDONOTDELETE" val="thinkcellActiveDocDoNotDelete"/>
+</p:tagLst>
+</file>
+
+<file path=ppt/tags/tag14.xml><?xml version="1.0" encoding="utf-8"?>
+<p:tagLst xmlns:a="http://schemas.openxmlformats.org/drawingml/2006/main" xmlns:r="http://schemas.openxmlformats.org/officeDocument/2006/relationships" xmlns:p="http://schemas.openxmlformats.org/presentationml/2006/main">
+  <p:tag name="THINKCELLSHAPEDONOTDELETE" val="thinkcellActiveDocDoNotDelete"/>
+</p:tagLst>
+</file>
+
+<file path=ppt/tags/tag15.xml><?xml version="1.0" encoding="utf-8"?>
+<p:tagLst xmlns:a="http://schemas.openxmlformats.org/drawingml/2006/main" xmlns:r="http://schemas.openxmlformats.org/officeDocument/2006/relationships" xmlns:p="http://schemas.openxmlformats.org/presentationml/2006/main">
+  <p:tag name="THINKCELLSHAPEDONOTDELETE" val="thinkcellActiveDocDoNotDelete"/>
+</p:tagLst>
+</file>
+
+<file path=ppt/tags/tag16.xml><?xml version="1.0" encoding="utf-8"?>
+<p:tagLst xmlns:a="http://schemas.openxmlformats.org/drawingml/2006/main" xmlns:r="http://schemas.openxmlformats.org/officeDocument/2006/relationships" xmlns:p="http://schemas.openxmlformats.org/presentationml/2006/main">
+  <p:tag name="THINKCELLSHAPEDONOTDELETE" val="thinkcellActiveDocDoNotDelete"/>
+</p:tagLst>
+</file>
+
+<file path=ppt/tags/tag17.xml><?xml version="1.0" encoding="utf-8"?>
 <p:tagLst xmlns:a="http://schemas.openxmlformats.org/drawingml/2006/main" xmlns:r="http://schemas.openxmlformats.org/officeDocument/2006/relationships" xmlns:p="http://schemas.openxmlformats.org/presentationml/2006/main">
   <p:tag name="THINKCELLSHAPEDONOTDELETE" val="thinkcellActiveDocDoNotDelete"/>
 </p:tagLst>

--- a/Bounce_Back 24012018v1.pptx
+++ b/Bounce_Back 24012018v1.pptx
@@ -5,7 +5,7 @@
     <p:sldMasterId id="2147483648" r:id="rId1"/>
   </p:sldMasterIdLst>
   <p:notesMasterIdLst>
-    <p:notesMasterId r:id="rId20"/>
+    <p:notesMasterId r:id="rId27"/>
   </p:notesMasterIdLst>
   <p:sldIdLst>
     <p:sldId id="307" r:id="rId2"/>
@@ -20,12 +20,19 @@
     <p:sldId id="300" r:id="rId11"/>
     <p:sldId id="306" r:id="rId12"/>
     <p:sldId id="312" r:id="rId13"/>
-    <p:sldId id="305" r:id="rId14"/>
-    <p:sldId id="303" r:id="rId15"/>
-    <p:sldId id="310" r:id="rId16"/>
-    <p:sldId id="304" r:id="rId17"/>
-    <p:sldId id="309" r:id="rId18"/>
-    <p:sldId id="308" r:id="rId19"/>
+    <p:sldId id="313" r:id="rId14"/>
+    <p:sldId id="314" r:id="rId15"/>
+    <p:sldId id="315" r:id="rId16"/>
+    <p:sldId id="316" r:id="rId17"/>
+    <p:sldId id="317" r:id="rId18"/>
+    <p:sldId id="318" r:id="rId19"/>
+    <p:sldId id="320" r:id="rId20"/>
+    <p:sldId id="303" r:id="rId21"/>
+    <p:sldId id="310" r:id="rId22"/>
+    <p:sldId id="319" r:id="rId23"/>
+    <p:sldId id="304" r:id="rId24"/>
+    <p:sldId id="309" r:id="rId25"/>
+    <p:sldId id="308" r:id="rId26"/>
   </p:sldIdLst>
   <p:sldSz cx="9144000" cy="6858000" type="screen4x3"/>
   <p:notesSz cx="7010400" cy="9296400"/>
@@ -143,10 +150,6 @@
 </p:presentation>
 </file>
 
-<file path=ppt/revisionInfo.xml><?xml version="1.0" encoding="utf-8"?>
-<p1510:revInfo xmlns:a="http://schemas.openxmlformats.org/drawingml/2006/main" xmlns:r="http://schemas.openxmlformats.org/officeDocument/2006/relationships" xmlns:p1510="http://schemas.microsoft.com/office/powerpoint/2015/10/main"/>
-</file>
-
 <file path=ppt/notesMasters/notesMaster1.xml><?xml version="1.0" encoding="utf-8"?>
 <p:notesMaster xmlns:a="http://schemas.openxmlformats.org/drawingml/2006/main" xmlns:r="http://schemas.openxmlformats.org/officeDocument/2006/relationships" xmlns:p="http://schemas.openxmlformats.org/presentationml/2006/main">
   <p:cSld>
@@ -230,7 +233,7 @@
             <a:fld id="{C449B9E2-F6E0-43F1-9141-B8839419D296}" type="datetimeFigureOut">
               <a:rPr lang="en-US" smtClean="0"/>
               <a:pPr/>
-              <a:t>1/30/2018</a:t>
+              <a:t>1/31/2018</a:t>
             </a:fld>
             <a:endParaRPr lang="en-US"/>
           </a:p>
@@ -762,7 +765,7 @@
     </p:spTree>
     <p:extLst>
       <p:ext uri="{BB962C8B-B14F-4D97-AF65-F5344CB8AC3E}">
-        <p14:creationId xmlns:p14="http://schemas.microsoft.com/office/powerpoint/2010/main" val="1280191976"/>
+        <p14:creationId xmlns:p14="http://schemas.microsoft.com/office/powerpoint/2010/main" val="4283857512"/>
       </p:ext>
     </p:extLst>
   </p:cSld>
@@ -830,7 +833,7 @@
     </p:spTree>
     <p:extLst>
       <p:ext uri="{BB962C8B-B14F-4D97-AF65-F5344CB8AC3E}">
-        <p14:creationId xmlns:p14="http://schemas.microsoft.com/office/powerpoint/2010/main" val="3013727566"/>
+        <p14:creationId xmlns:p14="http://schemas.microsoft.com/office/powerpoint/2010/main" val="4065470992"/>
       </p:ext>
     </p:extLst>
   </p:cSld>
@@ -898,7 +901,7 @@
     </p:spTree>
     <p:extLst>
       <p:ext uri="{BB962C8B-B14F-4D97-AF65-F5344CB8AC3E}">
-        <p14:creationId xmlns:p14="http://schemas.microsoft.com/office/powerpoint/2010/main" val="2801113320"/>
+        <p14:creationId xmlns:p14="http://schemas.microsoft.com/office/powerpoint/2010/main" val="2361570146"/>
       </p:ext>
     </p:extLst>
   </p:cSld>
@@ -966,7 +969,7 @@
     </p:spTree>
     <p:extLst>
       <p:ext uri="{BB962C8B-B14F-4D97-AF65-F5344CB8AC3E}">
-        <p14:creationId xmlns:p14="http://schemas.microsoft.com/office/powerpoint/2010/main" val="726682867"/>
+        <p14:creationId xmlns:p14="http://schemas.microsoft.com/office/powerpoint/2010/main" val="117698278"/>
       </p:ext>
     </p:extLst>
   </p:cSld>
@@ -1034,7 +1037,7 @@
     </p:spTree>
     <p:extLst>
       <p:ext uri="{BB962C8B-B14F-4D97-AF65-F5344CB8AC3E}">
-        <p14:creationId xmlns:p14="http://schemas.microsoft.com/office/powerpoint/2010/main" val="3036743236"/>
+        <p14:creationId xmlns:p14="http://schemas.microsoft.com/office/powerpoint/2010/main" val="1963718271"/>
       </p:ext>
     </p:extLst>
   </p:cSld>
@@ -1102,7 +1105,143 @@
     </p:spTree>
     <p:extLst>
       <p:ext uri="{BB962C8B-B14F-4D97-AF65-F5344CB8AC3E}">
-        <p14:creationId xmlns:p14="http://schemas.microsoft.com/office/powerpoint/2010/main" val="1724726575"/>
+        <p14:creationId xmlns:p14="http://schemas.microsoft.com/office/powerpoint/2010/main" val="1390891640"/>
+      </p:ext>
+    </p:extLst>
+  </p:cSld>
+  <p:clrMapOvr>
+    <a:masterClrMapping/>
+  </p:clrMapOvr>
+</p:notes>
+</file>
+
+<file path=ppt/notesSlides/notesSlide18.xml><?xml version="1.0" encoding="utf-8"?>
+<p:notes xmlns:a="http://schemas.openxmlformats.org/drawingml/2006/main" xmlns:r="http://schemas.openxmlformats.org/officeDocument/2006/relationships" xmlns:p="http://schemas.openxmlformats.org/presentationml/2006/main">
+  <p:cSld>
+    <p:spTree>
+      <p:nvGrpSpPr>
+        <p:cNvPr id="1" name=""/>
+        <p:cNvGrpSpPr/>
+        <p:nvPr/>
+      </p:nvGrpSpPr>
+      <p:grpSpPr>
+        <a:xfrm>
+          <a:off x="0" y="0"/>
+          <a:ext cx="0" cy="0"/>
+          <a:chOff x="0" y="0"/>
+          <a:chExt cx="0" cy="0"/>
+        </a:xfrm>
+      </p:grpSpPr>
+      <p:sp>
+        <p:nvSpPr>
+          <p:cNvPr id="236546" name="Rectangle 2"/>
+          <p:cNvSpPr>
+            <a:spLocks noGrp="1" noRot="1" noChangeAspect="1" noChangeArrowheads="1" noTextEdit="1"/>
+          </p:cNvSpPr>
+          <p:nvPr>
+            <p:ph type="sldImg"/>
+          </p:nvPr>
+        </p:nvSpPr>
+        <p:spPr>
+          <a:ln/>
+        </p:spPr>
+      </p:sp>
+      <p:sp>
+        <p:nvSpPr>
+          <p:cNvPr id="236547" name="Rectangle 3"/>
+          <p:cNvSpPr>
+            <a:spLocks noGrp="1" noChangeArrowheads="1"/>
+          </p:cNvSpPr>
+          <p:nvPr>
+            <p:ph type="body" idx="1"/>
+          </p:nvPr>
+        </p:nvSpPr>
+        <p:spPr>
+          <a:xfrm>
+            <a:off x="701362" y="4416113"/>
+            <a:ext cx="5607678" cy="4182419"/>
+          </a:xfrm>
+        </p:spPr>
+        <p:txBody>
+          <a:bodyPr/>
+          <a:lstStyle/>
+          <a:p>
+            <a:endParaRPr lang="en-US"/>
+          </a:p>
+        </p:txBody>
+      </p:sp>
+    </p:spTree>
+    <p:extLst>
+      <p:ext uri="{BB962C8B-B14F-4D97-AF65-F5344CB8AC3E}">
+        <p14:creationId xmlns:p14="http://schemas.microsoft.com/office/powerpoint/2010/main" val="1547530287"/>
+      </p:ext>
+    </p:extLst>
+  </p:cSld>
+  <p:clrMapOvr>
+    <a:masterClrMapping/>
+  </p:clrMapOvr>
+</p:notes>
+</file>
+
+<file path=ppt/notesSlides/notesSlide19.xml><?xml version="1.0" encoding="utf-8"?>
+<p:notes xmlns:a="http://schemas.openxmlformats.org/drawingml/2006/main" xmlns:r="http://schemas.openxmlformats.org/officeDocument/2006/relationships" xmlns:p="http://schemas.openxmlformats.org/presentationml/2006/main">
+  <p:cSld>
+    <p:spTree>
+      <p:nvGrpSpPr>
+        <p:cNvPr id="1" name=""/>
+        <p:cNvGrpSpPr/>
+        <p:nvPr/>
+      </p:nvGrpSpPr>
+      <p:grpSpPr>
+        <a:xfrm>
+          <a:off x="0" y="0"/>
+          <a:ext cx="0" cy="0"/>
+          <a:chOff x="0" y="0"/>
+          <a:chExt cx="0" cy="0"/>
+        </a:xfrm>
+      </p:grpSpPr>
+      <p:sp>
+        <p:nvSpPr>
+          <p:cNvPr id="236546" name="Rectangle 2"/>
+          <p:cNvSpPr>
+            <a:spLocks noGrp="1" noRot="1" noChangeAspect="1" noChangeArrowheads="1" noTextEdit="1"/>
+          </p:cNvSpPr>
+          <p:nvPr>
+            <p:ph type="sldImg"/>
+          </p:nvPr>
+        </p:nvSpPr>
+        <p:spPr>
+          <a:ln/>
+        </p:spPr>
+      </p:sp>
+      <p:sp>
+        <p:nvSpPr>
+          <p:cNvPr id="236547" name="Rectangle 3"/>
+          <p:cNvSpPr>
+            <a:spLocks noGrp="1" noChangeArrowheads="1"/>
+          </p:cNvSpPr>
+          <p:nvPr>
+            <p:ph type="body" idx="1"/>
+          </p:nvPr>
+        </p:nvSpPr>
+        <p:spPr>
+          <a:xfrm>
+            <a:off x="701362" y="4416113"/>
+            <a:ext cx="5607678" cy="4182419"/>
+          </a:xfrm>
+        </p:spPr>
+        <p:txBody>
+          <a:bodyPr/>
+          <a:lstStyle/>
+          <a:p>
+            <a:endParaRPr lang="en-US"/>
+          </a:p>
+        </p:txBody>
+      </p:sp>
+    </p:spTree>
+    <p:extLst>
+      <p:ext uri="{BB962C8B-B14F-4D97-AF65-F5344CB8AC3E}">
+        <p14:creationId xmlns:p14="http://schemas.microsoft.com/office/powerpoint/2010/main" val="3013727566"/>
       </p:ext>
     </p:extLst>
   </p:cSld>
@@ -1171,6 +1310,346 @@
     <p:extLst>
       <p:ext uri="{BB962C8B-B14F-4D97-AF65-F5344CB8AC3E}">
         <p14:creationId xmlns:p14="http://schemas.microsoft.com/office/powerpoint/2010/main" val="2121113133"/>
+      </p:ext>
+    </p:extLst>
+  </p:cSld>
+  <p:clrMapOvr>
+    <a:masterClrMapping/>
+  </p:clrMapOvr>
+</p:notes>
+</file>
+
+<file path=ppt/notesSlides/notesSlide20.xml><?xml version="1.0" encoding="utf-8"?>
+<p:notes xmlns:a="http://schemas.openxmlformats.org/drawingml/2006/main" xmlns:r="http://schemas.openxmlformats.org/officeDocument/2006/relationships" xmlns:p="http://schemas.openxmlformats.org/presentationml/2006/main">
+  <p:cSld>
+    <p:spTree>
+      <p:nvGrpSpPr>
+        <p:cNvPr id="1" name=""/>
+        <p:cNvGrpSpPr/>
+        <p:nvPr/>
+      </p:nvGrpSpPr>
+      <p:grpSpPr>
+        <a:xfrm>
+          <a:off x="0" y="0"/>
+          <a:ext cx="0" cy="0"/>
+          <a:chOff x="0" y="0"/>
+          <a:chExt cx="0" cy="0"/>
+        </a:xfrm>
+      </p:grpSpPr>
+      <p:sp>
+        <p:nvSpPr>
+          <p:cNvPr id="236546" name="Rectangle 2"/>
+          <p:cNvSpPr>
+            <a:spLocks noGrp="1" noRot="1" noChangeAspect="1" noChangeArrowheads="1" noTextEdit="1"/>
+          </p:cNvSpPr>
+          <p:nvPr>
+            <p:ph type="sldImg"/>
+          </p:nvPr>
+        </p:nvSpPr>
+        <p:spPr>
+          <a:ln/>
+        </p:spPr>
+      </p:sp>
+      <p:sp>
+        <p:nvSpPr>
+          <p:cNvPr id="236547" name="Rectangle 3"/>
+          <p:cNvSpPr>
+            <a:spLocks noGrp="1" noChangeArrowheads="1"/>
+          </p:cNvSpPr>
+          <p:nvPr>
+            <p:ph type="body" idx="1"/>
+          </p:nvPr>
+        </p:nvSpPr>
+        <p:spPr>
+          <a:xfrm>
+            <a:off x="701362" y="4416113"/>
+            <a:ext cx="5607678" cy="4182419"/>
+          </a:xfrm>
+        </p:spPr>
+        <p:txBody>
+          <a:bodyPr/>
+          <a:lstStyle/>
+          <a:p>
+            <a:endParaRPr lang="en-US"/>
+          </a:p>
+        </p:txBody>
+      </p:sp>
+    </p:spTree>
+    <p:extLst>
+      <p:ext uri="{BB962C8B-B14F-4D97-AF65-F5344CB8AC3E}">
+        <p14:creationId xmlns:p14="http://schemas.microsoft.com/office/powerpoint/2010/main" val="2801113320"/>
+      </p:ext>
+    </p:extLst>
+  </p:cSld>
+  <p:clrMapOvr>
+    <a:masterClrMapping/>
+  </p:clrMapOvr>
+</p:notes>
+</file>
+
+<file path=ppt/notesSlides/notesSlide21.xml><?xml version="1.0" encoding="utf-8"?>
+<p:notes xmlns:a="http://schemas.openxmlformats.org/drawingml/2006/main" xmlns:r="http://schemas.openxmlformats.org/officeDocument/2006/relationships" xmlns:p="http://schemas.openxmlformats.org/presentationml/2006/main">
+  <p:cSld>
+    <p:spTree>
+      <p:nvGrpSpPr>
+        <p:cNvPr id="1" name=""/>
+        <p:cNvGrpSpPr/>
+        <p:nvPr/>
+      </p:nvGrpSpPr>
+      <p:grpSpPr>
+        <a:xfrm>
+          <a:off x="0" y="0"/>
+          <a:ext cx="0" cy="0"/>
+          <a:chOff x="0" y="0"/>
+          <a:chExt cx="0" cy="0"/>
+        </a:xfrm>
+      </p:grpSpPr>
+      <p:sp>
+        <p:nvSpPr>
+          <p:cNvPr id="236546" name="Rectangle 2"/>
+          <p:cNvSpPr>
+            <a:spLocks noGrp="1" noRot="1" noChangeAspect="1" noChangeArrowheads="1" noTextEdit="1"/>
+          </p:cNvSpPr>
+          <p:nvPr>
+            <p:ph type="sldImg"/>
+          </p:nvPr>
+        </p:nvSpPr>
+        <p:spPr>
+          <a:ln/>
+        </p:spPr>
+      </p:sp>
+      <p:sp>
+        <p:nvSpPr>
+          <p:cNvPr id="236547" name="Rectangle 3"/>
+          <p:cNvSpPr>
+            <a:spLocks noGrp="1" noChangeArrowheads="1"/>
+          </p:cNvSpPr>
+          <p:nvPr>
+            <p:ph type="body" idx="1"/>
+          </p:nvPr>
+        </p:nvSpPr>
+        <p:spPr>
+          <a:xfrm>
+            <a:off x="701362" y="4416113"/>
+            <a:ext cx="5607678" cy="4182419"/>
+          </a:xfrm>
+        </p:spPr>
+        <p:txBody>
+          <a:bodyPr/>
+          <a:lstStyle/>
+          <a:p>
+            <a:endParaRPr lang="en-US"/>
+          </a:p>
+        </p:txBody>
+      </p:sp>
+    </p:spTree>
+    <p:extLst>
+      <p:ext uri="{BB962C8B-B14F-4D97-AF65-F5344CB8AC3E}">
+        <p14:creationId xmlns:p14="http://schemas.microsoft.com/office/powerpoint/2010/main" val="3456122470"/>
+      </p:ext>
+    </p:extLst>
+  </p:cSld>
+  <p:clrMapOvr>
+    <a:masterClrMapping/>
+  </p:clrMapOvr>
+</p:notes>
+</file>
+
+<file path=ppt/notesSlides/notesSlide22.xml><?xml version="1.0" encoding="utf-8"?>
+<p:notes xmlns:a="http://schemas.openxmlformats.org/drawingml/2006/main" xmlns:r="http://schemas.openxmlformats.org/officeDocument/2006/relationships" xmlns:p="http://schemas.openxmlformats.org/presentationml/2006/main">
+  <p:cSld>
+    <p:spTree>
+      <p:nvGrpSpPr>
+        <p:cNvPr id="1" name=""/>
+        <p:cNvGrpSpPr/>
+        <p:nvPr/>
+      </p:nvGrpSpPr>
+      <p:grpSpPr>
+        <a:xfrm>
+          <a:off x="0" y="0"/>
+          <a:ext cx="0" cy="0"/>
+          <a:chOff x="0" y="0"/>
+          <a:chExt cx="0" cy="0"/>
+        </a:xfrm>
+      </p:grpSpPr>
+      <p:sp>
+        <p:nvSpPr>
+          <p:cNvPr id="236546" name="Rectangle 2"/>
+          <p:cNvSpPr>
+            <a:spLocks noGrp="1" noRot="1" noChangeAspect="1" noChangeArrowheads="1" noTextEdit="1"/>
+          </p:cNvSpPr>
+          <p:nvPr>
+            <p:ph type="sldImg"/>
+          </p:nvPr>
+        </p:nvSpPr>
+        <p:spPr>
+          <a:ln/>
+        </p:spPr>
+      </p:sp>
+      <p:sp>
+        <p:nvSpPr>
+          <p:cNvPr id="236547" name="Rectangle 3"/>
+          <p:cNvSpPr>
+            <a:spLocks noGrp="1" noChangeArrowheads="1"/>
+          </p:cNvSpPr>
+          <p:nvPr>
+            <p:ph type="body" idx="1"/>
+          </p:nvPr>
+        </p:nvSpPr>
+        <p:spPr>
+          <a:xfrm>
+            <a:off x="701362" y="4416113"/>
+            <a:ext cx="5607678" cy="4182419"/>
+          </a:xfrm>
+        </p:spPr>
+        <p:txBody>
+          <a:bodyPr/>
+          <a:lstStyle/>
+          <a:p>
+            <a:endParaRPr lang="en-US"/>
+          </a:p>
+        </p:txBody>
+      </p:sp>
+    </p:spTree>
+    <p:extLst>
+      <p:ext uri="{BB962C8B-B14F-4D97-AF65-F5344CB8AC3E}">
+        <p14:creationId xmlns:p14="http://schemas.microsoft.com/office/powerpoint/2010/main" val="726682867"/>
+      </p:ext>
+    </p:extLst>
+  </p:cSld>
+  <p:clrMapOvr>
+    <a:masterClrMapping/>
+  </p:clrMapOvr>
+</p:notes>
+</file>
+
+<file path=ppt/notesSlides/notesSlide23.xml><?xml version="1.0" encoding="utf-8"?>
+<p:notes xmlns:a="http://schemas.openxmlformats.org/drawingml/2006/main" xmlns:r="http://schemas.openxmlformats.org/officeDocument/2006/relationships" xmlns:p="http://schemas.openxmlformats.org/presentationml/2006/main">
+  <p:cSld>
+    <p:spTree>
+      <p:nvGrpSpPr>
+        <p:cNvPr id="1" name=""/>
+        <p:cNvGrpSpPr/>
+        <p:nvPr/>
+      </p:nvGrpSpPr>
+      <p:grpSpPr>
+        <a:xfrm>
+          <a:off x="0" y="0"/>
+          <a:ext cx="0" cy="0"/>
+          <a:chOff x="0" y="0"/>
+          <a:chExt cx="0" cy="0"/>
+        </a:xfrm>
+      </p:grpSpPr>
+      <p:sp>
+        <p:nvSpPr>
+          <p:cNvPr id="236546" name="Rectangle 2"/>
+          <p:cNvSpPr>
+            <a:spLocks noGrp="1" noRot="1" noChangeAspect="1" noChangeArrowheads="1" noTextEdit="1"/>
+          </p:cNvSpPr>
+          <p:nvPr>
+            <p:ph type="sldImg"/>
+          </p:nvPr>
+        </p:nvSpPr>
+        <p:spPr>
+          <a:ln/>
+        </p:spPr>
+      </p:sp>
+      <p:sp>
+        <p:nvSpPr>
+          <p:cNvPr id="236547" name="Rectangle 3"/>
+          <p:cNvSpPr>
+            <a:spLocks noGrp="1" noChangeArrowheads="1"/>
+          </p:cNvSpPr>
+          <p:nvPr>
+            <p:ph type="body" idx="1"/>
+          </p:nvPr>
+        </p:nvSpPr>
+        <p:spPr>
+          <a:xfrm>
+            <a:off x="701362" y="4416113"/>
+            <a:ext cx="5607678" cy="4182419"/>
+          </a:xfrm>
+        </p:spPr>
+        <p:txBody>
+          <a:bodyPr/>
+          <a:lstStyle/>
+          <a:p>
+            <a:endParaRPr lang="en-US"/>
+          </a:p>
+        </p:txBody>
+      </p:sp>
+    </p:spTree>
+    <p:extLst>
+      <p:ext uri="{BB962C8B-B14F-4D97-AF65-F5344CB8AC3E}">
+        <p14:creationId xmlns:p14="http://schemas.microsoft.com/office/powerpoint/2010/main" val="3036743236"/>
+      </p:ext>
+    </p:extLst>
+  </p:cSld>
+  <p:clrMapOvr>
+    <a:masterClrMapping/>
+  </p:clrMapOvr>
+</p:notes>
+</file>
+
+<file path=ppt/notesSlides/notesSlide24.xml><?xml version="1.0" encoding="utf-8"?>
+<p:notes xmlns:a="http://schemas.openxmlformats.org/drawingml/2006/main" xmlns:r="http://schemas.openxmlformats.org/officeDocument/2006/relationships" xmlns:p="http://schemas.openxmlformats.org/presentationml/2006/main">
+  <p:cSld>
+    <p:spTree>
+      <p:nvGrpSpPr>
+        <p:cNvPr id="1" name=""/>
+        <p:cNvGrpSpPr/>
+        <p:nvPr/>
+      </p:nvGrpSpPr>
+      <p:grpSpPr>
+        <a:xfrm>
+          <a:off x="0" y="0"/>
+          <a:ext cx="0" cy="0"/>
+          <a:chOff x="0" y="0"/>
+          <a:chExt cx="0" cy="0"/>
+        </a:xfrm>
+      </p:grpSpPr>
+      <p:sp>
+        <p:nvSpPr>
+          <p:cNvPr id="236546" name="Rectangle 2"/>
+          <p:cNvSpPr>
+            <a:spLocks noGrp="1" noRot="1" noChangeAspect="1" noChangeArrowheads="1" noTextEdit="1"/>
+          </p:cNvSpPr>
+          <p:nvPr>
+            <p:ph type="sldImg"/>
+          </p:nvPr>
+        </p:nvSpPr>
+        <p:spPr>
+          <a:ln/>
+        </p:spPr>
+      </p:sp>
+      <p:sp>
+        <p:nvSpPr>
+          <p:cNvPr id="236547" name="Rectangle 3"/>
+          <p:cNvSpPr>
+            <a:spLocks noGrp="1" noChangeArrowheads="1"/>
+          </p:cNvSpPr>
+          <p:nvPr>
+            <p:ph type="body" idx="1"/>
+          </p:nvPr>
+        </p:nvSpPr>
+        <p:spPr>
+          <a:xfrm>
+            <a:off x="701362" y="4416113"/>
+            <a:ext cx="5607678" cy="4182419"/>
+          </a:xfrm>
+        </p:spPr>
+        <p:txBody>
+          <a:bodyPr/>
+          <a:lstStyle/>
+          <a:p>
+            <a:endParaRPr lang="en-US"/>
+          </a:p>
+        </p:txBody>
+      </p:sp>
+    </p:spTree>
+    <p:extLst>
+      <p:ext uri="{BB962C8B-B14F-4D97-AF65-F5344CB8AC3E}">
+        <p14:creationId xmlns:p14="http://schemas.microsoft.com/office/powerpoint/2010/main" val="1724726575"/>
       </p:ext>
     </p:extLst>
   </p:cSld>
@@ -1836,7 +2315,7 @@
             <a:fld id="{17450E51-4C5E-4BB5-8E54-A147694BC1CA}" type="datetimeFigureOut">
               <a:rPr lang="en-US" smtClean="0"/>
               <a:pPr/>
-              <a:t>1/30/2018</a:t>
+              <a:t>1/31/2018</a:t>
             </a:fld>
             <a:endParaRPr lang="en-US"/>
           </a:p>
@@ -2001,7 +2480,7 @@
             <a:fld id="{17450E51-4C5E-4BB5-8E54-A147694BC1CA}" type="datetimeFigureOut">
               <a:rPr lang="en-US" smtClean="0"/>
               <a:pPr/>
-              <a:t>1/30/2018</a:t>
+              <a:t>1/31/2018</a:t>
             </a:fld>
             <a:endParaRPr lang="en-US"/>
           </a:p>
@@ -2176,7 +2655,7 @@
             <a:fld id="{17450E51-4C5E-4BB5-8E54-A147694BC1CA}" type="datetimeFigureOut">
               <a:rPr lang="en-US" smtClean="0"/>
               <a:pPr/>
-              <a:t>1/30/2018</a:t>
+              <a:t>1/31/2018</a:t>
             </a:fld>
             <a:endParaRPr lang="en-US"/>
           </a:p>
@@ -2341,7 +2820,7 @@
             <a:fld id="{17450E51-4C5E-4BB5-8E54-A147694BC1CA}" type="datetimeFigureOut">
               <a:rPr lang="en-US" smtClean="0"/>
               <a:pPr/>
-              <a:t>1/30/2018</a:t>
+              <a:t>1/31/2018</a:t>
             </a:fld>
             <a:endParaRPr lang="en-US"/>
           </a:p>
@@ -2583,7 +3062,7 @@
             <a:fld id="{17450E51-4C5E-4BB5-8E54-A147694BC1CA}" type="datetimeFigureOut">
               <a:rPr lang="en-US" smtClean="0"/>
               <a:pPr/>
-              <a:t>1/30/2018</a:t>
+              <a:t>1/31/2018</a:t>
             </a:fld>
             <a:endParaRPr lang="en-US"/>
           </a:p>
@@ -2865,7 +3344,7 @@
             <a:fld id="{17450E51-4C5E-4BB5-8E54-A147694BC1CA}" type="datetimeFigureOut">
               <a:rPr lang="en-US" smtClean="0"/>
               <a:pPr/>
-              <a:t>1/30/2018</a:t>
+              <a:t>1/31/2018</a:t>
             </a:fld>
             <a:endParaRPr lang="en-US"/>
           </a:p>
@@ -3281,7 +3760,7 @@
             <a:fld id="{17450E51-4C5E-4BB5-8E54-A147694BC1CA}" type="datetimeFigureOut">
               <a:rPr lang="en-US" smtClean="0"/>
               <a:pPr/>
-              <a:t>1/30/2018</a:t>
+              <a:t>1/31/2018</a:t>
             </a:fld>
             <a:endParaRPr lang="en-US"/>
           </a:p>
@@ -3395,7 +3874,7 @@
             <a:fld id="{17450E51-4C5E-4BB5-8E54-A147694BC1CA}" type="datetimeFigureOut">
               <a:rPr lang="en-US" smtClean="0"/>
               <a:pPr/>
-              <a:t>1/30/2018</a:t>
+              <a:t>1/31/2018</a:t>
             </a:fld>
             <a:endParaRPr lang="en-US"/>
           </a:p>
@@ -3487,7 +3966,7 @@
             <a:fld id="{17450E51-4C5E-4BB5-8E54-A147694BC1CA}" type="datetimeFigureOut">
               <a:rPr lang="en-US" smtClean="0"/>
               <a:pPr/>
-              <a:t>1/30/2018</a:t>
+              <a:t>1/31/2018</a:t>
             </a:fld>
             <a:endParaRPr lang="en-US"/>
           </a:p>
@@ -3759,7 +4238,7 @@
             <a:fld id="{17450E51-4C5E-4BB5-8E54-A147694BC1CA}" type="datetimeFigureOut">
               <a:rPr lang="en-US" smtClean="0"/>
               <a:pPr/>
-              <a:t>1/30/2018</a:t>
+              <a:t>1/31/2018</a:t>
             </a:fld>
             <a:endParaRPr lang="en-US"/>
           </a:p>
@@ -4008,7 +4487,7 @@
             <a:fld id="{17450E51-4C5E-4BB5-8E54-A147694BC1CA}" type="datetimeFigureOut">
               <a:rPr lang="en-US" smtClean="0"/>
               <a:pPr/>
-              <a:t>1/30/2018</a:t>
+              <a:t>1/31/2018</a:t>
             </a:fld>
             <a:endParaRPr lang="en-US"/>
           </a:p>
@@ -4216,7 +4695,7 @@
             <a:fld id="{17450E51-4C5E-4BB5-8E54-A147694BC1CA}" type="datetimeFigureOut">
               <a:rPr lang="en-US" smtClean="0"/>
               <a:pPr/>
-              <a:t>1/30/2018</a:t>
+              <a:t>1/31/2018</a:t>
             </a:fld>
             <a:endParaRPr lang="en-US"/>
           </a:p>
@@ -4607,7 +5086,7 @@
           <a:graphicData uri="http://schemas.openxmlformats.org/presentationml/2006/ole">
             <mc:AlternateContent xmlns:mc="http://schemas.openxmlformats.org/markup-compatibility/2006">
               <mc:Choice xmlns:v="urn:schemas-microsoft-com:vml" Requires="v">
-                <p:oleObj spid="_x0000_s33813" r:id="rId5" imgW="0" imgH="0" progId="TCLayout.ActiveDocument.1">
+                <p:oleObj spid="_x0000_s1026" r:id="rId5" imgW="0" imgH="0" progId="TCLayout.ActiveDocument.1">
                   <p:embed/>
                 </p:oleObj>
               </mc:Choice>
@@ -4876,7 +5355,7 @@
           <a:graphicData uri="http://schemas.openxmlformats.org/presentationml/2006/ole">
             <mc:AlternateContent xmlns:mc="http://schemas.openxmlformats.org/markup-compatibility/2006">
               <mc:Choice xmlns:v="urn:schemas-microsoft-com:vml" Requires="v">
-                <p:oleObj spid="_x0000_s27687" r:id="rId5" imgW="0" imgH="0" progId="TCLayout.ActiveDocument.1">
+                <p:oleObj spid="_x0000_s9218" r:id="rId5" imgW="0" imgH="0" progId="TCLayout.ActiveDocument.1">
                   <p:embed/>
                 </p:oleObj>
               </mc:Choice>
@@ -6059,7 +6538,7 @@
           <a:graphicData uri="http://schemas.openxmlformats.org/presentationml/2006/ole">
             <mc:AlternateContent xmlns:mc="http://schemas.openxmlformats.org/markup-compatibility/2006">
               <mc:Choice xmlns:v="urn:schemas-microsoft-com:vml" Requires="v">
-                <p:oleObj spid="_x0000_s32792" r:id="rId5" imgW="0" imgH="0" progId="TCLayout.ActiveDocument.1">
+                <p:oleObj spid="_x0000_s10242" r:id="rId5" imgW="0" imgH="0" progId="TCLayout.ActiveDocument.1">
                   <p:embed/>
                 </p:oleObj>
               </mc:Choice>
@@ -6562,7 +7041,7 @@
           <a:graphicData uri="http://schemas.openxmlformats.org/presentationml/2006/ole">
             <mc:AlternateContent xmlns:mc="http://schemas.openxmlformats.org/markup-compatibility/2006">
               <mc:Choice xmlns:v="urn:schemas-microsoft-com:vml" Requires="v">
-                <p:oleObj spid="_x0000_s38916" r:id="rId5" imgW="0" imgH="0" progId="TCLayout.ActiveDocument.1">
+                <p:oleObj spid="_x0000_s11266" r:id="rId5" imgW="0" imgH="0" progId="TCLayout.ActiveDocument.1">
                   <p:embed/>
                 </p:oleObj>
               </mc:Choice>
@@ -6669,6 +7148,104 @@
           </a:p>
         </p:txBody>
       </p:sp>
+      <p:sp>
+        <p:nvSpPr>
+          <p:cNvPr id="3" name="TextBox 2">
+            <a:extLst>
+              <a:ext uri="{FF2B5EF4-FFF2-40B4-BE49-F238E27FC236}">
+                <a16:creationId xmlns:a16="http://schemas.microsoft.com/office/drawing/2014/main" id="{0BBCD9D6-8729-415F-B524-1885A8D216AD}"/>
+              </a:ext>
+            </a:extLst>
+          </p:cNvPr>
+          <p:cNvSpPr txBox="1"/>
+          <p:nvPr/>
+        </p:nvSpPr>
+        <p:spPr>
+          <a:xfrm>
+            <a:off x="419100" y="1227455"/>
+            <a:ext cx="8153400" cy="1477328"/>
+          </a:xfrm>
+          <a:prstGeom prst="rect">
+            <a:avLst/>
+          </a:prstGeom>
+          <a:noFill/>
+        </p:spPr>
+        <p:txBody>
+          <a:bodyPr wrap="square" rtlCol="0">
+            <a:spAutoFit/>
+          </a:bodyPr>
+          <a:lstStyle/>
+          <a:p>
+            <a:r>
+              <a:rPr lang="en-US" dirty="0"/>
+              <a:t>First Step</a:t>
+            </a:r>
+          </a:p>
+          <a:p>
+            <a:endParaRPr lang="en-US" dirty="0"/>
+          </a:p>
+          <a:p>
+            <a:pPr marL="742950" lvl="1" indent="-285750">
+              <a:buFont typeface="Arial" panose="020B0604020202020204" pitchFamily="34" charset="0"/>
+              <a:buChar char="•"/>
+            </a:pPr>
+            <a:r>
+              <a:rPr lang="en-US" dirty="0"/>
+              <a:t>Gather the sources</a:t>
+            </a:r>
+          </a:p>
+          <a:p>
+            <a:pPr marL="1200150" lvl="2" indent="-285750">
+              <a:buFont typeface="Arial" panose="020B0604020202020204" pitchFamily="34" charset="0"/>
+              <a:buChar char="•"/>
+            </a:pPr>
+            <a:r>
+              <a:rPr lang="en-US" dirty="0"/>
+              <a:t>NYSE stock list</a:t>
+            </a:r>
+          </a:p>
+          <a:p>
+            <a:pPr marL="1200150" lvl="2" indent="-285750">
+              <a:buFont typeface="Arial" panose="020B0604020202020204" pitchFamily="34" charset="0"/>
+              <a:buChar char="•"/>
+            </a:pPr>
+            <a:r>
+              <a:rPr lang="en-US" dirty="0"/>
+              <a:t>Random sampling of 800 companies</a:t>
+            </a:r>
+          </a:p>
+        </p:txBody>
+      </p:sp>
+      <p:pic>
+        <p:nvPicPr>
+          <p:cNvPr id="4" name="Picture 3">
+            <a:extLst>
+              <a:ext uri="{FF2B5EF4-FFF2-40B4-BE49-F238E27FC236}">
+                <a16:creationId xmlns:a16="http://schemas.microsoft.com/office/drawing/2014/main" id="{B21AA919-AB25-4407-AD8E-42181958B333}"/>
+              </a:ext>
+            </a:extLst>
+          </p:cNvPr>
+          <p:cNvPicPr>
+            <a:picLocks noChangeAspect="1"/>
+          </p:cNvPicPr>
+          <p:nvPr/>
+        </p:nvPicPr>
+        <p:blipFill>
+          <a:blip r:embed="rId6"/>
+          <a:stretch>
+            <a:fillRect/>
+          </a:stretch>
+        </p:blipFill>
+        <p:spPr>
+          <a:xfrm>
+            <a:off x="419100" y="2971800"/>
+            <a:ext cx="8115300" cy="3429000"/>
+          </a:xfrm>
+          <a:prstGeom prst="rect">
+            <a:avLst/>
+          </a:prstGeom>
+        </p:spPr>
+      </p:pic>
     </p:spTree>
     <p:extLst>
       <p:ext uri="{BB962C8B-B14F-4D97-AF65-F5344CB8AC3E}">
@@ -6719,7 +7296,7 @@
           <a:graphicData uri="http://schemas.openxmlformats.org/presentationml/2006/ole">
             <mc:AlternateContent xmlns:mc="http://schemas.openxmlformats.org/markup-compatibility/2006">
               <mc:Choice xmlns:v="urn:schemas-microsoft-com:vml" Requires="v">
-                <p:oleObj spid="_x0000_s31769" r:id="rId5" imgW="0" imgH="0" progId="TCLayout.ActiveDocument.1">
+                <p:oleObj spid="_x0000_s12290" r:id="rId5" imgW="0" imgH="0" progId="TCLayout.ActiveDocument.1">
                   <p:embed/>
                 </p:oleObj>
               </mc:Choice>
@@ -6821,15 +7398,148 @@
                   <a:srgbClr val="000066"/>
                 </a:solidFill>
               </a:rPr>
-              <a:t>Methodology</a:t>
-            </a:r>
-          </a:p>
-        </p:txBody>
-      </p:sp>
+              <a:t>Workflow</a:t>
+            </a:r>
+          </a:p>
+        </p:txBody>
+      </p:sp>
+      <p:sp>
+        <p:nvSpPr>
+          <p:cNvPr id="3" name="TextBox 2">
+            <a:extLst>
+              <a:ext uri="{FF2B5EF4-FFF2-40B4-BE49-F238E27FC236}">
+                <a16:creationId xmlns:a16="http://schemas.microsoft.com/office/drawing/2014/main" id="{0BBCD9D6-8729-415F-B524-1885A8D216AD}"/>
+              </a:ext>
+            </a:extLst>
+          </p:cNvPr>
+          <p:cNvSpPr txBox="1"/>
+          <p:nvPr/>
+        </p:nvSpPr>
+        <p:spPr>
+          <a:xfrm>
+            <a:off x="419100" y="1227455"/>
+            <a:ext cx="8153400" cy="1323439"/>
+          </a:xfrm>
+          <a:prstGeom prst="rect">
+            <a:avLst/>
+          </a:prstGeom>
+          <a:noFill/>
+        </p:spPr>
+        <p:txBody>
+          <a:bodyPr wrap="square" rtlCol="0">
+            <a:spAutoFit/>
+          </a:bodyPr>
+          <a:lstStyle/>
+          <a:p>
+            <a:r>
+              <a:rPr lang="en-US" dirty="0"/>
+              <a:t>Second Step</a:t>
+            </a:r>
+          </a:p>
+          <a:p>
+            <a:endParaRPr lang="en-US" sz="800" dirty="0"/>
+          </a:p>
+          <a:p>
+            <a:pPr marL="742950" lvl="1" indent="-285750">
+              <a:buFont typeface="Arial" panose="020B0604020202020204" pitchFamily="34" charset="0"/>
+              <a:buChar char="•"/>
+            </a:pPr>
+            <a:r>
+              <a:rPr lang="en-US" dirty="0"/>
+              <a:t>Gather the time series data</a:t>
+            </a:r>
+          </a:p>
+          <a:p>
+            <a:pPr marL="1200150" lvl="2" indent="-285750">
+              <a:buFont typeface="Arial" panose="020B0604020202020204" pitchFamily="34" charset="0"/>
+              <a:buChar char="•"/>
+            </a:pPr>
+            <a:r>
+              <a:rPr lang="en-US" dirty="0"/>
+              <a:t>API call to Alpha Vantage Co</a:t>
+            </a:r>
+          </a:p>
+          <a:p>
+            <a:pPr marL="1200150" lvl="2" indent="-285750">
+              <a:buFont typeface="Arial" panose="020B0604020202020204" pitchFamily="34" charset="0"/>
+              <a:buChar char="•"/>
+            </a:pPr>
+            <a:r>
+              <a:rPr lang="en-US" dirty="0"/>
+              <a:t>API call to </a:t>
+            </a:r>
+            <a:r>
+              <a:rPr lang="en-US" dirty="0" err="1"/>
+              <a:t>IEXtrading</a:t>
+            </a:r>
+            <a:endParaRPr lang="en-US" dirty="0"/>
+          </a:p>
+        </p:txBody>
+      </p:sp>
+      <p:pic>
+        <p:nvPicPr>
+          <p:cNvPr id="2" name="Picture 1">
+            <a:extLst>
+              <a:ext uri="{FF2B5EF4-FFF2-40B4-BE49-F238E27FC236}">
+                <a16:creationId xmlns:a16="http://schemas.microsoft.com/office/drawing/2014/main" id="{1277F03A-6793-4CBF-99A5-91EB36123803}"/>
+              </a:ext>
+            </a:extLst>
+          </p:cNvPr>
+          <p:cNvPicPr>
+            <a:picLocks noChangeAspect="1"/>
+          </p:cNvPicPr>
+          <p:nvPr/>
+        </p:nvPicPr>
+        <p:blipFill>
+          <a:blip r:embed="rId6"/>
+          <a:stretch>
+            <a:fillRect/>
+          </a:stretch>
+        </p:blipFill>
+        <p:spPr>
+          <a:xfrm>
+            <a:off x="343270" y="2746984"/>
+            <a:ext cx="3466730" cy="3825266"/>
+          </a:xfrm>
+          <a:prstGeom prst="rect">
+            <a:avLst/>
+          </a:prstGeom>
+        </p:spPr>
+      </p:pic>
+      <p:pic>
+        <p:nvPicPr>
+          <p:cNvPr id="5" name="Picture 4">
+            <a:extLst>
+              <a:ext uri="{FF2B5EF4-FFF2-40B4-BE49-F238E27FC236}">
+                <a16:creationId xmlns:a16="http://schemas.microsoft.com/office/drawing/2014/main" id="{FBD64368-918A-44AB-AC45-358F005CE533}"/>
+              </a:ext>
+            </a:extLst>
+          </p:cNvPr>
+          <p:cNvPicPr>
+            <a:picLocks noChangeAspect="1"/>
+          </p:cNvPicPr>
+          <p:nvPr/>
+        </p:nvPicPr>
+        <p:blipFill>
+          <a:blip r:embed="rId7"/>
+          <a:stretch>
+            <a:fillRect/>
+          </a:stretch>
+        </p:blipFill>
+        <p:spPr>
+          <a:xfrm>
+            <a:off x="4572000" y="2746984"/>
+            <a:ext cx="4429125" cy="3825266"/>
+          </a:xfrm>
+          <a:prstGeom prst="rect">
+            <a:avLst/>
+          </a:prstGeom>
+        </p:spPr>
+      </p:pic>
     </p:spTree>
     <p:extLst>
       <p:ext uri="{BB962C8B-B14F-4D97-AF65-F5344CB8AC3E}">
-        <p14:creationId xmlns:p14="http://schemas.microsoft.com/office/powerpoint/2010/main" val="2276996167"/>
+        <p14:creationId xmlns:p14="http://schemas.microsoft.com/office/powerpoint/2010/main" val="4072546335"/>
       </p:ext>
     </p:extLst>
   </p:cSld>
@@ -6876,7 +7586,7 @@
           <a:graphicData uri="http://schemas.openxmlformats.org/presentationml/2006/ole">
             <mc:AlternateContent xmlns:mc="http://schemas.openxmlformats.org/markup-compatibility/2006">
               <mc:Choice xmlns:v="urn:schemas-microsoft-com:vml" Requires="v">
-                <p:oleObj spid="_x0000_s29734" r:id="rId5" imgW="0" imgH="0" progId="TCLayout.ActiveDocument.1">
+                <p:oleObj spid="_x0000_s13314" r:id="rId5" imgW="0" imgH="0" progId="TCLayout.ActiveDocument.1">
                   <p:embed/>
                 </p:oleObj>
               </mc:Choice>
@@ -6978,15 +7688,93 @@
                   <a:srgbClr val="000066"/>
                 </a:solidFill>
               </a:rPr>
-              <a:t>Analysis</a:t>
-            </a:r>
-          </a:p>
-        </p:txBody>
-      </p:sp>
+              <a:t>Workflow</a:t>
+            </a:r>
+          </a:p>
+        </p:txBody>
+      </p:sp>
+      <p:sp>
+        <p:nvSpPr>
+          <p:cNvPr id="3" name="TextBox 2">
+            <a:extLst>
+              <a:ext uri="{FF2B5EF4-FFF2-40B4-BE49-F238E27FC236}">
+                <a16:creationId xmlns:a16="http://schemas.microsoft.com/office/drawing/2014/main" id="{0BBCD9D6-8729-415F-B524-1885A8D216AD}"/>
+              </a:ext>
+            </a:extLst>
+          </p:cNvPr>
+          <p:cNvSpPr txBox="1"/>
+          <p:nvPr/>
+        </p:nvSpPr>
+        <p:spPr>
+          <a:xfrm>
+            <a:off x="495300" y="960438"/>
+            <a:ext cx="8153400" cy="769441"/>
+          </a:xfrm>
+          <a:prstGeom prst="rect">
+            <a:avLst/>
+          </a:prstGeom>
+          <a:noFill/>
+        </p:spPr>
+        <p:txBody>
+          <a:bodyPr wrap="square" rtlCol="0">
+            <a:spAutoFit/>
+          </a:bodyPr>
+          <a:lstStyle/>
+          <a:p>
+            <a:r>
+              <a:rPr lang="en-US" dirty="0"/>
+              <a:t>Third Step</a:t>
+            </a:r>
+          </a:p>
+          <a:p>
+            <a:endParaRPr lang="en-US" sz="800" dirty="0"/>
+          </a:p>
+          <a:p>
+            <a:pPr marL="742950" lvl="1" indent="-285750">
+              <a:buFont typeface="Arial" panose="020B0604020202020204" pitchFamily="34" charset="0"/>
+              <a:buChar char="•"/>
+            </a:pPr>
+            <a:r>
+              <a:rPr lang="en-US" dirty="0"/>
+              <a:t>Find drops in price of 15% or more during the week</a:t>
+            </a:r>
+          </a:p>
+        </p:txBody>
+      </p:sp>
+      <p:pic>
+        <p:nvPicPr>
+          <p:cNvPr id="4" name="Picture 3">
+            <a:extLst>
+              <a:ext uri="{FF2B5EF4-FFF2-40B4-BE49-F238E27FC236}">
+                <a16:creationId xmlns:a16="http://schemas.microsoft.com/office/drawing/2014/main" id="{BC4DC7B1-419F-413C-B138-FA2F807D2140}"/>
+              </a:ext>
+            </a:extLst>
+          </p:cNvPr>
+          <p:cNvPicPr>
+            <a:picLocks noChangeAspect="1"/>
+          </p:cNvPicPr>
+          <p:nvPr/>
+        </p:nvPicPr>
+        <p:blipFill>
+          <a:blip r:embed="rId6"/>
+          <a:stretch>
+            <a:fillRect/>
+          </a:stretch>
+        </p:blipFill>
+        <p:spPr>
+          <a:xfrm>
+            <a:off x="1581150" y="2362200"/>
+            <a:ext cx="5981700" cy="3952875"/>
+          </a:xfrm>
+          <a:prstGeom prst="rect">
+            <a:avLst/>
+          </a:prstGeom>
+        </p:spPr>
+      </p:pic>
     </p:spTree>
     <p:extLst>
       <p:ext uri="{BB962C8B-B14F-4D97-AF65-F5344CB8AC3E}">
-        <p14:creationId xmlns:p14="http://schemas.microsoft.com/office/powerpoint/2010/main" val="1283919287"/>
+        <p14:creationId xmlns:p14="http://schemas.microsoft.com/office/powerpoint/2010/main" val="232114597"/>
       </p:ext>
     </p:extLst>
   </p:cSld>
@@ -7033,7 +7821,7 @@
           <a:graphicData uri="http://schemas.openxmlformats.org/presentationml/2006/ole">
             <mc:AlternateContent xmlns:mc="http://schemas.openxmlformats.org/markup-compatibility/2006">
               <mc:Choice xmlns:v="urn:schemas-microsoft-com:vml" Requires="v">
-                <p:oleObj spid="_x0000_s35849" r:id="rId5" imgW="0" imgH="0" progId="TCLayout.ActiveDocument.1">
+                <p:oleObj spid="_x0000_s14338" r:id="rId5" imgW="0" imgH="0" progId="TCLayout.ActiveDocument.1">
                   <p:embed/>
                 </p:oleObj>
               </mc:Choice>
@@ -7135,15 +7923,93 @@
                   <a:srgbClr val="000066"/>
                 </a:solidFill>
               </a:rPr>
-              <a:t>Analysis</a:t>
-            </a:r>
-          </a:p>
-        </p:txBody>
-      </p:sp>
+              <a:t>Workflow</a:t>
+            </a:r>
+          </a:p>
+        </p:txBody>
+      </p:sp>
+      <p:sp>
+        <p:nvSpPr>
+          <p:cNvPr id="3" name="TextBox 2">
+            <a:extLst>
+              <a:ext uri="{FF2B5EF4-FFF2-40B4-BE49-F238E27FC236}">
+                <a16:creationId xmlns:a16="http://schemas.microsoft.com/office/drawing/2014/main" id="{0BBCD9D6-8729-415F-B524-1885A8D216AD}"/>
+              </a:ext>
+            </a:extLst>
+          </p:cNvPr>
+          <p:cNvSpPr txBox="1"/>
+          <p:nvPr/>
+        </p:nvSpPr>
+        <p:spPr>
+          <a:xfrm>
+            <a:off x="495300" y="960438"/>
+            <a:ext cx="8153400" cy="692497"/>
+          </a:xfrm>
+          <a:prstGeom prst="rect">
+            <a:avLst/>
+          </a:prstGeom>
+          <a:noFill/>
+        </p:spPr>
+        <p:txBody>
+          <a:bodyPr wrap="square" rtlCol="0">
+            <a:spAutoFit/>
+          </a:bodyPr>
+          <a:lstStyle/>
+          <a:p>
+            <a:r>
+              <a:rPr lang="en-US" sz="1600" dirty="0"/>
+              <a:t>Fourth Step</a:t>
+            </a:r>
+          </a:p>
+          <a:p>
+            <a:endParaRPr lang="en-US" sz="700" dirty="0"/>
+          </a:p>
+          <a:p>
+            <a:pPr marL="742950" lvl="1" indent="-285750">
+              <a:buFont typeface="Arial" panose="020B0604020202020204" pitchFamily="34" charset="0"/>
+              <a:buChar char="•"/>
+            </a:pPr>
+            <a:r>
+              <a:rPr lang="en-US" sz="1600" dirty="0"/>
+              <a:t>Find the low point after the drop and when it took place</a:t>
+            </a:r>
+          </a:p>
+        </p:txBody>
+      </p:sp>
+      <p:pic>
+        <p:nvPicPr>
+          <p:cNvPr id="2" name="Picture 1">
+            <a:extLst>
+              <a:ext uri="{FF2B5EF4-FFF2-40B4-BE49-F238E27FC236}">
+                <a16:creationId xmlns:a16="http://schemas.microsoft.com/office/drawing/2014/main" id="{9BEDBBD5-CD56-47A4-A64A-82670CE6E43B}"/>
+              </a:ext>
+            </a:extLst>
+          </p:cNvPr>
+          <p:cNvPicPr>
+            <a:picLocks noChangeAspect="1"/>
+          </p:cNvPicPr>
+          <p:nvPr/>
+        </p:nvPicPr>
+        <p:blipFill>
+          <a:blip r:embed="rId6"/>
+          <a:stretch>
+            <a:fillRect/>
+          </a:stretch>
+        </p:blipFill>
+        <p:spPr>
+          <a:xfrm>
+            <a:off x="495300" y="1729878"/>
+            <a:ext cx="8153400" cy="4975721"/>
+          </a:xfrm>
+          <a:prstGeom prst="rect">
+            <a:avLst/>
+          </a:prstGeom>
+        </p:spPr>
+      </p:pic>
     </p:spTree>
     <p:extLst>
       <p:ext uri="{BB962C8B-B14F-4D97-AF65-F5344CB8AC3E}">
-        <p14:creationId xmlns:p14="http://schemas.microsoft.com/office/powerpoint/2010/main" val="4081715577"/>
+        <p14:creationId xmlns:p14="http://schemas.microsoft.com/office/powerpoint/2010/main" val="4292732839"/>
       </p:ext>
     </p:extLst>
   </p:cSld>
@@ -7190,7 +8056,7 @@
           <a:graphicData uri="http://schemas.openxmlformats.org/presentationml/2006/ole">
             <mc:AlternateContent xmlns:mc="http://schemas.openxmlformats.org/markup-compatibility/2006">
               <mc:Choice xmlns:v="urn:schemas-microsoft-com:vml" Requires="v">
-                <p:oleObj spid="_x0000_s30758" r:id="rId5" imgW="0" imgH="0" progId="TCLayout.ActiveDocument.1">
+                <p:oleObj spid="_x0000_s15362" r:id="rId5" imgW="0" imgH="0" progId="TCLayout.ActiveDocument.1">
                   <p:embed/>
                 </p:oleObj>
               </mc:Choice>
@@ -7292,15 +8158,103 @@
                   <a:srgbClr val="000066"/>
                 </a:solidFill>
               </a:rPr>
-              <a:t>Findings</a:t>
-            </a:r>
-          </a:p>
-        </p:txBody>
-      </p:sp>
+              <a:t>Workflow</a:t>
+            </a:r>
+          </a:p>
+        </p:txBody>
+      </p:sp>
+      <p:sp>
+        <p:nvSpPr>
+          <p:cNvPr id="3" name="TextBox 2">
+            <a:extLst>
+              <a:ext uri="{FF2B5EF4-FFF2-40B4-BE49-F238E27FC236}">
+                <a16:creationId xmlns:a16="http://schemas.microsoft.com/office/drawing/2014/main" id="{0BBCD9D6-8729-415F-B524-1885A8D216AD}"/>
+              </a:ext>
+            </a:extLst>
+          </p:cNvPr>
+          <p:cNvSpPr txBox="1"/>
+          <p:nvPr/>
+        </p:nvSpPr>
+        <p:spPr>
+          <a:xfrm>
+            <a:off x="495300" y="960438"/>
+            <a:ext cx="8153400" cy="1046440"/>
+          </a:xfrm>
+          <a:prstGeom prst="rect">
+            <a:avLst/>
+          </a:prstGeom>
+          <a:noFill/>
+        </p:spPr>
+        <p:txBody>
+          <a:bodyPr wrap="square" rtlCol="0">
+            <a:spAutoFit/>
+          </a:bodyPr>
+          <a:lstStyle/>
+          <a:p>
+            <a:r>
+              <a:rPr lang="en-US" dirty="0"/>
+              <a:t>Fifth Step</a:t>
+            </a:r>
+          </a:p>
+          <a:p>
+            <a:endParaRPr lang="en-US" sz="800" dirty="0"/>
+          </a:p>
+          <a:p>
+            <a:pPr marL="742950" lvl="1" indent="-285750">
+              <a:buFont typeface="Arial" panose="020B0604020202020204" pitchFamily="34" charset="0"/>
+              <a:buChar char="•"/>
+            </a:pPr>
+            <a:r>
+              <a:rPr lang="en-US" dirty="0"/>
+              <a:t>Find out what happens after the low is hit</a:t>
+            </a:r>
+          </a:p>
+          <a:p>
+            <a:pPr marL="1200150" lvl="2" indent="-285750">
+              <a:buFont typeface="Arial" panose="020B0604020202020204" pitchFamily="34" charset="0"/>
+              <a:buChar char="•"/>
+            </a:pPr>
+            <a:r>
+              <a:rPr lang="en-US" dirty="0"/>
+              <a:t>Record next 26 weeks of data</a:t>
+            </a:r>
+          </a:p>
+        </p:txBody>
+      </p:sp>
+      <p:pic>
+        <p:nvPicPr>
+          <p:cNvPr id="2" name="Picture 1">
+            <a:extLst>
+              <a:ext uri="{FF2B5EF4-FFF2-40B4-BE49-F238E27FC236}">
+                <a16:creationId xmlns:a16="http://schemas.microsoft.com/office/drawing/2014/main" id="{833A50E2-178D-4567-869C-312E4F748BD1}"/>
+              </a:ext>
+            </a:extLst>
+          </p:cNvPr>
+          <p:cNvPicPr>
+            <a:picLocks noChangeAspect="1"/>
+          </p:cNvPicPr>
+          <p:nvPr/>
+        </p:nvPicPr>
+        <p:blipFill>
+          <a:blip r:embed="rId6"/>
+          <a:stretch>
+            <a:fillRect/>
+          </a:stretch>
+        </p:blipFill>
+        <p:spPr>
+          <a:xfrm>
+            <a:off x="1790700" y="2133600"/>
+            <a:ext cx="5334000" cy="4286250"/>
+          </a:xfrm>
+          <a:prstGeom prst="rect">
+            <a:avLst/>
+          </a:prstGeom>
+        </p:spPr>
+      </p:pic>
     </p:spTree>
     <p:extLst>
       <p:ext uri="{BB962C8B-B14F-4D97-AF65-F5344CB8AC3E}">
-        <p14:creationId xmlns:p14="http://schemas.microsoft.com/office/powerpoint/2010/main" val="3075463552"/>
+        <p14:creationId xmlns:p14="http://schemas.microsoft.com/office/powerpoint/2010/main" val="3073662077"/>
       </p:ext>
     </p:extLst>
   </p:cSld>
@@ -7347,7 +8301,7 @@
           <a:graphicData uri="http://schemas.openxmlformats.org/presentationml/2006/ole">
             <mc:AlternateContent xmlns:mc="http://schemas.openxmlformats.org/markup-compatibility/2006">
               <mc:Choice xmlns:v="urn:schemas-microsoft-com:vml" Requires="v">
-                <p:oleObj spid="_x0000_s36873" r:id="rId5" imgW="0" imgH="0" progId="TCLayout.ActiveDocument.1">
+                <p:oleObj spid="_x0000_s16386" r:id="rId5" imgW="0" imgH="0" progId="TCLayout.ActiveDocument.1">
                   <p:embed/>
                 </p:oleObj>
               </mc:Choice>
@@ -7449,15 +8403,162 @@
                   <a:srgbClr val="000066"/>
                 </a:solidFill>
               </a:rPr>
-              <a:t>Findings</a:t>
-            </a:r>
+              <a:t>Workflow</a:t>
+            </a:r>
+          </a:p>
+        </p:txBody>
+      </p:sp>
+      <p:sp>
+        <p:nvSpPr>
+          <p:cNvPr id="3" name="TextBox 2">
+            <a:extLst>
+              <a:ext uri="{FF2B5EF4-FFF2-40B4-BE49-F238E27FC236}">
+                <a16:creationId xmlns:a16="http://schemas.microsoft.com/office/drawing/2014/main" id="{0BBCD9D6-8729-415F-B524-1885A8D216AD}"/>
+              </a:ext>
+            </a:extLst>
+          </p:cNvPr>
+          <p:cNvSpPr txBox="1"/>
+          <p:nvPr/>
+        </p:nvSpPr>
+        <p:spPr>
+          <a:xfrm>
+            <a:off x="495300" y="960438"/>
+            <a:ext cx="8153400" cy="1323439"/>
+          </a:xfrm>
+          <a:prstGeom prst="rect">
+            <a:avLst/>
+          </a:prstGeom>
+          <a:noFill/>
+        </p:spPr>
+        <p:txBody>
+          <a:bodyPr wrap="square" rtlCol="0">
+            <a:spAutoFit/>
+          </a:bodyPr>
+          <a:lstStyle/>
+          <a:p>
+            <a:r>
+              <a:rPr lang="en-US" dirty="0"/>
+              <a:t>Sixth Step</a:t>
+            </a:r>
+          </a:p>
+          <a:p>
+            <a:endParaRPr lang="en-US" sz="800" dirty="0"/>
+          </a:p>
+          <a:p>
+            <a:pPr marL="742950" lvl="1" indent="-285750">
+              <a:buFont typeface="Arial" panose="020B0604020202020204" pitchFamily="34" charset="0"/>
+              <a:buChar char="•"/>
+            </a:pPr>
+            <a:r>
+              <a:rPr lang="en-US" dirty="0"/>
+              <a:t>Find out when we hit the rebound</a:t>
+            </a:r>
+          </a:p>
+          <a:p>
+            <a:pPr marL="1200150" lvl="2" indent="-285750">
+              <a:buFont typeface="Arial" panose="020B0604020202020204" pitchFamily="34" charset="0"/>
+              <a:buChar char="•"/>
+            </a:pPr>
+            <a:r>
+              <a:rPr lang="en-US" dirty="0"/>
+              <a:t>Rebound point is a 15% increase to the low price</a:t>
+            </a:r>
+          </a:p>
+          <a:p>
+            <a:pPr marL="1200150" lvl="2" indent="-285750">
+              <a:buFont typeface="Arial" panose="020B0604020202020204" pitchFamily="34" charset="0"/>
+              <a:buChar char="•"/>
+            </a:pPr>
+            <a:endParaRPr lang="en-US" dirty="0"/>
+          </a:p>
+        </p:txBody>
+      </p:sp>
+      <p:pic>
+        <p:nvPicPr>
+          <p:cNvPr id="2" name="Picture 1">
+            <a:extLst>
+              <a:ext uri="{FF2B5EF4-FFF2-40B4-BE49-F238E27FC236}">
+                <a16:creationId xmlns:a16="http://schemas.microsoft.com/office/drawing/2014/main" id="{833A50E2-178D-4567-869C-312E4F748BD1}"/>
+              </a:ext>
+            </a:extLst>
+          </p:cNvPr>
+          <p:cNvPicPr>
+            <a:picLocks noChangeAspect="1"/>
+          </p:cNvPicPr>
+          <p:nvPr/>
+        </p:nvPicPr>
+        <p:blipFill>
+          <a:blip r:embed="rId6"/>
+          <a:stretch>
+            <a:fillRect/>
+          </a:stretch>
+        </p:blipFill>
+        <p:spPr>
+          <a:xfrm>
+            <a:off x="1790700" y="2419350"/>
+            <a:ext cx="5334000" cy="4286250"/>
+          </a:xfrm>
+          <a:prstGeom prst="rect">
+            <a:avLst/>
+          </a:prstGeom>
+        </p:spPr>
+      </p:pic>
+      <p:sp>
+        <p:nvSpPr>
+          <p:cNvPr id="4" name="Oval 3">
+            <a:extLst>
+              <a:ext uri="{FF2B5EF4-FFF2-40B4-BE49-F238E27FC236}">
+                <a16:creationId xmlns:a16="http://schemas.microsoft.com/office/drawing/2014/main" id="{7223C791-FAB9-40DE-960C-238B4FF11214}"/>
+              </a:ext>
+            </a:extLst>
+          </p:cNvPr>
+          <p:cNvSpPr/>
+          <p:nvPr/>
+        </p:nvSpPr>
+        <p:spPr>
+          <a:xfrm>
+            <a:off x="2019300" y="3733799"/>
+            <a:ext cx="3543300" cy="270029"/>
+          </a:xfrm>
+          <a:prstGeom prst="ellipse">
+            <a:avLst/>
+          </a:prstGeom>
+          <a:noFill/>
+          <a:ln>
+            <a:solidFill>
+              <a:srgbClr val="FF0000"/>
+            </a:solidFill>
+          </a:ln>
+        </p:spPr>
+        <p:style>
+          <a:lnRef idx="2">
+            <a:schemeClr val="accent1">
+              <a:shade val="50000"/>
+            </a:schemeClr>
+          </a:lnRef>
+          <a:fillRef idx="1">
+            <a:schemeClr val="accent1"/>
+          </a:fillRef>
+          <a:effectRef idx="0">
+            <a:schemeClr val="accent1"/>
+          </a:effectRef>
+          <a:fontRef idx="minor">
+            <a:schemeClr val="lt1"/>
+          </a:fontRef>
+        </p:style>
+        <p:txBody>
+          <a:bodyPr rtlCol="0" anchor="ctr"/>
+          <a:lstStyle/>
+          <a:p>
+            <a:pPr algn="ctr"/>
+            <a:endParaRPr lang="en-US"/>
           </a:p>
         </p:txBody>
       </p:sp>
     </p:spTree>
     <p:extLst>
       <p:ext uri="{BB962C8B-B14F-4D97-AF65-F5344CB8AC3E}">
-        <p14:creationId xmlns:p14="http://schemas.microsoft.com/office/powerpoint/2010/main" val="2486427540"/>
+        <p14:creationId xmlns:p14="http://schemas.microsoft.com/office/powerpoint/2010/main" val="285585847"/>
       </p:ext>
     </p:extLst>
   </p:cSld>
@@ -7504,7 +8605,7 @@
           <a:graphicData uri="http://schemas.openxmlformats.org/presentationml/2006/ole">
             <mc:AlternateContent xmlns:mc="http://schemas.openxmlformats.org/markup-compatibility/2006">
               <mc:Choice xmlns:v="urn:schemas-microsoft-com:vml" Requires="v">
-                <p:oleObj spid="_x0000_s34832" r:id="rId5" imgW="0" imgH="0" progId="TCLayout.ActiveDocument.1">
+                <p:oleObj spid="_x0000_s17410" r:id="rId5" imgW="0" imgH="0" progId="TCLayout.ActiveDocument.1">
                   <p:embed/>
                 </p:oleObj>
               </mc:Choice>
@@ -7606,15 +8707,418 @@
                   <a:srgbClr val="000066"/>
                 </a:solidFill>
               </a:rPr>
-              <a:t>Next Steps</a:t>
-            </a:r>
-          </a:p>
-        </p:txBody>
-      </p:sp>
+              <a:t>Workflow</a:t>
+            </a:r>
+          </a:p>
+        </p:txBody>
+      </p:sp>
+      <p:sp>
+        <p:nvSpPr>
+          <p:cNvPr id="3" name="TextBox 2">
+            <a:extLst>
+              <a:ext uri="{FF2B5EF4-FFF2-40B4-BE49-F238E27FC236}">
+                <a16:creationId xmlns:a16="http://schemas.microsoft.com/office/drawing/2014/main" id="{0BBCD9D6-8729-415F-B524-1885A8D216AD}"/>
+              </a:ext>
+            </a:extLst>
+          </p:cNvPr>
+          <p:cNvSpPr txBox="1"/>
+          <p:nvPr/>
+        </p:nvSpPr>
+        <p:spPr>
+          <a:xfrm>
+            <a:off x="495300" y="960438"/>
+            <a:ext cx="8153400" cy="1323439"/>
+          </a:xfrm>
+          <a:prstGeom prst="rect">
+            <a:avLst/>
+          </a:prstGeom>
+          <a:noFill/>
+        </p:spPr>
+        <p:txBody>
+          <a:bodyPr wrap="square" rtlCol="0">
+            <a:spAutoFit/>
+          </a:bodyPr>
+          <a:lstStyle/>
+          <a:p>
+            <a:r>
+              <a:rPr lang="en-US" dirty="0"/>
+              <a:t>Seventh Step</a:t>
+            </a:r>
+          </a:p>
+          <a:p>
+            <a:endParaRPr lang="en-US" sz="800" dirty="0"/>
+          </a:p>
+          <a:p>
+            <a:pPr marL="742950" lvl="1" indent="-285750">
+              <a:buFont typeface="Arial" panose="020B0604020202020204" pitchFamily="34" charset="0"/>
+              <a:buChar char="•"/>
+            </a:pPr>
+            <a:r>
+              <a:rPr lang="en-US" dirty="0"/>
+              <a:t>What happens next?</a:t>
+            </a:r>
+          </a:p>
+          <a:p>
+            <a:pPr marL="1200150" lvl="2" indent="-285750">
+              <a:buFont typeface="Arial" panose="020B0604020202020204" pitchFamily="34" charset="0"/>
+              <a:buChar char="•"/>
+            </a:pPr>
+            <a:r>
+              <a:rPr lang="en-US" dirty="0"/>
+              <a:t>Record the next 26 weeks of data</a:t>
+            </a:r>
+          </a:p>
+          <a:p>
+            <a:pPr marL="1200150" lvl="2" indent="-285750">
+              <a:buFont typeface="Arial" panose="020B0604020202020204" pitchFamily="34" charset="0"/>
+              <a:buChar char="•"/>
+            </a:pPr>
+            <a:endParaRPr lang="en-US" dirty="0"/>
+          </a:p>
+        </p:txBody>
+      </p:sp>
+      <p:pic>
+        <p:nvPicPr>
+          <p:cNvPr id="5" name="Picture 4">
+            <a:extLst>
+              <a:ext uri="{FF2B5EF4-FFF2-40B4-BE49-F238E27FC236}">
+                <a16:creationId xmlns:a16="http://schemas.microsoft.com/office/drawing/2014/main" id="{F99B3DC4-E98C-41C8-ABB1-D05095A80214}"/>
+              </a:ext>
+            </a:extLst>
+          </p:cNvPr>
+          <p:cNvPicPr>
+            <a:picLocks noChangeAspect="1"/>
+          </p:cNvPicPr>
+          <p:nvPr/>
+        </p:nvPicPr>
+        <p:blipFill>
+          <a:blip r:embed="rId6"/>
+          <a:stretch>
+            <a:fillRect/>
+          </a:stretch>
+        </p:blipFill>
+        <p:spPr>
+          <a:xfrm>
+            <a:off x="1104900" y="2269821"/>
+            <a:ext cx="6934200" cy="3952875"/>
+          </a:xfrm>
+          <a:prstGeom prst="rect">
+            <a:avLst/>
+          </a:prstGeom>
+        </p:spPr>
+      </p:pic>
     </p:spTree>
     <p:extLst>
       <p:ext uri="{BB962C8B-B14F-4D97-AF65-F5344CB8AC3E}">
-        <p14:creationId xmlns:p14="http://schemas.microsoft.com/office/powerpoint/2010/main" val="1830593239"/>
+        <p14:creationId xmlns:p14="http://schemas.microsoft.com/office/powerpoint/2010/main" val="2888471282"/>
+      </p:ext>
+    </p:extLst>
+  </p:cSld>
+  <p:clrMapOvr>
+    <a:masterClrMapping/>
+  </p:clrMapOvr>
+</p:sld>
+</file>
+
+<file path=ppt/slides/slide19.xml><?xml version="1.0" encoding="utf-8"?>
+<p:sld xmlns:a="http://schemas.openxmlformats.org/drawingml/2006/main" xmlns:r="http://schemas.openxmlformats.org/officeDocument/2006/relationships" xmlns:p="http://schemas.openxmlformats.org/presentationml/2006/main">
+  <p:cSld>
+    <p:spTree>
+      <p:nvGrpSpPr>
+        <p:cNvPr id="1" name=""/>
+        <p:cNvGrpSpPr/>
+        <p:nvPr/>
+      </p:nvGrpSpPr>
+      <p:grpSpPr>
+        <a:xfrm>
+          <a:off x="0" y="0"/>
+          <a:ext cx="0" cy="0"/>
+          <a:chOff x="0" y="0"/>
+          <a:chExt cx="0" cy="0"/>
+        </a:xfrm>
+      </p:grpSpPr>
+      <p:graphicFrame>
+        <p:nvGraphicFramePr>
+          <p:cNvPr id="235522" name="Rectangle 2" hidden="1"/>
+          <p:cNvGraphicFramePr>
+            <a:graphicFrameLocks/>
+          </p:cNvGraphicFramePr>
+          <p:nvPr>
+            <p:custDataLst>
+              <p:tags r:id="rId2"/>
+            </p:custDataLst>
+          </p:nvPr>
+        </p:nvGraphicFramePr>
+        <p:xfrm>
+          <a:off x="0" y="-305118"/>
+          <a:ext cx="158519" cy="158518"/>
+        </p:xfrm>
+        <a:graphic>
+          <a:graphicData uri="http://schemas.openxmlformats.org/presentationml/2006/ole">
+            <mc:AlternateContent xmlns:mc="http://schemas.openxmlformats.org/markup-compatibility/2006">
+              <mc:Choice xmlns:v="urn:schemas-microsoft-com:vml" Requires="v">
+                <p:oleObj spid="_x0000_s18434" r:id="rId5" imgW="0" imgH="0" progId="TCLayout.ActiveDocument.1">
+                  <p:embed/>
+                </p:oleObj>
+              </mc:Choice>
+              <mc:Fallback>
+                <p:oleObj r:id="rId5" imgW="0" imgH="0" progId="TCLayout.ActiveDocument.1">
+                  <p:embed/>
+                  <p:pic>
+                    <p:nvPicPr>
+                      <p:cNvPr id="235522" name="Rectangle 2" hidden="1"/>
+                      <p:cNvPicPr preferRelativeResize="0">
+                        <a:picLocks noChangeArrowheads="1"/>
+                      </p:cNvPicPr>
+                      <p:nvPr/>
+                    </p:nvPicPr>
+                    <p:blipFill>
+                      <a:blip>
+                        <a:extLst>
+                          <a:ext uri="{28A0092B-C50C-407E-A947-70E740481C1C}">
+                            <a14:useLocalDpi xmlns:a14="http://schemas.microsoft.com/office/drawing/2010/main" val="0"/>
+                          </a:ext>
+                        </a:extLst>
+                      </a:blip>
+                      <a:srcRect/>
+                      <a:stretch>
+                        <a:fillRect/>
+                      </a:stretch>
+                    </p:blipFill>
+                    <p:spPr bwMode="auto">
+                      <a:xfrm>
+                        <a:off x="0" y="-305118"/>
+                        <a:ext cx="158519" cy="158518"/>
+                      </a:xfrm>
+                      <a:prstGeom prst="rect">
+                        <a:avLst/>
+                      </a:prstGeom>
+                      <a:noFill/>
+                      <a:ln>
+                        <a:noFill/>
+                      </a:ln>
+                      <a:extLst>
+                        <a:ext uri="{909E8E84-426E-40DD-AFC4-6F175D3DCCD1}">
+                          <a14:hiddenFill xmlns:a14="http://schemas.microsoft.com/office/drawing/2010/main">
+                            <a:solidFill>
+                              <a:srgbClr val="FFFFFF"/>
+                            </a:solidFill>
+                          </a14:hiddenFill>
+                        </a:ext>
+                        <a:ext uri="{91240B29-F687-4F45-9708-019B960494DF}">
+                          <a14:hiddenLine xmlns:a14="http://schemas.microsoft.com/office/drawing/2010/main" w="9525">
+                            <a:solidFill>
+                              <a:srgbClr val="000000"/>
+                            </a:solidFill>
+                            <a:miter lim="800000"/>
+                            <a:headEnd/>
+                            <a:tailEnd/>
+                          </a14:hiddenLine>
+                        </a:ext>
+                      </a:extLst>
+                    </p:spPr>
+                  </p:pic>
+                </p:oleObj>
+              </mc:Fallback>
+            </mc:AlternateContent>
+          </a:graphicData>
+        </a:graphic>
+      </p:graphicFrame>
+      <p:sp>
+        <p:nvSpPr>
+          <p:cNvPr id="8" name="Title 40">
+            <a:extLst>
+              <a:ext uri="{FF2B5EF4-FFF2-40B4-BE49-F238E27FC236}">
+                <a16:creationId xmlns:a16="http://schemas.microsoft.com/office/drawing/2014/main" id="{6D65D641-D69D-4168-BB7D-AD3F200877E3}"/>
+              </a:ext>
+            </a:extLst>
+          </p:cNvPr>
+          <p:cNvSpPr>
+            <a:spLocks noGrp="1"/>
+          </p:cNvSpPr>
+          <p:nvPr>
+            <p:ph type="title"/>
+          </p:nvPr>
+        </p:nvSpPr>
+        <p:spPr>
+          <a:xfrm>
+            <a:off x="381000" y="152400"/>
+            <a:ext cx="8153400" cy="808038"/>
+          </a:xfrm>
+        </p:spPr>
+        <p:txBody>
+          <a:bodyPr>
+            <a:normAutofit/>
+          </a:bodyPr>
+          <a:lstStyle/>
+          <a:p>
+            <a:pPr algn="l"/>
+            <a:r>
+              <a:rPr lang="en-US" sz="2400" b="1" dirty="0">
+                <a:solidFill>
+                  <a:srgbClr val="000066"/>
+                </a:solidFill>
+              </a:rPr>
+              <a:t>Workflow</a:t>
+            </a:r>
+          </a:p>
+        </p:txBody>
+      </p:sp>
+      <p:sp>
+        <p:nvSpPr>
+          <p:cNvPr id="3" name="TextBox 2">
+            <a:extLst>
+              <a:ext uri="{FF2B5EF4-FFF2-40B4-BE49-F238E27FC236}">
+                <a16:creationId xmlns:a16="http://schemas.microsoft.com/office/drawing/2014/main" id="{0BBCD9D6-8729-415F-B524-1885A8D216AD}"/>
+              </a:ext>
+            </a:extLst>
+          </p:cNvPr>
+          <p:cNvSpPr txBox="1"/>
+          <p:nvPr/>
+        </p:nvSpPr>
+        <p:spPr>
+          <a:xfrm>
+            <a:off x="495300" y="960438"/>
+            <a:ext cx="8153400" cy="1600438"/>
+          </a:xfrm>
+          <a:prstGeom prst="rect">
+            <a:avLst/>
+          </a:prstGeom>
+          <a:noFill/>
+        </p:spPr>
+        <p:txBody>
+          <a:bodyPr wrap="square" rtlCol="0">
+            <a:spAutoFit/>
+          </a:bodyPr>
+          <a:lstStyle/>
+          <a:p>
+            <a:r>
+              <a:rPr lang="en-US" dirty="0"/>
+              <a:t>Final Step</a:t>
+            </a:r>
+          </a:p>
+          <a:p>
+            <a:endParaRPr lang="en-US" sz="800" dirty="0"/>
+          </a:p>
+          <a:p>
+            <a:pPr marL="742950" lvl="1" indent="-285750">
+              <a:buFont typeface="Arial" panose="020B0604020202020204" pitchFamily="34" charset="0"/>
+              <a:buChar char="•"/>
+            </a:pPr>
+            <a:r>
+              <a:rPr lang="en-US" dirty="0"/>
+              <a:t>Machine Learning to predict ROI</a:t>
+            </a:r>
+          </a:p>
+          <a:p>
+            <a:pPr marL="1200150" lvl="2" indent="-285750">
+              <a:buFont typeface="Arial" panose="020B0604020202020204" pitchFamily="34" charset="0"/>
+              <a:buChar char="•"/>
+            </a:pPr>
+            <a:r>
+              <a:rPr lang="en-US" dirty="0"/>
+              <a:t>6 features</a:t>
+            </a:r>
+          </a:p>
+          <a:p>
+            <a:pPr marL="1200150" lvl="2" indent="-285750">
+              <a:buFont typeface="Arial" panose="020B0604020202020204" pitchFamily="34" charset="0"/>
+              <a:buChar char="•"/>
+            </a:pPr>
+            <a:r>
+              <a:rPr lang="en-US" dirty="0"/>
+              <a:t>5 Hidden Layers</a:t>
+            </a:r>
+          </a:p>
+          <a:p>
+            <a:pPr marL="1200150" lvl="2" indent="-285750">
+              <a:buFont typeface="Arial" panose="020B0604020202020204" pitchFamily="34" charset="0"/>
+              <a:buChar char="•"/>
+            </a:pPr>
+            <a:r>
+              <a:rPr lang="en-US" dirty="0"/>
+              <a:t>1000 iterations for……</a:t>
+            </a:r>
+          </a:p>
+        </p:txBody>
+      </p:sp>
+      <p:pic>
+        <p:nvPicPr>
+          <p:cNvPr id="2" name="Picture 1">
+            <a:extLst>
+              <a:ext uri="{FF2B5EF4-FFF2-40B4-BE49-F238E27FC236}">
+                <a16:creationId xmlns:a16="http://schemas.microsoft.com/office/drawing/2014/main" id="{6D6B3A07-5B38-4412-8E62-22985BE45DCA}"/>
+              </a:ext>
+            </a:extLst>
+          </p:cNvPr>
+          <p:cNvPicPr>
+            <a:picLocks noChangeAspect="1"/>
+          </p:cNvPicPr>
+          <p:nvPr/>
+        </p:nvPicPr>
+        <p:blipFill>
+          <a:blip r:embed="rId6"/>
+          <a:stretch>
+            <a:fillRect/>
+          </a:stretch>
+        </p:blipFill>
+        <p:spPr>
+          <a:xfrm>
+            <a:off x="495300" y="2895600"/>
+            <a:ext cx="7581900" cy="2206373"/>
+          </a:xfrm>
+          <a:prstGeom prst="rect">
+            <a:avLst/>
+          </a:prstGeom>
+        </p:spPr>
+      </p:pic>
+      <p:sp>
+        <p:nvSpPr>
+          <p:cNvPr id="4" name="TextBox 3">
+            <a:extLst>
+              <a:ext uri="{FF2B5EF4-FFF2-40B4-BE49-F238E27FC236}">
+                <a16:creationId xmlns:a16="http://schemas.microsoft.com/office/drawing/2014/main" id="{C5C403EE-515C-4FF5-9778-90E68BE109B9}"/>
+              </a:ext>
+            </a:extLst>
+          </p:cNvPr>
+          <p:cNvSpPr txBox="1"/>
+          <p:nvPr/>
+        </p:nvSpPr>
+        <p:spPr>
+          <a:xfrm>
+            <a:off x="2286000" y="5334000"/>
+            <a:ext cx="3886200" cy="923330"/>
+          </a:xfrm>
+          <a:prstGeom prst="rect">
+            <a:avLst/>
+          </a:prstGeom>
+          <a:noFill/>
+        </p:spPr>
+        <p:txBody>
+          <a:bodyPr wrap="square" rtlCol="0">
+            <a:spAutoFit/>
+          </a:bodyPr>
+          <a:lstStyle/>
+          <a:p>
+            <a:r>
+              <a:rPr lang="en-US" sz="5400" dirty="0"/>
+              <a:t>R</a:t>
+            </a:r>
+            <a:r>
+              <a:rPr lang="en-US" sz="5400" baseline="30000" dirty="0"/>
+              <a:t>2</a:t>
+            </a:r>
+            <a:r>
+              <a:rPr lang="en-US" sz="5400" dirty="0"/>
+              <a:t> =32%.....</a:t>
+            </a:r>
+          </a:p>
+        </p:txBody>
+      </p:sp>
+    </p:spTree>
+    <p:extLst>
+      <p:ext uri="{BB962C8B-B14F-4D97-AF65-F5344CB8AC3E}">
+        <p14:creationId xmlns:p14="http://schemas.microsoft.com/office/powerpoint/2010/main" val="1427881286"/>
       </p:ext>
     </p:extLst>
   </p:cSld>
@@ -7661,7 +9165,7 @@
           <a:graphicData uri="http://schemas.openxmlformats.org/presentationml/2006/ole">
             <mc:AlternateContent xmlns:mc="http://schemas.openxmlformats.org/markup-compatibility/2006">
               <mc:Choice xmlns:v="urn:schemas-microsoft-com:vml" Requires="v">
-                <p:oleObj spid="_x0000_s37893" r:id="rId5" imgW="0" imgH="0" progId="TCLayout.ActiveDocument.1">
+                <p:oleObj spid="_x0000_s2050" r:id="rId5" imgW="0" imgH="0" progId="TCLayout.ActiveDocument.1">
                   <p:embed/>
                 </p:oleObj>
               </mc:Choice>
@@ -8093,7 +9597,7 @@
 </p:sld>
 </file>
 
-<file path=ppt/slides/slide3.xml><?xml version="1.0" encoding="utf-8"?>
+<file path=ppt/slides/slide20.xml><?xml version="1.0" encoding="utf-8"?>
 <p:sld xmlns:a="http://schemas.openxmlformats.org/drawingml/2006/main" xmlns:r="http://schemas.openxmlformats.org/officeDocument/2006/relationships" xmlns:p="http://schemas.openxmlformats.org/presentationml/2006/main">
   <p:cSld>
     <p:spTree>
@@ -8130,7 +9634,7 @@
           <a:graphicData uri="http://schemas.openxmlformats.org/presentationml/2006/ole">
             <mc:AlternateContent xmlns:mc="http://schemas.openxmlformats.org/markup-compatibility/2006">
               <mc:Choice xmlns:v="urn:schemas-microsoft-com:vml" Requires="v">
-                <p:oleObj spid="_x0000_s21583" r:id="rId5" imgW="0" imgH="0" progId="TCLayout.ActiveDocument.1">
+                <p:oleObj spid="_x0000_s19458" r:id="rId5" imgW="0" imgH="0" progId="TCLayout.ActiveDocument.1">
                   <p:embed/>
                 </p:oleObj>
               </mc:Choice>
@@ -8199,6 +9703,1327 @@
       </p:graphicFrame>
       <p:sp>
         <p:nvSpPr>
+          <p:cNvPr id="8" name="Title 40">
+            <a:extLst>
+              <a:ext uri="{FF2B5EF4-FFF2-40B4-BE49-F238E27FC236}">
+                <a16:creationId xmlns:a16="http://schemas.microsoft.com/office/drawing/2014/main" id="{6D65D641-D69D-4168-BB7D-AD3F200877E3}"/>
+              </a:ext>
+            </a:extLst>
+          </p:cNvPr>
+          <p:cNvSpPr>
+            <a:spLocks noGrp="1"/>
+          </p:cNvSpPr>
+          <p:nvPr>
+            <p:ph type="title"/>
+          </p:nvPr>
+        </p:nvSpPr>
+        <p:spPr>
+          <a:xfrm>
+            <a:off x="381000" y="152400"/>
+            <a:ext cx="8153400" cy="808038"/>
+          </a:xfrm>
+        </p:spPr>
+        <p:txBody>
+          <a:bodyPr>
+            <a:normAutofit/>
+          </a:bodyPr>
+          <a:lstStyle/>
+          <a:p>
+            <a:pPr algn="l"/>
+            <a:r>
+              <a:rPr lang="en-US" sz="2400" b="1" dirty="0">
+                <a:solidFill>
+                  <a:srgbClr val="000066"/>
+                </a:solidFill>
+              </a:rPr>
+              <a:t>Analysis</a:t>
+            </a:r>
+          </a:p>
+        </p:txBody>
+      </p:sp>
+      <p:pic>
+        <p:nvPicPr>
+          <p:cNvPr id="3" name="Picture 2">
+            <a:extLst>
+              <a:ext uri="{FF2B5EF4-FFF2-40B4-BE49-F238E27FC236}">
+                <a16:creationId xmlns:a16="http://schemas.microsoft.com/office/drawing/2014/main" id="{B510CD78-C58F-4733-B0DD-F0874059F617}"/>
+              </a:ext>
+            </a:extLst>
+          </p:cNvPr>
+          <p:cNvPicPr>
+            <a:picLocks noChangeAspect="1"/>
+          </p:cNvPicPr>
+          <p:nvPr/>
+        </p:nvPicPr>
+        <p:blipFill>
+          <a:blip r:embed="rId6">
+            <a:extLst>
+              <a:ext uri="{28A0092B-C50C-407E-A947-70E740481C1C}">
+                <a14:useLocalDpi xmlns:a14="http://schemas.microsoft.com/office/drawing/2010/main" val="0"/>
+              </a:ext>
+            </a:extLst>
+          </a:blip>
+          <a:stretch>
+            <a:fillRect/>
+          </a:stretch>
+        </p:blipFill>
+        <p:spPr>
+          <a:xfrm>
+            <a:off x="266700" y="1600200"/>
+            <a:ext cx="8610600" cy="4953000"/>
+          </a:xfrm>
+          <a:prstGeom prst="rect">
+            <a:avLst/>
+          </a:prstGeom>
+        </p:spPr>
+      </p:pic>
+      <p:sp>
+        <p:nvSpPr>
+          <p:cNvPr id="4" name="TextBox 3">
+            <a:extLst>
+              <a:ext uri="{FF2B5EF4-FFF2-40B4-BE49-F238E27FC236}">
+                <a16:creationId xmlns:a16="http://schemas.microsoft.com/office/drawing/2014/main" id="{E35C50F2-4743-41B2-9AB5-CE9F40985982}"/>
+              </a:ext>
+            </a:extLst>
+          </p:cNvPr>
+          <p:cNvSpPr txBox="1"/>
+          <p:nvPr/>
+        </p:nvSpPr>
+        <p:spPr>
+          <a:xfrm>
+            <a:off x="266700" y="960438"/>
+            <a:ext cx="8099205" cy="369332"/>
+          </a:xfrm>
+          <a:prstGeom prst="rect">
+            <a:avLst/>
+          </a:prstGeom>
+          <a:noFill/>
+        </p:spPr>
+        <p:txBody>
+          <a:bodyPr wrap="none" rtlCol="0">
+            <a:spAutoFit/>
+          </a:bodyPr>
+          <a:lstStyle/>
+          <a:p>
+            <a:pPr marL="285750" indent="-285750">
+              <a:buFont typeface="Arial" panose="020B0604020202020204" pitchFamily="34" charset="0"/>
+              <a:buChar char="•"/>
+            </a:pPr>
+            <a:r>
+              <a:rPr lang="en-US" dirty="0"/>
+              <a:t>Companies with a faster rebound time have a higher ROI at the end of six months</a:t>
+            </a:r>
+          </a:p>
+        </p:txBody>
+      </p:sp>
+    </p:spTree>
+    <p:extLst>
+      <p:ext uri="{BB962C8B-B14F-4D97-AF65-F5344CB8AC3E}">
+        <p14:creationId xmlns:p14="http://schemas.microsoft.com/office/powerpoint/2010/main" val="1283919287"/>
+      </p:ext>
+    </p:extLst>
+  </p:cSld>
+  <p:clrMapOvr>
+    <a:masterClrMapping/>
+  </p:clrMapOvr>
+</p:sld>
+</file>
+
+<file path=ppt/slides/slide21.xml><?xml version="1.0" encoding="utf-8"?>
+<p:sld xmlns:a="http://schemas.openxmlformats.org/drawingml/2006/main" xmlns:r="http://schemas.openxmlformats.org/officeDocument/2006/relationships" xmlns:p="http://schemas.openxmlformats.org/presentationml/2006/main">
+  <p:cSld>
+    <p:spTree>
+      <p:nvGrpSpPr>
+        <p:cNvPr id="1" name=""/>
+        <p:cNvGrpSpPr/>
+        <p:nvPr/>
+      </p:nvGrpSpPr>
+      <p:grpSpPr>
+        <a:xfrm>
+          <a:off x="0" y="0"/>
+          <a:ext cx="0" cy="0"/>
+          <a:chOff x="0" y="0"/>
+          <a:chExt cx="0" cy="0"/>
+        </a:xfrm>
+      </p:grpSpPr>
+      <p:graphicFrame>
+        <p:nvGraphicFramePr>
+          <p:cNvPr id="235522" name="Rectangle 2" hidden="1"/>
+          <p:cNvGraphicFramePr>
+            <a:graphicFrameLocks/>
+          </p:cNvGraphicFramePr>
+          <p:nvPr>
+            <p:custDataLst>
+              <p:tags r:id="rId2"/>
+            </p:custDataLst>
+          </p:nvPr>
+        </p:nvGraphicFramePr>
+        <p:xfrm>
+          <a:off x="0" y="-305118"/>
+          <a:ext cx="158519" cy="158518"/>
+        </p:xfrm>
+        <a:graphic>
+          <a:graphicData uri="http://schemas.openxmlformats.org/presentationml/2006/ole">
+            <mc:AlternateContent xmlns:mc="http://schemas.openxmlformats.org/markup-compatibility/2006">
+              <mc:Choice xmlns:v="urn:schemas-microsoft-com:vml" Requires="v">
+                <p:oleObj spid="_x0000_s20482" r:id="rId5" imgW="0" imgH="0" progId="TCLayout.ActiveDocument.1">
+                  <p:embed/>
+                </p:oleObj>
+              </mc:Choice>
+              <mc:Fallback>
+                <p:oleObj r:id="rId5" imgW="0" imgH="0" progId="TCLayout.ActiveDocument.1">
+                  <p:embed/>
+                  <p:pic>
+                    <p:nvPicPr>
+                      <p:cNvPr id="235522" name="Rectangle 2" hidden="1"/>
+                      <p:cNvPicPr preferRelativeResize="0">
+                        <a:picLocks noChangeArrowheads="1"/>
+                      </p:cNvPicPr>
+                      <p:nvPr/>
+                    </p:nvPicPr>
+                    <p:blipFill>
+                      <a:blip>
+                        <a:extLst>
+                          <a:ext uri="{28A0092B-C50C-407E-A947-70E740481C1C}">
+                            <a14:useLocalDpi xmlns:a14="http://schemas.microsoft.com/office/drawing/2010/main" val="0"/>
+                          </a:ext>
+                        </a:extLst>
+                      </a:blip>
+                      <a:srcRect/>
+                      <a:stretch>
+                        <a:fillRect/>
+                      </a:stretch>
+                    </p:blipFill>
+                    <p:spPr bwMode="auto">
+                      <a:xfrm>
+                        <a:off x="0" y="-305118"/>
+                        <a:ext cx="158519" cy="158518"/>
+                      </a:xfrm>
+                      <a:prstGeom prst="rect">
+                        <a:avLst/>
+                      </a:prstGeom>
+                      <a:noFill/>
+                      <a:ln>
+                        <a:noFill/>
+                      </a:ln>
+                      <a:extLst>
+                        <a:ext uri="{909E8E84-426E-40DD-AFC4-6F175D3DCCD1}">
+                          <a14:hiddenFill xmlns:a14="http://schemas.microsoft.com/office/drawing/2010/main">
+                            <a:solidFill>
+                              <a:srgbClr val="FFFFFF"/>
+                            </a:solidFill>
+                          </a14:hiddenFill>
+                        </a:ext>
+                        <a:ext uri="{91240B29-F687-4F45-9708-019B960494DF}">
+                          <a14:hiddenLine xmlns:a14="http://schemas.microsoft.com/office/drawing/2010/main" w="9525">
+                            <a:solidFill>
+                              <a:srgbClr val="000000"/>
+                            </a:solidFill>
+                            <a:miter lim="800000"/>
+                            <a:headEnd/>
+                            <a:tailEnd/>
+                          </a14:hiddenLine>
+                        </a:ext>
+                      </a:extLst>
+                    </p:spPr>
+                  </p:pic>
+                </p:oleObj>
+              </mc:Fallback>
+            </mc:AlternateContent>
+          </a:graphicData>
+        </a:graphic>
+      </p:graphicFrame>
+      <p:sp>
+        <p:nvSpPr>
+          <p:cNvPr id="8" name="Title 40">
+            <a:extLst>
+              <a:ext uri="{FF2B5EF4-FFF2-40B4-BE49-F238E27FC236}">
+                <a16:creationId xmlns:a16="http://schemas.microsoft.com/office/drawing/2014/main" id="{6D65D641-D69D-4168-BB7D-AD3F200877E3}"/>
+              </a:ext>
+            </a:extLst>
+          </p:cNvPr>
+          <p:cNvSpPr>
+            <a:spLocks noGrp="1"/>
+          </p:cNvSpPr>
+          <p:nvPr>
+            <p:ph type="title"/>
+          </p:nvPr>
+        </p:nvSpPr>
+        <p:spPr>
+          <a:xfrm>
+            <a:off x="381000" y="152400"/>
+            <a:ext cx="8153400" cy="808038"/>
+          </a:xfrm>
+        </p:spPr>
+        <p:txBody>
+          <a:bodyPr>
+            <a:normAutofit/>
+          </a:bodyPr>
+          <a:lstStyle/>
+          <a:p>
+            <a:pPr algn="l"/>
+            <a:r>
+              <a:rPr lang="en-US" sz="2400" b="1" dirty="0">
+                <a:solidFill>
+                  <a:srgbClr val="000066"/>
+                </a:solidFill>
+              </a:rPr>
+              <a:t>Analysis</a:t>
+            </a:r>
+          </a:p>
+        </p:txBody>
+      </p:sp>
+      <p:pic>
+        <p:nvPicPr>
+          <p:cNvPr id="3" name="Picture 2">
+            <a:extLst>
+              <a:ext uri="{FF2B5EF4-FFF2-40B4-BE49-F238E27FC236}">
+                <a16:creationId xmlns:a16="http://schemas.microsoft.com/office/drawing/2014/main" id="{0FB252C2-8E0F-4E4E-AF3D-AD81519AC032}"/>
+              </a:ext>
+            </a:extLst>
+          </p:cNvPr>
+          <p:cNvPicPr>
+            <a:picLocks noChangeAspect="1"/>
+          </p:cNvPicPr>
+          <p:nvPr/>
+        </p:nvPicPr>
+        <p:blipFill rotWithShape="1">
+          <a:blip r:embed="rId6"/>
+          <a:srcRect r="4820" b="20270"/>
+          <a:stretch/>
+        </p:blipFill>
+        <p:spPr>
+          <a:xfrm>
+            <a:off x="381000" y="1828800"/>
+            <a:ext cx="3733800" cy="4495800"/>
+          </a:xfrm>
+          <a:prstGeom prst="rect">
+            <a:avLst/>
+          </a:prstGeom>
+        </p:spPr>
+      </p:pic>
+      <p:sp>
+        <p:nvSpPr>
+          <p:cNvPr id="4" name="TextBox 3">
+            <a:extLst>
+              <a:ext uri="{FF2B5EF4-FFF2-40B4-BE49-F238E27FC236}">
+                <a16:creationId xmlns:a16="http://schemas.microsoft.com/office/drawing/2014/main" id="{55A35CDF-AA72-4476-9932-1916784F16A0}"/>
+              </a:ext>
+            </a:extLst>
+          </p:cNvPr>
+          <p:cNvSpPr txBox="1"/>
+          <p:nvPr/>
+        </p:nvSpPr>
+        <p:spPr>
+          <a:xfrm>
+            <a:off x="381000" y="960438"/>
+            <a:ext cx="6364178" cy="369332"/>
+          </a:xfrm>
+          <a:prstGeom prst="rect">
+            <a:avLst/>
+          </a:prstGeom>
+          <a:noFill/>
+        </p:spPr>
+        <p:txBody>
+          <a:bodyPr wrap="none" rtlCol="0">
+            <a:spAutoFit/>
+          </a:bodyPr>
+          <a:lstStyle/>
+          <a:p>
+            <a:pPr marL="285750" indent="-285750">
+              <a:buFont typeface="Arial" panose="020B0604020202020204" pitchFamily="34" charset="0"/>
+              <a:buChar char="•"/>
+            </a:pPr>
+            <a:r>
+              <a:rPr lang="en-US" dirty="0"/>
+              <a:t>Most companies rebound in the first week after hitting the low</a:t>
+            </a:r>
+          </a:p>
+        </p:txBody>
+      </p:sp>
+    </p:spTree>
+    <p:extLst>
+      <p:ext uri="{BB962C8B-B14F-4D97-AF65-F5344CB8AC3E}">
+        <p14:creationId xmlns:p14="http://schemas.microsoft.com/office/powerpoint/2010/main" val="4081715577"/>
+      </p:ext>
+    </p:extLst>
+  </p:cSld>
+  <p:clrMapOvr>
+    <a:masterClrMapping/>
+  </p:clrMapOvr>
+</p:sld>
+</file>
+
+<file path=ppt/slides/slide22.xml><?xml version="1.0" encoding="utf-8"?>
+<p:sld xmlns:a="http://schemas.openxmlformats.org/drawingml/2006/main" xmlns:r="http://schemas.openxmlformats.org/officeDocument/2006/relationships" xmlns:p="http://schemas.openxmlformats.org/presentationml/2006/main">
+  <p:cSld>
+    <p:spTree>
+      <p:nvGrpSpPr>
+        <p:cNvPr id="1" name=""/>
+        <p:cNvGrpSpPr/>
+        <p:nvPr/>
+      </p:nvGrpSpPr>
+      <p:grpSpPr>
+        <a:xfrm>
+          <a:off x="0" y="0"/>
+          <a:ext cx="0" cy="0"/>
+          <a:chOff x="0" y="0"/>
+          <a:chExt cx="0" cy="0"/>
+        </a:xfrm>
+      </p:grpSpPr>
+      <p:graphicFrame>
+        <p:nvGraphicFramePr>
+          <p:cNvPr id="235522" name="Rectangle 2" hidden="1"/>
+          <p:cNvGraphicFramePr>
+            <a:graphicFrameLocks/>
+          </p:cNvGraphicFramePr>
+          <p:nvPr>
+            <p:custDataLst>
+              <p:tags r:id="rId2"/>
+            </p:custDataLst>
+          </p:nvPr>
+        </p:nvGraphicFramePr>
+        <p:xfrm>
+          <a:off x="0" y="-305118"/>
+          <a:ext cx="158519" cy="158518"/>
+        </p:xfrm>
+        <a:graphic>
+          <a:graphicData uri="http://schemas.openxmlformats.org/presentationml/2006/ole">
+            <mc:AlternateContent xmlns:mc="http://schemas.openxmlformats.org/markup-compatibility/2006">
+              <mc:Choice xmlns:v="urn:schemas-microsoft-com:vml" Requires="v">
+                <p:oleObj spid="_x0000_s21506" r:id="rId5" imgW="0" imgH="0" progId="TCLayout.ActiveDocument.1">
+                  <p:embed/>
+                </p:oleObj>
+              </mc:Choice>
+              <mc:Fallback>
+                <p:oleObj r:id="rId5" imgW="0" imgH="0" progId="TCLayout.ActiveDocument.1">
+                  <p:embed/>
+                  <p:pic>
+                    <p:nvPicPr>
+                      <p:cNvPr id="235522" name="Rectangle 2" hidden="1"/>
+                      <p:cNvPicPr preferRelativeResize="0">
+                        <a:picLocks noChangeArrowheads="1"/>
+                      </p:cNvPicPr>
+                      <p:nvPr/>
+                    </p:nvPicPr>
+                    <p:blipFill>
+                      <a:blip>
+                        <a:extLst>
+                          <a:ext uri="{28A0092B-C50C-407E-A947-70E740481C1C}">
+                            <a14:useLocalDpi xmlns:a14="http://schemas.microsoft.com/office/drawing/2010/main" val="0"/>
+                          </a:ext>
+                        </a:extLst>
+                      </a:blip>
+                      <a:srcRect/>
+                      <a:stretch>
+                        <a:fillRect/>
+                      </a:stretch>
+                    </p:blipFill>
+                    <p:spPr bwMode="auto">
+                      <a:xfrm>
+                        <a:off x="0" y="-305118"/>
+                        <a:ext cx="158519" cy="158518"/>
+                      </a:xfrm>
+                      <a:prstGeom prst="rect">
+                        <a:avLst/>
+                      </a:prstGeom>
+                      <a:noFill/>
+                      <a:ln>
+                        <a:noFill/>
+                      </a:ln>
+                      <a:extLst>
+                        <a:ext uri="{909E8E84-426E-40DD-AFC4-6F175D3DCCD1}">
+                          <a14:hiddenFill xmlns:a14="http://schemas.microsoft.com/office/drawing/2010/main">
+                            <a:solidFill>
+                              <a:srgbClr val="FFFFFF"/>
+                            </a:solidFill>
+                          </a14:hiddenFill>
+                        </a:ext>
+                        <a:ext uri="{91240B29-F687-4F45-9708-019B960494DF}">
+                          <a14:hiddenLine xmlns:a14="http://schemas.microsoft.com/office/drawing/2010/main" w="9525">
+                            <a:solidFill>
+                              <a:srgbClr val="000000"/>
+                            </a:solidFill>
+                            <a:miter lim="800000"/>
+                            <a:headEnd/>
+                            <a:tailEnd/>
+                          </a14:hiddenLine>
+                        </a:ext>
+                      </a:extLst>
+                    </p:spPr>
+                  </p:pic>
+                </p:oleObj>
+              </mc:Fallback>
+            </mc:AlternateContent>
+          </a:graphicData>
+        </a:graphic>
+      </p:graphicFrame>
+      <p:sp>
+        <p:nvSpPr>
+          <p:cNvPr id="8" name="Title 40">
+            <a:extLst>
+              <a:ext uri="{FF2B5EF4-FFF2-40B4-BE49-F238E27FC236}">
+                <a16:creationId xmlns:a16="http://schemas.microsoft.com/office/drawing/2014/main" id="{6D65D641-D69D-4168-BB7D-AD3F200877E3}"/>
+              </a:ext>
+            </a:extLst>
+          </p:cNvPr>
+          <p:cNvSpPr>
+            <a:spLocks noGrp="1"/>
+          </p:cNvSpPr>
+          <p:nvPr>
+            <p:ph type="title"/>
+          </p:nvPr>
+        </p:nvSpPr>
+        <p:spPr>
+          <a:xfrm>
+            <a:off x="381000" y="152400"/>
+            <a:ext cx="8153400" cy="808038"/>
+          </a:xfrm>
+        </p:spPr>
+        <p:txBody>
+          <a:bodyPr>
+            <a:normAutofit/>
+          </a:bodyPr>
+          <a:lstStyle/>
+          <a:p>
+            <a:pPr algn="l"/>
+            <a:r>
+              <a:rPr lang="en-US" sz="2400" b="1" dirty="0">
+                <a:solidFill>
+                  <a:srgbClr val="000066"/>
+                </a:solidFill>
+              </a:rPr>
+              <a:t>Findings</a:t>
+            </a:r>
+          </a:p>
+        </p:txBody>
+      </p:sp>
+      <p:sp>
+        <p:nvSpPr>
+          <p:cNvPr id="4" name="TextBox 3">
+            <a:extLst>
+              <a:ext uri="{FF2B5EF4-FFF2-40B4-BE49-F238E27FC236}">
+                <a16:creationId xmlns:a16="http://schemas.microsoft.com/office/drawing/2014/main" id="{55A35CDF-AA72-4476-9932-1916784F16A0}"/>
+              </a:ext>
+            </a:extLst>
+          </p:cNvPr>
+          <p:cNvSpPr txBox="1"/>
+          <p:nvPr/>
+        </p:nvSpPr>
+        <p:spPr>
+          <a:xfrm>
+            <a:off x="990600" y="960438"/>
+            <a:ext cx="3124200" cy="369332"/>
+          </a:xfrm>
+          <a:prstGeom prst="rect">
+            <a:avLst/>
+          </a:prstGeom>
+          <a:noFill/>
+        </p:spPr>
+        <p:txBody>
+          <a:bodyPr wrap="square" rtlCol="0">
+            <a:spAutoFit/>
+          </a:bodyPr>
+          <a:lstStyle/>
+          <a:p>
+            <a:pPr algn="ctr"/>
+            <a:r>
+              <a:rPr lang="en-US" dirty="0"/>
+              <a:t>Rebound within first 10 weeks</a:t>
+            </a:r>
+          </a:p>
+        </p:txBody>
+      </p:sp>
+      <p:pic>
+        <p:nvPicPr>
+          <p:cNvPr id="2" name="Picture 1">
+            <a:extLst>
+              <a:ext uri="{FF2B5EF4-FFF2-40B4-BE49-F238E27FC236}">
+                <a16:creationId xmlns:a16="http://schemas.microsoft.com/office/drawing/2014/main" id="{709B7CA3-1C2B-4CBD-A4DC-E0FFDD1797D5}"/>
+              </a:ext>
+            </a:extLst>
+          </p:cNvPr>
+          <p:cNvPicPr>
+            <a:picLocks noChangeAspect="1"/>
+          </p:cNvPicPr>
+          <p:nvPr/>
+        </p:nvPicPr>
+        <p:blipFill>
+          <a:blip r:embed="rId6"/>
+          <a:stretch>
+            <a:fillRect/>
+          </a:stretch>
+        </p:blipFill>
+        <p:spPr>
+          <a:xfrm>
+            <a:off x="1435470" y="1646612"/>
+            <a:ext cx="2374531" cy="5049371"/>
+          </a:xfrm>
+          <a:prstGeom prst="rect">
+            <a:avLst/>
+          </a:prstGeom>
+        </p:spPr>
+      </p:pic>
+      <p:sp>
+        <p:nvSpPr>
+          <p:cNvPr id="5" name="Oval 4">
+            <a:extLst>
+              <a:ext uri="{FF2B5EF4-FFF2-40B4-BE49-F238E27FC236}">
+                <a16:creationId xmlns:a16="http://schemas.microsoft.com/office/drawing/2014/main" id="{DCF6EEDF-92EF-487E-B22E-41DFF87D8D6C}"/>
+              </a:ext>
+            </a:extLst>
+          </p:cNvPr>
+          <p:cNvSpPr/>
+          <p:nvPr/>
+        </p:nvSpPr>
+        <p:spPr>
+          <a:xfrm>
+            <a:off x="1524000" y="5961355"/>
+            <a:ext cx="2590800" cy="762000"/>
+          </a:xfrm>
+          <a:prstGeom prst="ellipse">
+            <a:avLst/>
+          </a:prstGeom>
+          <a:noFill/>
+          <a:ln>
+            <a:solidFill>
+              <a:srgbClr val="FF0000"/>
+            </a:solidFill>
+          </a:ln>
+        </p:spPr>
+        <p:style>
+          <a:lnRef idx="2">
+            <a:schemeClr val="accent1">
+              <a:shade val="50000"/>
+            </a:schemeClr>
+          </a:lnRef>
+          <a:fillRef idx="1">
+            <a:schemeClr val="accent1"/>
+          </a:fillRef>
+          <a:effectRef idx="0">
+            <a:schemeClr val="accent1"/>
+          </a:effectRef>
+          <a:fontRef idx="minor">
+            <a:schemeClr val="lt1"/>
+          </a:fontRef>
+        </p:style>
+        <p:txBody>
+          <a:bodyPr rtlCol="0" anchor="ctr"/>
+          <a:lstStyle/>
+          <a:p>
+            <a:pPr algn="ctr"/>
+            <a:endParaRPr lang="en-US"/>
+          </a:p>
+        </p:txBody>
+      </p:sp>
+      <p:pic>
+        <p:nvPicPr>
+          <p:cNvPr id="6" name="Picture 5">
+            <a:extLst>
+              <a:ext uri="{FF2B5EF4-FFF2-40B4-BE49-F238E27FC236}">
+                <a16:creationId xmlns:a16="http://schemas.microsoft.com/office/drawing/2014/main" id="{38A4E0B2-C99F-4965-AC9B-E021F3FAC04F}"/>
+              </a:ext>
+            </a:extLst>
+          </p:cNvPr>
+          <p:cNvPicPr>
+            <a:picLocks noChangeAspect="1"/>
+          </p:cNvPicPr>
+          <p:nvPr/>
+        </p:nvPicPr>
+        <p:blipFill>
+          <a:blip r:embed="rId7"/>
+          <a:stretch>
+            <a:fillRect/>
+          </a:stretch>
+        </p:blipFill>
+        <p:spPr>
+          <a:xfrm>
+            <a:off x="5334001" y="1621270"/>
+            <a:ext cx="2697685" cy="5074713"/>
+          </a:xfrm>
+          <a:prstGeom prst="rect">
+            <a:avLst/>
+          </a:prstGeom>
+        </p:spPr>
+      </p:pic>
+      <p:sp>
+        <p:nvSpPr>
+          <p:cNvPr id="9" name="Oval 8">
+            <a:extLst>
+              <a:ext uri="{FF2B5EF4-FFF2-40B4-BE49-F238E27FC236}">
+                <a16:creationId xmlns:a16="http://schemas.microsoft.com/office/drawing/2014/main" id="{DA85EFC5-6758-4672-8D66-D8CAD1F9EAEA}"/>
+              </a:ext>
+            </a:extLst>
+          </p:cNvPr>
+          <p:cNvSpPr/>
+          <p:nvPr/>
+        </p:nvSpPr>
+        <p:spPr>
+          <a:xfrm>
+            <a:off x="5562600" y="5933983"/>
+            <a:ext cx="2590800" cy="762000"/>
+          </a:xfrm>
+          <a:prstGeom prst="ellipse">
+            <a:avLst/>
+          </a:prstGeom>
+          <a:noFill/>
+          <a:ln>
+            <a:solidFill>
+              <a:srgbClr val="FF0000"/>
+            </a:solidFill>
+          </a:ln>
+        </p:spPr>
+        <p:style>
+          <a:lnRef idx="2">
+            <a:schemeClr val="accent1">
+              <a:shade val="50000"/>
+            </a:schemeClr>
+          </a:lnRef>
+          <a:fillRef idx="1">
+            <a:schemeClr val="accent1"/>
+          </a:fillRef>
+          <a:effectRef idx="0">
+            <a:schemeClr val="accent1"/>
+          </a:effectRef>
+          <a:fontRef idx="minor">
+            <a:schemeClr val="lt1"/>
+          </a:fontRef>
+        </p:style>
+        <p:txBody>
+          <a:bodyPr rtlCol="0" anchor="ctr"/>
+          <a:lstStyle/>
+          <a:p>
+            <a:pPr algn="ctr"/>
+            <a:endParaRPr lang="en-US"/>
+          </a:p>
+        </p:txBody>
+      </p:sp>
+      <p:sp>
+        <p:nvSpPr>
+          <p:cNvPr id="10" name="TextBox 9">
+            <a:extLst>
+              <a:ext uri="{FF2B5EF4-FFF2-40B4-BE49-F238E27FC236}">
+                <a16:creationId xmlns:a16="http://schemas.microsoft.com/office/drawing/2014/main" id="{1C44E4A5-08FF-4A36-B0A0-30A45F59F7D3}"/>
+              </a:ext>
+            </a:extLst>
+          </p:cNvPr>
+          <p:cNvSpPr txBox="1"/>
+          <p:nvPr/>
+        </p:nvSpPr>
+        <p:spPr>
+          <a:xfrm>
+            <a:off x="5181600" y="960438"/>
+            <a:ext cx="3124200" cy="369332"/>
+          </a:xfrm>
+          <a:prstGeom prst="rect">
+            <a:avLst/>
+          </a:prstGeom>
+          <a:noFill/>
+        </p:spPr>
+        <p:txBody>
+          <a:bodyPr wrap="square" rtlCol="0">
+            <a:spAutoFit/>
+          </a:bodyPr>
+          <a:lstStyle/>
+          <a:p>
+            <a:pPr algn="ctr"/>
+            <a:r>
+              <a:rPr lang="en-US" dirty="0"/>
+              <a:t>Rebound after first 10 weeks</a:t>
+            </a:r>
+          </a:p>
+        </p:txBody>
+      </p:sp>
+    </p:spTree>
+    <p:extLst>
+      <p:ext uri="{BB962C8B-B14F-4D97-AF65-F5344CB8AC3E}">
+        <p14:creationId xmlns:p14="http://schemas.microsoft.com/office/powerpoint/2010/main" val="2353747996"/>
+      </p:ext>
+    </p:extLst>
+  </p:cSld>
+  <p:clrMapOvr>
+    <a:masterClrMapping/>
+  </p:clrMapOvr>
+</p:sld>
+</file>
+
+<file path=ppt/slides/slide23.xml><?xml version="1.0" encoding="utf-8"?>
+<p:sld xmlns:a="http://schemas.openxmlformats.org/drawingml/2006/main" xmlns:r="http://schemas.openxmlformats.org/officeDocument/2006/relationships" xmlns:p="http://schemas.openxmlformats.org/presentationml/2006/main">
+  <p:cSld>
+    <p:spTree>
+      <p:nvGrpSpPr>
+        <p:cNvPr id="1" name=""/>
+        <p:cNvGrpSpPr/>
+        <p:nvPr/>
+      </p:nvGrpSpPr>
+      <p:grpSpPr>
+        <a:xfrm>
+          <a:off x="0" y="0"/>
+          <a:ext cx="0" cy="0"/>
+          <a:chOff x="0" y="0"/>
+          <a:chExt cx="0" cy="0"/>
+        </a:xfrm>
+      </p:grpSpPr>
+      <p:graphicFrame>
+        <p:nvGraphicFramePr>
+          <p:cNvPr id="235522" name="Rectangle 2" hidden="1"/>
+          <p:cNvGraphicFramePr>
+            <a:graphicFrameLocks/>
+          </p:cNvGraphicFramePr>
+          <p:nvPr>
+            <p:custDataLst>
+              <p:tags r:id="rId2"/>
+            </p:custDataLst>
+          </p:nvPr>
+        </p:nvGraphicFramePr>
+        <p:xfrm>
+          <a:off x="0" y="-305118"/>
+          <a:ext cx="158519" cy="158518"/>
+        </p:xfrm>
+        <a:graphic>
+          <a:graphicData uri="http://schemas.openxmlformats.org/presentationml/2006/ole">
+            <mc:AlternateContent xmlns:mc="http://schemas.openxmlformats.org/markup-compatibility/2006">
+              <mc:Choice xmlns:v="urn:schemas-microsoft-com:vml" Requires="v">
+                <p:oleObj spid="_x0000_s22530" r:id="rId5" imgW="0" imgH="0" progId="TCLayout.ActiveDocument.1">
+                  <p:embed/>
+                </p:oleObj>
+              </mc:Choice>
+              <mc:Fallback>
+                <p:oleObj r:id="rId5" imgW="0" imgH="0" progId="TCLayout.ActiveDocument.1">
+                  <p:embed/>
+                  <p:pic>
+                    <p:nvPicPr>
+                      <p:cNvPr id="235522" name="Rectangle 2" hidden="1"/>
+                      <p:cNvPicPr preferRelativeResize="0">
+                        <a:picLocks noChangeArrowheads="1"/>
+                      </p:cNvPicPr>
+                      <p:nvPr/>
+                    </p:nvPicPr>
+                    <p:blipFill>
+                      <a:blip>
+                        <a:extLst>
+                          <a:ext uri="{28A0092B-C50C-407E-A947-70E740481C1C}">
+                            <a14:useLocalDpi xmlns:a14="http://schemas.microsoft.com/office/drawing/2010/main" val="0"/>
+                          </a:ext>
+                        </a:extLst>
+                      </a:blip>
+                      <a:srcRect/>
+                      <a:stretch>
+                        <a:fillRect/>
+                      </a:stretch>
+                    </p:blipFill>
+                    <p:spPr bwMode="auto">
+                      <a:xfrm>
+                        <a:off x="0" y="-305118"/>
+                        <a:ext cx="158519" cy="158518"/>
+                      </a:xfrm>
+                      <a:prstGeom prst="rect">
+                        <a:avLst/>
+                      </a:prstGeom>
+                      <a:noFill/>
+                      <a:ln>
+                        <a:noFill/>
+                      </a:ln>
+                      <a:extLst>
+                        <a:ext uri="{909E8E84-426E-40DD-AFC4-6F175D3DCCD1}">
+                          <a14:hiddenFill xmlns:a14="http://schemas.microsoft.com/office/drawing/2010/main">
+                            <a:solidFill>
+                              <a:srgbClr val="FFFFFF"/>
+                            </a:solidFill>
+                          </a14:hiddenFill>
+                        </a:ext>
+                        <a:ext uri="{91240B29-F687-4F45-9708-019B960494DF}">
+                          <a14:hiddenLine xmlns:a14="http://schemas.microsoft.com/office/drawing/2010/main" w="9525">
+                            <a:solidFill>
+                              <a:srgbClr val="000000"/>
+                            </a:solidFill>
+                            <a:miter lim="800000"/>
+                            <a:headEnd/>
+                            <a:tailEnd/>
+                          </a14:hiddenLine>
+                        </a:ext>
+                      </a:extLst>
+                    </p:spPr>
+                  </p:pic>
+                </p:oleObj>
+              </mc:Fallback>
+            </mc:AlternateContent>
+          </a:graphicData>
+        </a:graphic>
+      </p:graphicFrame>
+      <p:sp>
+        <p:nvSpPr>
+          <p:cNvPr id="8" name="Title 40">
+            <a:extLst>
+              <a:ext uri="{FF2B5EF4-FFF2-40B4-BE49-F238E27FC236}">
+                <a16:creationId xmlns:a16="http://schemas.microsoft.com/office/drawing/2014/main" id="{6D65D641-D69D-4168-BB7D-AD3F200877E3}"/>
+              </a:ext>
+            </a:extLst>
+          </p:cNvPr>
+          <p:cNvSpPr>
+            <a:spLocks noGrp="1"/>
+          </p:cNvSpPr>
+          <p:nvPr>
+            <p:ph type="title"/>
+          </p:nvPr>
+        </p:nvSpPr>
+        <p:spPr>
+          <a:xfrm>
+            <a:off x="381000" y="152400"/>
+            <a:ext cx="8153400" cy="808038"/>
+          </a:xfrm>
+        </p:spPr>
+        <p:txBody>
+          <a:bodyPr>
+            <a:normAutofit/>
+          </a:bodyPr>
+          <a:lstStyle/>
+          <a:p>
+            <a:pPr algn="l"/>
+            <a:r>
+              <a:rPr lang="en-US" sz="2400" b="1" dirty="0">
+                <a:solidFill>
+                  <a:srgbClr val="000066"/>
+                </a:solidFill>
+              </a:rPr>
+              <a:t>Findings</a:t>
+            </a:r>
+          </a:p>
+        </p:txBody>
+      </p:sp>
+    </p:spTree>
+    <p:extLst>
+      <p:ext uri="{BB962C8B-B14F-4D97-AF65-F5344CB8AC3E}">
+        <p14:creationId xmlns:p14="http://schemas.microsoft.com/office/powerpoint/2010/main" val="3075463552"/>
+      </p:ext>
+    </p:extLst>
+  </p:cSld>
+  <p:clrMapOvr>
+    <a:masterClrMapping/>
+  </p:clrMapOvr>
+</p:sld>
+</file>
+
+<file path=ppt/slides/slide24.xml><?xml version="1.0" encoding="utf-8"?>
+<p:sld xmlns:a="http://schemas.openxmlformats.org/drawingml/2006/main" xmlns:r="http://schemas.openxmlformats.org/officeDocument/2006/relationships" xmlns:p="http://schemas.openxmlformats.org/presentationml/2006/main">
+  <p:cSld>
+    <p:spTree>
+      <p:nvGrpSpPr>
+        <p:cNvPr id="1" name=""/>
+        <p:cNvGrpSpPr/>
+        <p:nvPr/>
+      </p:nvGrpSpPr>
+      <p:grpSpPr>
+        <a:xfrm>
+          <a:off x="0" y="0"/>
+          <a:ext cx="0" cy="0"/>
+          <a:chOff x="0" y="0"/>
+          <a:chExt cx="0" cy="0"/>
+        </a:xfrm>
+      </p:grpSpPr>
+      <p:graphicFrame>
+        <p:nvGraphicFramePr>
+          <p:cNvPr id="235522" name="Rectangle 2" hidden="1"/>
+          <p:cNvGraphicFramePr>
+            <a:graphicFrameLocks/>
+          </p:cNvGraphicFramePr>
+          <p:nvPr>
+            <p:custDataLst>
+              <p:tags r:id="rId2"/>
+            </p:custDataLst>
+          </p:nvPr>
+        </p:nvGraphicFramePr>
+        <p:xfrm>
+          <a:off x="0" y="-305118"/>
+          <a:ext cx="158519" cy="158518"/>
+        </p:xfrm>
+        <a:graphic>
+          <a:graphicData uri="http://schemas.openxmlformats.org/presentationml/2006/ole">
+            <mc:AlternateContent xmlns:mc="http://schemas.openxmlformats.org/markup-compatibility/2006">
+              <mc:Choice xmlns:v="urn:schemas-microsoft-com:vml" Requires="v">
+                <p:oleObj spid="_x0000_s23554" r:id="rId5" imgW="0" imgH="0" progId="TCLayout.ActiveDocument.1">
+                  <p:embed/>
+                </p:oleObj>
+              </mc:Choice>
+              <mc:Fallback>
+                <p:oleObj r:id="rId5" imgW="0" imgH="0" progId="TCLayout.ActiveDocument.1">
+                  <p:embed/>
+                  <p:pic>
+                    <p:nvPicPr>
+                      <p:cNvPr id="235522" name="Rectangle 2" hidden="1"/>
+                      <p:cNvPicPr preferRelativeResize="0">
+                        <a:picLocks noChangeArrowheads="1"/>
+                      </p:cNvPicPr>
+                      <p:nvPr/>
+                    </p:nvPicPr>
+                    <p:blipFill>
+                      <a:blip>
+                        <a:extLst>
+                          <a:ext uri="{28A0092B-C50C-407E-A947-70E740481C1C}">
+                            <a14:useLocalDpi xmlns:a14="http://schemas.microsoft.com/office/drawing/2010/main" val="0"/>
+                          </a:ext>
+                        </a:extLst>
+                      </a:blip>
+                      <a:srcRect/>
+                      <a:stretch>
+                        <a:fillRect/>
+                      </a:stretch>
+                    </p:blipFill>
+                    <p:spPr bwMode="auto">
+                      <a:xfrm>
+                        <a:off x="0" y="-305118"/>
+                        <a:ext cx="158519" cy="158518"/>
+                      </a:xfrm>
+                      <a:prstGeom prst="rect">
+                        <a:avLst/>
+                      </a:prstGeom>
+                      <a:noFill/>
+                      <a:ln>
+                        <a:noFill/>
+                      </a:ln>
+                      <a:extLst>
+                        <a:ext uri="{909E8E84-426E-40DD-AFC4-6F175D3DCCD1}">
+                          <a14:hiddenFill xmlns:a14="http://schemas.microsoft.com/office/drawing/2010/main">
+                            <a:solidFill>
+                              <a:srgbClr val="FFFFFF"/>
+                            </a:solidFill>
+                          </a14:hiddenFill>
+                        </a:ext>
+                        <a:ext uri="{91240B29-F687-4F45-9708-019B960494DF}">
+                          <a14:hiddenLine xmlns:a14="http://schemas.microsoft.com/office/drawing/2010/main" w="9525">
+                            <a:solidFill>
+                              <a:srgbClr val="000000"/>
+                            </a:solidFill>
+                            <a:miter lim="800000"/>
+                            <a:headEnd/>
+                            <a:tailEnd/>
+                          </a14:hiddenLine>
+                        </a:ext>
+                      </a:extLst>
+                    </p:spPr>
+                  </p:pic>
+                </p:oleObj>
+              </mc:Fallback>
+            </mc:AlternateContent>
+          </a:graphicData>
+        </a:graphic>
+      </p:graphicFrame>
+      <p:sp>
+        <p:nvSpPr>
+          <p:cNvPr id="8" name="Title 40">
+            <a:extLst>
+              <a:ext uri="{FF2B5EF4-FFF2-40B4-BE49-F238E27FC236}">
+                <a16:creationId xmlns:a16="http://schemas.microsoft.com/office/drawing/2014/main" id="{6D65D641-D69D-4168-BB7D-AD3F200877E3}"/>
+              </a:ext>
+            </a:extLst>
+          </p:cNvPr>
+          <p:cNvSpPr>
+            <a:spLocks noGrp="1"/>
+          </p:cNvSpPr>
+          <p:nvPr>
+            <p:ph type="title"/>
+          </p:nvPr>
+        </p:nvSpPr>
+        <p:spPr>
+          <a:xfrm>
+            <a:off x="381000" y="152400"/>
+            <a:ext cx="8153400" cy="808038"/>
+          </a:xfrm>
+        </p:spPr>
+        <p:txBody>
+          <a:bodyPr>
+            <a:normAutofit/>
+          </a:bodyPr>
+          <a:lstStyle/>
+          <a:p>
+            <a:pPr algn="l"/>
+            <a:r>
+              <a:rPr lang="en-US" sz="2400" b="1" dirty="0">
+                <a:solidFill>
+                  <a:srgbClr val="000066"/>
+                </a:solidFill>
+              </a:rPr>
+              <a:t>Findings</a:t>
+            </a:r>
+          </a:p>
+        </p:txBody>
+      </p:sp>
+    </p:spTree>
+    <p:extLst>
+      <p:ext uri="{BB962C8B-B14F-4D97-AF65-F5344CB8AC3E}">
+        <p14:creationId xmlns:p14="http://schemas.microsoft.com/office/powerpoint/2010/main" val="2486427540"/>
+      </p:ext>
+    </p:extLst>
+  </p:cSld>
+  <p:clrMapOvr>
+    <a:masterClrMapping/>
+  </p:clrMapOvr>
+</p:sld>
+</file>
+
+<file path=ppt/slides/slide25.xml><?xml version="1.0" encoding="utf-8"?>
+<p:sld xmlns:a="http://schemas.openxmlformats.org/drawingml/2006/main" xmlns:r="http://schemas.openxmlformats.org/officeDocument/2006/relationships" xmlns:p="http://schemas.openxmlformats.org/presentationml/2006/main">
+  <p:cSld>
+    <p:spTree>
+      <p:nvGrpSpPr>
+        <p:cNvPr id="1" name=""/>
+        <p:cNvGrpSpPr/>
+        <p:nvPr/>
+      </p:nvGrpSpPr>
+      <p:grpSpPr>
+        <a:xfrm>
+          <a:off x="0" y="0"/>
+          <a:ext cx="0" cy="0"/>
+          <a:chOff x="0" y="0"/>
+          <a:chExt cx="0" cy="0"/>
+        </a:xfrm>
+      </p:grpSpPr>
+      <p:graphicFrame>
+        <p:nvGraphicFramePr>
+          <p:cNvPr id="235522" name="Rectangle 2" hidden="1"/>
+          <p:cNvGraphicFramePr>
+            <a:graphicFrameLocks/>
+          </p:cNvGraphicFramePr>
+          <p:nvPr>
+            <p:custDataLst>
+              <p:tags r:id="rId2"/>
+            </p:custDataLst>
+          </p:nvPr>
+        </p:nvGraphicFramePr>
+        <p:xfrm>
+          <a:off x="0" y="-305118"/>
+          <a:ext cx="158519" cy="158518"/>
+        </p:xfrm>
+        <a:graphic>
+          <a:graphicData uri="http://schemas.openxmlformats.org/presentationml/2006/ole">
+            <mc:AlternateContent xmlns:mc="http://schemas.openxmlformats.org/markup-compatibility/2006">
+              <mc:Choice xmlns:v="urn:schemas-microsoft-com:vml" Requires="v">
+                <p:oleObj spid="_x0000_s24578" r:id="rId5" imgW="0" imgH="0" progId="TCLayout.ActiveDocument.1">
+                  <p:embed/>
+                </p:oleObj>
+              </mc:Choice>
+              <mc:Fallback>
+                <p:oleObj r:id="rId5" imgW="0" imgH="0" progId="TCLayout.ActiveDocument.1">
+                  <p:embed/>
+                  <p:pic>
+                    <p:nvPicPr>
+                      <p:cNvPr id="235522" name="Rectangle 2" hidden="1"/>
+                      <p:cNvPicPr preferRelativeResize="0">
+                        <a:picLocks noChangeArrowheads="1"/>
+                      </p:cNvPicPr>
+                      <p:nvPr/>
+                    </p:nvPicPr>
+                    <p:blipFill>
+                      <a:blip>
+                        <a:extLst>
+                          <a:ext uri="{28A0092B-C50C-407E-A947-70E740481C1C}">
+                            <a14:useLocalDpi xmlns:a14="http://schemas.microsoft.com/office/drawing/2010/main" val="0"/>
+                          </a:ext>
+                        </a:extLst>
+                      </a:blip>
+                      <a:srcRect/>
+                      <a:stretch>
+                        <a:fillRect/>
+                      </a:stretch>
+                    </p:blipFill>
+                    <p:spPr bwMode="auto">
+                      <a:xfrm>
+                        <a:off x="0" y="-305118"/>
+                        <a:ext cx="158519" cy="158518"/>
+                      </a:xfrm>
+                      <a:prstGeom prst="rect">
+                        <a:avLst/>
+                      </a:prstGeom>
+                      <a:noFill/>
+                      <a:ln>
+                        <a:noFill/>
+                      </a:ln>
+                      <a:extLst>
+                        <a:ext uri="{909E8E84-426E-40DD-AFC4-6F175D3DCCD1}">
+                          <a14:hiddenFill xmlns:a14="http://schemas.microsoft.com/office/drawing/2010/main">
+                            <a:solidFill>
+                              <a:srgbClr val="FFFFFF"/>
+                            </a:solidFill>
+                          </a14:hiddenFill>
+                        </a:ext>
+                        <a:ext uri="{91240B29-F687-4F45-9708-019B960494DF}">
+                          <a14:hiddenLine xmlns:a14="http://schemas.microsoft.com/office/drawing/2010/main" w="9525">
+                            <a:solidFill>
+                              <a:srgbClr val="000000"/>
+                            </a:solidFill>
+                            <a:miter lim="800000"/>
+                            <a:headEnd/>
+                            <a:tailEnd/>
+                          </a14:hiddenLine>
+                        </a:ext>
+                      </a:extLst>
+                    </p:spPr>
+                  </p:pic>
+                </p:oleObj>
+              </mc:Fallback>
+            </mc:AlternateContent>
+          </a:graphicData>
+        </a:graphic>
+      </p:graphicFrame>
+      <p:sp>
+        <p:nvSpPr>
+          <p:cNvPr id="8" name="Title 40">
+            <a:extLst>
+              <a:ext uri="{FF2B5EF4-FFF2-40B4-BE49-F238E27FC236}">
+                <a16:creationId xmlns:a16="http://schemas.microsoft.com/office/drawing/2014/main" id="{6D65D641-D69D-4168-BB7D-AD3F200877E3}"/>
+              </a:ext>
+            </a:extLst>
+          </p:cNvPr>
+          <p:cNvSpPr>
+            <a:spLocks noGrp="1"/>
+          </p:cNvSpPr>
+          <p:nvPr>
+            <p:ph type="title"/>
+          </p:nvPr>
+        </p:nvSpPr>
+        <p:spPr>
+          <a:xfrm>
+            <a:off x="381000" y="152400"/>
+            <a:ext cx="8153400" cy="808038"/>
+          </a:xfrm>
+        </p:spPr>
+        <p:txBody>
+          <a:bodyPr>
+            <a:normAutofit/>
+          </a:bodyPr>
+          <a:lstStyle/>
+          <a:p>
+            <a:pPr algn="l"/>
+            <a:r>
+              <a:rPr lang="en-US" sz="2400" b="1" dirty="0">
+                <a:solidFill>
+                  <a:srgbClr val="000066"/>
+                </a:solidFill>
+              </a:rPr>
+              <a:t>Next Steps</a:t>
+            </a:r>
+          </a:p>
+        </p:txBody>
+      </p:sp>
+    </p:spTree>
+    <p:extLst>
+      <p:ext uri="{BB962C8B-B14F-4D97-AF65-F5344CB8AC3E}">
+        <p14:creationId xmlns:p14="http://schemas.microsoft.com/office/powerpoint/2010/main" val="1830593239"/>
+      </p:ext>
+    </p:extLst>
+  </p:cSld>
+  <p:clrMapOvr>
+    <a:masterClrMapping/>
+  </p:clrMapOvr>
+</p:sld>
+</file>
+
+<file path=ppt/slides/slide3.xml><?xml version="1.0" encoding="utf-8"?>
+<p:sld xmlns:a="http://schemas.openxmlformats.org/drawingml/2006/main" xmlns:r="http://schemas.openxmlformats.org/officeDocument/2006/relationships" xmlns:p="http://schemas.openxmlformats.org/presentationml/2006/main">
+  <p:cSld>
+    <p:spTree>
+      <p:nvGrpSpPr>
+        <p:cNvPr id="1" name=""/>
+        <p:cNvGrpSpPr/>
+        <p:nvPr/>
+      </p:nvGrpSpPr>
+      <p:grpSpPr>
+        <a:xfrm>
+          <a:off x="0" y="0"/>
+          <a:ext cx="0" cy="0"/>
+          <a:chOff x="0" y="0"/>
+          <a:chExt cx="0" cy="0"/>
+        </a:xfrm>
+      </p:grpSpPr>
+      <p:graphicFrame>
+        <p:nvGraphicFramePr>
+          <p:cNvPr id="235522" name="Rectangle 2" hidden="1"/>
+          <p:cNvGraphicFramePr>
+            <a:graphicFrameLocks/>
+          </p:cNvGraphicFramePr>
+          <p:nvPr>
+            <p:custDataLst>
+              <p:tags r:id="rId2"/>
+            </p:custDataLst>
+          </p:nvPr>
+        </p:nvGraphicFramePr>
+        <p:xfrm>
+          <a:off x="0" y="-305118"/>
+          <a:ext cx="158519" cy="158518"/>
+        </p:xfrm>
+        <a:graphic>
+          <a:graphicData uri="http://schemas.openxmlformats.org/presentationml/2006/ole">
+            <mc:AlternateContent xmlns:mc="http://schemas.openxmlformats.org/markup-compatibility/2006">
+              <mc:Choice xmlns:v="urn:schemas-microsoft-com:vml" Requires="v">
+                <p:oleObj spid="_x0000_s3074" r:id="rId5" imgW="0" imgH="0" progId="TCLayout.ActiveDocument.1">
+                  <p:embed/>
+                </p:oleObj>
+              </mc:Choice>
+              <mc:Fallback>
+                <p:oleObj r:id="rId5" imgW="0" imgH="0" progId="TCLayout.ActiveDocument.1">
+                  <p:embed/>
+                  <p:pic>
+                    <p:nvPicPr>
+                      <p:cNvPr id="235522" name="Rectangle 2" hidden="1"/>
+                      <p:cNvPicPr preferRelativeResize="0">
+                        <a:picLocks noChangeArrowheads="1"/>
+                      </p:cNvPicPr>
+                      <p:nvPr/>
+                    </p:nvPicPr>
+                    <p:blipFill>
+                      <a:blip>
+                        <a:extLst>
+                          <a:ext uri="{28A0092B-C50C-407E-A947-70E740481C1C}">
+                            <a14:useLocalDpi xmlns:a14="http://schemas.microsoft.com/office/drawing/2010/main" val="0"/>
+                          </a:ext>
+                        </a:extLst>
+                      </a:blip>
+                      <a:srcRect/>
+                      <a:stretch>
+                        <a:fillRect/>
+                      </a:stretch>
+                    </p:blipFill>
+                    <p:spPr bwMode="auto">
+                      <a:xfrm>
+                        <a:off x="0" y="-305118"/>
+                        <a:ext cx="158519" cy="158518"/>
+                      </a:xfrm>
+                      <a:prstGeom prst="rect">
+                        <a:avLst/>
+                      </a:prstGeom>
+                      <a:noFill/>
+                      <a:ln>
+                        <a:noFill/>
+                      </a:ln>
+                      <a:extLst>
+                        <a:ext uri="{909E8E84-426E-40DD-AFC4-6F175D3DCCD1}">
+                          <a14:hiddenFill xmlns:a14="http://schemas.microsoft.com/office/drawing/2010/main">
+                            <a:solidFill>
+                              <a:srgbClr val="FFFFFF"/>
+                            </a:solidFill>
+                          </a14:hiddenFill>
+                        </a:ext>
+                        <a:ext uri="{91240B29-F687-4F45-9708-019B960494DF}">
+                          <a14:hiddenLine xmlns:a14="http://schemas.microsoft.com/office/drawing/2010/main" w="9525">
+                            <a:solidFill>
+                              <a:srgbClr val="000000"/>
+                            </a:solidFill>
+                            <a:miter lim="800000"/>
+                            <a:headEnd/>
+                            <a:tailEnd/>
+                          </a14:hiddenLine>
+                        </a:ext>
+                      </a:extLst>
+                    </p:spPr>
+                  </p:pic>
+                </p:oleObj>
+              </mc:Fallback>
+            </mc:AlternateContent>
+          </a:graphicData>
+        </a:graphic>
+      </p:graphicFrame>
+      <p:sp>
+        <p:nvSpPr>
           <p:cNvPr id="47" name="Title 40"/>
           <p:cNvSpPr>
             <a:spLocks noGrp="1"/>
@@ -8902,7 +11727,7 @@
           <a:graphicData uri="http://schemas.openxmlformats.org/presentationml/2006/ole">
             <mc:AlternateContent xmlns:mc="http://schemas.openxmlformats.org/markup-compatibility/2006">
               <mc:Choice xmlns:v="urn:schemas-microsoft-com:vml" Requires="v">
-                <p:oleObj spid="_x0000_s19533" r:id="rId6" imgW="0" imgH="0" progId="TCLayout.ActiveDocument.1">
+                <p:oleObj spid="_x0000_s4098" r:id="rId6" imgW="0" imgH="0" progId="TCLayout.ActiveDocument.1">
                   <p:embed/>
                 </p:oleObj>
               </mc:Choice>
@@ -9201,7 +12026,7 @@
           <a:graphicData uri="http://schemas.openxmlformats.org/presentationml/2006/ole">
             <mc:AlternateContent xmlns:mc="http://schemas.openxmlformats.org/markup-compatibility/2006">
               <mc:Choice xmlns:v="urn:schemas-microsoft-com:vml" Requires="v">
-                <p:oleObj spid="_x0000_s22568" r:id="rId6" imgW="0" imgH="0" progId="TCLayout.ActiveDocument.1">
+                <p:oleObj spid="_x0000_s5122" r:id="rId6" imgW="0" imgH="0" progId="TCLayout.ActiveDocument.1">
                   <p:embed/>
                 </p:oleObj>
               </mc:Choice>
@@ -9487,7 +12312,7 @@
           <a:graphicData uri="http://schemas.openxmlformats.org/presentationml/2006/ole">
             <mc:AlternateContent xmlns:mc="http://schemas.openxmlformats.org/markup-compatibility/2006">
               <mc:Choice xmlns:v="urn:schemas-microsoft-com:vml" Requires="v">
-                <p:oleObj spid="_x0000_s23588" r:id="rId6" imgW="0" imgH="0" progId="TCLayout.ActiveDocument.1">
+                <p:oleObj spid="_x0000_s6146" r:id="rId6" imgW="0" imgH="0" progId="TCLayout.ActiveDocument.1">
                   <p:embed/>
                 </p:oleObj>
               </mc:Choice>
@@ -9797,7 +12622,7 @@
           <a:graphicData uri="http://schemas.openxmlformats.org/presentationml/2006/ole">
             <mc:AlternateContent xmlns:mc="http://schemas.openxmlformats.org/markup-compatibility/2006">
               <mc:Choice xmlns:v="urn:schemas-microsoft-com:vml" Requires="v">
-                <p:oleObj spid="_x0000_s24615" r:id="rId6" imgW="0" imgH="0" progId="TCLayout.ActiveDocument.1">
+                <p:oleObj spid="_x0000_s7170" r:id="rId6" imgW="0" imgH="0" progId="TCLayout.ActiveDocument.1">
                   <p:embed/>
                 </p:oleObj>
               </mc:Choice>
@@ -10083,7 +12908,7 @@
           <a:graphicData uri="http://schemas.openxmlformats.org/presentationml/2006/ole">
             <mc:AlternateContent xmlns:mc="http://schemas.openxmlformats.org/markup-compatibility/2006">
               <mc:Choice xmlns:v="urn:schemas-microsoft-com:vml" Requires="v">
-                <p:oleObj spid="_x0000_s26664" r:id="rId6" imgW="0" imgH="0" progId="TCLayout.ActiveDocument.1">
+                <p:oleObj spid="_x0000_s8194" r:id="rId6" imgW="0" imgH="0" progId="TCLayout.ActiveDocument.1">
                   <p:embed/>
                 </p:oleObj>
               </mc:Choice>
@@ -10356,7 +13181,49 @@
 </p:tagLst>
 </file>
 
+<file path=ppt/tags/tag18.xml><?xml version="1.0" encoding="utf-8"?>
+<p:tagLst xmlns:a="http://schemas.openxmlformats.org/drawingml/2006/main" xmlns:r="http://schemas.openxmlformats.org/officeDocument/2006/relationships" xmlns:p="http://schemas.openxmlformats.org/presentationml/2006/main">
+  <p:tag name="THINKCELLSHAPEDONOTDELETE" val="thinkcellActiveDocDoNotDelete"/>
+</p:tagLst>
+</file>
+
+<file path=ppt/tags/tag19.xml><?xml version="1.0" encoding="utf-8"?>
+<p:tagLst xmlns:a="http://schemas.openxmlformats.org/drawingml/2006/main" xmlns:r="http://schemas.openxmlformats.org/officeDocument/2006/relationships" xmlns:p="http://schemas.openxmlformats.org/presentationml/2006/main">
+  <p:tag name="THINKCELLSHAPEDONOTDELETE" val="thinkcellActiveDocDoNotDelete"/>
+</p:tagLst>
+</file>
+
 <file path=ppt/tags/tag2.xml><?xml version="1.0" encoding="utf-8"?>
+<p:tagLst xmlns:a="http://schemas.openxmlformats.org/drawingml/2006/main" xmlns:r="http://schemas.openxmlformats.org/officeDocument/2006/relationships" xmlns:p="http://schemas.openxmlformats.org/presentationml/2006/main">
+  <p:tag name="THINKCELLSHAPEDONOTDELETE" val="thinkcellActiveDocDoNotDelete"/>
+</p:tagLst>
+</file>
+
+<file path=ppt/tags/tag20.xml><?xml version="1.0" encoding="utf-8"?>
+<p:tagLst xmlns:a="http://schemas.openxmlformats.org/drawingml/2006/main" xmlns:r="http://schemas.openxmlformats.org/officeDocument/2006/relationships" xmlns:p="http://schemas.openxmlformats.org/presentationml/2006/main">
+  <p:tag name="THINKCELLSHAPEDONOTDELETE" val="thinkcellActiveDocDoNotDelete"/>
+</p:tagLst>
+</file>
+
+<file path=ppt/tags/tag21.xml><?xml version="1.0" encoding="utf-8"?>
+<p:tagLst xmlns:a="http://schemas.openxmlformats.org/drawingml/2006/main" xmlns:r="http://schemas.openxmlformats.org/officeDocument/2006/relationships" xmlns:p="http://schemas.openxmlformats.org/presentationml/2006/main">
+  <p:tag name="THINKCELLSHAPEDONOTDELETE" val="thinkcellActiveDocDoNotDelete"/>
+</p:tagLst>
+</file>
+
+<file path=ppt/tags/tag22.xml><?xml version="1.0" encoding="utf-8"?>
+<p:tagLst xmlns:a="http://schemas.openxmlformats.org/drawingml/2006/main" xmlns:r="http://schemas.openxmlformats.org/officeDocument/2006/relationships" xmlns:p="http://schemas.openxmlformats.org/presentationml/2006/main">
+  <p:tag name="THINKCELLSHAPEDONOTDELETE" val="thinkcellActiveDocDoNotDelete"/>
+</p:tagLst>
+</file>
+
+<file path=ppt/tags/tag23.xml><?xml version="1.0" encoding="utf-8"?>
+<p:tagLst xmlns:a="http://schemas.openxmlformats.org/drawingml/2006/main" xmlns:r="http://schemas.openxmlformats.org/officeDocument/2006/relationships" xmlns:p="http://schemas.openxmlformats.org/presentationml/2006/main">
+  <p:tag name="THINKCELLSHAPEDONOTDELETE" val="thinkcellActiveDocDoNotDelete"/>
+</p:tagLst>
+</file>
+
+<file path=ppt/tags/tag24.xml><?xml version="1.0" encoding="utf-8"?>
 <p:tagLst xmlns:a="http://schemas.openxmlformats.org/drawingml/2006/main" xmlns:r="http://schemas.openxmlformats.org/officeDocument/2006/relationships" xmlns:p="http://schemas.openxmlformats.org/presentationml/2006/main">
   <p:tag name="THINKCELLSHAPEDONOTDELETE" val="thinkcellActiveDocDoNotDelete"/>
 </p:tagLst>

--- a/Bounce_Back 24012018v1.pptx
+++ b/Bounce_Back 24012018v1.pptx
@@ -233,7 +233,7 @@
             <a:fld id="{C449B9E2-F6E0-43F1-9141-B8839419D296}" type="datetimeFigureOut">
               <a:rPr lang="en-US" smtClean="0"/>
               <a:pPr/>
-              <a:t>1/31/2018</a:t>
+              <a:t>2/1/18</a:t>
             </a:fld>
             <a:endParaRPr lang="en-US"/>
           </a:p>
@@ -2315,7 +2315,7 @@
             <a:fld id="{17450E51-4C5E-4BB5-8E54-A147694BC1CA}" type="datetimeFigureOut">
               <a:rPr lang="en-US" smtClean="0"/>
               <a:pPr/>
-              <a:t>1/31/2018</a:t>
+              <a:t>2/1/18</a:t>
             </a:fld>
             <a:endParaRPr lang="en-US"/>
           </a:p>
@@ -2480,7 +2480,7 @@
             <a:fld id="{17450E51-4C5E-4BB5-8E54-A147694BC1CA}" type="datetimeFigureOut">
               <a:rPr lang="en-US" smtClean="0"/>
               <a:pPr/>
-              <a:t>1/31/2018</a:t>
+              <a:t>2/1/18</a:t>
             </a:fld>
             <a:endParaRPr lang="en-US"/>
           </a:p>
@@ -2655,7 +2655,7 @@
             <a:fld id="{17450E51-4C5E-4BB5-8E54-A147694BC1CA}" type="datetimeFigureOut">
               <a:rPr lang="en-US" smtClean="0"/>
               <a:pPr/>
-              <a:t>1/31/2018</a:t>
+              <a:t>2/1/18</a:t>
             </a:fld>
             <a:endParaRPr lang="en-US"/>
           </a:p>
@@ -2820,7 +2820,7 @@
             <a:fld id="{17450E51-4C5E-4BB5-8E54-A147694BC1CA}" type="datetimeFigureOut">
               <a:rPr lang="en-US" smtClean="0"/>
               <a:pPr/>
-              <a:t>1/31/2018</a:t>
+              <a:t>2/1/18</a:t>
             </a:fld>
             <a:endParaRPr lang="en-US"/>
           </a:p>
@@ -3062,7 +3062,7 @@
             <a:fld id="{17450E51-4C5E-4BB5-8E54-A147694BC1CA}" type="datetimeFigureOut">
               <a:rPr lang="en-US" smtClean="0"/>
               <a:pPr/>
-              <a:t>1/31/2018</a:t>
+              <a:t>2/1/18</a:t>
             </a:fld>
             <a:endParaRPr lang="en-US"/>
           </a:p>
@@ -3344,7 +3344,7 @@
             <a:fld id="{17450E51-4C5E-4BB5-8E54-A147694BC1CA}" type="datetimeFigureOut">
               <a:rPr lang="en-US" smtClean="0"/>
               <a:pPr/>
-              <a:t>1/31/2018</a:t>
+              <a:t>2/1/18</a:t>
             </a:fld>
             <a:endParaRPr lang="en-US"/>
           </a:p>
@@ -3760,7 +3760,7 @@
             <a:fld id="{17450E51-4C5E-4BB5-8E54-A147694BC1CA}" type="datetimeFigureOut">
               <a:rPr lang="en-US" smtClean="0"/>
               <a:pPr/>
-              <a:t>1/31/2018</a:t>
+              <a:t>2/1/18</a:t>
             </a:fld>
             <a:endParaRPr lang="en-US"/>
           </a:p>
@@ -3874,7 +3874,7 @@
             <a:fld id="{17450E51-4C5E-4BB5-8E54-A147694BC1CA}" type="datetimeFigureOut">
               <a:rPr lang="en-US" smtClean="0"/>
               <a:pPr/>
-              <a:t>1/31/2018</a:t>
+              <a:t>2/1/18</a:t>
             </a:fld>
             <a:endParaRPr lang="en-US"/>
           </a:p>
@@ -3966,7 +3966,7 @@
             <a:fld id="{17450E51-4C5E-4BB5-8E54-A147694BC1CA}" type="datetimeFigureOut">
               <a:rPr lang="en-US" smtClean="0"/>
               <a:pPr/>
-              <a:t>1/31/2018</a:t>
+              <a:t>2/1/18</a:t>
             </a:fld>
             <a:endParaRPr lang="en-US"/>
           </a:p>
@@ -4238,7 +4238,7 @@
             <a:fld id="{17450E51-4C5E-4BB5-8E54-A147694BC1CA}" type="datetimeFigureOut">
               <a:rPr lang="en-US" smtClean="0"/>
               <a:pPr/>
-              <a:t>1/31/2018</a:t>
+              <a:t>2/1/18</a:t>
             </a:fld>
             <a:endParaRPr lang="en-US"/>
           </a:p>
@@ -4487,7 +4487,7 @@
             <a:fld id="{17450E51-4C5E-4BB5-8E54-A147694BC1CA}" type="datetimeFigureOut">
               <a:rPr lang="en-US" smtClean="0"/>
               <a:pPr/>
-              <a:t>1/31/2018</a:t>
+              <a:t>2/1/18</a:t>
             </a:fld>
             <a:endParaRPr lang="en-US"/>
           </a:p>
@@ -4695,7 +4695,7 @@
             <a:fld id="{17450E51-4C5E-4BB5-8E54-A147694BC1CA}" type="datetimeFigureOut">
               <a:rPr lang="en-US" smtClean="0"/>
               <a:pPr/>
-              <a:t>1/31/2018</a:t>
+              <a:t>2/1/18</a:t>
             </a:fld>
             <a:endParaRPr lang="en-US"/>
           </a:p>
@@ -5086,7 +5086,7 @@
           <a:graphicData uri="http://schemas.openxmlformats.org/presentationml/2006/ole">
             <mc:AlternateContent xmlns:mc="http://schemas.openxmlformats.org/markup-compatibility/2006">
               <mc:Choice xmlns:v="urn:schemas-microsoft-com:vml" Requires="v">
-                <p:oleObj spid="_x0000_s1026" r:id="rId5" imgW="0" imgH="0" progId="TCLayout.ActiveDocument.1">
+                <p:oleObj spid="_x0000_s1030" r:id="rId5" imgW="0" imgH="0" progId="TCLayout.ActiveDocument.1">
                   <p:embed/>
                 </p:oleObj>
               </mc:Choice>
@@ -5177,7 +5177,7 @@
           <a:p>
             <a:pPr algn="l"/>
             <a:r>
-              <a:rPr lang="en-US" sz="1800" b="1" dirty="0">
+              <a:rPr lang="en-US" sz="2400" b="1" dirty="0">
                 <a:solidFill>
                   <a:srgbClr val="000066"/>
                 </a:solidFill>
@@ -5192,7 +5192,7 @@
           <p:cNvPr id="7" name="TextBox 6">
             <a:extLst>
               <a:ext uri="{FF2B5EF4-FFF2-40B4-BE49-F238E27FC236}">
-                <a16:creationId xmlns:a16="http://schemas.microsoft.com/office/drawing/2014/main" id="{59D6BA0D-75DA-411C-AE80-6B1C75B5F712}"/>
+                <a16:creationId xmlns:a16="http://schemas.microsoft.com/office/drawing/2014/main" xmlns="" id="{59D6BA0D-75DA-411C-AE80-6B1C75B5F712}"/>
               </a:ext>
             </a:extLst>
           </p:cNvPr>
@@ -5355,7 +5355,7 @@
           <a:graphicData uri="http://schemas.openxmlformats.org/presentationml/2006/ole">
             <mc:AlternateContent xmlns:mc="http://schemas.openxmlformats.org/markup-compatibility/2006">
               <mc:Choice xmlns:v="urn:schemas-microsoft-com:vml" Requires="v">
-                <p:oleObj spid="_x0000_s9218" r:id="rId5" imgW="0" imgH="0" progId="TCLayout.ActiveDocument.1">
+                <p:oleObj spid="_x0000_s9221" r:id="rId5" imgW="0" imgH="0" progId="TCLayout.ActiveDocument.1">
                   <p:embed/>
                 </p:oleObj>
               </mc:Choice>
@@ -5461,7 +5461,7 @@
           <p:cNvPr id="13" name="Group 12">
             <a:extLst>
               <a:ext uri="{FF2B5EF4-FFF2-40B4-BE49-F238E27FC236}">
-                <a16:creationId xmlns:a16="http://schemas.microsoft.com/office/drawing/2014/main" id="{AF8D378F-06B0-4C7D-A8DC-3897EBC527B2}"/>
+                <a16:creationId xmlns:a16="http://schemas.microsoft.com/office/drawing/2014/main" xmlns="" id="{AF8D378F-06B0-4C7D-A8DC-3897EBC527B2}"/>
               </a:ext>
             </a:extLst>
           </p:cNvPr>
@@ -5481,7 +5481,7 @@
             <p:cNvPr id="11" name="Rectangle 2">
               <a:extLst>
                 <a:ext uri="{FF2B5EF4-FFF2-40B4-BE49-F238E27FC236}">
-                  <a16:creationId xmlns:a16="http://schemas.microsoft.com/office/drawing/2014/main" id="{340A7B56-754B-452D-844A-C81239CEB0F3}"/>
+                  <a16:creationId xmlns:a16="http://schemas.microsoft.com/office/drawing/2014/main" xmlns="" id="{340A7B56-754B-452D-844A-C81239CEB0F3}"/>
                 </a:ext>
               </a:extLst>
             </p:cNvPr>
@@ -5533,7 +5533,7 @@
             <p:cNvPr id="2" name="Picture 1">
               <a:extLst>
                 <a:ext uri="{FF2B5EF4-FFF2-40B4-BE49-F238E27FC236}">
-                  <a16:creationId xmlns:a16="http://schemas.microsoft.com/office/drawing/2014/main" id="{B69BA337-7192-4723-A968-65052031615B}"/>
+                  <a16:creationId xmlns:a16="http://schemas.microsoft.com/office/drawing/2014/main" xmlns="" id="{B69BA337-7192-4723-A968-65052031615B}"/>
                 </a:ext>
               </a:extLst>
             </p:cNvPr>
@@ -5563,7 +5563,7 @@
             <p:cNvPr id="20" name="Rectangle 19">
               <a:extLst>
                 <a:ext uri="{FF2B5EF4-FFF2-40B4-BE49-F238E27FC236}">
-                  <a16:creationId xmlns:a16="http://schemas.microsoft.com/office/drawing/2014/main" id="{F52B8517-3790-47B2-B06A-A7D51337D86B}"/>
+                  <a16:creationId xmlns:a16="http://schemas.microsoft.com/office/drawing/2014/main" xmlns="" id="{F52B8517-3790-47B2-B06A-A7D51337D86B}"/>
                 </a:ext>
               </a:extLst>
             </p:cNvPr>
@@ -5617,7 +5617,7 @@
           <p:cNvPr id="26" name="Group 25">
             <a:extLst>
               <a:ext uri="{FF2B5EF4-FFF2-40B4-BE49-F238E27FC236}">
-                <a16:creationId xmlns:a16="http://schemas.microsoft.com/office/drawing/2014/main" id="{09E04D29-E4EB-43C5-91C3-07324CA56B40}"/>
+                <a16:creationId xmlns:a16="http://schemas.microsoft.com/office/drawing/2014/main" xmlns="" id="{09E04D29-E4EB-43C5-91C3-07324CA56B40}"/>
               </a:ext>
             </a:extLst>
           </p:cNvPr>
@@ -5637,7 +5637,7 @@
             <p:cNvPr id="8" name="Picture 7">
               <a:extLst>
                 <a:ext uri="{FF2B5EF4-FFF2-40B4-BE49-F238E27FC236}">
-                  <a16:creationId xmlns:a16="http://schemas.microsoft.com/office/drawing/2014/main" id="{3D694C7A-BA08-4C78-9C38-C235F05AD0BC}"/>
+                  <a16:creationId xmlns:a16="http://schemas.microsoft.com/office/drawing/2014/main" xmlns="" id="{3D694C7A-BA08-4C78-9C38-C235F05AD0BC}"/>
                 </a:ext>
               </a:extLst>
             </p:cNvPr>
@@ -5667,7 +5667,7 @@
             <p:cNvPr id="15" name="Rectangle 2">
               <a:extLst>
                 <a:ext uri="{FF2B5EF4-FFF2-40B4-BE49-F238E27FC236}">
-                  <a16:creationId xmlns:a16="http://schemas.microsoft.com/office/drawing/2014/main" id="{C8362624-861F-43A9-B40A-5DE35CE921CE}"/>
+                  <a16:creationId xmlns:a16="http://schemas.microsoft.com/office/drawing/2014/main" xmlns="" id="{C8362624-861F-43A9-B40A-5DE35CE921CE}"/>
                 </a:ext>
               </a:extLst>
             </p:cNvPr>
@@ -5719,7 +5719,7 @@
             <p:cNvPr id="21" name="Rectangle 20">
               <a:extLst>
                 <a:ext uri="{FF2B5EF4-FFF2-40B4-BE49-F238E27FC236}">
-                  <a16:creationId xmlns:a16="http://schemas.microsoft.com/office/drawing/2014/main" id="{D6B3708A-7098-4058-AD99-BEE78F192AB7}"/>
+                  <a16:creationId xmlns:a16="http://schemas.microsoft.com/office/drawing/2014/main" xmlns="" id="{D6B3708A-7098-4058-AD99-BEE78F192AB7}"/>
                 </a:ext>
               </a:extLst>
             </p:cNvPr>
@@ -5773,7 +5773,7 @@
           <p:cNvPr id="27" name="Group 26">
             <a:extLst>
               <a:ext uri="{FF2B5EF4-FFF2-40B4-BE49-F238E27FC236}">
-                <a16:creationId xmlns:a16="http://schemas.microsoft.com/office/drawing/2014/main" id="{6837C4E7-E6DD-4169-B741-FD7251C7CD8E}"/>
+                <a16:creationId xmlns:a16="http://schemas.microsoft.com/office/drawing/2014/main" xmlns="" id="{6837C4E7-E6DD-4169-B741-FD7251C7CD8E}"/>
               </a:ext>
             </a:extLst>
           </p:cNvPr>
@@ -5793,7 +5793,7 @@
             <p:cNvPr id="14" name="Picture 13">
               <a:extLst>
                 <a:ext uri="{FF2B5EF4-FFF2-40B4-BE49-F238E27FC236}">
-                  <a16:creationId xmlns:a16="http://schemas.microsoft.com/office/drawing/2014/main" id="{32BAD7AC-85E4-4FE2-A08A-6F0AF3FAC27B}"/>
+                  <a16:creationId xmlns:a16="http://schemas.microsoft.com/office/drawing/2014/main" xmlns="" id="{32BAD7AC-85E4-4FE2-A08A-6F0AF3FAC27B}"/>
                 </a:ext>
               </a:extLst>
             </p:cNvPr>
@@ -5823,7 +5823,7 @@
             <p:cNvPr id="19" name="Rectangle 2">
               <a:extLst>
                 <a:ext uri="{FF2B5EF4-FFF2-40B4-BE49-F238E27FC236}">
-                  <a16:creationId xmlns:a16="http://schemas.microsoft.com/office/drawing/2014/main" id="{11A81F7D-89AE-4543-AC28-D15A3978268E}"/>
+                  <a16:creationId xmlns:a16="http://schemas.microsoft.com/office/drawing/2014/main" xmlns="" id="{11A81F7D-89AE-4543-AC28-D15A3978268E}"/>
                 </a:ext>
               </a:extLst>
             </p:cNvPr>
@@ -5872,7 +5872,7 @@
             <p:cNvPr id="24" name="Rectangle 23">
               <a:extLst>
                 <a:ext uri="{FF2B5EF4-FFF2-40B4-BE49-F238E27FC236}">
-                  <a16:creationId xmlns:a16="http://schemas.microsoft.com/office/drawing/2014/main" id="{FE291957-6303-4956-B24C-E9D19A6D1282}"/>
+                  <a16:creationId xmlns:a16="http://schemas.microsoft.com/office/drawing/2014/main" xmlns="" id="{FE291957-6303-4956-B24C-E9D19A6D1282}"/>
                 </a:ext>
               </a:extLst>
             </p:cNvPr>
@@ -5926,7 +5926,7 @@
           <p:cNvPr id="25" name="Group 24">
             <a:extLst>
               <a:ext uri="{FF2B5EF4-FFF2-40B4-BE49-F238E27FC236}">
-                <a16:creationId xmlns:a16="http://schemas.microsoft.com/office/drawing/2014/main" id="{3EA8F59B-A5D2-43EB-8F99-2AED90B6D324}"/>
+                <a16:creationId xmlns:a16="http://schemas.microsoft.com/office/drawing/2014/main" xmlns="" id="{3EA8F59B-A5D2-43EB-8F99-2AED90B6D324}"/>
               </a:ext>
             </a:extLst>
           </p:cNvPr>
@@ -5946,7 +5946,7 @@
             <p:cNvPr id="12" name="Picture 11">
               <a:extLst>
                 <a:ext uri="{FF2B5EF4-FFF2-40B4-BE49-F238E27FC236}">
-                  <a16:creationId xmlns:a16="http://schemas.microsoft.com/office/drawing/2014/main" id="{F5047BBE-332B-48E6-B054-5D95898F1882}"/>
+                  <a16:creationId xmlns:a16="http://schemas.microsoft.com/office/drawing/2014/main" xmlns="" id="{F5047BBE-332B-48E6-B054-5D95898F1882}"/>
                 </a:ext>
               </a:extLst>
             </p:cNvPr>
@@ -5976,7 +5976,7 @@
             <p:cNvPr id="17" name="Rectangle 2">
               <a:extLst>
                 <a:ext uri="{FF2B5EF4-FFF2-40B4-BE49-F238E27FC236}">
-                  <a16:creationId xmlns:a16="http://schemas.microsoft.com/office/drawing/2014/main" id="{34796B36-8460-4AA7-BB8F-D2D4FE1A7AE5}"/>
+                  <a16:creationId xmlns:a16="http://schemas.microsoft.com/office/drawing/2014/main" xmlns="" id="{34796B36-8460-4AA7-BB8F-D2D4FE1A7AE5}"/>
                 </a:ext>
               </a:extLst>
             </p:cNvPr>
@@ -6028,7 +6028,7 @@
             <p:cNvPr id="23" name="Rectangle 22">
               <a:extLst>
                 <a:ext uri="{FF2B5EF4-FFF2-40B4-BE49-F238E27FC236}">
-                  <a16:creationId xmlns:a16="http://schemas.microsoft.com/office/drawing/2014/main" id="{B13B3A79-E38B-4AAE-A79C-3C3B02C83F06}"/>
+                  <a16:creationId xmlns:a16="http://schemas.microsoft.com/office/drawing/2014/main" xmlns="" id="{B13B3A79-E38B-4AAE-A79C-3C3B02C83F06}"/>
                 </a:ext>
               </a:extLst>
             </p:cNvPr>
@@ -6082,7 +6082,7 @@
           <p:cNvPr id="5" name="Group 4">
             <a:extLst>
               <a:ext uri="{FF2B5EF4-FFF2-40B4-BE49-F238E27FC236}">
-                <a16:creationId xmlns:a16="http://schemas.microsoft.com/office/drawing/2014/main" id="{70E882FA-D878-4031-AE0D-F2063BCDFEFD}"/>
+                <a16:creationId xmlns:a16="http://schemas.microsoft.com/office/drawing/2014/main" xmlns="" id="{70E882FA-D878-4031-AE0D-F2063BCDFEFD}"/>
               </a:ext>
             </a:extLst>
           </p:cNvPr>
@@ -6102,7 +6102,7 @@
             <p:cNvPr id="9" name="Picture 8">
               <a:extLst>
                 <a:ext uri="{FF2B5EF4-FFF2-40B4-BE49-F238E27FC236}">
-                  <a16:creationId xmlns:a16="http://schemas.microsoft.com/office/drawing/2014/main" id="{BAF1E3F6-0C2C-480D-B395-F4CFBB522C23}"/>
+                  <a16:creationId xmlns:a16="http://schemas.microsoft.com/office/drawing/2014/main" xmlns="" id="{BAF1E3F6-0C2C-480D-B395-F4CFBB522C23}"/>
                 </a:ext>
               </a:extLst>
             </p:cNvPr>
@@ -6132,7 +6132,7 @@
             <p:cNvPr id="16" name="Rectangle 2">
               <a:extLst>
                 <a:ext uri="{FF2B5EF4-FFF2-40B4-BE49-F238E27FC236}">
-                  <a16:creationId xmlns:a16="http://schemas.microsoft.com/office/drawing/2014/main" id="{9726BE47-F08A-411E-B579-8E0033EF1C64}"/>
+                  <a16:creationId xmlns:a16="http://schemas.microsoft.com/office/drawing/2014/main" xmlns="" id="{9726BE47-F08A-411E-B579-8E0033EF1C64}"/>
                 </a:ext>
               </a:extLst>
             </p:cNvPr>
@@ -6184,7 +6184,7 @@
             <p:cNvPr id="22" name="Rectangle 21">
               <a:extLst>
                 <a:ext uri="{FF2B5EF4-FFF2-40B4-BE49-F238E27FC236}">
-                  <a16:creationId xmlns:a16="http://schemas.microsoft.com/office/drawing/2014/main" id="{1FD29097-FDFD-438B-B3A7-17FBC442A115}"/>
+                  <a16:creationId xmlns:a16="http://schemas.microsoft.com/office/drawing/2014/main" xmlns="" id="{1FD29097-FDFD-438B-B3A7-17FBC442A115}"/>
                 </a:ext>
               </a:extLst>
             </p:cNvPr>
@@ -6538,7 +6538,7 @@
           <a:graphicData uri="http://schemas.openxmlformats.org/presentationml/2006/ole">
             <mc:AlternateContent xmlns:mc="http://schemas.openxmlformats.org/markup-compatibility/2006">
               <mc:Choice xmlns:v="urn:schemas-microsoft-com:vml" Requires="v">
-                <p:oleObj spid="_x0000_s10242" r:id="rId5" imgW="0" imgH="0" progId="TCLayout.ActiveDocument.1">
+                <p:oleObj spid="_x0000_s10246" r:id="rId5" imgW="0" imgH="0" progId="TCLayout.ActiveDocument.1">
                   <p:embed/>
                 </p:oleObj>
               </mc:Choice>
@@ -6644,7 +6644,7 @@
           <p:cNvPr id="7" name="TextBox 6">
             <a:extLst>
               <a:ext uri="{FF2B5EF4-FFF2-40B4-BE49-F238E27FC236}">
-                <a16:creationId xmlns:a16="http://schemas.microsoft.com/office/drawing/2014/main" id="{59D6BA0D-75DA-411C-AE80-6B1C75B5F712}"/>
+                <a16:creationId xmlns:a16="http://schemas.microsoft.com/office/drawing/2014/main" xmlns="" id="{59D6BA0D-75DA-411C-AE80-6B1C75B5F712}"/>
               </a:ext>
             </a:extLst>
           </p:cNvPr>
@@ -6722,8 +6722,21 @@
                   <a:srgbClr val="000066"/>
                 </a:solidFill>
               </a:rPr>
-              <a:t>Environmental or Ecological Hazzard</a:t>
-            </a:r>
+              <a:t>Environmental or Ecological </a:t>
+            </a:r>
+            <a:r>
+              <a:rPr lang="en-US" b="1" i="1" dirty="0" smtClean="0">
+                <a:solidFill>
+                  <a:srgbClr val="000066"/>
+                </a:solidFill>
+              </a:rPr>
+              <a:t>Hazard</a:t>
+            </a:r>
+            <a:endParaRPr lang="en-US" b="1" i="1" dirty="0">
+              <a:solidFill>
+                <a:srgbClr val="000066"/>
+              </a:solidFill>
+            </a:endParaRPr>
           </a:p>
           <a:p>
             <a:pPr marL="285750" indent="-285750">
@@ -6736,8 +6749,21 @@
                   <a:srgbClr val="000066"/>
                 </a:solidFill>
               </a:rPr>
-              <a:t>Human Health Hazzard</a:t>
-            </a:r>
+              <a:t>Human Health </a:t>
+            </a:r>
+            <a:r>
+              <a:rPr lang="en-US" b="1" i="1" dirty="0" smtClean="0">
+                <a:solidFill>
+                  <a:srgbClr val="000066"/>
+                </a:solidFill>
+              </a:rPr>
+              <a:t>Hazard</a:t>
+            </a:r>
+            <a:endParaRPr lang="en-US" b="1" i="1" dirty="0">
+              <a:solidFill>
+                <a:srgbClr val="000066"/>
+              </a:solidFill>
+            </a:endParaRPr>
           </a:p>
           <a:p>
             <a:pPr marL="285750" indent="-285750">
@@ -6772,7 +6798,7 @@
           <p:cNvPr id="6" name="TextBox 5">
             <a:extLst>
               <a:ext uri="{FF2B5EF4-FFF2-40B4-BE49-F238E27FC236}">
-                <a16:creationId xmlns:a16="http://schemas.microsoft.com/office/drawing/2014/main" id="{B5445D99-1429-4B9F-AFF3-64CE73903E87}"/>
+                <a16:creationId xmlns:a16="http://schemas.microsoft.com/office/drawing/2014/main" xmlns="" id="{B5445D99-1429-4B9F-AFF3-64CE73903E87}"/>
               </a:ext>
             </a:extLst>
           </p:cNvPr>
@@ -7041,7 +7067,7 @@
           <a:graphicData uri="http://schemas.openxmlformats.org/presentationml/2006/ole">
             <mc:AlternateContent xmlns:mc="http://schemas.openxmlformats.org/markup-compatibility/2006">
               <mc:Choice xmlns:v="urn:schemas-microsoft-com:vml" Requires="v">
-                <p:oleObj spid="_x0000_s11266" r:id="rId5" imgW="0" imgH="0" progId="TCLayout.ActiveDocument.1">
+                <p:oleObj spid="_x0000_s11269" r:id="rId5" imgW="0" imgH="0" progId="TCLayout.ActiveDocument.1">
                   <p:embed/>
                 </p:oleObj>
               </mc:Choice>
@@ -7113,7 +7139,7 @@
           <p:cNvPr id="8" name="Title 40">
             <a:extLst>
               <a:ext uri="{FF2B5EF4-FFF2-40B4-BE49-F238E27FC236}">
-                <a16:creationId xmlns:a16="http://schemas.microsoft.com/office/drawing/2014/main" id="{6D65D641-D69D-4168-BB7D-AD3F200877E3}"/>
+                <a16:creationId xmlns:a16="http://schemas.microsoft.com/office/drawing/2014/main" xmlns="" id="{6D65D641-D69D-4168-BB7D-AD3F200877E3}"/>
               </a:ext>
             </a:extLst>
           </p:cNvPr>
@@ -7153,7 +7179,7 @@
           <p:cNvPr id="3" name="TextBox 2">
             <a:extLst>
               <a:ext uri="{FF2B5EF4-FFF2-40B4-BE49-F238E27FC236}">
-                <a16:creationId xmlns:a16="http://schemas.microsoft.com/office/drawing/2014/main" id="{0BBCD9D6-8729-415F-B524-1885A8D216AD}"/>
+                <a16:creationId xmlns:a16="http://schemas.microsoft.com/office/drawing/2014/main" xmlns="" id="{0BBCD9D6-8729-415F-B524-1885A8D216AD}"/>
               </a:ext>
             </a:extLst>
           </p:cNvPr>
@@ -7221,7 +7247,7 @@
           <p:cNvPr id="4" name="Picture 3">
             <a:extLst>
               <a:ext uri="{FF2B5EF4-FFF2-40B4-BE49-F238E27FC236}">
-                <a16:creationId xmlns:a16="http://schemas.microsoft.com/office/drawing/2014/main" id="{B21AA919-AB25-4407-AD8E-42181958B333}"/>
+                <a16:creationId xmlns:a16="http://schemas.microsoft.com/office/drawing/2014/main" xmlns="" id="{B21AA919-AB25-4407-AD8E-42181958B333}"/>
               </a:ext>
             </a:extLst>
           </p:cNvPr>
@@ -7296,7 +7322,7 @@
           <a:graphicData uri="http://schemas.openxmlformats.org/presentationml/2006/ole">
             <mc:AlternateContent xmlns:mc="http://schemas.openxmlformats.org/markup-compatibility/2006">
               <mc:Choice xmlns:v="urn:schemas-microsoft-com:vml" Requires="v">
-                <p:oleObj spid="_x0000_s12290" r:id="rId5" imgW="0" imgH="0" progId="TCLayout.ActiveDocument.1">
+                <p:oleObj spid="_x0000_s12293" r:id="rId5" imgW="0" imgH="0" progId="TCLayout.ActiveDocument.1">
                   <p:embed/>
                 </p:oleObj>
               </mc:Choice>
@@ -7368,7 +7394,7 @@
           <p:cNvPr id="8" name="Title 40">
             <a:extLst>
               <a:ext uri="{FF2B5EF4-FFF2-40B4-BE49-F238E27FC236}">
-                <a16:creationId xmlns:a16="http://schemas.microsoft.com/office/drawing/2014/main" id="{6D65D641-D69D-4168-BB7D-AD3F200877E3}"/>
+                <a16:creationId xmlns:a16="http://schemas.microsoft.com/office/drawing/2014/main" xmlns="" id="{6D65D641-D69D-4168-BB7D-AD3F200877E3}"/>
               </a:ext>
             </a:extLst>
           </p:cNvPr>
@@ -7408,7 +7434,7 @@
           <p:cNvPr id="3" name="TextBox 2">
             <a:extLst>
               <a:ext uri="{FF2B5EF4-FFF2-40B4-BE49-F238E27FC236}">
-                <a16:creationId xmlns:a16="http://schemas.microsoft.com/office/drawing/2014/main" id="{0BBCD9D6-8729-415F-B524-1885A8D216AD}"/>
+                <a16:creationId xmlns:a16="http://schemas.microsoft.com/office/drawing/2014/main" xmlns="" id="{0BBCD9D6-8729-415F-B524-1885A8D216AD}"/>
               </a:ext>
             </a:extLst>
           </p:cNvPr>
@@ -7481,7 +7507,7 @@
           <p:cNvPr id="2" name="Picture 1">
             <a:extLst>
               <a:ext uri="{FF2B5EF4-FFF2-40B4-BE49-F238E27FC236}">
-                <a16:creationId xmlns:a16="http://schemas.microsoft.com/office/drawing/2014/main" id="{1277F03A-6793-4CBF-99A5-91EB36123803}"/>
+                <a16:creationId xmlns:a16="http://schemas.microsoft.com/office/drawing/2014/main" xmlns="" id="{1277F03A-6793-4CBF-99A5-91EB36123803}"/>
               </a:ext>
             </a:extLst>
           </p:cNvPr>
@@ -7499,7 +7525,7 @@
         <p:spPr>
           <a:xfrm>
             <a:off x="343270" y="2746984"/>
-            <a:ext cx="3466730" cy="3825266"/>
+            <a:ext cx="3847730" cy="3825266"/>
           </a:xfrm>
           <a:prstGeom prst="rect">
             <a:avLst/>
@@ -7511,7 +7537,7 @@
           <p:cNvPr id="5" name="Picture 4">
             <a:extLst>
               <a:ext uri="{FF2B5EF4-FFF2-40B4-BE49-F238E27FC236}">
-                <a16:creationId xmlns:a16="http://schemas.microsoft.com/office/drawing/2014/main" id="{FBD64368-918A-44AB-AC45-358F005CE533}"/>
+                <a16:creationId xmlns:a16="http://schemas.microsoft.com/office/drawing/2014/main" xmlns="" id="{FBD64368-918A-44AB-AC45-358F005CE533}"/>
               </a:ext>
             </a:extLst>
           </p:cNvPr>
@@ -7586,7 +7612,7 @@
           <a:graphicData uri="http://schemas.openxmlformats.org/presentationml/2006/ole">
             <mc:AlternateContent xmlns:mc="http://schemas.openxmlformats.org/markup-compatibility/2006">
               <mc:Choice xmlns:v="urn:schemas-microsoft-com:vml" Requires="v">
-                <p:oleObj spid="_x0000_s13314" r:id="rId5" imgW="0" imgH="0" progId="TCLayout.ActiveDocument.1">
+                <p:oleObj spid="_x0000_s13317" r:id="rId5" imgW="0" imgH="0" progId="TCLayout.ActiveDocument.1">
                   <p:embed/>
                 </p:oleObj>
               </mc:Choice>
@@ -7658,7 +7684,7 @@
           <p:cNvPr id="8" name="Title 40">
             <a:extLst>
               <a:ext uri="{FF2B5EF4-FFF2-40B4-BE49-F238E27FC236}">
-                <a16:creationId xmlns:a16="http://schemas.microsoft.com/office/drawing/2014/main" id="{6D65D641-D69D-4168-BB7D-AD3F200877E3}"/>
+                <a16:creationId xmlns:a16="http://schemas.microsoft.com/office/drawing/2014/main" xmlns="" id="{6D65D641-D69D-4168-BB7D-AD3F200877E3}"/>
               </a:ext>
             </a:extLst>
           </p:cNvPr>
@@ -7698,7 +7724,7 @@
           <p:cNvPr id="3" name="TextBox 2">
             <a:extLst>
               <a:ext uri="{FF2B5EF4-FFF2-40B4-BE49-F238E27FC236}">
-                <a16:creationId xmlns:a16="http://schemas.microsoft.com/office/drawing/2014/main" id="{0BBCD9D6-8729-415F-B524-1885A8D216AD}"/>
+                <a16:creationId xmlns:a16="http://schemas.microsoft.com/office/drawing/2014/main" xmlns="" id="{0BBCD9D6-8729-415F-B524-1885A8D216AD}"/>
               </a:ext>
             </a:extLst>
           </p:cNvPr>
@@ -7746,7 +7772,7 @@
           <p:cNvPr id="4" name="Picture 3">
             <a:extLst>
               <a:ext uri="{FF2B5EF4-FFF2-40B4-BE49-F238E27FC236}">
-                <a16:creationId xmlns:a16="http://schemas.microsoft.com/office/drawing/2014/main" id="{BC4DC7B1-419F-413C-B138-FA2F807D2140}"/>
+                <a16:creationId xmlns:a16="http://schemas.microsoft.com/office/drawing/2014/main" xmlns="" id="{BC4DC7B1-419F-413C-B138-FA2F807D2140}"/>
               </a:ext>
             </a:extLst>
           </p:cNvPr>
@@ -7821,7 +7847,7 @@
           <a:graphicData uri="http://schemas.openxmlformats.org/presentationml/2006/ole">
             <mc:AlternateContent xmlns:mc="http://schemas.openxmlformats.org/markup-compatibility/2006">
               <mc:Choice xmlns:v="urn:schemas-microsoft-com:vml" Requires="v">
-                <p:oleObj spid="_x0000_s14338" r:id="rId5" imgW="0" imgH="0" progId="TCLayout.ActiveDocument.1">
+                <p:oleObj spid="_x0000_s14341" r:id="rId5" imgW="0" imgH="0" progId="TCLayout.ActiveDocument.1">
                   <p:embed/>
                 </p:oleObj>
               </mc:Choice>
@@ -7893,7 +7919,7 @@
           <p:cNvPr id="8" name="Title 40">
             <a:extLst>
               <a:ext uri="{FF2B5EF4-FFF2-40B4-BE49-F238E27FC236}">
-                <a16:creationId xmlns:a16="http://schemas.microsoft.com/office/drawing/2014/main" id="{6D65D641-D69D-4168-BB7D-AD3F200877E3}"/>
+                <a16:creationId xmlns:a16="http://schemas.microsoft.com/office/drawing/2014/main" xmlns="" id="{6D65D641-D69D-4168-BB7D-AD3F200877E3}"/>
               </a:ext>
             </a:extLst>
           </p:cNvPr>
@@ -7933,7 +7959,7 @@
           <p:cNvPr id="3" name="TextBox 2">
             <a:extLst>
               <a:ext uri="{FF2B5EF4-FFF2-40B4-BE49-F238E27FC236}">
-                <a16:creationId xmlns:a16="http://schemas.microsoft.com/office/drawing/2014/main" id="{0BBCD9D6-8729-415F-B524-1885A8D216AD}"/>
+                <a16:creationId xmlns:a16="http://schemas.microsoft.com/office/drawing/2014/main" xmlns="" id="{0BBCD9D6-8729-415F-B524-1885A8D216AD}"/>
               </a:ext>
             </a:extLst>
           </p:cNvPr>
@@ -7981,7 +8007,7 @@
           <p:cNvPr id="2" name="Picture 1">
             <a:extLst>
               <a:ext uri="{FF2B5EF4-FFF2-40B4-BE49-F238E27FC236}">
-                <a16:creationId xmlns:a16="http://schemas.microsoft.com/office/drawing/2014/main" id="{9BEDBBD5-CD56-47A4-A64A-82670CE6E43B}"/>
+                <a16:creationId xmlns:a16="http://schemas.microsoft.com/office/drawing/2014/main" xmlns="" id="{9BEDBBD5-CD56-47A4-A64A-82670CE6E43B}"/>
               </a:ext>
             </a:extLst>
           </p:cNvPr>
@@ -8056,7 +8082,7 @@
           <a:graphicData uri="http://schemas.openxmlformats.org/presentationml/2006/ole">
             <mc:AlternateContent xmlns:mc="http://schemas.openxmlformats.org/markup-compatibility/2006">
               <mc:Choice xmlns:v="urn:schemas-microsoft-com:vml" Requires="v">
-                <p:oleObj spid="_x0000_s15362" r:id="rId5" imgW="0" imgH="0" progId="TCLayout.ActiveDocument.1">
+                <p:oleObj spid="_x0000_s15365" r:id="rId5" imgW="0" imgH="0" progId="TCLayout.ActiveDocument.1">
                   <p:embed/>
                 </p:oleObj>
               </mc:Choice>
@@ -8128,7 +8154,7 @@
           <p:cNvPr id="8" name="Title 40">
             <a:extLst>
               <a:ext uri="{FF2B5EF4-FFF2-40B4-BE49-F238E27FC236}">
-                <a16:creationId xmlns:a16="http://schemas.microsoft.com/office/drawing/2014/main" id="{6D65D641-D69D-4168-BB7D-AD3F200877E3}"/>
+                <a16:creationId xmlns:a16="http://schemas.microsoft.com/office/drawing/2014/main" xmlns="" id="{6D65D641-D69D-4168-BB7D-AD3F200877E3}"/>
               </a:ext>
             </a:extLst>
           </p:cNvPr>
@@ -8168,7 +8194,7 @@
           <p:cNvPr id="3" name="TextBox 2">
             <a:extLst>
               <a:ext uri="{FF2B5EF4-FFF2-40B4-BE49-F238E27FC236}">
-                <a16:creationId xmlns:a16="http://schemas.microsoft.com/office/drawing/2014/main" id="{0BBCD9D6-8729-415F-B524-1885A8D216AD}"/>
+                <a16:creationId xmlns:a16="http://schemas.microsoft.com/office/drawing/2014/main" xmlns="" id="{0BBCD9D6-8729-415F-B524-1885A8D216AD}"/>
               </a:ext>
             </a:extLst>
           </p:cNvPr>
@@ -8226,7 +8252,7 @@
           <p:cNvPr id="2" name="Picture 1">
             <a:extLst>
               <a:ext uri="{FF2B5EF4-FFF2-40B4-BE49-F238E27FC236}">
-                <a16:creationId xmlns:a16="http://schemas.microsoft.com/office/drawing/2014/main" id="{833A50E2-178D-4567-869C-312E4F748BD1}"/>
+                <a16:creationId xmlns:a16="http://schemas.microsoft.com/office/drawing/2014/main" xmlns="" id="{833A50E2-178D-4567-869C-312E4F748BD1}"/>
               </a:ext>
             </a:extLst>
           </p:cNvPr>
@@ -8301,7 +8327,7 @@
           <a:graphicData uri="http://schemas.openxmlformats.org/presentationml/2006/ole">
             <mc:AlternateContent xmlns:mc="http://schemas.openxmlformats.org/markup-compatibility/2006">
               <mc:Choice xmlns:v="urn:schemas-microsoft-com:vml" Requires="v">
-                <p:oleObj spid="_x0000_s16386" r:id="rId5" imgW="0" imgH="0" progId="TCLayout.ActiveDocument.1">
+                <p:oleObj spid="_x0000_s16389" r:id="rId5" imgW="0" imgH="0" progId="TCLayout.ActiveDocument.1">
                   <p:embed/>
                 </p:oleObj>
               </mc:Choice>
@@ -8373,7 +8399,7 @@
           <p:cNvPr id="8" name="Title 40">
             <a:extLst>
               <a:ext uri="{FF2B5EF4-FFF2-40B4-BE49-F238E27FC236}">
-                <a16:creationId xmlns:a16="http://schemas.microsoft.com/office/drawing/2014/main" id="{6D65D641-D69D-4168-BB7D-AD3F200877E3}"/>
+                <a16:creationId xmlns:a16="http://schemas.microsoft.com/office/drawing/2014/main" xmlns="" id="{6D65D641-D69D-4168-BB7D-AD3F200877E3}"/>
               </a:ext>
             </a:extLst>
           </p:cNvPr>
@@ -8413,7 +8439,7 @@
           <p:cNvPr id="3" name="TextBox 2">
             <a:extLst>
               <a:ext uri="{FF2B5EF4-FFF2-40B4-BE49-F238E27FC236}">
-                <a16:creationId xmlns:a16="http://schemas.microsoft.com/office/drawing/2014/main" id="{0BBCD9D6-8729-415F-B524-1885A8D216AD}"/>
+                <a16:creationId xmlns:a16="http://schemas.microsoft.com/office/drawing/2014/main" xmlns="" id="{0BBCD9D6-8729-415F-B524-1885A8D216AD}"/>
               </a:ext>
             </a:extLst>
           </p:cNvPr>
@@ -8478,7 +8504,7 @@
           <p:cNvPr id="2" name="Picture 1">
             <a:extLst>
               <a:ext uri="{FF2B5EF4-FFF2-40B4-BE49-F238E27FC236}">
-                <a16:creationId xmlns:a16="http://schemas.microsoft.com/office/drawing/2014/main" id="{833A50E2-178D-4567-869C-312E4F748BD1}"/>
+                <a16:creationId xmlns:a16="http://schemas.microsoft.com/office/drawing/2014/main" xmlns="" id="{833A50E2-178D-4567-869C-312E4F748BD1}"/>
               </a:ext>
             </a:extLst>
           </p:cNvPr>
@@ -8508,7 +8534,7 @@
           <p:cNvPr id="4" name="Oval 3">
             <a:extLst>
               <a:ext uri="{FF2B5EF4-FFF2-40B4-BE49-F238E27FC236}">
-                <a16:creationId xmlns:a16="http://schemas.microsoft.com/office/drawing/2014/main" id="{7223C791-FAB9-40DE-960C-238B4FF11214}"/>
+                <a16:creationId xmlns:a16="http://schemas.microsoft.com/office/drawing/2014/main" xmlns="" id="{7223C791-FAB9-40DE-960C-238B4FF11214}"/>
               </a:ext>
             </a:extLst>
           </p:cNvPr>
@@ -8605,7 +8631,7 @@
           <a:graphicData uri="http://schemas.openxmlformats.org/presentationml/2006/ole">
             <mc:AlternateContent xmlns:mc="http://schemas.openxmlformats.org/markup-compatibility/2006">
               <mc:Choice xmlns:v="urn:schemas-microsoft-com:vml" Requires="v">
-                <p:oleObj spid="_x0000_s17410" r:id="rId5" imgW="0" imgH="0" progId="TCLayout.ActiveDocument.1">
+                <p:oleObj spid="_x0000_s17413" r:id="rId5" imgW="0" imgH="0" progId="TCLayout.ActiveDocument.1">
                   <p:embed/>
                 </p:oleObj>
               </mc:Choice>
@@ -8677,7 +8703,7 @@
           <p:cNvPr id="8" name="Title 40">
             <a:extLst>
               <a:ext uri="{FF2B5EF4-FFF2-40B4-BE49-F238E27FC236}">
-                <a16:creationId xmlns:a16="http://schemas.microsoft.com/office/drawing/2014/main" id="{6D65D641-D69D-4168-BB7D-AD3F200877E3}"/>
+                <a16:creationId xmlns:a16="http://schemas.microsoft.com/office/drawing/2014/main" xmlns="" id="{6D65D641-D69D-4168-BB7D-AD3F200877E3}"/>
               </a:ext>
             </a:extLst>
           </p:cNvPr>
@@ -8717,7 +8743,7 @@
           <p:cNvPr id="3" name="TextBox 2">
             <a:extLst>
               <a:ext uri="{FF2B5EF4-FFF2-40B4-BE49-F238E27FC236}">
-                <a16:creationId xmlns:a16="http://schemas.microsoft.com/office/drawing/2014/main" id="{0BBCD9D6-8729-415F-B524-1885A8D216AD}"/>
+                <a16:creationId xmlns:a16="http://schemas.microsoft.com/office/drawing/2014/main" xmlns="" id="{0BBCD9D6-8729-415F-B524-1885A8D216AD}"/>
               </a:ext>
             </a:extLst>
           </p:cNvPr>
@@ -8782,7 +8808,7 @@
           <p:cNvPr id="5" name="Picture 4">
             <a:extLst>
               <a:ext uri="{FF2B5EF4-FFF2-40B4-BE49-F238E27FC236}">
-                <a16:creationId xmlns:a16="http://schemas.microsoft.com/office/drawing/2014/main" id="{F99B3DC4-E98C-41C8-ABB1-D05095A80214}"/>
+                <a16:creationId xmlns:a16="http://schemas.microsoft.com/office/drawing/2014/main" xmlns="" id="{F99B3DC4-E98C-41C8-ABB1-D05095A80214}"/>
               </a:ext>
             </a:extLst>
           </p:cNvPr>
@@ -8857,7 +8883,7 @@
           <a:graphicData uri="http://schemas.openxmlformats.org/presentationml/2006/ole">
             <mc:AlternateContent xmlns:mc="http://schemas.openxmlformats.org/markup-compatibility/2006">
               <mc:Choice xmlns:v="urn:schemas-microsoft-com:vml" Requires="v">
-                <p:oleObj spid="_x0000_s18434" r:id="rId5" imgW="0" imgH="0" progId="TCLayout.ActiveDocument.1">
+                <p:oleObj spid="_x0000_s18437" r:id="rId5" imgW="0" imgH="0" progId="TCLayout.ActiveDocument.1">
                   <p:embed/>
                 </p:oleObj>
               </mc:Choice>
@@ -8929,7 +8955,7 @@
           <p:cNvPr id="8" name="Title 40">
             <a:extLst>
               <a:ext uri="{FF2B5EF4-FFF2-40B4-BE49-F238E27FC236}">
-                <a16:creationId xmlns:a16="http://schemas.microsoft.com/office/drawing/2014/main" id="{6D65D641-D69D-4168-BB7D-AD3F200877E3}"/>
+                <a16:creationId xmlns:a16="http://schemas.microsoft.com/office/drawing/2014/main" xmlns="" id="{6D65D641-D69D-4168-BB7D-AD3F200877E3}"/>
               </a:ext>
             </a:extLst>
           </p:cNvPr>
@@ -8969,7 +8995,7 @@
           <p:cNvPr id="3" name="TextBox 2">
             <a:extLst>
               <a:ext uri="{FF2B5EF4-FFF2-40B4-BE49-F238E27FC236}">
-                <a16:creationId xmlns:a16="http://schemas.microsoft.com/office/drawing/2014/main" id="{0BBCD9D6-8729-415F-B524-1885A8D216AD}"/>
+                <a16:creationId xmlns:a16="http://schemas.microsoft.com/office/drawing/2014/main" xmlns="" id="{0BBCD9D6-8729-415F-B524-1885A8D216AD}"/>
               </a:ext>
             </a:extLst>
           </p:cNvPr>
@@ -9047,7 +9073,7 @@
           <p:cNvPr id="2" name="Picture 1">
             <a:extLst>
               <a:ext uri="{FF2B5EF4-FFF2-40B4-BE49-F238E27FC236}">
-                <a16:creationId xmlns:a16="http://schemas.microsoft.com/office/drawing/2014/main" id="{6D6B3A07-5B38-4412-8E62-22985BE45DCA}"/>
+                <a16:creationId xmlns:a16="http://schemas.microsoft.com/office/drawing/2014/main" xmlns="" id="{6D6B3A07-5B38-4412-8E62-22985BE45DCA}"/>
               </a:ext>
             </a:extLst>
           </p:cNvPr>
@@ -9077,7 +9103,7 @@
           <p:cNvPr id="4" name="TextBox 3">
             <a:extLst>
               <a:ext uri="{FF2B5EF4-FFF2-40B4-BE49-F238E27FC236}">
-                <a16:creationId xmlns:a16="http://schemas.microsoft.com/office/drawing/2014/main" id="{C5C403EE-515C-4FF5-9778-90E68BE109B9}"/>
+                <a16:creationId xmlns:a16="http://schemas.microsoft.com/office/drawing/2014/main" xmlns="" id="{C5C403EE-515C-4FF5-9778-90E68BE109B9}"/>
               </a:ext>
             </a:extLst>
           </p:cNvPr>
@@ -9165,7 +9191,7 @@
           <a:graphicData uri="http://schemas.openxmlformats.org/presentationml/2006/ole">
             <mc:AlternateContent xmlns:mc="http://schemas.openxmlformats.org/markup-compatibility/2006">
               <mc:Choice xmlns:v="urn:schemas-microsoft-com:vml" Requires="v">
-                <p:oleObj spid="_x0000_s2050" r:id="rId5" imgW="0" imgH="0" progId="TCLayout.ActiveDocument.1">
+                <p:oleObj spid="_x0000_s2053" r:id="rId5" imgW="0" imgH="0" progId="TCLayout.ActiveDocument.1">
                   <p:embed/>
                 </p:oleObj>
               </mc:Choice>
@@ -9271,7 +9297,7 @@
           <p:cNvPr id="7" name="TextBox 6">
             <a:extLst>
               <a:ext uri="{FF2B5EF4-FFF2-40B4-BE49-F238E27FC236}">
-                <a16:creationId xmlns:a16="http://schemas.microsoft.com/office/drawing/2014/main" id="{59D6BA0D-75DA-411C-AE80-6B1C75B5F712}"/>
+                <a16:creationId xmlns:a16="http://schemas.microsoft.com/office/drawing/2014/main" xmlns="" id="{59D6BA0D-75DA-411C-AE80-6B1C75B5F712}"/>
               </a:ext>
             </a:extLst>
           </p:cNvPr>
@@ -9310,7 +9336,7 @@
           <p:cNvPr id="5" name="TextBox 4">
             <a:extLst>
               <a:ext uri="{FF2B5EF4-FFF2-40B4-BE49-F238E27FC236}">
-                <a16:creationId xmlns:a16="http://schemas.microsoft.com/office/drawing/2014/main" id="{D4726C2B-DC37-47C3-8C2B-30F56E0AFE99}"/>
+                <a16:creationId xmlns:a16="http://schemas.microsoft.com/office/drawing/2014/main" xmlns="" id="{D4726C2B-DC37-47C3-8C2B-30F56E0AFE99}"/>
               </a:ext>
             </a:extLst>
           </p:cNvPr>
@@ -9426,7 +9452,7 @@
           <p:cNvPr id="6" name="TextBox 5">
             <a:extLst>
               <a:ext uri="{FF2B5EF4-FFF2-40B4-BE49-F238E27FC236}">
-                <a16:creationId xmlns:a16="http://schemas.microsoft.com/office/drawing/2014/main" id="{0C7F0FDA-5F46-41BD-BF0F-A903C866FD37}"/>
+                <a16:creationId xmlns:a16="http://schemas.microsoft.com/office/drawing/2014/main" xmlns="" id="{0C7F0FDA-5F46-41BD-BF0F-A903C866FD37}"/>
               </a:ext>
             </a:extLst>
           </p:cNvPr>
@@ -9634,7 +9660,7 @@
           <a:graphicData uri="http://schemas.openxmlformats.org/presentationml/2006/ole">
             <mc:AlternateContent xmlns:mc="http://schemas.openxmlformats.org/markup-compatibility/2006">
               <mc:Choice xmlns:v="urn:schemas-microsoft-com:vml" Requires="v">
-                <p:oleObj spid="_x0000_s19458" r:id="rId5" imgW="0" imgH="0" progId="TCLayout.ActiveDocument.1">
+                <p:oleObj spid="_x0000_s19461" r:id="rId5" imgW="0" imgH="0" progId="TCLayout.ActiveDocument.1">
                   <p:embed/>
                 </p:oleObj>
               </mc:Choice>
@@ -9706,7 +9732,7 @@
           <p:cNvPr id="8" name="Title 40">
             <a:extLst>
               <a:ext uri="{FF2B5EF4-FFF2-40B4-BE49-F238E27FC236}">
-                <a16:creationId xmlns:a16="http://schemas.microsoft.com/office/drawing/2014/main" id="{6D65D641-D69D-4168-BB7D-AD3F200877E3}"/>
+                <a16:creationId xmlns:a16="http://schemas.microsoft.com/office/drawing/2014/main" xmlns="" id="{6D65D641-D69D-4168-BB7D-AD3F200877E3}"/>
               </a:ext>
             </a:extLst>
           </p:cNvPr>
@@ -9746,7 +9772,7 @@
           <p:cNvPr id="3" name="Picture 2">
             <a:extLst>
               <a:ext uri="{FF2B5EF4-FFF2-40B4-BE49-F238E27FC236}">
-                <a16:creationId xmlns:a16="http://schemas.microsoft.com/office/drawing/2014/main" id="{B510CD78-C58F-4733-B0DD-F0874059F617}"/>
+                <a16:creationId xmlns:a16="http://schemas.microsoft.com/office/drawing/2014/main" xmlns="" id="{B510CD78-C58F-4733-B0DD-F0874059F617}"/>
               </a:ext>
             </a:extLst>
           </p:cNvPr>
@@ -9782,7 +9808,7 @@
           <p:cNvPr id="4" name="TextBox 3">
             <a:extLst>
               <a:ext uri="{FF2B5EF4-FFF2-40B4-BE49-F238E27FC236}">
-                <a16:creationId xmlns:a16="http://schemas.microsoft.com/office/drawing/2014/main" id="{E35C50F2-4743-41B2-9AB5-CE9F40985982}"/>
+                <a16:creationId xmlns:a16="http://schemas.microsoft.com/office/drawing/2014/main" xmlns="" id="{E35C50F2-4743-41B2-9AB5-CE9F40985982}"/>
               </a:ext>
             </a:extLst>
           </p:cNvPr>
@@ -9866,7 +9892,7 @@
           <a:graphicData uri="http://schemas.openxmlformats.org/presentationml/2006/ole">
             <mc:AlternateContent xmlns:mc="http://schemas.openxmlformats.org/markup-compatibility/2006">
               <mc:Choice xmlns:v="urn:schemas-microsoft-com:vml" Requires="v">
-                <p:oleObj spid="_x0000_s20482" r:id="rId5" imgW="0" imgH="0" progId="TCLayout.ActiveDocument.1">
+                <p:oleObj spid="_x0000_s20485" r:id="rId5" imgW="0" imgH="0" progId="TCLayout.ActiveDocument.1">
                   <p:embed/>
                 </p:oleObj>
               </mc:Choice>
@@ -9938,7 +9964,7 @@
           <p:cNvPr id="8" name="Title 40">
             <a:extLst>
               <a:ext uri="{FF2B5EF4-FFF2-40B4-BE49-F238E27FC236}">
-                <a16:creationId xmlns:a16="http://schemas.microsoft.com/office/drawing/2014/main" id="{6D65D641-D69D-4168-BB7D-AD3F200877E3}"/>
+                <a16:creationId xmlns:a16="http://schemas.microsoft.com/office/drawing/2014/main" xmlns="" id="{6D65D641-D69D-4168-BB7D-AD3F200877E3}"/>
               </a:ext>
             </a:extLst>
           </p:cNvPr>
@@ -9978,7 +10004,7 @@
           <p:cNvPr id="3" name="Picture 2">
             <a:extLst>
               <a:ext uri="{FF2B5EF4-FFF2-40B4-BE49-F238E27FC236}">
-                <a16:creationId xmlns:a16="http://schemas.microsoft.com/office/drawing/2014/main" id="{0FB252C2-8E0F-4E4E-AF3D-AD81519AC032}"/>
+                <a16:creationId xmlns:a16="http://schemas.microsoft.com/office/drawing/2014/main" xmlns="" id="{0FB252C2-8E0F-4E4E-AF3D-AD81519AC032}"/>
               </a:ext>
             </a:extLst>
           </p:cNvPr>
@@ -10007,7 +10033,7 @@
           <p:cNvPr id="4" name="TextBox 3">
             <a:extLst>
               <a:ext uri="{FF2B5EF4-FFF2-40B4-BE49-F238E27FC236}">
-                <a16:creationId xmlns:a16="http://schemas.microsoft.com/office/drawing/2014/main" id="{55A35CDF-AA72-4476-9932-1916784F16A0}"/>
+                <a16:creationId xmlns:a16="http://schemas.microsoft.com/office/drawing/2014/main" xmlns="" id="{55A35CDF-AA72-4476-9932-1916784F16A0}"/>
               </a:ext>
             </a:extLst>
           </p:cNvPr>
@@ -10091,7 +10117,7 @@
           <a:graphicData uri="http://schemas.openxmlformats.org/presentationml/2006/ole">
             <mc:AlternateContent xmlns:mc="http://schemas.openxmlformats.org/markup-compatibility/2006">
               <mc:Choice xmlns:v="urn:schemas-microsoft-com:vml" Requires="v">
-                <p:oleObj spid="_x0000_s21506" r:id="rId5" imgW="0" imgH="0" progId="TCLayout.ActiveDocument.1">
+                <p:oleObj spid="_x0000_s21509" r:id="rId5" imgW="0" imgH="0" progId="TCLayout.ActiveDocument.1">
                   <p:embed/>
                 </p:oleObj>
               </mc:Choice>
@@ -10163,7 +10189,7 @@
           <p:cNvPr id="8" name="Title 40">
             <a:extLst>
               <a:ext uri="{FF2B5EF4-FFF2-40B4-BE49-F238E27FC236}">
-                <a16:creationId xmlns:a16="http://schemas.microsoft.com/office/drawing/2014/main" id="{6D65D641-D69D-4168-BB7D-AD3F200877E3}"/>
+                <a16:creationId xmlns:a16="http://schemas.microsoft.com/office/drawing/2014/main" xmlns="" id="{6D65D641-D69D-4168-BB7D-AD3F200877E3}"/>
               </a:ext>
             </a:extLst>
           </p:cNvPr>
@@ -10203,7 +10229,7 @@
           <p:cNvPr id="4" name="TextBox 3">
             <a:extLst>
               <a:ext uri="{FF2B5EF4-FFF2-40B4-BE49-F238E27FC236}">
-                <a16:creationId xmlns:a16="http://schemas.microsoft.com/office/drawing/2014/main" id="{55A35CDF-AA72-4476-9932-1916784F16A0}"/>
+                <a16:creationId xmlns:a16="http://schemas.microsoft.com/office/drawing/2014/main" xmlns="" id="{55A35CDF-AA72-4476-9932-1916784F16A0}"/>
               </a:ext>
             </a:extLst>
           </p:cNvPr>
@@ -10239,7 +10265,7 @@
           <p:cNvPr id="2" name="Picture 1">
             <a:extLst>
               <a:ext uri="{FF2B5EF4-FFF2-40B4-BE49-F238E27FC236}">
-                <a16:creationId xmlns:a16="http://schemas.microsoft.com/office/drawing/2014/main" id="{709B7CA3-1C2B-4CBD-A4DC-E0FFDD1797D5}"/>
+                <a16:creationId xmlns:a16="http://schemas.microsoft.com/office/drawing/2014/main" xmlns="" id="{709B7CA3-1C2B-4CBD-A4DC-E0FFDD1797D5}"/>
               </a:ext>
             </a:extLst>
           </p:cNvPr>
@@ -10269,7 +10295,7 @@
           <p:cNvPr id="5" name="Oval 4">
             <a:extLst>
               <a:ext uri="{FF2B5EF4-FFF2-40B4-BE49-F238E27FC236}">
-                <a16:creationId xmlns:a16="http://schemas.microsoft.com/office/drawing/2014/main" id="{DCF6EEDF-92EF-487E-B22E-41DFF87D8D6C}"/>
+                <a16:creationId xmlns:a16="http://schemas.microsoft.com/office/drawing/2014/main" xmlns="" id="{DCF6EEDF-92EF-487E-B22E-41DFF87D8D6C}"/>
               </a:ext>
             </a:extLst>
           </p:cNvPr>
@@ -10321,7 +10347,7 @@
           <p:cNvPr id="6" name="Picture 5">
             <a:extLst>
               <a:ext uri="{FF2B5EF4-FFF2-40B4-BE49-F238E27FC236}">
-                <a16:creationId xmlns:a16="http://schemas.microsoft.com/office/drawing/2014/main" id="{38A4E0B2-C99F-4965-AC9B-E021F3FAC04F}"/>
+                <a16:creationId xmlns:a16="http://schemas.microsoft.com/office/drawing/2014/main" xmlns="" id="{38A4E0B2-C99F-4965-AC9B-E021F3FAC04F}"/>
               </a:ext>
             </a:extLst>
           </p:cNvPr>
@@ -10351,7 +10377,7 @@
           <p:cNvPr id="9" name="Oval 8">
             <a:extLst>
               <a:ext uri="{FF2B5EF4-FFF2-40B4-BE49-F238E27FC236}">
-                <a16:creationId xmlns:a16="http://schemas.microsoft.com/office/drawing/2014/main" id="{DA85EFC5-6758-4672-8D66-D8CAD1F9EAEA}"/>
+                <a16:creationId xmlns:a16="http://schemas.microsoft.com/office/drawing/2014/main" xmlns="" id="{DA85EFC5-6758-4672-8D66-D8CAD1F9EAEA}"/>
               </a:ext>
             </a:extLst>
           </p:cNvPr>
@@ -10403,7 +10429,7 @@
           <p:cNvPr id="10" name="TextBox 9">
             <a:extLst>
               <a:ext uri="{FF2B5EF4-FFF2-40B4-BE49-F238E27FC236}">
-                <a16:creationId xmlns:a16="http://schemas.microsoft.com/office/drawing/2014/main" id="{1C44E4A5-08FF-4A36-B0A0-30A45F59F7D3}"/>
+                <a16:creationId xmlns:a16="http://schemas.microsoft.com/office/drawing/2014/main" xmlns="" id="{1C44E4A5-08FF-4A36-B0A0-30A45F59F7D3}"/>
               </a:ext>
             </a:extLst>
           </p:cNvPr>
@@ -10484,7 +10510,7 @@
           <a:graphicData uri="http://schemas.openxmlformats.org/presentationml/2006/ole">
             <mc:AlternateContent xmlns:mc="http://schemas.openxmlformats.org/markup-compatibility/2006">
               <mc:Choice xmlns:v="urn:schemas-microsoft-com:vml" Requires="v">
-                <p:oleObj spid="_x0000_s22530" r:id="rId5" imgW="0" imgH="0" progId="TCLayout.ActiveDocument.1">
+                <p:oleObj spid="_x0000_s22535" r:id="rId5" imgW="0" imgH="0" progId="TCLayout.ActiveDocument.1">
                   <p:embed/>
                 </p:oleObj>
               </mc:Choice>
@@ -10556,7 +10582,7 @@
           <p:cNvPr id="8" name="Title 40">
             <a:extLst>
               <a:ext uri="{FF2B5EF4-FFF2-40B4-BE49-F238E27FC236}">
-                <a16:creationId xmlns:a16="http://schemas.microsoft.com/office/drawing/2014/main" id="{6D65D641-D69D-4168-BB7D-AD3F200877E3}"/>
+                <a16:creationId xmlns:a16="http://schemas.microsoft.com/office/drawing/2014/main" xmlns="" id="{6D65D641-D69D-4168-BB7D-AD3F200877E3}"/>
               </a:ext>
             </a:extLst>
           </p:cNvPr>
@@ -10591,6 +10617,165 @@
           </a:p>
         </p:txBody>
       </p:sp>
+      <p:sp>
+        <p:nvSpPr>
+          <p:cNvPr id="4" name="TextBox 3">
+            <a:extLst>
+              <a:ext uri="{FF2B5EF4-FFF2-40B4-BE49-F238E27FC236}">
+                <a16:creationId xmlns:a16="http://schemas.microsoft.com/office/drawing/2014/main" xmlns="" id="{59D6BA0D-75DA-411C-AE80-6B1C75B5F712}"/>
+              </a:ext>
+            </a:extLst>
+          </p:cNvPr>
+          <p:cNvSpPr txBox="1"/>
+          <p:nvPr/>
+        </p:nvSpPr>
+        <p:spPr>
+          <a:xfrm>
+            <a:off x="533400" y="960438"/>
+            <a:ext cx="7772400" cy="2585323"/>
+          </a:xfrm>
+          <a:prstGeom prst="rect">
+            <a:avLst/>
+          </a:prstGeom>
+          <a:noFill/>
+        </p:spPr>
+        <p:txBody>
+          <a:bodyPr wrap="square" rtlCol="0">
+            <a:spAutoFit/>
+          </a:bodyPr>
+          <a:lstStyle/>
+          <a:p>
+            <a:r>
+              <a:rPr lang="en-US" b="1" dirty="0" smtClean="0">
+                <a:solidFill>
+                  <a:srgbClr val="000066"/>
+                </a:solidFill>
+              </a:rPr>
+              <a:t>The positive ROI is obviously a good thing, but here is a different way to look at the results that may be comforting for the risk-averse:</a:t>
+            </a:r>
+            <a:endParaRPr lang="en-US" b="1" i="1" dirty="0" smtClean="0">
+              <a:solidFill>
+                <a:srgbClr val="000066"/>
+              </a:solidFill>
+            </a:endParaRPr>
+          </a:p>
+          <a:p>
+            <a:endParaRPr lang="en-US" b="1" i="1" dirty="0">
+              <a:solidFill>
+                <a:srgbClr val="000066"/>
+              </a:solidFill>
+            </a:endParaRPr>
+          </a:p>
+          <a:p>
+            <a:pPr marL="285750" indent="-285750">
+              <a:buFont typeface="Arial" charset="0"/>
+              <a:buChar char="•"/>
+            </a:pPr>
+            <a:r>
+              <a:rPr lang="en-US" b="1" i="1" dirty="0" smtClean="0">
+                <a:solidFill>
+                  <a:srgbClr val="000066"/>
+                </a:solidFill>
+              </a:rPr>
+              <a:t>A 30% ROI or better is more likely than losing any money whatsoever</a:t>
+            </a:r>
+          </a:p>
+          <a:p>
+            <a:pPr marL="285750" indent="-285750">
+              <a:buFont typeface="Arial" charset="0"/>
+              <a:buChar char="•"/>
+            </a:pPr>
+            <a:r>
+              <a:rPr lang="en-US" b="1" i="1" dirty="0" smtClean="0">
+                <a:solidFill>
+                  <a:srgbClr val="000066"/>
+                </a:solidFill>
+              </a:rPr>
+              <a:t>A 40% increase is more likely than a 10% drop</a:t>
+            </a:r>
+          </a:p>
+          <a:p>
+            <a:pPr marL="285750" indent="-285750">
+              <a:buFont typeface="Arial" charset="0"/>
+              <a:buChar char="•"/>
+            </a:pPr>
+            <a:r>
+              <a:rPr lang="en-US" b="1" i="1" dirty="0" smtClean="0">
+                <a:solidFill>
+                  <a:srgbClr val="000066"/>
+                </a:solidFill>
+              </a:rPr>
+              <a:t>A 60% ROI is more likely than a 25% decline</a:t>
+            </a:r>
+          </a:p>
+          <a:p>
+            <a:pPr marL="285750" indent="-285750">
+              <a:buFont typeface="Arial" charset="0"/>
+              <a:buChar char="•"/>
+            </a:pPr>
+            <a:r>
+              <a:rPr lang="en-US" b="1" i="1" dirty="0" smtClean="0">
+                <a:solidFill>
+                  <a:srgbClr val="000066"/>
+                </a:solidFill>
+              </a:rPr>
+              <a:t>A 140% return more likely than a 50% drop in value</a:t>
+            </a:r>
+          </a:p>
+          <a:p>
+            <a:pPr marL="285750" indent="-285750">
+              <a:buFontTx/>
+              <a:buChar char="-"/>
+            </a:pPr>
+            <a:endParaRPr lang="en-US" b="1" i="1" dirty="0" smtClean="0">
+              <a:solidFill>
+                <a:srgbClr val="000066"/>
+              </a:solidFill>
+            </a:endParaRPr>
+          </a:p>
+          <a:p>
+            <a:pPr marL="285750" indent="-285750">
+              <a:buFont typeface="Arial" panose="020B0604020202020204" pitchFamily="34" charset="0"/>
+              <a:buChar char="•"/>
+            </a:pPr>
+            <a:endParaRPr lang="en-US" b="1" i="1" dirty="0">
+              <a:solidFill>
+                <a:srgbClr val="000066"/>
+              </a:solidFill>
+            </a:endParaRPr>
+          </a:p>
+        </p:txBody>
+      </p:sp>
+      <p:pic>
+        <p:nvPicPr>
+          <p:cNvPr id="3" name="Picture 2"/>
+          <p:cNvPicPr>
+            <a:picLocks noChangeAspect="1"/>
+          </p:cNvPicPr>
+          <p:nvPr/>
+        </p:nvPicPr>
+        <p:blipFill>
+          <a:blip r:embed="rId6">
+            <a:extLst>
+              <a:ext uri="{28A0092B-C50C-407E-A947-70E740481C1C}">
+                <a14:useLocalDpi xmlns:a14="http://schemas.microsoft.com/office/drawing/2010/main" val="0"/>
+              </a:ext>
+            </a:extLst>
+          </a:blip>
+          <a:stretch>
+            <a:fillRect/>
+          </a:stretch>
+        </p:blipFill>
+        <p:spPr>
+          <a:xfrm>
+            <a:off x="1860550" y="3104474"/>
+            <a:ext cx="5118100" cy="3721100"/>
+          </a:xfrm>
+          <a:prstGeom prst="rect">
+            <a:avLst/>
+          </a:prstGeom>
+        </p:spPr>
+      </p:pic>
     </p:spTree>
     <p:extLst>
       <p:ext uri="{BB962C8B-B14F-4D97-AF65-F5344CB8AC3E}">
@@ -10601,6 +10786,84 @@
   <p:clrMapOvr>
     <a:masterClrMapping/>
   </p:clrMapOvr>
+  <p:timing>
+    <p:tnLst>
+      <p:par>
+        <p:cTn id="1" dur="indefinite" restart="never" nodeType="tmRoot">
+          <p:childTnLst>
+            <p:seq concurrent="1" nextAc="seek">
+              <p:cTn id="2" dur="indefinite" nodeType="mainSeq">
+                <p:childTnLst>
+                  <p:par>
+                    <p:cTn id="3" fill="hold">
+                      <p:stCondLst>
+                        <p:cond delay="indefinite"/>
+                      </p:stCondLst>
+                      <p:childTnLst>
+                        <p:par>
+                          <p:cTn id="4" fill="hold">
+                            <p:stCondLst>
+                              <p:cond delay="0"/>
+                            </p:stCondLst>
+                            <p:childTnLst>
+                              <p:par>
+                                <p:cTn id="5" presetID="1" presetClass="entr" presetSubtype="0" fill="hold" grpId="0" nodeType="clickEffect">
+                                  <p:stCondLst>
+                                    <p:cond delay="0"/>
+                                  </p:stCondLst>
+                                  <p:childTnLst>
+                                    <p:set>
+                                      <p:cBhvr>
+                                        <p:cTn id="6" dur="1" fill="hold">
+                                          <p:stCondLst>
+                                            <p:cond delay="0"/>
+                                          </p:stCondLst>
+                                        </p:cTn>
+                                        <p:tgtEl>
+                                          <p:spTgt spid="4"/>
+                                        </p:tgtEl>
+                                        <p:attrNameLst>
+                                          <p:attrName>style.visibility</p:attrName>
+                                        </p:attrNameLst>
+                                      </p:cBhvr>
+                                      <p:to>
+                                        <p:strVal val="visible"/>
+                                      </p:to>
+                                    </p:set>
+                                  </p:childTnLst>
+                                </p:cTn>
+                              </p:par>
+                            </p:childTnLst>
+                          </p:cTn>
+                        </p:par>
+                      </p:childTnLst>
+                    </p:cTn>
+                  </p:par>
+                </p:childTnLst>
+              </p:cTn>
+              <p:prevCondLst>
+                <p:cond evt="onPrev" delay="0">
+                  <p:tgtEl>
+                    <p:sldTgt/>
+                  </p:tgtEl>
+                </p:cond>
+              </p:prevCondLst>
+              <p:nextCondLst>
+                <p:cond evt="onNext" delay="0">
+                  <p:tgtEl>
+                    <p:sldTgt/>
+                  </p:tgtEl>
+                </p:cond>
+              </p:nextCondLst>
+            </p:seq>
+          </p:childTnLst>
+        </p:cTn>
+      </p:par>
+    </p:tnLst>
+    <p:bldLst>
+      <p:bldP spid="4" grpId="0"/>
+    </p:bldLst>
+  </p:timing>
 </p:sld>
 </file>
 
@@ -10641,7 +10904,7 @@
           <a:graphicData uri="http://schemas.openxmlformats.org/presentationml/2006/ole">
             <mc:AlternateContent xmlns:mc="http://schemas.openxmlformats.org/markup-compatibility/2006">
               <mc:Choice xmlns:v="urn:schemas-microsoft-com:vml" Requires="v">
-                <p:oleObj spid="_x0000_s23554" r:id="rId5" imgW="0" imgH="0" progId="TCLayout.ActiveDocument.1">
+                <p:oleObj spid="_x0000_s23561" r:id="rId5" imgW="0" imgH="0" progId="TCLayout.ActiveDocument.1">
                   <p:embed/>
                 </p:oleObj>
               </mc:Choice>
@@ -10713,7 +10976,7 @@
           <p:cNvPr id="8" name="Title 40">
             <a:extLst>
               <a:ext uri="{FF2B5EF4-FFF2-40B4-BE49-F238E27FC236}">
-                <a16:creationId xmlns:a16="http://schemas.microsoft.com/office/drawing/2014/main" id="{6D65D641-D69D-4168-BB7D-AD3F200877E3}"/>
+                <a16:creationId xmlns:a16="http://schemas.microsoft.com/office/drawing/2014/main" xmlns="" id="{6D65D641-D69D-4168-BB7D-AD3F200877E3}"/>
               </a:ext>
             </a:extLst>
           </p:cNvPr>
@@ -10745,6 +11008,249 @@
               </a:rPr>
               <a:t>Findings</a:t>
             </a:r>
+          </a:p>
+        </p:txBody>
+      </p:sp>
+      <p:sp>
+        <p:nvSpPr>
+          <p:cNvPr id="4" name="TextBox 3">
+            <a:extLst>
+              <a:ext uri="{FF2B5EF4-FFF2-40B4-BE49-F238E27FC236}">
+                <a16:creationId xmlns:a16="http://schemas.microsoft.com/office/drawing/2014/main" xmlns="" id="{59D6BA0D-75DA-411C-AE80-6B1C75B5F712}"/>
+              </a:ext>
+            </a:extLst>
+          </p:cNvPr>
+          <p:cNvSpPr txBox="1"/>
+          <p:nvPr/>
+        </p:nvSpPr>
+        <p:spPr>
+          <a:xfrm>
+            <a:off x="533400" y="1143923"/>
+            <a:ext cx="7772400" cy="4247317"/>
+          </a:xfrm>
+          <a:prstGeom prst="rect">
+            <a:avLst/>
+          </a:prstGeom>
+          <a:noFill/>
+        </p:spPr>
+        <p:txBody>
+          <a:bodyPr wrap="square" rtlCol="0">
+            <a:spAutoFit/>
+          </a:bodyPr>
+          <a:lstStyle/>
+          <a:p>
+            <a:r>
+              <a:rPr lang="en-US" b="1" dirty="0" smtClean="0">
+                <a:solidFill>
+                  <a:srgbClr val="000066"/>
+                </a:solidFill>
+              </a:rPr>
+              <a:t>Positive results:</a:t>
+            </a:r>
+            <a:endParaRPr lang="en-US" b="1" dirty="0">
+              <a:solidFill>
+                <a:srgbClr val="000066"/>
+              </a:solidFill>
+            </a:endParaRPr>
+          </a:p>
+          <a:p>
+            <a:pPr marL="285750" indent="-285750">
+              <a:buFont typeface="Arial" panose="020B0604020202020204" pitchFamily="34" charset="0"/>
+              <a:buChar char="•"/>
+            </a:pPr>
+            <a:endParaRPr lang="en-US" b="1" i="1" dirty="0">
+              <a:solidFill>
+                <a:srgbClr val="000066"/>
+              </a:solidFill>
+            </a:endParaRPr>
+          </a:p>
+          <a:p>
+            <a:pPr marL="285750" indent="-285750">
+              <a:buFont typeface="Arial" panose="020B0604020202020204" pitchFamily="34" charset="0"/>
+              <a:buChar char="•"/>
+            </a:pPr>
+            <a:r>
+              <a:rPr lang="en-US" b="1" i="1" dirty="0" smtClean="0">
+                <a:solidFill>
+                  <a:srgbClr val="000066"/>
+                </a:solidFill>
+              </a:rPr>
+              <a:t>Almost all of the stocks bounce back (93.2%) within 6 months</a:t>
+            </a:r>
+            <a:endParaRPr lang="en-US" b="1" i="1" dirty="0">
+              <a:solidFill>
+                <a:srgbClr val="000066"/>
+              </a:solidFill>
+            </a:endParaRPr>
+          </a:p>
+          <a:p>
+            <a:pPr marL="285750" indent="-285750">
+              <a:buFont typeface="Arial" panose="020B0604020202020204" pitchFamily="34" charset="0"/>
+              <a:buChar char="•"/>
+            </a:pPr>
+            <a:r>
+              <a:rPr lang="en-US" b="1" i="1" dirty="0" smtClean="0">
+                <a:solidFill>
+                  <a:srgbClr val="000066"/>
+                </a:solidFill>
+              </a:rPr>
+              <a:t>A majority of those bounce backs happen within a 3-week period</a:t>
+            </a:r>
+            <a:endParaRPr lang="en-US" b="1" i="1" dirty="0">
+              <a:solidFill>
+                <a:srgbClr val="000066"/>
+              </a:solidFill>
+            </a:endParaRPr>
+          </a:p>
+          <a:p>
+            <a:pPr marL="285750" indent="-285750">
+              <a:buFont typeface="Arial" panose="020B0604020202020204" pitchFamily="34" charset="0"/>
+              <a:buChar char="•"/>
+            </a:pPr>
+            <a:r>
+              <a:rPr lang="en-US" b="1" i="1" dirty="0" smtClean="0">
+                <a:solidFill>
+                  <a:srgbClr val="000066"/>
+                </a:solidFill>
+              </a:rPr>
+              <a:t>This subset returns is our strongest over the next 6 months</a:t>
+            </a:r>
+          </a:p>
+          <a:p>
+            <a:pPr marL="285750" indent="-285750">
+              <a:buFont typeface="Arial" panose="020B0604020202020204" pitchFamily="34" charset="0"/>
+              <a:buChar char="•"/>
+            </a:pPr>
+            <a:r>
+              <a:rPr lang="en-US" b="1" i="1" dirty="0" smtClean="0">
+                <a:solidFill>
+                  <a:srgbClr val="000066"/>
+                </a:solidFill>
+              </a:rPr>
+              <a:t>Approximately 90% of the bounce backs happen within 10 weeks</a:t>
+            </a:r>
+          </a:p>
+          <a:p>
+            <a:pPr marL="285750" indent="-285750">
+              <a:buFont typeface="Arial" panose="020B0604020202020204" pitchFamily="34" charset="0"/>
+              <a:buChar char="•"/>
+            </a:pPr>
+            <a:r>
+              <a:rPr lang="en-US" b="1" i="1" dirty="0" smtClean="0">
+                <a:solidFill>
+                  <a:srgbClr val="000066"/>
+                </a:solidFill>
+              </a:rPr>
+              <a:t>This is our threshold for being a worthy buying opportunity</a:t>
+            </a:r>
+            <a:endParaRPr lang="en-US" b="1" dirty="0" smtClean="0">
+              <a:solidFill>
+                <a:srgbClr val="000066"/>
+              </a:solidFill>
+            </a:endParaRPr>
+          </a:p>
+          <a:p>
+            <a:endParaRPr lang="en-US" b="1" dirty="0" smtClean="0">
+              <a:solidFill>
+                <a:srgbClr val="000066"/>
+              </a:solidFill>
+            </a:endParaRPr>
+          </a:p>
+          <a:p>
+            <a:endParaRPr lang="en-US" b="1" dirty="0" smtClean="0">
+              <a:solidFill>
+                <a:srgbClr val="000066"/>
+              </a:solidFill>
+            </a:endParaRPr>
+          </a:p>
+          <a:p>
+            <a:r>
+              <a:rPr lang="en-US" b="1" dirty="0" smtClean="0">
+                <a:solidFill>
+                  <a:srgbClr val="000066"/>
+                </a:solidFill>
+              </a:rPr>
+              <a:t>Surprising non-factors:</a:t>
+            </a:r>
+            <a:endParaRPr lang="en-US" b="1" dirty="0">
+              <a:solidFill>
+                <a:srgbClr val="000066"/>
+              </a:solidFill>
+            </a:endParaRPr>
+          </a:p>
+          <a:p>
+            <a:pPr marL="285750" indent="-285750">
+              <a:buFont typeface="Arial" panose="020B0604020202020204" pitchFamily="34" charset="0"/>
+              <a:buChar char="•"/>
+            </a:pPr>
+            <a:endParaRPr lang="en-US" b="1" i="1" dirty="0">
+              <a:solidFill>
+                <a:srgbClr val="000066"/>
+              </a:solidFill>
+            </a:endParaRPr>
+          </a:p>
+          <a:p>
+            <a:pPr marL="285750" indent="-285750">
+              <a:buFont typeface="Arial" panose="020B0604020202020204" pitchFamily="34" charset="0"/>
+              <a:buChar char="•"/>
+            </a:pPr>
+            <a:r>
+              <a:rPr lang="en-US" b="1" i="1" dirty="0" smtClean="0">
+                <a:solidFill>
+                  <a:srgbClr val="000066"/>
+                </a:solidFill>
+              </a:rPr>
+              <a:t>Length of decline (time)</a:t>
+            </a:r>
+            <a:endParaRPr lang="en-US" b="1" i="1" dirty="0">
+              <a:solidFill>
+                <a:srgbClr val="000066"/>
+              </a:solidFill>
+            </a:endParaRPr>
+          </a:p>
+          <a:p>
+            <a:pPr marL="285750" indent="-285750">
+              <a:buFont typeface="Arial" panose="020B0604020202020204" pitchFamily="34" charset="0"/>
+              <a:buChar char="•"/>
+            </a:pPr>
+            <a:r>
+              <a:rPr lang="en-US" b="1" i="1" dirty="0" smtClean="0">
+                <a:solidFill>
+                  <a:srgbClr val="000066"/>
+                </a:solidFill>
+              </a:rPr>
+              <a:t>Magnitude of decline (% of price)</a:t>
+            </a:r>
+            <a:endParaRPr lang="en-US" b="1" i="1" dirty="0">
+              <a:solidFill>
+                <a:srgbClr val="000066"/>
+              </a:solidFill>
+            </a:endParaRPr>
+          </a:p>
+          <a:p>
+            <a:pPr marL="285750" indent="-285750">
+              <a:buFont typeface="Arial" panose="020B0604020202020204" pitchFamily="34" charset="0"/>
+              <a:buChar char="•"/>
+            </a:pPr>
+            <a:r>
+              <a:rPr lang="en-US" b="1" i="1" dirty="0" smtClean="0">
+                <a:solidFill>
+                  <a:srgbClr val="000066"/>
+                </a:solidFill>
+              </a:rPr>
+              <a:t>Original stock price</a:t>
+            </a:r>
+          </a:p>
+          <a:p>
+            <a:pPr marL="285750" indent="-285750">
+              <a:buFont typeface="Arial" panose="020B0604020202020204" pitchFamily="34" charset="0"/>
+              <a:buChar char="•"/>
+            </a:pPr>
+            <a:endParaRPr lang="en-US" b="1" i="1" dirty="0">
+              <a:solidFill>
+                <a:srgbClr val="000066"/>
+              </a:solidFill>
+            </a:endParaRPr>
           </a:p>
         </p:txBody>
       </p:sp>
@@ -10758,6 +11264,84 @@
   <p:clrMapOvr>
     <a:masterClrMapping/>
   </p:clrMapOvr>
+  <p:timing>
+    <p:tnLst>
+      <p:par>
+        <p:cTn id="1" dur="indefinite" restart="never" nodeType="tmRoot">
+          <p:childTnLst>
+            <p:seq concurrent="1" nextAc="seek">
+              <p:cTn id="2" dur="indefinite" nodeType="mainSeq">
+                <p:childTnLst>
+                  <p:par>
+                    <p:cTn id="3" fill="hold">
+                      <p:stCondLst>
+                        <p:cond delay="indefinite"/>
+                      </p:stCondLst>
+                      <p:childTnLst>
+                        <p:par>
+                          <p:cTn id="4" fill="hold">
+                            <p:stCondLst>
+                              <p:cond delay="0"/>
+                            </p:stCondLst>
+                            <p:childTnLst>
+                              <p:par>
+                                <p:cTn id="5" presetID="1" presetClass="entr" presetSubtype="0" fill="hold" grpId="0" nodeType="clickEffect">
+                                  <p:stCondLst>
+                                    <p:cond delay="0"/>
+                                  </p:stCondLst>
+                                  <p:childTnLst>
+                                    <p:set>
+                                      <p:cBhvr>
+                                        <p:cTn id="6" dur="1" fill="hold">
+                                          <p:stCondLst>
+                                            <p:cond delay="0"/>
+                                          </p:stCondLst>
+                                        </p:cTn>
+                                        <p:tgtEl>
+                                          <p:spTgt spid="4"/>
+                                        </p:tgtEl>
+                                        <p:attrNameLst>
+                                          <p:attrName>style.visibility</p:attrName>
+                                        </p:attrNameLst>
+                                      </p:cBhvr>
+                                      <p:to>
+                                        <p:strVal val="visible"/>
+                                      </p:to>
+                                    </p:set>
+                                  </p:childTnLst>
+                                </p:cTn>
+                              </p:par>
+                            </p:childTnLst>
+                          </p:cTn>
+                        </p:par>
+                      </p:childTnLst>
+                    </p:cTn>
+                  </p:par>
+                </p:childTnLst>
+              </p:cTn>
+              <p:prevCondLst>
+                <p:cond evt="onPrev" delay="0">
+                  <p:tgtEl>
+                    <p:sldTgt/>
+                  </p:tgtEl>
+                </p:cond>
+              </p:prevCondLst>
+              <p:nextCondLst>
+                <p:cond evt="onNext" delay="0">
+                  <p:tgtEl>
+                    <p:sldTgt/>
+                  </p:tgtEl>
+                </p:cond>
+              </p:nextCondLst>
+            </p:seq>
+          </p:childTnLst>
+        </p:cTn>
+      </p:par>
+    </p:tnLst>
+    <p:bldLst>
+      <p:bldP spid="4" grpId="0"/>
+    </p:bldLst>
+  </p:timing>
 </p:sld>
 </file>
 
@@ -10798,7 +11382,7 @@
           <a:graphicData uri="http://schemas.openxmlformats.org/presentationml/2006/ole">
             <mc:AlternateContent xmlns:mc="http://schemas.openxmlformats.org/markup-compatibility/2006">
               <mc:Choice xmlns:v="urn:schemas-microsoft-com:vml" Requires="v">
-                <p:oleObj spid="_x0000_s24578" r:id="rId5" imgW="0" imgH="0" progId="TCLayout.ActiveDocument.1">
+                <p:oleObj spid="_x0000_s24583" r:id="rId5" imgW="0" imgH="0" progId="TCLayout.ActiveDocument.1">
                   <p:embed/>
                 </p:oleObj>
               </mc:Choice>
@@ -10870,7 +11454,7 @@
           <p:cNvPr id="8" name="Title 40">
             <a:extLst>
               <a:ext uri="{FF2B5EF4-FFF2-40B4-BE49-F238E27FC236}">
-                <a16:creationId xmlns:a16="http://schemas.microsoft.com/office/drawing/2014/main" id="{6D65D641-D69D-4168-BB7D-AD3F200877E3}"/>
+                <a16:creationId xmlns:a16="http://schemas.microsoft.com/office/drawing/2014/main" xmlns="" id="{6D65D641-D69D-4168-BB7D-AD3F200877E3}"/>
               </a:ext>
             </a:extLst>
           </p:cNvPr>
@@ -10902,6 +11486,255 @@
               </a:rPr>
               <a:t>Next Steps</a:t>
             </a:r>
+          </a:p>
+        </p:txBody>
+      </p:sp>
+      <p:sp>
+        <p:nvSpPr>
+          <p:cNvPr id="4" name="TextBox 3">
+            <a:extLst>
+              <a:ext uri="{FF2B5EF4-FFF2-40B4-BE49-F238E27FC236}">
+                <a16:creationId xmlns:a16="http://schemas.microsoft.com/office/drawing/2014/main" xmlns="" id="{59D6BA0D-75DA-411C-AE80-6B1C75B5F712}"/>
+              </a:ext>
+            </a:extLst>
+          </p:cNvPr>
+          <p:cNvSpPr txBox="1"/>
+          <p:nvPr/>
+        </p:nvSpPr>
+        <p:spPr>
+          <a:xfrm>
+            <a:off x="533400" y="1143923"/>
+            <a:ext cx="7772400" cy="5078313"/>
+          </a:xfrm>
+          <a:prstGeom prst="rect">
+            <a:avLst/>
+          </a:prstGeom>
+          <a:noFill/>
+        </p:spPr>
+        <p:txBody>
+          <a:bodyPr wrap="square" rtlCol="0">
+            <a:spAutoFit/>
+          </a:bodyPr>
+          <a:lstStyle/>
+          <a:p>
+            <a:r>
+              <a:rPr lang="en-US" b="1" dirty="0" smtClean="0">
+                <a:solidFill>
+                  <a:srgbClr val="000066"/>
+                </a:solidFill>
+              </a:rPr>
+              <a:t>Find out if the severity of the news event influences results</a:t>
+            </a:r>
+            <a:endParaRPr lang="en-US" b="1" dirty="0">
+              <a:solidFill>
+                <a:srgbClr val="000066"/>
+              </a:solidFill>
+            </a:endParaRPr>
+          </a:p>
+          <a:p>
+            <a:endParaRPr lang="en-US" b="1" dirty="0">
+              <a:solidFill>
+                <a:srgbClr val="000066"/>
+              </a:solidFill>
+            </a:endParaRPr>
+          </a:p>
+          <a:p>
+            <a:pPr marL="285750" indent="-285750">
+              <a:buFont typeface="Arial" panose="020B0604020202020204" pitchFamily="34" charset="0"/>
+              <a:buChar char="•"/>
+            </a:pPr>
+            <a:r>
+              <a:rPr lang="en-US" b="1" i="1" dirty="0" smtClean="0">
+                <a:solidFill>
+                  <a:srgbClr val="000066"/>
+                </a:solidFill>
+              </a:rPr>
+              <a:t>Calculate article count &amp; average sentiment during week of major decline</a:t>
+            </a:r>
+            <a:endParaRPr lang="en-US" b="1" i="1" dirty="0">
+              <a:solidFill>
+                <a:srgbClr val="000066"/>
+              </a:solidFill>
+            </a:endParaRPr>
+          </a:p>
+          <a:p>
+            <a:pPr marL="285750" indent="-285750">
+              <a:buFont typeface="Arial" panose="020B0604020202020204" pitchFamily="34" charset="0"/>
+              <a:buChar char="•"/>
+            </a:pPr>
+            <a:r>
+              <a:rPr lang="en-US" b="1" i="1" dirty="0" smtClean="0">
+                <a:solidFill>
+                  <a:srgbClr val="000066"/>
+                </a:solidFill>
+              </a:rPr>
+              <a:t>Recording the type of event based on keyword search</a:t>
+            </a:r>
+          </a:p>
+          <a:p>
+            <a:pPr marL="285750" indent="-285750">
+              <a:buFont typeface="Arial" panose="020B0604020202020204" pitchFamily="34" charset="0"/>
+              <a:buChar char="•"/>
+            </a:pPr>
+            <a:endParaRPr lang="en-US" b="1" i="1" dirty="0" smtClean="0">
+              <a:solidFill>
+                <a:srgbClr val="000066"/>
+              </a:solidFill>
+            </a:endParaRPr>
+          </a:p>
+          <a:p>
+            <a:pPr marL="285750" indent="-285750">
+              <a:buFont typeface="Arial" panose="020B0604020202020204" pitchFamily="34" charset="0"/>
+              <a:buChar char="•"/>
+            </a:pPr>
+            <a:endParaRPr lang="en-US" b="1" i="1" dirty="0" smtClean="0">
+              <a:solidFill>
+                <a:srgbClr val="000066"/>
+              </a:solidFill>
+            </a:endParaRPr>
+          </a:p>
+          <a:p>
+            <a:r>
+              <a:rPr lang="en-US" b="1" dirty="0">
+                <a:solidFill>
+                  <a:srgbClr val="000066"/>
+                </a:solidFill>
+              </a:rPr>
+              <a:t>Further testing</a:t>
+            </a:r>
+          </a:p>
+          <a:p>
+            <a:endParaRPr lang="en-US" b="1" dirty="0">
+              <a:solidFill>
+                <a:srgbClr val="000066"/>
+              </a:solidFill>
+            </a:endParaRPr>
+          </a:p>
+          <a:p>
+            <a:pPr marL="285750" indent="-285750">
+              <a:buFont typeface="Arial" panose="020B0604020202020204" pitchFamily="34" charset="0"/>
+              <a:buChar char="•"/>
+            </a:pPr>
+            <a:r>
+              <a:rPr lang="en-US" b="1" i="1" dirty="0" smtClean="0">
+                <a:solidFill>
+                  <a:srgbClr val="000066"/>
+                </a:solidFill>
+              </a:rPr>
+              <a:t>Test more datasets to further confirm our findings</a:t>
+            </a:r>
+          </a:p>
+          <a:p>
+            <a:pPr marL="285750" indent="-285750">
+              <a:buFont typeface="Arial" panose="020B0604020202020204" pitchFamily="34" charset="0"/>
+              <a:buChar char="•"/>
+            </a:pPr>
+            <a:r>
+              <a:rPr lang="en-US" b="1" i="1" dirty="0" smtClean="0">
+                <a:solidFill>
+                  <a:srgbClr val="000066"/>
+                </a:solidFill>
+              </a:rPr>
+              <a:t>Drill down criteria to find subsets that perform even better than the average</a:t>
+            </a:r>
+          </a:p>
+          <a:p>
+            <a:pPr marL="285750" indent="-285750">
+              <a:buFont typeface="Arial" panose="020B0604020202020204" pitchFamily="34" charset="0"/>
+              <a:buChar char="•"/>
+            </a:pPr>
+            <a:r>
+              <a:rPr lang="en-US" b="1" i="1" dirty="0" smtClean="0">
+                <a:solidFill>
+                  <a:srgbClr val="000066"/>
+                </a:solidFill>
+              </a:rPr>
+              <a:t>Test variables such as past volatility &amp; volume</a:t>
+            </a:r>
+          </a:p>
+          <a:p>
+            <a:pPr marL="285750" indent="-285750">
+              <a:buFont typeface="Arial" panose="020B0604020202020204" pitchFamily="34" charset="0"/>
+              <a:buChar char="•"/>
+            </a:pPr>
+            <a:endParaRPr lang="en-US" b="1" i="1" dirty="0" smtClean="0">
+              <a:solidFill>
+                <a:srgbClr val="000066"/>
+              </a:solidFill>
+            </a:endParaRPr>
+          </a:p>
+          <a:p>
+            <a:pPr marL="285750" indent="-285750">
+              <a:buFont typeface="Arial" panose="020B0604020202020204" pitchFamily="34" charset="0"/>
+              <a:buChar char="•"/>
+            </a:pPr>
+            <a:endParaRPr lang="en-US" b="1" i="1" dirty="0">
+              <a:solidFill>
+                <a:srgbClr val="000066"/>
+              </a:solidFill>
+            </a:endParaRPr>
+          </a:p>
+          <a:p>
+            <a:r>
+              <a:rPr lang="en-US" b="1" dirty="0">
+                <a:solidFill>
+                  <a:srgbClr val="000066"/>
+                </a:solidFill>
+              </a:rPr>
+              <a:t>Automate a process to scan for these events</a:t>
+            </a:r>
+          </a:p>
+          <a:p>
+            <a:endParaRPr lang="en-US" b="1" dirty="0">
+              <a:solidFill>
+                <a:srgbClr val="000066"/>
+              </a:solidFill>
+            </a:endParaRPr>
+          </a:p>
+          <a:p>
+            <a:pPr marL="285750" indent="-285750">
+              <a:buFont typeface="Arial" panose="020B0604020202020204" pitchFamily="34" charset="0"/>
+              <a:buChar char="•"/>
+            </a:pPr>
+            <a:r>
+              <a:rPr lang="en-US" b="1" i="1" dirty="0" smtClean="0">
+                <a:solidFill>
+                  <a:srgbClr val="000066"/>
+                </a:solidFill>
+              </a:rPr>
+              <a:t>Create an app to detect events, give an alert after the bounce back</a:t>
+            </a:r>
+            <a:endParaRPr lang="en-US" b="1" i="1" dirty="0">
+              <a:solidFill>
+                <a:srgbClr val="000066"/>
+              </a:solidFill>
+            </a:endParaRPr>
+          </a:p>
+          <a:p>
+            <a:pPr marL="285750" indent="-285750">
+              <a:buFont typeface="Arial" panose="020B0604020202020204" pitchFamily="34" charset="0"/>
+              <a:buChar char="•"/>
+            </a:pPr>
+            <a:r>
+              <a:rPr lang="en-US" b="1" i="1" dirty="0" smtClean="0">
+                <a:solidFill>
+                  <a:srgbClr val="000066"/>
+                </a:solidFill>
+              </a:rPr>
+              <a:t>Set up a bot to make buy/sell orders based on our criteria</a:t>
+            </a:r>
+            <a:endParaRPr lang="en-US" b="1" i="1" dirty="0">
+              <a:solidFill>
+                <a:srgbClr val="000066"/>
+              </a:solidFill>
+            </a:endParaRPr>
+          </a:p>
+          <a:p>
+            <a:endParaRPr lang="en-US" b="1" dirty="0" smtClean="0">
+              <a:solidFill>
+                <a:srgbClr val="000066"/>
+              </a:solidFill>
+            </a:endParaRPr>
           </a:p>
         </p:txBody>
       </p:sp>
@@ -10915,6 +11748,84 @@
   <p:clrMapOvr>
     <a:masterClrMapping/>
   </p:clrMapOvr>
+  <p:timing>
+    <p:tnLst>
+      <p:par>
+        <p:cTn id="1" dur="indefinite" restart="never" nodeType="tmRoot">
+          <p:childTnLst>
+            <p:seq concurrent="1" nextAc="seek">
+              <p:cTn id="2" dur="indefinite" nodeType="mainSeq">
+                <p:childTnLst>
+                  <p:par>
+                    <p:cTn id="3" fill="hold">
+                      <p:stCondLst>
+                        <p:cond delay="indefinite"/>
+                      </p:stCondLst>
+                      <p:childTnLst>
+                        <p:par>
+                          <p:cTn id="4" fill="hold">
+                            <p:stCondLst>
+                              <p:cond delay="0"/>
+                            </p:stCondLst>
+                            <p:childTnLst>
+                              <p:par>
+                                <p:cTn id="5" presetID="1" presetClass="entr" presetSubtype="0" fill="hold" grpId="0" nodeType="clickEffect">
+                                  <p:stCondLst>
+                                    <p:cond delay="0"/>
+                                  </p:stCondLst>
+                                  <p:childTnLst>
+                                    <p:set>
+                                      <p:cBhvr>
+                                        <p:cTn id="6" dur="1" fill="hold">
+                                          <p:stCondLst>
+                                            <p:cond delay="0"/>
+                                          </p:stCondLst>
+                                        </p:cTn>
+                                        <p:tgtEl>
+                                          <p:spTgt spid="4"/>
+                                        </p:tgtEl>
+                                        <p:attrNameLst>
+                                          <p:attrName>style.visibility</p:attrName>
+                                        </p:attrNameLst>
+                                      </p:cBhvr>
+                                      <p:to>
+                                        <p:strVal val="visible"/>
+                                      </p:to>
+                                    </p:set>
+                                  </p:childTnLst>
+                                </p:cTn>
+                              </p:par>
+                            </p:childTnLst>
+                          </p:cTn>
+                        </p:par>
+                      </p:childTnLst>
+                    </p:cTn>
+                  </p:par>
+                </p:childTnLst>
+              </p:cTn>
+              <p:prevCondLst>
+                <p:cond evt="onPrev" delay="0">
+                  <p:tgtEl>
+                    <p:sldTgt/>
+                  </p:tgtEl>
+                </p:cond>
+              </p:prevCondLst>
+              <p:nextCondLst>
+                <p:cond evt="onNext" delay="0">
+                  <p:tgtEl>
+                    <p:sldTgt/>
+                  </p:tgtEl>
+                </p:cond>
+              </p:nextCondLst>
+            </p:seq>
+          </p:childTnLst>
+        </p:cTn>
+      </p:par>
+    </p:tnLst>
+    <p:bldLst>
+      <p:bldP spid="4" grpId="0"/>
+    </p:bldLst>
+  </p:timing>
 </p:sld>
 </file>
 
@@ -10955,7 +11866,7 @@
           <a:graphicData uri="http://schemas.openxmlformats.org/presentationml/2006/ole">
             <mc:AlternateContent xmlns:mc="http://schemas.openxmlformats.org/markup-compatibility/2006">
               <mc:Choice xmlns:v="urn:schemas-microsoft-com:vml" Requires="v">
-                <p:oleObj spid="_x0000_s3074" r:id="rId5" imgW="0" imgH="0" progId="TCLayout.ActiveDocument.1">
+                <p:oleObj spid="_x0000_s3077" r:id="rId5" imgW="0" imgH="0" progId="TCLayout.ActiveDocument.1">
                   <p:embed/>
                 </p:oleObj>
               </mc:Choice>
@@ -11061,7 +11972,7 @@
           <p:cNvPr id="6" name="TextBox 5">
             <a:extLst>
               <a:ext uri="{FF2B5EF4-FFF2-40B4-BE49-F238E27FC236}">
-                <a16:creationId xmlns:a16="http://schemas.microsoft.com/office/drawing/2014/main" id="{0C7F0FDA-5F46-41BD-BF0F-A903C866FD37}"/>
+                <a16:creationId xmlns:a16="http://schemas.microsoft.com/office/drawing/2014/main" xmlns="" id="{0C7F0FDA-5F46-41BD-BF0F-A903C866FD37}"/>
               </a:ext>
             </a:extLst>
           </p:cNvPr>
@@ -11100,7 +12011,7 @@
           <p:cNvPr id="8" name="TextBox 7">
             <a:extLst>
               <a:ext uri="{FF2B5EF4-FFF2-40B4-BE49-F238E27FC236}">
-                <a16:creationId xmlns:a16="http://schemas.microsoft.com/office/drawing/2014/main" id="{7FDC7CAA-A9D5-461C-94AF-C8FCB40CB859}"/>
+                <a16:creationId xmlns:a16="http://schemas.microsoft.com/office/drawing/2014/main" xmlns="" id="{7FDC7CAA-A9D5-461C-94AF-C8FCB40CB859}"/>
               </a:ext>
             </a:extLst>
           </p:cNvPr>
@@ -11146,7 +12057,7 @@
           <p:cNvPr id="9" name="TextBox 8">
             <a:extLst>
               <a:ext uri="{FF2B5EF4-FFF2-40B4-BE49-F238E27FC236}">
-                <a16:creationId xmlns:a16="http://schemas.microsoft.com/office/drawing/2014/main" id="{C7BE35D0-0DDA-4BE4-BFDD-F2FA63A36A32}"/>
+                <a16:creationId xmlns:a16="http://schemas.microsoft.com/office/drawing/2014/main" xmlns="" id="{C7BE35D0-0DDA-4BE4-BFDD-F2FA63A36A32}"/>
               </a:ext>
             </a:extLst>
           </p:cNvPr>
@@ -11185,7 +12096,7 @@
           <p:cNvPr id="10" name="TextBox 9">
             <a:extLst>
               <a:ext uri="{FF2B5EF4-FFF2-40B4-BE49-F238E27FC236}">
-                <a16:creationId xmlns:a16="http://schemas.microsoft.com/office/drawing/2014/main" id="{376AF7DA-345A-469B-AA8A-F827385FD190}"/>
+                <a16:creationId xmlns:a16="http://schemas.microsoft.com/office/drawing/2014/main" xmlns="" id="{376AF7DA-345A-469B-AA8A-F827385FD190}"/>
               </a:ext>
             </a:extLst>
           </p:cNvPr>
@@ -11214,7 +12125,23 @@
                   <a:srgbClr val="000066"/>
                 </a:solidFill>
               </a:rPr>
-              <a:t>The market reaction  typically causes a steep and rapid decline in price value </a:t>
+              <a:t>The market reaction </a:t>
+            </a:r>
+            <a:r>
+              <a:rPr lang="en-US" sz="2400" b="1" dirty="0" smtClean="0">
+                <a:solidFill>
+                  <a:srgbClr val="000066"/>
+                </a:solidFill>
+              </a:rPr>
+              <a:t>typically </a:t>
+            </a:r>
+            <a:r>
+              <a:rPr lang="en-US" sz="2400" b="1" dirty="0">
+                <a:solidFill>
+                  <a:srgbClr val="000066"/>
+                </a:solidFill>
+              </a:rPr>
+              <a:t>causes a steep and rapid decline in price value </a:t>
             </a:r>
           </a:p>
           <a:p>
@@ -11261,7 +12188,7 @@
           <p:cNvPr id="22530" name="Picture 2" descr="Image result for stock market chart pictures">
             <a:extLst>
               <a:ext uri="{FF2B5EF4-FFF2-40B4-BE49-F238E27FC236}">
-                <a16:creationId xmlns:a16="http://schemas.microsoft.com/office/drawing/2014/main" id="{B6E261C0-D1F9-4D86-A8FC-7C37CC741C58}"/>
+                <a16:creationId xmlns:a16="http://schemas.microsoft.com/office/drawing/2014/main" xmlns="" id="{B6E261C0-D1F9-4D86-A8FC-7C37CC741C58}"/>
               </a:ext>
             </a:extLst>
           </p:cNvPr>
@@ -11412,7 +12339,7 @@
           <p:cNvPr id="5" name="Rectangle 2">
             <a:extLst>
               <a:ext uri="{FF2B5EF4-FFF2-40B4-BE49-F238E27FC236}">
-                <a16:creationId xmlns:a16="http://schemas.microsoft.com/office/drawing/2014/main" id="{B46E0A87-1915-4F74-A2DA-E556CAEBAC44}"/>
+                <a16:creationId xmlns:a16="http://schemas.microsoft.com/office/drawing/2014/main" xmlns="" id="{B46E0A87-1915-4F74-A2DA-E556CAEBAC44}"/>
               </a:ext>
             </a:extLst>
           </p:cNvPr>
@@ -11510,7 +12437,7 @@
           <p:cNvPr id="6" name="Rectangle 2">
             <a:extLst>
               <a:ext uri="{FF2B5EF4-FFF2-40B4-BE49-F238E27FC236}">
-                <a16:creationId xmlns:a16="http://schemas.microsoft.com/office/drawing/2014/main" id="{022D944A-7D95-4176-971B-BA4CECC293DE}"/>
+                <a16:creationId xmlns:a16="http://schemas.microsoft.com/office/drawing/2014/main" xmlns="" id="{022D944A-7D95-4176-971B-BA4CECC293DE}"/>
               </a:ext>
             </a:extLst>
           </p:cNvPr>
@@ -11682,7 +12609,7 @@
           <p:cNvPr id="12" name="Picture 11">
             <a:extLst>
               <a:ext uri="{FF2B5EF4-FFF2-40B4-BE49-F238E27FC236}">
-                <a16:creationId xmlns:a16="http://schemas.microsoft.com/office/drawing/2014/main" id="{8A9048FB-48F8-4C30-986F-7C915575C23A}"/>
+                <a16:creationId xmlns:a16="http://schemas.microsoft.com/office/drawing/2014/main" xmlns="" id="{8A9048FB-48F8-4C30-986F-7C915575C23A}"/>
               </a:ext>
             </a:extLst>
           </p:cNvPr>
@@ -11727,7 +12654,7 @@
           <a:graphicData uri="http://schemas.openxmlformats.org/presentationml/2006/ole">
             <mc:AlternateContent xmlns:mc="http://schemas.openxmlformats.org/markup-compatibility/2006">
               <mc:Choice xmlns:v="urn:schemas-microsoft-com:vml" Requires="v">
-                <p:oleObj spid="_x0000_s4098" r:id="rId6" imgW="0" imgH="0" progId="TCLayout.ActiveDocument.1">
+                <p:oleObj spid="_x0000_s4101" r:id="rId6" imgW="0" imgH="0" progId="TCLayout.ActiveDocument.1">
                   <p:embed/>
                 </p:oleObj>
               </mc:Choice>
@@ -11833,7 +12760,7 @@
           <p:cNvPr id="6" name="Rectangle 5">
             <a:extLst>
               <a:ext uri="{FF2B5EF4-FFF2-40B4-BE49-F238E27FC236}">
-                <a16:creationId xmlns:a16="http://schemas.microsoft.com/office/drawing/2014/main" id="{698C65BD-9A46-453A-A68D-4269B1E00E08}"/>
+                <a16:creationId xmlns:a16="http://schemas.microsoft.com/office/drawing/2014/main" xmlns="" id="{698C65BD-9A46-453A-A68D-4269B1E00E08}"/>
               </a:ext>
             </a:extLst>
           </p:cNvPr>
@@ -11886,7 +12813,7 @@
           <p:cNvPr id="11" name="Rectangle 2">
             <a:extLst>
               <a:ext uri="{FF2B5EF4-FFF2-40B4-BE49-F238E27FC236}">
-                <a16:creationId xmlns:a16="http://schemas.microsoft.com/office/drawing/2014/main" id="{340A7B56-754B-452D-844A-C81239CEB0F3}"/>
+                <a16:creationId xmlns:a16="http://schemas.microsoft.com/office/drawing/2014/main" xmlns="" id="{340A7B56-754B-452D-844A-C81239CEB0F3}"/>
               </a:ext>
             </a:extLst>
           </p:cNvPr>
@@ -11981,7 +12908,7 @@
           <p:cNvPr id="7" name="Picture 6">
             <a:extLst>
               <a:ext uri="{FF2B5EF4-FFF2-40B4-BE49-F238E27FC236}">
-                <a16:creationId xmlns:a16="http://schemas.microsoft.com/office/drawing/2014/main" id="{C5EE6EC4-4BE2-4069-8B8B-0417E27AC082}"/>
+                <a16:creationId xmlns:a16="http://schemas.microsoft.com/office/drawing/2014/main" xmlns="" id="{C5EE6EC4-4BE2-4069-8B8B-0417E27AC082}"/>
               </a:ext>
             </a:extLst>
           </p:cNvPr>
@@ -12026,7 +12953,7 @@
           <a:graphicData uri="http://schemas.openxmlformats.org/presentationml/2006/ole">
             <mc:AlternateContent xmlns:mc="http://schemas.openxmlformats.org/markup-compatibility/2006">
               <mc:Choice xmlns:v="urn:schemas-microsoft-com:vml" Requires="v">
-                <p:oleObj spid="_x0000_s5122" r:id="rId6" imgW="0" imgH="0" progId="TCLayout.ActiveDocument.1">
+                <p:oleObj spid="_x0000_s5125" r:id="rId6" imgW="0" imgH="0" progId="TCLayout.ActiveDocument.1">
                   <p:embed/>
                 </p:oleObj>
               </mc:Choice>
@@ -12132,7 +13059,7 @@
           <p:cNvPr id="6" name="Rectangle 5">
             <a:extLst>
               <a:ext uri="{FF2B5EF4-FFF2-40B4-BE49-F238E27FC236}">
-                <a16:creationId xmlns:a16="http://schemas.microsoft.com/office/drawing/2014/main" id="{698C65BD-9A46-453A-A68D-4269B1E00E08}"/>
+                <a16:creationId xmlns:a16="http://schemas.microsoft.com/office/drawing/2014/main" xmlns="" id="{698C65BD-9A46-453A-A68D-4269B1E00E08}"/>
               </a:ext>
             </a:extLst>
           </p:cNvPr>
@@ -12185,7 +13112,7 @@
           <p:cNvPr id="8" name="Rectangle 2">
             <a:extLst>
               <a:ext uri="{FF2B5EF4-FFF2-40B4-BE49-F238E27FC236}">
-                <a16:creationId xmlns:a16="http://schemas.microsoft.com/office/drawing/2014/main" id="{A0F6F584-AA39-43E1-9604-EAA1E6B54356}"/>
+                <a16:creationId xmlns:a16="http://schemas.microsoft.com/office/drawing/2014/main" xmlns="" id="{A0F6F584-AA39-43E1-9604-EAA1E6B54356}"/>
               </a:ext>
             </a:extLst>
           </p:cNvPr>
@@ -12267,7 +13194,7 @@
           <p:cNvPr id="8" name="Picture 7">
             <a:extLst>
               <a:ext uri="{FF2B5EF4-FFF2-40B4-BE49-F238E27FC236}">
-                <a16:creationId xmlns:a16="http://schemas.microsoft.com/office/drawing/2014/main" id="{B0FA6173-F0EE-464D-A108-3A58E435A159}"/>
+                <a16:creationId xmlns:a16="http://schemas.microsoft.com/office/drawing/2014/main" xmlns="" id="{B0FA6173-F0EE-464D-A108-3A58E435A159}"/>
               </a:ext>
             </a:extLst>
           </p:cNvPr>
@@ -12312,7 +13239,7 @@
           <a:graphicData uri="http://schemas.openxmlformats.org/presentationml/2006/ole">
             <mc:AlternateContent xmlns:mc="http://schemas.openxmlformats.org/markup-compatibility/2006">
               <mc:Choice xmlns:v="urn:schemas-microsoft-com:vml" Requires="v">
-                <p:oleObj spid="_x0000_s6146" r:id="rId6" imgW="0" imgH="0" progId="TCLayout.ActiveDocument.1">
+                <p:oleObj spid="_x0000_s6149" r:id="rId6" imgW="0" imgH="0" progId="TCLayout.ActiveDocument.1">
                   <p:embed/>
                 </p:oleObj>
               </mc:Choice>
@@ -12418,7 +13345,7 @@
           <p:cNvPr id="6" name="Rectangle 5">
             <a:extLst>
               <a:ext uri="{FF2B5EF4-FFF2-40B4-BE49-F238E27FC236}">
-                <a16:creationId xmlns:a16="http://schemas.microsoft.com/office/drawing/2014/main" id="{698C65BD-9A46-453A-A68D-4269B1E00E08}"/>
+                <a16:creationId xmlns:a16="http://schemas.microsoft.com/office/drawing/2014/main" xmlns="" id="{698C65BD-9A46-453A-A68D-4269B1E00E08}"/>
               </a:ext>
             </a:extLst>
           </p:cNvPr>
@@ -12471,7 +13398,7 @@
           <p:cNvPr id="7" name="Rectangle 2">
             <a:extLst>
               <a:ext uri="{FF2B5EF4-FFF2-40B4-BE49-F238E27FC236}">
-                <a16:creationId xmlns:a16="http://schemas.microsoft.com/office/drawing/2014/main" id="{8D1C1748-2A39-4102-8731-AE1D93803BCF}"/>
+                <a16:creationId xmlns:a16="http://schemas.microsoft.com/office/drawing/2014/main" xmlns="" id="{8D1C1748-2A39-4102-8731-AE1D93803BCF}"/>
               </a:ext>
             </a:extLst>
           </p:cNvPr>
@@ -12577,7 +13504,7 @@
           <p:cNvPr id="7" name="Picture 6">
             <a:extLst>
               <a:ext uri="{FF2B5EF4-FFF2-40B4-BE49-F238E27FC236}">
-                <a16:creationId xmlns:a16="http://schemas.microsoft.com/office/drawing/2014/main" id="{B9FD2707-B71F-4744-B2A4-ADC2ECEC1283}"/>
+                <a16:creationId xmlns:a16="http://schemas.microsoft.com/office/drawing/2014/main" xmlns="" id="{B9FD2707-B71F-4744-B2A4-ADC2ECEC1283}"/>
               </a:ext>
             </a:extLst>
           </p:cNvPr>
@@ -12622,7 +13549,7 @@
           <a:graphicData uri="http://schemas.openxmlformats.org/presentationml/2006/ole">
             <mc:AlternateContent xmlns:mc="http://schemas.openxmlformats.org/markup-compatibility/2006">
               <mc:Choice xmlns:v="urn:schemas-microsoft-com:vml" Requires="v">
-                <p:oleObj spid="_x0000_s7170" r:id="rId6" imgW="0" imgH="0" progId="TCLayout.ActiveDocument.1">
+                <p:oleObj spid="_x0000_s7173" r:id="rId6" imgW="0" imgH="0" progId="TCLayout.ActiveDocument.1">
                   <p:embed/>
                 </p:oleObj>
               </mc:Choice>
@@ -12728,7 +13655,7 @@
           <p:cNvPr id="6" name="Rectangle 5">
             <a:extLst>
               <a:ext uri="{FF2B5EF4-FFF2-40B4-BE49-F238E27FC236}">
-                <a16:creationId xmlns:a16="http://schemas.microsoft.com/office/drawing/2014/main" id="{698C65BD-9A46-453A-A68D-4269B1E00E08}"/>
+                <a16:creationId xmlns:a16="http://schemas.microsoft.com/office/drawing/2014/main" xmlns="" id="{698C65BD-9A46-453A-A68D-4269B1E00E08}"/>
               </a:ext>
             </a:extLst>
           </p:cNvPr>
@@ -12781,7 +13708,7 @@
           <p:cNvPr id="8" name="Rectangle 2">
             <a:extLst>
               <a:ext uri="{FF2B5EF4-FFF2-40B4-BE49-F238E27FC236}">
-                <a16:creationId xmlns:a16="http://schemas.microsoft.com/office/drawing/2014/main" id="{EBB7618E-C02E-4758-99D0-24877A2AAF7D}"/>
+                <a16:creationId xmlns:a16="http://schemas.microsoft.com/office/drawing/2014/main" xmlns="" id="{EBB7618E-C02E-4758-99D0-24877A2AAF7D}"/>
               </a:ext>
             </a:extLst>
           </p:cNvPr>
@@ -12863,7 +13790,7 @@
           <p:cNvPr id="8" name="Picture 7">
             <a:extLst>
               <a:ext uri="{FF2B5EF4-FFF2-40B4-BE49-F238E27FC236}">
-                <a16:creationId xmlns:a16="http://schemas.microsoft.com/office/drawing/2014/main" id="{82086EB5-1358-4AC3-9DEF-33919E829BAE}"/>
+                <a16:creationId xmlns:a16="http://schemas.microsoft.com/office/drawing/2014/main" xmlns="" id="{82086EB5-1358-4AC3-9DEF-33919E829BAE}"/>
               </a:ext>
             </a:extLst>
           </p:cNvPr>
@@ -12908,7 +13835,7 @@
           <a:graphicData uri="http://schemas.openxmlformats.org/presentationml/2006/ole">
             <mc:AlternateContent xmlns:mc="http://schemas.openxmlformats.org/markup-compatibility/2006">
               <mc:Choice xmlns:v="urn:schemas-microsoft-com:vml" Requires="v">
-                <p:oleObj spid="_x0000_s8194" r:id="rId6" imgW="0" imgH="0" progId="TCLayout.ActiveDocument.1">
+                <p:oleObj spid="_x0000_s8198" r:id="rId6" imgW="0" imgH="0" progId="TCLayout.ActiveDocument.1">
                   <p:embed/>
                 </p:oleObj>
               </mc:Choice>
@@ -12999,13 +13926,26 @@
           <a:p>
             <a:pPr algn="l"/>
             <a:r>
-              <a:rPr lang="en-US" sz="1800" b="1" dirty="0">
+              <a:rPr lang="en-US" sz="2400" b="1" dirty="0">
                 <a:solidFill>
                   <a:srgbClr val="000066"/>
                 </a:solidFill>
               </a:rPr>
-              <a:t>Environmental or Ecological Hazzard</a:t>
-            </a:r>
+              <a:t>Environmental or Ecological </a:t>
+            </a:r>
+            <a:r>
+              <a:rPr lang="en-US" sz="2400" b="1" dirty="0" smtClean="0">
+                <a:solidFill>
+                  <a:srgbClr val="000066"/>
+                </a:solidFill>
+              </a:rPr>
+              <a:t>Hazard</a:t>
+            </a:r>
+            <a:endParaRPr lang="en-US" sz="2400" b="1" dirty="0">
+              <a:solidFill>
+                <a:srgbClr val="000066"/>
+              </a:solidFill>
+            </a:endParaRPr>
           </a:p>
         </p:txBody>
       </p:sp>
@@ -13014,7 +13954,7 @@
           <p:cNvPr id="6" name="Rectangle 5">
             <a:extLst>
               <a:ext uri="{FF2B5EF4-FFF2-40B4-BE49-F238E27FC236}">
-                <a16:creationId xmlns:a16="http://schemas.microsoft.com/office/drawing/2014/main" id="{698C65BD-9A46-453A-A68D-4269B1E00E08}"/>
+                <a16:creationId xmlns:a16="http://schemas.microsoft.com/office/drawing/2014/main" xmlns="" id="{698C65BD-9A46-453A-A68D-4269B1E00E08}"/>
               </a:ext>
             </a:extLst>
           </p:cNvPr>
@@ -13067,7 +14007,7 @@
           <p:cNvPr id="7" name="Rectangle 2">
             <a:extLst>
               <a:ext uri="{FF2B5EF4-FFF2-40B4-BE49-F238E27FC236}">
-                <a16:creationId xmlns:a16="http://schemas.microsoft.com/office/drawing/2014/main" id="{35000BDB-792B-4F51-871C-89BA4DA41FFC}"/>
+                <a16:creationId xmlns:a16="http://schemas.microsoft.com/office/drawing/2014/main" xmlns="" id="{35000BDB-792B-4F51-871C-89BA4DA41FFC}"/>
               </a:ext>
             </a:extLst>
           </p:cNvPr>

--- a/Bounce_Back 24012018v1.pptx
+++ b/Bounce_Back 24012018v1.pptx
@@ -5,34 +5,36 @@
     <p:sldMasterId id="2147483648" r:id="rId1"/>
   </p:sldMasterIdLst>
   <p:notesMasterIdLst>
-    <p:notesMasterId r:id="rId27"/>
+    <p:notesMasterId r:id="rId29"/>
   </p:notesMasterIdLst>
   <p:sldIdLst>
-    <p:sldId id="307" r:id="rId2"/>
-    <p:sldId id="311" r:id="rId3"/>
-    <p:sldId id="296" r:id="rId4"/>
-    <p:sldId id="256" r:id="rId5"/>
-    <p:sldId id="295" r:id="rId6"/>
-    <p:sldId id="297" r:id="rId7"/>
-    <p:sldId id="298" r:id="rId8"/>
-    <p:sldId id="299" r:id="rId9"/>
-    <p:sldId id="301" r:id="rId10"/>
-    <p:sldId id="300" r:id="rId11"/>
-    <p:sldId id="306" r:id="rId12"/>
-    <p:sldId id="312" r:id="rId13"/>
-    <p:sldId id="313" r:id="rId14"/>
-    <p:sldId id="314" r:id="rId15"/>
-    <p:sldId id="315" r:id="rId16"/>
-    <p:sldId id="316" r:id="rId17"/>
-    <p:sldId id="317" r:id="rId18"/>
-    <p:sldId id="318" r:id="rId19"/>
-    <p:sldId id="320" r:id="rId20"/>
+    <p:sldId id="321" r:id="rId2"/>
+    <p:sldId id="322" r:id="rId3"/>
+    <p:sldId id="323" r:id="rId4"/>
+    <p:sldId id="324" r:id="rId5"/>
+    <p:sldId id="325" r:id="rId6"/>
+    <p:sldId id="326" r:id="rId7"/>
+    <p:sldId id="327" r:id="rId8"/>
+    <p:sldId id="328" r:id="rId9"/>
+    <p:sldId id="329" r:id="rId10"/>
+    <p:sldId id="330" r:id="rId11"/>
+    <p:sldId id="331" r:id="rId12"/>
+    <p:sldId id="332" r:id="rId13"/>
+    <p:sldId id="333" r:id="rId14"/>
+    <p:sldId id="334" r:id="rId15"/>
+    <p:sldId id="335" r:id="rId16"/>
+    <p:sldId id="336" r:id="rId17"/>
+    <p:sldId id="337" r:id="rId18"/>
+    <p:sldId id="338" r:id="rId19"/>
+    <p:sldId id="339" r:id="rId20"/>
     <p:sldId id="303" r:id="rId21"/>
     <p:sldId id="310" r:id="rId22"/>
     <p:sldId id="319" r:id="rId23"/>
     <p:sldId id="304" r:id="rId24"/>
     <p:sldId id="309" r:id="rId25"/>
-    <p:sldId id="308" r:id="rId26"/>
+    <p:sldId id="340" r:id="rId26"/>
+    <p:sldId id="308" r:id="rId27"/>
+    <p:sldId id="341" r:id="rId28"/>
   </p:sldIdLst>
   <p:sldSz cx="9144000" cy="6858000" type="screen4x3"/>
   <p:notesSz cx="7010400" cy="9296400"/>
@@ -150,6 +152,10 @@
 </p:presentation>
 </file>
 
+<file path=ppt/revisionInfo.xml><?xml version="1.0" encoding="utf-8"?>
+<p1510:revInfo xmlns:a="http://schemas.openxmlformats.org/drawingml/2006/main" xmlns:r="http://schemas.openxmlformats.org/officeDocument/2006/relationships" xmlns:p1510="http://schemas.microsoft.com/office/powerpoint/2015/10/main"/>
+</file>
+
 <file path=ppt/notesMasters/notesMaster1.xml><?xml version="1.0" encoding="utf-8"?>
 <p:notesMaster xmlns:a="http://schemas.openxmlformats.org/drawingml/2006/main" xmlns:r="http://schemas.openxmlformats.org/officeDocument/2006/relationships" xmlns:p="http://schemas.openxmlformats.org/presentationml/2006/main">
   <p:cSld>
@@ -233,7 +239,7 @@
             <a:fld id="{C449B9E2-F6E0-43F1-9141-B8839419D296}" type="datetimeFigureOut">
               <a:rPr lang="en-US" smtClean="0"/>
               <a:pPr/>
-              <a:t>2/1/18</a:t>
+              <a:t>2/1/2018</a:t>
             </a:fld>
             <a:endParaRPr lang="en-US"/>
           </a:p>
@@ -561,7 +567,7 @@
     </p:spTree>
     <p:extLst>
       <p:ext uri="{BB962C8B-B14F-4D97-AF65-F5344CB8AC3E}">
-        <p14:creationId xmlns:p14="http://schemas.microsoft.com/office/powerpoint/2010/main" val="1293713133"/>
+        <p14:creationId xmlns:p14="http://schemas.microsoft.com/office/powerpoint/2010/main" val="1416748981"/>
       </p:ext>
     </p:extLst>
   </p:cSld>
@@ -629,7 +635,7 @@
     </p:spTree>
     <p:extLst>
       <p:ext uri="{BB962C8B-B14F-4D97-AF65-F5344CB8AC3E}">
-        <p14:creationId xmlns:p14="http://schemas.microsoft.com/office/powerpoint/2010/main" val="905527008"/>
+        <p14:creationId xmlns:p14="http://schemas.microsoft.com/office/powerpoint/2010/main" val="4049136702"/>
       </p:ext>
     </p:extLst>
   </p:cSld>
@@ -697,7 +703,7 @@
     </p:spTree>
     <p:extLst>
       <p:ext uri="{BB962C8B-B14F-4D97-AF65-F5344CB8AC3E}">
-        <p14:creationId xmlns:p14="http://schemas.microsoft.com/office/powerpoint/2010/main" val="2430084841"/>
+        <p14:creationId xmlns:p14="http://schemas.microsoft.com/office/powerpoint/2010/main" val="2543425319"/>
       </p:ext>
     </p:extLst>
   </p:cSld>
@@ -765,7 +771,7 @@
     </p:spTree>
     <p:extLst>
       <p:ext uri="{BB962C8B-B14F-4D97-AF65-F5344CB8AC3E}">
-        <p14:creationId xmlns:p14="http://schemas.microsoft.com/office/powerpoint/2010/main" val="4283857512"/>
+        <p14:creationId xmlns:p14="http://schemas.microsoft.com/office/powerpoint/2010/main" val="1648315373"/>
       </p:ext>
     </p:extLst>
   </p:cSld>
@@ -833,7 +839,7 @@
     </p:spTree>
     <p:extLst>
       <p:ext uri="{BB962C8B-B14F-4D97-AF65-F5344CB8AC3E}">
-        <p14:creationId xmlns:p14="http://schemas.microsoft.com/office/powerpoint/2010/main" val="4065470992"/>
+        <p14:creationId xmlns:p14="http://schemas.microsoft.com/office/powerpoint/2010/main" val="291938017"/>
       </p:ext>
     </p:extLst>
   </p:cSld>
@@ -901,7 +907,7 @@
     </p:spTree>
     <p:extLst>
       <p:ext uri="{BB962C8B-B14F-4D97-AF65-F5344CB8AC3E}">
-        <p14:creationId xmlns:p14="http://schemas.microsoft.com/office/powerpoint/2010/main" val="2361570146"/>
+        <p14:creationId xmlns:p14="http://schemas.microsoft.com/office/powerpoint/2010/main" val="3094290634"/>
       </p:ext>
     </p:extLst>
   </p:cSld>
@@ -969,7 +975,7 @@
     </p:spTree>
     <p:extLst>
       <p:ext uri="{BB962C8B-B14F-4D97-AF65-F5344CB8AC3E}">
-        <p14:creationId xmlns:p14="http://schemas.microsoft.com/office/powerpoint/2010/main" val="117698278"/>
+        <p14:creationId xmlns:p14="http://schemas.microsoft.com/office/powerpoint/2010/main" val="390271310"/>
       </p:ext>
     </p:extLst>
   </p:cSld>
@@ -1037,7 +1043,7 @@
     </p:spTree>
     <p:extLst>
       <p:ext uri="{BB962C8B-B14F-4D97-AF65-F5344CB8AC3E}">
-        <p14:creationId xmlns:p14="http://schemas.microsoft.com/office/powerpoint/2010/main" val="1963718271"/>
+        <p14:creationId xmlns:p14="http://schemas.microsoft.com/office/powerpoint/2010/main" val="2254523908"/>
       </p:ext>
     </p:extLst>
   </p:cSld>
@@ -1105,7 +1111,7 @@
     </p:spTree>
     <p:extLst>
       <p:ext uri="{BB962C8B-B14F-4D97-AF65-F5344CB8AC3E}">
-        <p14:creationId xmlns:p14="http://schemas.microsoft.com/office/powerpoint/2010/main" val="1390891640"/>
+        <p14:creationId xmlns:p14="http://schemas.microsoft.com/office/powerpoint/2010/main" val="829526859"/>
       </p:ext>
     </p:extLst>
   </p:cSld>
@@ -1173,7 +1179,7 @@
     </p:spTree>
     <p:extLst>
       <p:ext uri="{BB962C8B-B14F-4D97-AF65-F5344CB8AC3E}">
-        <p14:creationId xmlns:p14="http://schemas.microsoft.com/office/powerpoint/2010/main" val="1547530287"/>
+        <p14:creationId xmlns:p14="http://schemas.microsoft.com/office/powerpoint/2010/main" val="1552120004"/>
       </p:ext>
     </p:extLst>
   </p:cSld>
@@ -1309,7 +1315,7 @@
     </p:spTree>
     <p:extLst>
       <p:ext uri="{BB962C8B-B14F-4D97-AF65-F5344CB8AC3E}">
-        <p14:creationId xmlns:p14="http://schemas.microsoft.com/office/powerpoint/2010/main" val="2121113133"/>
+        <p14:creationId xmlns:p14="http://schemas.microsoft.com/office/powerpoint/2010/main" val="3585361764"/>
       </p:ext>
     </p:extLst>
   </p:cSld>
@@ -1649,6 +1655,74 @@
     </p:spTree>
     <p:extLst>
       <p:ext uri="{BB962C8B-B14F-4D97-AF65-F5344CB8AC3E}">
+        <p14:creationId xmlns:p14="http://schemas.microsoft.com/office/powerpoint/2010/main" val="2452106572"/>
+      </p:ext>
+    </p:extLst>
+  </p:cSld>
+  <p:clrMapOvr>
+    <a:masterClrMapping/>
+  </p:clrMapOvr>
+</p:notes>
+</file>
+
+<file path=ppt/notesSlides/notesSlide25.xml><?xml version="1.0" encoding="utf-8"?>
+<p:notes xmlns:a="http://schemas.openxmlformats.org/drawingml/2006/main" xmlns:r="http://schemas.openxmlformats.org/officeDocument/2006/relationships" xmlns:p="http://schemas.openxmlformats.org/presentationml/2006/main">
+  <p:cSld>
+    <p:spTree>
+      <p:nvGrpSpPr>
+        <p:cNvPr id="1" name=""/>
+        <p:cNvGrpSpPr/>
+        <p:nvPr/>
+      </p:nvGrpSpPr>
+      <p:grpSpPr>
+        <a:xfrm>
+          <a:off x="0" y="0"/>
+          <a:ext cx="0" cy="0"/>
+          <a:chOff x="0" y="0"/>
+          <a:chExt cx="0" cy="0"/>
+        </a:xfrm>
+      </p:grpSpPr>
+      <p:sp>
+        <p:nvSpPr>
+          <p:cNvPr id="236546" name="Rectangle 2"/>
+          <p:cNvSpPr>
+            <a:spLocks noGrp="1" noRot="1" noChangeAspect="1" noChangeArrowheads="1" noTextEdit="1"/>
+          </p:cNvSpPr>
+          <p:nvPr>
+            <p:ph type="sldImg"/>
+          </p:nvPr>
+        </p:nvSpPr>
+        <p:spPr>
+          <a:ln/>
+        </p:spPr>
+      </p:sp>
+      <p:sp>
+        <p:nvSpPr>
+          <p:cNvPr id="236547" name="Rectangle 3"/>
+          <p:cNvSpPr>
+            <a:spLocks noGrp="1" noChangeArrowheads="1"/>
+          </p:cNvSpPr>
+          <p:nvPr>
+            <p:ph type="body" idx="1"/>
+          </p:nvPr>
+        </p:nvSpPr>
+        <p:spPr>
+          <a:xfrm>
+            <a:off x="701362" y="4416113"/>
+            <a:ext cx="5607678" cy="4182419"/>
+          </a:xfrm>
+        </p:spPr>
+        <p:txBody>
+          <a:bodyPr/>
+          <a:lstStyle/>
+          <a:p>
+            <a:endParaRPr lang="en-US"/>
+          </a:p>
+        </p:txBody>
+      </p:sp>
+    </p:spTree>
+    <p:extLst>
+      <p:ext uri="{BB962C8B-B14F-4D97-AF65-F5344CB8AC3E}">
         <p14:creationId xmlns:p14="http://schemas.microsoft.com/office/powerpoint/2010/main" val="1724726575"/>
       </p:ext>
     </p:extLst>
@@ -1717,7 +1791,7 @@
     </p:spTree>
     <p:extLst>
       <p:ext uri="{BB962C8B-B14F-4D97-AF65-F5344CB8AC3E}">
-        <p14:creationId xmlns:p14="http://schemas.microsoft.com/office/powerpoint/2010/main" val="375834856"/>
+        <p14:creationId xmlns:p14="http://schemas.microsoft.com/office/powerpoint/2010/main" val="4119379954"/>
       </p:ext>
     </p:extLst>
   </p:cSld>
@@ -1785,7 +1859,7 @@
     </p:spTree>
     <p:extLst>
       <p:ext uri="{BB962C8B-B14F-4D97-AF65-F5344CB8AC3E}">
-        <p14:creationId xmlns:p14="http://schemas.microsoft.com/office/powerpoint/2010/main" val="3829412528"/>
+        <p14:creationId xmlns:p14="http://schemas.microsoft.com/office/powerpoint/2010/main" val="3827478148"/>
       </p:ext>
     </p:extLst>
   </p:cSld>
@@ -1853,7 +1927,7 @@
     </p:spTree>
     <p:extLst>
       <p:ext uri="{BB962C8B-B14F-4D97-AF65-F5344CB8AC3E}">
-        <p14:creationId xmlns:p14="http://schemas.microsoft.com/office/powerpoint/2010/main" val="3662405186"/>
+        <p14:creationId xmlns:p14="http://schemas.microsoft.com/office/powerpoint/2010/main" val="2362849408"/>
       </p:ext>
     </p:extLst>
   </p:cSld>
@@ -1921,7 +1995,7 @@
     </p:spTree>
     <p:extLst>
       <p:ext uri="{BB962C8B-B14F-4D97-AF65-F5344CB8AC3E}">
-        <p14:creationId xmlns:p14="http://schemas.microsoft.com/office/powerpoint/2010/main" val="364384944"/>
+        <p14:creationId xmlns:p14="http://schemas.microsoft.com/office/powerpoint/2010/main" val="3548952278"/>
       </p:ext>
     </p:extLst>
   </p:cSld>
@@ -1989,7 +2063,7 @@
     </p:spTree>
     <p:extLst>
       <p:ext uri="{BB962C8B-B14F-4D97-AF65-F5344CB8AC3E}">
-        <p14:creationId xmlns:p14="http://schemas.microsoft.com/office/powerpoint/2010/main" val="2133018733"/>
+        <p14:creationId xmlns:p14="http://schemas.microsoft.com/office/powerpoint/2010/main" val="1188145887"/>
       </p:ext>
     </p:extLst>
   </p:cSld>
@@ -2057,7 +2131,7 @@
     </p:spTree>
     <p:extLst>
       <p:ext uri="{BB962C8B-B14F-4D97-AF65-F5344CB8AC3E}">
-        <p14:creationId xmlns:p14="http://schemas.microsoft.com/office/powerpoint/2010/main" val="1062867310"/>
+        <p14:creationId xmlns:p14="http://schemas.microsoft.com/office/powerpoint/2010/main" val="3398698171"/>
       </p:ext>
     </p:extLst>
   </p:cSld>
@@ -2125,7 +2199,7 @@
     </p:spTree>
     <p:extLst>
       <p:ext uri="{BB962C8B-B14F-4D97-AF65-F5344CB8AC3E}">
-        <p14:creationId xmlns:p14="http://schemas.microsoft.com/office/powerpoint/2010/main" val="4042249785"/>
+        <p14:creationId xmlns:p14="http://schemas.microsoft.com/office/powerpoint/2010/main" val="4081720458"/>
       </p:ext>
     </p:extLst>
   </p:cSld>
@@ -2315,7 +2389,7 @@
             <a:fld id="{17450E51-4C5E-4BB5-8E54-A147694BC1CA}" type="datetimeFigureOut">
               <a:rPr lang="en-US" smtClean="0"/>
               <a:pPr/>
-              <a:t>2/1/18</a:t>
+              <a:t>2/1/2018</a:t>
             </a:fld>
             <a:endParaRPr lang="en-US"/>
           </a:p>
@@ -2480,7 +2554,7 @@
             <a:fld id="{17450E51-4C5E-4BB5-8E54-A147694BC1CA}" type="datetimeFigureOut">
               <a:rPr lang="en-US" smtClean="0"/>
               <a:pPr/>
-              <a:t>2/1/18</a:t>
+              <a:t>2/1/2018</a:t>
             </a:fld>
             <a:endParaRPr lang="en-US"/>
           </a:p>
@@ -2655,7 +2729,7 @@
             <a:fld id="{17450E51-4C5E-4BB5-8E54-A147694BC1CA}" type="datetimeFigureOut">
               <a:rPr lang="en-US" smtClean="0"/>
               <a:pPr/>
-              <a:t>2/1/18</a:t>
+              <a:t>2/1/2018</a:t>
             </a:fld>
             <a:endParaRPr lang="en-US"/>
           </a:p>
@@ -2820,7 +2894,7 @@
             <a:fld id="{17450E51-4C5E-4BB5-8E54-A147694BC1CA}" type="datetimeFigureOut">
               <a:rPr lang="en-US" smtClean="0"/>
               <a:pPr/>
-              <a:t>2/1/18</a:t>
+              <a:t>2/1/2018</a:t>
             </a:fld>
             <a:endParaRPr lang="en-US"/>
           </a:p>
@@ -3062,7 +3136,7 @@
             <a:fld id="{17450E51-4C5E-4BB5-8E54-A147694BC1CA}" type="datetimeFigureOut">
               <a:rPr lang="en-US" smtClean="0"/>
               <a:pPr/>
-              <a:t>2/1/18</a:t>
+              <a:t>2/1/2018</a:t>
             </a:fld>
             <a:endParaRPr lang="en-US"/>
           </a:p>
@@ -3344,7 +3418,7 @@
             <a:fld id="{17450E51-4C5E-4BB5-8E54-A147694BC1CA}" type="datetimeFigureOut">
               <a:rPr lang="en-US" smtClean="0"/>
               <a:pPr/>
-              <a:t>2/1/18</a:t>
+              <a:t>2/1/2018</a:t>
             </a:fld>
             <a:endParaRPr lang="en-US"/>
           </a:p>
@@ -3760,7 +3834,7 @@
             <a:fld id="{17450E51-4C5E-4BB5-8E54-A147694BC1CA}" type="datetimeFigureOut">
               <a:rPr lang="en-US" smtClean="0"/>
               <a:pPr/>
-              <a:t>2/1/18</a:t>
+              <a:t>2/1/2018</a:t>
             </a:fld>
             <a:endParaRPr lang="en-US"/>
           </a:p>
@@ -3874,7 +3948,7 @@
             <a:fld id="{17450E51-4C5E-4BB5-8E54-A147694BC1CA}" type="datetimeFigureOut">
               <a:rPr lang="en-US" smtClean="0"/>
               <a:pPr/>
-              <a:t>2/1/18</a:t>
+              <a:t>2/1/2018</a:t>
             </a:fld>
             <a:endParaRPr lang="en-US"/>
           </a:p>
@@ -3966,7 +4040,7 @@
             <a:fld id="{17450E51-4C5E-4BB5-8E54-A147694BC1CA}" type="datetimeFigureOut">
               <a:rPr lang="en-US" smtClean="0"/>
               <a:pPr/>
-              <a:t>2/1/18</a:t>
+              <a:t>2/1/2018</a:t>
             </a:fld>
             <a:endParaRPr lang="en-US"/>
           </a:p>
@@ -4238,7 +4312,7 @@
             <a:fld id="{17450E51-4C5E-4BB5-8E54-A147694BC1CA}" type="datetimeFigureOut">
               <a:rPr lang="en-US" smtClean="0"/>
               <a:pPr/>
-              <a:t>2/1/18</a:t>
+              <a:t>2/1/2018</a:t>
             </a:fld>
             <a:endParaRPr lang="en-US"/>
           </a:p>
@@ -4487,7 +4561,7 @@
             <a:fld id="{17450E51-4C5E-4BB5-8E54-A147694BC1CA}" type="datetimeFigureOut">
               <a:rPr lang="en-US" smtClean="0"/>
               <a:pPr/>
-              <a:t>2/1/18</a:t>
+              <a:t>2/1/2018</a:t>
             </a:fld>
             <a:endParaRPr lang="en-US"/>
           </a:p>
@@ -4695,7 +4769,7 @@
             <a:fld id="{17450E51-4C5E-4BB5-8E54-A147694BC1CA}" type="datetimeFigureOut">
               <a:rPr lang="en-US" smtClean="0"/>
               <a:pPr/>
-              <a:t>2/1/18</a:t>
+              <a:t>2/1/2018</a:t>
             </a:fld>
             <a:endParaRPr lang="en-US"/>
           </a:p>
@@ -5086,7 +5160,7 @@
           <a:graphicData uri="http://schemas.openxmlformats.org/presentationml/2006/ole">
             <mc:AlternateContent xmlns:mc="http://schemas.openxmlformats.org/markup-compatibility/2006">
               <mc:Choice xmlns:v="urn:schemas-microsoft-com:vml" Requires="v">
-                <p:oleObj spid="_x0000_s1030" r:id="rId5" imgW="0" imgH="0" progId="TCLayout.ActiveDocument.1">
+                <p:oleObj spid="_x0000_s25605" r:id="rId5" imgW="0" imgH="0" progId="TCLayout.ActiveDocument.1">
                   <p:embed/>
                 </p:oleObj>
               </mc:Choice>
@@ -5192,7 +5266,7 @@
           <p:cNvPr id="7" name="TextBox 6">
             <a:extLst>
               <a:ext uri="{FF2B5EF4-FFF2-40B4-BE49-F238E27FC236}">
-                <a16:creationId xmlns:a16="http://schemas.microsoft.com/office/drawing/2014/main" xmlns="" id="{59D6BA0D-75DA-411C-AE80-6B1C75B5F712}"/>
+                <a16:creationId xmlns:a16="http://schemas.microsoft.com/office/drawing/2014/main" id="{59D6BA0D-75DA-411C-AE80-6B1C75B5F712}"/>
               </a:ext>
             </a:extLst>
           </p:cNvPr>
@@ -5230,7 +5304,7 @@
     </p:spTree>
     <p:extLst>
       <p:ext uri="{BB962C8B-B14F-4D97-AF65-F5344CB8AC3E}">
-        <p14:creationId xmlns:p14="http://schemas.microsoft.com/office/powerpoint/2010/main" val="3749445515"/>
+        <p14:creationId xmlns:p14="http://schemas.microsoft.com/office/powerpoint/2010/main" val="419024873"/>
       </p:ext>
     </p:extLst>
   </p:cSld>
@@ -5355,7 +5429,7 @@
           <a:graphicData uri="http://schemas.openxmlformats.org/presentationml/2006/ole">
             <mc:AlternateContent xmlns:mc="http://schemas.openxmlformats.org/markup-compatibility/2006">
               <mc:Choice xmlns:v="urn:schemas-microsoft-com:vml" Requires="v">
-                <p:oleObj spid="_x0000_s9221" r:id="rId5" imgW="0" imgH="0" progId="TCLayout.ActiveDocument.1">
+                <p:oleObj spid="_x0000_s33797" r:id="rId5" imgW="0" imgH="0" progId="TCLayout.ActiveDocument.1">
                   <p:embed/>
                 </p:oleObj>
               </mc:Choice>
@@ -5461,7 +5535,7 @@
           <p:cNvPr id="13" name="Group 12">
             <a:extLst>
               <a:ext uri="{FF2B5EF4-FFF2-40B4-BE49-F238E27FC236}">
-                <a16:creationId xmlns:a16="http://schemas.microsoft.com/office/drawing/2014/main" xmlns="" id="{AF8D378F-06B0-4C7D-A8DC-3897EBC527B2}"/>
+                <a16:creationId xmlns:a16="http://schemas.microsoft.com/office/drawing/2014/main" id="{AF8D378F-06B0-4C7D-A8DC-3897EBC527B2}"/>
               </a:ext>
             </a:extLst>
           </p:cNvPr>
@@ -5481,7 +5555,7 @@
             <p:cNvPr id="11" name="Rectangle 2">
               <a:extLst>
                 <a:ext uri="{FF2B5EF4-FFF2-40B4-BE49-F238E27FC236}">
-                  <a16:creationId xmlns:a16="http://schemas.microsoft.com/office/drawing/2014/main" xmlns="" id="{340A7B56-754B-452D-844A-C81239CEB0F3}"/>
+                  <a16:creationId xmlns:a16="http://schemas.microsoft.com/office/drawing/2014/main" id="{340A7B56-754B-452D-844A-C81239CEB0F3}"/>
                 </a:ext>
               </a:extLst>
             </p:cNvPr>
@@ -5533,7 +5607,7 @@
             <p:cNvPr id="2" name="Picture 1">
               <a:extLst>
                 <a:ext uri="{FF2B5EF4-FFF2-40B4-BE49-F238E27FC236}">
-                  <a16:creationId xmlns:a16="http://schemas.microsoft.com/office/drawing/2014/main" xmlns="" id="{B69BA337-7192-4723-A968-65052031615B}"/>
+                  <a16:creationId xmlns:a16="http://schemas.microsoft.com/office/drawing/2014/main" id="{B69BA337-7192-4723-A968-65052031615B}"/>
                 </a:ext>
               </a:extLst>
             </p:cNvPr>
@@ -5563,7 +5637,7 @@
             <p:cNvPr id="20" name="Rectangle 19">
               <a:extLst>
                 <a:ext uri="{FF2B5EF4-FFF2-40B4-BE49-F238E27FC236}">
-                  <a16:creationId xmlns:a16="http://schemas.microsoft.com/office/drawing/2014/main" xmlns="" id="{F52B8517-3790-47B2-B06A-A7D51337D86B}"/>
+                  <a16:creationId xmlns:a16="http://schemas.microsoft.com/office/drawing/2014/main" id="{F52B8517-3790-47B2-B06A-A7D51337D86B}"/>
                 </a:ext>
               </a:extLst>
             </p:cNvPr>
@@ -5617,7 +5691,7 @@
           <p:cNvPr id="26" name="Group 25">
             <a:extLst>
               <a:ext uri="{FF2B5EF4-FFF2-40B4-BE49-F238E27FC236}">
-                <a16:creationId xmlns:a16="http://schemas.microsoft.com/office/drawing/2014/main" xmlns="" id="{09E04D29-E4EB-43C5-91C3-07324CA56B40}"/>
+                <a16:creationId xmlns:a16="http://schemas.microsoft.com/office/drawing/2014/main" id="{09E04D29-E4EB-43C5-91C3-07324CA56B40}"/>
               </a:ext>
             </a:extLst>
           </p:cNvPr>
@@ -5637,7 +5711,7 @@
             <p:cNvPr id="8" name="Picture 7">
               <a:extLst>
                 <a:ext uri="{FF2B5EF4-FFF2-40B4-BE49-F238E27FC236}">
-                  <a16:creationId xmlns:a16="http://schemas.microsoft.com/office/drawing/2014/main" xmlns="" id="{3D694C7A-BA08-4C78-9C38-C235F05AD0BC}"/>
+                  <a16:creationId xmlns:a16="http://schemas.microsoft.com/office/drawing/2014/main" id="{3D694C7A-BA08-4C78-9C38-C235F05AD0BC}"/>
                 </a:ext>
               </a:extLst>
             </p:cNvPr>
@@ -5667,7 +5741,7 @@
             <p:cNvPr id="15" name="Rectangle 2">
               <a:extLst>
                 <a:ext uri="{FF2B5EF4-FFF2-40B4-BE49-F238E27FC236}">
-                  <a16:creationId xmlns:a16="http://schemas.microsoft.com/office/drawing/2014/main" xmlns="" id="{C8362624-861F-43A9-B40A-5DE35CE921CE}"/>
+                  <a16:creationId xmlns:a16="http://schemas.microsoft.com/office/drawing/2014/main" id="{C8362624-861F-43A9-B40A-5DE35CE921CE}"/>
                 </a:ext>
               </a:extLst>
             </p:cNvPr>
@@ -5719,7 +5793,7 @@
             <p:cNvPr id="21" name="Rectangle 20">
               <a:extLst>
                 <a:ext uri="{FF2B5EF4-FFF2-40B4-BE49-F238E27FC236}">
-                  <a16:creationId xmlns:a16="http://schemas.microsoft.com/office/drawing/2014/main" xmlns="" id="{D6B3708A-7098-4058-AD99-BEE78F192AB7}"/>
+                  <a16:creationId xmlns:a16="http://schemas.microsoft.com/office/drawing/2014/main" id="{D6B3708A-7098-4058-AD99-BEE78F192AB7}"/>
                 </a:ext>
               </a:extLst>
             </p:cNvPr>
@@ -5773,7 +5847,7 @@
           <p:cNvPr id="27" name="Group 26">
             <a:extLst>
               <a:ext uri="{FF2B5EF4-FFF2-40B4-BE49-F238E27FC236}">
-                <a16:creationId xmlns:a16="http://schemas.microsoft.com/office/drawing/2014/main" xmlns="" id="{6837C4E7-E6DD-4169-B741-FD7251C7CD8E}"/>
+                <a16:creationId xmlns:a16="http://schemas.microsoft.com/office/drawing/2014/main" id="{6837C4E7-E6DD-4169-B741-FD7251C7CD8E}"/>
               </a:ext>
             </a:extLst>
           </p:cNvPr>
@@ -5793,7 +5867,7 @@
             <p:cNvPr id="14" name="Picture 13">
               <a:extLst>
                 <a:ext uri="{FF2B5EF4-FFF2-40B4-BE49-F238E27FC236}">
-                  <a16:creationId xmlns:a16="http://schemas.microsoft.com/office/drawing/2014/main" xmlns="" id="{32BAD7AC-85E4-4FE2-A08A-6F0AF3FAC27B}"/>
+                  <a16:creationId xmlns:a16="http://schemas.microsoft.com/office/drawing/2014/main" id="{32BAD7AC-85E4-4FE2-A08A-6F0AF3FAC27B}"/>
                 </a:ext>
               </a:extLst>
             </p:cNvPr>
@@ -5823,7 +5897,7 @@
             <p:cNvPr id="19" name="Rectangle 2">
               <a:extLst>
                 <a:ext uri="{FF2B5EF4-FFF2-40B4-BE49-F238E27FC236}">
-                  <a16:creationId xmlns:a16="http://schemas.microsoft.com/office/drawing/2014/main" xmlns="" id="{11A81F7D-89AE-4543-AC28-D15A3978268E}"/>
+                  <a16:creationId xmlns:a16="http://schemas.microsoft.com/office/drawing/2014/main" id="{11A81F7D-89AE-4543-AC28-D15A3978268E}"/>
                 </a:ext>
               </a:extLst>
             </p:cNvPr>
@@ -5872,7 +5946,7 @@
             <p:cNvPr id="24" name="Rectangle 23">
               <a:extLst>
                 <a:ext uri="{FF2B5EF4-FFF2-40B4-BE49-F238E27FC236}">
-                  <a16:creationId xmlns:a16="http://schemas.microsoft.com/office/drawing/2014/main" xmlns="" id="{FE291957-6303-4956-B24C-E9D19A6D1282}"/>
+                  <a16:creationId xmlns:a16="http://schemas.microsoft.com/office/drawing/2014/main" id="{FE291957-6303-4956-B24C-E9D19A6D1282}"/>
                 </a:ext>
               </a:extLst>
             </p:cNvPr>
@@ -5926,7 +6000,7 @@
           <p:cNvPr id="25" name="Group 24">
             <a:extLst>
               <a:ext uri="{FF2B5EF4-FFF2-40B4-BE49-F238E27FC236}">
-                <a16:creationId xmlns:a16="http://schemas.microsoft.com/office/drawing/2014/main" xmlns="" id="{3EA8F59B-A5D2-43EB-8F99-2AED90B6D324}"/>
+                <a16:creationId xmlns:a16="http://schemas.microsoft.com/office/drawing/2014/main" id="{3EA8F59B-A5D2-43EB-8F99-2AED90B6D324}"/>
               </a:ext>
             </a:extLst>
           </p:cNvPr>
@@ -5946,7 +6020,7 @@
             <p:cNvPr id="12" name="Picture 11">
               <a:extLst>
                 <a:ext uri="{FF2B5EF4-FFF2-40B4-BE49-F238E27FC236}">
-                  <a16:creationId xmlns:a16="http://schemas.microsoft.com/office/drawing/2014/main" xmlns="" id="{F5047BBE-332B-48E6-B054-5D95898F1882}"/>
+                  <a16:creationId xmlns:a16="http://schemas.microsoft.com/office/drawing/2014/main" id="{F5047BBE-332B-48E6-B054-5D95898F1882}"/>
                 </a:ext>
               </a:extLst>
             </p:cNvPr>
@@ -5976,7 +6050,7 @@
             <p:cNvPr id="17" name="Rectangle 2">
               <a:extLst>
                 <a:ext uri="{FF2B5EF4-FFF2-40B4-BE49-F238E27FC236}">
-                  <a16:creationId xmlns:a16="http://schemas.microsoft.com/office/drawing/2014/main" xmlns="" id="{34796B36-8460-4AA7-BB8F-D2D4FE1A7AE5}"/>
+                  <a16:creationId xmlns:a16="http://schemas.microsoft.com/office/drawing/2014/main" id="{34796B36-8460-4AA7-BB8F-D2D4FE1A7AE5}"/>
                 </a:ext>
               </a:extLst>
             </p:cNvPr>
@@ -6028,7 +6102,7 @@
             <p:cNvPr id="23" name="Rectangle 22">
               <a:extLst>
                 <a:ext uri="{FF2B5EF4-FFF2-40B4-BE49-F238E27FC236}">
-                  <a16:creationId xmlns:a16="http://schemas.microsoft.com/office/drawing/2014/main" xmlns="" id="{B13B3A79-E38B-4AAE-A79C-3C3B02C83F06}"/>
+                  <a16:creationId xmlns:a16="http://schemas.microsoft.com/office/drawing/2014/main" id="{B13B3A79-E38B-4AAE-A79C-3C3B02C83F06}"/>
                 </a:ext>
               </a:extLst>
             </p:cNvPr>
@@ -6082,7 +6156,7 @@
           <p:cNvPr id="5" name="Group 4">
             <a:extLst>
               <a:ext uri="{FF2B5EF4-FFF2-40B4-BE49-F238E27FC236}">
-                <a16:creationId xmlns:a16="http://schemas.microsoft.com/office/drawing/2014/main" xmlns="" id="{70E882FA-D878-4031-AE0D-F2063BCDFEFD}"/>
+                <a16:creationId xmlns:a16="http://schemas.microsoft.com/office/drawing/2014/main" id="{70E882FA-D878-4031-AE0D-F2063BCDFEFD}"/>
               </a:ext>
             </a:extLst>
           </p:cNvPr>
@@ -6102,7 +6176,7 @@
             <p:cNvPr id="9" name="Picture 8">
               <a:extLst>
                 <a:ext uri="{FF2B5EF4-FFF2-40B4-BE49-F238E27FC236}">
-                  <a16:creationId xmlns:a16="http://schemas.microsoft.com/office/drawing/2014/main" xmlns="" id="{BAF1E3F6-0C2C-480D-B395-F4CFBB522C23}"/>
+                  <a16:creationId xmlns:a16="http://schemas.microsoft.com/office/drawing/2014/main" id="{BAF1E3F6-0C2C-480D-B395-F4CFBB522C23}"/>
                 </a:ext>
               </a:extLst>
             </p:cNvPr>
@@ -6132,7 +6206,7 @@
             <p:cNvPr id="16" name="Rectangle 2">
               <a:extLst>
                 <a:ext uri="{FF2B5EF4-FFF2-40B4-BE49-F238E27FC236}">
-                  <a16:creationId xmlns:a16="http://schemas.microsoft.com/office/drawing/2014/main" xmlns="" id="{9726BE47-F08A-411E-B579-8E0033EF1C64}"/>
+                  <a16:creationId xmlns:a16="http://schemas.microsoft.com/office/drawing/2014/main" id="{9726BE47-F08A-411E-B579-8E0033EF1C64}"/>
                 </a:ext>
               </a:extLst>
             </p:cNvPr>
@@ -6184,7 +6258,7 @@
             <p:cNvPr id="22" name="Rectangle 21">
               <a:extLst>
                 <a:ext uri="{FF2B5EF4-FFF2-40B4-BE49-F238E27FC236}">
-                  <a16:creationId xmlns:a16="http://schemas.microsoft.com/office/drawing/2014/main" xmlns="" id="{1FD29097-FDFD-438B-B3A7-17FBC442A115}"/>
+                  <a16:creationId xmlns:a16="http://schemas.microsoft.com/office/drawing/2014/main" id="{1FD29097-FDFD-438B-B3A7-17FBC442A115}"/>
                 </a:ext>
               </a:extLst>
             </p:cNvPr>
@@ -6236,7 +6310,7 @@
     </p:spTree>
     <p:extLst>
       <p:ext uri="{BB962C8B-B14F-4D97-AF65-F5344CB8AC3E}">
-        <p14:creationId xmlns:p14="http://schemas.microsoft.com/office/powerpoint/2010/main" val="1465022240"/>
+        <p14:creationId xmlns:p14="http://schemas.microsoft.com/office/powerpoint/2010/main" val="2391641095"/>
       </p:ext>
     </p:extLst>
   </p:cSld>
@@ -6538,7 +6612,7 @@
           <a:graphicData uri="http://schemas.openxmlformats.org/presentationml/2006/ole">
             <mc:AlternateContent xmlns:mc="http://schemas.openxmlformats.org/markup-compatibility/2006">
               <mc:Choice xmlns:v="urn:schemas-microsoft-com:vml" Requires="v">
-                <p:oleObj spid="_x0000_s10246" r:id="rId5" imgW="0" imgH="0" progId="TCLayout.ActiveDocument.1">
+                <p:oleObj spid="_x0000_s34821" r:id="rId5" imgW="0" imgH="0" progId="TCLayout.ActiveDocument.1">
                   <p:embed/>
                 </p:oleObj>
               </mc:Choice>
@@ -6623,7 +6697,7 @@
         </p:spPr>
         <p:txBody>
           <a:bodyPr>
-            <a:normAutofit fontScale="90000"/>
+            <a:noAutofit/>
           </a:bodyPr>
           <a:lstStyle/>
           <a:p>
@@ -6634,17 +6708,17 @@
                   <a:srgbClr val="000066"/>
                 </a:solidFill>
               </a:rPr>
-              <a:t>Process of proving the thesis with a Statistical Model using Machine Learning</a:t>
-            </a:r>
-          </a:p>
-        </p:txBody>
-      </p:sp>
-      <p:sp>
-        <p:nvSpPr>
-          <p:cNvPr id="7" name="TextBox 6">
+              <a:t>Process of testing the thesis with a Statistical Model using Machine Learning</a:t>
+            </a:r>
+          </a:p>
+        </p:txBody>
+      </p:sp>
+      <p:sp>
+        <p:nvSpPr>
+          <p:cNvPr id="6" name="TextBox 5">
             <a:extLst>
               <a:ext uri="{FF2B5EF4-FFF2-40B4-BE49-F238E27FC236}">
-                <a16:creationId xmlns:a16="http://schemas.microsoft.com/office/drawing/2014/main" xmlns="" id="{59D6BA0D-75DA-411C-AE80-6B1C75B5F712}"/>
+                <a16:creationId xmlns:a16="http://schemas.microsoft.com/office/drawing/2014/main" id="{B5445D99-1429-4B9F-AFF3-64CE73903E87}"/>
               </a:ext>
             </a:extLst>
           </p:cNvPr>
@@ -6653,161 +6727,7 @@
         </p:nvSpPr>
         <p:spPr>
           <a:xfrm>
-            <a:off x="533400" y="1143923"/>
-            <a:ext cx="7772400" cy="2308324"/>
-          </a:xfrm>
-          <a:prstGeom prst="rect">
-            <a:avLst/>
-          </a:prstGeom>
-          <a:noFill/>
-        </p:spPr>
-        <p:txBody>
-          <a:bodyPr wrap="square" rtlCol="0">
-            <a:spAutoFit/>
-          </a:bodyPr>
-          <a:lstStyle/>
-          <a:p>
-            <a:r>
-              <a:rPr lang="en-US" b="1" dirty="0">
-                <a:solidFill>
-                  <a:srgbClr val="000066"/>
-                </a:solidFill>
-              </a:rPr>
-              <a:t>Grouped news events into five categories:</a:t>
-            </a:r>
-          </a:p>
-          <a:p>
-            <a:endParaRPr lang="en-US" b="1" dirty="0">
-              <a:solidFill>
-                <a:srgbClr val="000066"/>
-              </a:solidFill>
-            </a:endParaRPr>
-          </a:p>
-          <a:p>
-            <a:pPr marL="285750" indent="-285750">
-              <a:buFont typeface="Arial" panose="020B0604020202020204" pitchFamily="34" charset="0"/>
-              <a:buChar char="•"/>
-            </a:pPr>
-            <a:r>
-              <a:rPr lang="en-US" b="1" i="1" dirty="0">
-                <a:solidFill>
-                  <a:srgbClr val="000066"/>
-                </a:solidFill>
-              </a:rPr>
-              <a:t>Product Failure, Service Failure or Fraudulent Practice</a:t>
-            </a:r>
-          </a:p>
-          <a:p>
-            <a:pPr marL="285750" indent="-285750">
-              <a:buFont typeface="Arial" panose="020B0604020202020204" pitchFamily="34" charset="0"/>
-              <a:buChar char="•"/>
-            </a:pPr>
-            <a:r>
-              <a:rPr lang="en-US" b="1" i="1" dirty="0">
-                <a:solidFill>
-                  <a:srgbClr val="000066"/>
-                </a:solidFill>
-              </a:rPr>
-              <a:t>Accounting and Financial Misrepresentation</a:t>
-            </a:r>
-          </a:p>
-          <a:p>
-            <a:pPr marL="285750" indent="-285750">
-              <a:buFont typeface="Arial" panose="020B0604020202020204" pitchFamily="34" charset="0"/>
-              <a:buChar char="•"/>
-            </a:pPr>
-            <a:r>
-              <a:rPr lang="en-US" b="1" i="1" dirty="0">
-                <a:solidFill>
-                  <a:srgbClr val="000066"/>
-                </a:solidFill>
-              </a:rPr>
-              <a:t>Environmental or Ecological </a:t>
-            </a:r>
-            <a:r>
-              <a:rPr lang="en-US" b="1" i="1" dirty="0" smtClean="0">
-                <a:solidFill>
-                  <a:srgbClr val="000066"/>
-                </a:solidFill>
-              </a:rPr>
-              <a:t>Hazard</a:t>
-            </a:r>
-            <a:endParaRPr lang="en-US" b="1" i="1" dirty="0">
-              <a:solidFill>
-                <a:srgbClr val="000066"/>
-              </a:solidFill>
-            </a:endParaRPr>
-          </a:p>
-          <a:p>
-            <a:pPr marL="285750" indent="-285750">
-              <a:buFont typeface="Arial" panose="020B0604020202020204" pitchFamily="34" charset="0"/>
-              <a:buChar char="•"/>
-            </a:pPr>
-            <a:r>
-              <a:rPr lang="en-US" b="1" i="1" dirty="0">
-                <a:solidFill>
-                  <a:srgbClr val="000066"/>
-                </a:solidFill>
-              </a:rPr>
-              <a:t>Human Health </a:t>
-            </a:r>
-            <a:r>
-              <a:rPr lang="en-US" b="1" i="1" dirty="0" smtClean="0">
-                <a:solidFill>
-                  <a:srgbClr val="000066"/>
-                </a:solidFill>
-              </a:rPr>
-              <a:t>Hazard</a:t>
-            </a:r>
-            <a:endParaRPr lang="en-US" b="1" i="1" dirty="0">
-              <a:solidFill>
-                <a:srgbClr val="000066"/>
-              </a:solidFill>
-            </a:endParaRPr>
-          </a:p>
-          <a:p>
-            <a:pPr marL="285750" indent="-285750">
-              <a:buFont typeface="Arial" panose="020B0604020202020204" pitchFamily="34" charset="0"/>
-              <a:buChar char="•"/>
-            </a:pPr>
-            <a:r>
-              <a:rPr lang="en-US" b="1" i="1" dirty="0">
-                <a:solidFill>
-                  <a:srgbClr val="000066"/>
-                </a:solidFill>
-              </a:rPr>
-              <a:t>Impact to Key Executive</a:t>
-            </a:r>
-            <a:endParaRPr lang="en-US" b="1" dirty="0">
-              <a:solidFill>
-                <a:srgbClr val="000066"/>
-              </a:solidFill>
-            </a:endParaRPr>
-          </a:p>
-          <a:p>
-            <a:endParaRPr lang="en-US" b="1" dirty="0">
-              <a:solidFill>
-                <a:srgbClr val="000066"/>
-              </a:solidFill>
-            </a:endParaRPr>
-          </a:p>
-        </p:txBody>
-      </p:sp>
-      <p:sp>
-        <p:nvSpPr>
-          <p:cNvPr id="6" name="TextBox 5">
-            <a:extLst>
-              <a:ext uri="{FF2B5EF4-FFF2-40B4-BE49-F238E27FC236}">
-                <a16:creationId xmlns:a16="http://schemas.microsoft.com/office/drawing/2014/main" xmlns="" id="{B5445D99-1429-4B9F-AFF3-64CE73903E87}"/>
-              </a:ext>
-            </a:extLst>
-          </p:cNvPr>
-          <p:cNvSpPr txBox="1"/>
-          <p:nvPr/>
-        </p:nvSpPr>
-        <p:spPr>
-          <a:xfrm>
-            <a:off x="533400" y="3635276"/>
+            <a:off x="533400" y="1295400"/>
             <a:ext cx="7772400" cy="2585323"/>
           </a:xfrm>
           <a:prstGeom prst="rect">
@@ -6896,7 +6816,2676 @@
     </p:spTree>
     <p:extLst>
       <p:ext uri="{BB962C8B-B14F-4D97-AF65-F5344CB8AC3E}">
-        <p14:creationId xmlns:p14="http://schemas.microsoft.com/office/powerpoint/2010/main" val="1990165780"/>
+        <p14:creationId xmlns:p14="http://schemas.microsoft.com/office/powerpoint/2010/main" val="2143264784"/>
+      </p:ext>
+    </p:extLst>
+  </p:cSld>
+  <p:clrMapOvr>
+    <a:masterClrMapping/>
+  </p:clrMapOvr>
+  <p:timing>
+    <p:tnLst>
+      <p:par>
+        <p:cTn id="1" dur="indefinite" restart="never" nodeType="tmRoot">
+          <p:childTnLst>
+            <p:seq concurrent="1" nextAc="seek">
+              <p:cTn id="2" dur="indefinite" nodeType="mainSeq">
+                <p:childTnLst>
+                  <p:par>
+                    <p:cTn id="3" fill="hold">
+                      <p:stCondLst>
+                        <p:cond delay="indefinite"/>
+                      </p:stCondLst>
+                      <p:childTnLst>
+                        <p:par>
+                          <p:cTn id="4" fill="hold">
+                            <p:stCondLst>
+                              <p:cond delay="0"/>
+                            </p:stCondLst>
+                            <p:childTnLst>
+                              <p:par>
+                                <p:cTn id="5" presetID="1" presetClass="entr" presetSubtype="0" fill="hold" grpId="0" nodeType="clickEffect">
+                                  <p:stCondLst>
+                                    <p:cond delay="0"/>
+                                  </p:stCondLst>
+                                  <p:childTnLst>
+                                    <p:set>
+                                      <p:cBhvr>
+                                        <p:cTn id="6" dur="1" fill="hold">
+                                          <p:stCondLst>
+                                            <p:cond delay="0"/>
+                                          </p:stCondLst>
+                                        </p:cTn>
+                                        <p:tgtEl>
+                                          <p:spTgt spid="6"/>
+                                        </p:tgtEl>
+                                        <p:attrNameLst>
+                                          <p:attrName>style.visibility</p:attrName>
+                                        </p:attrNameLst>
+                                      </p:cBhvr>
+                                      <p:to>
+                                        <p:strVal val="visible"/>
+                                      </p:to>
+                                    </p:set>
+                                  </p:childTnLst>
+                                </p:cTn>
+                              </p:par>
+                            </p:childTnLst>
+                          </p:cTn>
+                        </p:par>
+                      </p:childTnLst>
+                    </p:cTn>
+                  </p:par>
+                </p:childTnLst>
+              </p:cTn>
+              <p:prevCondLst>
+                <p:cond evt="onPrev" delay="0">
+                  <p:tgtEl>
+                    <p:sldTgt/>
+                  </p:tgtEl>
+                </p:cond>
+              </p:prevCondLst>
+              <p:nextCondLst>
+                <p:cond evt="onNext" delay="0">
+                  <p:tgtEl>
+                    <p:sldTgt/>
+                  </p:tgtEl>
+                </p:cond>
+              </p:nextCondLst>
+            </p:seq>
+          </p:childTnLst>
+        </p:cTn>
+      </p:par>
+    </p:tnLst>
+    <p:bldLst>
+      <p:bldP spid="6" grpId="0"/>
+    </p:bldLst>
+  </p:timing>
+</p:sld>
+</file>
+
+<file path=ppt/slides/slide12.xml><?xml version="1.0" encoding="utf-8"?>
+<p:sld xmlns:a="http://schemas.openxmlformats.org/drawingml/2006/main" xmlns:r="http://schemas.openxmlformats.org/officeDocument/2006/relationships" xmlns:p="http://schemas.openxmlformats.org/presentationml/2006/main">
+  <p:cSld>
+    <p:spTree>
+      <p:nvGrpSpPr>
+        <p:cNvPr id="1" name=""/>
+        <p:cNvGrpSpPr/>
+        <p:nvPr/>
+      </p:nvGrpSpPr>
+      <p:grpSpPr>
+        <a:xfrm>
+          <a:off x="0" y="0"/>
+          <a:ext cx="0" cy="0"/>
+          <a:chOff x="0" y="0"/>
+          <a:chExt cx="0" cy="0"/>
+        </a:xfrm>
+      </p:grpSpPr>
+      <p:graphicFrame>
+        <p:nvGraphicFramePr>
+          <p:cNvPr id="235522" name="Rectangle 2" hidden="1"/>
+          <p:cNvGraphicFramePr>
+            <a:graphicFrameLocks/>
+          </p:cNvGraphicFramePr>
+          <p:nvPr>
+            <p:custDataLst>
+              <p:tags r:id="rId2"/>
+            </p:custDataLst>
+          </p:nvPr>
+        </p:nvGraphicFramePr>
+        <p:xfrm>
+          <a:off x="0" y="-305118"/>
+          <a:ext cx="158519" cy="158518"/>
+        </p:xfrm>
+        <a:graphic>
+          <a:graphicData uri="http://schemas.openxmlformats.org/presentationml/2006/ole">
+            <mc:AlternateContent xmlns:mc="http://schemas.openxmlformats.org/markup-compatibility/2006">
+              <mc:Choice xmlns:v="urn:schemas-microsoft-com:vml" Requires="v">
+                <p:oleObj spid="_x0000_s35845" r:id="rId5" imgW="0" imgH="0" progId="TCLayout.ActiveDocument.1">
+                  <p:embed/>
+                </p:oleObj>
+              </mc:Choice>
+              <mc:Fallback>
+                <p:oleObj r:id="rId5" imgW="0" imgH="0" progId="TCLayout.ActiveDocument.1">
+                  <p:embed/>
+                  <p:pic>
+                    <p:nvPicPr>
+                      <p:cNvPr id="235522" name="Rectangle 2" hidden="1"/>
+                      <p:cNvPicPr preferRelativeResize="0">
+                        <a:picLocks noChangeArrowheads="1"/>
+                      </p:cNvPicPr>
+                      <p:nvPr/>
+                    </p:nvPicPr>
+                    <p:blipFill>
+                      <a:blip>
+                        <a:extLst>
+                          <a:ext uri="{28A0092B-C50C-407E-A947-70E740481C1C}">
+                            <a14:useLocalDpi xmlns:a14="http://schemas.microsoft.com/office/drawing/2010/main" val="0"/>
+                          </a:ext>
+                        </a:extLst>
+                      </a:blip>
+                      <a:srcRect/>
+                      <a:stretch>
+                        <a:fillRect/>
+                      </a:stretch>
+                    </p:blipFill>
+                    <p:spPr bwMode="auto">
+                      <a:xfrm>
+                        <a:off x="0" y="-305118"/>
+                        <a:ext cx="158519" cy="158518"/>
+                      </a:xfrm>
+                      <a:prstGeom prst="rect">
+                        <a:avLst/>
+                      </a:prstGeom>
+                      <a:noFill/>
+                      <a:ln>
+                        <a:noFill/>
+                      </a:ln>
+                      <a:extLst>
+                        <a:ext uri="{909E8E84-426E-40DD-AFC4-6F175D3DCCD1}">
+                          <a14:hiddenFill xmlns:a14="http://schemas.microsoft.com/office/drawing/2010/main">
+                            <a:solidFill>
+                              <a:srgbClr val="FFFFFF"/>
+                            </a:solidFill>
+                          </a14:hiddenFill>
+                        </a:ext>
+                        <a:ext uri="{91240B29-F687-4F45-9708-019B960494DF}">
+                          <a14:hiddenLine xmlns:a14="http://schemas.microsoft.com/office/drawing/2010/main" w="9525">
+                            <a:solidFill>
+                              <a:srgbClr val="000000"/>
+                            </a:solidFill>
+                            <a:miter lim="800000"/>
+                            <a:headEnd/>
+                            <a:tailEnd/>
+                          </a14:hiddenLine>
+                        </a:ext>
+                      </a:extLst>
+                    </p:spPr>
+                  </p:pic>
+                </p:oleObj>
+              </mc:Fallback>
+            </mc:AlternateContent>
+          </a:graphicData>
+        </a:graphic>
+      </p:graphicFrame>
+      <p:sp>
+        <p:nvSpPr>
+          <p:cNvPr id="8" name="Title 40">
+            <a:extLst>
+              <a:ext uri="{FF2B5EF4-FFF2-40B4-BE49-F238E27FC236}">
+                <a16:creationId xmlns:a16="http://schemas.microsoft.com/office/drawing/2014/main" id="{6D65D641-D69D-4168-BB7D-AD3F200877E3}"/>
+              </a:ext>
+            </a:extLst>
+          </p:cNvPr>
+          <p:cNvSpPr>
+            <a:spLocks noGrp="1"/>
+          </p:cNvSpPr>
+          <p:nvPr>
+            <p:ph type="title"/>
+          </p:nvPr>
+        </p:nvSpPr>
+        <p:spPr>
+          <a:xfrm>
+            <a:off x="381000" y="152400"/>
+            <a:ext cx="8153400" cy="808038"/>
+          </a:xfrm>
+        </p:spPr>
+        <p:txBody>
+          <a:bodyPr>
+            <a:normAutofit/>
+          </a:bodyPr>
+          <a:lstStyle/>
+          <a:p>
+            <a:pPr algn="l"/>
+            <a:r>
+              <a:rPr lang="en-US" sz="2400" b="1" dirty="0">
+                <a:solidFill>
+                  <a:srgbClr val="000066"/>
+                </a:solidFill>
+              </a:rPr>
+              <a:t>Workflow</a:t>
+            </a:r>
+          </a:p>
+        </p:txBody>
+      </p:sp>
+      <p:sp>
+        <p:nvSpPr>
+          <p:cNvPr id="3" name="TextBox 2">
+            <a:extLst>
+              <a:ext uri="{FF2B5EF4-FFF2-40B4-BE49-F238E27FC236}">
+                <a16:creationId xmlns:a16="http://schemas.microsoft.com/office/drawing/2014/main" id="{0BBCD9D6-8729-415F-B524-1885A8D216AD}"/>
+              </a:ext>
+            </a:extLst>
+          </p:cNvPr>
+          <p:cNvSpPr txBox="1"/>
+          <p:nvPr/>
+        </p:nvSpPr>
+        <p:spPr>
+          <a:xfrm>
+            <a:off x="419100" y="1227455"/>
+            <a:ext cx="8153400" cy="1477328"/>
+          </a:xfrm>
+          <a:prstGeom prst="rect">
+            <a:avLst/>
+          </a:prstGeom>
+          <a:noFill/>
+        </p:spPr>
+        <p:txBody>
+          <a:bodyPr wrap="square" rtlCol="0">
+            <a:spAutoFit/>
+          </a:bodyPr>
+          <a:lstStyle/>
+          <a:p>
+            <a:r>
+              <a:rPr lang="en-US" dirty="0"/>
+              <a:t>First Step</a:t>
+            </a:r>
+          </a:p>
+          <a:p>
+            <a:endParaRPr lang="en-US" dirty="0"/>
+          </a:p>
+          <a:p>
+            <a:pPr marL="742950" lvl="1" indent="-285750">
+              <a:buFont typeface="Arial" panose="020B0604020202020204" pitchFamily="34" charset="0"/>
+              <a:buChar char="•"/>
+            </a:pPr>
+            <a:r>
+              <a:rPr lang="en-US" dirty="0"/>
+              <a:t>Gather the sources</a:t>
+            </a:r>
+          </a:p>
+          <a:p>
+            <a:pPr marL="1200150" lvl="2" indent="-285750">
+              <a:buFont typeface="Arial" panose="020B0604020202020204" pitchFamily="34" charset="0"/>
+              <a:buChar char="•"/>
+            </a:pPr>
+            <a:r>
+              <a:rPr lang="en-US" dirty="0"/>
+              <a:t>NYSE stock list</a:t>
+            </a:r>
+          </a:p>
+          <a:p>
+            <a:pPr marL="1200150" lvl="2" indent="-285750">
+              <a:buFont typeface="Arial" panose="020B0604020202020204" pitchFamily="34" charset="0"/>
+              <a:buChar char="•"/>
+            </a:pPr>
+            <a:r>
+              <a:rPr lang="en-US" dirty="0"/>
+              <a:t>Random sampling of 800 companies</a:t>
+            </a:r>
+          </a:p>
+        </p:txBody>
+      </p:sp>
+      <p:pic>
+        <p:nvPicPr>
+          <p:cNvPr id="4" name="Picture 3">
+            <a:extLst>
+              <a:ext uri="{FF2B5EF4-FFF2-40B4-BE49-F238E27FC236}">
+                <a16:creationId xmlns:a16="http://schemas.microsoft.com/office/drawing/2014/main" id="{B21AA919-AB25-4407-AD8E-42181958B333}"/>
+              </a:ext>
+            </a:extLst>
+          </p:cNvPr>
+          <p:cNvPicPr>
+            <a:picLocks noChangeAspect="1"/>
+          </p:cNvPicPr>
+          <p:nvPr/>
+        </p:nvPicPr>
+        <p:blipFill>
+          <a:blip r:embed="rId6"/>
+          <a:stretch>
+            <a:fillRect/>
+          </a:stretch>
+        </p:blipFill>
+        <p:spPr>
+          <a:xfrm>
+            <a:off x="419100" y="2971800"/>
+            <a:ext cx="8115300" cy="3429000"/>
+          </a:xfrm>
+          <a:prstGeom prst="rect">
+            <a:avLst/>
+          </a:prstGeom>
+        </p:spPr>
+      </p:pic>
+    </p:spTree>
+    <p:extLst>
+      <p:ext uri="{BB962C8B-B14F-4D97-AF65-F5344CB8AC3E}">
+        <p14:creationId xmlns:p14="http://schemas.microsoft.com/office/powerpoint/2010/main" val="25497256"/>
+      </p:ext>
+    </p:extLst>
+  </p:cSld>
+  <p:clrMapOvr>
+    <a:masterClrMapping/>
+  </p:clrMapOvr>
+</p:sld>
+</file>
+
+<file path=ppt/slides/slide13.xml><?xml version="1.0" encoding="utf-8"?>
+<p:sld xmlns:a="http://schemas.openxmlformats.org/drawingml/2006/main" xmlns:r="http://schemas.openxmlformats.org/officeDocument/2006/relationships" xmlns:p="http://schemas.openxmlformats.org/presentationml/2006/main">
+  <p:cSld>
+    <p:spTree>
+      <p:nvGrpSpPr>
+        <p:cNvPr id="1" name=""/>
+        <p:cNvGrpSpPr/>
+        <p:nvPr/>
+      </p:nvGrpSpPr>
+      <p:grpSpPr>
+        <a:xfrm>
+          <a:off x="0" y="0"/>
+          <a:ext cx="0" cy="0"/>
+          <a:chOff x="0" y="0"/>
+          <a:chExt cx="0" cy="0"/>
+        </a:xfrm>
+      </p:grpSpPr>
+      <p:graphicFrame>
+        <p:nvGraphicFramePr>
+          <p:cNvPr id="235522" name="Rectangle 2" hidden="1"/>
+          <p:cNvGraphicFramePr>
+            <a:graphicFrameLocks/>
+          </p:cNvGraphicFramePr>
+          <p:nvPr>
+            <p:custDataLst>
+              <p:tags r:id="rId2"/>
+            </p:custDataLst>
+          </p:nvPr>
+        </p:nvGraphicFramePr>
+        <p:xfrm>
+          <a:off x="0" y="-305118"/>
+          <a:ext cx="158519" cy="158518"/>
+        </p:xfrm>
+        <a:graphic>
+          <a:graphicData uri="http://schemas.openxmlformats.org/presentationml/2006/ole">
+            <mc:AlternateContent xmlns:mc="http://schemas.openxmlformats.org/markup-compatibility/2006">
+              <mc:Choice xmlns:v="urn:schemas-microsoft-com:vml" Requires="v">
+                <p:oleObj spid="_x0000_s36869" r:id="rId5" imgW="0" imgH="0" progId="TCLayout.ActiveDocument.1">
+                  <p:embed/>
+                </p:oleObj>
+              </mc:Choice>
+              <mc:Fallback>
+                <p:oleObj r:id="rId5" imgW="0" imgH="0" progId="TCLayout.ActiveDocument.1">
+                  <p:embed/>
+                  <p:pic>
+                    <p:nvPicPr>
+                      <p:cNvPr id="235522" name="Rectangle 2" hidden="1"/>
+                      <p:cNvPicPr preferRelativeResize="0">
+                        <a:picLocks noChangeArrowheads="1"/>
+                      </p:cNvPicPr>
+                      <p:nvPr/>
+                    </p:nvPicPr>
+                    <p:blipFill>
+                      <a:blip>
+                        <a:extLst>
+                          <a:ext uri="{28A0092B-C50C-407E-A947-70E740481C1C}">
+                            <a14:useLocalDpi xmlns:a14="http://schemas.microsoft.com/office/drawing/2010/main" val="0"/>
+                          </a:ext>
+                        </a:extLst>
+                      </a:blip>
+                      <a:srcRect/>
+                      <a:stretch>
+                        <a:fillRect/>
+                      </a:stretch>
+                    </p:blipFill>
+                    <p:spPr bwMode="auto">
+                      <a:xfrm>
+                        <a:off x="0" y="-305118"/>
+                        <a:ext cx="158519" cy="158518"/>
+                      </a:xfrm>
+                      <a:prstGeom prst="rect">
+                        <a:avLst/>
+                      </a:prstGeom>
+                      <a:noFill/>
+                      <a:ln>
+                        <a:noFill/>
+                      </a:ln>
+                      <a:extLst>
+                        <a:ext uri="{909E8E84-426E-40DD-AFC4-6F175D3DCCD1}">
+                          <a14:hiddenFill xmlns:a14="http://schemas.microsoft.com/office/drawing/2010/main">
+                            <a:solidFill>
+                              <a:srgbClr val="FFFFFF"/>
+                            </a:solidFill>
+                          </a14:hiddenFill>
+                        </a:ext>
+                        <a:ext uri="{91240B29-F687-4F45-9708-019B960494DF}">
+                          <a14:hiddenLine xmlns:a14="http://schemas.microsoft.com/office/drawing/2010/main" w="9525">
+                            <a:solidFill>
+                              <a:srgbClr val="000000"/>
+                            </a:solidFill>
+                            <a:miter lim="800000"/>
+                            <a:headEnd/>
+                            <a:tailEnd/>
+                          </a14:hiddenLine>
+                        </a:ext>
+                      </a:extLst>
+                    </p:spPr>
+                  </p:pic>
+                </p:oleObj>
+              </mc:Fallback>
+            </mc:AlternateContent>
+          </a:graphicData>
+        </a:graphic>
+      </p:graphicFrame>
+      <p:sp>
+        <p:nvSpPr>
+          <p:cNvPr id="8" name="Title 40">
+            <a:extLst>
+              <a:ext uri="{FF2B5EF4-FFF2-40B4-BE49-F238E27FC236}">
+                <a16:creationId xmlns:a16="http://schemas.microsoft.com/office/drawing/2014/main" id="{6D65D641-D69D-4168-BB7D-AD3F200877E3}"/>
+              </a:ext>
+            </a:extLst>
+          </p:cNvPr>
+          <p:cNvSpPr>
+            <a:spLocks noGrp="1"/>
+          </p:cNvSpPr>
+          <p:nvPr>
+            <p:ph type="title"/>
+          </p:nvPr>
+        </p:nvSpPr>
+        <p:spPr>
+          <a:xfrm>
+            <a:off x="381000" y="152400"/>
+            <a:ext cx="8153400" cy="808038"/>
+          </a:xfrm>
+        </p:spPr>
+        <p:txBody>
+          <a:bodyPr>
+            <a:normAutofit/>
+          </a:bodyPr>
+          <a:lstStyle/>
+          <a:p>
+            <a:pPr algn="l"/>
+            <a:r>
+              <a:rPr lang="en-US" sz="2400" b="1" dirty="0">
+                <a:solidFill>
+                  <a:srgbClr val="000066"/>
+                </a:solidFill>
+              </a:rPr>
+              <a:t>Workflow</a:t>
+            </a:r>
+          </a:p>
+        </p:txBody>
+      </p:sp>
+      <p:sp>
+        <p:nvSpPr>
+          <p:cNvPr id="3" name="TextBox 2">
+            <a:extLst>
+              <a:ext uri="{FF2B5EF4-FFF2-40B4-BE49-F238E27FC236}">
+                <a16:creationId xmlns:a16="http://schemas.microsoft.com/office/drawing/2014/main" id="{0BBCD9D6-8729-415F-B524-1885A8D216AD}"/>
+              </a:ext>
+            </a:extLst>
+          </p:cNvPr>
+          <p:cNvSpPr txBox="1"/>
+          <p:nvPr/>
+        </p:nvSpPr>
+        <p:spPr>
+          <a:xfrm>
+            <a:off x="419100" y="1227455"/>
+            <a:ext cx="8153400" cy="1323439"/>
+          </a:xfrm>
+          <a:prstGeom prst="rect">
+            <a:avLst/>
+          </a:prstGeom>
+          <a:noFill/>
+        </p:spPr>
+        <p:txBody>
+          <a:bodyPr wrap="square" rtlCol="0">
+            <a:spAutoFit/>
+          </a:bodyPr>
+          <a:lstStyle/>
+          <a:p>
+            <a:r>
+              <a:rPr lang="en-US" dirty="0"/>
+              <a:t>Second Step</a:t>
+            </a:r>
+          </a:p>
+          <a:p>
+            <a:endParaRPr lang="en-US" sz="800" dirty="0"/>
+          </a:p>
+          <a:p>
+            <a:pPr marL="742950" lvl="1" indent="-285750">
+              <a:buFont typeface="Arial" panose="020B0604020202020204" pitchFamily="34" charset="0"/>
+              <a:buChar char="•"/>
+            </a:pPr>
+            <a:r>
+              <a:rPr lang="en-US" dirty="0"/>
+              <a:t>Gather the time series data</a:t>
+            </a:r>
+          </a:p>
+          <a:p>
+            <a:pPr marL="1200150" lvl="2" indent="-285750">
+              <a:buFont typeface="Arial" panose="020B0604020202020204" pitchFamily="34" charset="0"/>
+              <a:buChar char="•"/>
+            </a:pPr>
+            <a:r>
+              <a:rPr lang="en-US" dirty="0"/>
+              <a:t>API call to Alpha Vantage Co</a:t>
+            </a:r>
+          </a:p>
+          <a:p>
+            <a:pPr marL="1200150" lvl="2" indent="-285750">
+              <a:buFont typeface="Arial" panose="020B0604020202020204" pitchFamily="34" charset="0"/>
+              <a:buChar char="•"/>
+            </a:pPr>
+            <a:r>
+              <a:rPr lang="en-US" dirty="0"/>
+              <a:t>API call to </a:t>
+            </a:r>
+            <a:r>
+              <a:rPr lang="en-US" dirty="0" err="1"/>
+              <a:t>IEXtrading</a:t>
+            </a:r>
+            <a:endParaRPr lang="en-US" dirty="0"/>
+          </a:p>
+        </p:txBody>
+      </p:sp>
+      <p:pic>
+        <p:nvPicPr>
+          <p:cNvPr id="2" name="Picture 1">
+            <a:extLst>
+              <a:ext uri="{FF2B5EF4-FFF2-40B4-BE49-F238E27FC236}">
+                <a16:creationId xmlns:a16="http://schemas.microsoft.com/office/drawing/2014/main" id="{1277F03A-6793-4CBF-99A5-91EB36123803}"/>
+              </a:ext>
+            </a:extLst>
+          </p:cNvPr>
+          <p:cNvPicPr>
+            <a:picLocks noChangeAspect="1"/>
+          </p:cNvPicPr>
+          <p:nvPr/>
+        </p:nvPicPr>
+        <p:blipFill>
+          <a:blip r:embed="rId6"/>
+          <a:stretch>
+            <a:fillRect/>
+          </a:stretch>
+        </p:blipFill>
+        <p:spPr>
+          <a:xfrm>
+            <a:off x="343270" y="2746984"/>
+            <a:ext cx="4152530" cy="3825266"/>
+          </a:xfrm>
+          <a:prstGeom prst="rect">
+            <a:avLst/>
+          </a:prstGeom>
+        </p:spPr>
+      </p:pic>
+      <p:pic>
+        <p:nvPicPr>
+          <p:cNvPr id="5" name="Picture 4">
+            <a:extLst>
+              <a:ext uri="{FF2B5EF4-FFF2-40B4-BE49-F238E27FC236}">
+                <a16:creationId xmlns:a16="http://schemas.microsoft.com/office/drawing/2014/main" id="{FBD64368-918A-44AB-AC45-358F005CE533}"/>
+              </a:ext>
+            </a:extLst>
+          </p:cNvPr>
+          <p:cNvPicPr>
+            <a:picLocks noChangeAspect="1"/>
+          </p:cNvPicPr>
+          <p:nvPr/>
+        </p:nvPicPr>
+        <p:blipFill>
+          <a:blip r:embed="rId7"/>
+          <a:stretch>
+            <a:fillRect/>
+          </a:stretch>
+        </p:blipFill>
+        <p:spPr>
+          <a:xfrm>
+            <a:off x="4572000" y="2746984"/>
+            <a:ext cx="4429125" cy="3825266"/>
+          </a:xfrm>
+          <a:prstGeom prst="rect">
+            <a:avLst/>
+          </a:prstGeom>
+        </p:spPr>
+      </p:pic>
+    </p:spTree>
+    <p:extLst>
+      <p:ext uri="{BB962C8B-B14F-4D97-AF65-F5344CB8AC3E}">
+        <p14:creationId xmlns:p14="http://schemas.microsoft.com/office/powerpoint/2010/main" val="188232794"/>
+      </p:ext>
+    </p:extLst>
+  </p:cSld>
+  <p:clrMapOvr>
+    <a:masterClrMapping/>
+  </p:clrMapOvr>
+</p:sld>
+</file>
+
+<file path=ppt/slides/slide14.xml><?xml version="1.0" encoding="utf-8"?>
+<p:sld xmlns:a="http://schemas.openxmlformats.org/drawingml/2006/main" xmlns:r="http://schemas.openxmlformats.org/officeDocument/2006/relationships" xmlns:p="http://schemas.openxmlformats.org/presentationml/2006/main">
+  <p:cSld>
+    <p:spTree>
+      <p:nvGrpSpPr>
+        <p:cNvPr id="1" name=""/>
+        <p:cNvGrpSpPr/>
+        <p:nvPr/>
+      </p:nvGrpSpPr>
+      <p:grpSpPr>
+        <a:xfrm>
+          <a:off x="0" y="0"/>
+          <a:ext cx="0" cy="0"/>
+          <a:chOff x="0" y="0"/>
+          <a:chExt cx="0" cy="0"/>
+        </a:xfrm>
+      </p:grpSpPr>
+      <p:graphicFrame>
+        <p:nvGraphicFramePr>
+          <p:cNvPr id="235522" name="Rectangle 2" hidden="1"/>
+          <p:cNvGraphicFramePr>
+            <a:graphicFrameLocks/>
+          </p:cNvGraphicFramePr>
+          <p:nvPr>
+            <p:custDataLst>
+              <p:tags r:id="rId2"/>
+            </p:custDataLst>
+          </p:nvPr>
+        </p:nvGraphicFramePr>
+        <p:xfrm>
+          <a:off x="0" y="-305118"/>
+          <a:ext cx="158519" cy="158518"/>
+        </p:xfrm>
+        <a:graphic>
+          <a:graphicData uri="http://schemas.openxmlformats.org/presentationml/2006/ole">
+            <mc:AlternateContent xmlns:mc="http://schemas.openxmlformats.org/markup-compatibility/2006">
+              <mc:Choice xmlns:v="urn:schemas-microsoft-com:vml" Requires="v">
+                <p:oleObj spid="_x0000_s37893" r:id="rId5" imgW="0" imgH="0" progId="TCLayout.ActiveDocument.1">
+                  <p:embed/>
+                </p:oleObj>
+              </mc:Choice>
+              <mc:Fallback>
+                <p:oleObj r:id="rId5" imgW="0" imgH="0" progId="TCLayout.ActiveDocument.1">
+                  <p:embed/>
+                  <p:pic>
+                    <p:nvPicPr>
+                      <p:cNvPr id="235522" name="Rectangle 2" hidden="1"/>
+                      <p:cNvPicPr preferRelativeResize="0">
+                        <a:picLocks noChangeArrowheads="1"/>
+                      </p:cNvPicPr>
+                      <p:nvPr/>
+                    </p:nvPicPr>
+                    <p:blipFill>
+                      <a:blip>
+                        <a:extLst>
+                          <a:ext uri="{28A0092B-C50C-407E-A947-70E740481C1C}">
+                            <a14:useLocalDpi xmlns:a14="http://schemas.microsoft.com/office/drawing/2010/main" val="0"/>
+                          </a:ext>
+                        </a:extLst>
+                      </a:blip>
+                      <a:srcRect/>
+                      <a:stretch>
+                        <a:fillRect/>
+                      </a:stretch>
+                    </p:blipFill>
+                    <p:spPr bwMode="auto">
+                      <a:xfrm>
+                        <a:off x="0" y="-305118"/>
+                        <a:ext cx="158519" cy="158518"/>
+                      </a:xfrm>
+                      <a:prstGeom prst="rect">
+                        <a:avLst/>
+                      </a:prstGeom>
+                      <a:noFill/>
+                      <a:ln>
+                        <a:noFill/>
+                      </a:ln>
+                      <a:extLst>
+                        <a:ext uri="{909E8E84-426E-40DD-AFC4-6F175D3DCCD1}">
+                          <a14:hiddenFill xmlns:a14="http://schemas.microsoft.com/office/drawing/2010/main">
+                            <a:solidFill>
+                              <a:srgbClr val="FFFFFF"/>
+                            </a:solidFill>
+                          </a14:hiddenFill>
+                        </a:ext>
+                        <a:ext uri="{91240B29-F687-4F45-9708-019B960494DF}">
+                          <a14:hiddenLine xmlns:a14="http://schemas.microsoft.com/office/drawing/2010/main" w="9525">
+                            <a:solidFill>
+                              <a:srgbClr val="000000"/>
+                            </a:solidFill>
+                            <a:miter lim="800000"/>
+                            <a:headEnd/>
+                            <a:tailEnd/>
+                          </a14:hiddenLine>
+                        </a:ext>
+                      </a:extLst>
+                    </p:spPr>
+                  </p:pic>
+                </p:oleObj>
+              </mc:Fallback>
+            </mc:AlternateContent>
+          </a:graphicData>
+        </a:graphic>
+      </p:graphicFrame>
+      <p:sp>
+        <p:nvSpPr>
+          <p:cNvPr id="8" name="Title 40">
+            <a:extLst>
+              <a:ext uri="{FF2B5EF4-FFF2-40B4-BE49-F238E27FC236}">
+                <a16:creationId xmlns:a16="http://schemas.microsoft.com/office/drawing/2014/main" id="{6D65D641-D69D-4168-BB7D-AD3F200877E3}"/>
+              </a:ext>
+            </a:extLst>
+          </p:cNvPr>
+          <p:cNvSpPr>
+            <a:spLocks noGrp="1"/>
+          </p:cNvSpPr>
+          <p:nvPr>
+            <p:ph type="title"/>
+          </p:nvPr>
+        </p:nvSpPr>
+        <p:spPr>
+          <a:xfrm>
+            <a:off x="381000" y="152400"/>
+            <a:ext cx="8153400" cy="808038"/>
+          </a:xfrm>
+        </p:spPr>
+        <p:txBody>
+          <a:bodyPr>
+            <a:normAutofit/>
+          </a:bodyPr>
+          <a:lstStyle/>
+          <a:p>
+            <a:pPr algn="l"/>
+            <a:r>
+              <a:rPr lang="en-US" sz="2400" b="1" dirty="0">
+                <a:solidFill>
+                  <a:srgbClr val="000066"/>
+                </a:solidFill>
+              </a:rPr>
+              <a:t>Workflow</a:t>
+            </a:r>
+          </a:p>
+        </p:txBody>
+      </p:sp>
+      <p:sp>
+        <p:nvSpPr>
+          <p:cNvPr id="3" name="TextBox 2">
+            <a:extLst>
+              <a:ext uri="{FF2B5EF4-FFF2-40B4-BE49-F238E27FC236}">
+                <a16:creationId xmlns:a16="http://schemas.microsoft.com/office/drawing/2014/main" id="{0BBCD9D6-8729-415F-B524-1885A8D216AD}"/>
+              </a:ext>
+            </a:extLst>
+          </p:cNvPr>
+          <p:cNvSpPr txBox="1"/>
+          <p:nvPr/>
+        </p:nvSpPr>
+        <p:spPr>
+          <a:xfrm>
+            <a:off x="495300" y="960438"/>
+            <a:ext cx="8153400" cy="769441"/>
+          </a:xfrm>
+          <a:prstGeom prst="rect">
+            <a:avLst/>
+          </a:prstGeom>
+          <a:noFill/>
+        </p:spPr>
+        <p:txBody>
+          <a:bodyPr wrap="square" rtlCol="0">
+            <a:spAutoFit/>
+          </a:bodyPr>
+          <a:lstStyle/>
+          <a:p>
+            <a:r>
+              <a:rPr lang="en-US" dirty="0"/>
+              <a:t>Third Step</a:t>
+            </a:r>
+          </a:p>
+          <a:p>
+            <a:endParaRPr lang="en-US" sz="800" dirty="0"/>
+          </a:p>
+          <a:p>
+            <a:pPr marL="742950" lvl="1" indent="-285750">
+              <a:buFont typeface="Arial" panose="020B0604020202020204" pitchFamily="34" charset="0"/>
+              <a:buChar char="•"/>
+            </a:pPr>
+            <a:r>
+              <a:rPr lang="en-US" dirty="0"/>
+              <a:t>Find drops in price of 15% or more during the week</a:t>
+            </a:r>
+          </a:p>
+        </p:txBody>
+      </p:sp>
+      <p:pic>
+        <p:nvPicPr>
+          <p:cNvPr id="4" name="Picture 3">
+            <a:extLst>
+              <a:ext uri="{FF2B5EF4-FFF2-40B4-BE49-F238E27FC236}">
+                <a16:creationId xmlns:a16="http://schemas.microsoft.com/office/drawing/2014/main" id="{BC4DC7B1-419F-413C-B138-FA2F807D2140}"/>
+              </a:ext>
+            </a:extLst>
+          </p:cNvPr>
+          <p:cNvPicPr>
+            <a:picLocks noChangeAspect="1"/>
+          </p:cNvPicPr>
+          <p:nvPr/>
+        </p:nvPicPr>
+        <p:blipFill>
+          <a:blip r:embed="rId6"/>
+          <a:stretch>
+            <a:fillRect/>
+          </a:stretch>
+        </p:blipFill>
+        <p:spPr>
+          <a:xfrm>
+            <a:off x="1581150" y="2362200"/>
+            <a:ext cx="5981700" cy="3952875"/>
+          </a:xfrm>
+          <a:prstGeom prst="rect">
+            <a:avLst/>
+          </a:prstGeom>
+        </p:spPr>
+      </p:pic>
+    </p:spTree>
+    <p:extLst>
+      <p:ext uri="{BB962C8B-B14F-4D97-AF65-F5344CB8AC3E}">
+        <p14:creationId xmlns:p14="http://schemas.microsoft.com/office/powerpoint/2010/main" val="1456324757"/>
+      </p:ext>
+    </p:extLst>
+  </p:cSld>
+  <p:clrMapOvr>
+    <a:masterClrMapping/>
+  </p:clrMapOvr>
+</p:sld>
+</file>
+
+<file path=ppt/slides/slide15.xml><?xml version="1.0" encoding="utf-8"?>
+<p:sld xmlns:a="http://schemas.openxmlformats.org/drawingml/2006/main" xmlns:r="http://schemas.openxmlformats.org/officeDocument/2006/relationships" xmlns:p="http://schemas.openxmlformats.org/presentationml/2006/main">
+  <p:cSld>
+    <p:spTree>
+      <p:nvGrpSpPr>
+        <p:cNvPr id="1" name=""/>
+        <p:cNvGrpSpPr/>
+        <p:nvPr/>
+      </p:nvGrpSpPr>
+      <p:grpSpPr>
+        <a:xfrm>
+          <a:off x="0" y="0"/>
+          <a:ext cx="0" cy="0"/>
+          <a:chOff x="0" y="0"/>
+          <a:chExt cx="0" cy="0"/>
+        </a:xfrm>
+      </p:grpSpPr>
+      <p:graphicFrame>
+        <p:nvGraphicFramePr>
+          <p:cNvPr id="235522" name="Rectangle 2" hidden="1"/>
+          <p:cNvGraphicFramePr>
+            <a:graphicFrameLocks/>
+          </p:cNvGraphicFramePr>
+          <p:nvPr>
+            <p:custDataLst>
+              <p:tags r:id="rId2"/>
+            </p:custDataLst>
+          </p:nvPr>
+        </p:nvGraphicFramePr>
+        <p:xfrm>
+          <a:off x="0" y="-305118"/>
+          <a:ext cx="158519" cy="158518"/>
+        </p:xfrm>
+        <a:graphic>
+          <a:graphicData uri="http://schemas.openxmlformats.org/presentationml/2006/ole">
+            <mc:AlternateContent xmlns:mc="http://schemas.openxmlformats.org/markup-compatibility/2006">
+              <mc:Choice xmlns:v="urn:schemas-microsoft-com:vml" Requires="v">
+                <p:oleObj spid="_x0000_s38917" r:id="rId5" imgW="0" imgH="0" progId="TCLayout.ActiveDocument.1">
+                  <p:embed/>
+                </p:oleObj>
+              </mc:Choice>
+              <mc:Fallback>
+                <p:oleObj r:id="rId5" imgW="0" imgH="0" progId="TCLayout.ActiveDocument.1">
+                  <p:embed/>
+                  <p:pic>
+                    <p:nvPicPr>
+                      <p:cNvPr id="235522" name="Rectangle 2" hidden="1"/>
+                      <p:cNvPicPr preferRelativeResize="0">
+                        <a:picLocks noChangeArrowheads="1"/>
+                      </p:cNvPicPr>
+                      <p:nvPr/>
+                    </p:nvPicPr>
+                    <p:blipFill>
+                      <a:blip>
+                        <a:extLst>
+                          <a:ext uri="{28A0092B-C50C-407E-A947-70E740481C1C}">
+                            <a14:useLocalDpi xmlns:a14="http://schemas.microsoft.com/office/drawing/2010/main" val="0"/>
+                          </a:ext>
+                        </a:extLst>
+                      </a:blip>
+                      <a:srcRect/>
+                      <a:stretch>
+                        <a:fillRect/>
+                      </a:stretch>
+                    </p:blipFill>
+                    <p:spPr bwMode="auto">
+                      <a:xfrm>
+                        <a:off x="0" y="-305118"/>
+                        <a:ext cx="158519" cy="158518"/>
+                      </a:xfrm>
+                      <a:prstGeom prst="rect">
+                        <a:avLst/>
+                      </a:prstGeom>
+                      <a:noFill/>
+                      <a:ln>
+                        <a:noFill/>
+                      </a:ln>
+                      <a:extLst>
+                        <a:ext uri="{909E8E84-426E-40DD-AFC4-6F175D3DCCD1}">
+                          <a14:hiddenFill xmlns:a14="http://schemas.microsoft.com/office/drawing/2010/main">
+                            <a:solidFill>
+                              <a:srgbClr val="FFFFFF"/>
+                            </a:solidFill>
+                          </a14:hiddenFill>
+                        </a:ext>
+                        <a:ext uri="{91240B29-F687-4F45-9708-019B960494DF}">
+                          <a14:hiddenLine xmlns:a14="http://schemas.microsoft.com/office/drawing/2010/main" w="9525">
+                            <a:solidFill>
+                              <a:srgbClr val="000000"/>
+                            </a:solidFill>
+                            <a:miter lim="800000"/>
+                            <a:headEnd/>
+                            <a:tailEnd/>
+                          </a14:hiddenLine>
+                        </a:ext>
+                      </a:extLst>
+                    </p:spPr>
+                  </p:pic>
+                </p:oleObj>
+              </mc:Fallback>
+            </mc:AlternateContent>
+          </a:graphicData>
+        </a:graphic>
+      </p:graphicFrame>
+      <p:sp>
+        <p:nvSpPr>
+          <p:cNvPr id="8" name="Title 40">
+            <a:extLst>
+              <a:ext uri="{FF2B5EF4-FFF2-40B4-BE49-F238E27FC236}">
+                <a16:creationId xmlns:a16="http://schemas.microsoft.com/office/drawing/2014/main" id="{6D65D641-D69D-4168-BB7D-AD3F200877E3}"/>
+              </a:ext>
+            </a:extLst>
+          </p:cNvPr>
+          <p:cNvSpPr>
+            <a:spLocks noGrp="1"/>
+          </p:cNvSpPr>
+          <p:nvPr>
+            <p:ph type="title"/>
+          </p:nvPr>
+        </p:nvSpPr>
+        <p:spPr>
+          <a:xfrm>
+            <a:off x="381000" y="152400"/>
+            <a:ext cx="8153400" cy="808038"/>
+          </a:xfrm>
+        </p:spPr>
+        <p:txBody>
+          <a:bodyPr>
+            <a:normAutofit/>
+          </a:bodyPr>
+          <a:lstStyle/>
+          <a:p>
+            <a:pPr algn="l"/>
+            <a:r>
+              <a:rPr lang="en-US" sz="2400" b="1" dirty="0">
+                <a:solidFill>
+                  <a:srgbClr val="000066"/>
+                </a:solidFill>
+              </a:rPr>
+              <a:t>Workflow</a:t>
+            </a:r>
+          </a:p>
+        </p:txBody>
+      </p:sp>
+      <p:sp>
+        <p:nvSpPr>
+          <p:cNvPr id="3" name="TextBox 2">
+            <a:extLst>
+              <a:ext uri="{FF2B5EF4-FFF2-40B4-BE49-F238E27FC236}">
+                <a16:creationId xmlns:a16="http://schemas.microsoft.com/office/drawing/2014/main" id="{0BBCD9D6-8729-415F-B524-1885A8D216AD}"/>
+              </a:ext>
+            </a:extLst>
+          </p:cNvPr>
+          <p:cNvSpPr txBox="1"/>
+          <p:nvPr/>
+        </p:nvSpPr>
+        <p:spPr>
+          <a:xfrm>
+            <a:off x="495300" y="960438"/>
+            <a:ext cx="8153400" cy="692497"/>
+          </a:xfrm>
+          <a:prstGeom prst="rect">
+            <a:avLst/>
+          </a:prstGeom>
+          <a:noFill/>
+        </p:spPr>
+        <p:txBody>
+          <a:bodyPr wrap="square" rtlCol="0">
+            <a:spAutoFit/>
+          </a:bodyPr>
+          <a:lstStyle/>
+          <a:p>
+            <a:r>
+              <a:rPr lang="en-US" sz="1600" dirty="0"/>
+              <a:t>Fourth Step</a:t>
+            </a:r>
+          </a:p>
+          <a:p>
+            <a:endParaRPr lang="en-US" sz="700" dirty="0"/>
+          </a:p>
+          <a:p>
+            <a:pPr marL="742950" lvl="1" indent="-285750">
+              <a:buFont typeface="Arial" panose="020B0604020202020204" pitchFamily="34" charset="0"/>
+              <a:buChar char="•"/>
+            </a:pPr>
+            <a:r>
+              <a:rPr lang="en-US" sz="1600" dirty="0"/>
+              <a:t>Find the low point after the drop and when it took place</a:t>
+            </a:r>
+          </a:p>
+        </p:txBody>
+      </p:sp>
+      <p:pic>
+        <p:nvPicPr>
+          <p:cNvPr id="2" name="Picture 1">
+            <a:extLst>
+              <a:ext uri="{FF2B5EF4-FFF2-40B4-BE49-F238E27FC236}">
+                <a16:creationId xmlns:a16="http://schemas.microsoft.com/office/drawing/2014/main" id="{9BEDBBD5-CD56-47A4-A64A-82670CE6E43B}"/>
+              </a:ext>
+            </a:extLst>
+          </p:cNvPr>
+          <p:cNvPicPr>
+            <a:picLocks noChangeAspect="1"/>
+          </p:cNvPicPr>
+          <p:nvPr/>
+        </p:nvPicPr>
+        <p:blipFill>
+          <a:blip r:embed="rId6"/>
+          <a:stretch>
+            <a:fillRect/>
+          </a:stretch>
+        </p:blipFill>
+        <p:spPr>
+          <a:xfrm>
+            <a:off x="495300" y="1729878"/>
+            <a:ext cx="8153400" cy="4975721"/>
+          </a:xfrm>
+          <a:prstGeom prst="rect">
+            <a:avLst/>
+          </a:prstGeom>
+        </p:spPr>
+      </p:pic>
+    </p:spTree>
+    <p:extLst>
+      <p:ext uri="{BB962C8B-B14F-4D97-AF65-F5344CB8AC3E}">
+        <p14:creationId xmlns:p14="http://schemas.microsoft.com/office/powerpoint/2010/main" val="3895196277"/>
+      </p:ext>
+    </p:extLst>
+  </p:cSld>
+  <p:clrMapOvr>
+    <a:masterClrMapping/>
+  </p:clrMapOvr>
+</p:sld>
+</file>
+
+<file path=ppt/slides/slide16.xml><?xml version="1.0" encoding="utf-8"?>
+<p:sld xmlns:a="http://schemas.openxmlformats.org/drawingml/2006/main" xmlns:r="http://schemas.openxmlformats.org/officeDocument/2006/relationships" xmlns:p="http://schemas.openxmlformats.org/presentationml/2006/main">
+  <p:cSld>
+    <p:spTree>
+      <p:nvGrpSpPr>
+        <p:cNvPr id="1" name=""/>
+        <p:cNvGrpSpPr/>
+        <p:nvPr/>
+      </p:nvGrpSpPr>
+      <p:grpSpPr>
+        <a:xfrm>
+          <a:off x="0" y="0"/>
+          <a:ext cx="0" cy="0"/>
+          <a:chOff x="0" y="0"/>
+          <a:chExt cx="0" cy="0"/>
+        </a:xfrm>
+      </p:grpSpPr>
+      <p:graphicFrame>
+        <p:nvGraphicFramePr>
+          <p:cNvPr id="235522" name="Rectangle 2" hidden="1"/>
+          <p:cNvGraphicFramePr>
+            <a:graphicFrameLocks/>
+          </p:cNvGraphicFramePr>
+          <p:nvPr>
+            <p:custDataLst>
+              <p:tags r:id="rId2"/>
+            </p:custDataLst>
+          </p:nvPr>
+        </p:nvGraphicFramePr>
+        <p:xfrm>
+          <a:off x="0" y="-305118"/>
+          <a:ext cx="158519" cy="158518"/>
+        </p:xfrm>
+        <a:graphic>
+          <a:graphicData uri="http://schemas.openxmlformats.org/presentationml/2006/ole">
+            <mc:AlternateContent xmlns:mc="http://schemas.openxmlformats.org/markup-compatibility/2006">
+              <mc:Choice xmlns:v="urn:schemas-microsoft-com:vml" Requires="v">
+                <p:oleObj spid="_x0000_s39941" r:id="rId5" imgW="0" imgH="0" progId="TCLayout.ActiveDocument.1">
+                  <p:embed/>
+                </p:oleObj>
+              </mc:Choice>
+              <mc:Fallback>
+                <p:oleObj r:id="rId5" imgW="0" imgH="0" progId="TCLayout.ActiveDocument.1">
+                  <p:embed/>
+                  <p:pic>
+                    <p:nvPicPr>
+                      <p:cNvPr id="235522" name="Rectangle 2" hidden="1"/>
+                      <p:cNvPicPr preferRelativeResize="0">
+                        <a:picLocks noChangeArrowheads="1"/>
+                      </p:cNvPicPr>
+                      <p:nvPr/>
+                    </p:nvPicPr>
+                    <p:blipFill>
+                      <a:blip>
+                        <a:extLst>
+                          <a:ext uri="{28A0092B-C50C-407E-A947-70E740481C1C}">
+                            <a14:useLocalDpi xmlns:a14="http://schemas.microsoft.com/office/drawing/2010/main" val="0"/>
+                          </a:ext>
+                        </a:extLst>
+                      </a:blip>
+                      <a:srcRect/>
+                      <a:stretch>
+                        <a:fillRect/>
+                      </a:stretch>
+                    </p:blipFill>
+                    <p:spPr bwMode="auto">
+                      <a:xfrm>
+                        <a:off x="0" y="-305118"/>
+                        <a:ext cx="158519" cy="158518"/>
+                      </a:xfrm>
+                      <a:prstGeom prst="rect">
+                        <a:avLst/>
+                      </a:prstGeom>
+                      <a:noFill/>
+                      <a:ln>
+                        <a:noFill/>
+                      </a:ln>
+                      <a:extLst>
+                        <a:ext uri="{909E8E84-426E-40DD-AFC4-6F175D3DCCD1}">
+                          <a14:hiddenFill xmlns:a14="http://schemas.microsoft.com/office/drawing/2010/main">
+                            <a:solidFill>
+                              <a:srgbClr val="FFFFFF"/>
+                            </a:solidFill>
+                          </a14:hiddenFill>
+                        </a:ext>
+                        <a:ext uri="{91240B29-F687-4F45-9708-019B960494DF}">
+                          <a14:hiddenLine xmlns:a14="http://schemas.microsoft.com/office/drawing/2010/main" w="9525">
+                            <a:solidFill>
+                              <a:srgbClr val="000000"/>
+                            </a:solidFill>
+                            <a:miter lim="800000"/>
+                            <a:headEnd/>
+                            <a:tailEnd/>
+                          </a14:hiddenLine>
+                        </a:ext>
+                      </a:extLst>
+                    </p:spPr>
+                  </p:pic>
+                </p:oleObj>
+              </mc:Fallback>
+            </mc:AlternateContent>
+          </a:graphicData>
+        </a:graphic>
+      </p:graphicFrame>
+      <p:sp>
+        <p:nvSpPr>
+          <p:cNvPr id="8" name="Title 40">
+            <a:extLst>
+              <a:ext uri="{FF2B5EF4-FFF2-40B4-BE49-F238E27FC236}">
+                <a16:creationId xmlns:a16="http://schemas.microsoft.com/office/drawing/2014/main" id="{6D65D641-D69D-4168-BB7D-AD3F200877E3}"/>
+              </a:ext>
+            </a:extLst>
+          </p:cNvPr>
+          <p:cNvSpPr>
+            <a:spLocks noGrp="1"/>
+          </p:cNvSpPr>
+          <p:nvPr>
+            <p:ph type="title"/>
+          </p:nvPr>
+        </p:nvSpPr>
+        <p:spPr>
+          <a:xfrm>
+            <a:off x="381000" y="152400"/>
+            <a:ext cx="8153400" cy="808038"/>
+          </a:xfrm>
+        </p:spPr>
+        <p:txBody>
+          <a:bodyPr>
+            <a:normAutofit/>
+          </a:bodyPr>
+          <a:lstStyle/>
+          <a:p>
+            <a:pPr algn="l"/>
+            <a:r>
+              <a:rPr lang="en-US" sz="2400" b="1" dirty="0">
+                <a:solidFill>
+                  <a:srgbClr val="000066"/>
+                </a:solidFill>
+              </a:rPr>
+              <a:t>Workflow</a:t>
+            </a:r>
+          </a:p>
+        </p:txBody>
+      </p:sp>
+      <p:sp>
+        <p:nvSpPr>
+          <p:cNvPr id="3" name="TextBox 2">
+            <a:extLst>
+              <a:ext uri="{FF2B5EF4-FFF2-40B4-BE49-F238E27FC236}">
+                <a16:creationId xmlns:a16="http://schemas.microsoft.com/office/drawing/2014/main" id="{0BBCD9D6-8729-415F-B524-1885A8D216AD}"/>
+              </a:ext>
+            </a:extLst>
+          </p:cNvPr>
+          <p:cNvSpPr txBox="1"/>
+          <p:nvPr/>
+        </p:nvSpPr>
+        <p:spPr>
+          <a:xfrm>
+            <a:off x="495300" y="960438"/>
+            <a:ext cx="8153400" cy="1046440"/>
+          </a:xfrm>
+          <a:prstGeom prst="rect">
+            <a:avLst/>
+          </a:prstGeom>
+          <a:noFill/>
+        </p:spPr>
+        <p:txBody>
+          <a:bodyPr wrap="square" rtlCol="0">
+            <a:spAutoFit/>
+          </a:bodyPr>
+          <a:lstStyle/>
+          <a:p>
+            <a:r>
+              <a:rPr lang="en-US" dirty="0"/>
+              <a:t>Fifth Step</a:t>
+            </a:r>
+          </a:p>
+          <a:p>
+            <a:endParaRPr lang="en-US" sz="800" dirty="0"/>
+          </a:p>
+          <a:p>
+            <a:pPr marL="742950" lvl="1" indent="-285750">
+              <a:buFont typeface="Arial" panose="020B0604020202020204" pitchFamily="34" charset="0"/>
+              <a:buChar char="•"/>
+            </a:pPr>
+            <a:r>
+              <a:rPr lang="en-US" dirty="0"/>
+              <a:t>Find out what happens after the low is hit</a:t>
+            </a:r>
+          </a:p>
+          <a:p>
+            <a:pPr marL="1200150" lvl="2" indent="-285750">
+              <a:buFont typeface="Arial" panose="020B0604020202020204" pitchFamily="34" charset="0"/>
+              <a:buChar char="•"/>
+            </a:pPr>
+            <a:r>
+              <a:rPr lang="en-US" dirty="0"/>
+              <a:t>Record next 26 weeks of data</a:t>
+            </a:r>
+          </a:p>
+        </p:txBody>
+      </p:sp>
+      <p:pic>
+        <p:nvPicPr>
+          <p:cNvPr id="2" name="Picture 1">
+            <a:extLst>
+              <a:ext uri="{FF2B5EF4-FFF2-40B4-BE49-F238E27FC236}">
+                <a16:creationId xmlns:a16="http://schemas.microsoft.com/office/drawing/2014/main" id="{833A50E2-178D-4567-869C-312E4F748BD1}"/>
+              </a:ext>
+            </a:extLst>
+          </p:cNvPr>
+          <p:cNvPicPr>
+            <a:picLocks noChangeAspect="1"/>
+          </p:cNvPicPr>
+          <p:nvPr/>
+        </p:nvPicPr>
+        <p:blipFill>
+          <a:blip r:embed="rId6"/>
+          <a:stretch>
+            <a:fillRect/>
+          </a:stretch>
+        </p:blipFill>
+        <p:spPr>
+          <a:xfrm>
+            <a:off x="1790700" y="2133600"/>
+            <a:ext cx="5334000" cy="4286250"/>
+          </a:xfrm>
+          <a:prstGeom prst="rect">
+            <a:avLst/>
+          </a:prstGeom>
+        </p:spPr>
+      </p:pic>
+    </p:spTree>
+    <p:extLst>
+      <p:ext uri="{BB962C8B-B14F-4D97-AF65-F5344CB8AC3E}">
+        <p14:creationId xmlns:p14="http://schemas.microsoft.com/office/powerpoint/2010/main" val="1227454625"/>
+      </p:ext>
+    </p:extLst>
+  </p:cSld>
+  <p:clrMapOvr>
+    <a:masterClrMapping/>
+  </p:clrMapOvr>
+</p:sld>
+</file>
+
+<file path=ppt/slides/slide17.xml><?xml version="1.0" encoding="utf-8"?>
+<p:sld xmlns:a="http://schemas.openxmlformats.org/drawingml/2006/main" xmlns:r="http://schemas.openxmlformats.org/officeDocument/2006/relationships" xmlns:p="http://schemas.openxmlformats.org/presentationml/2006/main">
+  <p:cSld>
+    <p:spTree>
+      <p:nvGrpSpPr>
+        <p:cNvPr id="1" name=""/>
+        <p:cNvGrpSpPr/>
+        <p:nvPr/>
+      </p:nvGrpSpPr>
+      <p:grpSpPr>
+        <a:xfrm>
+          <a:off x="0" y="0"/>
+          <a:ext cx="0" cy="0"/>
+          <a:chOff x="0" y="0"/>
+          <a:chExt cx="0" cy="0"/>
+        </a:xfrm>
+      </p:grpSpPr>
+      <p:graphicFrame>
+        <p:nvGraphicFramePr>
+          <p:cNvPr id="235522" name="Rectangle 2" hidden="1"/>
+          <p:cNvGraphicFramePr>
+            <a:graphicFrameLocks/>
+          </p:cNvGraphicFramePr>
+          <p:nvPr>
+            <p:custDataLst>
+              <p:tags r:id="rId2"/>
+            </p:custDataLst>
+          </p:nvPr>
+        </p:nvGraphicFramePr>
+        <p:xfrm>
+          <a:off x="0" y="-305118"/>
+          <a:ext cx="158519" cy="158518"/>
+        </p:xfrm>
+        <a:graphic>
+          <a:graphicData uri="http://schemas.openxmlformats.org/presentationml/2006/ole">
+            <mc:AlternateContent xmlns:mc="http://schemas.openxmlformats.org/markup-compatibility/2006">
+              <mc:Choice xmlns:v="urn:schemas-microsoft-com:vml" Requires="v">
+                <p:oleObj spid="_x0000_s40965" r:id="rId5" imgW="0" imgH="0" progId="TCLayout.ActiveDocument.1">
+                  <p:embed/>
+                </p:oleObj>
+              </mc:Choice>
+              <mc:Fallback>
+                <p:oleObj r:id="rId5" imgW="0" imgH="0" progId="TCLayout.ActiveDocument.1">
+                  <p:embed/>
+                  <p:pic>
+                    <p:nvPicPr>
+                      <p:cNvPr id="235522" name="Rectangle 2" hidden="1"/>
+                      <p:cNvPicPr preferRelativeResize="0">
+                        <a:picLocks noChangeArrowheads="1"/>
+                      </p:cNvPicPr>
+                      <p:nvPr/>
+                    </p:nvPicPr>
+                    <p:blipFill>
+                      <a:blip>
+                        <a:extLst>
+                          <a:ext uri="{28A0092B-C50C-407E-A947-70E740481C1C}">
+                            <a14:useLocalDpi xmlns:a14="http://schemas.microsoft.com/office/drawing/2010/main" val="0"/>
+                          </a:ext>
+                        </a:extLst>
+                      </a:blip>
+                      <a:srcRect/>
+                      <a:stretch>
+                        <a:fillRect/>
+                      </a:stretch>
+                    </p:blipFill>
+                    <p:spPr bwMode="auto">
+                      <a:xfrm>
+                        <a:off x="0" y="-305118"/>
+                        <a:ext cx="158519" cy="158518"/>
+                      </a:xfrm>
+                      <a:prstGeom prst="rect">
+                        <a:avLst/>
+                      </a:prstGeom>
+                      <a:noFill/>
+                      <a:ln>
+                        <a:noFill/>
+                      </a:ln>
+                      <a:extLst>
+                        <a:ext uri="{909E8E84-426E-40DD-AFC4-6F175D3DCCD1}">
+                          <a14:hiddenFill xmlns:a14="http://schemas.microsoft.com/office/drawing/2010/main">
+                            <a:solidFill>
+                              <a:srgbClr val="FFFFFF"/>
+                            </a:solidFill>
+                          </a14:hiddenFill>
+                        </a:ext>
+                        <a:ext uri="{91240B29-F687-4F45-9708-019B960494DF}">
+                          <a14:hiddenLine xmlns:a14="http://schemas.microsoft.com/office/drawing/2010/main" w="9525">
+                            <a:solidFill>
+                              <a:srgbClr val="000000"/>
+                            </a:solidFill>
+                            <a:miter lim="800000"/>
+                            <a:headEnd/>
+                            <a:tailEnd/>
+                          </a14:hiddenLine>
+                        </a:ext>
+                      </a:extLst>
+                    </p:spPr>
+                  </p:pic>
+                </p:oleObj>
+              </mc:Fallback>
+            </mc:AlternateContent>
+          </a:graphicData>
+        </a:graphic>
+      </p:graphicFrame>
+      <p:sp>
+        <p:nvSpPr>
+          <p:cNvPr id="8" name="Title 40">
+            <a:extLst>
+              <a:ext uri="{FF2B5EF4-FFF2-40B4-BE49-F238E27FC236}">
+                <a16:creationId xmlns:a16="http://schemas.microsoft.com/office/drawing/2014/main" id="{6D65D641-D69D-4168-BB7D-AD3F200877E3}"/>
+              </a:ext>
+            </a:extLst>
+          </p:cNvPr>
+          <p:cNvSpPr>
+            <a:spLocks noGrp="1"/>
+          </p:cNvSpPr>
+          <p:nvPr>
+            <p:ph type="title"/>
+          </p:nvPr>
+        </p:nvSpPr>
+        <p:spPr>
+          <a:xfrm>
+            <a:off x="381000" y="152400"/>
+            <a:ext cx="8153400" cy="808038"/>
+          </a:xfrm>
+        </p:spPr>
+        <p:txBody>
+          <a:bodyPr>
+            <a:normAutofit/>
+          </a:bodyPr>
+          <a:lstStyle/>
+          <a:p>
+            <a:pPr algn="l"/>
+            <a:r>
+              <a:rPr lang="en-US" sz="2400" b="1" dirty="0">
+                <a:solidFill>
+                  <a:srgbClr val="000066"/>
+                </a:solidFill>
+              </a:rPr>
+              <a:t>Workflow</a:t>
+            </a:r>
+          </a:p>
+        </p:txBody>
+      </p:sp>
+      <p:sp>
+        <p:nvSpPr>
+          <p:cNvPr id="3" name="TextBox 2">
+            <a:extLst>
+              <a:ext uri="{FF2B5EF4-FFF2-40B4-BE49-F238E27FC236}">
+                <a16:creationId xmlns:a16="http://schemas.microsoft.com/office/drawing/2014/main" id="{0BBCD9D6-8729-415F-B524-1885A8D216AD}"/>
+              </a:ext>
+            </a:extLst>
+          </p:cNvPr>
+          <p:cNvSpPr txBox="1"/>
+          <p:nvPr/>
+        </p:nvSpPr>
+        <p:spPr>
+          <a:xfrm>
+            <a:off x="495300" y="960438"/>
+            <a:ext cx="8153400" cy="1323439"/>
+          </a:xfrm>
+          <a:prstGeom prst="rect">
+            <a:avLst/>
+          </a:prstGeom>
+          <a:noFill/>
+        </p:spPr>
+        <p:txBody>
+          <a:bodyPr wrap="square" rtlCol="0">
+            <a:spAutoFit/>
+          </a:bodyPr>
+          <a:lstStyle/>
+          <a:p>
+            <a:r>
+              <a:rPr lang="en-US" dirty="0"/>
+              <a:t>Sixth Step</a:t>
+            </a:r>
+          </a:p>
+          <a:p>
+            <a:endParaRPr lang="en-US" sz="800" dirty="0"/>
+          </a:p>
+          <a:p>
+            <a:pPr marL="742950" lvl="1" indent="-285750">
+              <a:buFont typeface="Arial" panose="020B0604020202020204" pitchFamily="34" charset="0"/>
+              <a:buChar char="•"/>
+            </a:pPr>
+            <a:r>
+              <a:rPr lang="en-US" dirty="0"/>
+              <a:t>Find out when we hit the rebound</a:t>
+            </a:r>
+          </a:p>
+          <a:p>
+            <a:pPr marL="1200150" lvl="2" indent="-285750">
+              <a:buFont typeface="Arial" panose="020B0604020202020204" pitchFamily="34" charset="0"/>
+              <a:buChar char="•"/>
+            </a:pPr>
+            <a:r>
+              <a:rPr lang="en-US" dirty="0"/>
+              <a:t>Rebound point is a 15% increase to the low price</a:t>
+            </a:r>
+          </a:p>
+          <a:p>
+            <a:pPr marL="1200150" lvl="2" indent="-285750">
+              <a:buFont typeface="Arial" panose="020B0604020202020204" pitchFamily="34" charset="0"/>
+              <a:buChar char="•"/>
+            </a:pPr>
+            <a:endParaRPr lang="en-US" dirty="0"/>
+          </a:p>
+        </p:txBody>
+      </p:sp>
+      <p:pic>
+        <p:nvPicPr>
+          <p:cNvPr id="2" name="Picture 1">
+            <a:extLst>
+              <a:ext uri="{FF2B5EF4-FFF2-40B4-BE49-F238E27FC236}">
+                <a16:creationId xmlns:a16="http://schemas.microsoft.com/office/drawing/2014/main" id="{833A50E2-178D-4567-869C-312E4F748BD1}"/>
+              </a:ext>
+            </a:extLst>
+          </p:cNvPr>
+          <p:cNvPicPr>
+            <a:picLocks noChangeAspect="1"/>
+          </p:cNvPicPr>
+          <p:nvPr/>
+        </p:nvPicPr>
+        <p:blipFill>
+          <a:blip r:embed="rId6"/>
+          <a:stretch>
+            <a:fillRect/>
+          </a:stretch>
+        </p:blipFill>
+        <p:spPr>
+          <a:xfrm>
+            <a:off x="1790700" y="2419350"/>
+            <a:ext cx="5334000" cy="4286250"/>
+          </a:xfrm>
+          <a:prstGeom prst="rect">
+            <a:avLst/>
+          </a:prstGeom>
+        </p:spPr>
+      </p:pic>
+      <p:sp>
+        <p:nvSpPr>
+          <p:cNvPr id="4" name="Oval 3">
+            <a:extLst>
+              <a:ext uri="{FF2B5EF4-FFF2-40B4-BE49-F238E27FC236}">
+                <a16:creationId xmlns:a16="http://schemas.microsoft.com/office/drawing/2014/main" id="{7223C791-FAB9-40DE-960C-238B4FF11214}"/>
+              </a:ext>
+            </a:extLst>
+          </p:cNvPr>
+          <p:cNvSpPr/>
+          <p:nvPr/>
+        </p:nvSpPr>
+        <p:spPr>
+          <a:xfrm>
+            <a:off x="2019300" y="3733799"/>
+            <a:ext cx="3543300" cy="270029"/>
+          </a:xfrm>
+          <a:prstGeom prst="ellipse">
+            <a:avLst/>
+          </a:prstGeom>
+          <a:noFill/>
+          <a:ln>
+            <a:solidFill>
+              <a:srgbClr val="FF0000"/>
+            </a:solidFill>
+          </a:ln>
+        </p:spPr>
+        <p:style>
+          <a:lnRef idx="2">
+            <a:schemeClr val="accent1">
+              <a:shade val="50000"/>
+            </a:schemeClr>
+          </a:lnRef>
+          <a:fillRef idx="1">
+            <a:schemeClr val="accent1"/>
+          </a:fillRef>
+          <a:effectRef idx="0">
+            <a:schemeClr val="accent1"/>
+          </a:effectRef>
+          <a:fontRef idx="minor">
+            <a:schemeClr val="lt1"/>
+          </a:fontRef>
+        </p:style>
+        <p:txBody>
+          <a:bodyPr rtlCol="0" anchor="ctr"/>
+          <a:lstStyle/>
+          <a:p>
+            <a:pPr algn="ctr"/>
+            <a:endParaRPr lang="en-US"/>
+          </a:p>
+        </p:txBody>
+      </p:sp>
+    </p:spTree>
+    <p:extLst>
+      <p:ext uri="{BB962C8B-B14F-4D97-AF65-F5344CB8AC3E}">
+        <p14:creationId xmlns:p14="http://schemas.microsoft.com/office/powerpoint/2010/main" val="632691896"/>
+      </p:ext>
+    </p:extLst>
+  </p:cSld>
+  <p:clrMapOvr>
+    <a:masterClrMapping/>
+  </p:clrMapOvr>
+</p:sld>
+</file>
+
+<file path=ppt/slides/slide18.xml><?xml version="1.0" encoding="utf-8"?>
+<p:sld xmlns:a="http://schemas.openxmlformats.org/drawingml/2006/main" xmlns:r="http://schemas.openxmlformats.org/officeDocument/2006/relationships" xmlns:p="http://schemas.openxmlformats.org/presentationml/2006/main">
+  <p:cSld>
+    <p:spTree>
+      <p:nvGrpSpPr>
+        <p:cNvPr id="1" name=""/>
+        <p:cNvGrpSpPr/>
+        <p:nvPr/>
+      </p:nvGrpSpPr>
+      <p:grpSpPr>
+        <a:xfrm>
+          <a:off x="0" y="0"/>
+          <a:ext cx="0" cy="0"/>
+          <a:chOff x="0" y="0"/>
+          <a:chExt cx="0" cy="0"/>
+        </a:xfrm>
+      </p:grpSpPr>
+      <p:graphicFrame>
+        <p:nvGraphicFramePr>
+          <p:cNvPr id="235522" name="Rectangle 2" hidden="1"/>
+          <p:cNvGraphicFramePr>
+            <a:graphicFrameLocks/>
+          </p:cNvGraphicFramePr>
+          <p:nvPr>
+            <p:custDataLst>
+              <p:tags r:id="rId2"/>
+            </p:custDataLst>
+          </p:nvPr>
+        </p:nvGraphicFramePr>
+        <p:xfrm>
+          <a:off x="0" y="-305118"/>
+          <a:ext cx="158519" cy="158518"/>
+        </p:xfrm>
+        <a:graphic>
+          <a:graphicData uri="http://schemas.openxmlformats.org/presentationml/2006/ole">
+            <mc:AlternateContent xmlns:mc="http://schemas.openxmlformats.org/markup-compatibility/2006">
+              <mc:Choice xmlns:v="urn:schemas-microsoft-com:vml" Requires="v">
+                <p:oleObj spid="_x0000_s41989" r:id="rId5" imgW="0" imgH="0" progId="TCLayout.ActiveDocument.1">
+                  <p:embed/>
+                </p:oleObj>
+              </mc:Choice>
+              <mc:Fallback>
+                <p:oleObj r:id="rId5" imgW="0" imgH="0" progId="TCLayout.ActiveDocument.1">
+                  <p:embed/>
+                  <p:pic>
+                    <p:nvPicPr>
+                      <p:cNvPr id="235522" name="Rectangle 2" hidden="1"/>
+                      <p:cNvPicPr preferRelativeResize="0">
+                        <a:picLocks noChangeArrowheads="1"/>
+                      </p:cNvPicPr>
+                      <p:nvPr/>
+                    </p:nvPicPr>
+                    <p:blipFill>
+                      <a:blip>
+                        <a:extLst>
+                          <a:ext uri="{28A0092B-C50C-407E-A947-70E740481C1C}">
+                            <a14:useLocalDpi xmlns:a14="http://schemas.microsoft.com/office/drawing/2010/main" val="0"/>
+                          </a:ext>
+                        </a:extLst>
+                      </a:blip>
+                      <a:srcRect/>
+                      <a:stretch>
+                        <a:fillRect/>
+                      </a:stretch>
+                    </p:blipFill>
+                    <p:spPr bwMode="auto">
+                      <a:xfrm>
+                        <a:off x="0" y="-305118"/>
+                        <a:ext cx="158519" cy="158518"/>
+                      </a:xfrm>
+                      <a:prstGeom prst="rect">
+                        <a:avLst/>
+                      </a:prstGeom>
+                      <a:noFill/>
+                      <a:ln>
+                        <a:noFill/>
+                      </a:ln>
+                      <a:extLst>
+                        <a:ext uri="{909E8E84-426E-40DD-AFC4-6F175D3DCCD1}">
+                          <a14:hiddenFill xmlns:a14="http://schemas.microsoft.com/office/drawing/2010/main">
+                            <a:solidFill>
+                              <a:srgbClr val="FFFFFF"/>
+                            </a:solidFill>
+                          </a14:hiddenFill>
+                        </a:ext>
+                        <a:ext uri="{91240B29-F687-4F45-9708-019B960494DF}">
+                          <a14:hiddenLine xmlns:a14="http://schemas.microsoft.com/office/drawing/2010/main" w="9525">
+                            <a:solidFill>
+                              <a:srgbClr val="000000"/>
+                            </a:solidFill>
+                            <a:miter lim="800000"/>
+                            <a:headEnd/>
+                            <a:tailEnd/>
+                          </a14:hiddenLine>
+                        </a:ext>
+                      </a:extLst>
+                    </p:spPr>
+                  </p:pic>
+                </p:oleObj>
+              </mc:Fallback>
+            </mc:AlternateContent>
+          </a:graphicData>
+        </a:graphic>
+      </p:graphicFrame>
+      <p:sp>
+        <p:nvSpPr>
+          <p:cNvPr id="8" name="Title 40">
+            <a:extLst>
+              <a:ext uri="{FF2B5EF4-FFF2-40B4-BE49-F238E27FC236}">
+                <a16:creationId xmlns:a16="http://schemas.microsoft.com/office/drawing/2014/main" id="{6D65D641-D69D-4168-BB7D-AD3F200877E3}"/>
+              </a:ext>
+            </a:extLst>
+          </p:cNvPr>
+          <p:cNvSpPr>
+            <a:spLocks noGrp="1"/>
+          </p:cNvSpPr>
+          <p:nvPr>
+            <p:ph type="title"/>
+          </p:nvPr>
+        </p:nvSpPr>
+        <p:spPr>
+          <a:xfrm>
+            <a:off x="381000" y="152400"/>
+            <a:ext cx="8153400" cy="808038"/>
+          </a:xfrm>
+        </p:spPr>
+        <p:txBody>
+          <a:bodyPr>
+            <a:normAutofit/>
+          </a:bodyPr>
+          <a:lstStyle/>
+          <a:p>
+            <a:pPr algn="l"/>
+            <a:r>
+              <a:rPr lang="en-US" sz="2400" b="1" dirty="0">
+                <a:solidFill>
+                  <a:srgbClr val="000066"/>
+                </a:solidFill>
+              </a:rPr>
+              <a:t>Workflow</a:t>
+            </a:r>
+          </a:p>
+        </p:txBody>
+      </p:sp>
+      <p:sp>
+        <p:nvSpPr>
+          <p:cNvPr id="3" name="TextBox 2">
+            <a:extLst>
+              <a:ext uri="{FF2B5EF4-FFF2-40B4-BE49-F238E27FC236}">
+                <a16:creationId xmlns:a16="http://schemas.microsoft.com/office/drawing/2014/main" id="{0BBCD9D6-8729-415F-B524-1885A8D216AD}"/>
+              </a:ext>
+            </a:extLst>
+          </p:cNvPr>
+          <p:cNvSpPr txBox="1"/>
+          <p:nvPr/>
+        </p:nvSpPr>
+        <p:spPr>
+          <a:xfrm>
+            <a:off x="495300" y="960438"/>
+            <a:ext cx="8153400" cy="1323439"/>
+          </a:xfrm>
+          <a:prstGeom prst="rect">
+            <a:avLst/>
+          </a:prstGeom>
+          <a:noFill/>
+        </p:spPr>
+        <p:txBody>
+          <a:bodyPr wrap="square" rtlCol="0">
+            <a:spAutoFit/>
+          </a:bodyPr>
+          <a:lstStyle/>
+          <a:p>
+            <a:r>
+              <a:rPr lang="en-US" dirty="0"/>
+              <a:t>Seventh Step</a:t>
+            </a:r>
+          </a:p>
+          <a:p>
+            <a:endParaRPr lang="en-US" sz="800" dirty="0"/>
+          </a:p>
+          <a:p>
+            <a:pPr marL="742950" lvl="1" indent="-285750">
+              <a:buFont typeface="Arial" panose="020B0604020202020204" pitchFamily="34" charset="0"/>
+              <a:buChar char="•"/>
+            </a:pPr>
+            <a:r>
+              <a:rPr lang="en-US" dirty="0"/>
+              <a:t>What happens next?</a:t>
+            </a:r>
+          </a:p>
+          <a:p>
+            <a:pPr marL="1200150" lvl="2" indent="-285750">
+              <a:buFont typeface="Arial" panose="020B0604020202020204" pitchFamily="34" charset="0"/>
+              <a:buChar char="•"/>
+            </a:pPr>
+            <a:r>
+              <a:rPr lang="en-US" dirty="0"/>
+              <a:t>Record the next 26 weeks of data</a:t>
+            </a:r>
+          </a:p>
+          <a:p>
+            <a:pPr marL="1200150" lvl="2" indent="-285750">
+              <a:buFont typeface="Arial" panose="020B0604020202020204" pitchFamily="34" charset="0"/>
+              <a:buChar char="•"/>
+            </a:pPr>
+            <a:endParaRPr lang="en-US" dirty="0"/>
+          </a:p>
+        </p:txBody>
+      </p:sp>
+      <p:pic>
+        <p:nvPicPr>
+          <p:cNvPr id="5" name="Picture 4">
+            <a:extLst>
+              <a:ext uri="{FF2B5EF4-FFF2-40B4-BE49-F238E27FC236}">
+                <a16:creationId xmlns:a16="http://schemas.microsoft.com/office/drawing/2014/main" id="{F99B3DC4-E98C-41C8-ABB1-D05095A80214}"/>
+              </a:ext>
+            </a:extLst>
+          </p:cNvPr>
+          <p:cNvPicPr>
+            <a:picLocks noChangeAspect="1"/>
+          </p:cNvPicPr>
+          <p:nvPr/>
+        </p:nvPicPr>
+        <p:blipFill>
+          <a:blip r:embed="rId6"/>
+          <a:stretch>
+            <a:fillRect/>
+          </a:stretch>
+        </p:blipFill>
+        <p:spPr>
+          <a:xfrm>
+            <a:off x="1104900" y="2269821"/>
+            <a:ext cx="6934200" cy="3952875"/>
+          </a:xfrm>
+          <a:prstGeom prst="rect">
+            <a:avLst/>
+          </a:prstGeom>
+        </p:spPr>
+      </p:pic>
+    </p:spTree>
+    <p:extLst>
+      <p:ext uri="{BB962C8B-B14F-4D97-AF65-F5344CB8AC3E}">
+        <p14:creationId xmlns:p14="http://schemas.microsoft.com/office/powerpoint/2010/main" val="3295388348"/>
+      </p:ext>
+    </p:extLst>
+  </p:cSld>
+  <p:clrMapOvr>
+    <a:masterClrMapping/>
+  </p:clrMapOvr>
+</p:sld>
+</file>
+
+<file path=ppt/slides/slide19.xml><?xml version="1.0" encoding="utf-8"?>
+<p:sld xmlns:a="http://schemas.openxmlformats.org/drawingml/2006/main" xmlns:r="http://schemas.openxmlformats.org/officeDocument/2006/relationships" xmlns:p="http://schemas.openxmlformats.org/presentationml/2006/main">
+  <p:cSld>
+    <p:spTree>
+      <p:nvGrpSpPr>
+        <p:cNvPr id="1" name=""/>
+        <p:cNvGrpSpPr/>
+        <p:nvPr/>
+      </p:nvGrpSpPr>
+      <p:grpSpPr>
+        <a:xfrm>
+          <a:off x="0" y="0"/>
+          <a:ext cx="0" cy="0"/>
+          <a:chOff x="0" y="0"/>
+          <a:chExt cx="0" cy="0"/>
+        </a:xfrm>
+      </p:grpSpPr>
+      <p:graphicFrame>
+        <p:nvGraphicFramePr>
+          <p:cNvPr id="235522" name="Rectangle 2" hidden="1"/>
+          <p:cNvGraphicFramePr>
+            <a:graphicFrameLocks/>
+          </p:cNvGraphicFramePr>
+          <p:nvPr>
+            <p:custDataLst>
+              <p:tags r:id="rId2"/>
+            </p:custDataLst>
+          </p:nvPr>
+        </p:nvGraphicFramePr>
+        <p:xfrm>
+          <a:off x="0" y="-305118"/>
+          <a:ext cx="158519" cy="158518"/>
+        </p:xfrm>
+        <a:graphic>
+          <a:graphicData uri="http://schemas.openxmlformats.org/presentationml/2006/ole">
+            <mc:AlternateContent xmlns:mc="http://schemas.openxmlformats.org/markup-compatibility/2006">
+              <mc:Choice xmlns:v="urn:schemas-microsoft-com:vml" Requires="v">
+                <p:oleObj spid="_x0000_s43013" r:id="rId5" imgW="0" imgH="0" progId="TCLayout.ActiveDocument.1">
+                  <p:embed/>
+                </p:oleObj>
+              </mc:Choice>
+              <mc:Fallback>
+                <p:oleObj r:id="rId5" imgW="0" imgH="0" progId="TCLayout.ActiveDocument.1">
+                  <p:embed/>
+                  <p:pic>
+                    <p:nvPicPr>
+                      <p:cNvPr id="235522" name="Rectangle 2" hidden="1"/>
+                      <p:cNvPicPr preferRelativeResize="0">
+                        <a:picLocks noChangeArrowheads="1"/>
+                      </p:cNvPicPr>
+                      <p:nvPr/>
+                    </p:nvPicPr>
+                    <p:blipFill>
+                      <a:blip>
+                        <a:extLst>
+                          <a:ext uri="{28A0092B-C50C-407E-A947-70E740481C1C}">
+                            <a14:useLocalDpi xmlns:a14="http://schemas.microsoft.com/office/drawing/2010/main" val="0"/>
+                          </a:ext>
+                        </a:extLst>
+                      </a:blip>
+                      <a:srcRect/>
+                      <a:stretch>
+                        <a:fillRect/>
+                      </a:stretch>
+                    </p:blipFill>
+                    <p:spPr bwMode="auto">
+                      <a:xfrm>
+                        <a:off x="0" y="-305118"/>
+                        <a:ext cx="158519" cy="158518"/>
+                      </a:xfrm>
+                      <a:prstGeom prst="rect">
+                        <a:avLst/>
+                      </a:prstGeom>
+                      <a:noFill/>
+                      <a:ln>
+                        <a:noFill/>
+                      </a:ln>
+                      <a:extLst>
+                        <a:ext uri="{909E8E84-426E-40DD-AFC4-6F175D3DCCD1}">
+                          <a14:hiddenFill xmlns:a14="http://schemas.microsoft.com/office/drawing/2010/main">
+                            <a:solidFill>
+                              <a:srgbClr val="FFFFFF"/>
+                            </a:solidFill>
+                          </a14:hiddenFill>
+                        </a:ext>
+                        <a:ext uri="{91240B29-F687-4F45-9708-019B960494DF}">
+                          <a14:hiddenLine xmlns:a14="http://schemas.microsoft.com/office/drawing/2010/main" w="9525">
+                            <a:solidFill>
+                              <a:srgbClr val="000000"/>
+                            </a:solidFill>
+                            <a:miter lim="800000"/>
+                            <a:headEnd/>
+                            <a:tailEnd/>
+                          </a14:hiddenLine>
+                        </a:ext>
+                      </a:extLst>
+                    </p:spPr>
+                  </p:pic>
+                </p:oleObj>
+              </mc:Fallback>
+            </mc:AlternateContent>
+          </a:graphicData>
+        </a:graphic>
+      </p:graphicFrame>
+      <p:sp>
+        <p:nvSpPr>
+          <p:cNvPr id="8" name="Title 40">
+            <a:extLst>
+              <a:ext uri="{FF2B5EF4-FFF2-40B4-BE49-F238E27FC236}">
+                <a16:creationId xmlns:a16="http://schemas.microsoft.com/office/drawing/2014/main" id="{6D65D641-D69D-4168-BB7D-AD3F200877E3}"/>
+              </a:ext>
+            </a:extLst>
+          </p:cNvPr>
+          <p:cNvSpPr>
+            <a:spLocks noGrp="1"/>
+          </p:cNvSpPr>
+          <p:nvPr>
+            <p:ph type="title"/>
+          </p:nvPr>
+        </p:nvSpPr>
+        <p:spPr>
+          <a:xfrm>
+            <a:off x="381000" y="152400"/>
+            <a:ext cx="8153400" cy="808038"/>
+          </a:xfrm>
+        </p:spPr>
+        <p:txBody>
+          <a:bodyPr>
+            <a:normAutofit/>
+          </a:bodyPr>
+          <a:lstStyle/>
+          <a:p>
+            <a:pPr algn="l"/>
+            <a:r>
+              <a:rPr lang="en-US" sz="2400" b="1" dirty="0">
+                <a:solidFill>
+                  <a:srgbClr val="000066"/>
+                </a:solidFill>
+              </a:rPr>
+              <a:t>Workflow</a:t>
+            </a:r>
+          </a:p>
+        </p:txBody>
+      </p:sp>
+      <p:sp>
+        <p:nvSpPr>
+          <p:cNvPr id="3" name="TextBox 2">
+            <a:extLst>
+              <a:ext uri="{FF2B5EF4-FFF2-40B4-BE49-F238E27FC236}">
+                <a16:creationId xmlns:a16="http://schemas.microsoft.com/office/drawing/2014/main" id="{0BBCD9D6-8729-415F-B524-1885A8D216AD}"/>
+              </a:ext>
+            </a:extLst>
+          </p:cNvPr>
+          <p:cNvSpPr txBox="1"/>
+          <p:nvPr/>
+        </p:nvSpPr>
+        <p:spPr>
+          <a:xfrm>
+            <a:off x="495300" y="960438"/>
+            <a:ext cx="8153400" cy="1600438"/>
+          </a:xfrm>
+          <a:prstGeom prst="rect">
+            <a:avLst/>
+          </a:prstGeom>
+          <a:noFill/>
+        </p:spPr>
+        <p:txBody>
+          <a:bodyPr wrap="square" rtlCol="0">
+            <a:spAutoFit/>
+          </a:bodyPr>
+          <a:lstStyle/>
+          <a:p>
+            <a:r>
+              <a:rPr lang="en-US" dirty="0"/>
+              <a:t>Final Step</a:t>
+            </a:r>
+          </a:p>
+          <a:p>
+            <a:endParaRPr lang="en-US" sz="800" dirty="0"/>
+          </a:p>
+          <a:p>
+            <a:pPr marL="742950" lvl="1" indent="-285750">
+              <a:buFont typeface="Arial" panose="020B0604020202020204" pitchFamily="34" charset="0"/>
+              <a:buChar char="•"/>
+            </a:pPr>
+            <a:r>
+              <a:rPr lang="en-US" dirty="0"/>
+              <a:t>Machine Learning to predict ROI</a:t>
+            </a:r>
+          </a:p>
+          <a:p>
+            <a:pPr marL="1200150" lvl="2" indent="-285750">
+              <a:buFont typeface="Arial" panose="020B0604020202020204" pitchFamily="34" charset="0"/>
+              <a:buChar char="•"/>
+            </a:pPr>
+            <a:r>
+              <a:rPr lang="en-US" dirty="0"/>
+              <a:t>6 features</a:t>
+            </a:r>
+          </a:p>
+          <a:p>
+            <a:pPr marL="1200150" lvl="2" indent="-285750">
+              <a:buFont typeface="Arial" panose="020B0604020202020204" pitchFamily="34" charset="0"/>
+              <a:buChar char="•"/>
+            </a:pPr>
+            <a:r>
+              <a:rPr lang="en-US" dirty="0"/>
+              <a:t>5 Hidden Layers</a:t>
+            </a:r>
+          </a:p>
+          <a:p>
+            <a:pPr marL="1200150" lvl="2" indent="-285750">
+              <a:buFont typeface="Arial" panose="020B0604020202020204" pitchFamily="34" charset="0"/>
+              <a:buChar char="•"/>
+            </a:pPr>
+            <a:r>
+              <a:rPr lang="en-US" dirty="0"/>
+              <a:t>1000 iterations for……</a:t>
+            </a:r>
+          </a:p>
+        </p:txBody>
+      </p:sp>
+      <p:pic>
+        <p:nvPicPr>
+          <p:cNvPr id="2" name="Picture 1">
+            <a:extLst>
+              <a:ext uri="{FF2B5EF4-FFF2-40B4-BE49-F238E27FC236}">
+                <a16:creationId xmlns:a16="http://schemas.microsoft.com/office/drawing/2014/main" id="{6D6B3A07-5B38-4412-8E62-22985BE45DCA}"/>
+              </a:ext>
+            </a:extLst>
+          </p:cNvPr>
+          <p:cNvPicPr>
+            <a:picLocks noChangeAspect="1"/>
+          </p:cNvPicPr>
+          <p:nvPr/>
+        </p:nvPicPr>
+        <p:blipFill>
+          <a:blip r:embed="rId6"/>
+          <a:stretch>
+            <a:fillRect/>
+          </a:stretch>
+        </p:blipFill>
+        <p:spPr>
+          <a:xfrm>
+            <a:off x="495300" y="2895600"/>
+            <a:ext cx="7581900" cy="2206373"/>
+          </a:xfrm>
+          <a:prstGeom prst="rect">
+            <a:avLst/>
+          </a:prstGeom>
+        </p:spPr>
+      </p:pic>
+      <p:sp>
+        <p:nvSpPr>
+          <p:cNvPr id="4" name="TextBox 3">
+            <a:extLst>
+              <a:ext uri="{FF2B5EF4-FFF2-40B4-BE49-F238E27FC236}">
+                <a16:creationId xmlns:a16="http://schemas.microsoft.com/office/drawing/2014/main" id="{C5C403EE-515C-4FF5-9778-90E68BE109B9}"/>
+              </a:ext>
+            </a:extLst>
+          </p:cNvPr>
+          <p:cNvSpPr txBox="1"/>
+          <p:nvPr/>
+        </p:nvSpPr>
+        <p:spPr>
+          <a:xfrm>
+            <a:off x="2286000" y="5334000"/>
+            <a:ext cx="3886200" cy="923330"/>
+          </a:xfrm>
+          <a:prstGeom prst="rect">
+            <a:avLst/>
+          </a:prstGeom>
+          <a:noFill/>
+        </p:spPr>
+        <p:txBody>
+          <a:bodyPr wrap="square" rtlCol="0">
+            <a:spAutoFit/>
+          </a:bodyPr>
+          <a:lstStyle/>
+          <a:p>
+            <a:r>
+              <a:rPr lang="en-US" sz="5400" dirty="0"/>
+              <a:t>R</a:t>
+            </a:r>
+            <a:r>
+              <a:rPr lang="en-US" sz="5400" baseline="30000" dirty="0"/>
+              <a:t>2</a:t>
+            </a:r>
+            <a:r>
+              <a:rPr lang="en-US" sz="5400" dirty="0"/>
+              <a:t> =32%.....</a:t>
+            </a:r>
+          </a:p>
+        </p:txBody>
+      </p:sp>
+    </p:spTree>
+    <p:extLst>
+      <p:ext uri="{BB962C8B-B14F-4D97-AF65-F5344CB8AC3E}">
+        <p14:creationId xmlns:p14="http://schemas.microsoft.com/office/powerpoint/2010/main" val="3429005976"/>
+      </p:ext>
+    </p:extLst>
+  </p:cSld>
+  <p:clrMapOvr>
+    <a:masterClrMapping/>
+  </p:clrMapOvr>
+</p:sld>
+</file>
+
+<file path=ppt/slides/slide2.xml><?xml version="1.0" encoding="utf-8"?>
+<p:sld xmlns:a="http://schemas.openxmlformats.org/drawingml/2006/main" xmlns:r="http://schemas.openxmlformats.org/officeDocument/2006/relationships" xmlns:p="http://schemas.openxmlformats.org/presentationml/2006/main">
+  <p:cSld>
+    <p:spTree>
+      <p:nvGrpSpPr>
+        <p:cNvPr id="1" name=""/>
+        <p:cNvGrpSpPr/>
+        <p:nvPr/>
+      </p:nvGrpSpPr>
+      <p:grpSpPr>
+        <a:xfrm>
+          <a:off x="0" y="0"/>
+          <a:ext cx="0" cy="0"/>
+          <a:chOff x="0" y="0"/>
+          <a:chExt cx="0" cy="0"/>
+        </a:xfrm>
+      </p:grpSpPr>
+      <p:graphicFrame>
+        <p:nvGraphicFramePr>
+          <p:cNvPr id="235522" name="Rectangle 2" hidden="1"/>
+          <p:cNvGraphicFramePr>
+            <a:graphicFrameLocks/>
+          </p:cNvGraphicFramePr>
+          <p:nvPr>
+            <p:custDataLst>
+              <p:tags r:id="rId2"/>
+            </p:custDataLst>
+          </p:nvPr>
+        </p:nvGraphicFramePr>
+        <p:xfrm>
+          <a:off x="0" y="-305118"/>
+          <a:ext cx="158519" cy="158518"/>
+        </p:xfrm>
+        <a:graphic>
+          <a:graphicData uri="http://schemas.openxmlformats.org/presentationml/2006/ole">
+            <mc:AlternateContent xmlns:mc="http://schemas.openxmlformats.org/markup-compatibility/2006">
+              <mc:Choice xmlns:v="urn:schemas-microsoft-com:vml" Requires="v">
+                <p:oleObj spid="_x0000_s26629" r:id="rId5" imgW="0" imgH="0" progId="TCLayout.ActiveDocument.1">
+                  <p:embed/>
+                </p:oleObj>
+              </mc:Choice>
+              <mc:Fallback>
+                <p:oleObj r:id="rId5" imgW="0" imgH="0" progId="TCLayout.ActiveDocument.1">
+                  <p:embed/>
+                  <p:pic>
+                    <p:nvPicPr>
+                      <p:cNvPr id="235522" name="Rectangle 2" hidden="1"/>
+                      <p:cNvPicPr preferRelativeResize="0">
+                        <a:picLocks noChangeArrowheads="1"/>
+                      </p:cNvPicPr>
+                      <p:nvPr/>
+                    </p:nvPicPr>
+                    <p:blipFill>
+                      <a:blip>
+                        <a:extLst>
+                          <a:ext uri="{28A0092B-C50C-407E-A947-70E740481C1C}">
+                            <a14:useLocalDpi xmlns:a14="http://schemas.microsoft.com/office/drawing/2010/main" val="0"/>
+                          </a:ext>
+                        </a:extLst>
+                      </a:blip>
+                      <a:srcRect/>
+                      <a:stretch>
+                        <a:fillRect/>
+                      </a:stretch>
+                    </p:blipFill>
+                    <p:spPr bwMode="auto">
+                      <a:xfrm>
+                        <a:off x="0" y="-305118"/>
+                        <a:ext cx="158519" cy="158518"/>
+                      </a:xfrm>
+                      <a:prstGeom prst="rect">
+                        <a:avLst/>
+                      </a:prstGeom>
+                      <a:noFill/>
+                      <a:ln>
+                        <a:noFill/>
+                      </a:ln>
+                      <a:extLst>
+                        <a:ext uri="{909E8E84-426E-40DD-AFC4-6F175D3DCCD1}">
+                          <a14:hiddenFill xmlns:a14="http://schemas.microsoft.com/office/drawing/2010/main">
+                            <a:solidFill>
+                              <a:srgbClr val="FFFFFF"/>
+                            </a:solidFill>
+                          </a14:hiddenFill>
+                        </a:ext>
+                        <a:ext uri="{91240B29-F687-4F45-9708-019B960494DF}">
+                          <a14:hiddenLine xmlns:a14="http://schemas.microsoft.com/office/drawing/2010/main" w="9525">
+                            <a:solidFill>
+                              <a:srgbClr val="000000"/>
+                            </a:solidFill>
+                            <a:miter lim="800000"/>
+                            <a:headEnd/>
+                            <a:tailEnd/>
+                          </a14:hiddenLine>
+                        </a:ext>
+                      </a:extLst>
+                    </p:spPr>
+                  </p:pic>
+                </p:oleObj>
+              </mc:Fallback>
+            </mc:AlternateContent>
+          </a:graphicData>
+        </a:graphic>
+      </p:graphicFrame>
+      <p:sp>
+        <p:nvSpPr>
+          <p:cNvPr id="47" name="Title 40"/>
+          <p:cNvSpPr>
+            <a:spLocks noGrp="1"/>
+          </p:cNvSpPr>
+          <p:nvPr>
+            <p:ph type="title"/>
+          </p:nvPr>
+        </p:nvSpPr>
+        <p:spPr>
+          <a:xfrm>
+            <a:off x="533400" y="152400"/>
+            <a:ext cx="8001000" cy="808038"/>
+          </a:xfrm>
+        </p:spPr>
+        <p:txBody>
+          <a:bodyPr>
+            <a:normAutofit/>
+          </a:bodyPr>
+          <a:lstStyle/>
+          <a:p>
+            <a:pPr algn="l"/>
+            <a:r>
+              <a:rPr lang="en-US" sz="2400" b="1" dirty="0">
+                <a:solidFill>
+                  <a:srgbClr val="000066"/>
+                </a:solidFill>
+              </a:rPr>
+              <a:t>Executive Summary</a:t>
+            </a:r>
+          </a:p>
+        </p:txBody>
+      </p:sp>
+      <p:sp>
+        <p:nvSpPr>
+          <p:cNvPr id="7" name="TextBox 6">
+            <a:extLst>
+              <a:ext uri="{FF2B5EF4-FFF2-40B4-BE49-F238E27FC236}">
+                <a16:creationId xmlns:a16="http://schemas.microsoft.com/office/drawing/2014/main" id="{59D6BA0D-75DA-411C-AE80-6B1C75B5F712}"/>
+              </a:ext>
+            </a:extLst>
+          </p:cNvPr>
+          <p:cNvSpPr txBox="1"/>
+          <p:nvPr/>
+        </p:nvSpPr>
+        <p:spPr>
+          <a:xfrm>
+            <a:off x="533400" y="1228933"/>
+            <a:ext cx="7772400" cy="707886"/>
+          </a:xfrm>
+          <a:prstGeom prst="rect">
+            <a:avLst/>
+          </a:prstGeom>
+          <a:noFill/>
+        </p:spPr>
+        <p:txBody>
+          <a:bodyPr wrap="square" rtlCol="0">
+            <a:spAutoFit/>
+          </a:bodyPr>
+          <a:lstStyle/>
+          <a:p>
+            <a:r>
+              <a:rPr lang="en-US" sz="2000" b="1" dirty="0">
+                <a:solidFill>
+                  <a:srgbClr val="000066"/>
+                </a:solidFill>
+              </a:rPr>
+              <a:t>Our non-statistical sampling suggested equity markets initially overreact to unfavorable corporate news events of any one equity</a:t>
+            </a:r>
+          </a:p>
+        </p:txBody>
+      </p:sp>
+      <p:sp>
+        <p:nvSpPr>
+          <p:cNvPr id="5" name="TextBox 4">
+            <a:extLst>
+              <a:ext uri="{FF2B5EF4-FFF2-40B4-BE49-F238E27FC236}">
+                <a16:creationId xmlns:a16="http://schemas.microsoft.com/office/drawing/2014/main" id="{D4726C2B-DC37-47C3-8C2B-30F56E0AFE99}"/>
+              </a:ext>
+            </a:extLst>
+          </p:cNvPr>
+          <p:cNvSpPr txBox="1"/>
+          <p:nvPr/>
+        </p:nvSpPr>
+        <p:spPr>
+          <a:xfrm>
+            <a:off x="533400" y="4652001"/>
+            <a:ext cx="7772400" cy="1631216"/>
+          </a:xfrm>
+          <a:prstGeom prst="rect">
+            <a:avLst/>
+          </a:prstGeom>
+          <a:noFill/>
+        </p:spPr>
+        <p:txBody>
+          <a:bodyPr wrap="square" rtlCol="0">
+            <a:spAutoFit/>
+          </a:bodyPr>
+          <a:lstStyle/>
+          <a:p>
+            <a:r>
+              <a:rPr lang="en-US" sz="2000" b="1" i="1" dirty="0">
+                <a:solidFill>
+                  <a:srgbClr val="00B0F0"/>
+                </a:solidFill>
+              </a:rPr>
+              <a:t>Technology</a:t>
+            </a:r>
+          </a:p>
+          <a:p>
+            <a:r>
+              <a:rPr lang="en-US" sz="2000" b="1" i="1" dirty="0">
+                <a:solidFill>
+                  <a:srgbClr val="000066"/>
+                </a:solidFill>
+              </a:rPr>
+              <a:t>	Mobile and automated technology has not only enabled news to propagate quickly but companies, individuals and bots to transact on that news </a:t>
+            </a:r>
+            <a:r>
+              <a:rPr lang="en-US" sz="2000" b="1" i="1" u="sng" dirty="0">
+                <a:solidFill>
+                  <a:srgbClr val="000066"/>
+                </a:solidFill>
+              </a:rPr>
+              <a:t>instantly</a:t>
+            </a:r>
+          </a:p>
+          <a:p>
+            <a:endParaRPr lang="en-US" sz="2000" dirty="0">
+              <a:solidFill>
+                <a:srgbClr val="000066"/>
+              </a:solidFill>
+            </a:endParaRPr>
+          </a:p>
+        </p:txBody>
+      </p:sp>
+      <p:sp>
+        <p:nvSpPr>
+          <p:cNvPr id="8" name="TextBox 7">
+            <a:extLst>
+              <a:ext uri="{FF2B5EF4-FFF2-40B4-BE49-F238E27FC236}">
+                <a16:creationId xmlns:a16="http://schemas.microsoft.com/office/drawing/2014/main" id="{50585DE0-1294-4A4B-AC03-457044BA1C24}"/>
+              </a:ext>
+            </a:extLst>
+          </p:cNvPr>
+          <p:cNvSpPr txBox="1"/>
+          <p:nvPr/>
+        </p:nvSpPr>
+        <p:spPr>
+          <a:xfrm>
+            <a:off x="533400" y="2133600"/>
+            <a:ext cx="7772400" cy="400110"/>
+          </a:xfrm>
+          <a:prstGeom prst="rect">
+            <a:avLst/>
+          </a:prstGeom>
+          <a:noFill/>
+        </p:spPr>
+        <p:txBody>
+          <a:bodyPr wrap="square" rtlCol="0">
+            <a:spAutoFit/>
+          </a:bodyPr>
+          <a:lstStyle/>
+          <a:p>
+            <a:r>
+              <a:rPr lang="en-US" sz="2000" b="1" dirty="0">
+                <a:solidFill>
+                  <a:srgbClr val="000066"/>
+                </a:solidFill>
+              </a:rPr>
+              <a:t>We believe there are two key contributing factors:</a:t>
+            </a:r>
+            <a:endParaRPr lang="en-US" sz="2000" dirty="0">
+              <a:solidFill>
+                <a:srgbClr val="000066"/>
+              </a:solidFill>
+            </a:endParaRPr>
+          </a:p>
+        </p:txBody>
+      </p:sp>
+      <p:grpSp>
+        <p:nvGrpSpPr>
+          <p:cNvPr id="2" name="Group 1">
+            <a:extLst>
+              <a:ext uri="{FF2B5EF4-FFF2-40B4-BE49-F238E27FC236}">
+                <a16:creationId xmlns:a16="http://schemas.microsoft.com/office/drawing/2014/main" id="{AC0A9E5D-8279-4F21-B478-954D19BAC5D1}"/>
+              </a:ext>
+            </a:extLst>
+          </p:cNvPr>
+          <p:cNvGrpSpPr/>
+          <p:nvPr/>
+        </p:nvGrpSpPr>
+        <p:grpSpPr>
+          <a:xfrm>
+            <a:off x="381000" y="2940399"/>
+            <a:ext cx="7924800" cy="3984365"/>
+            <a:chOff x="381000" y="2940399"/>
+            <a:chExt cx="7924800" cy="3984365"/>
+          </a:xfrm>
+        </p:grpSpPr>
+        <p:sp>
+          <p:nvSpPr>
+            <p:cNvPr id="6" name="TextBox 5">
+              <a:extLst>
+                <a:ext uri="{FF2B5EF4-FFF2-40B4-BE49-F238E27FC236}">
+                  <a16:creationId xmlns:a16="http://schemas.microsoft.com/office/drawing/2014/main" id="{0C7F0FDA-5F46-41BD-BF0F-A903C866FD37}"/>
+                </a:ext>
+              </a:extLst>
+            </p:cNvPr>
+            <p:cNvSpPr txBox="1"/>
+            <p:nvPr/>
+          </p:nvSpPr>
+          <p:spPr>
+            <a:xfrm>
+              <a:off x="381000" y="6324600"/>
+              <a:ext cx="7772400" cy="600164"/>
+            </a:xfrm>
+            <a:prstGeom prst="rect">
+              <a:avLst/>
+            </a:prstGeom>
+            <a:noFill/>
+          </p:spPr>
+          <p:txBody>
+            <a:bodyPr wrap="square" rtlCol="0">
+              <a:spAutoFit/>
+            </a:bodyPr>
+            <a:lstStyle/>
+            <a:p>
+              <a:r>
+                <a:rPr lang="en-US" sz="1100" dirty="0">
+                  <a:solidFill>
+                    <a:srgbClr val="000066"/>
+                  </a:solidFill>
+                </a:rPr>
+                <a:t>Source: </a:t>
+              </a:r>
+              <a:r>
+                <a:rPr lang="en-US" sz="1100" dirty="0">
+                  <a:solidFill>
+                    <a:srgbClr val="000066"/>
+                  </a:solidFill>
+                  <a:hlinkClick r:id="rId6"/>
+                </a:rPr>
+                <a:t>https://www.psychologytoday.com/blog/wired-success/201309/emotion-not-rational-logic-determines-the-stock-market</a:t>
+              </a:r>
+              <a:endParaRPr lang="en-US" sz="1100" dirty="0">
+                <a:solidFill>
+                  <a:srgbClr val="000066"/>
+                </a:solidFill>
+              </a:endParaRPr>
+            </a:p>
+            <a:p>
+              <a:r>
+                <a:rPr lang="en-US" sz="1100" dirty="0">
+                  <a:solidFill>
+                    <a:srgbClr val="000066"/>
+                  </a:solidFill>
+                </a:rPr>
+                <a:t>Why Stocks Tend To Decline Much Faster Than They Rise; </a:t>
+              </a:r>
+              <a:r>
+                <a:rPr lang="en-US" sz="1100" dirty="0">
+                  <a:solidFill>
+                    <a:srgbClr val="000066"/>
+                  </a:solidFill>
+                  <a:hlinkClick r:id="rId7"/>
+                </a:rPr>
+                <a:t>http://theemotionallyintelligentinvestor.com/?p=145</a:t>
+              </a:r>
+              <a:endParaRPr lang="en-US" sz="1100" dirty="0">
+                <a:solidFill>
+                  <a:srgbClr val="000066"/>
+                </a:solidFill>
+              </a:endParaRPr>
+            </a:p>
+            <a:p>
+              <a:endParaRPr lang="en-US" sz="1100" dirty="0">
+                <a:solidFill>
+                  <a:srgbClr val="000066"/>
+                </a:solidFill>
+              </a:endParaRPr>
+            </a:p>
+          </p:txBody>
+        </p:sp>
+        <p:sp>
+          <p:nvSpPr>
+            <p:cNvPr id="9" name="TextBox 8">
+              <a:extLst>
+                <a:ext uri="{FF2B5EF4-FFF2-40B4-BE49-F238E27FC236}">
+                  <a16:creationId xmlns:a16="http://schemas.microsoft.com/office/drawing/2014/main" id="{B7EBB5F3-69B5-4052-8B2A-2B08D62AA1C3}"/>
+                </a:ext>
+              </a:extLst>
+            </p:cNvPr>
+            <p:cNvSpPr txBox="1"/>
+            <p:nvPr/>
+          </p:nvSpPr>
+          <p:spPr>
+            <a:xfrm>
+              <a:off x="533400" y="2940399"/>
+              <a:ext cx="7772400" cy="1631216"/>
+            </a:xfrm>
+            <a:prstGeom prst="rect">
+              <a:avLst/>
+            </a:prstGeom>
+            <a:noFill/>
+          </p:spPr>
+          <p:txBody>
+            <a:bodyPr wrap="square" rtlCol="0">
+              <a:spAutoFit/>
+            </a:bodyPr>
+            <a:lstStyle/>
+            <a:p>
+              <a:r>
+                <a:rPr lang="en-US" sz="2000" b="1" i="1" dirty="0">
+                  <a:solidFill>
+                    <a:srgbClr val="00B0F0"/>
+                  </a:solidFill>
+                </a:rPr>
+                <a:t>Emotion, Not Rational Logic, Determines the Stock Market</a:t>
+              </a:r>
+            </a:p>
+            <a:p>
+              <a:r>
+                <a:rPr lang="en-US" sz="2000" b="1" dirty="0">
+                  <a:solidFill>
+                    <a:srgbClr val="000066"/>
+                  </a:solidFill>
+                </a:rPr>
+                <a:t>	“</a:t>
+              </a:r>
+              <a:r>
+                <a:rPr lang="en-US" sz="2000" b="1" i="1" dirty="0">
+                  <a:solidFill>
+                    <a:srgbClr val="000066"/>
+                  </a:solidFill>
+                </a:rPr>
+                <a:t>People generally feel twice as much sadness or pain when something is lost than when something of equal value is gained. This is the main reason why stocks go down faster than they go up”</a:t>
+              </a:r>
+            </a:p>
+            <a:p>
+              <a:endParaRPr lang="en-US" sz="2000" dirty="0">
+                <a:solidFill>
+                  <a:srgbClr val="000066"/>
+                </a:solidFill>
+              </a:endParaRPr>
+            </a:p>
+          </p:txBody>
+        </p:sp>
+      </p:grpSp>
+    </p:spTree>
+    <p:extLst>
+      <p:ext uri="{BB962C8B-B14F-4D97-AF65-F5344CB8AC3E}">
+        <p14:creationId xmlns:p14="http://schemas.microsoft.com/office/powerpoint/2010/main" val="1378528344"/>
       </p:ext>
     </p:extLst>
   </p:cSld>
@@ -6982,7 +9571,97 @@
                                           </p:stCondLst>
                                         </p:cTn>
                                         <p:tgtEl>
-                                          <p:spTgt spid="6"/>
+                                          <p:spTgt spid="8"/>
+                                        </p:tgtEl>
+                                        <p:attrNameLst>
+                                          <p:attrName>style.visibility</p:attrName>
+                                        </p:attrNameLst>
+                                      </p:cBhvr>
+                                      <p:to>
+                                        <p:strVal val="visible"/>
+                                      </p:to>
+                                    </p:set>
+                                  </p:childTnLst>
+                                </p:cTn>
+                              </p:par>
+                            </p:childTnLst>
+                          </p:cTn>
+                        </p:par>
+                      </p:childTnLst>
+                    </p:cTn>
+                  </p:par>
+                  <p:par>
+                    <p:cTn id="11" fill="hold">
+                      <p:stCondLst>
+                        <p:cond delay="indefinite"/>
+                      </p:stCondLst>
+                      <p:childTnLst>
+                        <p:par>
+                          <p:cTn id="12" fill="hold">
+                            <p:stCondLst>
+                              <p:cond delay="0"/>
+                            </p:stCondLst>
+                            <p:childTnLst>
+                              <p:par>
+                                <p:cTn id="13" presetID="1" presetClass="entr" presetSubtype="0" fill="hold" nodeType="clickEffect">
+                                  <p:stCondLst>
+                                    <p:cond delay="0"/>
+                                  </p:stCondLst>
+                                  <p:childTnLst>
+                                    <p:set>
+                                      <p:cBhvr>
+                                        <p:cTn id="14" dur="1" fill="hold">
+                                          <p:stCondLst>
+                                            <p:cond delay="0"/>
+                                          </p:stCondLst>
+                                        </p:cTn>
+                                        <p:tgtEl>
+                                          <p:spTgt spid="2"/>
+                                        </p:tgtEl>
+                                        <p:attrNameLst>
+                                          <p:attrName>style.visibility</p:attrName>
+                                        </p:attrNameLst>
+                                      </p:cBhvr>
+                                      <p:to>
+                                        <p:strVal val="visible"/>
+                                      </p:to>
+                                    </p:set>
+                                  </p:childTnLst>
+                                </p:cTn>
+                              </p:par>
+                            </p:childTnLst>
+                          </p:cTn>
+                        </p:par>
+                      </p:childTnLst>
+                    </p:cTn>
+                  </p:par>
+                  <p:par>
+                    <p:cTn id="15" fill="hold">
+                      <p:stCondLst>
+                        <p:cond delay="indefinite"/>
+                      </p:stCondLst>
+                      <p:childTnLst>
+                        <p:par>
+                          <p:cTn id="16" fill="hold">
+                            <p:stCondLst>
+                              <p:cond delay="0"/>
+                            </p:stCondLst>
+                            <p:childTnLst>
+                              <p:par>
+                                <p:cTn id="17" presetID="1" presetClass="entr" presetSubtype="0" fill="hold" grpId="0" nodeType="clickEffect">
+                                  <p:stCondLst>
+                                    <p:cond delay="0"/>
+                                  </p:stCondLst>
+                                  <p:childTnLst>
+                                    <p:set>
+                                      <p:cBhvr>
+                                        <p:cTn id="18" dur="1" fill="hold">
+                                          <p:stCondLst>
+                                            <p:cond delay="0"/>
+                                          </p:stCondLst>
+                                        </p:cTn>
+                                        <p:tgtEl>
+                                          <p:spTgt spid="5"/>
                                         </p:tgtEl>
                                         <p:attrNameLst>
                                           <p:attrName>style.visibility</p:attrName>
@@ -7024,13 +9703,14 @@
     </p:tnLst>
     <p:bldLst>
       <p:bldP spid="7" grpId="0"/>
-      <p:bldP spid="6" grpId="0"/>
+      <p:bldP spid="5" grpId="0"/>
+      <p:bldP spid="8" grpId="0"/>
     </p:bldLst>
   </p:timing>
 </p:sld>
 </file>
 
-<file path=ppt/slides/slide12.xml><?xml version="1.0" encoding="utf-8"?>
+<file path=ppt/slides/slide20.xml><?xml version="1.0" encoding="utf-8"?>
 <p:sld xmlns:a="http://schemas.openxmlformats.org/drawingml/2006/main" xmlns:r="http://schemas.openxmlformats.org/officeDocument/2006/relationships" xmlns:p="http://schemas.openxmlformats.org/presentationml/2006/main">
   <p:cSld>
     <p:spTree>
@@ -7067,7 +9747,7 @@
           <a:graphicData uri="http://schemas.openxmlformats.org/presentationml/2006/ole">
             <mc:AlternateContent xmlns:mc="http://schemas.openxmlformats.org/markup-compatibility/2006">
               <mc:Choice xmlns:v="urn:schemas-microsoft-com:vml" Requires="v">
-                <p:oleObj spid="_x0000_s11269" r:id="rId5" imgW="0" imgH="0" progId="TCLayout.ActiveDocument.1">
+                <p:oleObj spid="_x0000_s19465" r:id="rId5" imgW="0" imgH="0" progId="TCLayout.ActiveDocument.1">
                   <p:embed/>
                 </p:oleObj>
               </mc:Choice>
@@ -7139,7 +9819,7 @@
           <p:cNvPr id="8" name="Title 40">
             <a:extLst>
               <a:ext uri="{FF2B5EF4-FFF2-40B4-BE49-F238E27FC236}">
-                <a16:creationId xmlns:a16="http://schemas.microsoft.com/office/drawing/2014/main" xmlns="" id="{6D65D641-D69D-4168-BB7D-AD3F200877E3}"/>
+                <a16:creationId xmlns:a16="http://schemas.microsoft.com/office/drawing/2014/main" id="{6D65D641-D69D-4168-BB7D-AD3F200877E3}"/>
               </a:ext>
             </a:extLst>
           </p:cNvPr>
@@ -7169,85 +9849,17 @@
                   <a:srgbClr val="000066"/>
                 </a:solidFill>
               </a:rPr>
-              <a:t>Workflow</a:t>
-            </a:r>
-          </a:p>
-        </p:txBody>
-      </p:sp>
-      <p:sp>
-        <p:nvSpPr>
-          <p:cNvPr id="3" name="TextBox 2">
+              <a:t>Analysis</a:t>
+            </a:r>
+          </a:p>
+        </p:txBody>
+      </p:sp>
+      <p:pic>
+        <p:nvPicPr>
+          <p:cNvPr id="3" name="Picture 2">
             <a:extLst>
               <a:ext uri="{FF2B5EF4-FFF2-40B4-BE49-F238E27FC236}">
-                <a16:creationId xmlns:a16="http://schemas.microsoft.com/office/drawing/2014/main" xmlns="" id="{0BBCD9D6-8729-415F-B524-1885A8D216AD}"/>
-              </a:ext>
-            </a:extLst>
-          </p:cNvPr>
-          <p:cNvSpPr txBox="1"/>
-          <p:nvPr/>
-        </p:nvSpPr>
-        <p:spPr>
-          <a:xfrm>
-            <a:off x="419100" y="1227455"/>
-            <a:ext cx="8153400" cy="1477328"/>
-          </a:xfrm>
-          <a:prstGeom prst="rect">
-            <a:avLst/>
-          </a:prstGeom>
-          <a:noFill/>
-        </p:spPr>
-        <p:txBody>
-          <a:bodyPr wrap="square" rtlCol="0">
-            <a:spAutoFit/>
-          </a:bodyPr>
-          <a:lstStyle/>
-          <a:p>
-            <a:r>
-              <a:rPr lang="en-US" dirty="0"/>
-              <a:t>First Step</a:t>
-            </a:r>
-          </a:p>
-          <a:p>
-            <a:endParaRPr lang="en-US" dirty="0"/>
-          </a:p>
-          <a:p>
-            <a:pPr marL="742950" lvl="1" indent="-285750">
-              <a:buFont typeface="Arial" panose="020B0604020202020204" pitchFamily="34" charset="0"/>
-              <a:buChar char="•"/>
-            </a:pPr>
-            <a:r>
-              <a:rPr lang="en-US" dirty="0"/>
-              <a:t>Gather the sources</a:t>
-            </a:r>
-          </a:p>
-          <a:p>
-            <a:pPr marL="1200150" lvl="2" indent="-285750">
-              <a:buFont typeface="Arial" panose="020B0604020202020204" pitchFamily="34" charset="0"/>
-              <a:buChar char="•"/>
-            </a:pPr>
-            <a:r>
-              <a:rPr lang="en-US" dirty="0"/>
-              <a:t>NYSE stock list</a:t>
-            </a:r>
-          </a:p>
-          <a:p>
-            <a:pPr marL="1200150" lvl="2" indent="-285750">
-              <a:buFont typeface="Arial" panose="020B0604020202020204" pitchFamily="34" charset="0"/>
-              <a:buChar char="•"/>
-            </a:pPr>
-            <a:r>
-              <a:rPr lang="en-US" dirty="0"/>
-              <a:t>Random sampling of 800 companies</a:t>
-            </a:r>
-          </a:p>
-        </p:txBody>
-      </p:sp>
-      <p:pic>
-        <p:nvPicPr>
-          <p:cNvPr id="4" name="Picture 3">
-            <a:extLst>
-              <a:ext uri="{FF2B5EF4-FFF2-40B4-BE49-F238E27FC236}">
-                <a16:creationId xmlns:a16="http://schemas.microsoft.com/office/drawing/2014/main" xmlns="" id="{B21AA919-AB25-4407-AD8E-42181958B333}"/>
+                <a16:creationId xmlns:a16="http://schemas.microsoft.com/office/drawing/2014/main" id="{B510CD78-C58F-4733-B0DD-F0874059F617}"/>
               </a:ext>
             </a:extLst>
           </p:cNvPr>
@@ -7257,25 +9869,70 @@
           <p:nvPr/>
         </p:nvPicPr>
         <p:blipFill>
-          <a:blip r:embed="rId6"/>
+          <a:blip r:embed="rId6">
+            <a:extLst>
+              <a:ext uri="{28A0092B-C50C-407E-A947-70E740481C1C}">
+                <a14:useLocalDpi xmlns:a14="http://schemas.microsoft.com/office/drawing/2010/main" val="0"/>
+              </a:ext>
+            </a:extLst>
+          </a:blip>
           <a:stretch>
             <a:fillRect/>
           </a:stretch>
         </p:blipFill>
         <p:spPr>
           <a:xfrm>
-            <a:off x="419100" y="2971800"/>
-            <a:ext cx="8115300" cy="3429000"/>
+            <a:off x="266700" y="1600200"/>
+            <a:ext cx="8610600" cy="4953000"/>
           </a:xfrm>
           <a:prstGeom prst="rect">
             <a:avLst/>
           </a:prstGeom>
         </p:spPr>
       </p:pic>
+      <p:sp>
+        <p:nvSpPr>
+          <p:cNvPr id="4" name="TextBox 3">
+            <a:extLst>
+              <a:ext uri="{FF2B5EF4-FFF2-40B4-BE49-F238E27FC236}">
+                <a16:creationId xmlns:a16="http://schemas.microsoft.com/office/drawing/2014/main" id="{E35C50F2-4743-41B2-9AB5-CE9F40985982}"/>
+              </a:ext>
+            </a:extLst>
+          </p:cNvPr>
+          <p:cNvSpPr txBox="1"/>
+          <p:nvPr/>
+        </p:nvSpPr>
+        <p:spPr>
+          <a:xfrm>
+            <a:off x="266700" y="960438"/>
+            <a:ext cx="8099205" cy="369332"/>
+          </a:xfrm>
+          <a:prstGeom prst="rect">
+            <a:avLst/>
+          </a:prstGeom>
+          <a:noFill/>
+        </p:spPr>
+        <p:txBody>
+          <a:bodyPr wrap="none" rtlCol="0">
+            <a:spAutoFit/>
+          </a:bodyPr>
+          <a:lstStyle/>
+          <a:p>
+            <a:pPr marL="285750" indent="-285750">
+              <a:buFont typeface="Arial" panose="020B0604020202020204" pitchFamily="34" charset="0"/>
+              <a:buChar char="•"/>
+            </a:pPr>
+            <a:r>
+              <a:rPr lang="en-US" dirty="0"/>
+              <a:t>Companies with a faster rebound time have a higher ROI at the end of six months</a:t>
+            </a:r>
+          </a:p>
+        </p:txBody>
+      </p:sp>
     </p:spTree>
     <p:extLst>
       <p:ext uri="{BB962C8B-B14F-4D97-AF65-F5344CB8AC3E}">
-        <p14:creationId xmlns:p14="http://schemas.microsoft.com/office/powerpoint/2010/main" val="99790701"/>
+        <p14:creationId xmlns:p14="http://schemas.microsoft.com/office/powerpoint/2010/main" val="1283919287"/>
       </p:ext>
     </p:extLst>
   </p:cSld>
@@ -7285,7 +9942,7 @@
 </p:sld>
 </file>
 
-<file path=ppt/slides/slide13.xml><?xml version="1.0" encoding="utf-8"?>
+<file path=ppt/slides/slide21.xml><?xml version="1.0" encoding="utf-8"?>
 <p:sld xmlns:a="http://schemas.openxmlformats.org/drawingml/2006/main" xmlns:r="http://schemas.openxmlformats.org/officeDocument/2006/relationships" xmlns:p="http://schemas.openxmlformats.org/presentationml/2006/main">
   <p:cSld>
     <p:spTree>
@@ -7322,7 +9979,7 @@
           <a:graphicData uri="http://schemas.openxmlformats.org/presentationml/2006/ole">
             <mc:AlternateContent xmlns:mc="http://schemas.openxmlformats.org/markup-compatibility/2006">
               <mc:Choice xmlns:v="urn:schemas-microsoft-com:vml" Requires="v">
-                <p:oleObj spid="_x0000_s12293" r:id="rId5" imgW="0" imgH="0" progId="TCLayout.ActiveDocument.1">
+                <p:oleObj spid="_x0000_s20489" r:id="rId5" imgW="0" imgH="0" progId="TCLayout.ActiveDocument.1">
                   <p:embed/>
                 </p:oleObj>
               </mc:Choice>
@@ -7394,7 +10051,7 @@
           <p:cNvPr id="8" name="Title 40">
             <a:extLst>
               <a:ext uri="{FF2B5EF4-FFF2-40B4-BE49-F238E27FC236}">
-                <a16:creationId xmlns:a16="http://schemas.microsoft.com/office/drawing/2014/main" xmlns="" id="{6D65D641-D69D-4168-BB7D-AD3F200877E3}"/>
+                <a16:creationId xmlns:a16="http://schemas.microsoft.com/office/drawing/2014/main" id="{6D65D641-D69D-4168-BB7D-AD3F200877E3}"/>
               </a:ext>
             </a:extLst>
           </p:cNvPr>
@@ -7424,90 +10081,17 @@
                   <a:srgbClr val="000066"/>
                 </a:solidFill>
               </a:rPr>
-              <a:t>Workflow</a:t>
-            </a:r>
-          </a:p>
-        </p:txBody>
-      </p:sp>
-      <p:sp>
-        <p:nvSpPr>
-          <p:cNvPr id="3" name="TextBox 2">
+              <a:t>Analysis</a:t>
+            </a:r>
+          </a:p>
+        </p:txBody>
+      </p:sp>
+      <p:pic>
+        <p:nvPicPr>
+          <p:cNvPr id="3" name="Picture 2">
             <a:extLst>
               <a:ext uri="{FF2B5EF4-FFF2-40B4-BE49-F238E27FC236}">
-                <a16:creationId xmlns:a16="http://schemas.microsoft.com/office/drawing/2014/main" xmlns="" id="{0BBCD9D6-8729-415F-B524-1885A8D216AD}"/>
-              </a:ext>
-            </a:extLst>
-          </p:cNvPr>
-          <p:cNvSpPr txBox="1"/>
-          <p:nvPr/>
-        </p:nvSpPr>
-        <p:spPr>
-          <a:xfrm>
-            <a:off x="419100" y="1227455"/>
-            <a:ext cx="8153400" cy="1323439"/>
-          </a:xfrm>
-          <a:prstGeom prst="rect">
-            <a:avLst/>
-          </a:prstGeom>
-          <a:noFill/>
-        </p:spPr>
-        <p:txBody>
-          <a:bodyPr wrap="square" rtlCol="0">
-            <a:spAutoFit/>
-          </a:bodyPr>
-          <a:lstStyle/>
-          <a:p>
-            <a:r>
-              <a:rPr lang="en-US" dirty="0"/>
-              <a:t>Second Step</a:t>
-            </a:r>
-          </a:p>
-          <a:p>
-            <a:endParaRPr lang="en-US" sz="800" dirty="0"/>
-          </a:p>
-          <a:p>
-            <a:pPr marL="742950" lvl="1" indent="-285750">
-              <a:buFont typeface="Arial" panose="020B0604020202020204" pitchFamily="34" charset="0"/>
-              <a:buChar char="•"/>
-            </a:pPr>
-            <a:r>
-              <a:rPr lang="en-US" dirty="0"/>
-              <a:t>Gather the time series data</a:t>
-            </a:r>
-          </a:p>
-          <a:p>
-            <a:pPr marL="1200150" lvl="2" indent="-285750">
-              <a:buFont typeface="Arial" panose="020B0604020202020204" pitchFamily="34" charset="0"/>
-              <a:buChar char="•"/>
-            </a:pPr>
-            <a:r>
-              <a:rPr lang="en-US" dirty="0"/>
-              <a:t>API call to Alpha Vantage Co</a:t>
-            </a:r>
-          </a:p>
-          <a:p>
-            <a:pPr marL="1200150" lvl="2" indent="-285750">
-              <a:buFont typeface="Arial" panose="020B0604020202020204" pitchFamily="34" charset="0"/>
-              <a:buChar char="•"/>
-            </a:pPr>
-            <a:r>
-              <a:rPr lang="en-US" dirty="0"/>
-              <a:t>API call to </a:t>
-            </a:r>
-            <a:r>
-              <a:rPr lang="en-US" dirty="0" err="1"/>
-              <a:t>IEXtrading</a:t>
-            </a:r>
-            <a:endParaRPr lang="en-US" dirty="0"/>
-          </a:p>
-        </p:txBody>
-      </p:sp>
-      <p:pic>
-        <p:nvPicPr>
-          <p:cNvPr id="2" name="Picture 1">
-            <a:extLst>
-              <a:ext uri="{FF2B5EF4-FFF2-40B4-BE49-F238E27FC236}">
-                <a16:creationId xmlns:a16="http://schemas.microsoft.com/office/drawing/2014/main" xmlns="" id="{1277F03A-6793-4CBF-99A5-91EB36123803}"/>
+                <a16:creationId xmlns:a16="http://schemas.microsoft.com/office/drawing/2014/main" id="{0FB252C2-8E0F-4E4E-AF3D-AD81519AC032}"/>
               </a:ext>
             </a:extLst>
           </p:cNvPr>
@@ -7516,56 +10100,64 @@
           </p:cNvPicPr>
           <p:nvPr/>
         </p:nvPicPr>
-        <p:blipFill>
+        <p:blipFill rotWithShape="1">
           <a:blip r:embed="rId6"/>
-          <a:stretch>
-            <a:fillRect/>
-          </a:stretch>
+          <a:srcRect r="4820" b="20270"/>
+          <a:stretch/>
         </p:blipFill>
         <p:spPr>
           <a:xfrm>
-            <a:off x="343270" y="2746984"/>
-            <a:ext cx="3847730" cy="3825266"/>
+            <a:off x="381000" y="1828800"/>
+            <a:ext cx="3733800" cy="4495800"/>
           </a:xfrm>
           <a:prstGeom prst="rect">
             <a:avLst/>
           </a:prstGeom>
         </p:spPr>
       </p:pic>
-      <p:pic>
-        <p:nvPicPr>
-          <p:cNvPr id="5" name="Picture 4">
+      <p:sp>
+        <p:nvSpPr>
+          <p:cNvPr id="4" name="TextBox 3">
             <a:extLst>
               <a:ext uri="{FF2B5EF4-FFF2-40B4-BE49-F238E27FC236}">
-                <a16:creationId xmlns:a16="http://schemas.microsoft.com/office/drawing/2014/main" xmlns="" id="{FBD64368-918A-44AB-AC45-358F005CE533}"/>
+                <a16:creationId xmlns:a16="http://schemas.microsoft.com/office/drawing/2014/main" id="{55A35CDF-AA72-4476-9932-1916784F16A0}"/>
               </a:ext>
             </a:extLst>
           </p:cNvPr>
-          <p:cNvPicPr>
-            <a:picLocks noChangeAspect="1"/>
-          </p:cNvPicPr>
+          <p:cNvSpPr txBox="1"/>
           <p:nvPr/>
-        </p:nvPicPr>
-        <p:blipFill>
-          <a:blip r:embed="rId7"/>
-          <a:stretch>
-            <a:fillRect/>
-          </a:stretch>
-        </p:blipFill>
+        </p:nvSpPr>
         <p:spPr>
           <a:xfrm>
-            <a:off x="4572000" y="2746984"/>
-            <a:ext cx="4429125" cy="3825266"/>
+            <a:off x="381000" y="960438"/>
+            <a:ext cx="6364178" cy="369332"/>
           </a:xfrm>
           <a:prstGeom prst="rect">
             <a:avLst/>
           </a:prstGeom>
-        </p:spPr>
-      </p:pic>
+          <a:noFill/>
+        </p:spPr>
+        <p:txBody>
+          <a:bodyPr wrap="none" rtlCol="0">
+            <a:spAutoFit/>
+          </a:bodyPr>
+          <a:lstStyle/>
+          <a:p>
+            <a:pPr marL="285750" indent="-285750">
+              <a:buFont typeface="Arial" panose="020B0604020202020204" pitchFamily="34" charset="0"/>
+              <a:buChar char="•"/>
+            </a:pPr>
+            <a:r>
+              <a:rPr lang="en-US" dirty="0"/>
+              <a:t>Most companies rebound in the first week after hitting the low</a:t>
+            </a:r>
+          </a:p>
+        </p:txBody>
+      </p:sp>
     </p:spTree>
     <p:extLst>
       <p:ext uri="{BB962C8B-B14F-4D97-AF65-F5344CB8AC3E}">
-        <p14:creationId xmlns:p14="http://schemas.microsoft.com/office/powerpoint/2010/main" val="4072546335"/>
+        <p14:creationId xmlns:p14="http://schemas.microsoft.com/office/powerpoint/2010/main" val="4081715577"/>
       </p:ext>
     </p:extLst>
   </p:cSld>
@@ -7575,7 +10167,7 @@
 </p:sld>
 </file>
 
-<file path=ppt/slides/slide14.xml><?xml version="1.0" encoding="utf-8"?>
+<file path=ppt/slides/slide22.xml><?xml version="1.0" encoding="utf-8"?>
 <p:sld xmlns:a="http://schemas.openxmlformats.org/drawingml/2006/main" xmlns:r="http://schemas.openxmlformats.org/officeDocument/2006/relationships" xmlns:p="http://schemas.openxmlformats.org/presentationml/2006/main">
   <p:cSld>
     <p:spTree>
@@ -7612,7 +10204,7 @@
           <a:graphicData uri="http://schemas.openxmlformats.org/presentationml/2006/ole">
             <mc:AlternateContent xmlns:mc="http://schemas.openxmlformats.org/markup-compatibility/2006">
               <mc:Choice xmlns:v="urn:schemas-microsoft-com:vml" Requires="v">
-                <p:oleObj spid="_x0000_s13317" r:id="rId5" imgW="0" imgH="0" progId="TCLayout.ActiveDocument.1">
+                <p:oleObj spid="_x0000_s21513" r:id="rId5" imgW="0" imgH="0" progId="TCLayout.ActiveDocument.1">
                   <p:embed/>
                 </p:oleObj>
               </mc:Choice>
@@ -7684,7 +10276,7 @@
           <p:cNvPr id="8" name="Title 40">
             <a:extLst>
               <a:ext uri="{FF2B5EF4-FFF2-40B4-BE49-F238E27FC236}">
-                <a16:creationId xmlns:a16="http://schemas.microsoft.com/office/drawing/2014/main" xmlns="" id="{6D65D641-D69D-4168-BB7D-AD3F200877E3}"/>
+                <a16:creationId xmlns:a16="http://schemas.microsoft.com/office/drawing/2014/main" id="{6D65D641-D69D-4168-BB7D-AD3F200877E3}"/>
               </a:ext>
             </a:extLst>
           </p:cNvPr>
@@ -7714,17 +10306,17 @@
                   <a:srgbClr val="000066"/>
                 </a:solidFill>
               </a:rPr>
-              <a:t>Workflow</a:t>
-            </a:r>
-          </a:p>
-        </p:txBody>
-      </p:sp>
-      <p:sp>
-        <p:nvSpPr>
-          <p:cNvPr id="3" name="TextBox 2">
+              <a:t>Findings</a:t>
+            </a:r>
+          </a:p>
+        </p:txBody>
+      </p:sp>
+      <p:sp>
+        <p:nvSpPr>
+          <p:cNvPr id="4" name="TextBox 3">
             <a:extLst>
               <a:ext uri="{FF2B5EF4-FFF2-40B4-BE49-F238E27FC236}">
-                <a16:creationId xmlns:a16="http://schemas.microsoft.com/office/drawing/2014/main" xmlns="" id="{0BBCD9D6-8729-415F-B524-1885A8D216AD}"/>
+                <a16:creationId xmlns:a16="http://schemas.microsoft.com/office/drawing/2014/main" id="{55A35CDF-AA72-4476-9932-1916784F16A0}"/>
               </a:ext>
             </a:extLst>
           </p:cNvPr>
@@ -7733,8 +10325,8 @@
         </p:nvSpPr>
         <p:spPr>
           <a:xfrm>
-            <a:off x="495300" y="960438"/>
-            <a:ext cx="8153400" cy="769441"/>
+            <a:off x="990600" y="960438"/>
+            <a:ext cx="3124200" cy="369332"/>
           </a:xfrm>
           <a:prstGeom prst="rect">
             <a:avLst/>
@@ -7747,32 +10339,20 @@
           </a:bodyPr>
           <a:lstStyle/>
           <a:p>
+            <a:pPr algn="ctr"/>
             <a:r>
               <a:rPr lang="en-US" dirty="0"/>
-              <a:t>Third Step</a:t>
-            </a:r>
-          </a:p>
-          <a:p>
-            <a:endParaRPr lang="en-US" sz="800" dirty="0"/>
-          </a:p>
-          <a:p>
-            <a:pPr marL="742950" lvl="1" indent="-285750">
-              <a:buFont typeface="Arial" panose="020B0604020202020204" pitchFamily="34" charset="0"/>
-              <a:buChar char="•"/>
-            </a:pPr>
-            <a:r>
-              <a:rPr lang="en-US" dirty="0"/>
-              <a:t>Find drops in price of 15% or more during the week</a:t>
+              <a:t>Rebound within first 10 weeks</a:t>
             </a:r>
           </a:p>
         </p:txBody>
       </p:sp>
       <p:pic>
         <p:nvPicPr>
-          <p:cNvPr id="4" name="Picture 3">
+          <p:cNvPr id="2" name="Picture 1">
             <a:extLst>
               <a:ext uri="{FF2B5EF4-FFF2-40B4-BE49-F238E27FC236}">
-                <a16:creationId xmlns:a16="http://schemas.microsoft.com/office/drawing/2014/main" xmlns="" id="{BC4DC7B1-419F-413C-B138-FA2F807D2140}"/>
+                <a16:creationId xmlns:a16="http://schemas.microsoft.com/office/drawing/2014/main" id="{709B7CA3-1C2B-4CBD-A4DC-E0FFDD1797D5}"/>
               </a:ext>
             </a:extLst>
           </p:cNvPr>
@@ -7789,18 +10369,188 @@
         </p:blipFill>
         <p:spPr>
           <a:xfrm>
-            <a:off x="1581150" y="2362200"/>
-            <a:ext cx="5981700" cy="3952875"/>
+            <a:off x="1435470" y="1646612"/>
+            <a:ext cx="2374531" cy="5049371"/>
           </a:xfrm>
           <a:prstGeom prst="rect">
             <a:avLst/>
           </a:prstGeom>
         </p:spPr>
       </p:pic>
+      <p:sp>
+        <p:nvSpPr>
+          <p:cNvPr id="5" name="Oval 4">
+            <a:extLst>
+              <a:ext uri="{FF2B5EF4-FFF2-40B4-BE49-F238E27FC236}">
+                <a16:creationId xmlns:a16="http://schemas.microsoft.com/office/drawing/2014/main" id="{DCF6EEDF-92EF-487E-B22E-41DFF87D8D6C}"/>
+              </a:ext>
+            </a:extLst>
+          </p:cNvPr>
+          <p:cNvSpPr/>
+          <p:nvPr/>
+        </p:nvSpPr>
+        <p:spPr>
+          <a:xfrm>
+            <a:off x="1524000" y="5961355"/>
+            <a:ext cx="2590800" cy="762000"/>
+          </a:xfrm>
+          <a:prstGeom prst="ellipse">
+            <a:avLst/>
+          </a:prstGeom>
+          <a:noFill/>
+          <a:ln>
+            <a:solidFill>
+              <a:srgbClr val="FF0000"/>
+            </a:solidFill>
+          </a:ln>
+        </p:spPr>
+        <p:style>
+          <a:lnRef idx="2">
+            <a:schemeClr val="accent1">
+              <a:shade val="50000"/>
+            </a:schemeClr>
+          </a:lnRef>
+          <a:fillRef idx="1">
+            <a:schemeClr val="accent1"/>
+          </a:fillRef>
+          <a:effectRef idx="0">
+            <a:schemeClr val="accent1"/>
+          </a:effectRef>
+          <a:fontRef idx="minor">
+            <a:schemeClr val="lt1"/>
+          </a:fontRef>
+        </p:style>
+        <p:txBody>
+          <a:bodyPr rtlCol="0" anchor="ctr"/>
+          <a:lstStyle/>
+          <a:p>
+            <a:pPr algn="ctr"/>
+            <a:endParaRPr lang="en-US"/>
+          </a:p>
+        </p:txBody>
+      </p:sp>
+      <p:pic>
+        <p:nvPicPr>
+          <p:cNvPr id="6" name="Picture 5">
+            <a:extLst>
+              <a:ext uri="{FF2B5EF4-FFF2-40B4-BE49-F238E27FC236}">
+                <a16:creationId xmlns:a16="http://schemas.microsoft.com/office/drawing/2014/main" id="{38A4E0B2-C99F-4965-AC9B-E021F3FAC04F}"/>
+              </a:ext>
+            </a:extLst>
+          </p:cNvPr>
+          <p:cNvPicPr>
+            <a:picLocks noChangeAspect="1"/>
+          </p:cNvPicPr>
+          <p:nvPr/>
+        </p:nvPicPr>
+        <p:blipFill>
+          <a:blip r:embed="rId7"/>
+          <a:stretch>
+            <a:fillRect/>
+          </a:stretch>
+        </p:blipFill>
+        <p:spPr>
+          <a:xfrm>
+            <a:off x="5334001" y="1621270"/>
+            <a:ext cx="2697685" cy="5074713"/>
+          </a:xfrm>
+          <a:prstGeom prst="rect">
+            <a:avLst/>
+          </a:prstGeom>
+        </p:spPr>
+      </p:pic>
+      <p:sp>
+        <p:nvSpPr>
+          <p:cNvPr id="9" name="Oval 8">
+            <a:extLst>
+              <a:ext uri="{FF2B5EF4-FFF2-40B4-BE49-F238E27FC236}">
+                <a16:creationId xmlns:a16="http://schemas.microsoft.com/office/drawing/2014/main" id="{DA85EFC5-6758-4672-8D66-D8CAD1F9EAEA}"/>
+              </a:ext>
+            </a:extLst>
+          </p:cNvPr>
+          <p:cNvSpPr/>
+          <p:nvPr/>
+        </p:nvSpPr>
+        <p:spPr>
+          <a:xfrm>
+            <a:off x="5562600" y="5933983"/>
+            <a:ext cx="2590800" cy="762000"/>
+          </a:xfrm>
+          <a:prstGeom prst="ellipse">
+            <a:avLst/>
+          </a:prstGeom>
+          <a:noFill/>
+          <a:ln>
+            <a:solidFill>
+              <a:srgbClr val="FF0000"/>
+            </a:solidFill>
+          </a:ln>
+        </p:spPr>
+        <p:style>
+          <a:lnRef idx="2">
+            <a:schemeClr val="accent1">
+              <a:shade val="50000"/>
+            </a:schemeClr>
+          </a:lnRef>
+          <a:fillRef idx="1">
+            <a:schemeClr val="accent1"/>
+          </a:fillRef>
+          <a:effectRef idx="0">
+            <a:schemeClr val="accent1"/>
+          </a:effectRef>
+          <a:fontRef idx="minor">
+            <a:schemeClr val="lt1"/>
+          </a:fontRef>
+        </p:style>
+        <p:txBody>
+          <a:bodyPr rtlCol="0" anchor="ctr"/>
+          <a:lstStyle/>
+          <a:p>
+            <a:pPr algn="ctr"/>
+            <a:endParaRPr lang="en-US"/>
+          </a:p>
+        </p:txBody>
+      </p:sp>
+      <p:sp>
+        <p:nvSpPr>
+          <p:cNvPr id="10" name="TextBox 9">
+            <a:extLst>
+              <a:ext uri="{FF2B5EF4-FFF2-40B4-BE49-F238E27FC236}">
+                <a16:creationId xmlns:a16="http://schemas.microsoft.com/office/drawing/2014/main" id="{1C44E4A5-08FF-4A36-B0A0-30A45F59F7D3}"/>
+              </a:ext>
+            </a:extLst>
+          </p:cNvPr>
+          <p:cNvSpPr txBox="1"/>
+          <p:nvPr/>
+        </p:nvSpPr>
+        <p:spPr>
+          <a:xfrm>
+            <a:off x="5181600" y="960438"/>
+            <a:ext cx="3124200" cy="369332"/>
+          </a:xfrm>
+          <a:prstGeom prst="rect">
+            <a:avLst/>
+          </a:prstGeom>
+          <a:noFill/>
+        </p:spPr>
+        <p:txBody>
+          <a:bodyPr wrap="square" rtlCol="0">
+            <a:spAutoFit/>
+          </a:bodyPr>
+          <a:lstStyle/>
+          <a:p>
+            <a:pPr algn="ctr"/>
+            <a:r>
+              <a:rPr lang="en-US" dirty="0"/>
+              <a:t>Rebound after first 10 weeks</a:t>
+            </a:r>
+          </a:p>
+        </p:txBody>
+      </p:sp>
     </p:spTree>
     <p:extLst>
       <p:ext uri="{BB962C8B-B14F-4D97-AF65-F5344CB8AC3E}">
-        <p14:creationId xmlns:p14="http://schemas.microsoft.com/office/powerpoint/2010/main" val="232114597"/>
+        <p14:creationId xmlns:p14="http://schemas.microsoft.com/office/powerpoint/2010/main" val="2353747996"/>
       </p:ext>
     </p:extLst>
   </p:cSld>
@@ -7810,7 +10560,7 @@
 </p:sld>
 </file>
 
-<file path=ppt/slides/slide15.xml><?xml version="1.0" encoding="utf-8"?>
+<file path=ppt/slides/slide23.xml><?xml version="1.0" encoding="utf-8"?>
 <p:sld xmlns:a="http://schemas.openxmlformats.org/drawingml/2006/main" xmlns:r="http://schemas.openxmlformats.org/officeDocument/2006/relationships" xmlns:p="http://schemas.openxmlformats.org/presentationml/2006/main">
   <p:cSld>
     <p:spTree>
@@ -7847,7 +10597,7 @@
           <a:graphicData uri="http://schemas.openxmlformats.org/presentationml/2006/ole">
             <mc:AlternateContent xmlns:mc="http://schemas.openxmlformats.org/markup-compatibility/2006">
               <mc:Choice xmlns:v="urn:schemas-microsoft-com:vml" Requires="v">
-                <p:oleObj spid="_x0000_s14341" r:id="rId5" imgW="0" imgH="0" progId="TCLayout.ActiveDocument.1">
+                <p:oleObj spid="_x0000_s22539" r:id="rId5" imgW="0" imgH="0" progId="TCLayout.ActiveDocument.1">
                   <p:embed/>
                 </p:oleObj>
               </mc:Choice>
@@ -7919,7 +10669,7 @@
           <p:cNvPr id="8" name="Title 40">
             <a:extLst>
               <a:ext uri="{FF2B5EF4-FFF2-40B4-BE49-F238E27FC236}">
-                <a16:creationId xmlns:a16="http://schemas.microsoft.com/office/drawing/2014/main" xmlns="" id="{6D65D641-D69D-4168-BB7D-AD3F200877E3}"/>
+                <a16:creationId xmlns:a16="http://schemas.microsoft.com/office/drawing/2014/main" id="{6D65D641-D69D-4168-BB7D-AD3F200877E3}"/>
               </a:ext>
             </a:extLst>
           </p:cNvPr>
@@ -7949,17 +10699,17 @@
                   <a:srgbClr val="000066"/>
                 </a:solidFill>
               </a:rPr>
-              <a:t>Workflow</a:t>
-            </a:r>
-          </a:p>
-        </p:txBody>
-      </p:sp>
-      <p:sp>
-        <p:nvSpPr>
-          <p:cNvPr id="3" name="TextBox 2">
+              <a:t>Findings</a:t>
+            </a:r>
+          </a:p>
+        </p:txBody>
+      </p:sp>
+      <p:sp>
+        <p:nvSpPr>
+          <p:cNvPr id="4" name="TextBox 3">
             <a:extLst>
               <a:ext uri="{FF2B5EF4-FFF2-40B4-BE49-F238E27FC236}">
-                <a16:creationId xmlns:a16="http://schemas.microsoft.com/office/drawing/2014/main" xmlns="" id="{0BBCD9D6-8729-415F-B524-1885A8D216AD}"/>
+                <a16:creationId xmlns:a16="http://schemas.microsoft.com/office/drawing/2014/main" id="{59D6BA0D-75DA-411C-AE80-6B1C75B5F712}"/>
               </a:ext>
             </a:extLst>
           </p:cNvPr>
@@ -7968,8 +10718,8 @@
         </p:nvSpPr>
         <p:spPr>
           <a:xfrm>
-            <a:off x="495300" y="960438"/>
-            <a:ext cx="8153400" cy="692497"/>
+            <a:off x="533400" y="960438"/>
+            <a:ext cx="7772400" cy="2585323"/>
           </a:xfrm>
           <a:prstGeom prst="rect">
             <a:avLst/>
@@ -7983,49 +10733,130 @@
           <a:lstStyle/>
           <a:p>
             <a:r>
-              <a:rPr lang="en-US" sz="1600" dirty="0"/>
-              <a:t>Fourth Step</a:t>
-            </a:r>
-          </a:p>
-          <a:p>
-            <a:endParaRPr lang="en-US" sz="700" dirty="0"/>
-          </a:p>
-          <a:p>
-            <a:pPr marL="742950" lvl="1" indent="-285750">
+              <a:rPr lang="en-US" b="1" dirty="0">
+                <a:solidFill>
+                  <a:srgbClr val="000066"/>
+                </a:solidFill>
+              </a:rPr>
+              <a:t>The positive ROI is obviously a good thing, but here is a different way to look at the results that may be comforting for the risk-averse:</a:t>
+            </a:r>
+            <a:endParaRPr lang="en-US" b="1" i="1" dirty="0">
+              <a:solidFill>
+                <a:srgbClr val="000066"/>
+              </a:solidFill>
+            </a:endParaRPr>
+          </a:p>
+          <a:p>
+            <a:endParaRPr lang="en-US" b="1" i="1" dirty="0">
+              <a:solidFill>
+                <a:srgbClr val="000066"/>
+              </a:solidFill>
+            </a:endParaRPr>
+          </a:p>
+          <a:p>
+            <a:pPr marL="285750" indent="-285750">
+              <a:buFont typeface="Arial" charset="0"/>
+              <a:buChar char="•"/>
+            </a:pPr>
+            <a:r>
+              <a:rPr lang="en-US" b="1" i="1" dirty="0">
+                <a:solidFill>
+                  <a:srgbClr val="000066"/>
+                </a:solidFill>
+              </a:rPr>
+              <a:t>A 30% ROI or better is more likely than losing any money whatsoever</a:t>
+            </a:r>
+          </a:p>
+          <a:p>
+            <a:pPr marL="285750" indent="-285750">
+              <a:buFont typeface="Arial" charset="0"/>
+              <a:buChar char="•"/>
+            </a:pPr>
+            <a:r>
+              <a:rPr lang="en-US" b="1" i="1" dirty="0">
+                <a:solidFill>
+                  <a:srgbClr val="000066"/>
+                </a:solidFill>
+              </a:rPr>
+              <a:t>A 40% increase is more likely than a 10% drop</a:t>
+            </a:r>
+          </a:p>
+          <a:p>
+            <a:pPr marL="285750" indent="-285750">
+              <a:buFont typeface="Arial" charset="0"/>
+              <a:buChar char="•"/>
+            </a:pPr>
+            <a:r>
+              <a:rPr lang="en-US" b="1" i="1" dirty="0">
+                <a:solidFill>
+                  <a:srgbClr val="000066"/>
+                </a:solidFill>
+              </a:rPr>
+              <a:t>A 60% ROI is more likely than a 25% decline</a:t>
+            </a:r>
+          </a:p>
+          <a:p>
+            <a:pPr marL="285750" indent="-285750">
+              <a:buFont typeface="Arial" charset="0"/>
+              <a:buChar char="•"/>
+            </a:pPr>
+            <a:r>
+              <a:rPr lang="en-US" b="1" i="1" dirty="0">
+                <a:solidFill>
+                  <a:srgbClr val="000066"/>
+                </a:solidFill>
+              </a:rPr>
+              <a:t>A 140% return more likely than a 50% drop in value</a:t>
+            </a:r>
+          </a:p>
+          <a:p>
+            <a:pPr marL="285750" indent="-285750">
+              <a:buFontTx/>
+              <a:buChar char="-"/>
+            </a:pPr>
+            <a:endParaRPr lang="en-US" b="1" i="1" dirty="0">
+              <a:solidFill>
+                <a:srgbClr val="000066"/>
+              </a:solidFill>
+            </a:endParaRPr>
+          </a:p>
+          <a:p>
+            <a:pPr marL="285750" indent="-285750">
               <a:buFont typeface="Arial" panose="020B0604020202020204" pitchFamily="34" charset="0"/>
               <a:buChar char="•"/>
             </a:pPr>
-            <a:r>
-              <a:rPr lang="en-US" sz="1600" dirty="0"/>
-              <a:t>Find the low point after the drop and when it took place</a:t>
-            </a:r>
+            <a:endParaRPr lang="en-US" b="1" i="1" dirty="0">
+              <a:solidFill>
+                <a:srgbClr val="000066"/>
+              </a:solidFill>
+            </a:endParaRPr>
           </a:p>
         </p:txBody>
       </p:sp>
       <p:pic>
         <p:nvPicPr>
-          <p:cNvPr id="2" name="Picture 1">
-            <a:extLst>
-              <a:ext uri="{FF2B5EF4-FFF2-40B4-BE49-F238E27FC236}">
-                <a16:creationId xmlns:a16="http://schemas.microsoft.com/office/drawing/2014/main" xmlns="" id="{9BEDBBD5-CD56-47A4-A64A-82670CE6E43B}"/>
-              </a:ext>
-            </a:extLst>
-          </p:cNvPr>
+          <p:cNvPr id="3" name="Picture 2"/>
           <p:cNvPicPr>
             <a:picLocks noChangeAspect="1"/>
           </p:cNvPicPr>
           <p:nvPr/>
         </p:nvPicPr>
         <p:blipFill>
-          <a:blip r:embed="rId6"/>
+          <a:blip r:embed="rId6">
+            <a:extLst>
+              <a:ext uri="{28A0092B-C50C-407E-A947-70E740481C1C}">
+                <a14:useLocalDpi xmlns:a14="http://schemas.microsoft.com/office/drawing/2010/main" val="0"/>
+              </a:ext>
+            </a:extLst>
+          </a:blip>
           <a:stretch>
             <a:fillRect/>
           </a:stretch>
         </p:blipFill>
         <p:spPr>
           <a:xfrm>
-            <a:off x="495300" y="1729878"/>
-            <a:ext cx="8153400" cy="4975721"/>
+            <a:off x="1860550" y="3104474"/>
+            <a:ext cx="5118100" cy="3721100"/>
           </a:xfrm>
           <a:prstGeom prst="rect">
             <a:avLst/>
@@ -8035,7 +10866,7 @@
     </p:spTree>
     <p:extLst>
       <p:ext uri="{BB962C8B-B14F-4D97-AF65-F5344CB8AC3E}">
-        <p14:creationId xmlns:p14="http://schemas.microsoft.com/office/powerpoint/2010/main" val="4292732839"/>
+        <p14:creationId xmlns:p14="http://schemas.microsoft.com/office/powerpoint/2010/main" val="3075463552"/>
       </p:ext>
     </p:extLst>
   </p:cSld>
@@ -8045,7 +10876,7 @@
 </p:sld>
 </file>
 
-<file path=ppt/slides/slide16.xml><?xml version="1.0" encoding="utf-8"?>
+<file path=ppt/slides/slide24.xml><?xml version="1.0" encoding="utf-8"?>
 <p:sld xmlns:a="http://schemas.openxmlformats.org/drawingml/2006/main" xmlns:r="http://schemas.openxmlformats.org/officeDocument/2006/relationships" xmlns:p="http://schemas.openxmlformats.org/presentationml/2006/main">
   <p:cSld>
     <p:spTree>
@@ -8082,7 +10913,7 @@
           <a:graphicData uri="http://schemas.openxmlformats.org/presentationml/2006/ole">
             <mc:AlternateContent xmlns:mc="http://schemas.openxmlformats.org/markup-compatibility/2006">
               <mc:Choice xmlns:v="urn:schemas-microsoft-com:vml" Requires="v">
-                <p:oleObj spid="_x0000_s15365" r:id="rId5" imgW="0" imgH="0" progId="TCLayout.ActiveDocument.1">
+                <p:oleObj spid="_x0000_s23565" r:id="rId5" imgW="0" imgH="0" progId="TCLayout.ActiveDocument.1">
                   <p:embed/>
                 </p:oleObj>
               </mc:Choice>
@@ -8154,7 +10985,7 @@
           <p:cNvPr id="8" name="Title 40">
             <a:extLst>
               <a:ext uri="{FF2B5EF4-FFF2-40B4-BE49-F238E27FC236}">
-                <a16:creationId xmlns:a16="http://schemas.microsoft.com/office/drawing/2014/main" xmlns="" id="{6D65D641-D69D-4168-BB7D-AD3F200877E3}"/>
+                <a16:creationId xmlns:a16="http://schemas.microsoft.com/office/drawing/2014/main" id="{6D65D641-D69D-4168-BB7D-AD3F200877E3}"/>
               </a:ext>
             </a:extLst>
           </p:cNvPr>
@@ -8184,17 +11015,17 @@
                   <a:srgbClr val="000066"/>
                 </a:solidFill>
               </a:rPr>
-              <a:t>Workflow</a:t>
-            </a:r>
-          </a:p>
-        </p:txBody>
-      </p:sp>
-      <p:sp>
-        <p:nvSpPr>
-          <p:cNvPr id="3" name="TextBox 2">
+              <a:t>Findings</a:t>
+            </a:r>
+          </a:p>
+        </p:txBody>
+      </p:sp>
+      <p:sp>
+        <p:nvSpPr>
+          <p:cNvPr id="4" name="TextBox 3">
             <a:extLst>
               <a:ext uri="{FF2B5EF4-FFF2-40B4-BE49-F238E27FC236}">
-                <a16:creationId xmlns:a16="http://schemas.microsoft.com/office/drawing/2014/main" xmlns="" id="{0BBCD9D6-8729-415F-B524-1885A8D216AD}"/>
+                <a16:creationId xmlns:a16="http://schemas.microsoft.com/office/drawing/2014/main" id="{59D6BA0D-75DA-411C-AE80-6B1C75B5F712}"/>
               </a:ext>
             </a:extLst>
           </p:cNvPr>
@@ -8203,8 +11034,8 @@
         </p:nvSpPr>
         <p:spPr>
           <a:xfrm>
-            <a:off x="495300" y="960438"/>
-            <a:ext cx="8153400" cy="1046440"/>
+            <a:off x="533400" y="1143923"/>
+            <a:ext cx="7772400" cy="4247317"/>
           </a:xfrm>
           <a:prstGeom prst="rect">
             <a:avLst/>
@@ -8218,2520 +11049,13 @@
           <a:lstStyle/>
           <a:p>
             <a:r>
-              <a:rPr lang="en-US" dirty="0"/>
-              <a:t>Fifth Step</a:t>
-            </a:r>
-          </a:p>
-          <a:p>
-            <a:endParaRPr lang="en-US" sz="800" dirty="0"/>
-          </a:p>
-          <a:p>
-            <a:pPr marL="742950" lvl="1" indent="-285750">
-              <a:buFont typeface="Arial" panose="020B0604020202020204" pitchFamily="34" charset="0"/>
-              <a:buChar char="•"/>
-            </a:pPr>
-            <a:r>
-              <a:rPr lang="en-US" dirty="0"/>
-              <a:t>Find out what happens after the low is hit</a:t>
-            </a:r>
-          </a:p>
-          <a:p>
-            <a:pPr marL="1200150" lvl="2" indent="-285750">
-              <a:buFont typeface="Arial" panose="020B0604020202020204" pitchFamily="34" charset="0"/>
-              <a:buChar char="•"/>
-            </a:pPr>
-            <a:r>
-              <a:rPr lang="en-US" dirty="0"/>
-              <a:t>Record next 26 weeks of data</a:t>
-            </a:r>
-          </a:p>
-        </p:txBody>
-      </p:sp>
-      <p:pic>
-        <p:nvPicPr>
-          <p:cNvPr id="2" name="Picture 1">
-            <a:extLst>
-              <a:ext uri="{FF2B5EF4-FFF2-40B4-BE49-F238E27FC236}">
-                <a16:creationId xmlns:a16="http://schemas.microsoft.com/office/drawing/2014/main" xmlns="" id="{833A50E2-178D-4567-869C-312E4F748BD1}"/>
-              </a:ext>
-            </a:extLst>
-          </p:cNvPr>
-          <p:cNvPicPr>
-            <a:picLocks noChangeAspect="1"/>
-          </p:cNvPicPr>
-          <p:nvPr/>
-        </p:nvPicPr>
-        <p:blipFill>
-          <a:blip r:embed="rId6"/>
-          <a:stretch>
-            <a:fillRect/>
-          </a:stretch>
-        </p:blipFill>
-        <p:spPr>
-          <a:xfrm>
-            <a:off x="1790700" y="2133600"/>
-            <a:ext cx="5334000" cy="4286250"/>
-          </a:xfrm>
-          <a:prstGeom prst="rect">
-            <a:avLst/>
-          </a:prstGeom>
-        </p:spPr>
-      </p:pic>
-    </p:spTree>
-    <p:extLst>
-      <p:ext uri="{BB962C8B-B14F-4D97-AF65-F5344CB8AC3E}">
-        <p14:creationId xmlns:p14="http://schemas.microsoft.com/office/powerpoint/2010/main" val="3073662077"/>
-      </p:ext>
-    </p:extLst>
-  </p:cSld>
-  <p:clrMapOvr>
-    <a:masterClrMapping/>
-  </p:clrMapOvr>
-</p:sld>
-</file>
-
-<file path=ppt/slides/slide17.xml><?xml version="1.0" encoding="utf-8"?>
-<p:sld xmlns:a="http://schemas.openxmlformats.org/drawingml/2006/main" xmlns:r="http://schemas.openxmlformats.org/officeDocument/2006/relationships" xmlns:p="http://schemas.openxmlformats.org/presentationml/2006/main">
-  <p:cSld>
-    <p:spTree>
-      <p:nvGrpSpPr>
-        <p:cNvPr id="1" name=""/>
-        <p:cNvGrpSpPr/>
-        <p:nvPr/>
-      </p:nvGrpSpPr>
-      <p:grpSpPr>
-        <a:xfrm>
-          <a:off x="0" y="0"/>
-          <a:ext cx="0" cy="0"/>
-          <a:chOff x="0" y="0"/>
-          <a:chExt cx="0" cy="0"/>
-        </a:xfrm>
-      </p:grpSpPr>
-      <p:graphicFrame>
-        <p:nvGraphicFramePr>
-          <p:cNvPr id="235522" name="Rectangle 2" hidden="1"/>
-          <p:cNvGraphicFramePr>
-            <a:graphicFrameLocks/>
-          </p:cNvGraphicFramePr>
-          <p:nvPr>
-            <p:custDataLst>
-              <p:tags r:id="rId2"/>
-            </p:custDataLst>
-          </p:nvPr>
-        </p:nvGraphicFramePr>
-        <p:xfrm>
-          <a:off x="0" y="-305118"/>
-          <a:ext cx="158519" cy="158518"/>
-        </p:xfrm>
-        <a:graphic>
-          <a:graphicData uri="http://schemas.openxmlformats.org/presentationml/2006/ole">
-            <mc:AlternateContent xmlns:mc="http://schemas.openxmlformats.org/markup-compatibility/2006">
-              <mc:Choice xmlns:v="urn:schemas-microsoft-com:vml" Requires="v">
-                <p:oleObj spid="_x0000_s16389" r:id="rId5" imgW="0" imgH="0" progId="TCLayout.ActiveDocument.1">
-                  <p:embed/>
-                </p:oleObj>
-              </mc:Choice>
-              <mc:Fallback>
-                <p:oleObj r:id="rId5" imgW="0" imgH="0" progId="TCLayout.ActiveDocument.1">
-                  <p:embed/>
-                  <p:pic>
-                    <p:nvPicPr>
-                      <p:cNvPr id="235522" name="Rectangle 2" hidden="1"/>
-                      <p:cNvPicPr preferRelativeResize="0">
-                        <a:picLocks noChangeArrowheads="1"/>
-                      </p:cNvPicPr>
-                      <p:nvPr/>
-                    </p:nvPicPr>
-                    <p:blipFill>
-                      <a:blip>
-                        <a:extLst>
-                          <a:ext uri="{28A0092B-C50C-407E-A947-70E740481C1C}">
-                            <a14:useLocalDpi xmlns:a14="http://schemas.microsoft.com/office/drawing/2010/main" val="0"/>
-                          </a:ext>
-                        </a:extLst>
-                      </a:blip>
-                      <a:srcRect/>
-                      <a:stretch>
-                        <a:fillRect/>
-                      </a:stretch>
-                    </p:blipFill>
-                    <p:spPr bwMode="auto">
-                      <a:xfrm>
-                        <a:off x="0" y="-305118"/>
-                        <a:ext cx="158519" cy="158518"/>
-                      </a:xfrm>
-                      <a:prstGeom prst="rect">
-                        <a:avLst/>
-                      </a:prstGeom>
-                      <a:noFill/>
-                      <a:ln>
-                        <a:noFill/>
-                      </a:ln>
-                      <a:extLst>
-                        <a:ext uri="{909E8E84-426E-40DD-AFC4-6F175D3DCCD1}">
-                          <a14:hiddenFill xmlns:a14="http://schemas.microsoft.com/office/drawing/2010/main">
-                            <a:solidFill>
-                              <a:srgbClr val="FFFFFF"/>
-                            </a:solidFill>
-                          </a14:hiddenFill>
-                        </a:ext>
-                        <a:ext uri="{91240B29-F687-4F45-9708-019B960494DF}">
-                          <a14:hiddenLine xmlns:a14="http://schemas.microsoft.com/office/drawing/2010/main" w="9525">
-                            <a:solidFill>
-                              <a:srgbClr val="000000"/>
-                            </a:solidFill>
-                            <a:miter lim="800000"/>
-                            <a:headEnd/>
-                            <a:tailEnd/>
-                          </a14:hiddenLine>
-                        </a:ext>
-                      </a:extLst>
-                    </p:spPr>
-                  </p:pic>
-                </p:oleObj>
-              </mc:Fallback>
-            </mc:AlternateContent>
-          </a:graphicData>
-        </a:graphic>
-      </p:graphicFrame>
-      <p:sp>
-        <p:nvSpPr>
-          <p:cNvPr id="8" name="Title 40">
-            <a:extLst>
-              <a:ext uri="{FF2B5EF4-FFF2-40B4-BE49-F238E27FC236}">
-                <a16:creationId xmlns:a16="http://schemas.microsoft.com/office/drawing/2014/main" xmlns="" id="{6D65D641-D69D-4168-BB7D-AD3F200877E3}"/>
-              </a:ext>
-            </a:extLst>
-          </p:cNvPr>
-          <p:cNvSpPr>
-            <a:spLocks noGrp="1"/>
-          </p:cNvSpPr>
-          <p:nvPr>
-            <p:ph type="title"/>
-          </p:nvPr>
-        </p:nvSpPr>
-        <p:spPr>
-          <a:xfrm>
-            <a:off x="381000" y="152400"/>
-            <a:ext cx="8153400" cy="808038"/>
-          </a:xfrm>
-        </p:spPr>
-        <p:txBody>
-          <a:bodyPr>
-            <a:normAutofit/>
-          </a:bodyPr>
-          <a:lstStyle/>
-          <a:p>
-            <a:pPr algn="l"/>
-            <a:r>
-              <a:rPr lang="en-US" sz="2400" b="1" dirty="0">
+              <a:rPr lang="en-US" b="1" dirty="0">
                 <a:solidFill>
                   <a:srgbClr val="000066"/>
                 </a:solidFill>
               </a:rPr>
-              <a:t>Workflow</a:t>
-            </a:r>
-          </a:p>
-        </p:txBody>
-      </p:sp>
-      <p:sp>
-        <p:nvSpPr>
-          <p:cNvPr id="3" name="TextBox 2">
-            <a:extLst>
-              <a:ext uri="{FF2B5EF4-FFF2-40B4-BE49-F238E27FC236}">
-                <a16:creationId xmlns:a16="http://schemas.microsoft.com/office/drawing/2014/main" xmlns="" id="{0BBCD9D6-8729-415F-B524-1885A8D216AD}"/>
-              </a:ext>
-            </a:extLst>
-          </p:cNvPr>
-          <p:cNvSpPr txBox="1"/>
-          <p:nvPr/>
-        </p:nvSpPr>
-        <p:spPr>
-          <a:xfrm>
-            <a:off x="495300" y="960438"/>
-            <a:ext cx="8153400" cy="1323439"/>
-          </a:xfrm>
-          <a:prstGeom prst="rect">
-            <a:avLst/>
-          </a:prstGeom>
-          <a:noFill/>
-        </p:spPr>
-        <p:txBody>
-          <a:bodyPr wrap="square" rtlCol="0">
-            <a:spAutoFit/>
-          </a:bodyPr>
-          <a:lstStyle/>
-          <a:p>
-            <a:r>
-              <a:rPr lang="en-US" dirty="0"/>
-              <a:t>Sixth Step</a:t>
-            </a:r>
-          </a:p>
-          <a:p>
-            <a:endParaRPr lang="en-US" sz="800" dirty="0"/>
-          </a:p>
-          <a:p>
-            <a:pPr marL="742950" lvl="1" indent="-285750">
-              <a:buFont typeface="Arial" panose="020B0604020202020204" pitchFamily="34" charset="0"/>
-              <a:buChar char="•"/>
-            </a:pPr>
-            <a:r>
-              <a:rPr lang="en-US" dirty="0"/>
-              <a:t>Find out when we hit the rebound</a:t>
-            </a:r>
-          </a:p>
-          <a:p>
-            <a:pPr marL="1200150" lvl="2" indent="-285750">
-              <a:buFont typeface="Arial" panose="020B0604020202020204" pitchFamily="34" charset="0"/>
-              <a:buChar char="•"/>
-            </a:pPr>
-            <a:r>
-              <a:rPr lang="en-US" dirty="0"/>
-              <a:t>Rebound point is a 15% increase to the low price</a:t>
-            </a:r>
-          </a:p>
-          <a:p>
-            <a:pPr marL="1200150" lvl="2" indent="-285750">
-              <a:buFont typeface="Arial" panose="020B0604020202020204" pitchFamily="34" charset="0"/>
-              <a:buChar char="•"/>
-            </a:pPr>
-            <a:endParaRPr lang="en-US" dirty="0"/>
-          </a:p>
-        </p:txBody>
-      </p:sp>
-      <p:pic>
-        <p:nvPicPr>
-          <p:cNvPr id="2" name="Picture 1">
-            <a:extLst>
-              <a:ext uri="{FF2B5EF4-FFF2-40B4-BE49-F238E27FC236}">
-                <a16:creationId xmlns:a16="http://schemas.microsoft.com/office/drawing/2014/main" xmlns="" id="{833A50E2-178D-4567-869C-312E4F748BD1}"/>
-              </a:ext>
-            </a:extLst>
-          </p:cNvPr>
-          <p:cNvPicPr>
-            <a:picLocks noChangeAspect="1"/>
-          </p:cNvPicPr>
-          <p:nvPr/>
-        </p:nvPicPr>
-        <p:blipFill>
-          <a:blip r:embed="rId6"/>
-          <a:stretch>
-            <a:fillRect/>
-          </a:stretch>
-        </p:blipFill>
-        <p:spPr>
-          <a:xfrm>
-            <a:off x="1790700" y="2419350"/>
-            <a:ext cx="5334000" cy="4286250"/>
-          </a:xfrm>
-          <a:prstGeom prst="rect">
-            <a:avLst/>
-          </a:prstGeom>
-        </p:spPr>
-      </p:pic>
-      <p:sp>
-        <p:nvSpPr>
-          <p:cNvPr id="4" name="Oval 3">
-            <a:extLst>
-              <a:ext uri="{FF2B5EF4-FFF2-40B4-BE49-F238E27FC236}">
-                <a16:creationId xmlns:a16="http://schemas.microsoft.com/office/drawing/2014/main" xmlns="" id="{7223C791-FAB9-40DE-960C-238B4FF11214}"/>
-              </a:ext>
-            </a:extLst>
-          </p:cNvPr>
-          <p:cNvSpPr/>
-          <p:nvPr/>
-        </p:nvSpPr>
-        <p:spPr>
-          <a:xfrm>
-            <a:off x="2019300" y="3733799"/>
-            <a:ext cx="3543300" cy="270029"/>
-          </a:xfrm>
-          <a:prstGeom prst="ellipse">
-            <a:avLst/>
-          </a:prstGeom>
-          <a:noFill/>
-          <a:ln>
-            <a:solidFill>
-              <a:srgbClr val="FF0000"/>
-            </a:solidFill>
-          </a:ln>
-        </p:spPr>
-        <p:style>
-          <a:lnRef idx="2">
-            <a:schemeClr val="accent1">
-              <a:shade val="50000"/>
-            </a:schemeClr>
-          </a:lnRef>
-          <a:fillRef idx="1">
-            <a:schemeClr val="accent1"/>
-          </a:fillRef>
-          <a:effectRef idx="0">
-            <a:schemeClr val="accent1"/>
-          </a:effectRef>
-          <a:fontRef idx="minor">
-            <a:schemeClr val="lt1"/>
-          </a:fontRef>
-        </p:style>
-        <p:txBody>
-          <a:bodyPr rtlCol="0" anchor="ctr"/>
-          <a:lstStyle/>
-          <a:p>
-            <a:pPr algn="ctr"/>
-            <a:endParaRPr lang="en-US"/>
-          </a:p>
-        </p:txBody>
-      </p:sp>
-    </p:spTree>
-    <p:extLst>
-      <p:ext uri="{BB962C8B-B14F-4D97-AF65-F5344CB8AC3E}">
-        <p14:creationId xmlns:p14="http://schemas.microsoft.com/office/powerpoint/2010/main" val="285585847"/>
-      </p:ext>
-    </p:extLst>
-  </p:cSld>
-  <p:clrMapOvr>
-    <a:masterClrMapping/>
-  </p:clrMapOvr>
-</p:sld>
-</file>
-
-<file path=ppt/slides/slide18.xml><?xml version="1.0" encoding="utf-8"?>
-<p:sld xmlns:a="http://schemas.openxmlformats.org/drawingml/2006/main" xmlns:r="http://schemas.openxmlformats.org/officeDocument/2006/relationships" xmlns:p="http://schemas.openxmlformats.org/presentationml/2006/main">
-  <p:cSld>
-    <p:spTree>
-      <p:nvGrpSpPr>
-        <p:cNvPr id="1" name=""/>
-        <p:cNvGrpSpPr/>
-        <p:nvPr/>
-      </p:nvGrpSpPr>
-      <p:grpSpPr>
-        <a:xfrm>
-          <a:off x="0" y="0"/>
-          <a:ext cx="0" cy="0"/>
-          <a:chOff x="0" y="0"/>
-          <a:chExt cx="0" cy="0"/>
-        </a:xfrm>
-      </p:grpSpPr>
-      <p:graphicFrame>
-        <p:nvGraphicFramePr>
-          <p:cNvPr id="235522" name="Rectangle 2" hidden="1"/>
-          <p:cNvGraphicFramePr>
-            <a:graphicFrameLocks/>
-          </p:cNvGraphicFramePr>
-          <p:nvPr>
-            <p:custDataLst>
-              <p:tags r:id="rId2"/>
-            </p:custDataLst>
-          </p:nvPr>
-        </p:nvGraphicFramePr>
-        <p:xfrm>
-          <a:off x="0" y="-305118"/>
-          <a:ext cx="158519" cy="158518"/>
-        </p:xfrm>
-        <a:graphic>
-          <a:graphicData uri="http://schemas.openxmlformats.org/presentationml/2006/ole">
-            <mc:AlternateContent xmlns:mc="http://schemas.openxmlformats.org/markup-compatibility/2006">
-              <mc:Choice xmlns:v="urn:schemas-microsoft-com:vml" Requires="v">
-                <p:oleObj spid="_x0000_s17413" r:id="rId5" imgW="0" imgH="0" progId="TCLayout.ActiveDocument.1">
-                  <p:embed/>
-                </p:oleObj>
-              </mc:Choice>
-              <mc:Fallback>
-                <p:oleObj r:id="rId5" imgW="0" imgH="0" progId="TCLayout.ActiveDocument.1">
-                  <p:embed/>
-                  <p:pic>
-                    <p:nvPicPr>
-                      <p:cNvPr id="235522" name="Rectangle 2" hidden="1"/>
-                      <p:cNvPicPr preferRelativeResize="0">
-                        <a:picLocks noChangeArrowheads="1"/>
-                      </p:cNvPicPr>
-                      <p:nvPr/>
-                    </p:nvPicPr>
-                    <p:blipFill>
-                      <a:blip>
-                        <a:extLst>
-                          <a:ext uri="{28A0092B-C50C-407E-A947-70E740481C1C}">
-                            <a14:useLocalDpi xmlns:a14="http://schemas.microsoft.com/office/drawing/2010/main" val="0"/>
-                          </a:ext>
-                        </a:extLst>
-                      </a:blip>
-                      <a:srcRect/>
-                      <a:stretch>
-                        <a:fillRect/>
-                      </a:stretch>
-                    </p:blipFill>
-                    <p:spPr bwMode="auto">
-                      <a:xfrm>
-                        <a:off x="0" y="-305118"/>
-                        <a:ext cx="158519" cy="158518"/>
-                      </a:xfrm>
-                      <a:prstGeom prst="rect">
-                        <a:avLst/>
-                      </a:prstGeom>
-                      <a:noFill/>
-                      <a:ln>
-                        <a:noFill/>
-                      </a:ln>
-                      <a:extLst>
-                        <a:ext uri="{909E8E84-426E-40DD-AFC4-6F175D3DCCD1}">
-                          <a14:hiddenFill xmlns:a14="http://schemas.microsoft.com/office/drawing/2010/main">
-                            <a:solidFill>
-                              <a:srgbClr val="FFFFFF"/>
-                            </a:solidFill>
-                          </a14:hiddenFill>
-                        </a:ext>
-                        <a:ext uri="{91240B29-F687-4F45-9708-019B960494DF}">
-                          <a14:hiddenLine xmlns:a14="http://schemas.microsoft.com/office/drawing/2010/main" w="9525">
-                            <a:solidFill>
-                              <a:srgbClr val="000000"/>
-                            </a:solidFill>
-                            <a:miter lim="800000"/>
-                            <a:headEnd/>
-                            <a:tailEnd/>
-                          </a14:hiddenLine>
-                        </a:ext>
-                      </a:extLst>
-                    </p:spPr>
-                  </p:pic>
-                </p:oleObj>
-              </mc:Fallback>
-            </mc:AlternateContent>
-          </a:graphicData>
-        </a:graphic>
-      </p:graphicFrame>
-      <p:sp>
-        <p:nvSpPr>
-          <p:cNvPr id="8" name="Title 40">
-            <a:extLst>
-              <a:ext uri="{FF2B5EF4-FFF2-40B4-BE49-F238E27FC236}">
-                <a16:creationId xmlns:a16="http://schemas.microsoft.com/office/drawing/2014/main" xmlns="" id="{6D65D641-D69D-4168-BB7D-AD3F200877E3}"/>
-              </a:ext>
-            </a:extLst>
-          </p:cNvPr>
-          <p:cNvSpPr>
-            <a:spLocks noGrp="1"/>
-          </p:cNvSpPr>
-          <p:nvPr>
-            <p:ph type="title"/>
-          </p:nvPr>
-        </p:nvSpPr>
-        <p:spPr>
-          <a:xfrm>
-            <a:off x="381000" y="152400"/>
-            <a:ext cx="8153400" cy="808038"/>
-          </a:xfrm>
-        </p:spPr>
-        <p:txBody>
-          <a:bodyPr>
-            <a:normAutofit/>
-          </a:bodyPr>
-          <a:lstStyle/>
-          <a:p>
-            <a:pPr algn="l"/>
-            <a:r>
-              <a:rPr lang="en-US" sz="2400" b="1" dirty="0">
-                <a:solidFill>
-                  <a:srgbClr val="000066"/>
-                </a:solidFill>
-              </a:rPr>
-              <a:t>Workflow</a:t>
-            </a:r>
-          </a:p>
-        </p:txBody>
-      </p:sp>
-      <p:sp>
-        <p:nvSpPr>
-          <p:cNvPr id="3" name="TextBox 2">
-            <a:extLst>
-              <a:ext uri="{FF2B5EF4-FFF2-40B4-BE49-F238E27FC236}">
-                <a16:creationId xmlns:a16="http://schemas.microsoft.com/office/drawing/2014/main" xmlns="" id="{0BBCD9D6-8729-415F-B524-1885A8D216AD}"/>
-              </a:ext>
-            </a:extLst>
-          </p:cNvPr>
-          <p:cNvSpPr txBox="1"/>
-          <p:nvPr/>
-        </p:nvSpPr>
-        <p:spPr>
-          <a:xfrm>
-            <a:off x="495300" y="960438"/>
-            <a:ext cx="8153400" cy="1323439"/>
-          </a:xfrm>
-          <a:prstGeom prst="rect">
-            <a:avLst/>
-          </a:prstGeom>
-          <a:noFill/>
-        </p:spPr>
-        <p:txBody>
-          <a:bodyPr wrap="square" rtlCol="0">
-            <a:spAutoFit/>
-          </a:bodyPr>
-          <a:lstStyle/>
-          <a:p>
-            <a:r>
-              <a:rPr lang="en-US" dirty="0"/>
-              <a:t>Seventh Step</a:t>
-            </a:r>
-          </a:p>
-          <a:p>
-            <a:endParaRPr lang="en-US" sz="800" dirty="0"/>
-          </a:p>
-          <a:p>
-            <a:pPr marL="742950" lvl="1" indent="-285750">
-              <a:buFont typeface="Arial" panose="020B0604020202020204" pitchFamily="34" charset="0"/>
-              <a:buChar char="•"/>
-            </a:pPr>
-            <a:r>
-              <a:rPr lang="en-US" dirty="0"/>
-              <a:t>What happens next?</a:t>
-            </a:r>
-          </a:p>
-          <a:p>
-            <a:pPr marL="1200150" lvl="2" indent="-285750">
-              <a:buFont typeface="Arial" panose="020B0604020202020204" pitchFamily="34" charset="0"/>
-              <a:buChar char="•"/>
-            </a:pPr>
-            <a:r>
-              <a:rPr lang="en-US" dirty="0"/>
-              <a:t>Record the next 26 weeks of data</a:t>
-            </a:r>
-          </a:p>
-          <a:p>
-            <a:pPr marL="1200150" lvl="2" indent="-285750">
-              <a:buFont typeface="Arial" panose="020B0604020202020204" pitchFamily="34" charset="0"/>
-              <a:buChar char="•"/>
-            </a:pPr>
-            <a:endParaRPr lang="en-US" dirty="0"/>
-          </a:p>
-        </p:txBody>
-      </p:sp>
-      <p:pic>
-        <p:nvPicPr>
-          <p:cNvPr id="5" name="Picture 4">
-            <a:extLst>
-              <a:ext uri="{FF2B5EF4-FFF2-40B4-BE49-F238E27FC236}">
-                <a16:creationId xmlns:a16="http://schemas.microsoft.com/office/drawing/2014/main" xmlns="" id="{F99B3DC4-E98C-41C8-ABB1-D05095A80214}"/>
-              </a:ext>
-            </a:extLst>
-          </p:cNvPr>
-          <p:cNvPicPr>
-            <a:picLocks noChangeAspect="1"/>
-          </p:cNvPicPr>
-          <p:nvPr/>
-        </p:nvPicPr>
-        <p:blipFill>
-          <a:blip r:embed="rId6"/>
-          <a:stretch>
-            <a:fillRect/>
-          </a:stretch>
-        </p:blipFill>
-        <p:spPr>
-          <a:xfrm>
-            <a:off x="1104900" y="2269821"/>
-            <a:ext cx="6934200" cy="3952875"/>
-          </a:xfrm>
-          <a:prstGeom prst="rect">
-            <a:avLst/>
-          </a:prstGeom>
-        </p:spPr>
-      </p:pic>
-    </p:spTree>
-    <p:extLst>
-      <p:ext uri="{BB962C8B-B14F-4D97-AF65-F5344CB8AC3E}">
-        <p14:creationId xmlns:p14="http://schemas.microsoft.com/office/powerpoint/2010/main" val="2888471282"/>
-      </p:ext>
-    </p:extLst>
-  </p:cSld>
-  <p:clrMapOvr>
-    <a:masterClrMapping/>
-  </p:clrMapOvr>
-</p:sld>
-</file>
-
-<file path=ppt/slides/slide19.xml><?xml version="1.0" encoding="utf-8"?>
-<p:sld xmlns:a="http://schemas.openxmlformats.org/drawingml/2006/main" xmlns:r="http://schemas.openxmlformats.org/officeDocument/2006/relationships" xmlns:p="http://schemas.openxmlformats.org/presentationml/2006/main">
-  <p:cSld>
-    <p:spTree>
-      <p:nvGrpSpPr>
-        <p:cNvPr id="1" name=""/>
-        <p:cNvGrpSpPr/>
-        <p:nvPr/>
-      </p:nvGrpSpPr>
-      <p:grpSpPr>
-        <a:xfrm>
-          <a:off x="0" y="0"/>
-          <a:ext cx="0" cy="0"/>
-          <a:chOff x="0" y="0"/>
-          <a:chExt cx="0" cy="0"/>
-        </a:xfrm>
-      </p:grpSpPr>
-      <p:graphicFrame>
-        <p:nvGraphicFramePr>
-          <p:cNvPr id="235522" name="Rectangle 2" hidden="1"/>
-          <p:cNvGraphicFramePr>
-            <a:graphicFrameLocks/>
-          </p:cNvGraphicFramePr>
-          <p:nvPr>
-            <p:custDataLst>
-              <p:tags r:id="rId2"/>
-            </p:custDataLst>
-          </p:nvPr>
-        </p:nvGraphicFramePr>
-        <p:xfrm>
-          <a:off x="0" y="-305118"/>
-          <a:ext cx="158519" cy="158518"/>
-        </p:xfrm>
-        <a:graphic>
-          <a:graphicData uri="http://schemas.openxmlformats.org/presentationml/2006/ole">
-            <mc:AlternateContent xmlns:mc="http://schemas.openxmlformats.org/markup-compatibility/2006">
-              <mc:Choice xmlns:v="urn:schemas-microsoft-com:vml" Requires="v">
-                <p:oleObj spid="_x0000_s18437" r:id="rId5" imgW="0" imgH="0" progId="TCLayout.ActiveDocument.1">
-                  <p:embed/>
-                </p:oleObj>
-              </mc:Choice>
-              <mc:Fallback>
-                <p:oleObj r:id="rId5" imgW="0" imgH="0" progId="TCLayout.ActiveDocument.1">
-                  <p:embed/>
-                  <p:pic>
-                    <p:nvPicPr>
-                      <p:cNvPr id="235522" name="Rectangle 2" hidden="1"/>
-                      <p:cNvPicPr preferRelativeResize="0">
-                        <a:picLocks noChangeArrowheads="1"/>
-                      </p:cNvPicPr>
-                      <p:nvPr/>
-                    </p:nvPicPr>
-                    <p:blipFill>
-                      <a:blip>
-                        <a:extLst>
-                          <a:ext uri="{28A0092B-C50C-407E-A947-70E740481C1C}">
-                            <a14:useLocalDpi xmlns:a14="http://schemas.microsoft.com/office/drawing/2010/main" val="0"/>
-                          </a:ext>
-                        </a:extLst>
-                      </a:blip>
-                      <a:srcRect/>
-                      <a:stretch>
-                        <a:fillRect/>
-                      </a:stretch>
-                    </p:blipFill>
-                    <p:spPr bwMode="auto">
-                      <a:xfrm>
-                        <a:off x="0" y="-305118"/>
-                        <a:ext cx="158519" cy="158518"/>
-                      </a:xfrm>
-                      <a:prstGeom prst="rect">
-                        <a:avLst/>
-                      </a:prstGeom>
-                      <a:noFill/>
-                      <a:ln>
-                        <a:noFill/>
-                      </a:ln>
-                      <a:extLst>
-                        <a:ext uri="{909E8E84-426E-40DD-AFC4-6F175D3DCCD1}">
-                          <a14:hiddenFill xmlns:a14="http://schemas.microsoft.com/office/drawing/2010/main">
-                            <a:solidFill>
-                              <a:srgbClr val="FFFFFF"/>
-                            </a:solidFill>
-                          </a14:hiddenFill>
-                        </a:ext>
-                        <a:ext uri="{91240B29-F687-4F45-9708-019B960494DF}">
-                          <a14:hiddenLine xmlns:a14="http://schemas.microsoft.com/office/drawing/2010/main" w="9525">
-                            <a:solidFill>
-                              <a:srgbClr val="000000"/>
-                            </a:solidFill>
-                            <a:miter lim="800000"/>
-                            <a:headEnd/>
-                            <a:tailEnd/>
-                          </a14:hiddenLine>
-                        </a:ext>
-                      </a:extLst>
-                    </p:spPr>
-                  </p:pic>
-                </p:oleObj>
-              </mc:Fallback>
-            </mc:AlternateContent>
-          </a:graphicData>
-        </a:graphic>
-      </p:graphicFrame>
-      <p:sp>
-        <p:nvSpPr>
-          <p:cNvPr id="8" name="Title 40">
-            <a:extLst>
-              <a:ext uri="{FF2B5EF4-FFF2-40B4-BE49-F238E27FC236}">
-                <a16:creationId xmlns:a16="http://schemas.microsoft.com/office/drawing/2014/main" xmlns="" id="{6D65D641-D69D-4168-BB7D-AD3F200877E3}"/>
-              </a:ext>
-            </a:extLst>
-          </p:cNvPr>
-          <p:cNvSpPr>
-            <a:spLocks noGrp="1"/>
-          </p:cNvSpPr>
-          <p:nvPr>
-            <p:ph type="title"/>
-          </p:nvPr>
-        </p:nvSpPr>
-        <p:spPr>
-          <a:xfrm>
-            <a:off x="381000" y="152400"/>
-            <a:ext cx="8153400" cy="808038"/>
-          </a:xfrm>
-        </p:spPr>
-        <p:txBody>
-          <a:bodyPr>
-            <a:normAutofit/>
-          </a:bodyPr>
-          <a:lstStyle/>
-          <a:p>
-            <a:pPr algn="l"/>
-            <a:r>
-              <a:rPr lang="en-US" sz="2400" b="1" dirty="0">
-                <a:solidFill>
-                  <a:srgbClr val="000066"/>
-                </a:solidFill>
-              </a:rPr>
-              <a:t>Workflow</a:t>
-            </a:r>
-          </a:p>
-        </p:txBody>
-      </p:sp>
-      <p:sp>
-        <p:nvSpPr>
-          <p:cNvPr id="3" name="TextBox 2">
-            <a:extLst>
-              <a:ext uri="{FF2B5EF4-FFF2-40B4-BE49-F238E27FC236}">
-                <a16:creationId xmlns:a16="http://schemas.microsoft.com/office/drawing/2014/main" xmlns="" id="{0BBCD9D6-8729-415F-B524-1885A8D216AD}"/>
-              </a:ext>
-            </a:extLst>
-          </p:cNvPr>
-          <p:cNvSpPr txBox="1"/>
-          <p:nvPr/>
-        </p:nvSpPr>
-        <p:spPr>
-          <a:xfrm>
-            <a:off x="495300" y="960438"/>
-            <a:ext cx="8153400" cy="1600438"/>
-          </a:xfrm>
-          <a:prstGeom prst="rect">
-            <a:avLst/>
-          </a:prstGeom>
-          <a:noFill/>
-        </p:spPr>
-        <p:txBody>
-          <a:bodyPr wrap="square" rtlCol="0">
-            <a:spAutoFit/>
-          </a:bodyPr>
-          <a:lstStyle/>
-          <a:p>
-            <a:r>
-              <a:rPr lang="en-US" dirty="0"/>
-              <a:t>Final Step</a:t>
-            </a:r>
-          </a:p>
-          <a:p>
-            <a:endParaRPr lang="en-US" sz="800" dirty="0"/>
-          </a:p>
-          <a:p>
-            <a:pPr marL="742950" lvl="1" indent="-285750">
-              <a:buFont typeface="Arial" panose="020B0604020202020204" pitchFamily="34" charset="0"/>
-              <a:buChar char="•"/>
-            </a:pPr>
-            <a:r>
-              <a:rPr lang="en-US" dirty="0"/>
-              <a:t>Machine Learning to predict ROI</a:t>
-            </a:r>
-          </a:p>
-          <a:p>
-            <a:pPr marL="1200150" lvl="2" indent="-285750">
-              <a:buFont typeface="Arial" panose="020B0604020202020204" pitchFamily="34" charset="0"/>
-              <a:buChar char="•"/>
-            </a:pPr>
-            <a:r>
-              <a:rPr lang="en-US" dirty="0"/>
-              <a:t>6 features</a:t>
-            </a:r>
-          </a:p>
-          <a:p>
-            <a:pPr marL="1200150" lvl="2" indent="-285750">
-              <a:buFont typeface="Arial" panose="020B0604020202020204" pitchFamily="34" charset="0"/>
-              <a:buChar char="•"/>
-            </a:pPr>
-            <a:r>
-              <a:rPr lang="en-US" dirty="0"/>
-              <a:t>5 Hidden Layers</a:t>
-            </a:r>
-          </a:p>
-          <a:p>
-            <a:pPr marL="1200150" lvl="2" indent="-285750">
-              <a:buFont typeface="Arial" panose="020B0604020202020204" pitchFamily="34" charset="0"/>
-              <a:buChar char="•"/>
-            </a:pPr>
-            <a:r>
-              <a:rPr lang="en-US" dirty="0"/>
-              <a:t>1000 iterations for……</a:t>
-            </a:r>
-          </a:p>
-        </p:txBody>
-      </p:sp>
-      <p:pic>
-        <p:nvPicPr>
-          <p:cNvPr id="2" name="Picture 1">
-            <a:extLst>
-              <a:ext uri="{FF2B5EF4-FFF2-40B4-BE49-F238E27FC236}">
-                <a16:creationId xmlns:a16="http://schemas.microsoft.com/office/drawing/2014/main" xmlns="" id="{6D6B3A07-5B38-4412-8E62-22985BE45DCA}"/>
-              </a:ext>
-            </a:extLst>
-          </p:cNvPr>
-          <p:cNvPicPr>
-            <a:picLocks noChangeAspect="1"/>
-          </p:cNvPicPr>
-          <p:nvPr/>
-        </p:nvPicPr>
-        <p:blipFill>
-          <a:blip r:embed="rId6"/>
-          <a:stretch>
-            <a:fillRect/>
-          </a:stretch>
-        </p:blipFill>
-        <p:spPr>
-          <a:xfrm>
-            <a:off x="495300" y="2895600"/>
-            <a:ext cx="7581900" cy="2206373"/>
-          </a:xfrm>
-          <a:prstGeom prst="rect">
-            <a:avLst/>
-          </a:prstGeom>
-        </p:spPr>
-      </p:pic>
-      <p:sp>
-        <p:nvSpPr>
-          <p:cNvPr id="4" name="TextBox 3">
-            <a:extLst>
-              <a:ext uri="{FF2B5EF4-FFF2-40B4-BE49-F238E27FC236}">
-                <a16:creationId xmlns:a16="http://schemas.microsoft.com/office/drawing/2014/main" xmlns="" id="{C5C403EE-515C-4FF5-9778-90E68BE109B9}"/>
-              </a:ext>
-            </a:extLst>
-          </p:cNvPr>
-          <p:cNvSpPr txBox="1"/>
-          <p:nvPr/>
-        </p:nvSpPr>
-        <p:spPr>
-          <a:xfrm>
-            <a:off x="2286000" y="5334000"/>
-            <a:ext cx="3886200" cy="923330"/>
-          </a:xfrm>
-          <a:prstGeom prst="rect">
-            <a:avLst/>
-          </a:prstGeom>
-          <a:noFill/>
-        </p:spPr>
-        <p:txBody>
-          <a:bodyPr wrap="square" rtlCol="0">
-            <a:spAutoFit/>
-          </a:bodyPr>
-          <a:lstStyle/>
-          <a:p>
-            <a:r>
-              <a:rPr lang="en-US" sz="5400" dirty="0"/>
-              <a:t>R</a:t>
-            </a:r>
-            <a:r>
-              <a:rPr lang="en-US" sz="5400" baseline="30000" dirty="0"/>
-              <a:t>2</a:t>
-            </a:r>
-            <a:r>
-              <a:rPr lang="en-US" sz="5400" dirty="0"/>
-              <a:t> =32%.....</a:t>
-            </a:r>
-          </a:p>
-        </p:txBody>
-      </p:sp>
-    </p:spTree>
-    <p:extLst>
-      <p:ext uri="{BB962C8B-B14F-4D97-AF65-F5344CB8AC3E}">
-        <p14:creationId xmlns:p14="http://schemas.microsoft.com/office/powerpoint/2010/main" val="1427881286"/>
-      </p:ext>
-    </p:extLst>
-  </p:cSld>
-  <p:clrMapOvr>
-    <a:masterClrMapping/>
-  </p:clrMapOvr>
-</p:sld>
-</file>
-
-<file path=ppt/slides/slide2.xml><?xml version="1.0" encoding="utf-8"?>
-<p:sld xmlns:a="http://schemas.openxmlformats.org/drawingml/2006/main" xmlns:r="http://schemas.openxmlformats.org/officeDocument/2006/relationships" xmlns:p="http://schemas.openxmlformats.org/presentationml/2006/main">
-  <p:cSld>
-    <p:spTree>
-      <p:nvGrpSpPr>
-        <p:cNvPr id="1" name=""/>
-        <p:cNvGrpSpPr/>
-        <p:nvPr/>
-      </p:nvGrpSpPr>
-      <p:grpSpPr>
-        <a:xfrm>
-          <a:off x="0" y="0"/>
-          <a:ext cx="0" cy="0"/>
-          <a:chOff x="0" y="0"/>
-          <a:chExt cx="0" cy="0"/>
-        </a:xfrm>
-      </p:grpSpPr>
-      <p:graphicFrame>
-        <p:nvGraphicFramePr>
-          <p:cNvPr id="235522" name="Rectangle 2" hidden="1"/>
-          <p:cNvGraphicFramePr>
-            <a:graphicFrameLocks/>
-          </p:cNvGraphicFramePr>
-          <p:nvPr>
-            <p:custDataLst>
-              <p:tags r:id="rId2"/>
-            </p:custDataLst>
-          </p:nvPr>
-        </p:nvGraphicFramePr>
-        <p:xfrm>
-          <a:off x="0" y="-305118"/>
-          <a:ext cx="158519" cy="158518"/>
-        </p:xfrm>
-        <a:graphic>
-          <a:graphicData uri="http://schemas.openxmlformats.org/presentationml/2006/ole">
-            <mc:AlternateContent xmlns:mc="http://schemas.openxmlformats.org/markup-compatibility/2006">
-              <mc:Choice xmlns:v="urn:schemas-microsoft-com:vml" Requires="v">
-                <p:oleObj spid="_x0000_s2053" r:id="rId5" imgW="0" imgH="0" progId="TCLayout.ActiveDocument.1">
-                  <p:embed/>
-                </p:oleObj>
-              </mc:Choice>
-              <mc:Fallback>
-                <p:oleObj r:id="rId5" imgW="0" imgH="0" progId="TCLayout.ActiveDocument.1">
-                  <p:embed/>
-                  <p:pic>
-                    <p:nvPicPr>
-                      <p:cNvPr id="235522" name="Rectangle 2" hidden="1"/>
-                      <p:cNvPicPr preferRelativeResize="0">
-                        <a:picLocks noChangeArrowheads="1"/>
-                      </p:cNvPicPr>
-                      <p:nvPr/>
-                    </p:nvPicPr>
-                    <p:blipFill>
-                      <a:blip>
-                        <a:extLst>
-                          <a:ext uri="{28A0092B-C50C-407E-A947-70E740481C1C}">
-                            <a14:useLocalDpi xmlns:a14="http://schemas.microsoft.com/office/drawing/2010/main" val="0"/>
-                          </a:ext>
-                        </a:extLst>
-                      </a:blip>
-                      <a:srcRect/>
-                      <a:stretch>
-                        <a:fillRect/>
-                      </a:stretch>
-                    </p:blipFill>
-                    <p:spPr bwMode="auto">
-                      <a:xfrm>
-                        <a:off x="0" y="-305118"/>
-                        <a:ext cx="158519" cy="158518"/>
-                      </a:xfrm>
-                      <a:prstGeom prst="rect">
-                        <a:avLst/>
-                      </a:prstGeom>
-                      <a:noFill/>
-                      <a:ln>
-                        <a:noFill/>
-                      </a:ln>
-                      <a:extLst>
-                        <a:ext uri="{909E8E84-426E-40DD-AFC4-6F175D3DCCD1}">
-                          <a14:hiddenFill xmlns:a14="http://schemas.microsoft.com/office/drawing/2010/main">
-                            <a:solidFill>
-                              <a:srgbClr val="FFFFFF"/>
-                            </a:solidFill>
-                          </a14:hiddenFill>
-                        </a:ext>
-                        <a:ext uri="{91240B29-F687-4F45-9708-019B960494DF}">
-                          <a14:hiddenLine xmlns:a14="http://schemas.microsoft.com/office/drawing/2010/main" w="9525">
-                            <a:solidFill>
-                              <a:srgbClr val="000000"/>
-                            </a:solidFill>
-                            <a:miter lim="800000"/>
-                            <a:headEnd/>
-                            <a:tailEnd/>
-                          </a14:hiddenLine>
-                        </a:ext>
-                      </a:extLst>
-                    </p:spPr>
-                  </p:pic>
-                </p:oleObj>
-              </mc:Fallback>
-            </mc:AlternateContent>
-          </a:graphicData>
-        </a:graphic>
-      </p:graphicFrame>
-      <p:sp>
-        <p:nvSpPr>
-          <p:cNvPr id="47" name="Title 40"/>
-          <p:cNvSpPr>
-            <a:spLocks noGrp="1"/>
-          </p:cNvSpPr>
-          <p:nvPr>
-            <p:ph type="title"/>
-          </p:nvPr>
-        </p:nvSpPr>
-        <p:spPr>
-          <a:xfrm>
-            <a:off x="533400" y="152400"/>
-            <a:ext cx="8001000" cy="808038"/>
-          </a:xfrm>
-        </p:spPr>
-        <p:txBody>
-          <a:bodyPr>
-            <a:normAutofit/>
-          </a:bodyPr>
-          <a:lstStyle/>
-          <a:p>
-            <a:pPr algn="l"/>
-            <a:r>
-              <a:rPr lang="en-US" sz="2400" b="1" dirty="0">
-                <a:solidFill>
-                  <a:srgbClr val="000066"/>
-                </a:solidFill>
-              </a:rPr>
-              <a:t>Executive Summary</a:t>
-            </a:r>
-          </a:p>
-        </p:txBody>
-      </p:sp>
-      <p:sp>
-        <p:nvSpPr>
-          <p:cNvPr id="7" name="TextBox 6">
-            <a:extLst>
-              <a:ext uri="{FF2B5EF4-FFF2-40B4-BE49-F238E27FC236}">
-                <a16:creationId xmlns:a16="http://schemas.microsoft.com/office/drawing/2014/main" xmlns="" id="{59D6BA0D-75DA-411C-AE80-6B1C75B5F712}"/>
-              </a:ext>
-            </a:extLst>
-          </p:cNvPr>
-          <p:cNvSpPr txBox="1"/>
-          <p:nvPr/>
-        </p:nvSpPr>
-        <p:spPr>
-          <a:xfrm>
-            <a:off x="533400" y="1228933"/>
-            <a:ext cx="7772400" cy="707886"/>
-          </a:xfrm>
-          <a:prstGeom prst="rect">
-            <a:avLst/>
-          </a:prstGeom>
-          <a:noFill/>
-        </p:spPr>
-        <p:txBody>
-          <a:bodyPr wrap="square" rtlCol="0">
-            <a:spAutoFit/>
-          </a:bodyPr>
-          <a:lstStyle/>
-          <a:p>
-            <a:r>
-              <a:rPr lang="en-US" sz="2000" b="1" dirty="0">
-                <a:solidFill>
-                  <a:srgbClr val="000066"/>
-                </a:solidFill>
-              </a:rPr>
-              <a:t>Our non-statistical sampling suggested equity markets initially overreact to unfavorable corporate news events of any one equity</a:t>
-            </a:r>
-          </a:p>
-        </p:txBody>
-      </p:sp>
-      <p:sp>
-        <p:nvSpPr>
-          <p:cNvPr id="5" name="TextBox 4">
-            <a:extLst>
-              <a:ext uri="{FF2B5EF4-FFF2-40B4-BE49-F238E27FC236}">
-                <a16:creationId xmlns:a16="http://schemas.microsoft.com/office/drawing/2014/main" xmlns="" id="{D4726C2B-DC37-47C3-8C2B-30F56E0AFE99}"/>
-              </a:ext>
-            </a:extLst>
-          </p:cNvPr>
-          <p:cNvSpPr txBox="1"/>
-          <p:nvPr/>
-        </p:nvSpPr>
-        <p:spPr>
-          <a:xfrm>
-            <a:off x="533400" y="2438400"/>
-            <a:ext cx="7772400" cy="3754874"/>
-          </a:xfrm>
-          <a:prstGeom prst="rect">
-            <a:avLst/>
-          </a:prstGeom>
-          <a:noFill/>
-        </p:spPr>
-        <p:txBody>
-          <a:bodyPr wrap="square" rtlCol="0">
-            <a:spAutoFit/>
-          </a:bodyPr>
-          <a:lstStyle/>
-          <a:p>
-            <a:r>
-              <a:rPr lang="en-US" sz="2000" b="1" dirty="0">
-                <a:solidFill>
-                  <a:srgbClr val="000066"/>
-                </a:solidFill>
-              </a:rPr>
-              <a:t>We believe this is caused by two key factors:</a:t>
-            </a:r>
-          </a:p>
-          <a:p>
-            <a:endParaRPr lang="en-US" sz="2000" b="1" i="1" u="sng" dirty="0">
-              <a:solidFill>
-                <a:srgbClr val="000066"/>
-              </a:solidFill>
-            </a:endParaRPr>
-          </a:p>
-          <a:p>
-            <a:r>
-              <a:rPr lang="en-US" sz="2000" b="1" i="1" dirty="0">
-                <a:solidFill>
-                  <a:srgbClr val="00B0F0"/>
-                </a:solidFill>
-              </a:rPr>
-              <a:t>Emotion</a:t>
-            </a:r>
-          </a:p>
-          <a:p>
-            <a:r>
-              <a:rPr lang="en-US" sz="2000" b="1" dirty="0">
-                <a:solidFill>
-                  <a:srgbClr val="000066"/>
-                </a:solidFill>
-              </a:rPr>
-              <a:t>	“</a:t>
-            </a:r>
-            <a:r>
-              <a:rPr lang="en-US" sz="2000" b="1" i="1" dirty="0">
-                <a:solidFill>
-                  <a:srgbClr val="000066"/>
-                </a:solidFill>
-              </a:rPr>
-              <a:t>People generally feel twice as much sadness or pain when something is lost than when something of equal value is gained. This is the main reason why stocks go down faster than they go up”</a:t>
-            </a:r>
-          </a:p>
-          <a:p>
-            <a:endParaRPr lang="en-US" sz="2000" b="1" i="1" dirty="0">
-              <a:solidFill>
-                <a:srgbClr val="000066"/>
-              </a:solidFill>
-            </a:endParaRPr>
-          </a:p>
-          <a:p>
-            <a:r>
-              <a:rPr lang="en-US" sz="2000" b="1" i="1" dirty="0">
-                <a:solidFill>
-                  <a:srgbClr val="00B0F0"/>
-                </a:solidFill>
-              </a:rPr>
-              <a:t>Technology</a:t>
-            </a:r>
-          </a:p>
-          <a:p>
-            <a:r>
-              <a:rPr lang="en-US" sz="2000" b="1" i="1" dirty="0">
-                <a:solidFill>
-                  <a:srgbClr val="000066"/>
-                </a:solidFill>
-              </a:rPr>
-              <a:t>	Mobile and automated technology has not only enabled news to propagate quickly but companies, individuals and bots to transact on that news </a:t>
-            </a:r>
-            <a:r>
-              <a:rPr lang="en-US" sz="2000" b="1" i="1" u="sng" dirty="0">
-                <a:solidFill>
-                  <a:srgbClr val="000066"/>
-                </a:solidFill>
-              </a:rPr>
-              <a:t>instantly</a:t>
-            </a:r>
-          </a:p>
-          <a:p>
-            <a:endParaRPr lang="en-US" sz="2000" dirty="0">
-              <a:solidFill>
-                <a:srgbClr val="000066"/>
-              </a:solidFill>
-            </a:endParaRPr>
-          </a:p>
-        </p:txBody>
-      </p:sp>
-      <p:sp>
-        <p:nvSpPr>
-          <p:cNvPr id="6" name="TextBox 5">
-            <a:extLst>
-              <a:ext uri="{FF2B5EF4-FFF2-40B4-BE49-F238E27FC236}">
-                <a16:creationId xmlns:a16="http://schemas.microsoft.com/office/drawing/2014/main" xmlns="" id="{0C7F0FDA-5F46-41BD-BF0F-A903C866FD37}"/>
-              </a:ext>
-            </a:extLst>
-          </p:cNvPr>
-          <p:cNvSpPr txBox="1"/>
-          <p:nvPr/>
-        </p:nvSpPr>
-        <p:spPr>
-          <a:xfrm>
-            <a:off x="381000" y="6443990"/>
-            <a:ext cx="7772400" cy="261610"/>
-          </a:xfrm>
-          <a:prstGeom prst="rect">
-            <a:avLst/>
-          </a:prstGeom>
-          <a:noFill/>
-        </p:spPr>
-        <p:txBody>
-          <a:bodyPr wrap="square" rtlCol="0">
-            <a:spAutoFit/>
-          </a:bodyPr>
-          <a:lstStyle/>
-          <a:p>
-            <a:r>
-              <a:rPr lang="en-US" sz="1100" dirty="0">
-                <a:solidFill>
-                  <a:srgbClr val="000066"/>
-                </a:solidFill>
-              </a:rPr>
-              <a:t>Source: Why Stocks Tend To Decline Much Faster Than They Rise; http://theemotionallyintelligentinvestor.com/?p=145</a:t>
-            </a:r>
-          </a:p>
-        </p:txBody>
-      </p:sp>
-    </p:spTree>
-    <p:extLst>
-      <p:ext uri="{BB962C8B-B14F-4D97-AF65-F5344CB8AC3E}">
-        <p14:creationId xmlns:p14="http://schemas.microsoft.com/office/powerpoint/2010/main" val="1936990372"/>
-      </p:ext>
-    </p:extLst>
-  </p:cSld>
-  <p:clrMapOvr>
-    <a:masterClrMapping/>
-  </p:clrMapOvr>
-  <p:timing>
-    <p:tnLst>
-      <p:par>
-        <p:cTn id="1" dur="indefinite" restart="never" nodeType="tmRoot">
-          <p:childTnLst>
-            <p:seq concurrent="1" nextAc="seek">
-              <p:cTn id="2" dur="indefinite" nodeType="mainSeq">
-                <p:childTnLst>
-                  <p:par>
-                    <p:cTn id="3" fill="hold">
-                      <p:stCondLst>
-                        <p:cond delay="indefinite"/>
-                      </p:stCondLst>
-                      <p:childTnLst>
-                        <p:par>
-                          <p:cTn id="4" fill="hold">
-                            <p:stCondLst>
-                              <p:cond delay="0"/>
-                            </p:stCondLst>
-                            <p:childTnLst>
-                              <p:par>
-                                <p:cTn id="5" presetID="1" presetClass="entr" presetSubtype="0" fill="hold" grpId="0" nodeType="clickEffect">
-                                  <p:stCondLst>
-                                    <p:cond delay="0"/>
-                                  </p:stCondLst>
-                                  <p:childTnLst>
-                                    <p:set>
-                                      <p:cBhvr>
-                                        <p:cTn id="6" dur="1" fill="hold">
-                                          <p:stCondLst>
-                                            <p:cond delay="0"/>
-                                          </p:stCondLst>
-                                        </p:cTn>
-                                        <p:tgtEl>
-                                          <p:spTgt spid="7"/>
-                                        </p:tgtEl>
-                                        <p:attrNameLst>
-                                          <p:attrName>style.visibility</p:attrName>
-                                        </p:attrNameLst>
-                                      </p:cBhvr>
-                                      <p:to>
-                                        <p:strVal val="visible"/>
-                                      </p:to>
-                                    </p:set>
-                                  </p:childTnLst>
-                                </p:cTn>
-                              </p:par>
-                            </p:childTnLst>
-                          </p:cTn>
-                        </p:par>
-                      </p:childTnLst>
-                    </p:cTn>
-                  </p:par>
-                  <p:par>
-                    <p:cTn id="7" fill="hold">
-                      <p:stCondLst>
-                        <p:cond delay="indefinite"/>
-                      </p:stCondLst>
-                      <p:childTnLst>
-                        <p:par>
-                          <p:cTn id="8" fill="hold">
-                            <p:stCondLst>
-                              <p:cond delay="0"/>
-                            </p:stCondLst>
-                            <p:childTnLst>
-                              <p:par>
-                                <p:cTn id="9" presetID="1" presetClass="entr" presetSubtype="0" fill="hold" grpId="0" nodeType="clickEffect">
-                                  <p:stCondLst>
-                                    <p:cond delay="0"/>
-                                  </p:stCondLst>
-                                  <p:childTnLst>
-                                    <p:set>
-                                      <p:cBhvr>
-                                        <p:cTn id="10" dur="1" fill="hold">
-                                          <p:stCondLst>
-                                            <p:cond delay="0"/>
-                                          </p:stCondLst>
-                                        </p:cTn>
-                                        <p:tgtEl>
-                                          <p:spTgt spid="5"/>
-                                        </p:tgtEl>
-                                        <p:attrNameLst>
-                                          <p:attrName>style.visibility</p:attrName>
-                                        </p:attrNameLst>
-                                      </p:cBhvr>
-                                      <p:to>
-                                        <p:strVal val="visible"/>
-                                      </p:to>
-                                    </p:set>
-                                  </p:childTnLst>
-                                </p:cTn>
-                              </p:par>
-                            </p:childTnLst>
-                          </p:cTn>
-                        </p:par>
-                      </p:childTnLst>
-                    </p:cTn>
-                  </p:par>
-                </p:childTnLst>
-              </p:cTn>
-              <p:prevCondLst>
-                <p:cond evt="onPrev" delay="0">
-                  <p:tgtEl>
-                    <p:sldTgt/>
-                  </p:tgtEl>
-                </p:cond>
-              </p:prevCondLst>
-              <p:nextCondLst>
-                <p:cond evt="onNext" delay="0">
-                  <p:tgtEl>
-                    <p:sldTgt/>
-                  </p:tgtEl>
-                </p:cond>
-              </p:nextCondLst>
-            </p:seq>
-          </p:childTnLst>
-        </p:cTn>
-      </p:par>
-    </p:tnLst>
-    <p:bldLst>
-      <p:bldP spid="7" grpId="0"/>
-      <p:bldP spid="5" grpId="0"/>
-    </p:bldLst>
-  </p:timing>
-</p:sld>
-</file>
-
-<file path=ppt/slides/slide20.xml><?xml version="1.0" encoding="utf-8"?>
-<p:sld xmlns:a="http://schemas.openxmlformats.org/drawingml/2006/main" xmlns:r="http://schemas.openxmlformats.org/officeDocument/2006/relationships" xmlns:p="http://schemas.openxmlformats.org/presentationml/2006/main">
-  <p:cSld>
-    <p:spTree>
-      <p:nvGrpSpPr>
-        <p:cNvPr id="1" name=""/>
-        <p:cNvGrpSpPr/>
-        <p:nvPr/>
-      </p:nvGrpSpPr>
-      <p:grpSpPr>
-        <a:xfrm>
-          <a:off x="0" y="0"/>
-          <a:ext cx="0" cy="0"/>
-          <a:chOff x="0" y="0"/>
-          <a:chExt cx="0" cy="0"/>
-        </a:xfrm>
-      </p:grpSpPr>
-      <p:graphicFrame>
-        <p:nvGraphicFramePr>
-          <p:cNvPr id="235522" name="Rectangle 2" hidden="1"/>
-          <p:cNvGraphicFramePr>
-            <a:graphicFrameLocks/>
-          </p:cNvGraphicFramePr>
-          <p:nvPr>
-            <p:custDataLst>
-              <p:tags r:id="rId2"/>
-            </p:custDataLst>
-          </p:nvPr>
-        </p:nvGraphicFramePr>
-        <p:xfrm>
-          <a:off x="0" y="-305118"/>
-          <a:ext cx="158519" cy="158518"/>
-        </p:xfrm>
-        <a:graphic>
-          <a:graphicData uri="http://schemas.openxmlformats.org/presentationml/2006/ole">
-            <mc:AlternateContent xmlns:mc="http://schemas.openxmlformats.org/markup-compatibility/2006">
-              <mc:Choice xmlns:v="urn:schemas-microsoft-com:vml" Requires="v">
-                <p:oleObj spid="_x0000_s19461" r:id="rId5" imgW="0" imgH="0" progId="TCLayout.ActiveDocument.1">
-                  <p:embed/>
-                </p:oleObj>
-              </mc:Choice>
-              <mc:Fallback>
-                <p:oleObj r:id="rId5" imgW="0" imgH="0" progId="TCLayout.ActiveDocument.1">
-                  <p:embed/>
-                  <p:pic>
-                    <p:nvPicPr>
-                      <p:cNvPr id="235522" name="Rectangle 2" hidden="1"/>
-                      <p:cNvPicPr preferRelativeResize="0">
-                        <a:picLocks noChangeArrowheads="1"/>
-                      </p:cNvPicPr>
-                      <p:nvPr/>
-                    </p:nvPicPr>
-                    <p:blipFill>
-                      <a:blip>
-                        <a:extLst>
-                          <a:ext uri="{28A0092B-C50C-407E-A947-70E740481C1C}">
-                            <a14:useLocalDpi xmlns:a14="http://schemas.microsoft.com/office/drawing/2010/main" val="0"/>
-                          </a:ext>
-                        </a:extLst>
-                      </a:blip>
-                      <a:srcRect/>
-                      <a:stretch>
-                        <a:fillRect/>
-                      </a:stretch>
-                    </p:blipFill>
-                    <p:spPr bwMode="auto">
-                      <a:xfrm>
-                        <a:off x="0" y="-305118"/>
-                        <a:ext cx="158519" cy="158518"/>
-                      </a:xfrm>
-                      <a:prstGeom prst="rect">
-                        <a:avLst/>
-                      </a:prstGeom>
-                      <a:noFill/>
-                      <a:ln>
-                        <a:noFill/>
-                      </a:ln>
-                      <a:extLst>
-                        <a:ext uri="{909E8E84-426E-40DD-AFC4-6F175D3DCCD1}">
-                          <a14:hiddenFill xmlns:a14="http://schemas.microsoft.com/office/drawing/2010/main">
-                            <a:solidFill>
-                              <a:srgbClr val="FFFFFF"/>
-                            </a:solidFill>
-                          </a14:hiddenFill>
-                        </a:ext>
-                        <a:ext uri="{91240B29-F687-4F45-9708-019B960494DF}">
-                          <a14:hiddenLine xmlns:a14="http://schemas.microsoft.com/office/drawing/2010/main" w="9525">
-                            <a:solidFill>
-                              <a:srgbClr val="000000"/>
-                            </a:solidFill>
-                            <a:miter lim="800000"/>
-                            <a:headEnd/>
-                            <a:tailEnd/>
-                          </a14:hiddenLine>
-                        </a:ext>
-                      </a:extLst>
-                    </p:spPr>
-                  </p:pic>
-                </p:oleObj>
-              </mc:Fallback>
-            </mc:AlternateContent>
-          </a:graphicData>
-        </a:graphic>
-      </p:graphicFrame>
-      <p:sp>
-        <p:nvSpPr>
-          <p:cNvPr id="8" name="Title 40">
-            <a:extLst>
-              <a:ext uri="{FF2B5EF4-FFF2-40B4-BE49-F238E27FC236}">
-                <a16:creationId xmlns:a16="http://schemas.microsoft.com/office/drawing/2014/main" xmlns="" id="{6D65D641-D69D-4168-BB7D-AD3F200877E3}"/>
-              </a:ext>
-            </a:extLst>
-          </p:cNvPr>
-          <p:cNvSpPr>
-            <a:spLocks noGrp="1"/>
-          </p:cNvSpPr>
-          <p:nvPr>
-            <p:ph type="title"/>
-          </p:nvPr>
-        </p:nvSpPr>
-        <p:spPr>
-          <a:xfrm>
-            <a:off x="381000" y="152400"/>
-            <a:ext cx="8153400" cy="808038"/>
-          </a:xfrm>
-        </p:spPr>
-        <p:txBody>
-          <a:bodyPr>
-            <a:normAutofit/>
-          </a:bodyPr>
-          <a:lstStyle/>
-          <a:p>
-            <a:pPr algn="l"/>
-            <a:r>
-              <a:rPr lang="en-US" sz="2400" b="1" dirty="0">
-                <a:solidFill>
-                  <a:srgbClr val="000066"/>
-                </a:solidFill>
-              </a:rPr>
-              <a:t>Analysis</a:t>
-            </a:r>
-          </a:p>
-        </p:txBody>
-      </p:sp>
-      <p:pic>
-        <p:nvPicPr>
-          <p:cNvPr id="3" name="Picture 2">
-            <a:extLst>
-              <a:ext uri="{FF2B5EF4-FFF2-40B4-BE49-F238E27FC236}">
-                <a16:creationId xmlns:a16="http://schemas.microsoft.com/office/drawing/2014/main" xmlns="" id="{B510CD78-C58F-4733-B0DD-F0874059F617}"/>
-              </a:ext>
-            </a:extLst>
-          </p:cNvPr>
-          <p:cNvPicPr>
-            <a:picLocks noChangeAspect="1"/>
-          </p:cNvPicPr>
-          <p:nvPr/>
-        </p:nvPicPr>
-        <p:blipFill>
-          <a:blip r:embed="rId6">
-            <a:extLst>
-              <a:ext uri="{28A0092B-C50C-407E-A947-70E740481C1C}">
-                <a14:useLocalDpi xmlns:a14="http://schemas.microsoft.com/office/drawing/2010/main" val="0"/>
-              </a:ext>
-            </a:extLst>
-          </a:blip>
-          <a:stretch>
-            <a:fillRect/>
-          </a:stretch>
-        </p:blipFill>
-        <p:spPr>
-          <a:xfrm>
-            <a:off x="266700" y="1600200"/>
-            <a:ext cx="8610600" cy="4953000"/>
-          </a:xfrm>
-          <a:prstGeom prst="rect">
-            <a:avLst/>
-          </a:prstGeom>
-        </p:spPr>
-      </p:pic>
-      <p:sp>
-        <p:nvSpPr>
-          <p:cNvPr id="4" name="TextBox 3">
-            <a:extLst>
-              <a:ext uri="{FF2B5EF4-FFF2-40B4-BE49-F238E27FC236}">
-                <a16:creationId xmlns:a16="http://schemas.microsoft.com/office/drawing/2014/main" xmlns="" id="{E35C50F2-4743-41B2-9AB5-CE9F40985982}"/>
-              </a:ext>
-            </a:extLst>
-          </p:cNvPr>
-          <p:cNvSpPr txBox="1"/>
-          <p:nvPr/>
-        </p:nvSpPr>
-        <p:spPr>
-          <a:xfrm>
-            <a:off x="266700" y="960438"/>
-            <a:ext cx="8099205" cy="369332"/>
-          </a:xfrm>
-          <a:prstGeom prst="rect">
-            <a:avLst/>
-          </a:prstGeom>
-          <a:noFill/>
-        </p:spPr>
-        <p:txBody>
-          <a:bodyPr wrap="none" rtlCol="0">
-            <a:spAutoFit/>
-          </a:bodyPr>
-          <a:lstStyle/>
-          <a:p>
-            <a:pPr marL="285750" indent="-285750">
-              <a:buFont typeface="Arial" panose="020B0604020202020204" pitchFamily="34" charset="0"/>
-              <a:buChar char="•"/>
-            </a:pPr>
-            <a:r>
-              <a:rPr lang="en-US" dirty="0"/>
-              <a:t>Companies with a faster rebound time have a higher ROI at the end of six months</a:t>
-            </a:r>
-          </a:p>
-        </p:txBody>
-      </p:sp>
-    </p:spTree>
-    <p:extLst>
-      <p:ext uri="{BB962C8B-B14F-4D97-AF65-F5344CB8AC3E}">
-        <p14:creationId xmlns:p14="http://schemas.microsoft.com/office/powerpoint/2010/main" val="1283919287"/>
-      </p:ext>
-    </p:extLst>
-  </p:cSld>
-  <p:clrMapOvr>
-    <a:masterClrMapping/>
-  </p:clrMapOvr>
-</p:sld>
-</file>
-
-<file path=ppt/slides/slide21.xml><?xml version="1.0" encoding="utf-8"?>
-<p:sld xmlns:a="http://schemas.openxmlformats.org/drawingml/2006/main" xmlns:r="http://schemas.openxmlformats.org/officeDocument/2006/relationships" xmlns:p="http://schemas.openxmlformats.org/presentationml/2006/main">
-  <p:cSld>
-    <p:spTree>
-      <p:nvGrpSpPr>
-        <p:cNvPr id="1" name=""/>
-        <p:cNvGrpSpPr/>
-        <p:nvPr/>
-      </p:nvGrpSpPr>
-      <p:grpSpPr>
-        <a:xfrm>
-          <a:off x="0" y="0"/>
-          <a:ext cx="0" cy="0"/>
-          <a:chOff x="0" y="0"/>
-          <a:chExt cx="0" cy="0"/>
-        </a:xfrm>
-      </p:grpSpPr>
-      <p:graphicFrame>
-        <p:nvGraphicFramePr>
-          <p:cNvPr id="235522" name="Rectangle 2" hidden="1"/>
-          <p:cNvGraphicFramePr>
-            <a:graphicFrameLocks/>
-          </p:cNvGraphicFramePr>
-          <p:nvPr>
-            <p:custDataLst>
-              <p:tags r:id="rId2"/>
-            </p:custDataLst>
-          </p:nvPr>
-        </p:nvGraphicFramePr>
-        <p:xfrm>
-          <a:off x="0" y="-305118"/>
-          <a:ext cx="158519" cy="158518"/>
-        </p:xfrm>
-        <a:graphic>
-          <a:graphicData uri="http://schemas.openxmlformats.org/presentationml/2006/ole">
-            <mc:AlternateContent xmlns:mc="http://schemas.openxmlformats.org/markup-compatibility/2006">
-              <mc:Choice xmlns:v="urn:schemas-microsoft-com:vml" Requires="v">
-                <p:oleObj spid="_x0000_s20485" r:id="rId5" imgW="0" imgH="0" progId="TCLayout.ActiveDocument.1">
-                  <p:embed/>
-                </p:oleObj>
-              </mc:Choice>
-              <mc:Fallback>
-                <p:oleObj r:id="rId5" imgW="0" imgH="0" progId="TCLayout.ActiveDocument.1">
-                  <p:embed/>
-                  <p:pic>
-                    <p:nvPicPr>
-                      <p:cNvPr id="235522" name="Rectangle 2" hidden="1"/>
-                      <p:cNvPicPr preferRelativeResize="0">
-                        <a:picLocks noChangeArrowheads="1"/>
-                      </p:cNvPicPr>
-                      <p:nvPr/>
-                    </p:nvPicPr>
-                    <p:blipFill>
-                      <a:blip>
-                        <a:extLst>
-                          <a:ext uri="{28A0092B-C50C-407E-A947-70E740481C1C}">
-                            <a14:useLocalDpi xmlns:a14="http://schemas.microsoft.com/office/drawing/2010/main" val="0"/>
-                          </a:ext>
-                        </a:extLst>
-                      </a:blip>
-                      <a:srcRect/>
-                      <a:stretch>
-                        <a:fillRect/>
-                      </a:stretch>
-                    </p:blipFill>
-                    <p:spPr bwMode="auto">
-                      <a:xfrm>
-                        <a:off x="0" y="-305118"/>
-                        <a:ext cx="158519" cy="158518"/>
-                      </a:xfrm>
-                      <a:prstGeom prst="rect">
-                        <a:avLst/>
-                      </a:prstGeom>
-                      <a:noFill/>
-                      <a:ln>
-                        <a:noFill/>
-                      </a:ln>
-                      <a:extLst>
-                        <a:ext uri="{909E8E84-426E-40DD-AFC4-6F175D3DCCD1}">
-                          <a14:hiddenFill xmlns:a14="http://schemas.microsoft.com/office/drawing/2010/main">
-                            <a:solidFill>
-                              <a:srgbClr val="FFFFFF"/>
-                            </a:solidFill>
-                          </a14:hiddenFill>
-                        </a:ext>
-                        <a:ext uri="{91240B29-F687-4F45-9708-019B960494DF}">
-                          <a14:hiddenLine xmlns:a14="http://schemas.microsoft.com/office/drawing/2010/main" w="9525">
-                            <a:solidFill>
-                              <a:srgbClr val="000000"/>
-                            </a:solidFill>
-                            <a:miter lim="800000"/>
-                            <a:headEnd/>
-                            <a:tailEnd/>
-                          </a14:hiddenLine>
-                        </a:ext>
-                      </a:extLst>
-                    </p:spPr>
-                  </p:pic>
-                </p:oleObj>
-              </mc:Fallback>
-            </mc:AlternateContent>
-          </a:graphicData>
-        </a:graphic>
-      </p:graphicFrame>
-      <p:sp>
-        <p:nvSpPr>
-          <p:cNvPr id="8" name="Title 40">
-            <a:extLst>
-              <a:ext uri="{FF2B5EF4-FFF2-40B4-BE49-F238E27FC236}">
-                <a16:creationId xmlns:a16="http://schemas.microsoft.com/office/drawing/2014/main" xmlns="" id="{6D65D641-D69D-4168-BB7D-AD3F200877E3}"/>
-              </a:ext>
-            </a:extLst>
-          </p:cNvPr>
-          <p:cNvSpPr>
-            <a:spLocks noGrp="1"/>
-          </p:cNvSpPr>
-          <p:nvPr>
-            <p:ph type="title"/>
-          </p:nvPr>
-        </p:nvSpPr>
-        <p:spPr>
-          <a:xfrm>
-            <a:off x="381000" y="152400"/>
-            <a:ext cx="8153400" cy="808038"/>
-          </a:xfrm>
-        </p:spPr>
-        <p:txBody>
-          <a:bodyPr>
-            <a:normAutofit/>
-          </a:bodyPr>
-          <a:lstStyle/>
-          <a:p>
-            <a:pPr algn="l"/>
-            <a:r>
-              <a:rPr lang="en-US" sz="2400" b="1" dirty="0">
-                <a:solidFill>
-                  <a:srgbClr val="000066"/>
-                </a:solidFill>
-              </a:rPr>
-              <a:t>Analysis</a:t>
-            </a:r>
-          </a:p>
-        </p:txBody>
-      </p:sp>
-      <p:pic>
-        <p:nvPicPr>
-          <p:cNvPr id="3" name="Picture 2">
-            <a:extLst>
-              <a:ext uri="{FF2B5EF4-FFF2-40B4-BE49-F238E27FC236}">
-                <a16:creationId xmlns:a16="http://schemas.microsoft.com/office/drawing/2014/main" xmlns="" id="{0FB252C2-8E0F-4E4E-AF3D-AD81519AC032}"/>
-              </a:ext>
-            </a:extLst>
-          </p:cNvPr>
-          <p:cNvPicPr>
-            <a:picLocks noChangeAspect="1"/>
-          </p:cNvPicPr>
-          <p:nvPr/>
-        </p:nvPicPr>
-        <p:blipFill rotWithShape="1">
-          <a:blip r:embed="rId6"/>
-          <a:srcRect r="4820" b="20270"/>
-          <a:stretch/>
-        </p:blipFill>
-        <p:spPr>
-          <a:xfrm>
-            <a:off x="381000" y="1828800"/>
-            <a:ext cx="3733800" cy="4495800"/>
-          </a:xfrm>
-          <a:prstGeom prst="rect">
-            <a:avLst/>
-          </a:prstGeom>
-        </p:spPr>
-      </p:pic>
-      <p:sp>
-        <p:nvSpPr>
-          <p:cNvPr id="4" name="TextBox 3">
-            <a:extLst>
-              <a:ext uri="{FF2B5EF4-FFF2-40B4-BE49-F238E27FC236}">
-                <a16:creationId xmlns:a16="http://schemas.microsoft.com/office/drawing/2014/main" xmlns="" id="{55A35CDF-AA72-4476-9932-1916784F16A0}"/>
-              </a:ext>
-            </a:extLst>
-          </p:cNvPr>
-          <p:cNvSpPr txBox="1"/>
-          <p:nvPr/>
-        </p:nvSpPr>
-        <p:spPr>
-          <a:xfrm>
-            <a:off x="381000" y="960438"/>
-            <a:ext cx="6364178" cy="369332"/>
-          </a:xfrm>
-          <a:prstGeom prst="rect">
-            <a:avLst/>
-          </a:prstGeom>
-          <a:noFill/>
-        </p:spPr>
-        <p:txBody>
-          <a:bodyPr wrap="none" rtlCol="0">
-            <a:spAutoFit/>
-          </a:bodyPr>
-          <a:lstStyle/>
-          <a:p>
-            <a:pPr marL="285750" indent="-285750">
-              <a:buFont typeface="Arial" panose="020B0604020202020204" pitchFamily="34" charset="0"/>
-              <a:buChar char="•"/>
-            </a:pPr>
-            <a:r>
-              <a:rPr lang="en-US" dirty="0"/>
-              <a:t>Most companies rebound in the first week after hitting the low</a:t>
-            </a:r>
-          </a:p>
-        </p:txBody>
-      </p:sp>
-    </p:spTree>
-    <p:extLst>
-      <p:ext uri="{BB962C8B-B14F-4D97-AF65-F5344CB8AC3E}">
-        <p14:creationId xmlns:p14="http://schemas.microsoft.com/office/powerpoint/2010/main" val="4081715577"/>
-      </p:ext>
-    </p:extLst>
-  </p:cSld>
-  <p:clrMapOvr>
-    <a:masterClrMapping/>
-  </p:clrMapOvr>
-</p:sld>
-</file>
-
-<file path=ppt/slides/slide22.xml><?xml version="1.0" encoding="utf-8"?>
-<p:sld xmlns:a="http://schemas.openxmlformats.org/drawingml/2006/main" xmlns:r="http://schemas.openxmlformats.org/officeDocument/2006/relationships" xmlns:p="http://schemas.openxmlformats.org/presentationml/2006/main">
-  <p:cSld>
-    <p:spTree>
-      <p:nvGrpSpPr>
-        <p:cNvPr id="1" name=""/>
-        <p:cNvGrpSpPr/>
-        <p:nvPr/>
-      </p:nvGrpSpPr>
-      <p:grpSpPr>
-        <a:xfrm>
-          <a:off x="0" y="0"/>
-          <a:ext cx="0" cy="0"/>
-          <a:chOff x="0" y="0"/>
-          <a:chExt cx="0" cy="0"/>
-        </a:xfrm>
-      </p:grpSpPr>
-      <p:graphicFrame>
-        <p:nvGraphicFramePr>
-          <p:cNvPr id="235522" name="Rectangle 2" hidden="1"/>
-          <p:cNvGraphicFramePr>
-            <a:graphicFrameLocks/>
-          </p:cNvGraphicFramePr>
-          <p:nvPr>
-            <p:custDataLst>
-              <p:tags r:id="rId2"/>
-            </p:custDataLst>
-          </p:nvPr>
-        </p:nvGraphicFramePr>
-        <p:xfrm>
-          <a:off x="0" y="-305118"/>
-          <a:ext cx="158519" cy="158518"/>
-        </p:xfrm>
-        <a:graphic>
-          <a:graphicData uri="http://schemas.openxmlformats.org/presentationml/2006/ole">
-            <mc:AlternateContent xmlns:mc="http://schemas.openxmlformats.org/markup-compatibility/2006">
-              <mc:Choice xmlns:v="urn:schemas-microsoft-com:vml" Requires="v">
-                <p:oleObj spid="_x0000_s21509" r:id="rId5" imgW="0" imgH="0" progId="TCLayout.ActiveDocument.1">
-                  <p:embed/>
-                </p:oleObj>
-              </mc:Choice>
-              <mc:Fallback>
-                <p:oleObj r:id="rId5" imgW="0" imgH="0" progId="TCLayout.ActiveDocument.1">
-                  <p:embed/>
-                  <p:pic>
-                    <p:nvPicPr>
-                      <p:cNvPr id="235522" name="Rectangle 2" hidden="1"/>
-                      <p:cNvPicPr preferRelativeResize="0">
-                        <a:picLocks noChangeArrowheads="1"/>
-                      </p:cNvPicPr>
-                      <p:nvPr/>
-                    </p:nvPicPr>
-                    <p:blipFill>
-                      <a:blip>
-                        <a:extLst>
-                          <a:ext uri="{28A0092B-C50C-407E-A947-70E740481C1C}">
-                            <a14:useLocalDpi xmlns:a14="http://schemas.microsoft.com/office/drawing/2010/main" val="0"/>
-                          </a:ext>
-                        </a:extLst>
-                      </a:blip>
-                      <a:srcRect/>
-                      <a:stretch>
-                        <a:fillRect/>
-                      </a:stretch>
-                    </p:blipFill>
-                    <p:spPr bwMode="auto">
-                      <a:xfrm>
-                        <a:off x="0" y="-305118"/>
-                        <a:ext cx="158519" cy="158518"/>
-                      </a:xfrm>
-                      <a:prstGeom prst="rect">
-                        <a:avLst/>
-                      </a:prstGeom>
-                      <a:noFill/>
-                      <a:ln>
-                        <a:noFill/>
-                      </a:ln>
-                      <a:extLst>
-                        <a:ext uri="{909E8E84-426E-40DD-AFC4-6F175D3DCCD1}">
-                          <a14:hiddenFill xmlns:a14="http://schemas.microsoft.com/office/drawing/2010/main">
-                            <a:solidFill>
-                              <a:srgbClr val="FFFFFF"/>
-                            </a:solidFill>
-                          </a14:hiddenFill>
-                        </a:ext>
-                        <a:ext uri="{91240B29-F687-4F45-9708-019B960494DF}">
-                          <a14:hiddenLine xmlns:a14="http://schemas.microsoft.com/office/drawing/2010/main" w="9525">
-                            <a:solidFill>
-                              <a:srgbClr val="000000"/>
-                            </a:solidFill>
-                            <a:miter lim="800000"/>
-                            <a:headEnd/>
-                            <a:tailEnd/>
-                          </a14:hiddenLine>
-                        </a:ext>
-                      </a:extLst>
-                    </p:spPr>
-                  </p:pic>
-                </p:oleObj>
-              </mc:Fallback>
-            </mc:AlternateContent>
-          </a:graphicData>
-        </a:graphic>
-      </p:graphicFrame>
-      <p:sp>
-        <p:nvSpPr>
-          <p:cNvPr id="8" name="Title 40">
-            <a:extLst>
-              <a:ext uri="{FF2B5EF4-FFF2-40B4-BE49-F238E27FC236}">
-                <a16:creationId xmlns:a16="http://schemas.microsoft.com/office/drawing/2014/main" xmlns="" id="{6D65D641-D69D-4168-BB7D-AD3F200877E3}"/>
-              </a:ext>
-            </a:extLst>
-          </p:cNvPr>
-          <p:cNvSpPr>
-            <a:spLocks noGrp="1"/>
-          </p:cNvSpPr>
-          <p:nvPr>
-            <p:ph type="title"/>
-          </p:nvPr>
-        </p:nvSpPr>
-        <p:spPr>
-          <a:xfrm>
-            <a:off x="381000" y="152400"/>
-            <a:ext cx="8153400" cy="808038"/>
-          </a:xfrm>
-        </p:spPr>
-        <p:txBody>
-          <a:bodyPr>
-            <a:normAutofit/>
-          </a:bodyPr>
-          <a:lstStyle/>
-          <a:p>
-            <a:pPr algn="l"/>
-            <a:r>
-              <a:rPr lang="en-US" sz="2400" b="1" dirty="0">
-                <a:solidFill>
-                  <a:srgbClr val="000066"/>
-                </a:solidFill>
-              </a:rPr>
-              <a:t>Findings</a:t>
-            </a:r>
-          </a:p>
-        </p:txBody>
-      </p:sp>
-      <p:sp>
-        <p:nvSpPr>
-          <p:cNvPr id="4" name="TextBox 3">
-            <a:extLst>
-              <a:ext uri="{FF2B5EF4-FFF2-40B4-BE49-F238E27FC236}">
-                <a16:creationId xmlns:a16="http://schemas.microsoft.com/office/drawing/2014/main" xmlns="" id="{55A35CDF-AA72-4476-9932-1916784F16A0}"/>
-              </a:ext>
-            </a:extLst>
-          </p:cNvPr>
-          <p:cNvSpPr txBox="1"/>
-          <p:nvPr/>
-        </p:nvSpPr>
-        <p:spPr>
-          <a:xfrm>
-            <a:off x="990600" y="960438"/>
-            <a:ext cx="3124200" cy="369332"/>
-          </a:xfrm>
-          <a:prstGeom prst="rect">
-            <a:avLst/>
-          </a:prstGeom>
-          <a:noFill/>
-        </p:spPr>
-        <p:txBody>
-          <a:bodyPr wrap="square" rtlCol="0">
-            <a:spAutoFit/>
-          </a:bodyPr>
-          <a:lstStyle/>
-          <a:p>
-            <a:pPr algn="ctr"/>
-            <a:r>
-              <a:rPr lang="en-US" dirty="0"/>
-              <a:t>Rebound within first 10 weeks</a:t>
-            </a:r>
-          </a:p>
-        </p:txBody>
-      </p:sp>
-      <p:pic>
-        <p:nvPicPr>
-          <p:cNvPr id="2" name="Picture 1">
-            <a:extLst>
-              <a:ext uri="{FF2B5EF4-FFF2-40B4-BE49-F238E27FC236}">
-                <a16:creationId xmlns:a16="http://schemas.microsoft.com/office/drawing/2014/main" xmlns="" id="{709B7CA3-1C2B-4CBD-A4DC-E0FFDD1797D5}"/>
-              </a:ext>
-            </a:extLst>
-          </p:cNvPr>
-          <p:cNvPicPr>
-            <a:picLocks noChangeAspect="1"/>
-          </p:cNvPicPr>
-          <p:nvPr/>
-        </p:nvPicPr>
-        <p:blipFill>
-          <a:blip r:embed="rId6"/>
-          <a:stretch>
-            <a:fillRect/>
-          </a:stretch>
-        </p:blipFill>
-        <p:spPr>
-          <a:xfrm>
-            <a:off x="1435470" y="1646612"/>
-            <a:ext cx="2374531" cy="5049371"/>
-          </a:xfrm>
-          <a:prstGeom prst="rect">
-            <a:avLst/>
-          </a:prstGeom>
-        </p:spPr>
-      </p:pic>
-      <p:sp>
-        <p:nvSpPr>
-          <p:cNvPr id="5" name="Oval 4">
-            <a:extLst>
-              <a:ext uri="{FF2B5EF4-FFF2-40B4-BE49-F238E27FC236}">
-                <a16:creationId xmlns:a16="http://schemas.microsoft.com/office/drawing/2014/main" xmlns="" id="{DCF6EEDF-92EF-487E-B22E-41DFF87D8D6C}"/>
-              </a:ext>
-            </a:extLst>
-          </p:cNvPr>
-          <p:cNvSpPr/>
-          <p:nvPr/>
-        </p:nvSpPr>
-        <p:spPr>
-          <a:xfrm>
-            <a:off x="1524000" y="5961355"/>
-            <a:ext cx="2590800" cy="762000"/>
-          </a:xfrm>
-          <a:prstGeom prst="ellipse">
-            <a:avLst/>
-          </a:prstGeom>
-          <a:noFill/>
-          <a:ln>
-            <a:solidFill>
-              <a:srgbClr val="FF0000"/>
-            </a:solidFill>
-          </a:ln>
-        </p:spPr>
-        <p:style>
-          <a:lnRef idx="2">
-            <a:schemeClr val="accent1">
-              <a:shade val="50000"/>
-            </a:schemeClr>
-          </a:lnRef>
-          <a:fillRef idx="1">
-            <a:schemeClr val="accent1"/>
-          </a:fillRef>
-          <a:effectRef idx="0">
-            <a:schemeClr val="accent1"/>
-          </a:effectRef>
-          <a:fontRef idx="minor">
-            <a:schemeClr val="lt1"/>
-          </a:fontRef>
-        </p:style>
-        <p:txBody>
-          <a:bodyPr rtlCol="0" anchor="ctr"/>
-          <a:lstStyle/>
-          <a:p>
-            <a:pPr algn="ctr"/>
-            <a:endParaRPr lang="en-US"/>
-          </a:p>
-        </p:txBody>
-      </p:sp>
-      <p:pic>
-        <p:nvPicPr>
-          <p:cNvPr id="6" name="Picture 5">
-            <a:extLst>
-              <a:ext uri="{FF2B5EF4-FFF2-40B4-BE49-F238E27FC236}">
-                <a16:creationId xmlns:a16="http://schemas.microsoft.com/office/drawing/2014/main" xmlns="" id="{38A4E0B2-C99F-4965-AC9B-E021F3FAC04F}"/>
-              </a:ext>
-            </a:extLst>
-          </p:cNvPr>
-          <p:cNvPicPr>
-            <a:picLocks noChangeAspect="1"/>
-          </p:cNvPicPr>
-          <p:nvPr/>
-        </p:nvPicPr>
-        <p:blipFill>
-          <a:blip r:embed="rId7"/>
-          <a:stretch>
-            <a:fillRect/>
-          </a:stretch>
-        </p:blipFill>
-        <p:spPr>
-          <a:xfrm>
-            <a:off x="5334001" y="1621270"/>
-            <a:ext cx="2697685" cy="5074713"/>
-          </a:xfrm>
-          <a:prstGeom prst="rect">
-            <a:avLst/>
-          </a:prstGeom>
-        </p:spPr>
-      </p:pic>
-      <p:sp>
-        <p:nvSpPr>
-          <p:cNvPr id="9" name="Oval 8">
-            <a:extLst>
-              <a:ext uri="{FF2B5EF4-FFF2-40B4-BE49-F238E27FC236}">
-                <a16:creationId xmlns:a16="http://schemas.microsoft.com/office/drawing/2014/main" xmlns="" id="{DA85EFC5-6758-4672-8D66-D8CAD1F9EAEA}"/>
-              </a:ext>
-            </a:extLst>
-          </p:cNvPr>
-          <p:cNvSpPr/>
-          <p:nvPr/>
-        </p:nvSpPr>
-        <p:spPr>
-          <a:xfrm>
-            <a:off x="5562600" y="5933983"/>
-            <a:ext cx="2590800" cy="762000"/>
-          </a:xfrm>
-          <a:prstGeom prst="ellipse">
-            <a:avLst/>
-          </a:prstGeom>
-          <a:noFill/>
-          <a:ln>
-            <a:solidFill>
-              <a:srgbClr val="FF0000"/>
-            </a:solidFill>
-          </a:ln>
-        </p:spPr>
-        <p:style>
-          <a:lnRef idx="2">
-            <a:schemeClr val="accent1">
-              <a:shade val="50000"/>
-            </a:schemeClr>
-          </a:lnRef>
-          <a:fillRef idx="1">
-            <a:schemeClr val="accent1"/>
-          </a:fillRef>
-          <a:effectRef idx="0">
-            <a:schemeClr val="accent1"/>
-          </a:effectRef>
-          <a:fontRef idx="minor">
-            <a:schemeClr val="lt1"/>
-          </a:fontRef>
-        </p:style>
-        <p:txBody>
-          <a:bodyPr rtlCol="0" anchor="ctr"/>
-          <a:lstStyle/>
-          <a:p>
-            <a:pPr algn="ctr"/>
-            <a:endParaRPr lang="en-US"/>
-          </a:p>
-        </p:txBody>
-      </p:sp>
-      <p:sp>
-        <p:nvSpPr>
-          <p:cNvPr id="10" name="TextBox 9">
-            <a:extLst>
-              <a:ext uri="{FF2B5EF4-FFF2-40B4-BE49-F238E27FC236}">
-                <a16:creationId xmlns:a16="http://schemas.microsoft.com/office/drawing/2014/main" xmlns="" id="{1C44E4A5-08FF-4A36-B0A0-30A45F59F7D3}"/>
-              </a:ext>
-            </a:extLst>
-          </p:cNvPr>
-          <p:cNvSpPr txBox="1"/>
-          <p:nvPr/>
-        </p:nvSpPr>
-        <p:spPr>
-          <a:xfrm>
-            <a:off x="5181600" y="960438"/>
-            <a:ext cx="3124200" cy="369332"/>
-          </a:xfrm>
-          <a:prstGeom prst="rect">
-            <a:avLst/>
-          </a:prstGeom>
-          <a:noFill/>
-        </p:spPr>
-        <p:txBody>
-          <a:bodyPr wrap="square" rtlCol="0">
-            <a:spAutoFit/>
-          </a:bodyPr>
-          <a:lstStyle/>
-          <a:p>
-            <a:pPr algn="ctr"/>
-            <a:r>
-              <a:rPr lang="en-US" dirty="0"/>
-              <a:t>Rebound after first 10 weeks</a:t>
-            </a:r>
-          </a:p>
-        </p:txBody>
-      </p:sp>
-    </p:spTree>
-    <p:extLst>
-      <p:ext uri="{BB962C8B-B14F-4D97-AF65-F5344CB8AC3E}">
-        <p14:creationId xmlns:p14="http://schemas.microsoft.com/office/powerpoint/2010/main" val="2353747996"/>
-      </p:ext>
-    </p:extLst>
-  </p:cSld>
-  <p:clrMapOvr>
-    <a:masterClrMapping/>
-  </p:clrMapOvr>
-</p:sld>
-</file>
-
-<file path=ppt/slides/slide23.xml><?xml version="1.0" encoding="utf-8"?>
-<p:sld xmlns:a="http://schemas.openxmlformats.org/drawingml/2006/main" xmlns:r="http://schemas.openxmlformats.org/officeDocument/2006/relationships" xmlns:p="http://schemas.openxmlformats.org/presentationml/2006/main">
-  <p:cSld>
-    <p:spTree>
-      <p:nvGrpSpPr>
-        <p:cNvPr id="1" name=""/>
-        <p:cNvGrpSpPr/>
-        <p:nvPr/>
-      </p:nvGrpSpPr>
-      <p:grpSpPr>
-        <a:xfrm>
-          <a:off x="0" y="0"/>
-          <a:ext cx="0" cy="0"/>
-          <a:chOff x="0" y="0"/>
-          <a:chExt cx="0" cy="0"/>
-        </a:xfrm>
-      </p:grpSpPr>
-      <p:graphicFrame>
-        <p:nvGraphicFramePr>
-          <p:cNvPr id="235522" name="Rectangle 2" hidden="1"/>
-          <p:cNvGraphicFramePr>
-            <a:graphicFrameLocks/>
-          </p:cNvGraphicFramePr>
-          <p:nvPr>
-            <p:custDataLst>
-              <p:tags r:id="rId2"/>
-            </p:custDataLst>
-          </p:nvPr>
-        </p:nvGraphicFramePr>
-        <p:xfrm>
-          <a:off x="0" y="-305118"/>
-          <a:ext cx="158519" cy="158518"/>
-        </p:xfrm>
-        <a:graphic>
-          <a:graphicData uri="http://schemas.openxmlformats.org/presentationml/2006/ole">
-            <mc:AlternateContent xmlns:mc="http://schemas.openxmlformats.org/markup-compatibility/2006">
-              <mc:Choice xmlns:v="urn:schemas-microsoft-com:vml" Requires="v">
-                <p:oleObj spid="_x0000_s22535" r:id="rId5" imgW="0" imgH="0" progId="TCLayout.ActiveDocument.1">
-                  <p:embed/>
-                </p:oleObj>
-              </mc:Choice>
-              <mc:Fallback>
-                <p:oleObj r:id="rId5" imgW="0" imgH="0" progId="TCLayout.ActiveDocument.1">
-                  <p:embed/>
-                  <p:pic>
-                    <p:nvPicPr>
-                      <p:cNvPr id="235522" name="Rectangle 2" hidden="1"/>
-                      <p:cNvPicPr preferRelativeResize="0">
-                        <a:picLocks noChangeArrowheads="1"/>
-                      </p:cNvPicPr>
-                      <p:nvPr/>
-                    </p:nvPicPr>
-                    <p:blipFill>
-                      <a:blip>
-                        <a:extLst>
-                          <a:ext uri="{28A0092B-C50C-407E-A947-70E740481C1C}">
-                            <a14:useLocalDpi xmlns:a14="http://schemas.microsoft.com/office/drawing/2010/main" val="0"/>
-                          </a:ext>
-                        </a:extLst>
-                      </a:blip>
-                      <a:srcRect/>
-                      <a:stretch>
-                        <a:fillRect/>
-                      </a:stretch>
-                    </p:blipFill>
-                    <p:spPr bwMode="auto">
-                      <a:xfrm>
-                        <a:off x="0" y="-305118"/>
-                        <a:ext cx="158519" cy="158518"/>
-                      </a:xfrm>
-                      <a:prstGeom prst="rect">
-                        <a:avLst/>
-                      </a:prstGeom>
-                      <a:noFill/>
-                      <a:ln>
-                        <a:noFill/>
-                      </a:ln>
-                      <a:extLst>
-                        <a:ext uri="{909E8E84-426E-40DD-AFC4-6F175D3DCCD1}">
-                          <a14:hiddenFill xmlns:a14="http://schemas.microsoft.com/office/drawing/2010/main">
-                            <a:solidFill>
-                              <a:srgbClr val="FFFFFF"/>
-                            </a:solidFill>
-                          </a14:hiddenFill>
-                        </a:ext>
-                        <a:ext uri="{91240B29-F687-4F45-9708-019B960494DF}">
-                          <a14:hiddenLine xmlns:a14="http://schemas.microsoft.com/office/drawing/2010/main" w="9525">
-                            <a:solidFill>
-                              <a:srgbClr val="000000"/>
-                            </a:solidFill>
-                            <a:miter lim="800000"/>
-                            <a:headEnd/>
-                            <a:tailEnd/>
-                          </a14:hiddenLine>
-                        </a:ext>
-                      </a:extLst>
-                    </p:spPr>
-                  </p:pic>
-                </p:oleObj>
-              </mc:Fallback>
-            </mc:AlternateContent>
-          </a:graphicData>
-        </a:graphic>
-      </p:graphicFrame>
-      <p:sp>
-        <p:nvSpPr>
-          <p:cNvPr id="8" name="Title 40">
-            <a:extLst>
-              <a:ext uri="{FF2B5EF4-FFF2-40B4-BE49-F238E27FC236}">
-                <a16:creationId xmlns:a16="http://schemas.microsoft.com/office/drawing/2014/main" xmlns="" id="{6D65D641-D69D-4168-BB7D-AD3F200877E3}"/>
-              </a:ext>
-            </a:extLst>
-          </p:cNvPr>
-          <p:cNvSpPr>
-            <a:spLocks noGrp="1"/>
-          </p:cNvSpPr>
-          <p:nvPr>
-            <p:ph type="title"/>
-          </p:nvPr>
-        </p:nvSpPr>
-        <p:spPr>
-          <a:xfrm>
-            <a:off x="381000" y="152400"/>
-            <a:ext cx="8153400" cy="808038"/>
-          </a:xfrm>
-        </p:spPr>
-        <p:txBody>
-          <a:bodyPr>
-            <a:normAutofit/>
-          </a:bodyPr>
-          <a:lstStyle/>
-          <a:p>
-            <a:pPr algn="l"/>
-            <a:r>
-              <a:rPr lang="en-US" sz="2400" b="1" dirty="0">
-                <a:solidFill>
-                  <a:srgbClr val="000066"/>
-                </a:solidFill>
-              </a:rPr>
-              <a:t>Findings</a:t>
-            </a:r>
-          </a:p>
-        </p:txBody>
-      </p:sp>
-      <p:sp>
-        <p:nvSpPr>
-          <p:cNvPr id="4" name="TextBox 3">
-            <a:extLst>
-              <a:ext uri="{FF2B5EF4-FFF2-40B4-BE49-F238E27FC236}">
-                <a16:creationId xmlns:a16="http://schemas.microsoft.com/office/drawing/2014/main" xmlns="" id="{59D6BA0D-75DA-411C-AE80-6B1C75B5F712}"/>
-              </a:ext>
-            </a:extLst>
-          </p:cNvPr>
-          <p:cNvSpPr txBox="1"/>
-          <p:nvPr/>
-        </p:nvSpPr>
-        <p:spPr>
-          <a:xfrm>
-            <a:off x="533400" y="960438"/>
-            <a:ext cx="7772400" cy="2585323"/>
-          </a:xfrm>
-          <a:prstGeom prst="rect">
-            <a:avLst/>
-          </a:prstGeom>
-          <a:noFill/>
-        </p:spPr>
-        <p:txBody>
-          <a:bodyPr wrap="square" rtlCol="0">
-            <a:spAutoFit/>
-          </a:bodyPr>
-          <a:lstStyle/>
-          <a:p>
-            <a:r>
-              <a:rPr lang="en-US" b="1" dirty="0" smtClean="0">
-                <a:solidFill>
-                  <a:srgbClr val="000066"/>
-                </a:solidFill>
-              </a:rPr>
-              <a:t>The positive ROI is obviously a good thing, but here is a different way to look at the results that may be comforting for the risk-averse:</a:t>
-            </a:r>
-            <a:endParaRPr lang="en-US" b="1" i="1" dirty="0" smtClean="0">
-              <a:solidFill>
-                <a:srgbClr val="000066"/>
-              </a:solidFill>
-            </a:endParaRPr>
-          </a:p>
-          <a:p>
-            <a:endParaRPr lang="en-US" b="1" i="1" dirty="0">
-              <a:solidFill>
-                <a:srgbClr val="000066"/>
-              </a:solidFill>
-            </a:endParaRPr>
-          </a:p>
-          <a:p>
-            <a:pPr marL="285750" indent="-285750">
-              <a:buFont typeface="Arial" charset="0"/>
-              <a:buChar char="•"/>
-            </a:pPr>
-            <a:r>
-              <a:rPr lang="en-US" b="1" i="1" dirty="0" smtClean="0">
-                <a:solidFill>
-                  <a:srgbClr val="000066"/>
-                </a:solidFill>
-              </a:rPr>
-              <a:t>A 30% ROI or better is more likely than losing any money whatsoever</a:t>
-            </a:r>
-          </a:p>
-          <a:p>
-            <a:pPr marL="285750" indent="-285750">
-              <a:buFont typeface="Arial" charset="0"/>
-              <a:buChar char="•"/>
-            </a:pPr>
-            <a:r>
-              <a:rPr lang="en-US" b="1" i="1" dirty="0" smtClean="0">
-                <a:solidFill>
-                  <a:srgbClr val="000066"/>
-                </a:solidFill>
-              </a:rPr>
-              <a:t>A 40% increase is more likely than a 10% drop</a:t>
-            </a:r>
-          </a:p>
-          <a:p>
-            <a:pPr marL="285750" indent="-285750">
-              <a:buFont typeface="Arial" charset="0"/>
-              <a:buChar char="•"/>
-            </a:pPr>
-            <a:r>
-              <a:rPr lang="en-US" b="1" i="1" dirty="0" smtClean="0">
-                <a:solidFill>
-                  <a:srgbClr val="000066"/>
-                </a:solidFill>
-              </a:rPr>
-              <a:t>A 60% ROI is more likely than a 25% decline</a:t>
-            </a:r>
-          </a:p>
-          <a:p>
-            <a:pPr marL="285750" indent="-285750">
-              <a:buFont typeface="Arial" charset="0"/>
-              <a:buChar char="•"/>
-            </a:pPr>
-            <a:r>
-              <a:rPr lang="en-US" b="1" i="1" dirty="0" smtClean="0">
-                <a:solidFill>
-                  <a:srgbClr val="000066"/>
-                </a:solidFill>
-              </a:rPr>
-              <a:t>A 140% return more likely than a 50% drop in value</a:t>
-            </a:r>
-          </a:p>
-          <a:p>
-            <a:pPr marL="285750" indent="-285750">
-              <a:buFontTx/>
-              <a:buChar char="-"/>
-            </a:pPr>
-            <a:endParaRPr lang="en-US" b="1" i="1" dirty="0" smtClean="0">
-              <a:solidFill>
-                <a:srgbClr val="000066"/>
-              </a:solidFill>
-            </a:endParaRPr>
+              <a:t>Positive results:</a:t>
+            </a:r>
           </a:p>
           <a:p>
             <a:pPr marL="285750" indent="-285750">
@@ -10744,314 +11068,104 @@
               </a:solidFill>
             </a:endParaRPr>
           </a:p>
-        </p:txBody>
-      </p:sp>
-      <p:pic>
-        <p:nvPicPr>
-          <p:cNvPr id="3" name="Picture 2"/>
-          <p:cNvPicPr>
-            <a:picLocks noChangeAspect="1"/>
-          </p:cNvPicPr>
-          <p:nvPr/>
-        </p:nvPicPr>
-        <p:blipFill>
-          <a:blip r:embed="rId6">
-            <a:extLst>
-              <a:ext uri="{28A0092B-C50C-407E-A947-70E740481C1C}">
-                <a14:useLocalDpi xmlns:a14="http://schemas.microsoft.com/office/drawing/2010/main" val="0"/>
-              </a:ext>
-            </a:extLst>
-          </a:blip>
-          <a:stretch>
-            <a:fillRect/>
-          </a:stretch>
-        </p:blipFill>
-        <p:spPr>
-          <a:xfrm>
-            <a:off x="1860550" y="3104474"/>
-            <a:ext cx="5118100" cy="3721100"/>
-          </a:xfrm>
-          <a:prstGeom prst="rect">
-            <a:avLst/>
-          </a:prstGeom>
-        </p:spPr>
-      </p:pic>
-    </p:spTree>
-    <p:extLst>
-      <p:ext uri="{BB962C8B-B14F-4D97-AF65-F5344CB8AC3E}">
-        <p14:creationId xmlns:p14="http://schemas.microsoft.com/office/powerpoint/2010/main" val="3075463552"/>
-      </p:ext>
-    </p:extLst>
-  </p:cSld>
-  <p:clrMapOvr>
-    <a:masterClrMapping/>
-  </p:clrMapOvr>
-  <p:timing>
-    <p:tnLst>
-      <p:par>
-        <p:cTn id="1" dur="indefinite" restart="never" nodeType="tmRoot">
-          <p:childTnLst>
-            <p:seq concurrent="1" nextAc="seek">
-              <p:cTn id="2" dur="indefinite" nodeType="mainSeq">
-                <p:childTnLst>
-                  <p:par>
-                    <p:cTn id="3" fill="hold">
-                      <p:stCondLst>
-                        <p:cond delay="indefinite"/>
-                      </p:stCondLst>
-                      <p:childTnLst>
-                        <p:par>
-                          <p:cTn id="4" fill="hold">
-                            <p:stCondLst>
-                              <p:cond delay="0"/>
-                            </p:stCondLst>
-                            <p:childTnLst>
-                              <p:par>
-                                <p:cTn id="5" presetID="1" presetClass="entr" presetSubtype="0" fill="hold" grpId="0" nodeType="clickEffect">
-                                  <p:stCondLst>
-                                    <p:cond delay="0"/>
-                                  </p:stCondLst>
-                                  <p:childTnLst>
-                                    <p:set>
-                                      <p:cBhvr>
-                                        <p:cTn id="6" dur="1" fill="hold">
-                                          <p:stCondLst>
-                                            <p:cond delay="0"/>
-                                          </p:stCondLst>
-                                        </p:cTn>
-                                        <p:tgtEl>
-                                          <p:spTgt spid="4"/>
-                                        </p:tgtEl>
-                                        <p:attrNameLst>
-                                          <p:attrName>style.visibility</p:attrName>
-                                        </p:attrNameLst>
-                                      </p:cBhvr>
-                                      <p:to>
-                                        <p:strVal val="visible"/>
-                                      </p:to>
-                                    </p:set>
-                                  </p:childTnLst>
-                                </p:cTn>
-                              </p:par>
-                            </p:childTnLst>
-                          </p:cTn>
-                        </p:par>
-                      </p:childTnLst>
-                    </p:cTn>
-                  </p:par>
-                </p:childTnLst>
-              </p:cTn>
-              <p:prevCondLst>
-                <p:cond evt="onPrev" delay="0">
-                  <p:tgtEl>
-                    <p:sldTgt/>
-                  </p:tgtEl>
-                </p:cond>
-              </p:prevCondLst>
-              <p:nextCondLst>
-                <p:cond evt="onNext" delay="0">
-                  <p:tgtEl>
-                    <p:sldTgt/>
-                  </p:tgtEl>
-                </p:cond>
-              </p:nextCondLst>
-            </p:seq>
-          </p:childTnLst>
-        </p:cTn>
-      </p:par>
-    </p:tnLst>
-    <p:bldLst>
-      <p:bldP spid="4" grpId="0"/>
-    </p:bldLst>
-  </p:timing>
-</p:sld>
-</file>
-
-<file path=ppt/slides/slide24.xml><?xml version="1.0" encoding="utf-8"?>
-<p:sld xmlns:a="http://schemas.openxmlformats.org/drawingml/2006/main" xmlns:r="http://schemas.openxmlformats.org/officeDocument/2006/relationships" xmlns:p="http://schemas.openxmlformats.org/presentationml/2006/main">
-  <p:cSld>
-    <p:spTree>
-      <p:nvGrpSpPr>
-        <p:cNvPr id="1" name=""/>
-        <p:cNvGrpSpPr/>
-        <p:nvPr/>
-      </p:nvGrpSpPr>
-      <p:grpSpPr>
-        <a:xfrm>
-          <a:off x="0" y="0"/>
-          <a:ext cx="0" cy="0"/>
-          <a:chOff x="0" y="0"/>
-          <a:chExt cx="0" cy="0"/>
-        </a:xfrm>
-      </p:grpSpPr>
-      <p:graphicFrame>
-        <p:nvGraphicFramePr>
-          <p:cNvPr id="235522" name="Rectangle 2" hidden="1"/>
-          <p:cNvGraphicFramePr>
-            <a:graphicFrameLocks/>
-          </p:cNvGraphicFramePr>
-          <p:nvPr>
-            <p:custDataLst>
-              <p:tags r:id="rId2"/>
-            </p:custDataLst>
-          </p:nvPr>
-        </p:nvGraphicFramePr>
-        <p:xfrm>
-          <a:off x="0" y="-305118"/>
-          <a:ext cx="158519" cy="158518"/>
-        </p:xfrm>
-        <a:graphic>
-          <a:graphicData uri="http://schemas.openxmlformats.org/presentationml/2006/ole">
-            <mc:AlternateContent xmlns:mc="http://schemas.openxmlformats.org/markup-compatibility/2006">
-              <mc:Choice xmlns:v="urn:schemas-microsoft-com:vml" Requires="v">
-                <p:oleObj spid="_x0000_s23561" r:id="rId5" imgW="0" imgH="0" progId="TCLayout.ActiveDocument.1">
-                  <p:embed/>
-                </p:oleObj>
-              </mc:Choice>
-              <mc:Fallback>
-                <p:oleObj r:id="rId5" imgW="0" imgH="0" progId="TCLayout.ActiveDocument.1">
-                  <p:embed/>
-                  <p:pic>
-                    <p:nvPicPr>
-                      <p:cNvPr id="235522" name="Rectangle 2" hidden="1"/>
-                      <p:cNvPicPr preferRelativeResize="0">
-                        <a:picLocks noChangeArrowheads="1"/>
-                      </p:cNvPicPr>
-                      <p:nvPr/>
-                    </p:nvPicPr>
-                    <p:blipFill>
-                      <a:blip>
-                        <a:extLst>
-                          <a:ext uri="{28A0092B-C50C-407E-A947-70E740481C1C}">
-                            <a14:useLocalDpi xmlns:a14="http://schemas.microsoft.com/office/drawing/2010/main" val="0"/>
-                          </a:ext>
-                        </a:extLst>
-                      </a:blip>
-                      <a:srcRect/>
-                      <a:stretch>
-                        <a:fillRect/>
-                      </a:stretch>
-                    </p:blipFill>
-                    <p:spPr bwMode="auto">
-                      <a:xfrm>
-                        <a:off x="0" y="-305118"/>
-                        <a:ext cx="158519" cy="158518"/>
-                      </a:xfrm>
-                      <a:prstGeom prst="rect">
-                        <a:avLst/>
-                      </a:prstGeom>
-                      <a:noFill/>
-                      <a:ln>
-                        <a:noFill/>
-                      </a:ln>
-                      <a:extLst>
-                        <a:ext uri="{909E8E84-426E-40DD-AFC4-6F175D3DCCD1}">
-                          <a14:hiddenFill xmlns:a14="http://schemas.microsoft.com/office/drawing/2010/main">
-                            <a:solidFill>
-                              <a:srgbClr val="FFFFFF"/>
-                            </a:solidFill>
-                          </a14:hiddenFill>
-                        </a:ext>
-                        <a:ext uri="{91240B29-F687-4F45-9708-019B960494DF}">
-                          <a14:hiddenLine xmlns:a14="http://schemas.microsoft.com/office/drawing/2010/main" w="9525">
-                            <a:solidFill>
-                              <a:srgbClr val="000000"/>
-                            </a:solidFill>
-                            <a:miter lim="800000"/>
-                            <a:headEnd/>
-                            <a:tailEnd/>
-                          </a14:hiddenLine>
-                        </a:ext>
-                      </a:extLst>
-                    </p:spPr>
-                  </p:pic>
-                </p:oleObj>
-              </mc:Fallback>
-            </mc:AlternateContent>
-          </a:graphicData>
-        </a:graphic>
-      </p:graphicFrame>
-      <p:sp>
-        <p:nvSpPr>
-          <p:cNvPr id="8" name="Title 40">
-            <a:extLst>
-              <a:ext uri="{FF2B5EF4-FFF2-40B4-BE49-F238E27FC236}">
-                <a16:creationId xmlns:a16="http://schemas.microsoft.com/office/drawing/2014/main" xmlns="" id="{6D65D641-D69D-4168-BB7D-AD3F200877E3}"/>
-              </a:ext>
-            </a:extLst>
-          </p:cNvPr>
-          <p:cNvSpPr>
-            <a:spLocks noGrp="1"/>
-          </p:cNvSpPr>
-          <p:nvPr>
-            <p:ph type="title"/>
-          </p:nvPr>
-        </p:nvSpPr>
-        <p:spPr>
-          <a:xfrm>
-            <a:off x="381000" y="152400"/>
-            <a:ext cx="8153400" cy="808038"/>
-          </a:xfrm>
-        </p:spPr>
-        <p:txBody>
-          <a:bodyPr>
-            <a:normAutofit/>
-          </a:bodyPr>
-          <a:lstStyle/>
-          <a:p>
-            <a:pPr algn="l"/>
-            <a:r>
-              <a:rPr lang="en-US" sz="2400" b="1" dirty="0">
+          <a:p>
+            <a:pPr marL="285750" indent="-285750">
+              <a:buFont typeface="Arial" panose="020B0604020202020204" pitchFamily="34" charset="0"/>
+              <a:buChar char="•"/>
+            </a:pPr>
+            <a:r>
+              <a:rPr lang="en-US" b="1" i="1" dirty="0">
                 <a:solidFill>
                   <a:srgbClr val="000066"/>
                 </a:solidFill>
               </a:rPr>
-              <a:t>Findings</a:t>
-            </a:r>
-          </a:p>
-        </p:txBody>
-      </p:sp>
-      <p:sp>
-        <p:nvSpPr>
-          <p:cNvPr id="4" name="TextBox 3">
-            <a:extLst>
-              <a:ext uri="{FF2B5EF4-FFF2-40B4-BE49-F238E27FC236}">
-                <a16:creationId xmlns:a16="http://schemas.microsoft.com/office/drawing/2014/main" xmlns="" id="{59D6BA0D-75DA-411C-AE80-6B1C75B5F712}"/>
-              </a:ext>
-            </a:extLst>
-          </p:cNvPr>
-          <p:cNvSpPr txBox="1"/>
-          <p:nvPr/>
-        </p:nvSpPr>
-        <p:spPr>
-          <a:xfrm>
-            <a:off x="533400" y="1143923"/>
-            <a:ext cx="7772400" cy="4247317"/>
-          </a:xfrm>
-          <a:prstGeom prst="rect">
-            <a:avLst/>
-          </a:prstGeom>
-          <a:noFill/>
-        </p:spPr>
-        <p:txBody>
-          <a:bodyPr wrap="square" rtlCol="0">
-            <a:spAutoFit/>
-          </a:bodyPr>
-          <a:lstStyle/>
-          <a:p>
-            <a:r>
-              <a:rPr lang="en-US" b="1" dirty="0" smtClean="0">
+              <a:t>Almost all of the stocks bounce back (93.2%) within 6 months</a:t>
+            </a:r>
+          </a:p>
+          <a:p>
+            <a:pPr marL="285750" indent="-285750">
+              <a:buFont typeface="Arial" panose="020B0604020202020204" pitchFamily="34" charset="0"/>
+              <a:buChar char="•"/>
+            </a:pPr>
+            <a:r>
+              <a:rPr lang="en-US" b="1" i="1" dirty="0">
                 <a:solidFill>
                   <a:srgbClr val="000066"/>
                 </a:solidFill>
               </a:rPr>
-              <a:t>Positive results:</a:t>
+              <a:t>A majority of those bounce backs happen within a 3-week period</a:t>
+            </a:r>
+          </a:p>
+          <a:p>
+            <a:pPr marL="285750" indent="-285750">
+              <a:buFont typeface="Arial" panose="020B0604020202020204" pitchFamily="34" charset="0"/>
+              <a:buChar char="•"/>
+            </a:pPr>
+            <a:r>
+              <a:rPr lang="en-US" b="1" i="1" dirty="0">
+                <a:solidFill>
+                  <a:srgbClr val="000066"/>
+                </a:solidFill>
+              </a:rPr>
+              <a:t>This subset returns is our strongest over the next 6 months</a:t>
+            </a:r>
+          </a:p>
+          <a:p>
+            <a:pPr marL="285750" indent="-285750">
+              <a:buFont typeface="Arial" panose="020B0604020202020204" pitchFamily="34" charset="0"/>
+              <a:buChar char="•"/>
+            </a:pPr>
+            <a:r>
+              <a:rPr lang="en-US" b="1" i="1" dirty="0">
+                <a:solidFill>
+                  <a:srgbClr val="000066"/>
+                </a:solidFill>
+              </a:rPr>
+              <a:t>Approximately 90% of the bounce backs happen within 10 weeks</a:t>
+            </a:r>
+          </a:p>
+          <a:p>
+            <a:pPr marL="285750" indent="-285750">
+              <a:buFont typeface="Arial" panose="020B0604020202020204" pitchFamily="34" charset="0"/>
+              <a:buChar char="•"/>
+            </a:pPr>
+            <a:r>
+              <a:rPr lang="en-US" b="1" i="1" dirty="0">
+                <a:solidFill>
+                  <a:srgbClr val="000066"/>
+                </a:solidFill>
+              </a:rPr>
+              <a:t>This is our threshold for being a worthy buying opportunity</a:t>
             </a:r>
             <a:endParaRPr lang="en-US" b="1" dirty="0">
               <a:solidFill>
                 <a:srgbClr val="000066"/>
               </a:solidFill>
             </a:endParaRPr>
+          </a:p>
+          <a:p>
+            <a:endParaRPr lang="en-US" b="1" dirty="0">
+              <a:solidFill>
+                <a:srgbClr val="000066"/>
+              </a:solidFill>
+            </a:endParaRPr>
+          </a:p>
+          <a:p>
+            <a:endParaRPr lang="en-US" b="1" dirty="0">
+              <a:solidFill>
+                <a:srgbClr val="000066"/>
+              </a:solidFill>
+            </a:endParaRPr>
+          </a:p>
+          <a:p>
+            <a:r>
+              <a:rPr lang="en-US" b="1" dirty="0">
+                <a:solidFill>
+                  <a:srgbClr val="000066"/>
+                </a:solidFill>
+              </a:rPr>
+              <a:t>Surprising non-factors:</a:t>
+            </a:r>
           </a:p>
           <a:p>
             <a:pPr marL="285750" indent="-285750">
@@ -11070,18 +11184,13 @@
               <a:buChar char="•"/>
             </a:pPr>
             <a:r>
-              <a:rPr lang="en-US" b="1" i="1" dirty="0" smtClean="0">
+              <a:rPr lang="en-US" b="1" i="1" dirty="0">
                 <a:solidFill>
                   <a:srgbClr val="000066"/>
                 </a:solidFill>
               </a:rPr>
-              <a:t>Almost all of the stocks bounce back (93.2%) within 6 months</a:t>
-            </a:r>
-            <a:endParaRPr lang="en-US" b="1" i="1" dirty="0">
-              <a:solidFill>
-                <a:srgbClr val="000066"/>
-              </a:solidFill>
-            </a:endParaRPr>
+              <a:t>Length of decline (time)</a:t>
+            </a:r>
           </a:p>
           <a:p>
             <a:pPr marL="285750" indent="-285750">
@@ -11089,18 +11198,13 @@
               <a:buChar char="•"/>
             </a:pPr>
             <a:r>
-              <a:rPr lang="en-US" b="1" i="1" dirty="0" smtClean="0">
+              <a:rPr lang="en-US" b="1" i="1" dirty="0">
                 <a:solidFill>
                   <a:srgbClr val="000066"/>
                 </a:solidFill>
               </a:rPr>
-              <a:t>A majority of those bounce backs happen within a 3-week period</a:t>
-            </a:r>
-            <a:endParaRPr lang="en-US" b="1" i="1" dirty="0">
-              <a:solidFill>
-                <a:srgbClr val="000066"/>
-              </a:solidFill>
-            </a:endParaRPr>
+              <a:t>Magnitude of decline (% of price)</a:t>
+            </a:r>
           </a:p>
           <a:p>
             <a:pPr marL="285750" indent="-285750">
@@ -11108,132 +11212,7 @@
               <a:buChar char="•"/>
             </a:pPr>
             <a:r>
-              <a:rPr lang="en-US" b="1" i="1" dirty="0" smtClean="0">
-                <a:solidFill>
-                  <a:srgbClr val="000066"/>
-                </a:solidFill>
-              </a:rPr>
-              <a:t>This subset returns is our strongest over the next 6 months</a:t>
-            </a:r>
-          </a:p>
-          <a:p>
-            <a:pPr marL="285750" indent="-285750">
-              <a:buFont typeface="Arial" panose="020B0604020202020204" pitchFamily="34" charset="0"/>
-              <a:buChar char="•"/>
-            </a:pPr>
-            <a:r>
-              <a:rPr lang="en-US" b="1" i="1" dirty="0" smtClean="0">
-                <a:solidFill>
-                  <a:srgbClr val="000066"/>
-                </a:solidFill>
-              </a:rPr>
-              <a:t>Approximately 90% of the bounce backs happen within 10 weeks</a:t>
-            </a:r>
-          </a:p>
-          <a:p>
-            <a:pPr marL="285750" indent="-285750">
-              <a:buFont typeface="Arial" panose="020B0604020202020204" pitchFamily="34" charset="0"/>
-              <a:buChar char="•"/>
-            </a:pPr>
-            <a:r>
-              <a:rPr lang="en-US" b="1" i="1" dirty="0" smtClean="0">
-                <a:solidFill>
-                  <a:srgbClr val="000066"/>
-                </a:solidFill>
-              </a:rPr>
-              <a:t>This is our threshold for being a worthy buying opportunity</a:t>
-            </a:r>
-            <a:endParaRPr lang="en-US" b="1" dirty="0" smtClean="0">
-              <a:solidFill>
-                <a:srgbClr val="000066"/>
-              </a:solidFill>
-            </a:endParaRPr>
-          </a:p>
-          <a:p>
-            <a:endParaRPr lang="en-US" b="1" dirty="0" smtClean="0">
-              <a:solidFill>
-                <a:srgbClr val="000066"/>
-              </a:solidFill>
-            </a:endParaRPr>
-          </a:p>
-          <a:p>
-            <a:endParaRPr lang="en-US" b="1" dirty="0" smtClean="0">
-              <a:solidFill>
-                <a:srgbClr val="000066"/>
-              </a:solidFill>
-            </a:endParaRPr>
-          </a:p>
-          <a:p>
-            <a:r>
-              <a:rPr lang="en-US" b="1" dirty="0" smtClean="0">
-                <a:solidFill>
-                  <a:srgbClr val="000066"/>
-                </a:solidFill>
-              </a:rPr>
-              <a:t>Surprising non-factors:</a:t>
-            </a:r>
-            <a:endParaRPr lang="en-US" b="1" dirty="0">
-              <a:solidFill>
-                <a:srgbClr val="000066"/>
-              </a:solidFill>
-            </a:endParaRPr>
-          </a:p>
-          <a:p>
-            <a:pPr marL="285750" indent="-285750">
-              <a:buFont typeface="Arial" panose="020B0604020202020204" pitchFamily="34" charset="0"/>
-              <a:buChar char="•"/>
-            </a:pPr>
-            <a:endParaRPr lang="en-US" b="1" i="1" dirty="0">
-              <a:solidFill>
-                <a:srgbClr val="000066"/>
-              </a:solidFill>
-            </a:endParaRPr>
-          </a:p>
-          <a:p>
-            <a:pPr marL="285750" indent="-285750">
-              <a:buFont typeface="Arial" panose="020B0604020202020204" pitchFamily="34" charset="0"/>
-              <a:buChar char="•"/>
-            </a:pPr>
-            <a:r>
-              <a:rPr lang="en-US" b="1" i="1" dirty="0" smtClean="0">
-                <a:solidFill>
-                  <a:srgbClr val="000066"/>
-                </a:solidFill>
-              </a:rPr>
-              <a:t>Length of decline (time)</a:t>
-            </a:r>
-            <a:endParaRPr lang="en-US" b="1" i="1" dirty="0">
-              <a:solidFill>
-                <a:srgbClr val="000066"/>
-              </a:solidFill>
-            </a:endParaRPr>
-          </a:p>
-          <a:p>
-            <a:pPr marL="285750" indent="-285750">
-              <a:buFont typeface="Arial" panose="020B0604020202020204" pitchFamily="34" charset="0"/>
-              <a:buChar char="•"/>
-            </a:pPr>
-            <a:r>
-              <a:rPr lang="en-US" b="1" i="1" dirty="0" smtClean="0">
-                <a:solidFill>
-                  <a:srgbClr val="000066"/>
-                </a:solidFill>
-              </a:rPr>
-              <a:t>Magnitude of decline (% of price)</a:t>
-            </a:r>
-            <a:endParaRPr lang="en-US" b="1" i="1" dirty="0">
-              <a:solidFill>
-                <a:srgbClr val="000066"/>
-              </a:solidFill>
-            </a:endParaRPr>
-          </a:p>
-          <a:p>
-            <a:pPr marL="285750" indent="-285750">
-              <a:buFont typeface="Arial" panose="020B0604020202020204" pitchFamily="34" charset="0"/>
-              <a:buChar char="•"/>
-            </a:pPr>
-            <a:r>
-              <a:rPr lang="en-US" b="1" i="1" dirty="0" smtClean="0">
+              <a:rPr lang="en-US" b="1" i="1" dirty="0">
                 <a:solidFill>
                   <a:srgbClr val="000066"/>
                 </a:solidFill>
@@ -11382,7 +11361,7 @@
           <a:graphicData uri="http://schemas.openxmlformats.org/presentationml/2006/ole">
             <mc:AlternateContent xmlns:mc="http://schemas.openxmlformats.org/markup-compatibility/2006">
               <mc:Choice xmlns:v="urn:schemas-microsoft-com:vml" Requires="v">
-                <p:oleObj spid="_x0000_s24583" r:id="rId5" imgW="0" imgH="0" progId="TCLayout.ActiveDocument.1">
+                <p:oleObj spid="_x0000_s44037" r:id="rId5" imgW="0" imgH="0" progId="TCLayout.ActiveDocument.1">
                   <p:embed/>
                 </p:oleObj>
               </mc:Choice>
@@ -11454,7 +11433,7 @@
           <p:cNvPr id="8" name="Title 40">
             <a:extLst>
               <a:ext uri="{FF2B5EF4-FFF2-40B4-BE49-F238E27FC236}">
-                <a16:creationId xmlns:a16="http://schemas.microsoft.com/office/drawing/2014/main" xmlns="" id="{6D65D641-D69D-4168-BB7D-AD3F200877E3}"/>
+                <a16:creationId xmlns:a16="http://schemas.microsoft.com/office/drawing/2014/main" id="{6D65D641-D69D-4168-BB7D-AD3F200877E3}"/>
               </a:ext>
             </a:extLst>
           </p:cNvPr>
@@ -11494,7 +11473,706 @@
           <p:cNvPr id="4" name="TextBox 3">
             <a:extLst>
               <a:ext uri="{FF2B5EF4-FFF2-40B4-BE49-F238E27FC236}">
-                <a16:creationId xmlns:a16="http://schemas.microsoft.com/office/drawing/2014/main" xmlns="" id="{59D6BA0D-75DA-411C-AE80-6B1C75B5F712}"/>
+                <a16:creationId xmlns:a16="http://schemas.microsoft.com/office/drawing/2014/main" id="{FA0A88F2-7E2F-4EE1-A30D-161713E7F524}"/>
+              </a:ext>
+            </a:extLst>
+          </p:cNvPr>
+          <p:cNvSpPr txBox="1"/>
+          <p:nvPr/>
+        </p:nvSpPr>
+        <p:spPr>
+          <a:xfrm>
+            <a:off x="533400" y="1143923"/>
+            <a:ext cx="7772400" cy="4801314"/>
+          </a:xfrm>
+          <a:prstGeom prst="rect">
+            <a:avLst/>
+          </a:prstGeom>
+          <a:noFill/>
+        </p:spPr>
+        <p:txBody>
+          <a:bodyPr wrap="square" rtlCol="0">
+            <a:spAutoFit/>
+          </a:bodyPr>
+          <a:lstStyle/>
+          <a:p>
+            <a:r>
+              <a:rPr lang="en-US" b="1" dirty="0">
+                <a:solidFill>
+                  <a:srgbClr val="000066"/>
+                </a:solidFill>
+              </a:rPr>
+              <a:t>We grouped news events into five categories and developed key words for news article searching:</a:t>
+            </a:r>
+          </a:p>
+          <a:p>
+            <a:endParaRPr lang="en-US" b="1" dirty="0">
+              <a:solidFill>
+                <a:srgbClr val="000066"/>
+              </a:solidFill>
+            </a:endParaRPr>
+          </a:p>
+          <a:p>
+            <a:pPr marL="285750" indent="-285750">
+              <a:buFont typeface="Arial" panose="020B0604020202020204" pitchFamily="34" charset="0"/>
+              <a:buChar char="•"/>
+            </a:pPr>
+            <a:r>
+              <a:rPr lang="en-US" b="1" i="1" dirty="0">
+                <a:solidFill>
+                  <a:srgbClr val="000066"/>
+                </a:solidFill>
+              </a:rPr>
+              <a:t>Product Failure, Service Failure or Fraudulent Practice</a:t>
+            </a:r>
+          </a:p>
+          <a:p>
+            <a:pPr marL="742950" lvl="1" indent="-285750">
+              <a:buFont typeface="Arial" panose="020B0604020202020204" pitchFamily="34" charset="0"/>
+              <a:buChar char="•"/>
+            </a:pPr>
+            <a:r>
+              <a:rPr lang="en-US" sz="1400" b="1" dirty="0">
+                <a:solidFill>
+                  <a:srgbClr val="00B0F0"/>
+                </a:solidFill>
+              </a:rPr>
+              <a:t> Keywords: {'recall', 'failure', 'fraudulent', 'safety+ hazard', '</a:t>
+            </a:r>
+            <a:r>
+              <a:rPr lang="en-US" sz="1400" b="1" dirty="0" err="1">
+                <a:solidFill>
+                  <a:srgbClr val="00B0F0"/>
+                </a:solidFill>
+              </a:rPr>
+              <a:t>service+outage</a:t>
+            </a:r>
+            <a:r>
+              <a:rPr lang="en-US" sz="1400" b="1" dirty="0">
+                <a:solidFill>
+                  <a:srgbClr val="00B0F0"/>
+                </a:solidFill>
+              </a:rPr>
+              <a:t>', 'breach', 'malfunction’}</a:t>
+            </a:r>
+          </a:p>
+          <a:p>
+            <a:pPr marL="285750" indent="-285750">
+              <a:buFont typeface="Arial" panose="020B0604020202020204" pitchFamily="34" charset="0"/>
+              <a:buChar char="•"/>
+            </a:pPr>
+            <a:r>
+              <a:rPr lang="en-US" b="1" i="1" dirty="0">
+                <a:solidFill>
+                  <a:srgbClr val="000066"/>
+                </a:solidFill>
+              </a:rPr>
+              <a:t>Accounting and Financial Misrepresentation</a:t>
+            </a:r>
+          </a:p>
+          <a:p>
+            <a:pPr marL="742950" lvl="1" indent="-285750">
+              <a:buFont typeface="Arial" panose="020B0604020202020204" pitchFamily="34" charset="0"/>
+              <a:buChar char="•"/>
+            </a:pPr>
+            <a:r>
+              <a:rPr lang="en-US" sz="1400" b="1" dirty="0">
+                <a:solidFill>
+                  <a:srgbClr val="00B0F0"/>
+                </a:solidFill>
+              </a:rPr>
+              <a:t>Keywords: {Keywords: 'misrepresentation', '</a:t>
+            </a:r>
+            <a:r>
+              <a:rPr lang="en-US" sz="1400" b="1" dirty="0" err="1">
+                <a:solidFill>
+                  <a:srgbClr val="00B0F0"/>
+                </a:solidFill>
+              </a:rPr>
+              <a:t>mistated</a:t>
+            </a:r>
+            <a:r>
+              <a:rPr lang="en-US" sz="1400" b="1" dirty="0">
+                <a:solidFill>
+                  <a:srgbClr val="00B0F0"/>
+                </a:solidFill>
+              </a:rPr>
+              <a:t>', 'misrepresented', 'audit', 'fraudulent', 'violation', '</a:t>
+            </a:r>
+            <a:r>
+              <a:rPr lang="en-US" sz="1400" b="1" dirty="0" err="1">
+                <a:solidFill>
+                  <a:srgbClr val="00B0F0"/>
+                </a:solidFill>
+              </a:rPr>
+              <a:t>fraud+schemes</a:t>
+            </a:r>
+            <a:r>
+              <a:rPr lang="en-US" sz="1400" b="1" dirty="0">
+                <a:solidFill>
+                  <a:srgbClr val="00B0F0"/>
+                </a:solidFill>
+              </a:rPr>
+              <a:t>', 'negligent', 'violation'</a:t>
+            </a:r>
+            <a:endParaRPr lang="en-US" b="1" i="1" dirty="0">
+              <a:solidFill>
+                <a:srgbClr val="00B0F0"/>
+              </a:solidFill>
+            </a:endParaRPr>
+          </a:p>
+          <a:p>
+            <a:pPr marL="285750" indent="-285750">
+              <a:buFont typeface="Arial" panose="020B0604020202020204" pitchFamily="34" charset="0"/>
+              <a:buChar char="•"/>
+            </a:pPr>
+            <a:r>
+              <a:rPr lang="en-US" b="1" i="1" dirty="0">
+                <a:solidFill>
+                  <a:srgbClr val="000066"/>
+                </a:solidFill>
+              </a:rPr>
+              <a:t>Environmental or Ecological Hazzard</a:t>
+            </a:r>
+          </a:p>
+          <a:p>
+            <a:pPr marL="742950" lvl="1" indent="-285750">
+              <a:buFont typeface="Arial" panose="020B0604020202020204" pitchFamily="34" charset="0"/>
+              <a:buChar char="•"/>
+            </a:pPr>
+            <a:r>
+              <a:rPr lang="en-US" sz="1400" b="1" dirty="0">
+                <a:solidFill>
+                  <a:srgbClr val="00B0F0"/>
+                </a:solidFill>
+              </a:rPr>
+              <a:t>Keywords: {'toxicity, 'toxic', '</a:t>
+            </a:r>
+            <a:r>
+              <a:rPr lang="en-US" sz="1400" b="1" dirty="0" err="1">
+                <a:solidFill>
+                  <a:srgbClr val="00B0F0"/>
+                </a:solidFill>
+              </a:rPr>
+              <a:t>environmental+hazard</a:t>
+            </a:r>
+            <a:r>
+              <a:rPr lang="en-US" sz="1400" b="1" dirty="0">
+                <a:solidFill>
+                  <a:srgbClr val="00B0F0"/>
+                </a:solidFill>
+              </a:rPr>
+              <a:t>', '</a:t>
+            </a:r>
+            <a:r>
+              <a:rPr lang="en-US" sz="1400" b="1" dirty="0" err="1">
+                <a:solidFill>
+                  <a:srgbClr val="00B0F0"/>
+                </a:solidFill>
+              </a:rPr>
+              <a:t>ecologic+hazard</a:t>
+            </a:r>
+            <a:r>
+              <a:rPr lang="en-US" sz="1400" b="1" dirty="0">
+                <a:solidFill>
+                  <a:srgbClr val="00B0F0"/>
+                </a:solidFill>
+              </a:rPr>
+              <a:t>', 'spill', 'contamination’}</a:t>
+            </a:r>
+            <a:endParaRPr lang="en-US" b="1" i="1" dirty="0">
+              <a:solidFill>
+                <a:srgbClr val="00B0F0"/>
+              </a:solidFill>
+            </a:endParaRPr>
+          </a:p>
+          <a:p>
+            <a:pPr marL="285750" indent="-285750">
+              <a:buFont typeface="Arial" panose="020B0604020202020204" pitchFamily="34" charset="0"/>
+              <a:buChar char="•"/>
+            </a:pPr>
+            <a:r>
+              <a:rPr lang="en-US" b="1" i="1" dirty="0">
+                <a:solidFill>
+                  <a:srgbClr val="000066"/>
+                </a:solidFill>
+              </a:rPr>
+              <a:t>Human Health Hazzard</a:t>
+            </a:r>
+          </a:p>
+          <a:p>
+            <a:pPr marL="742950" lvl="1" indent="-285750">
+              <a:buFont typeface="Arial" panose="020B0604020202020204" pitchFamily="34" charset="0"/>
+              <a:buChar char="•"/>
+            </a:pPr>
+            <a:r>
+              <a:rPr lang="en-US" sz="1400" b="1" dirty="0">
+                <a:solidFill>
+                  <a:srgbClr val="00B0F0"/>
+                </a:solidFill>
+              </a:rPr>
+              <a:t>Keywords: {'spill', 'contamination', '</a:t>
+            </a:r>
+            <a:r>
+              <a:rPr lang="en-US" sz="1400" b="1" dirty="0" err="1">
+                <a:solidFill>
+                  <a:srgbClr val="00B0F0"/>
+                </a:solidFill>
+              </a:rPr>
+              <a:t>harmful+exposures</a:t>
+            </a:r>
+            <a:r>
+              <a:rPr lang="en-US" sz="1400" b="1" dirty="0">
+                <a:solidFill>
+                  <a:srgbClr val="00B0F0"/>
+                </a:solidFill>
+              </a:rPr>
+              <a:t>', '</a:t>
+            </a:r>
+            <a:r>
+              <a:rPr lang="en-US" sz="1400" b="1" dirty="0" err="1">
+                <a:solidFill>
+                  <a:srgbClr val="00B0F0"/>
+                </a:solidFill>
+              </a:rPr>
+              <a:t>food+safety+hazard</a:t>
+            </a:r>
+            <a:r>
+              <a:rPr lang="en-US" sz="1400" b="1" dirty="0">
+                <a:solidFill>
+                  <a:srgbClr val="00B0F0"/>
+                </a:solidFill>
+              </a:rPr>
+              <a:t>', '</a:t>
+            </a:r>
+            <a:r>
+              <a:rPr lang="en-US" sz="1400" b="1" dirty="0" err="1">
+                <a:solidFill>
+                  <a:srgbClr val="00B0F0"/>
+                </a:solidFill>
+              </a:rPr>
+              <a:t>hazardous+foods</a:t>
+            </a:r>
+            <a:r>
+              <a:rPr lang="en-US" sz="1400" b="1" dirty="0">
+                <a:solidFill>
+                  <a:srgbClr val="00B0F0"/>
+                </a:solidFill>
+              </a:rPr>
+              <a:t>', '</a:t>
+            </a:r>
+            <a:r>
+              <a:rPr lang="en-US" sz="1400" b="1" dirty="0" err="1">
+                <a:solidFill>
+                  <a:srgbClr val="00B0F0"/>
+                </a:solidFill>
+              </a:rPr>
+              <a:t>microbiological+hazard</a:t>
+            </a:r>
+            <a:r>
+              <a:rPr lang="en-US" sz="1400" b="1" dirty="0">
+                <a:solidFill>
+                  <a:srgbClr val="00B0F0"/>
+                </a:solidFill>
+              </a:rPr>
+              <a:t>', 'recall', 'poison', 'poisonous’}</a:t>
+            </a:r>
+            <a:endParaRPr lang="en-US" b="1" i="1" dirty="0">
+              <a:solidFill>
+                <a:srgbClr val="00B0F0"/>
+              </a:solidFill>
+            </a:endParaRPr>
+          </a:p>
+          <a:p>
+            <a:pPr marL="285750" indent="-285750">
+              <a:buFont typeface="Arial" panose="020B0604020202020204" pitchFamily="34" charset="0"/>
+              <a:buChar char="•"/>
+            </a:pPr>
+            <a:r>
+              <a:rPr lang="en-US" b="1" i="1" dirty="0">
+                <a:solidFill>
+                  <a:srgbClr val="000066"/>
+                </a:solidFill>
+              </a:rPr>
+              <a:t>Impact to Key Executives</a:t>
+            </a:r>
+          </a:p>
+          <a:p>
+            <a:pPr marL="742950" lvl="1" indent="-285750">
+              <a:buFont typeface="Arial" panose="020B0604020202020204" pitchFamily="34" charset="0"/>
+              <a:buChar char="•"/>
+            </a:pPr>
+            <a:r>
+              <a:rPr lang="en-US" sz="1400" b="1" dirty="0">
+                <a:solidFill>
+                  <a:srgbClr val="00B0F0"/>
+                </a:solidFill>
+              </a:rPr>
+              <a:t>Keywords: {</a:t>
+            </a:r>
+            <a:r>
+              <a:rPr lang="en-US" sz="1400" b="1" dirty="0" err="1">
+                <a:solidFill>
+                  <a:srgbClr val="00B0F0"/>
+                </a:solidFill>
+              </a:rPr>
+              <a:t>CEO+health+issue</a:t>
+            </a:r>
+            <a:r>
+              <a:rPr lang="en-US" sz="1400" b="1" dirty="0">
+                <a:solidFill>
+                  <a:srgbClr val="00B0F0"/>
+                </a:solidFill>
+              </a:rPr>
+              <a:t>, </a:t>
+            </a:r>
+            <a:r>
+              <a:rPr lang="en-US" sz="1400" b="1" dirty="0" err="1">
+                <a:solidFill>
+                  <a:srgbClr val="00B0F0"/>
+                </a:solidFill>
+              </a:rPr>
+              <a:t>reputational+risk</a:t>
+            </a:r>
+            <a:r>
+              <a:rPr lang="en-US" sz="1400" b="1" dirty="0">
+                <a:solidFill>
+                  <a:srgbClr val="00B0F0"/>
+                </a:solidFill>
+              </a:rPr>
+              <a:t>, </a:t>
+            </a:r>
+            <a:r>
+              <a:rPr lang="en-US" sz="1400" b="1" dirty="0" err="1">
+                <a:solidFill>
+                  <a:srgbClr val="00B0F0"/>
+                </a:solidFill>
+              </a:rPr>
+              <a:t>sexually+harassed</a:t>
+            </a:r>
+            <a:r>
+              <a:rPr lang="en-US" sz="1400" b="1" dirty="0">
+                <a:solidFill>
+                  <a:srgbClr val="00B0F0"/>
+                </a:solidFill>
+              </a:rPr>
+              <a:t>, </a:t>
+            </a:r>
+            <a:r>
+              <a:rPr lang="en-US" sz="1400" b="1" dirty="0" err="1">
+                <a:solidFill>
+                  <a:srgbClr val="00B0F0"/>
+                </a:solidFill>
+              </a:rPr>
+              <a:t>sexual+harassment</a:t>
+            </a:r>
+            <a:r>
+              <a:rPr lang="en-US" sz="1400" b="1" dirty="0">
+                <a:solidFill>
+                  <a:srgbClr val="00B0F0"/>
+                </a:solidFill>
+              </a:rPr>
+              <a:t>,  </a:t>
+            </a:r>
+            <a:r>
+              <a:rPr lang="en-US" sz="1400" b="1" dirty="0" err="1">
+                <a:solidFill>
+                  <a:srgbClr val="00B0F0"/>
+                </a:solidFill>
+              </a:rPr>
+              <a:t>executive+impropriety</a:t>
+            </a:r>
+            <a:r>
+              <a:rPr lang="en-US" sz="1400" b="1" dirty="0">
+                <a:solidFill>
+                  <a:srgbClr val="00B0F0"/>
+                </a:solidFill>
+              </a:rPr>
+              <a:t>, </a:t>
+            </a:r>
+            <a:r>
+              <a:rPr lang="en-US" sz="1400" b="1" dirty="0" err="1">
+                <a:solidFill>
+                  <a:srgbClr val="00B0F0"/>
+                </a:solidFill>
+              </a:rPr>
+              <a:t>personal+risk+taking</a:t>
+            </a:r>
+            <a:r>
+              <a:rPr lang="en-US" sz="1400" b="1" dirty="0">
+                <a:solidFill>
+                  <a:srgbClr val="00B0F0"/>
+                </a:solidFill>
+              </a:rPr>
+              <a:t>, </a:t>
+            </a:r>
+            <a:r>
+              <a:rPr lang="en-US" sz="1400" b="1" dirty="0" err="1">
+                <a:solidFill>
+                  <a:srgbClr val="00B0F0"/>
+                </a:solidFill>
+              </a:rPr>
+              <a:t>lack+of+governance</a:t>
+            </a:r>
+            <a:r>
+              <a:rPr lang="en-US" sz="1400" b="1" dirty="0">
+                <a:solidFill>
+                  <a:srgbClr val="00B0F0"/>
+                </a:solidFill>
+              </a:rPr>
+              <a:t>}</a:t>
+            </a:r>
+          </a:p>
+          <a:p>
+            <a:endParaRPr lang="en-US" b="1" dirty="0">
+              <a:solidFill>
+                <a:srgbClr val="000066"/>
+              </a:solidFill>
+            </a:endParaRPr>
+          </a:p>
+        </p:txBody>
+      </p:sp>
+    </p:spTree>
+    <p:extLst>
+      <p:ext uri="{BB962C8B-B14F-4D97-AF65-F5344CB8AC3E}">
+        <p14:creationId xmlns:p14="http://schemas.microsoft.com/office/powerpoint/2010/main" val="4155861567"/>
+      </p:ext>
+    </p:extLst>
+  </p:cSld>
+  <p:clrMapOvr>
+    <a:masterClrMapping/>
+  </p:clrMapOvr>
+  <p:timing>
+    <p:tnLst>
+      <p:par>
+        <p:cTn id="1" dur="indefinite" restart="never" nodeType="tmRoot">
+          <p:childTnLst>
+            <p:seq concurrent="1" nextAc="seek">
+              <p:cTn id="2" dur="indefinite" nodeType="mainSeq">
+                <p:childTnLst>
+                  <p:par>
+                    <p:cTn id="3" fill="hold">
+                      <p:stCondLst>
+                        <p:cond delay="indefinite"/>
+                      </p:stCondLst>
+                      <p:childTnLst>
+                        <p:par>
+                          <p:cTn id="4" fill="hold">
+                            <p:stCondLst>
+                              <p:cond delay="0"/>
+                            </p:stCondLst>
+                            <p:childTnLst>
+                              <p:par>
+                                <p:cTn id="5" presetID="1" presetClass="entr" presetSubtype="0" fill="hold" grpId="0" nodeType="clickEffect">
+                                  <p:stCondLst>
+                                    <p:cond delay="0"/>
+                                  </p:stCondLst>
+                                  <p:childTnLst>
+                                    <p:set>
+                                      <p:cBhvr>
+                                        <p:cTn id="6" dur="1" fill="hold">
+                                          <p:stCondLst>
+                                            <p:cond delay="0"/>
+                                          </p:stCondLst>
+                                        </p:cTn>
+                                        <p:tgtEl>
+                                          <p:spTgt spid="4"/>
+                                        </p:tgtEl>
+                                        <p:attrNameLst>
+                                          <p:attrName>style.visibility</p:attrName>
+                                        </p:attrNameLst>
+                                      </p:cBhvr>
+                                      <p:to>
+                                        <p:strVal val="visible"/>
+                                      </p:to>
+                                    </p:set>
+                                  </p:childTnLst>
+                                </p:cTn>
+                              </p:par>
+                            </p:childTnLst>
+                          </p:cTn>
+                        </p:par>
+                      </p:childTnLst>
+                    </p:cTn>
+                  </p:par>
+                </p:childTnLst>
+              </p:cTn>
+              <p:prevCondLst>
+                <p:cond evt="onPrev" delay="0">
+                  <p:tgtEl>
+                    <p:sldTgt/>
+                  </p:tgtEl>
+                </p:cond>
+              </p:prevCondLst>
+              <p:nextCondLst>
+                <p:cond evt="onNext" delay="0">
+                  <p:tgtEl>
+                    <p:sldTgt/>
+                  </p:tgtEl>
+                </p:cond>
+              </p:nextCondLst>
+            </p:seq>
+          </p:childTnLst>
+        </p:cTn>
+      </p:par>
+    </p:tnLst>
+    <p:bldLst>
+      <p:bldP spid="4" grpId="0"/>
+    </p:bldLst>
+  </p:timing>
+</p:sld>
+</file>
+
+<file path=ppt/slides/slide26.xml><?xml version="1.0" encoding="utf-8"?>
+<p:sld xmlns:a="http://schemas.openxmlformats.org/drawingml/2006/main" xmlns:r="http://schemas.openxmlformats.org/officeDocument/2006/relationships" xmlns:p="http://schemas.openxmlformats.org/presentationml/2006/main">
+  <p:cSld>
+    <p:spTree>
+      <p:nvGrpSpPr>
+        <p:cNvPr id="1" name=""/>
+        <p:cNvGrpSpPr/>
+        <p:nvPr/>
+      </p:nvGrpSpPr>
+      <p:grpSpPr>
+        <a:xfrm>
+          <a:off x="0" y="0"/>
+          <a:ext cx="0" cy="0"/>
+          <a:chOff x="0" y="0"/>
+          <a:chExt cx="0" cy="0"/>
+        </a:xfrm>
+      </p:grpSpPr>
+      <p:graphicFrame>
+        <p:nvGraphicFramePr>
+          <p:cNvPr id="235522" name="Rectangle 2" hidden="1"/>
+          <p:cNvGraphicFramePr>
+            <a:graphicFrameLocks/>
+          </p:cNvGraphicFramePr>
+          <p:nvPr>
+            <p:custDataLst>
+              <p:tags r:id="rId2"/>
+            </p:custDataLst>
+          </p:nvPr>
+        </p:nvGraphicFramePr>
+        <p:xfrm>
+          <a:off x="0" y="-305118"/>
+          <a:ext cx="158519" cy="158518"/>
+        </p:xfrm>
+        <a:graphic>
+          <a:graphicData uri="http://schemas.openxmlformats.org/presentationml/2006/ole">
+            <mc:AlternateContent xmlns:mc="http://schemas.openxmlformats.org/markup-compatibility/2006">
+              <mc:Choice xmlns:v="urn:schemas-microsoft-com:vml" Requires="v">
+                <p:oleObj spid="_x0000_s24587" r:id="rId5" imgW="0" imgH="0" progId="TCLayout.ActiveDocument.1">
+                  <p:embed/>
+                </p:oleObj>
+              </mc:Choice>
+              <mc:Fallback>
+                <p:oleObj r:id="rId5" imgW="0" imgH="0" progId="TCLayout.ActiveDocument.1">
+                  <p:embed/>
+                  <p:pic>
+                    <p:nvPicPr>
+                      <p:cNvPr id="235522" name="Rectangle 2" hidden="1"/>
+                      <p:cNvPicPr preferRelativeResize="0">
+                        <a:picLocks noChangeArrowheads="1"/>
+                      </p:cNvPicPr>
+                      <p:nvPr/>
+                    </p:nvPicPr>
+                    <p:blipFill>
+                      <a:blip>
+                        <a:extLst>
+                          <a:ext uri="{28A0092B-C50C-407E-A947-70E740481C1C}">
+                            <a14:useLocalDpi xmlns:a14="http://schemas.microsoft.com/office/drawing/2010/main" val="0"/>
+                          </a:ext>
+                        </a:extLst>
+                      </a:blip>
+                      <a:srcRect/>
+                      <a:stretch>
+                        <a:fillRect/>
+                      </a:stretch>
+                    </p:blipFill>
+                    <p:spPr bwMode="auto">
+                      <a:xfrm>
+                        <a:off x="0" y="-305118"/>
+                        <a:ext cx="158519" cy="158518"/>
+                      </a:xfrm>
+                      <a:prstGeom prst="rect">
+                        <a:avLst/>
+                      </a:prstGeom>
+                      <a:noFill/>
+                      <a:ln>
+                        <a:noFill/>
+                      </a:ln>
+                      <a:extLst>
+                        <a:ext uri="{909E8E84-426E-40DD-AFC4-6F175D3DCCD1}">
+                          <a14:hiddenFill xmlns:a14="http://schemas.microsoft.com/office/drawing/2010/main">
+                            <a:solidFill>
+                              <a:srgbClr val="FFFFFF"/>
+                            </a:solidFill>
+                          </a14:hiddenFill>
+                        </a:ext>
+                        <a:ext uri="{91240B29-F687-4F45-9708-019B960494DF}">
+                          <a14:hiddenLine xmlns:a14="http://schemas.microsoft.com/office/drawing/2010/main" w="9525">
+                            <a:solidFill>
+                              <a:srgbClr val="000000"/>
+                            </a:solidFill>
+                            <a:miter lim="800000"/>
+                            <a:headEnd/>
+                            <a:tailEnd/>
+                          </a14:hiddenLine>
+                        </a:ext>
+                      </a:extLst>
+                    </p:spPr>
+                  </p:pic>
+                </p:oleObj>
+              </mc:Fallback>
+            </mc:AlternateContent>
+          </a:graphicData>
+        </a:graphic>
+      </p:graphicFrame>
+      <p:sp>
+        <p:nvSpPr>
+          <p:cNvPr id="8" name="Title 40">
+            <a:extLst>
+              <a:ext uri="{FF2B5EF4-FFF2-40B4-BE49-F238E27FC236}">
+                <a16:creationId xmlns:a16="http://schemas.microsoft.com/office/drawing/2014/main" id="{6D65D641-D69D-4168-BB7D-AD3F200877E3}"/>
+              </a:ext>
+            </a:extLst>
+          </p:cNvPr>
+          <p:cNvSpPr>
+            <a:spLocks noGrp="1"/>
+          </p:cNvSpPr>
+          <p:nvPr>
+            <p:ph type="title"/>
+          </p:nvPr>
+        </p:nvSpPr>
+        <p:spPr>
+          <a:xfrm>
+            <a:off x="381000" y="152400"/>
+            <a:ext cx="8153400" cy="808038"/>
+          </a:xfrm>
+        </p:spPr>
+        <p:txBody>
+          <a:bodyPr>
+            <a:normAutofit/>
+          </a:bodyPr>
+          <a:lstStyle/>
+          <a:p>
+            <a:pPr algn="l"/>
+            <a:r>
+              <a:rPr lang="en-US" sz="2400" b="1" dirty="0">
+                <a:solidFill>
+                  <a:srgbClr val="000066"/>
+                </a:solidFill>
+              </a:rPr>
+              <a:t>Next Steps</a:t>
+            </a:r>
+          </a:p>
+        </p:txBody>
+      </p:sp>
+      <p:sp>
+        <p:nvSpPr>
+          <p:cNvPr id="4" name="TextBox 3">
+            <a:extLst>
+              <a:ext uri="{FF2B5EF4-FFF2-40B4-BE49-F238E27FC236}">
+                <a16:creationId xmlns:a16="http://schemas.microsoft.com/office/drawing/2014/main" id="{59D6BA0D-75DA-411C-AE80-6B1C75B5F712}"/>
               </a:ext>
             </a:extLst>
           </p:cNvPr>
@@ -11518,13 +12196,15 @@
           <a:lstStyle/>
           <a:p>
             <a:r>
-              <a:rPr lang="en-US" b="1" dirty="0" smtClean="0">
+              <a:rPr lang="en-US" b="1" dirty="0">
                 <a:solidFill>
                   <a:srgbClr val="000066"/>
                 </a:solidFill>
               </a:rPr>
               <a:t>Find out if the severity of the news event influences results</a:t>
             </a:r>
+          </a:p>
+          <a:p>
             <a:endParaRPr lang="en-US" b="1" dirty="0">
               <a:solidFill>
                 <a:srgbClr val="000066"/>
@@ -11532,30 +12212,18 @@
             </a:endParaRPr>
           </a:p>
           <a:p>
-            <a:endParaRPr lang="en-US" b="1" dirty="0">
-              <a:solidFill>
-                <a:srgbClr val="000066"/>
-              </a:solidFill>
-            </a:endParaRPr>
-          </a:p>
-          <a:p>
             <a:pPr marL="285750" indent="-285750">
               <a:buFont typeface="Arial" panose="020B0604020202020204" pitchFamily="34" charset="0"/>
               <a:buChar char="•"/>
             </a:pPr>
             <a:r>
-              <a:rPr lang="en-US" b="1" i="1" dirty="0" smtClean="0">
+              <a:rPr lang="en-US" b="1" i="1" dirty="0">
                 <a:solidFill>
                   <a:srgbClr val="000066"/>
                 </a:solidFill>
               </a:rPr>
               <a:t>Calculate article count &amp; average sentiment during week of major decline</a:t>
             </a:r>
-            <a:endParaRPr lang="en-US" b="1" i="1" dirty="0">
-              <a:solidFill>
-                <a:srgbClr val="000066"/>
-              </a:solidFill>
-            </a:endParaRPr>
           </a:p>
           <a:p>
             <a:pPr marL="285750" indent="-285750">
@@ -11563,105 +12231,13 @@
               <a:buChar char="•"/>
             </a:pPr>
             <a:r>
-              <a:rPr lang="en-US" b="1" i="1" dirty="0" smtClean="0">
+              <a:rPr lang="en-US" b="1" i="1" dirty="0">
                 <a:solidFill>
                   <a:srgbClr val="000066"/>
                 </a:solidFill>
               </a:rPr>
               <a:t>Recording the type of event based on keyword search</a:t>
             </a:r>
-          </a:p>
-          <a:p>
-            <a:pPr marL="285750" indent="-285750">
-              <a:buFont typeface="Arial" panose="020B0604020202020204" pitchFamily="34" charset="0"/>
-              <a:buChar char="•"/>
-            </a:pPr>
-            <a:endParaRPr lang="en-US" b="1" i="1" dirty="0" smtClean="0">
-              <a:solidFill>
-                <a:srgbClr val="000066"/>
-              </a:solidFill>
-            </a:endParaRPr>
-          </a:p>
-          <a:p>
-            <a:pPr marL="285750" indent="-285750">
-              <a:buFont typeface="Arial" panose="020B0604020202020204" pitchFamily="34" charset="0"/>
-              <a:buChar char="•"/>
-            </a:pPr>
-            <a:endParaRPr lang="en-US" b="1" i="1" dirty="0" smtClean="0">
-              <a:solidFill>
-                <a:srgbClr val="000066"/>
-              </a:solidFill>
-            </a:endParaRPr>
-          </a:p>
-          <a:p>
-            <a:r>
-              <a:rPr lang="en-US" b="1" dirty="0">
-                <a:solidFill>
-                  <a:srgbClr val="000066"/>
-                </a:solidFill>
-              </a:rPr>
-              <a:t>Further testing</a:t>
-            </a:r>
-          </a:p>
-          <a:p>
-            <a:endParaRPr lang="en-US" b="1" dirty="0">
-              <a:solidFill>
-                <a:srgbClr val="000066"/>
-              </a:solidFill>
-            </a:endParaRPr>
-          </a:p>
-          <a:p>
-            <a:pPr marL="285750" indent="-285750">
-              <a:buFont typeface="Arial" panose="020B0604020202020204" pitchFamily="34" charset="0"/>
-              <a:buChar char="•"/>
-            </a:pPr>
-            <a:r>
-              <a:rPr lang="en-US" b="1" i="1" dirty="0" smtClean="0">
-                <a:solidFill>
-                  <a:srgbClr val="000066"/>
-                </a:solidFill>
-              </a:rPr>
-              <a:t>Test more datasets to further confirm our findings</a:t>
-            </a:r>
-          </a:p>
-          <a:p>
-            <a:pPr marL="285750" indent="-285750">
-              <a:buFont typeface="Arial" panose="020B0604020202020204" pitchFamily="34" charset="0"/>
-              <a:buChar char="•"/>
-            </a:pPr>
-            <a:r>
-              <a:rPr lang="en-US" b="1" i="1" dirty="0" smtClean="0">
-                <a:solidFill>
-                  <a:srgbClr val="000066"/>
-                </a:solidFill>
-              </a:rPr>
-              <a:t>Drill down criteria to find subsets that perform even better than the average</a:t>
-            </a:r>
-          </a:p>
-          <a:p>
-            <a:pPr marL="285750" indent="-285750">
-              <a:buFont typeface="Arial" panose="020B0604020202020204" pitchFamily="34" charset="0"/>
-              <a:buChar char="•"/>
-            </a:pPr>
-            <a:r>
-              <a:rPr lang="en-US" b="1" i="1" dirty="0" smtClean="0">
-                <a:solidFill>
-                  <a:srgbClr val="000066"/>
-                </a:solidFill>
-              </a:rPr>
-              <a:t>Test variables such as past volatility &amp; volume</a:t>
-            </a:r>
-          </a:p>
-          <a:p>
-            <a:pPr marL="285750" indent="-285750">
-              <a:buFont typeface="Arial" panose="020B0604020202020204" pitchFamily="34" charset="0"/>
-              <a:buChar char="•"/>
-            </a:pPr>
-            <a:endParaRPr lang="en-US" b="1" i="1" dirty="0" smtClean="0">
-              <a:solidFill>
-                <a:srgbClr val="000066"/>
-              </a:solidFill>
-            </a:endParaRPr>
           </a:p>
           <a:p>
             <a:pPr marL="285750" indent="-285750">
@@ -11675,13 +12251,24 @@
             </a:endParaRPr>
           </a:p>
           <a:p>
+            <a:pPr marL="285750" indent="-285750">
+              <a:buFont typeface="Arial" panose="020B0604020202020204" pitchFamily="34" charset="0"/>
+              <a:buChar char="•"/>
+            </a:pPr>
+            <a:endParaRPr lang="en-US" b="1" i="1" dirty="0">
+              <a:solidFill>
+                <a:srgbClr val="000066"/>
+              </a:solidFill>
+            </a:endParaRPr>
+          </a:p>
+          <a:p>
             <a:r>
               <a:rPr lang="en-US" b="1" dirty="0">
                 <a:solidFill>
                   <a:srgbClr val="000066"/>
                 </a:solidFill>
               </a:rPr>
-              <a:t>Automate a process to scan for these events</a:t>
+              <a:t>Further testing</a:t>
             </a:r>
           </a:p>
           <a:p>
@@ -11697,13 +12284,47 @@
               <a:buChar char="•"/>
             </a:pPr>
             <a:r>
-              <a:rPr lang="en-US" b="1" i="1" dirty="0" smtClean="0">
+              <a:rPr lang="en-US" b="1" i="1" dirty="0">
                 <a:solidFill>
                   <a:srgbClr val="000066"/>
                 </a:solidFill>
               </a:rPr>
-              <a:t>Create an app to detect events, give an alert after the bounce back</a:t>
-            </a:r>
+              <a:t>Test more datasets to further confirm our findings</a:t>
+            </a:r>
+          </a:p>
+          <a:p>
+            <a:pPr marL="285750" indent="-285750">
+              <a:buFont typeface="Arial" panose="020B0604020202020204" pitchFamily="34" charset="0"/>
+              <a:buChar char="•"/>
+            </a:pPr>
+            <a:r>
+              <a:rPr lang="en-US" b="1" i="1" dirty="0">
+                <a:solidFill>
+                  <a:srgbClr val="000066"/>
+                </a:solidFill>
+              </a:rPr>
+              <a:t>Drill down criteria to find subsets that perform even better than the average</a:t>
+            </a:r>
+          </a:p>
+          <a:p>
+            <a:pPr marL="285750" indent="-285750">
+              <a:buFont typeface="Arial" panose="020B0604020202020204" pitchFamily="34" charset="0"/>
+              <a:buChar char="•"/>
+            </a:pPr>
+            <a:r>
+              <a:rPr lang="en-US" b="1" i="1" dirty="0">
+                <a:solidFill>
+                  <a:srgbClr val="000066"/>
+                </a:solidFill>
+              </a:rPr>
+              <a:t>Test variables such as past volatility &amp; volume</a:t>
+            </a:r>
+          </a:p>
+          <a:p>
+            <a:pPr marL="285750" indent="-285750">
+              <a:buFont typeface="Arial" panose="020B0604020202020204" pitchFamily="34" charset="0"/>
+              <a:buChar char="•"/>
+            </a:pPr>
             <a:endParaRPr lang="en-US" b="1" i="1" dirty="0">
               <a:solidFill>
                 <a:srgbClr val="000066"/>
@@ -11715,14 +12336,6 @@
               <a:buFont typeface="Arial" panose="020B0604020202020204" pitchFamily="34" charset="0"/>
               <a:buChar char="•"/>
             </a:pPr>
-            <a:r>
-              <a:rPr lang="en-US" b="1" i="1" dirty="0" smtClean="0">
-                <a:solidFill>
-                  <a:srgbClr val="000066"/>
-                </a:solidFill>
-              </a:rPr>
-              <a:t>Set up a bot to make buy/sell orders based on our criteria</a:t>
-            </a:r>
             <a:endParaRPr lang="en-US" b="1" i="1" dirty="0">
               <a:solidFill>
                 <a:srgbClr val="000066"/>
@@ -11730,7 +12343,52 @@
             </a:endParaRPr>
           </a:p>
           <a:p>
-            <a:endParaRPr lang="en-US" b="1" dirty="0" smtClean="0">
+            <a:r>
+              <a:rPr lang="en-US" b="1" dirty="0">
+                <a:solidFill>
+                  <a:srgbClr val="000066"/>
+                </a:solidFill>
+              </a:rPr>
+              <a:t>Automate a process to scan for these events</a:t>
+            </a:r>
+          </a:p>
+          <a:p>
+            <a:endParaRPr lang="en-US" b="1" dirty="0">
+              <a:solidFill>
+                <a:srgbClr val="000066"/>
+              </a:solidFill>
+            </a:endParaRPr>
+          </a:p>
+          <a:p>
+            <a:pPr marL="285750" indent="-285750">
+              <a:buFont typeface="Arial" panose="020B0604020202020204" pitchFamily="34" charset="0"/>
+              <a:buChar char="•"/>
+            </a:pPr>
+            <a:r>
+              <a:rPr lang="en-US" b="1" i="1" dirty="0">
+                <a:solidFill>
+                  <a:srgbClr val="000066"/>
+                </a:solidFill>
+              </a:rPr>
+              <a:t>Create an app to detect events, give an alert after the bounce back</a:t>
+            </a:r>
+          </a:p>
+          <a:p>
+            <a:pPr marL="285750" indent="-285750">
+              <a:buFont typeface="Arial" panose="020B0604020202020204" pitchFamily="34" charset="0"/>
+              <a:buChar char="•"/>
+            </a:pPr>
+            <a:r>
+              <a:rPr lang="en-US" b="1" i="1" dirty="0">
+                <a:solidFill>
+                  <a:srgbClr val="000066"/>
+                </a:solidFill>
+              </a:rPr>
+              <a:t>Set up a bot to make buy/sell orders based on our criteria</a:t>
+            </a:r>
+          </a:p>
+          <a:p>
+            <a:endParaRPr lang="en-US" b="1" dirty="0">
               <a:solidFill>
                 <a:srgbClr val="000066"/>
               </a:solidFill>
@@ -11829,6 +12487,408 @@
 </p:sld>
 </file>
 
+<file path=ppt/slides/slide27.xml><?xml version="1.0" encoding="utf-8"?>
+<p:sld xmlns:a="http://schemas.openxmlformats.org/drawingml/2006/main" xmlns:r="http://schemas.openxmlformats.org/officeDocument/2006/relationships" xmlns:p="http://schemas.openxmlformats.org/presentationml/2006/main">
+  <p:cSld>
+    <p:spTree>
+      <p:nvGrpSpPr>
+        <p:cNvPr id="1" name=""/>
+        <p:cNvGrpSpPr/>
+        <p:nvPr/>
+      </p:nvGrpSpPr>
+      <p:grpSpPr>
+        <a:xfrm>
+          <a:off x="0" y="0"/>
+          <a:ext cx="0" cy="0"/>
+          <a:chOff x="0" y="0"/>
+          <a:chExt cx="0" cy="0"/>
+        </a:xfrm>
+      </p:grpSpPr>
+      <p:pic>
+        <p:nvPicPr>
+          <p:cNvPr id="22530" name="Picture 2" descr="Image result for stock market chart pictures">
+            <a:extLst>
+              <a:ext uri="{FF2B5EF4-FFF2-40B4-BE49-F238E27FC236}">
+                <a16:creationId xmlns:a16="http://schemas.microsoft.com/office/drawing/2014/main" id="{B6E261C0-D1F9-4D86-A8FC-7C37CC741C58}"/>
+              </a:ext>
+            </a:extLst>
+          </p:cNvPr>
+          <p:cNvPicPr>
+            <a:picLocks noChangeAspect="1" noChangeArrowheads="1"/>
+          </p:cNvPicPr>
+          <p:nvPr/>
+        </p:nvPicPr>
+        <p:blipFill>
+          <a:blip r:embed="rId2">
+            <a:extLst>
+              <a:ext uri="{28A0092B-C50C-407E-A947-70E740481C1C}">
+                <a14:useLocalDpi xmlns:a14="http://schemas.microsoft.com/office/drawing/2010/main" val="0"/>
+              </a:ext>
+            </a:extLst>
+          </a:blip>
+          <a:srcRect/>
+          <a:stretch>
+            <a:fillRect/>
+          </a:stretch>
+        </p:blipFill>
+        <p:spPr bwMode="auto">
+          <a:xfrm>
+            <a:off x="0" y="1600200"/>
+            <a:ext cx="9144000" cy="5257800"/>
+          </a:xfrm>
+          <a:prstGeom prst="rect">
+            <a:avLst/>
+          </a:prstGeom>
+          <a:noFill/>
+          <a:extLst>
+            <a:ext uri="{909E8E84-426E-40DD-AFC4-6F175D3DCCD1}">
+              <a14:hiddenFill xmlns:a14="http://schemas.microsoft.com/office/drawing/2010/main">
+                <a:solidFill>
+                  <a:srgbClr val="FFFFFF"/>
+                </a:solidFill>
+              </a14:hiddenFill>
+            </a:ext>
+          </a:extLst>
+        </p:spPr>
+      </p:pic>
+      <p:sp>
+        <p:nvSpPr>
+          <p:cNvPr id="4" name="Rectangle 2"/>
+          <p:cNvSpPr txBox="1">
+            <a:spLocks noChangeArrowheads="1"/>
+          </p:cNvSpPr>
+          <p:nvPr/>
+        </p:nvSpPr>
+        <p:spPr>
+          <a:xfrm>
+            <a:off x="0" y="0"/>
+            <a:ext cx="9144000" cy="1752600"/>
+          </a:xfrm>
+          <a:prstGeom prst="rect">
+            <a:avLst/>
+          </a:prstGeom>
+          <a:solidFill>
+            <a:srgbClr val="000066"/>
+          </a:solidFill>
+        </p:spPr>
+        <p:txBody>
+          <a:bodyPr/>
+          <a:lstStyle/>
+          <a:p>
+            <a:pPr lvl="0" eaLnBrk="0" hangingPunct="0">
+              <a:defRPr/>
+            </a:pPr>
+            <a:r>
+              <a:rPr lang="en-US" sz="3200" b="1" kern="0" dirty="0">
+                <a:solidFill>
+                  <a:schemeClr val="bg1"/>
+                </a:solidFill>
+              </a:rPr>
+              <a:t>	</a:t>
+            </a:r>
+            <a:endParaRPr lang="en-US" sz="2400" b="1" kern="0" dirty="0">
+              <a:solidFill>
+                <a:schemeClr val="bg1"/>
+              </a:solidFill>
+            </a:endParaRPr>
+          </a:p>
+          <a:p>
+            <a:pPr lvl="0" eaLnBrk="0" hangingPunct="0">
+              <a:defRPr/>
+            </a:pPr>
+            <a:r>
+              <a:rPr lang="en-US" sz="3200" b="1" kern="0" dirty="0">
+                <a:solidFill>
+                  <a:schemeClr val="bg1"/>
+                </a:solidFill>
+              </a:rPr>
+              <a:t>	</a:t>
+            </a:r>
+            <a:endParaRPr lang="en-US" sz="1600" kern="0" dirty="0">
+              <a:solidFill>
+                <a:schemeClr val="bg1"/>
+              </a:solidFill>
+              <a:latin typeface="+mj-lt"/>
+              <a:ea typeface="+mj-ea"/>
+              <a:cs typeface="+mj-cs"/>
+            </a:endParaRPr>
+          </a:p>
+          <a:p>
+            <a:pPr lvl="0" eaLnBrk="0" hangingPunct="0">
+              <a:defRPr/>
+            </a:pPr>
+            <a:endParaRPr lang="en-US" sz="2000" kern="0" dirty="0">
+              <a:solidFill>
+                <a:schemeClr val="bg1"/>
+              </a:solidFill>
+              <a:latin typeface="+mj-lt"/>
+              <a:ea typeface="+mj-ea"/>
+              <a:cs typeface="+mj-cs"/>
+            </a:endParaRPr>
+          </a:p>
+          <a:p>
+            <a:pPr lvl="0" eaLnBrk="0" hangingPunct="0">
+              <a:defRPr/>
+            </a:pPr>
+            <a:endParaRPr lang="en-US" sz="1100" b="0" kern="0" dirty="0">
+              <a:solidFill>
+                <a:schemeClr val="bg1"/>
+              </a:solidFill>
+              <a:latin typeface="+mj-lt"/>
+              <a:ea typeface="+mj-ea"/>
+              <a:cs typeface="+mj-cs"/>
+              <a:hlinkClick r:id="rId3"/>
+            </a:endParaRPr>
+          </a:p>
+          <a:p>
+            <a:pPr lvl="0" eaLnBrk="0" hangingPunct="0">
+              <a:defRPr/>
+            </a:pPr>
+            <a:endParaRPr lang="en-US" sz="2000" kern="0" dirty="0">
+              <a:solidFill>
+                <a:schemeClr val="bg1"/>
+              </a:solidFill>
+              <a:latin typeface="+mj-lt"/>
+              <a:ea typeface="+mj-ea"/>
+              <a:cs typeface="+mj-cs"/>
+            </a:endParaRPr>
+          </a:p>
+        </p:txBody>
+      </p:sp>
+      <p:sp>
+        <p:nvSpPr>
+          <p:cNvPr id="5" name="Rectangle 2">
+            <a:extLst>
+              <a:ext uri="{FF2B5EF4-FFF2-40B4-BE49-F238E27FC236}">
+                <a16:creationId xmlns:a16="http://schemas.microsoft.com/office/drawing/2014/main" id="{B46E0A87-1915-4F74-A2DA-E556CAEBAC44}"/>
+              </a:ext>
+            </a:extLst>
+          </p:cNvPr>
+          <p:cNvSpPr txBox="1">
+            <a:spLocks noChangeArrowheads="1"/>
+          </p:cNvSpPr>
+          <p:nvPr/>
+        </p:nvSpPr>
+        <p:spPr>
+          <a:xfrm>
+            <a:off x="76200" y="6400800"/>
+            <a:ext cx="9062633" cy="457200"/>
+          </a:xfrm>
+          <a:prstGeom prst="rect">
+            <a:avLst/>
+          </a:prstGeom>
+          <a:solidFill>
+            <a:srgbClr val="000066"/>
+          </a:solidFill>
+        </p:spPr>
+        <p:txBody>
+          <a:bodyPr/>
+          <a:lstStyle/>
+          <a:p>
+            <a:pPr lvl="0" eaLnBrk="0" hangingPunct="0">
+              <a:defRPr/>
+            </a:pPr>
+            <a:r>
+              <a:rPr lang="en-US" sz="2000" b="1" kern="0" dirty="0">
+                <a:solidFill>
+                  <a:schemeClr val="bg1"/>
+                </a:solidFill>
+              </a:rPr>
+              <a:t>	</a:t>
+            </a:r>
+            <a:r>
+              <a:rPr lang="en-US" sz="2000" b="1" kern="0" dirty="0" err="1">
+                <a:solidFill>
+                  <a:schemeClr val="bg1"/>
+                </a:solidFill>
+              </a:rPr>
+              <a:t>Harshil</a:t>
+            </a:r>
+            <a:r>
+              <a:rPr lang="en-US" sz="2000" b="1" kern="0" dirty="0">
+                <a:solidFill>
+                  <a:schemeClr val="bg1"/>
+                </a:solidFill>
+              </a:rPr>
+              <a:t> Patel, Sean </a:t>
+            </a:r>
+            <a:r>
+              <a:rPr lang="en-US" sz="2000" b="1" kern="0" dirty="0" err="1">
+                <a:solidFill>
+                  <a:schemeClr val="bg1"/>
+                </a:solidFill>
+              </a:rPr>
+              <a:t>Slavin</a:t>
+            </a:r>
+            <a:r>
+              <a:rPr lang="en-US" sz="2000" b="1" kern="0" dirty="0">
+                <a:solidFill>
+                  <a:schemeClr val="bg1"/>
+                </a:solidFill>
+              </a:rPr>
+              <a:t>, Craig Bauer, Mariah McLaughlin</a:t>
+            </a:r>
+            <a:endParaRPr lang="en-US" sz="2000" b="0" kern="0" dirty="0">
+              <a:solidFill>
+                <a:schemeClr val="bg1"/>
+              </a:solidFill>
+              <a:latin typeface="+mj-lt"/>
+              <a:ea typeface="+mj-ea"/>
+              <a:cs typeface="+mj-cs"/>
+              <a:hlinkClick r:id="rId3"/>
+            </a:endParaRPr>
+          </a:p>
+          <a:p>
+            <a:pPr lvl="0" eaLnBrk="0" hangingPunct="0">
+              <a:defRPr/>
+            </a:pPr>
+            <a:endParaRPr lang="en-US" sz="2000" kern="0" dirty="0">
+              <a:solidFill>
+                <a:schemeClr val="bg1"/>
+              </a:solidFill>
+              <a:latin typeface="+mj-lt"/>
+              <a:ea typeface="+mj-ea"/>
+              <a:cs typeface="+mj-cs"/>
+            </a:endParaRPr>
+          </a:p>
+        </p:txBody>
+      </p:sp>
+      <p:sp>
+        <p:nvSpPr>
+          <p:cNvPr id="6" name="Rectangle 2">
+            <a:extLst>
+              <a:ext uri="{FF2B5EF4-FFF2-40B4-BE49-F238E27FC236}">
+                <a16:creationId xmlns:a16="http://schemas.microsoft.com/office/drawing/2014/main" id="{022D944A-7D95-4176-971B-BA4CECC293DE}"/>
+              </a:ext>
+            </a:extLst>
+          </p:cNvPr>
+          <p:cNvSpPr txBox="1">
+            <a:spLocks noChangeArrowheads="1"/>
+          </p:cNvSpPr>
+          <p:nvPr/>
+        </p:nvSpPr>
+        <p:spPr>
+          <a:xfrm>
+            <a:off x="104614" y="114300"/>
+            <a:ext cx="9144000" cy="1371600"/>
+          </a:xfrm>
+          <a:prstGeom prst="rect">
+            <a:avLst/>
+          </a:prstGeom>
+          <a:noFill/>
+        </p:spPr>
+        <p:txBody>
+          <a:bodyPr/>
+          <a:lstStyle/>
+          <a:p>
+            <a:pPr lvl="0" eaLnBrk="0" hangingPunct="0">
+              <a:defRPr/>
+            </a:pPr>
+            <a:endParaRPr lang="en-US" sz="3200" b="1" kern="0" dirty="0">
+              <a:solidFill>
+                <a:schemeClr val="bg1"/>
+              </a:solidFill>
+            </a:endParaRPr>
+          </a:p>
+          <a:p>
+            <a:pPr lvl="0" algn="ctr" eaLnBrk="0" hangingPunct="0">
+              <a:defRPr/>
+            </a:pPr>
+            <a:r>
+              <a:rPr lang="en-US" sz="3200" b="1" kern="0" dirty="0">
+                <a:solidFill>
+                  <a:schemeClr val="bg1"/>
+                </a:solidFill>
+              </a:rPr>
+              <a:t>Questions?</a:t>
+            </a:r>
+            <a:endParaRPr lang="en-US" sz="2000" b="1" i="1" kern="0" dirty="0">
+              <a:solidFill>
+                <a:schemeClr val="bg1"/>
+              </a:solidFill>
+            </a:endParaRPr>
+          </a:p>
+          <a:p>
+            <a:pPr lvl="0" eaLnBrk="0" hangingPunct="0">
+              <a:defRPr/>
+            </a:pPr>
+            <a:r>
+              <a:rPr lang="en-US" b="1" kern="0" dirty="0">
+                <a:solidFill>
+                  <a:schemeClr val="bg1"/>
+                </a:solidFill>
+              </a:rPr>
+              <a:t>	</a:t>
+            </a:r>
+          </a:p>
+          <a:p>
+            <a:pPr lvl="0" eaLnBrk="0" hangingPunct="0">
+              <a:defRPr/>
+            </a:pPr>
+            <a:endParaRPr lang="en-US" sz="1600" kern="0" dirty="0">
+              <a:solidFill>
+                <a:schemeClr val="bg1"/>
+              </a:solidFill>
+              <a:latin typeface="+mj-lt"/>
+              <a:ea typeface="+mj-ea"/>
+              <a:cs typeface="+mj-cs"/>
+            </a:endParaRPr>
+          </a:p>
+          <a:p>
+            <a:pPr lvl="0" eaLnBrk="0" hangingPunct="0">
+              <a:defRPr/>
+            </a:pPr>
+            <a:endParaRPr lang="en-US" sz="2000" kern="0" dirty="0">
+              <a:solidFill>
+                <a:schemeClr val="bg1"/>
+              </a:solidFill>
+              <a:latin typeface="+mj-lt"/>
+              <a:ea typeface="+mj-ea"/>
+              <a:cs typeface="+mj-cs"/>
+            </a:endParaRPr>
+          </a:p>
+          <a:p>
+            <a:pPr lvl="0" eaLnBrk="0" hangingPunct="0">
+              <a:defRPr/>
+            </a:pPr>
+            <a:endParaRPr lang="en-US" sz="1100" b="0" kern="0" dirty="0">
+              <a:solidFill>
+                <a:schemeClr val="bg1"/>
+              </a:solidFill>
+              <a:latin typeface="+mj-lt"/>
+              <a:ea typeface="+mj-ea"/>
+              <a:cs typeface="+mj-cs"/>
+              <a:hlinkClick r:id="rId3"/>
+            </a:endParaRPr>
+          </a:p>
+          <a:p>
+            <a:pPr lvl="0" eaLnBrk="0" hangingPunct="0">
+              <a:defRPr/>
+            </a:pPr>
+            <a:endParaRPr lang="en-US" sz="2000" kern="0" dirty="0">
+              <a:solidFill>
+                <a:schemeClr val="bg1"/>
+              </a:solidFill>
+              <a:latin typeface="+mj-lt"/>
+              <a:ea typeface="+mj-ea"/>
+              <a:cs typeface="+mj-cs"/>
+            </a:endParaRPr>
+          </a:p>
+        </p:txBody>
+      </p:sp>
+    </p:spTree>
+    <p:extLst>
+      <p:ext uri="{BB962C8B-B14F-4D97-AF65-F5344CB8AC3E}">
+        <p14:creationId xmlns:p14="http://schemas.microsoft.com/office/powerpoint/2010/main" val="1907701659"/>
+      </p:ext>
+    </p:extLst>
+  </p:cSld>
+  <p:clrMapOvr>
+    <a:masterClrMapping/>
+  </p:clrMapOvr>
+</p:sld>
+</file>
+
 <file path=ppt/slides/slide3.xml><?xml version="1.0" encoding="utf-8"?>
 <p:sld xmlns:a="http://schemas.openxmlformats.org/drawingml/2006/main" xmlns:r="http://schemas.openxmlformats.org/officeDocument/2006/relationships" xmlns:p="http://schemas.openxmlformats.org/presentationml/2006/main">
   <p:cSld>
@@ -11866,7 +12926,7 @@
           <a:graphicData uri="http://schemas.openxmlformats.org/presentationml/2006/ole">
             <mc:AlternateContent xmlns:mc="http://schemas.openxmlformats.org/markup-compatibility/2006">
               <mc:Choice xmlns:v="urn:schemas-microsoft-com:vml" Requires="v">
-                <p:oleObj spid="_x0000_s3077" r:id="rId5" imgW="0" imgH="0" progId="TCLayout.ActiveDocument.1">
+                <p:oleObj spid="_x0000_s27653" r:id="rId5" imgW="0" imgH="0" progId="TCLayout.ActiveDocument.1">
                   <p:embed/>
                 </p:oleObj>
               </mc:Choice>
@@ -11969,10 +13029,10 @@
       </p:sp>
       <p:sp>
         <p:nvSpPr>
-          <p:cNvPr id="6" name="TextBox 5">
+          <p:cNvPr id="8" name="TextBox 7">
             <a:extLst>
               <a:ext uri="{FF2B5EF4-FFF2-40B4-BE49-F238E27FC236}">
-                <a16:creationId xmlns:a16="http://schemas.microsoft.com/office/drawing/2014/main" xmlns="" id="{0C7F0FDA-5F46-41BD-BF0F-A903C866FD37}"/>
+                <a16:creationId xmlns:a16="http://schemas.microsoft.com/office/drawing/2014/main" id="{7FDC7CAA-A9D5-461C-94AF-C8FCB40CB859}"/>
               </a:ext>
             </a:extLst>
           </p:cNvPr>
@@ -11981,46 +13041,7 @@
         </p:nvSpPr>
         <p:spPr>
           <a:xfrm>
-            <a:off x="381000" y="6443990"/>
-            <a:ext cx="7772400" cy="261610"/>
-          </a:xfrm>
-          <a:prstGeom prst="rect">
-            <a:avLst/>
-          </a:prstGeom>
-          <a:noFill/>
-        </p:spPr>
-        <p:txBody>
-          <a:bodyPr wrap="square" rtlCol="0">
-            <a:spAutoFit/>
-          </a:bodyPr>
-          <a:lstStyle/>
-          <a:p>
-            <a:r>
-              <a:rPr lang="en-US" sz="1100" dirty="0">
-                <a:solidFill>
-                  <a:srgbClr val="000066"/>
-                </a:solidFill>
-              </a:rPr>
-              <a:t>Source: Why Stocks Tend To Decline Much Faster Than They Rise; http://theemotionallyintelligentinvestor.com/?p=145</a:t>
-            </a:r>
-          </a:p>
-        </p:txBody>
-      </p:sp>
-      <p:sp>
-        <p:nvSpPr>
-          <p:cNvPr id="8" name="TextBox 7">
-            <a:extLst>
-              <a:ext uri="{FF2B5EF4-FFF2-40B4-BE49-F238E27FC236}">
-                <a16:creationId xmlns:a16="http://schemas.microsoft.com/office/drawing/2014/main" xmlns="" id="{7FDC7CAA-A9D5-461C-94AF-C8FCB40CB859}"/>
-              </a:ext>
-            </a:extLst>
-          </p:cNvPr>
-          <p:cNvSpPr txBox="1"/>
-          <p:nvPr/>
-        </p:nvSpPr>
-        <p:spPr>
-          <a:xfrm>
-            <a:off x="514865" y="2609671"/>
+            <a:off x="514865" y="2900063"/>
             <a:ext cx="7772400" cy="1200329"/>
           </a:xfrm>
           <a:prstGeom prst="rect">
@@ -12040,7 +13061,7 @@
                   <a:srgbClr val="000066"/>
                 </a:solidFill>
               </a:rPr>
-              <a:t>This is perpetuated until the security is viewed as ‘undervalued’ </a:t>
+              <a:t>This is perpetuated until the risk is assessed and the security is viewed as ‘undervalued’ </a:t>
             </a:r>
           </a:p>
           <a:p>
@@ -12057,7 +13078,7 @@
           <p:cNvPr id="9" name="TextBox 8">
             <a:extLst>
               <a:ext uri="{FF2B5EF4-FFF2-40B4-BE49-F238E27FC236}">
-                <a16:creationId xmlns:a16="http://schemas.microsoft.com/office/drawing/2014/main" xmlns="" id="{C7BE35D0-0DDA-4BE4-BFDD-F2FA63A36A32}"/>
+                <a16:creationId xmlns:a16="http://schemas.microsoft.com/office/drawing/2014/main" id="{C7BE35D0-0DDA-4BE4-BFDD-F2FA63A36A32}"/>
               </a:ext>
             </a:extLst>
           </p:cNvPr>
@@ -12066,46 +13087,7 @@
         </p:nvSpPr>
         <p:spPr>
           <a:xfrm>
-            <a:off x="514865" y="3690879"/>
-            <a:ext cx="7772400" cy="830997"/>
-          </a:xfrm>
-          <a:prstGeom prst="rect">
-            <a:avLst/>
-          </a:prstGeom>
-          <a:noFill/>
-        </p:spPr>
-        <p:txBody>
-          <a:bodyPr wrap="square" rtlCol="0">
-            <a:spAutoFit/>
-          </a:bodyPr>
-          <a:lstStyle/>
-          <a:p>
-            <a:r>
-              <a:rPr lang="en-US" sz="2400" b="1" dirty="0">
-                <a:solidFill>
-                  <a:srgbClr val="000066"/>
-                </a:solidFill>
-              </a:rPr>
-              <a:t>Then the market begins buying into the shares allowing a visible recovery to be seen</a:t>
-            </a:r>
-          </a:p>
-        </p:txBody>
-      </p:sp>
-      <p:sp>
-        <p:nvSpPr>
-          <p:cNvPr id="10" name="TextBox 9">
-            <a:extLst>
-              <a:ext uri="{FF2B5EF4-FFF2-40B4-BE49-F238E27FC236}">
-                <a16:creationId xmlns:a16="http://schemas.microsoft.com/office/drawing/2014/main" xmlns="" id="{376AF7DA-345A-469B-AA8A-F827385FD190}"/>
-              </a:ext>
-            </a:extLst>
-          </p:cNvPr>
-          <p:cNvSpPr txBox="1"/>
-          <p:nvPr/>
-        </p:nvSpPr>
-        <p:spPr>
-          <a:xfrm>
-            <a:off x="514865" y="1505996"/>
+            <a:off x="514865" y="3981271"/>
             <a:ext cx="7772400" cy="1200329"/>
           </a:xfrm>
           <a:prstGeom prst="rect">
@@ -12125,23 +13107,54 @@
                   <a:srgbClr val="000066"/>
                 </a:solidFill>
               </a:rPr>
-              <a:t>The market reaction </a:t>
-            </a:r>
-            <a:r>
-              <a:rPr lang="en-US" sz="2400" b="1" dirty="0" smtClean="0">
+              <a:t>Then the ‘smart money’ begins buying into the shares allowing a visible recovery to be </a:t>
+            </a:r>
+            <a:r>
+              <a:rPr lang="en-US" sz="2400" b="1" u="sng" dirty="0">
                 <a:solidFill>
                   <a:srgbClr val="000066"/>
                 </a:solidFill>
               </a:rPr>
-              <a:t>typically </a:t>
-            </a:r>
+              <a:t>seen, without having to be predicted</a:t>
+            </a:r>
+          </a:p>
+        </p:txBody>
+      </p:sp>
+      <p:sp>
+        <p:nvSpPr>
+          <p:cNvPr id="10" name="TextBox 9">
+            <a:extLst>
+              <a:ext uri="{FF2B5EF4-FFF2-40B4-BE49-F238E27FC236}">
+                <a16:creationId xmlns:a16="http://schemas.microsoft.com/office/drawing/2014/main" id="{376AF7DA-345A-469B-AA8A-F827385FD190}"/>
+              </a:ext>
+            </a:extLst>
+          </p:cNvPr>
+          <p:cNvSpPr txBox="1"/>
+          <p:nvPr/>
+        </p:nvSpPr>
+        <p:spPr>
+          <a:xfrm>
+            <a:off x="514865" y="1505996"/>
+            <a:ext cx="7772400" cy="1569660"/>
+          </a:xfrm>
+          <a:prstGeom prst="rect">
+            <a:avLst/>
+          </a:prstGeom>
+          <a:noFill/>
+        </p:spPr>
+        <p:txBody>
+          <a:bodyPr wrap="square" rtlCol="0">
+            <a:spAutoFit/>
+          </a:bodyPr>
+          <a:lstStyle/>
+          <a:p>
             <a:r>
               <a:rPr lang="en-US" sz="2400" b="1" dirty="0">
                 <a:solidFill>
                   <a:srgbClr val="000066"/>
                 </a:solidFill>
               </a:rPr>
-              <a:t>causes a steep and rapid decline in price value </a:t>
+              <a:t>The market reaction to an unfavorable news ‘event’ typically causes a dramatically steep and rapid decline in price value </a:t>
             </a:r>
           </a:p>
           <a:p>
@@ -12156,13 +13169,183 @@
     </p:spTree>
     <p:extLst>
       <p:ext uri="{BB962C8B-B14F-4D97-AF65-F5344CB8AC3E}">
-        <p14:creationId xmlns:p14="http://schemas.microsoft.com/office/powerpoint/2010/main" val="2179746406"/>
+        <p14:creationId xmlns:p14="http://schemas.microsoft.com/office/powerpoint/2010/main" val="2810421187"/>
       </p:ext>
     </p:extLst>
   </p:cSld>
   <p:clrMapOvr>
     <a:masterClrMapping/>
   </p:clrMapOvr>
+  <p:timing>
+    <p:tnLst>
+      <p:par>
+        <p:cTn id="1" dur="indefinite" restart="never" nodeType="tmRoot">
+          <p:childTnLst>
+            <p:seq concurrent="1" nextAc="seek">
+              <p:cTn id="2" dur="indefinite" nodeType="mainSeq">
+                <p:childTnLst>
+                  <p:par>
+                    <p:cTn id="3" fill="hold">
+                      <p:stCondLst>
+                        <p:cond delay="indefinite"/>
+                      </p:stCondLst>
+                      <p:childTnLst>
+                        <p:par>
+                          <p:cTn id="4" fill="hold">
+                            <p:stCondLst>
+                              <p:cond delay="0"/>
+                            </p:stCondLst>
+                            <p:childTnLst>
+                              <p:par>
+                                <p:cTn id="5" presetID="1" presetClass="entr" presetSubtype="0" fill="hold" grpId="0" nodeType="clickEffect">
+                                  <p:stCondLst>
+                                    <p:cond delay="0"/>
+                                  </p:stCondLst>
+                                  <p:childTnLst>
+                                    <p:set>
+                                      <p:cBhvr>
+                                        <p:cTn id="6" dur="1" fill="hold">
+                                          <p:stCondLst>
+                                            <p:cond delay="0"/>
+                                          </p:stCondLst>
+                                        </p:cTn>
+                                        <p:tgtEl>
+                                          <p:spTgt spid="10"/>
+                                        </p:tgtEl>
+                                        <p:attrNameLst>
+                                          <p:attrName>style.visibility</p:attrName>
+                                        </p:attrNameLst>
+                                      </p:cBhvr>
+                                      <p:to>
+                                        <p:strVal val="visible"/>
+                                      </p:to>
+                                    </p:set>
+                                  </p:childTnLst>
+                                </p:cTn>
+                              </p:par>
+                            </p:childTnLst>
+                          </p:cTn>
+                        </p:par>
+                      </p:childTnLst>
+                    </p:cTn>
+                  </p:par>
+                  <p:par>
+                    <p:cTn id="7" fill="hold">
+                      <p:stCondLst>
+                        <p:cond delay="indefinite"/>
+                      </p:stCondLst>
+                      <p:childTnLst>
+                        <p:par>
+                          <p:cTn id="8" fill="hold">
+                            <p:stCondLst>
+                              <p:cond delay="0"/>
+                            </p:stCondLst>
+                            <p:childTnLst>
+                              <p:par>
+                                <p:cTn id="9" presetID="1" presetClass="entr" presetSubtype="0" fill="hold" grpId="0" nodeType="clickEffect">
+                                  <p:stCondLst>
+                                    <p:cond delay="0"/>
+                                  </p:stCondLst>
+                                  <p:childTnLst>
+                                    <p:set>
+                                      <p:cBhvr>
+                                        <p:cTn id="10" dur="1" fill="hold">
+                                          <p:stCondLst>
+                                            <p:cond delay="0"/>
+                                          </p:stCondLst>
+                                        </p:cTn>
+                                        <p:tgtEl>
+                                          <p:spTgt spid="8"/>
+                                        </p:tgtEl>
+                                        <p:attrNameLst>
+                                          <p:attrName>style.visibility</p:attrName>
+                                        </p:attrNameLst>
+                                      </p:cBhvr>
+                                      <p:to>
+                                        <p:strVal val="visible"/>
+                                      </p:to>
+                                    </p:set>
+                                  </p:childTnLst>
+                                </p:cTn>
+                              </p:par>
+                            </p:childTnLst>
+                          </p:cTn>
+                        </p:par>
+                      </p:childTnLst>
+                    </p:cTn>
+                  </p:par>
+                  <p:par>
+                    <p:cTn id="11" fill="hold">
+                      <p:stCondLst>
+                        <p:cond delay="indefinite"/>
+                      </p:stCondLst>
+                      <p:childTnLst>
+                        <p:par>
+                          <p:cTn id="12" fill="hold">
+                            <p:stCondLst>
+                              <p:cond delay="0"/>
+                            </p:stCondLst>
+                            <p:childTnLst>
+                              <p:par>
+                                <p:cTn id="13" presetID="1" presetClass="entr" presetSubtype="0" fill="hold" grpId="0" nodeType="clickEffect">
+                                  <p:stCondLst>
+                                    <p:cond delay="0"/>
+                                  </p:stCondLst>
+                                  <p:childTnLst>
+                                    <p:set>
+                                      <p:cBhvr>
+                                        <p:cTn id="14" dur="1" fill="hold">
+                                          <p:stCondLst>
+                                            <p:cond delay="0"/>
+                                          </p:stCondLst>
+                                        </p:cTn>
+                                        <p:tgtEl>
+                                          <p:spTgt spid="9"/>
+                                        </p:tgtEl>
+                                        <p:attrNameLst>
+                                          <p:attrName>style.visibility</p:attrName>
+                                        </p:attrNameLst>
+                                      </p:cBhvr>
+                                      <p:to>
+                                        <p:strVal val="visible"/>
+                                      </p:to>
+                                    </p:set>
+                                  </p:childTnLst>
+                                </p:cTn>
+                              </p:par>
+                            </p:childTnLst>
+                          </p:cTn>
+                        </p:par>
+                      </p:childTnLst>
+                    </p:cTn>
+                  </p:par>
+                </p:childTnLst>
+              </p:cTn>
+              <p:prevCondLst>
+                <p:cond evt="onPrev" delay="0">
+                  <p:tgtEl>
+                    <p:sldTgt/>
+                  </p:tgtEl>
+                </p:cond>
+              </p:prevCondLst>
+              <p:nextCondLst>
+                <p:cond evt="onNext" delay="0">
+                  <p:tgtEl>
+                    <p:sldTgt/>
+                  </p:tgtEl>
+                </p:cond>
+              </p:nextCondLst>
+            </p:seq>
+          </p:childTnLst>
+        </p:cTn>
+      </p:par>
+    </p:tnLst>
+    <p:bldLst>
+      <p:bldP spid="8" grpId="0"/>
+      <p:bldP spid="9" grpId="0"/>
+      <p:bldP spid="10" grpId="0"/>
+    </p:bldLst>
+  </p:timing>
 </p:sld>
 </file>
 
@@ -12188,7 +13371,7 @@
           <p:cNvPr id="22530" name="Picture 2" descr="Image result for stock market chart pictures">
             <a:extLst>
               <a:ext uri="{FF2B5EF4-FFF2-40B4-BE49-F238E27FC236}">
-                <a16:creationId xmlns:a16="http://schemas.microsoft.com/office/drawing/2014/main" xmlns="" id="{B6E261C0-D1F9-4D86-A8FC-7C37CC741C58}"/>
+                <a16:creationId xmlns:a16="http://schemas.microsoft.com/office/drawing/2014/main" id="{B6E261C0-D1F9-4D86-A8FC-7C37CC741C58}"/>
               </a:ext>
             </a:extLst>
           </p:cNvPr>
@@ -12339,7 +13522,7 @@
           <p:cNvPr id="5" name="Rectangle 2">
             <a:extLst>
               <a:ext uri="{FF2B5EF4-FFF2-40B4-BE49-F238E27FC236}">
-                <a16:creationId xmlns:a16="http://schemas.microsoft.com/office/drawing/2014/main" xmlns="" id="{B46E0A87-1915-4F74-A2DA-E556CAEBAC44}"/>
+                <a16:creationId xmlns:a16="http://schemas.microsoft.com/office/drawing/2014/main" id="{B46E0A87-1915-4F74-A2DA-E556CAEBAC44}"/>
               </a:ext>
             </a:extLst>
           </p:cNvPr>
@@ -12437,7 +13620,7 @@
           <p:cNvPr id="6" name="Rectangle 2">
             <a:extLst>
               <a:ext uri="{FF2B5EF4-FFF2-40B4-BE49-F238E27FC236}">
-                <a16:creationId xmlns:a16="http://schemas.microsoft.com/office/drawing/2014/main" xmlns="" id="{022D944A-7D95-4176-971B-BA4CECC293DE}"/>
+                <a16:creationId xmlns:a16="http://schemas.microsoft.com/office/drawing/2014/main" id="{022D944A-7D95-4176-971B-BA4CECC293DE}"/>
               </a:ext>
             </a:extLst>
           </p:cNvPr>
@@ -12580,6 +13763,11 @@
         </p:txBody>
       </p:sp>
     </p:spTree>
+    <p:extLst>
+      <p:ext uri="{BB962C8B-B14F-4D97-AF65-F5344CB8AC3E}">
+        <p14:creationId xmlns:p14="http://schemas.microsoft.com/office/powerpoint/2010/main" val="280748480"/>
+      </p:ext>
+    </p:extLst>
   </p:cSld>
   <p:clrMapOvr>
     <a:masterClrMapping/>
@@ -12609,7 +13797,7 @@
           <p:cNvPr id="12" name="Picture 11">
             <a:extLst>
               <a:ext uri="{FF2B5EF4-FFF2-40B4-BE49-F238E27FC236}">
-                <a16:creationId xmlns:a16="http://schemas.microsoft.com/office/drawing/2014/main" xmlns="" id="{8A9048FB-48F8-4C30-986F-7C915575C23A}"/>
+                <a16:creationId xmlns:a16="http://schemas.microsoft.com/office/drawing/2014/main" id="{8A9048FB-48F8-4C30-986F-7C915575C23A}"/>
               </a:ext>
             </a:extLst>
           </p:cNvPr>
@@ -12654,7 +13842,7 @@
           <a:graphicData uri="http://schemas.openxmlformats.org/presentationml/2006/ole">
             <mc:AlternateContent xmlns:mc="http://schemas.openxmlformats.org/markup-compatibility/2006">
               <mc:Choice xmlns:v="urn:schemas-microsoft-com:vml" Requires="v">
-                <p:oleObj spid="_x0000_s4101" r:id="rId6" imgW="0" imgH="0" progId="TCLayout.ActiveDocument.1">
+                <p:oleObj spid="_x0000_s28677" r:id="rId6" imgW="0" imgH="0" progId="TCLayout.ActiveDocument.1">
                   <p:embed/>
                 </p:oleObj>
               </mc:Choice>
@@ -12760,7 +13948,7 @@
           <p:cNvPr id="6" name="Rectangle 5">
             <a:extLst>
               <a:ext uri="{FF2B5EF4-FFF2-40B4-BE49-F238E27FC236}">
-                <a16:creationId xmlns:a16="http://schemas.microsoft.com/office/drawing/2014/main" xmlns="" id="{698C65BD-9A46-453A-A68D-4269B1E00E08}"/>
+                <a16:creationId xmlns:a16="http://schemas.microsoft.com/office/drawing/2014/main" id="{698C65BD-9A46-453A-A68D-4269B1E00E08}"/>
               </a:ext>
             </a:extLst>
           </p:cNvPr>
@@ -12813,7 +14001,7 @@
           <p:cNvPr id="11" name="Rectangle 2">
             <a:extLst>
               <a:ext uri="{FF2B5EF4-FFF2-40B4-BE49-F238E27FC236}">
-                <a16:creationId xmlns:a16="http://schemas.microsoft.com/office/drawing/2014/main" xmlns="" id="{340A7B56-754B-452D-844A-C81239CEB0F3}"/>
+                <a16:creationId xmlns:a16="http://schemas.microsoft.com/office/drawing/2014/main" id="{340A7B56-754B-452D-844A-C81239CEB0F3}"/>
               </a:ext>
             </a:extLst>
           </p:cNvPr>
@@ -12847,7 +14035,7 @@
                   <a:schemeClr val="bg1"/>
                 </a:solidFill>
               </a:rPr>
-              <a:t>Wells Fargo:  Consumer Financial Protection Bureau and the Los Angeles City Attorney and the Office of the Comptroller of the Currency fine $185 million for opening up over 2 million fake bank and credit card accounts in customers’ names without their knowledge or consent. </a:t>
+              <a:t>Sep 8, 2017 Wells Fargo:  Consumer Financial Protection Bureau and the Los Angeles City Attorney and the Office of the Comptroller of the Currency fine $185 million for opening up over 2 million fake bank and credit card accounts in customers’ names without their knowledge or consent. </a:t>
             </a:r>
             <a:endParaRPr lang="en-US" sz="1400" kern="0" dirty="0">
               <a:solidFill>
@@ -12876,7 +14064,7 @@
     </p:spTree>
     <p:extLst>
       <p:ext uri="{BB962C8B-B14F-4D97-AF65-F5344CB8AC3E}">
-        <p14:creationId xmlns:p14="http://schemas.microsoft.com/office/powerpoint/2010/main" val="498528180"/>
+        <p14:creationId xmlns:p14="http://schemas.microsoft.com/office/powerpoint/2010/main" val="1169439133"/>
       </p:ext>
     </p:extLst>
   </p:cSld>
@@ -12908,7 +14096,7 @@
           <p:cNvPr id="7" name="Picture 6">
             <a:extLst>
               <a:ext uri="{FF2B5EF4-FFF2-40B4-BE49-F238E27FC236}">
-                <a16:creationId xmlns:a16="http://schemas.microsoft.com/office/drawing/2014/main" xmlns="" id="{C5EE6EC4-4BE2-4069-8B8B-0417E27AC082}"/>
+                <a16:creationId xmlns:a16="http://schemas.microsoft.com/office/drawing/2014/main" id="{C5EE6EC4-4BE2-4069-8B8B-0417E27AC082}"/>
               </a:ext>
             </a:extLst>
           </p:cNvPr>
@@ -12953,7 +14141,7 @@
           <a:graphicData uri="http://schemas.openxmlformats.org/presentationml/2006/ole">
             <mc:AlternateContent xmlns:mc="http://schemas.openxmlformats.org/markup-compatibility/2006">
               <mc:Choice xmlns:v="urn:schemas-microsoft-com:vml" Requires="v">
-                <p:oleObj spid="_x0000_s5125" r:id="rId6" imgW="0" imgH="0" progId="TCLayout.ActiveDocument.1">
+                <p:oleObj spid="_x0000_s29701" r:id="rId6" imgW="0" imgH="0" progId="TCLayout.ActiveDocument.1">
                   <p:embed/>
                 </p:oleObj>
               </mc:Choice>
@@ -13059,7 +14247,7 @@
           <p:cNvPr id="6" name="Rectangle 5">
             <a:extLst>
               <a:ext uri="{FF2B5EF4-FFF2-40B4-BE49-F238E27FC236}">
-                <a16:creationId xmlns:a16="http://schemas.microsoft.com/office/drawing/2014/main" xmlns="" id="{698C65BD-9A46-453A-A68D-4269B1E00E08}"/>
+                <a16:creationId xmlns:a16="http://schemas.microsoft.com/office/drawing/2014/main" id="{698C65BD-9A46-453A-A68D-4269B1E00E08}"/>
               </a:ext>
             </a:extLst>
           </p:cNvPr>
@@ -13112,7 +14300,7 @@
           <p:cNvPr id="8" name="Rectangle 2">
             <a:extLst>
               <a:ext uri="{FF2B5EF4-FFF2-40B4-BE49-F238E27FC236}">
-                <a16:creationId xmlns:a16="http://schemas.microsoft.com/office/drawing/2014/main" xmlns="" id="{A0F6F584-AA39-43E1-9604-EAA1E6B54356}"/>
+                <a16:creationId xmlns:a16="http://schemas.microsoft.com/office/drawing/2014/main" id="{A0F6F584-AA39-43E1-9604-EAA1E6B54356}"/>
               </a:ext>
             </a:extLst>
           </p:cNvPr>
@@ -13162,7 +14350,7 @@
     </p:spTree>
     <p:extLst>
       <p:ext uri="{BB962C8B-B14F-4D97-AF65-F5344CB8AC3E}">
-        <p14:creationId xmlns:p14="http://schemas.microsoft.com/office/powerpoint/2010/main" val="2826267958"/>
+        <p14:creationId xmlns:p14="http://schemas.microsoft.com/office/powerpoint/2010/main" val="2128876148"/>
       </p:ext>
     </p:extLst>
   </p:cSld>
@@ -13194,7 +14382,7 @@
           <p:cNvPr id="8" name="Picture 7">
             <a:extLst>
               <a:ext uri="{FF2B5EF4-FFF2-40B4-BE49-F238E27FC236}">
-                <a16:creationId xmlns:a16="http://schemas.microsoft.com/office/drawing/2014/main" xmlns="" id="{B0FA6173-F0EE-464D-A108-3A58E435A159}"/>
+                <a16:creationId xmlns:a16="http://schemas.microsoft.com/office/drawing/2014/main" id="{B0FA6173-F0EE-464D-A108-3A58E435A159}"/>
               </a:ext>
             </a:extLst>
           </p:cNvPr>
@@ -13239,7 +14427,7 @@
           <a:graphicData uri="http://schemas.openxmlformats.org/presentationml/2006/ole">
             <mc:AlternateContent xmlns:mc="http://schemas.openxmlformats.org/markup-compatibility/2006">
               <mc:Choice xmlns:v="urn:schemas-microsoft-com:vml" Requires="v">
-                <p:oleObj spid="_x0000_s6149" r:id="rId6" imgW="0" imgH="0" progId="TCLayout.ActiveDocument.1">
+                <p:oleObj spid="_x0000_s30725" r:id="rId6" imgW="0" imgH="0" progId="TCLayout.ActiveDocument.1">
                   <p:embed/>
                 </p:oleObj>
               </mc:Choice>
@@ -13345,7 +14533,7 @@
           <p:cNvPr id="6" name="Rectangle 5">
             <a:extLst>
               <a:ext uri="{FF2B5EF4-FFF2-40B4-BE49-F238E27FC236}">
-                <a16:creationId xmlns:a16="http://schemas.microsoft.com/office/drawing/2014/main" xmlns="" id="{698C65BD-9A46-453A-A68D-4269B1E00E08}"/>
+                <a16:creationId xmlns:a16="http://schemas.microsoft.com/office/drawing/2014/main" id="{698C65BD-9A46-453A-A68D-4269B1E00E08}"/>
               </a:ext>
             </a:extLst>
           </p:cNvPr>
@@ -13398,7 +14586,7 @@
           <p:cNvPr id="7" name="Rectangle 2">
             <a:extLst>
               <a:ext uri="{FF2B5EF4-FFF2-40B4-BE49-F238E27FC236}">
-                <a16:creationId xmlns:a16="http://schemas.microsoft.com/office/drawing/2014/main" xmlns="" id="{8D1C1748-2A39-4102-8731-AE1D93803BCF}"/>
+                <a16:creationId xmlns:a16="http://schemas.microsoft.com/office/drawing/2014/main" id="{8D1C1748-2A39-4102-8731-AE1D93803BCF}"/>
               </a:ext>
             </a:extLst>
           </p:cNvPr>
@@ -13472,7 +14660,7 @@
     </p:spTree>
     <p:extLst>
       <p:ext uri="{BB962C8B-B14F-4D97-AF65-F5344CB8AC3E}">
-        <p14:creationId xmlns:p14="http://schemas.microsoft.com/office/powerpoint/2010/main" val="3678032112"/>
+        <p14:creationId xmlns:p14="http://schemas.microsoft.com/office/powerpoint/2010/main" val="926439469"/>
       </p:ext>
     </p:extLst>
   </p:cSld>
@@ -13504,7 +14692,7 @@
           <p:cNvPr id="7" name="Picture 6">
             <a:extLst>
               <a:ext uri="{FF2B5EF4-FFF2-40B4-BE49-F238E27FC236}">
-                <a16:creationId xmlns:a16="http://schemas.microsoft.com/office/drawing/2014/main" xmlns="" id="{B9FD2707-B71F-4744-B2A4-ADC2ECEC1283}"/>
+                <a16:creationId xmlns:a16="http://schemas.microsoft.com/office/drawing/2014/main" id="{B9FD2707-B71F-4744-B2A4-ADC2ECEC1283}"/>
               </a:ext>
             </a:extLst>
           </p:cNvPr>
@@ -13549,7 +14737,7 @@
           <a:graphicData uri="http://schemas.openxmlformats.org/presentationml/2006/ole">
             <mc:AlternateContent xmlns:mc="http://schemas.openxmlformats.org/markup-compatibility/2006">
               <mc:Choice xmlns:v="urn:schemas-microsoft-com:vml" Requires="v">
-                <p:oleObj spid="_x0000_s7173" r:id="rId6" imgW="0" imgH="0" progId="TCLayout.ActiveDocument.1">
+                <p:oleObj spid="_x0000_s31749" r:id="rId6" imgW="0" imgH="0" progId="TCLayout.ActiveDocument.1">
                   <p:embed/>
                 </p:oleObj>
               </mc:Choice>
@@ -13655,7 +14843,7 @@
           <p:cNvPr id="6" name="Rectangle 5">
             <a:extLst>
               <a:ext uri="{FF2B5EF4-FFF2-40B4-BE49-F238E27FC236}">
-                <a16:creationId xmlns:a16="http://schemas.microsoft.com/office/drawing/2014/main" xmlns="" id="{698C65BD-9A46-453A-A68D-4269B1E00E08}"/>
+                <a16:creationId xmlns:a16="http://schemas.microsoft.com/office/drawing/2014/main" id="{698C65BD-9A46-453A-A68D-4269B1E00E08}"/>
               </a:ext>
             </a:extLst>
           </p:cNvPr>
@@ -13708,7 +14896,7 @@
           <p:cNvPr id="8" name="Rectangle 2">
             <a:extLst>
               <a:ext uri="{FF2B5EF4-FFF2-40B4-BE49-F238E27FC236}">
-                <a16:creationId xmlns:a16="http://schemas.microsoft.com/office/drawing/2014/main" xmlns="" id="{EBB7618E-C02E-4758-99D0-24877A2AAF7D}"/>
+                <a16:creationId xmlns:a16="http://schemas.microsoft.com/office/drawing/2014/main" id="{EBB7618E-C02E-4758-99D0-24877A2AAF7D}"/>
               </a:ext>
             </a:extLst>
           </p:cNvPr>
@@ -13758,7 +14946,7 @@
     </p:spTree>
     <p:extLst>
       <p:ext uri="{BB962C8B-B14F-4D97-AF65-F5344CB8AC3E}">
-        <p14:creationId xmlns:p14="http://schemas.microsoft.com/office/powerpoint/2010/main" val="2946307804"/>
+        <p14:creationId xmlns:p14="http://schemas.microsoft.com/office/powerpoint/2010/main" val="2843868280"/>
       </p:ext>
     </p:extLst>
   </p:cSld>
@@ -13790,7 +14978,7 @@
           <p:cNvPr id="8" name="Picture 7">
             <a:extLst>
               <a:ext uri="{FF2B5EF4-FFF2-40B4-BE49-F238E27FC236}">
-                <a16:creationId xmlns:a16="http://schemas.microsoft.com/office/drawing/2014/main" xmlns="" id="{82086EB5-1358-4AC3-9DEF-33919E829BAE}"/>
+                <a16:creationId xmlns:a16="http://schemas.microsoft.com/office/drawing/2014/main" id="{82086EB5-1358-4AC3-9DEF-33919E829BAE}"/>
               </a:ext>
             </a:extLst>
           </p:cNvPr>
@@ -13835,7 +15023,7 @@
           <a:graphicData uri="http://schemas.openxmlformats.org/presentationml/2006/ole">
             <mc:AlternateContent xmlns:mc="http://schemas.openxmlformats.org/markup-compatibility/2006">
               <mc:Choice xmlns:v="urn:schemas-microsoft-com:vml" Requires="v">
-                <p:oleObj spid="_x0000_s8198" r:id="rId6" imgW="0" imgH="0" progId="TCLayout.ActiveDocument.1">
+                <p:oleObj spid="_x0000_s32773" r:id="rId6" imgW="0" imgH="0" progId="TCLayout.ActiveDocument.1">
                   <p:embed/>
                 </p:oleObj>
               </mc:Choice>
@@ -13931,21 +15119,8 @@
                   <a:srgbClr val="000066"/>
                 </a:solidFill>
               </a:rPr>
-              <a:t>Environmental or Ecological </a:t>
-            </a:r>
-            <a:r>
-              <a:rPr lang="en-US" sz="2400" b="1" dirty="0" smtClean="0">
-                <a:solidFill>
-                  <a:srgbClr val="000066"/>
-                </a:solidFill>
-              </a:rPr>
-              <a:t>Hazard</a:t>
-            </a:r>
-            <a:endParaRPr lang="en-US" sz="2400" b="1" dirty="0">
-              <a:solidFill>
-                <a:srgbClr val="000066"/>
-              </a:solidFill>
-            </a:endParaRPr>
+              <a:t>Environmental or Ecological Hazzard</a:t>
+            </a:r>
           </a:p>
         </p:txBody>
       </p:sp>
@@ -13954,7 +15129,7 @@
           <p:cNvPr id="6" name="Rectangle 5">
             <a:extLst>
               <a:ext uri="{FF2B5EF4-FFF2-40B4-BE49-F238E27FC236}">
-                <a16:creationId xmlns:a16="http://schemas.microsoft.com/office/drawing/2014/main" xmlns="" id="{698C65BD-9A46-453A-A68D-4269B1E00E08}"/>
+                <a16:creationId xmlns:a16="http://schemas.microsoft.com/office/drawing/2014/main" id="{698C65BD-9A46-453A-A68D-4269B1E00E08}"/>
               </a:ext>
             </a:extLst>
           </p:cNvPr>
@@ -14007,7 +15182,7 @@
           <p:cNvPr id="7" name="Rectangle 2">
             <a:extLst>
               <a:ext uri="{FF2B5EF4-FFF2-40B4-BE49-F238E27FC236}">
-                <a16:creationId xmlns:a16="http://schemas.microsoft.com/office/drawing/2014/main" xmlns="" id="{35000BDB-792B-4F51-871C-89BA4DA41FFC}"/>
+                <a16:creationId xmlns:a16="http://schemas.microsoft.com/office/drawing/2014/main" id="{35000BDB-792B-4F51-871C-89BA4DA41FFC}"/>
               </a:ext>
             </a:extLst>
           </p:cNvPr>
@@ -14057,7 +15232,7 @@
     </p:spTree>
     <p:extLst>
       <p:ext uri="{BB962C8B-B14F-4D97-AF65-F5344CB8AC3E}">
-        <p14:creationId xmlns:p14="http://schemas.microsoft.com/office/powerpoint/2010/main" val="844539505"/>
+        <p14:creationId xmlns:p14="http://schemas.microsoft.com/office/powerpoint/2010/main" val="2669075768"/>
       </p:ext>
     </p:extLst>
   </p:cSld>
@@ -14164,6 +15339,12 @@
 </file>
 
 <file path=ppt/tags/tag24.xml><?xml version="1.0" encoding="utf-8"?>
+<p:tagLst xmlns:a="http://schemas.openxmlformats.org/drawingml/2006/main" xmlns:r="http://schemas.openxmlformats.org/officeDocument/2006/relationships" xmlns:p="http://schemas.openxmlformats.org/presentationml/2006/main">
+  <p:tag name="THINKCELLSHAPEDONOTDELETE" val="thinkcellActiveDocDoNotDelete"/>
+</p:tagLst>
+</file>
+
+<file path=ppt/tags/tag25.xml><?xml version="1.0" encoding="utf-8"?>
 <p:tagLst xmlns:a="http://schemas.openxmlformats.org/drawingml/2006/main" xmlns:r="http://schemas.openxmlformats.org/officeDocument/2006/relationships" xmlns:p="http://schemas.openxmlformats.org/presentationml/2006/main">
   <p:tag name="THINKCELLSHAPEDONOTDELETE" val="thinkcellActiveDocDoNotDelete"/>
 </p:tagLst>

--- a/Bounce_Back 24012018v1.pptx
+++ b/Bounce_Back 24012018v1.pptx
@@ -239,7 +239,7 @@
             <a:fld id="{C449B9E2-F6E0-43F1-9141-B8839419D296}" type="datetimeFigureOut">
               <a:rPr lang="en-US" smtClean="0"/>
               <a:pPr/>
-              <a:t>2/1/2018</a:t>
+              <a:t>2/1/18</a:t>
             </a:fld>
             <a:endParaRPr lang="en-US"/>
           </a:p>
@@ -2389,7 +2389,7 @@
             <a:fld id="{17450E51-4C5E-4BB5-8E54-A147694BC1CA}" type="datetimeFigureOut">
               <a:rPr lang="en-US" smtClean="0"/>
               <a:pPr/>
-              <a:t>2/1/2018</a:t>
+              <a:t>2/1/18</a:t>
             </a:fld>
             <a:endParaRPr lang="en-US"/>
           </a:p>
@@ -2554,7 +2554,7 @@
             <a:fld id="{17450E51-4C5E-4BB5-8E54-A147694BC1CA}" type="datetimeFigureOut">
               <a:rPr lang="en-US" smtClean="0"/>
               <a:pPr/>
-              <a:t>2/1/2018</a:t>
+              <a:t>2/1/18</a:t>
             </a:fld>
             <a:endParaRPr lang="en-US"/>
           </a:p>
@@ -2729,7 +2729,7 @@
             <a:fld id="{17450E51-4C5E-4BB5-8E54-A147694BC1CA}" type="datetimeFigureOut">
               <a:rPr lang="en-US" smtClean="0"/>
               <a:pPr/>
-              <a:t>2/1/2018</a:t>
+              <a:t>2/1/18</a:t>
             </a:fld>
             <a:endParaRPr lang="en-US"/>
           </a:p>
@@ -2894,7 +2894,7 @@
             <a:fld id="{17450E51-4C5E-4BB5-8E54-A147694BC1CA}" type="datetimeFigureOut">
               <a:rPr lang="en-US" smtClean="0"/>
               <a:pPr/>
-              <a:t>2/1/2018</a:t>
+              <a:t>2/1/18</a:t>
             </a:fld>
             <a:endParaRPr lang="en-US"/>
           </a:p>
@@ -3136,7 +3136,7 @@
             <a:fld id="{17450E51-4C5E-4BB5-8E54-A147694BC1CA}" type="datetimeFigureOut">
               <a:rPr lang="en-US" smtClean="0"/>
               <a:pPr/>
-              <a:t>2/1/2018</a:t>
+              <a:t>2/1/18</a:t>
             </a:fld>
             <a:endParaRPr lang="en-US"/>
           </a:p>
@@ -3418,7 +3418,7 @@
             <a:fld id="{17450E51-4C5E-4BB5-8E54-A147694BC1CA}" type="datetimeFigureOut">
               <a:rPr lang="en-US" smtClean="0"/>
               <a:pPr/>
-              <a:t>2/1/2018</a:t>
+              <a:t>2/1/18</a:t>
             </a:fld>
             <a:endParaRPr lang="en-US"/>
           </a:p>
@@ -3834,7 +3834,7 @@
             <a:fld id="{17450E51-4C5E-4BB5-8E54-A147694BC1CA}" type="datetimeFigureOut">
               <a:rPr lang="en-US" smtClean="0"/>
               <a:pPr/>
-              <a:t>2/1/2018</a:t>
+              <a:t>2/1/18</a:t>
             </a:fld>
             <a:endParaRPr lang="en-US"/>
           </a:p>
@@ -3948,7 +3948,7 @@
             <a:fld id="{17450E51-4C5E-4BB5-8E54-A147694BC1CA}" type="datetimeFigureOut">
               <a:rPr lang="en-US" smtClean="0"/>
               <a:pPr/>
-              <a:t>2/1/2018</a:t>
+              <a:t>2/1/18</a:t>
             </a:fld>
             <a:endParaRPr lang="en-US"/>
           </a:p>
@@ -4040,7 +4040,7 @@
             <a:fld id="{17450E51-4C5E-4BB5-8E54-A147694BC1CA}" type="datetimeFigureOut">
               <a:rPr lang="en-US" smtClean="0"/>
               <a:pPr/>
-              <a:t>2/1/2018</a:t>
+              <a:t>2/1/18</a:t>
             </a:fld>
             <a:endParaRPr lang="en-US"/>
           </a:p>
@@ -4312,7 +4312,7 @@
             <a:fld id="{17450E51-4C5E-4BB5-8E54-A147694BC1CA}" type="datetimeFigureOut">
               <a:rPr lang="en-US" smtClean="0"/>
               <a:pPr/>
-              <a:t>2/1/2018</a:t>
+              <a:t>2/1/18</a:t>
             </a:fld>
             <a:endParaRPr lang="en-US"/>
           </a:p>
@@ -4561,7 +4561,7 @@
             <a:fld id="{17450E51-4C5E-4BB5-8E54-A147694BC1CA}" type="datetimeFigureOut">
               <a:rPr lang="en-US" smtClean="0"/>
               <a:pPr/>
-              <a:t>2/1/2018</a:t>
+              <a:t>2/1/18</a:t>
             </a:fld>
             <a:endParaRPr lang="en-US"/>
           </a:p>
@@ -4769,7 +4769,7 @@
             <a:fld id="{17450E51-4C5E-4BB5-8E54-A147694BC1CA}" type="datetimeFigureOut">
               <a:rPr lang="en-US" smtClean="0"/>
               <a:pPr/>
-              <a:t>2/1/2018</a:t>
+              <a:t>2/1/18</a:t>
             </a:fld>
             <a:endParaRPr lang="en-US"/>
           </a:p>
@@ -5160,7 +5160,7 @@
           <a:graphicData uri="http://schemas.openxmlformats.org/presentationml/2006/ole">
             <mc:AlternateContent xmlns:mc="http://schemas.openxmlformats.org/markup-compatibility/2006">
               <mc:Choice xmlns:v="urn:schemas-microsoft-com:vml" Requires="v">
-                <p:oleObj spid="_x0000_s25605" r:id="rId5" imgW="0" imgH="0" progId="TCLayout.ActiveDocument.1">
+                <p:oleObj spid="_x0000_s25607" r:id="rId5" imgW="0" imgH="0" progId="TCLayout.ActiveDocument.1">
                   <p:embed/>
                 </p:oleObj>
               </mc:Choice>
@@ -5266,7 +5266,7 @@
           <p:cNvPr id="7" name="TextBox 6">
             <a:extLst>
               <a:ext uri="{FF2B5EF4-FFF2-40B4-BE49-F238E27FC236}">
-                <a16:creationId xmlns:a16="http://schemas.microsoft.com/office/drawing/2014/main" id="{59D6BA0D-75DA-411C-AE80-6B1C75B5F712}"/>
+                <a16:creationId xmlns:a16="http://schemas.microsoft.com/office/drawing/2014/main" xmlns="" id="{59D6BA0D-75DA-411C-AE80-6B1C75B5F712}"/>
               </a:ext>
             </a:extLst>
           </p:cNvPr>
@@ -5429,7 +5429,7 @@
           <a:graphicData uri="http://schemas.openxmlformats.org/presentationml/2006/ole">
             <mc:AlternateContent xmlns:mc="http://schemas.openxmlformats.org/markup-compatibility/2006">
               <mc:Choice xmlns:v="urn:schemas-microsoft-com:vml" Requires="v">
-                <p:oleObj spid="_x0000_s33797" r:id="rId5" imgW="0" imgH="0" progId="TCLayout.ActiveDocument.1">
+                <p:oleObj spid="_x0000_s33799" r:id="rId5" imgW="0" imgH="0" progId="TCLayout.ActiveDocument.1">
                   <p:embed/>
                 </p:oleObj>
               </mc:Choice>
@@ -5535,7 +5535,7 @@
           <p:cNvPr id="13" name="Group 12">
             <a:extLst>
               <a:ext uri="{FF2B5EF4-FFF2-40B4-BE49-F238E27FC236}">
-                <a16:creationId xmlns:a16="http://schemas.microsoft.com/office/drawing/2014/main" id="{AF8D378F-06B0-4C7D-A8DC-3897EBC527B2}"/>
+                <a16:creationId xmlns:a16="http://schemas.microsoft.com/office/drawing/2014/main" xmlns="" id="{AF8D378F-06B0-4C7D-A8DC-3897EBC527B2}"/>
               </a:ext>
             </a:extLst>
           </p:cNvPr>
@@ -5555,7 +5555,7 @@
             <p:cNvPr id="11" name="Rectangle 2">
               <a:extLst>
                 <a:ext uri="{FF2B5EF4-FFF2-40B4-BE49-F238E27FC236}">
-                  <a16:creationId xmlns:a16="http://schemas.microsoft.com/office/drawing/2014/main" id="{340A7B56-754B-452D-844A-C81239CEB0F3}"/>
+                  <a16:creationId xmlns:a16="http://schemas.microsoft.com/office/drawing/2014/main" xmlns="" id="{340A7B56-754B-452D-844A-C81239CEB0F3}"/>
                 </a:ext>
               </a:extLst>
             </p:cNvPr>
@@ -5607,7 +5607,7 @@
             <p:cNvPr id="2" name="Picture 1">
               <a:extLst>
                 <a:ext uri="{FF2B5EF4-FFF2-40B4-BE49-F238E27FC236}">
-                  <a16:creationId xmlns:a16="http://schemas.microsoft.com/office/drawing/2014/main" id="{B69BA337-7192-4723-A968-65052031615B}"/>
+                  <a16:creationId xmlns:a16="http://schemas.microsoft.com/office/drawing/2014/main" xmlns="" id="{B69BA337-7192-4723-A968-65052031615B}"/>
                 </a:ext>
               </a:extLst>
             </p:cNvPr>
@@ -5637,7 +5637,7 @@
             <p:cNvPr id="20" name="Rectangle 19">
               <a:extLst>
                 <a:ext uri="{FF2B5EF4-FFF2-40B4-BE49-F238E27FC236}">
-                  <a16:creationId xmlns:a16="http://schemas.microsoft.com/office/drawing/2014/main" id="{F52B8517-3790-47B2-B06A-A7D51337D86B}"/>
+                  <a16:creationId xmlns:a16="http://schemas.microsoft.com/office/drawing/2014/main" xmlns="" id="{F52B8517-3790-47B2-B06A-A7D51337D86B}"/>
                 </a:ext>
               </a:extLst>
             </p:cNvPr>
@@ -5691,7 +5691,7 @@
           <p:cNvPr id="26" name="Group 25">
             <a:extLst>
               <a:ext uri="{FF2B5EF4-FFF2-40B4-BE49-F238E27FC236}">
-                <a16:creationId xmlns:a16="http://schemas.microsoft.com/office/drawing/2014/main" id="{09E04D29-E4EB-43C5-91C3-07324CA56B40}"/>
+                <a16:creationId xmlns:a16="http://schemas.microsoft.com/office/drawing/2014/main" xmlns="" id="{09E04D29-E4EB-43C5-91C3-07324CA56B40}"/>
               </a:ext>
             </a:extLst>
           </p:cNvPr>
@@ -5711,7 +5711,7 @@
             <p:cNvPr id="8" name="Picture 7">
               <a:extLst>
                 <a:ext uri="{FF2B5EF4-FFF2-40B4-BE49-F238E27FC236}">
-                  <a16:creationId xmlns:a16="http://schemas.microsoft.com/office/drawing/2014/main" id="{3D694C7A-BA08-4C78-9C38-C235F05AD0BC}"/>
+                  <a16:creationId xmlns:a16="http://schemas.microsoft.com/office/drawing/2014/main" xmlns="" id="{3D694C7A-BA08-4C78-9C38-C235F05AD0BC}"/>
                 </a:ext>
               </a:extLst>
             </p:cNvPr>
@@ -5741,7 +5741,7 @@
             <p:cNvPr id="15" name="Rectangle 2">
               <a:extLst>
                 <a:ext uri="{FF2B5EF4-FFF2-40B4-BE49-F238E27FC236}">
-                  <a16:creationId xmlns:a16="http://schemas.microsoft.com/office/drawing/2014/main" id="{C8362624-861F-43A9-B40A-5DE35CE921CE}"/>
+                  <a16:creationId xmlns:a16="http://schemas.microsoft.com/office/drawing/2014/main" xmlns="" id="{C8362624-861F-43A9-B40A-5DE35CE921CE}"/>
                 </a:ext>
               </a:extLst>
             </p:cNvPr>
@@ -5793,7 +5793,7 @@
             <p:cNvPr id="21" name="Rectangle 20">
               <a:extLst>
                 <a:ext uri="{FF2B5EF4-FFF2-40B4-BE49-F238E27FC236}">
-                  <a16:creationId xmlns:a16="http://schemas.microsoft.com/office/drawing/2014/main" id="{D6B3708A-7098-4058-AD99-BEE78F192AB7}"/>
+                  <a16:creationId xmlns:a16="http://schemas.microsoft.com/office/drawing/2014/main" xmlns="" id="{D6B3708A-7098-4058-AD99-BEE78F192AB7}"/>
                 </a:ext>
               </a:extLst>
             </p:cNvPr>
@@ -5847,7 +5847,7 @@
           <p:cNvPr id="27" name="Group 26">
             <a:extLst>
               <a:ext uri="{FF2B5EF4-FFF2-40B4-BE49-F238E27FC236}">
-                <a16:creationId xmlns:a16="http://schemas.microsoft.com/office/drawing/2014/main" id="{6837C4E7-E6DD-4169-B741-FD7251C7CD8E}"/>
+                <a16:creationId xmlns:a16="http://schemas.microsoft.com/office/drawing/2014/main" xmlns="" id="{6837C4E7-E6DD-4169-B741-FD7251C7CD8E}"/>
               </a:ext>
             </a:extLst>
           </p:cNvPr>
@@ -5867,7 +5867,7 @@
             <p:cNvPr id="14" name="Picture 13">
               <a:extLst>
                 <a:ext uri="{FF2B5EF4-FFF2-40B4-BE49-F238E27FC236}">
-                  <a16:creationId xmlns:a16="http://schemas.microsoft.com/office/drawing/2014/main" id="{32BAD7AC-85E4-4FE2-A08A-6F0AF3FAC27B}"/>
+                  <a16:creationId xmlns:a16="http://schemas.microsoft.com/office/drawing/2014/main" xmlns="" id="{32BAD7AC-85E4-4FE2-A08A-6F0AF3FAC27B}"/>
                 </a:ext>
               </a:extLst>
             </p:cNvPr>
@@ -5897,7 +5897,7 @@
             <p:cNvPr id="19" name="Rectangle 2">
               <a:extLst>
                 <a:ext uri="{FF2B5EF4-FFF2-40B4-BE49-F238E27FC236}">
-                  <a16:creationId xmlns:a16="http://schemas.microsoft.com/office/drawing/2014/main" id="{11A81F7D-89AE-4543-AC28-D15A3978268E}"/>
+                  <a16:creationId xmlns:a16="http://schemas.microsoft.com/office/drawing/2014/main" xmlns="" id="{11A81F7D-89AE-4543-AC28-D15A3978268E}"/>
                 </a:ext>
               </a:extLst>
             </p:cNvPr>
@@ -5946,7 +5946,7 @@
             <p:cNvPr id="24" name="Rectangle 23">
               <a:extLst>
                 <a:ext uri="{FF2B5EF4-FFF2-40B4-BE49-F238E27FC236}">
-                  <a16:creationId xmlns:a16="http://schemas.microsoft.com/office/drawing/2014/main" id="{FE291957-6303-4956-B24C-E9D19A6D1282}"/>
+                  <a16:creationId xmlns:a16="http://schemas.microsoft.com/office/drawing/2014/main" xmlns="" id="{FE291957-6303-4956-B24C-E9D19A6D1282}"/>
                 </a:ext>
               </a:extLst>
             </p:cNvPr>
@@ -6000,7 +6000,7 @@
           <p:cNvPr id="25" name="Group 24">
             <a:extLst>
               <a:ext uri="{FF2B5EF4-FFF2-40B4-BE49-F238E27FC236}">
-                <a16:creationId xmlns:a16="http://schemas.microsoft.com/office/drawing/2014/main" id="{3EA8F59B-A5D2-43EB-8F99-2AED90B6D324}"/>
+                <a16:creationId xmlns:a16="http://schemas.microsoft.com/office/drawing/2014/main" xmlns="" id="{3EA8F59B-A5D2-43EB-8F99-2AED90B6D324}"/>
               </a:ext>
             </a:extLst>
           </p:cNvPr>
@@ -6020,7 +6020,7 @@
             <p:cNvPr id="12" name="Picture 11">
               <a:extLst>
                 <a:ext uri="{FF2B5EF4-FFF2-40B4-BE49-F238E27FC236}">
-                  <a16:creationId xmlns:a16="http://schemas.microsoft.com/office/drawing/2014/main" id="{F5047BBE-332B-48E6-B054-5D95898F1882}"/>
+                  <a16:creationId xmlns:a16="http://schemas.microsoft.com/office/drawing/2014/main" xmlns="" id="{F5047BBE-332B-48E6-B054-5D95898F1882}"/>
                 </a:ext>
               </a:extLst>
             </p:cNvPr>
@@ -6050,7 +6050,7 @@
             <p:cNvPr id="17" name="Rectangle 2">
               <a:extLst>
                 <a:ext uri="{FF2B5EF4-FFF2-40B4-BE49-F238E27FC236}">
-                  <a16:creationId xmlns:a16="http://schemas.microsoft.com/office/drawing/2014/main" id="{34796B36-8460-4AA7-BB8F-D2D4FE1A7AE5}"/>
+                  <a16:creationId xmlns:a16="http://schemas.microsoft.com/office/drawing/2014/main" xmlns="" id="{34796B36-8460-4AA7-BB8F-D2D4FE1A7AE5}"/>
                 </a:ext>
               </a:extLst>
             </p:cNvPr>
@@ -6102,7 +6102,7 @@
             <p:cNvPr id="23" name="Rectangle 22">
               <a:extLst>
                 <a:ext uri="{FF2B5EF4-FFF2-40B4-BE49-F238E27FC236}">
-                  <a16:creationId xmlns:a16="http://schemas.microsoft.com/office/drawing/2014/main" id="{B13B3A79-E38B-4AAE-A79C-3C3B02C83F06}"/>
+                  <a16:creationId xmlns:a16="http://schemas.microsoft.com/office/drawing/2014/main" xmlns="" id="{B13B3A79-E38B-4AAE-A79C-3C3B02C83F06}"/>
                 </a:ext>
               </a:extLst>
             </p:cNvPr>
@@ -6156,7 +6156,7 @@
           <p:cNvPr id="5" name="Group 4">
             <a:extLst>
               <a:ext uri="{FF2B5EF4-FFF2-40B4-BE49-F238E27FC236}">
-                <a16:creationId xmlns:a16="http://schemas.microsoft.com/office/drawing/2014/main" id="{70E882FA-D878-4031-AE0D-F2063BCDFEFD}"/>
+                <a16:creationId xmlns:a16="http://schemas.microsoft.com/office/drawing/2014/main" xmlns="" id="{70E882FA-D878-4031-AE0D-F2063BCDFEFD}"/>
               </a:ext>
             </a:extLst>
           </p:cNvPr>
@@ -6176,7 +6176,7 @@
             <p:cNvPr id="9" name="Picture 8">
               <a:extLst>
                 <a:ext uri="{FF2B5EF4-FFF2-40B4-BE49-F238E27FC236}">
-                  <a16:creationId xmlns:a16="http://schemas.microsoft.com/office/drawing/2014/main" id="{BAF1E3F6-0C2C-480D-B395-F4CFBB522C23}"/>
+                  <a16:creationId xmlns:a16="http://schemas.microsoft.com/office/drawing/2014/main" xmlns="" id="{BAF1E3F6-0C2C-480D-B395-F4CFBB522C23}"/>
                 </a:ext>
               </a:extLst>
             </p:cNvPr>
@@ -6206,7 +6206,7 @@
             <p:cNvPr id="16" name="Rectangle 2">
               <a:extLst>
                 <a:ext uri="{FF2B5EF4-FFF2-40B4-BE49-F238E27FC236}">
-                  <a16:creationId xmlns:a16="http://schemas.microsoft.com/office/drawing/2014/main" id="{9726BE47-F08A-411E-B579-8E0033EF1C64}"/>
+                  <a16:creationId xmlns:a16="http://schemas.microsoft.com/office/drawing/2014/main" xmlns="" id="{9726BE47-F08A-411E-B579-8E0033EF1C64}"/>
                 </a:ext>
               </a:extLst>
             </p:cNvPr>
@@ -6258,7 +6258,7 @@
             <p:cNvPr id="22" name="Rectangle 21">
               <a:extLst>
                 <a:ext uri="{FF2B5EF4-FFF2-40B4-BE49-F238E27FC236}">
-                  <a16:creationId xmlns:a16="http://schemas.microsoft.com/office/drawing/2014/main" id="{1FD29097-FDFD-438B-B3A7-17FBC442A115}"/>
+                  <a16:creationId xmlns:a16="http://schemas.microsoft.com/office/drawing/2014/main" xmlns="" id="{1FD29097-FDFD-438B-B3A7-17FBC442A115}"/>
                 </a:ext>
               </a:extLst>
             </p:cNvPr>
@@ -6612,7 +6612,7 @@
           <a:graphicData uri="http://schemas.openxmlformats.org/presentationml/2006/ole">
             <mc:AlternateContent xmlns:mc="http://schemas.openxmlformats.org/markup-compatibility/2006">
               <mc:Choice xmlns:v="urn:schemas-microsoft-com:vml" Requires="v">
-                <p:oleObj spid="_x0000_s34821" r:id="rId5" imgW="0" imgH="0" progId="TCLayout.ActiveDocument.1">
+                <p:oleObj spid="_x0000_s34823" r:id="rId5" imgW="0" imgH="0" progId="TCLayout.ActiveDocument.1">
                   <p:embed/>
                 </p:oleObj>
               </mc:Choice>
@@ -6718,7 +6718,7 @@
           <p:cNvPr id="6" name="TextBox 5">
             <a:extLst>
               <a:ext uri="{FF2B5EF4-FFF2-40B4-BE49-F238E27FC236}">
-                <a16:creationId xmlns:a16="http://schemas.microsoft.com/office/drawing/2014/main" id="{B5445D99-1429-4B9F-AFF3-64CE73903E87}"/>
+                <a16:creationId xmlns:a16="http://schemas.microsoft.com/office/drawing/2014/main" xmlns="" id="{B5445D99-1429-4B9F-AFF3-64CE73903E87}"/>
               </a:ext>
             </a:extLst>
           </p:cNvPr>
@@ -6941,7 +6941,7 @@
           <a:graphicData uri="http://schemas.openxmlformats.org/presentationml/2006/ole">
             <mc:AlternateContent xmlns:mc="http://schemas.openxmlformats.org/markup-compatibility/2006">
               <mc:Choice xmlns:v="urn:schemas-microsoft-com:vml" Requires="v">
-                <p:oleObj spid="_x0000_s35845" r:id="rId5" imgW="0" imgH="0" progId="TCLayout.ActiveDocument.1">
+                <p:oleObj spid="_x0000_s35847" r:id="rId5" imgW="0" imgH="0" progId="TCLayout.ActiveDocument.1">
                   <p:embed/>
                 </p:oleObj>
               </mc:Choice>
@@ -7013,7 +7013,7 @@
           <p:cNvPr id="8" name="Title 40">
             <a:extLst>
               <a:ext uri="{FF2B5EF4-FFF2-40B4-BE49-F238E27FC236}">
-                <a16:creationId xmlns:a16="http://schemas.microsoft.com/office/drawing/2014/main" id="{6D65D641-D69D-4168-BB7D-AD3F200877E3}"/>
+                <a16:creationId xmlns:a16="http://schemas.microsoft.com/office/drawing/2014/main" xmlns="" id="{6D65D641-D69D-4168-BB7D-AD3F200877E3}"/>
               </a:ext>
             </a:extLst>
           </p:cNvPr>
@@ -7053,7 +7053,7 @@
           <p:cNvPr id="3" name="TextBox 2">
             <a:extLst>
               <a:ext uri="{FF2B5EF4-FFF2-40B4-BE49-F238E27FC236}">
-                <a16:creationId xmlns:a16="http://schemas.microsoft.com/office/drawing/2014/main" id="{0BBCD9D6-8729-415F-B524-1885A8D216AD}"/>
+                <a16:creationId xmlns:a16="http://schemas.microsoft.com/office/drawing/2014/main" xmlns="" id="{0BBCD9D6-8729-415F-B524-1885A8D216AD}"/>
               </a:ext>
             </a:extLst>
           </p:cNvPr>
@@ -7121,7 +7121,7 @@
           <p:cNvPr id="4" name="Picture 3">
             <a:extLst>
               <a:ext uri="{FF2B5EF4-FFF2-40B4-BE49-F238E27FC236}">
-                <a16:creationId xmlns:a16="http://schemas.microsoft.com/office/drawing/2014/main" id="{B21AA919-AB25-4407-AD8E-42181958B333}"/>
+                <a16:creationId xmlns:a16="http://schemas.microsoft.com/office/drawing/2014/main" xmlns="" id="{B21AA919-AB25-4407-AD8E-42181958B333}"/>
               </a:ext>
             </a:extLst>
           </p:cNvPr>
@@ -7196,7 +7196,7 @@
           <a:graphicData uri="http://schemas.openxmlformats.org/presentationml/2006/ole">
             <mc:AlternateContent xmlns:mc="http://schemas.openxmlformats.org/markup-compatibility/2006">
               <mc:Choice xmlns:v="urn:schemas-microsoft-com:vml" Requires="v">
-                <p:oleObj spid="_x0000_s36869" r:id="rId5" imgW="0" imgH="0" progId="TCLayout.ActiveDocument.1">
+                <p:oleObj spid="_x0000_s36871" r:id="rId5" imgW="0" imgH="0" progId="TCLayout.ActiveDocument.1">
                   <p:embed/>
                 </p:oleObj>
               </mc:Choice>
@@ -7268,7 +7268,7 @@
           <p:cNvPr id="8" name="Title 40">
             <a:extLst>
               <a:ext uri="{FF2B5EF4-FFF2-40B4-BE49-F238E27FC236}">
-                <a16:creationId xmlns:a16="http://schemas.microsoft.com/office/drawing/2014/main" id="{6D65D641-D69D-4168-BB7D-AD3F200877E3}"/>
+                <a16:creationId xmlns:a16="http://schemas.microsoft.com/office/drawing/2014/main" xmlns="" id="{6D65D641-D69D-4168-BB7D-AD3F200877E3}"/>
               </a:ext>
             </a:extLst>
           </p:cNvPr>
@@ -7308,7 +7308,7 @@
           <p:cNvPr id="3" name="TextBox 2">
             <a:extLst>
               <a:ext uri="{FF2B5EF4-FFF2-40B4-BE49-F238E27FC236}">
-                <a16:creationId xmlns:a16="http://schemas.microsoft.com/office/drawing/2014/main" id="{0BBCD9D6-8729-415F-B524-1885A8D216AD}"/>
+                <a16:creationId xmlns:a16="http://schemas.microsoft.com/office/drawing/2014/main" xmlns="" id="{0BBCD9D6-8729-415F-B524-1885A8D216AD}"/>
               </a:ext>
             </a:extLst>
           </p:cNvPr>
@@ -7381,7 +7381,7 @@
           <p:cNvPr id="2" name="Picture 1">
             <a:extLst>
               <a:ext uri="{FF2B5EF4-FFF2-40B4-BE49-F238E27FC236}">
-                <a16:creationId xmlns:a16="http://schemas.microsoft.com/office/drawing/2014/main" id="{1277F03A-6793-4CBF-99A5-91EB36123803}"/>
+                <a16:creationId xmlns:a16="http://schemas.microsoft.com/office/drawing/2014/main" xmlns="" id="{1277F03A-6793-4CBF-99A5-91EB36123803}"/>
               </a:ext>
             </a:extLst>
           </p:cNvPr>
@@ -7411,7 +7411,7 @@
           <p:cNvPr id="5" name="Picture 4">
             <a:extLst>
               <a:ext uri="{FF2B5EF4-FFF2-40B4-BE49-F238E27FC236}">
-                <a16:creationId xmlns:a16="http://schemas.microsoft.com/office/drawing/2014/main" id="{FBD64368-918A-44AB-AC45-358F005CE533}"/>
+                <a16:creationId xmlns:a16="http://schemas.microsoft.com/office/drawing/2014/main" xmlns="" id="{FBD64368-918A-44AB-AC45-358F005CE533}"/>
               </a:ext>
             </a:extLst>
           </p:cNvPr>
@@ -7486,7 +7486,7 @@
           <a:graphicData uri="http://schemas.openxmlformats.org/presentationml/2006/ole">
             <mc:AlternateContent xmlns:mc="http://schemas.openxmlformats.org/markup-compatibility/2006">
               <mc:Choice xmlns:v="urn:schemas-microsoft-com:vml" Requires="v">
-                <p:oleObj spid="_x0000_s37893" r:id="rId5" imgW="0" imgH="0" progId="TCLayout.ActiveDocument.1">
+                <p:oleObj spid="_x0000_s37895" r:id="rId5" imgW="0" imgH="0" progId="TCLayout.ActiveDocument.1">
                   <p:embed/>
                 </p:oleObj>
               </mc:Choice>
@@ -7558,7 +7558,7 @@
           <p:cNvPr id="8" name="Title 40">
             <a:extLst>
               <a:ext uri="{FF2B5EF4-FFF2-40B4-BE49-F238E27FC236}">
-                <a16:creationId xmlns:a16="http://schemas.microsoft.com/office/drawing/2014/main" id="{6D65D641-D69D-4168-BB7D-AD3F200877E3}"/>
+                <a16:creationId xmlns:a16="http://schemas.microsoft.com/office/drawing/2014/main" xmlns="" id="{6D65D641-D69D-4168-BB7D-AD3F200877E3}"/>
               </a:ext>
             </a:extLst>
           </p:cNvPr>
@@ -7598,7 +7598,7 @@
           <p:cNvPr id="3" name="TextBox 2">
             <a:extLst>
               <a:ext uri="{FF2B5EF4-FFF2-40B4-BE49-F238E27FC236}">
-                <a16:creationId xmlns:a16="http://schemas.microsoft.com/office/drawing/2014/main" id="{0BBCD9D6-8729-415F-B524-1885A8D216AD}"/>
+                <a16:creationId xmlns:a16="http://schemas.microsoft.com/office/drawing/2014/main" xmlns="" id="{0BBCD9D6-8729-415F-B524-1885A8D216AD}"/>
               </a:ext>
             </a:extLst>
           </p:cNvPr>
@@ -7646,7 +7646,7 @@
           <p:cNvPr id="4" name="Picture 3">
             <a:extLst>
               <a:ext uri="{FF2B5EF4-FFF2-40B4-BE49-F238E27FC236}">
-                <a16:creationId xmlns:a16="http://schemas.microsoft.com/office/drawing/2014/main" id="{BC4DC7B1-419F-413C-B138-FA2F807D2140}"/>
+                <a16:creationId xmlns:a16="http://schemas.microsoft.com/office/drawing/2014/main" xmlns="" id="{BC4DC7B1-419F-413C-B138-FA2F807D2140}"/>
               </a:ext>
             </a:extLst>
           </p:cNvPr>
@@ -7721,7 +7721,7 @@
           <a:graphicData uri="http://schemas.openxmlformats.org/presentationml/2006/ole">
             <mc:AlternateContent xmlns:mc="http://schemas.openxmlformats.org/markup-compatibility/2006">
               <mc:Choice xmlns:v="urn:schemas-microsoft-com:vml" Requires="v">
-                <p:oleObj spid="_x0000_s38917" r:id="rId5" imgW="0" imgH="0" progId="TCLayout.ActiveDocument.1">
+                <p:oleObj spid="_x0000_s38919" r:id="rId5" imgW="0" imgH="0" progId="TCLayout.ActiveDocument.1">
                   <p:embed/>
                 </p:oleObj>
               </mc:Choice>
@@ -7793,7 +7793,7 @@
           <p:cNvPr id="8" name="Title 40">
             <a:extLst>
               <a:ext uri="{FF2B5EF4-FFF2-40B4-BE49-F238E27FC236}">
-                <a16:creationId xmlns:a16="http://schemas.microsoft.com/office/drawing/2014/main" id="{6D65D641-D69D-4168-BB7D-AD3F200877E3}"/>
+                <a16:creationId xmlns:a16="http://schemas.microsoft.com/office/drawing/2014/main" xmlns="" id="{6D65D641-D69D-4168-BB7D-AD3F200877E3}"/>
               </a:ext>
             </a:extLst>
           </p:cNvPr>
@@ -7833,7 +7833,7 @@
           <p:cNvPr id="3" name="TextBox 2">
             <a:extLst>
               <a:ext uri="{FF2B5EF4-FFF2-40B4-BE49-F238E27FC236}">
-                <a16:creationId xmlns:a16="http://schemas.microsoft.com/office/drawing/2014/main" id="{0BBCD9D6-8729-415F-B524-1885A8D216AD}"/>
+                <a16:creationId xmlns:a16="http://schemas.microsoft.com/office/drawing/2014/main" xmlns="" id="{0BBCD9D6-8729-415F-B524-1885A8D216AD}"/>
               </a:ext>
             </a:extLst>
           </p:cNvPr>
@@ -7881,7 +7881,7 @@
           <p:cNvPr id="2" name="Picture 1">
             <a:extLst>
               <a:ext uri="{FF2B5EF4-FFF2-40B4-BE49-F238E27FC236}">
-                <a16:creationId xmlns:a16="http://schemas.microsoft.com/office/drawing/2014/main" id="{9BEDBBD5-CD56-47A4-A64A-82670CE6E43B}"/>
+                <a16:creationId xmlns:a16="http://schemas.microsoft.com/office/drawing/2014/main" xmlns="" id="{9BEDBBD5-CD56-47A4-A64A-82670CE6E43B}"/>
               </a:ext>
             </a:extLst>
           </p:cNvPr>
@@ -7956,7 +7956,7 @@
           <a:graphicData uri="http://schemas.openxmlformats.org/presentationml/2006/ole">
             <mc:AlternateContent xmlns:mc="http://schemas.openxmlformats.org/markup-compatibility/2006">
               <mc:Choice xmlns:v="urn:schemas-microsoft-com:vml" Requires="v">
-                <p:oleObj spid="_x0000_s39941" r:id="rId5" imgW="0" imgH="0" progId="TCLayout.ActiveDocument.1">
+                <p:oleObj spid="_x0000_s39943" r:id="rId5" imgW="0" imgH="0" progId="TCLayout.ActiveDocument.1">
                   <p:embed/>
                 </p:oleObj>
               </mc:Choice>
@@ -8028,7 +8028,7 @@
           <p:cNvPr id="8" name="Title 40">
             <a:extLst>
               <a:ext uri="{FF2B5EF4-FFF2-40B4-BE49-F238E27FC236}">
-                <a16:creationId xmlns:a16="http://schemas.microsoft.com/office/drawing/2014/main" id="{6D65D641-D69D-4168-BB7D-AD3F200877E3}"/>
+                <a16:creationId xmlns:a16="http://schemas.microsoft.com/office/drawing/2014/main" xmlns="" id="{6D65D641-D69D-4168-BB7D-AD3F200877E3}"/>
               </a:ext>
             </a:extLst>
           </p:cNvPr>
@@ -8068,7 +8068,7 @@
           <p:cNvPr id="3" name="TextBox 2">
             <a:extLst>
               <a:ext uri="{FF2B5EF4-FFF2-40B4-BE49-F238E27FC236}">
-                <a16:creationId xmlns:a16="http://schemas.microsoft.com/office/drawing/2014/main" id="{0BBCD9D6-8729-415F-B524-1885A8D216AD}"/>
+                <a16:creationId xmlns:a16="http://schemas.microsoft.com/office/drawing/2014/main" xmlns="" id="{0BBCD9D6-8729-415F-B524-1885A8D216AD}"/>
               </a:ext>
             </a:extLst>
           </p:cNvPr>
@@ -8126,7 +8126,7 @@
           <p:cNvPr id="2" name="Picture 1">
             <a:extLst>
               <a:ext uri="{FF2B5EF4-FFF2-40B4-BE49-F238E27FC236}">
-                <a16:creationId xmlns:a16="http://schemas.microsoft.com/office/drawing/2014/main" id="{833A50E2-178D-4567-869C-312E4F748BD1}"/>
+                <a16:creationId xmlns:a16="http://schemas.microsoft.com/office/drawing/2014/main" xmlns="" id="{833A50E2-178D-4567-869C-312E4F748BD1}"/>
               </a:ext>
             </a:extLst>
           </p:cNvPr>
@@ -8201,7 +8201,7 @@
           <a:graphicData uri="http://schemas.openxmlformats.org/presentationml/2006/ole">
             <mc:AlternateContent xmlns:mc="http://schemas.openxmlformats.org/markup-compatibility/2006">
               <mc:Choice xmlns:v="urn:schemas-microsoft-com:vml" Requires="v">
-                <p:oleObj spid="_x0000_s40965" r:id="rId5" imgW="0" imgH="0" progId="TCLayout.ActiveDocument.1">
+                <p:oleObj spid="_x0000_s40967" r:id="rId5" imgW="0" imgH="0" progId="TCLayout.ActiveDocument.1">
                   <p:embed/>
                 </p:oleObj>
               </mc:Choice>
@@ -8273,7 +8273,7 @@
           <p:cNvPr id="8" name="Title 40">
             <a:extLst>
               <a:ext uri="{FF2B5EF4-FFF2-40B4-BE49-F238E27FC236}">
-                <a16:creationId xmlns:a16="http://schemas.microsoft.com/office/drawing/2014/main" id="{6D65D641-D69D-4168-BB7D-AD3F200877E3}"/>
+                <a16:creationId xmlns:a16="http://schemas.microsoft.com/office/drawing/2014/main" xmlns="" id="{6D65D641-D69D-4168-BB7D-AD3F200877E3}"/>
               </a:ext>
             </a:extLst>
           </p:cNvPr>
@@ -8313,7 +8313,7 @@
           <p:cNvPr id="3" name="TextBox 2">
             <a:extLst>
               <a:ext uri="{FF2B5EF4-FFF2-40B4-BE49-F238E27FC236}">
-                <a16:creationId xmlns:a16="http://schemas.microsoft.com/office/drawing/2014/main" id="{0BBCD9D6-8729-415F-B524-1885A8D216AD}"/>
+                <a16:creationId xmlns:a16="http://schemas.microsoft.com/office/drawing/2014/main" xmlns="" id="{0BBCD9D6-8729-415F-B524-1885A8D216AD}"/>
               </a:ext>
             </a:extLst>
           </p:cNvPr>
@@ -8378,7 +8378,7 @@
           <p:cNvPr id="2" name="Picture 1">
             <a:extLst>
               <a:ext uri="{FF2B5EF4-FFF2-40B4-BE49-F238E27FC236}">
-                <a16:creationId xmlns:a16="http://schemas.microsoft.com/office/drawing/2014/main" id="{833A50E2-178D-4567-869C-312E4F748BD1}"/>
+                <a16:creationId xmlns:a16="http://schemas.microsoft.com/office/drawing/2014/main" xmlns="" id="{833A50E2-178D-4567-869C-312E4F748BD1}"/>
               </a:ext>
             </a:extLst>
           </p:cNvPr>
@@ -8408,7 +8408,7 @@
           <p:cNvPr id="4" name="Oval 3">
             <a:extLst>
               <a:ext uri="{FF2B5EF4-FFF2-40B4-BE49-F238E27FC236}">
-                <a16:creationId xmlns:a16="http://schemas.microsoft.com/office/drawing/2014/main" id="{7223C791-FAB9-40DE-960C-238B4FF11214}"/>
+                <a16:creationId xmlns:a16="http://schemas.microsoft.com/office/drawing/2014/main" xmlns="" id="{7223C791-FAB9-40DE-960C-238B4FF11214}"/>
               </a:ext>
             </a:extLst>
           </p:cNvPr>
@@ -8505,7 +8505,7 @@
           <a:graphicData uri="http://schemas.openxmlformats.org/presentationml/2006/ole">
             <mc:AlternateContent xmlns:mc="http://schemas.openxmlformats.org/markup-compatibility/2006">
               <mc:Choice xmlns:v="urn:schemas-microsoft-com:vml" Requires="v">
-                <p:oleObj spid="_x0000_s41989" r:id="rId5" imgW="0" imgH="0" progId="TCLayout.ActiveDocument.1">
+                <p:oleObj spid="_x0000_s41991" r:id="rId5" imgW="0" imgH="0" progId="TCLayout.ActiveDocument.1">
                   <p:embed/>
                 </p:oleObj>
               </mc:Choice>
@@ -8577,7 +8577,7 @@
           <p:cNvPr id="8" name="Title 40">
             <a:extLst>
               <a:ext uri="{FF2B5EF4-FFF2-40B4-BE49-F238E27FC236}">
-                <a16:creationId xmlns:a16="http://schemas.microsoft.com/office/drawing/2014/main" id="{6D65D641-D69D-4168-BB7D-AD3F200877E3}"/>
+                <a16:creationId xmlns:a16="http://schemas.microsoft.com/office/drawing/2014/main" xmlns="" id="{6D65D641-D69D-4168-BB7D-AD3F200877E3}"/>
               </a:ext>
             </a:extLst>
           </p:cNvPr>
@@ -8617,7 +8617,7 @@
           <p:cNvPr id="3" name="TextBox 2">
             <a:extLst>
               <a:ext uri="{FF2B5EF4-FFF2-40B4-BE49-F238E27FC236}">
-                <a16:creationId xmlns:a16="http://schemas.microsoft.com/office/drawing/2014/main" id="{0BBCD9D6-8729-415F-B524-1885A8D216AD}"/>
+                <a16:creationId xmlns:a16="http://schemas.microsoft.com/office/drawing/2014/main" xmlns="" id="{0BBCD9D6-8729-415F-B524-1885A8D216AD}"/>
               </a:ext>
             </a:extLst>
           </p:cNvPr>
@@ -8682,7 +8682,7 @@
           <p:cNvPr id="5" name="Picture 4">
             <a:extLst>
               <a:ext uri="{FF2B5EF4-FFF2-40B4-BE49-F238E27FC236}">
-                <a16:creationId xmlns:a16="http://schemas.microsoft.com/office/drawing/2014/main" id="{F99B3DC4-E98C-41C8-ABB1-D05095A80214}"/>
+                <a16:creationId xmlns:a16="http://schemas.microsoft.com/office/drawing/2014/main" xmlns="" id="{F99B3DC4-E98C-41C8-ABB1-D05095A80214}"/>
               </a:ext>
             </a:extLst>
           </p:cNvPr>
@@ -8757,7 +8757,7 @@
           <a:graphicData uri="http://schemas.openxmlformats.org/presentationml/2006/ole">
             <mc:AlternateContent xmlns:mc="http://schemas.openxmlformats.org/markup-compatibility/2006">
               <mc:Choice xmlns:v="urn:schemas-microsoft-com:vml" Requires="v">
-                <p:oleObj spid="_x0000_s43013" r:id="rId5" imgW="0" imgH="0" progId="TCLayout.ActiveDocument.1">
+                <p:oleObj spid="_x0000_s43015" r:id="rId5" imgW="0" imgH="0" progId="TCLayout.ActiveDocument.1">
                   <p:embed/>
                 </p:oleObj>
               </mc:Choice>
@@ -8829,7 +8829,7 @@
           <p:cNvPr id="8" name="Title 40">
             <a:extLst>
               <a:ext uri="{FF2B5EF4-FFF2-40B4-BE49-F238E27FC236}">
-                <a16:creationId xmlns:a16="http://schemas.microsoft.com/office/drawing/2014/main" id="{6D65D641-D69D-4168-BB7D-AD3F200877E3}"/>
+                <a16:creationId xmlns:a16="http://schemas.microsoft.com/office/drawing/2014/main" xmlns="" id="{6D65D641-D69D-4168-BB7D-AD3F200877E3}"/>
               </a:ext>
             </a:extLst>
           </p:cNvPr>
@@ -8869,7 +8869,7 @@
           <p:cNvPr id="3" name="TextBox 2">
             <a:extLst>
               <a:ext uri="{FF2B5EF4-FFF2-40B4-BE49-F238E27FC236}">
-                <a16:creationId xmlns:a16="http://schemas.microsoft.com/office/drawing/2014/main" id="{0BBCD9D6-8729-415F-B524-1885A8D216AD}"/>
+                <a16:creationId xmlns:a16="http://schemas.microsoft.com/office/drawing/2014/main" xmlns="" id="{0BBCD9D6-8729-415F-B524-1885A8D216AD}"/>
               </a:ext>
             </a:extLst>
           </p:cNvPr>
@@ -8947,7 +8947,7 @@
           <p:cNvPr id="2" name="Picture 1">
             <a:extLst>
               <a:ext uri="{FF2B5EF4-FFF2-40B4-BE49-F238E27FC236}">
-                <a16:creationId xmlns:a16="http://schemas.microsoft.com/office/drawing/2014/main" id="{6D6B3A07-5B38-4412-8E62-22985BE45DCA}"/>
+                <a16:creationId xmlns:a16="http://schemas.microsoft.com/office/drawing/2014/main" xmlns="" id="{6D6B3A07-5B38-4412-8E62-22985BE45DCA}"/>
               </a:ext>
             </a:extLst>
           </p:cNvPr>
@@ -8977,7 +8977,7 @@
           <p:cNvPr id="4" name="TextBox 3">
             <a:extLst>
               <a:ext uri="{FF2B5EF4-FFF2-40B4-BE49-F238E27FC236}">
-                <a16:creationId xmlns:a16="http://schemas.microsoft.com/office/drawing/2014/main" id="{C5C403EE-515C-4FF5-9778-90E68BE109B9}"/>
+                <a16:creationId xmlns:a16="http://schemas.microsoft.com/office/drawing/2014/main" xmlns="" id="{C5C403EE-515C-4FF5-9778-90E68BE109B9}"/>
               </a:ext>
             </a:extLst>
           </p:cNvPr>
@@ -9065,7 +9065,7 @@
           <a:graphicData uri="http://schemas.openxmlformats.org/presentationml/2006/ole">
             <mc:AlternateContent xmlns:mc="http://schemas.openxmlformats.org/markup-compatibility/2006">
               <mc:Choice xmlns:v="urn:schemas-microsoft-com:vml" Requires="v">
-                <p:oleObj spid="_x0000_s26629" r:id="rId5" imgW="0" imgH="0" progId="TCLayout.ActiveDocument.1">
+                <p:oleObj spid="_x0000_s26631" r:id="rId5" imgW="0" imgH="0" progId="TCLayout.ActiveDocument.1">
                   <p:embed/>
                 </p:oleObj>
               </mc:Choice>
@@ -9171,7 +9171,7 @@
           <p:cNvPr id="7" name="TextBox 6">
             <a:extLst>
               <a:ext uri="{FF2B5EF4-FFF2-40B4-BE49-F238E27FC236}">
-                <a16:creationId xmlns:a16="http://schemas.microsoft.com/office/drawing/2014/main" id="{59D6BA0D-75DA-411C-AE80-6B1C75B5F712}"/>
+                <a16:creationId xmlns:a16="http://schemas.microsoft.com/office/drawing/2014/main" xmlns="" id="{59D6BA0D-75DA-411C-AE80-6B1C75B5F712}"/>
               </a:ext>
             </a:extLst>
           </p:cNvPr>
@@ -9210,7 +9210,7 @@
           <p:cNvPr id="5" name="TextBox 4">
             <a:extLst>
               <a:ext uri="{FF2B5EF4-FFF2-40B4-BE49-F238E27FC236}">
-                <a16:creationId xmlns:a16="http://schemas.microsoft.com/office/drawing/2014/main" id="{D4726C2B-DC37-47C3-8C2B-30F56E0AFE99}"/>
+                <a16:creationId xmlns:a16="http://schemas.microsoft.com/office/drawing/2014/main" xmlns="" id="{D4726C2B-DC37-47C3-8C2B-30F56E0AFE99}"/>
               </a:ext>
             </a:extLst>
           </p:cNvPr>
@@ -9274,7 +9274,7 @@
           <p:cNvPr id="8" name="TextBox 7">
             <a:extLst>
               <a:ext uri="{FF2B5EF4-FFF2-40B4-BE49-F238E27FC236}">
-                <a16:creationId xmlns:a16="http://schemas.microsoft.com/office/drawing/2014/main" id="{50585DE0-1294-4A4B-AC03-457044BA1C24}"/>
+                <a16:creationId xmlns:a16="http://schemas.microsoft.com/office/drawing/2014/main" xmlns="" id="{50585DE0-1294-4A4B-AC03-457044BA1C24}"/>
               </a:ext>
             </a:extLst>
           </p:cNvPr>
@@ -9318,7 +9318,7 @@
           <p:cNvPr id="2" name="Group 1">
             <a:extLst>
               <a:ext uri="{FF2B5EF4-FFF2-40B4-BE49-F238E27FC236}">
-                <a16:creationId xmlns:a16="http://schemas.microsoft.com/office/drawing/2014/main" id="{AC0A9E5D-8279-4F21-B478-954D19BAC5D1}"/>
+                <a16:creationId xmlns:a16="http://schemas.microsoft.com/office/drawing/2014/main" xmlns="" id="{AC0A9E5D-8279-4F21-B478-954D19BAC5D1}"/>
               </a:ext>
             </a:extLst>
           </p:cNvPr>
@@ -9338,7 +9338,7 @@
             <p:cNvPr id="6" name="TextBox 5">
               <a:extLst>
                 <a:ext uri="{FF2B5EF4-FFF2-40B4-BE49-F238E27FC236}">
-                  <a16:creationId xmlns:a16="http://schemas.microsoft.com/office/drawing/2014/main" id="{0C7F0FDA-5F46-41BD-BF0F-A903C866FD37}"/>
+                  <a16:creationId xmlns:a16="http://schemas.microsoft.com/office/drawing/2014/main" xmlns="" id="{0C7F0FDA-5F46-41BD-BF0F-A903C866FD37}"/>
                 </a:ext>
               </a:extLst>
             </p:cNvPr>
@@ -9422,7 +9422,7 @@
             <p:cNvPr id="9" name="TextBox 8">
               <a:extLst>
                 <a:ext uri="{FF2B5EF4-FFF2-40B4-BE49-F238E27FC236}">
-                  <a16:creationId xmlns:a16="http://schemas.microsoft.com/office/drawing/2014/main" id="{B7EBB5F3-69B5-4052-8B2A-2B08D62AA1C3}"/>
+                  <a16:creationId xmlns:a16="http://schemas.microsoft.com/office/drawing/2014/main" xmlns="" id="{B7EBB5F3-69B5-4052-8B2A-2B08D62AA1C3}"/>
                 </a:ext>
               </a:extLst>
             </p:cNvPr>
@@ -9747,7 +9747,7 @@
           <a:graphicData uri="http://schemas.openxmlformats.org/presentationml/2006/ole">
             <mc:AlternateContent xmlns:mc="http://schemas.openxmlformats.org/markup-compatibility/2006">
               <mc:Choice xmlns:v="urn:schemas-microsoft-com:vml" Requires="v">
-                <p:oleObj spid="_x0000_s19465" r:id="rId5" imgW="0" imgH="0" progId="TCLayout.ActiveDocument.1">
+                <p:oleObj spid="_x0000_s19467" r:id="rId5" imgW="0" imgH="0" progId="TCLayout.ActiveDocument.1">
                   <p:embed/>
                 </p:oleObj>
               </mc:Choice>
@@ -9819,7 +9819,7 @@
           <p:cNvPr id="8" name="Title 40">
             <a:extLst>
               <a:ext uri="{FF2B5EF4-FFF2-40B4-BE49-F238E27FC236}">
-                <a16:creationId xmlns:a16="http://schemas.microsoft.com/office/drawing/2014/main" id="{6D65D641-D69D-4168-BB7D-AD3F200877E3}"/>
+                <a16:creationId xmlns:a16="http://schemas.microsoft.com/office/drawing/2014/main" xmlns="" id="{6D65D641-D69D-4168-BB7D-AD3F200877E3}"/>
               </a:ext>
             </a:extLst>
           </p:cNvPr>
@@ -9859,7 +9859,7 @@
           <p:cNvPr id="3" name="Picture 2">
             <a:extLst>
               <a:ext uri="{FF2B5EF4-FFF2-40B4-BE49-F238E27FC236}">
-                <a16:creationId xmlns:a16="http://schemas.microsoft.com/office/drawing/2014/main" id="{B510CD78-C58F-4733-B0DD-F0874059F617}"/>
+                <a16:creationId xmlns:a16="http://schemas.microsoft.com/office/drawing/2014/main" xmlns="" id="{B510CD78-C58F-4733-B0DD-F0874059F617}"/>
               </a:ext>
             </a:extLst>
           </p:cNvPr>
@@ -9895,7 +9895,7 @@
           <p:cNvPr id="4" name="TextBox 3">
             <a:extLst>
               <a:ext uri="{FF2B5EF4-FFF2-40B4-BE49-F238E27FC236}">
-                <a16:creationId xmlns:a16="http://schemas.microsoft.com/office/drawing/2014/main" id="{E35C50F2-4743-41B2-9AB5-CE9F40985982}"/>
+                <a16:creationId xmlns:a16="http://schemas.microsoft.com/office/drawing/2014/main" xmlns="" id="{E35C50F2-4743-41B2-9AB5-CE9F40985982}"/>
               </a:ext>
             </a:extLst>
           </p:cNvPr>
@@ -9979,7 +9979,7 @@
           <a:graphicData uri="http://schemas.openxmlformats.org/presentationml/2006/ole">
             <mc:AlternateContent xmlns:mc="http://schemas.openxmlformats.org/markup-compatibility/2006">
               <mc:Choice xmlns:v="urn:schemas-microsoft-com:vml" Requires="v">
-                <p:oleObj spid="_x0000_s20489" r:id="rId5" imgW="0" imgH="0" progId="TCLayout.ActiveDocument.1">
+                <p:oleObj spid="_x0000_s20491" r:id="rId5" imgW="0" imgH="0" progId="TCLayout.ActiveDocument.1">
                   <p:embed/>
                 </p:oleObj>
               </mc:Choice>
@@ -10051,7 +10051,7 @@
           <p:cNvPr id="8" name="Title 40">
             <a:extLst>
               <a:ext uri="{FF2B5EF4-FFF2-40B4-BE49-F238E27FC236}">
-                <a16:creationId xmlns:a16="http://schemas.microsoft.com/office/drawing/2014/main" id="{6D65D641-D69D-4168-BB7D-AD3F200877E3}"/>
+                <a16:creationId xmlns:a16="http://schemas.microsoft.com/office/drawing/2014/main" xmlns="" id="{6D65D641-D69D-4168-BB7D-AD3F200877E3}"/>
               </a:ext>
             </a:extLst>
           </p:cNvPr>
@@ -10091,7 +10091,7 @@
           <p:cNvPr id="3" name="Picture 2">
             <a:extLst>
               <a:ext uri="{FF2B5EF4-FFF2-40B4-BE49-F238E27FC236}">
-                <a16:creationId xmlns:a16="http://schemas.microsoft.com/office/drawing/2014/main" id="{0FB252C2-8E0F-4E4E-AF3D-AD81519AC032}"/>
+                <a16:creationId xmlns:a16="http://schemas.microsoft.com/office/drawing/2014/main" xmlns="" id="{0FB252C2-8E0F-4E4E-AF3D-AD81519AC032}"/>
               </a:ext>
             </a:extLst>
           </p:cNvPr>
@@ -10120,7 +10120,7 @@
           <p:cNvPr id="4" name="TextBox 3">
             <a:extLst>
               <a:ext uri="{FF2B5EF4-FFF2-40B4-BE49-F238E27FC236}">
-                <a16:creationId xmlns:a16="http://schemas.microsoft.com/office/drawing/2014/main" id="{55A35CDF-AA72-4476-9932-1916784F16A0}"/>
+                <a16:creationId xmlns:a16="http://schemas.microsoft.com/office/drawing/2014/main" xmlns="" id="{55A35CDF-AA72-4476-9932-1916784F16A0}"/>
               </a:ext>
             </a:extLst>
           </p:cNvPr>
@@ -10204,7 +10204,7 @@
           <a:graphicData uri="http://schemas.openxmlformats.org/presentationml/2006/ole">
             <mc:AlternateContent xmlns:mc="http://schemas.openxmlformats.org/markup-compatibility/2006">
               <mc:Choice xmlns:v="urn:schemas-microsoft-com:vml" Requires="v">
-                <p:oleObj spid="_x0000_s21513" r:id="rId5" imgW="0" imgH="0" progId="TCLayout.ActiveDocument.1">
+                <p:oleObj spid="_x0000_s21515" r:id="rId5" imgW="0" imgH="0" progId="TCLayout.ActiveDocument.1">
                   <p:embed/>
                 </p:oleObj>
               </mc:Choice>
@@ -10276,7 +10276,7 @@
           <p:cNvPr id="8" name="Title 40">
             <a:extLst>
               <a:ext uri="{FF2B5EF4-FFF2-40B4-BE49-F238E27FC236}">
-                <a16:creationId xmlns:a16="http://schemas.microsoft.com/office/drawing/2014/main" id="{6D65D641-D69D-4168-BB7D-AD3F200877E3}"/>
+                <a16:creationId xmlns:a16="http://schemas.microsoft.com/office/drawing/2014/main" xmlns="" id="{6D65D641-D69D-4168-BB7D-AD3F200877E3}"/>
               </a:ext>
             </a:extLst>
           </p:cNvPr>
@@ -10316,7 +10316,7 @@
           <p:cNvPr id="4" name="TextBox 3">
             <a:extLst>
               <a:ext uri="{FF2B5EF4-FFF2-40B4-BE49-F238E27FC236}">
-                <a16:creationId xmlns:a16="http://schemas.microsoft.com/office/drawing/2014/main" id="{55A35CDF-AA72-4476-9932-1916784F16A0}"/>
+                <a16:creationId xmlns:a16="http://schemas.microsoft.com/office/drawing/2014/main" xmlns="" id="{55A35CDF-AA72-4476-9932-1916784F16A0}"/>
               </a:ext>
             </a:extLst>
           </p:cNvPr>
@@ -10352,7 +10352,7 @@
           <p:cNvPr id="2" name="Picture 1">
             <a:extLst>
               <a:ext uri="{FF2B5EF4-FFF2-40B4-BE49-F238E27FC236}">
-                <a16:creationId xmlns:a16="http://schemas.microsoft.com/office/drawing/2014/main" id="{709B7CA3-1C2B-4CBD-A4DC-E0FFDD1797D5}"/>
+                <a16:creationId xmlns:a16="http://schemas.microsoft.com/office/drawing/2014/main" xmlns="" id="{709B7CA3-1C2B-4CBD-A4DC-E0FFDD1797D5}"/>
               </a:ext>
             </a:extLst>
           </p:cNvPr>
@@ -10382,7 +10382,7 @@
           <p:cNvPr id="5" name="Oval 4">
             <a:extLst>
               <a:ext uri="{FF2B5EF4-FFF2-40B4-BE49-F238E27FC236}">
-                <a16:creationId xmlns:a16="http://schemas.microsoft.com/office/drawing/2014/main" id="{DCF6EEDF-92EF-487E-B22E-41DFF87D8D6C}"/>
+                <a16:creationId xmlns:a16="http://schemas.microsoft.com/office/drawing/2014/main" xmlns="" id="{DCF6EEDF-92EF-487E-B22E-41DFF87D8D6C}"/>
               </a:ext>
             </a:extLst>
           </p:cNvPr>
@@ -10434,7 +10434,7 @@
           <p:cNvPr id="6" name="Picture 5">
             <a:extLst>
               <a:ext uri="{FF2B5EF4-FFF2-40B4-BE49-F238E27FC236}">
-                <a16:creationId xmlns:a16="http://schemas.microsoft.com/office/drawing/2014/main" id="{38A4E0B2-C99F-4965-AC9B-E021F3FAC04F}"/>
+                <a16:creationId xmlns:a16="http://schemas.microsoft.com/office/drawing/2014/main" xmlns="" id="{38A4E0B2-C99F-4965-AC9B-E021F3FAC04F}"/>
               </a:ext>
             </a:extLst>
           </p:cNvPr>
@@ -10464,7 +10464,7 @@
           <p:cNvPr id="9" name="Oval 8">
             <a:extLst>
               <a:ext uri="{FF2B5EF4-FFF2-40B4-BE49-F238E27FC236}">
-                <a16:creationId xmlns:a16="http://schemas.microsoft.com/office/drawing/2014/main" id="{DA85EFC5-6758-4672-8D66-D8CAD1F9EAEA}"/>
+                <a16:creationId xmlns:a16="http://schemas.microsoft.com/office/drawing/2014/main" xmlns="" id="{DA85EFC5-6758-4672-8D66-D8CAD1F9EAEA}"/>
               </a:ext>
             </a:extLst>
           </p:cNvPr>
@@ -10516,7 +10516,7 @@
           <p:cNvPr id="10" name="TextBox 9">
             <a:extLst>
               <a:ext uri="{FF2B5EF4-FFF2-40B4-BE49-F238E27FC236}">
-                <a16:creationId xmlns:a16="http://schemas.microsoft.com/office/drawing/2014/main" id="{1C44E4A5-08FF-4A36-B0A0-30A45F59F7D3}"/>
+                <a16:creationId xmlns:a16="http://schemas.microsoft.com/office/drawing/2014/main" xmlns="" id="{1C44E4A5-08FF-4A36-B0A0-30A45F59F7D3}"/>
               </a:ext>
             </a:extLst>
           </p:cNvPr>
@@ -10597,7 +10597,7 @@
           <a:graphicData uri="http://schemas.openxmlformats.org/presentationml/2006/ole">
             <mc:AlternateContent xmlns:mc="http://schemas.openxmlformats.org/markup-compatibility/2006">
               <mc:Choice xmlns:v="urn:schemas-microsoft-com:vml" Requires="v">
-                <p:oleObj spid="_x0000_s22539" r:id="rId5" imgW="0" imgH="0" progId="TCLayout.ActiveDocument.1">
+                <p:oleObj spid="_x0000_s22541" r:id="rId5" imgW="0" imgH="0" progId="TCLayout.ActiveDocument.1">
                   <p:embed/>
                 </p:oleObj>
               </mc:Choice>
@@ -10669,7 +10669,7 @@
           <p:cNvPr id="8" name="Title 40">
             <a:extLst>
               <a:ext uri="{FF2B5EF4-FFF2-40B4-BE49-F238E27FC236}">
-                <a16:creationId xmlns:a16="http://schemas.microsoft.com/office/drawing/2014/main" id="{6D65D641-D69D-4168-BB7D-AD3F200877E3}"/>
+                <a16:creationId xmlns:a16="http://schemas.microsoft.com/office/drawing/2014/main" xmlns="" id="{6D65D641-D69D-4168-BB7D-AD3F200877E3}"/>
               </a:ext>
             </a:extLst>
           </p:cNvPr>
@@ -10709,7 +10709,7 @@
           <p:cNvPr id="4" name="TextBox 3">
             <a:extLst>
               <a:ext uri="{FF2B5EF4-FFF2-40B4-BE49-F238E27FC236}">
-                <a16:creationId xmlns:a16="http://schemas.microsoft.com/office/drawing/2014/main" id="{59D6BA0D-75DA-411C-AE80-6B1C75B5F712}"/>
+                <a16:creationId xmlns:a16="http://schemas.microsoft.com/office/drawing/2014/main" xmlns="" id="{59D6BA0D-75DA-411C-AE80-6B1C75B5F712}"/>
               </a:ext>
             </a:extLst>
           </p:cNvPr>
@@ -10913,7 +10913,7 @@
           <a:graphicData uri="http://schemas.openxmlformats.org/presentationml/2006/ole">
             <mc:AlternateContent xmlns:mc="http://schemas.openxmlformats.org/markup-compatibility/2006">
               <mc:Choice xmlns:v="urn:schemas-microsoft-com:vml" Requires="v">
-                <p:oleObj spid="_x0000_s23565" r:id="rId5" imgW="0" imgH="0" progId="TCLayout.ActiveDocument.1">
+                <p:oleObj spid="_x0000_s23567" r:id="rId5" imgW="0" imgH="0" progId="TCLayout.ActiveDocument.1">
                   <p:embed/>
                 </p:oleObj>
               </mc:Choice>
@@ -10985,7 +10985,7 @@
           <p:cNvPr id="8" name="Title 40">
             <a:extLst>
               <a:ext uri="{FF2B5EF4-FFF2-40B4-BE49-F238E27FC236}">
-                <a16:creationId xmlns:a16="http://schemas.microsoft.com/office/drawing/2014/main" id="{6D65D641-D69D-4168-BB7D-AD3F200877E3}"/>
+                <a16:creationId xmlns:a16="http://schemas.microsoft.com/office/drawing/2014/main" xmlns="" id="{6D65D641-D69D-4168-BB7D-AD3F200877E3}"/>
               </a:ext>
             </a:extLst>
           </p:cNvPr>
@@ -11025,7 +11025,7 @@
           <p:cNvPr id="4" name="TextBox 3">
             <a:extLst>
               <a:ext uri="{FF2B5EF4-FFF2-40B4-BE49-F238E27FC236}">
-                <a16:creationId xmlns:a16="http://schemas.microsoft.com/office/drawing/2014/main" id="{59D6BA0D-75DA-411C-AE80-6B1C75B5F712}"/>
+                <a16:creationId xmlns:a16="http://schemas.microsoft.com/office/drawing/2014/main" xmlns="" id="{59D6BA0D-75DA-411C-AE80-6B1C75B5F712}"/>
               </a:ext>
             </a:extLst>
           </p:cNvPr>
@@ -11107,7 +11107,31 @@
                   <a:srgbClr val="000066"/>
                 </a:solidFill>
               </a:rPr>
-              <a:t>This subset returns is our strongest over the next 6 months</a:t>
+              <a:t>This subset </a:t>
+            </a:r>
+            <a:r>
+              <a:rPr lang="en-US" b="1" i="1" dirty="0" smtClean="0">
+                <a:solidFill>
+                  <a:srgbClr val="000066"/>
+                </a:solidFill>
+              </a:rPr>
+              <a:t>features the</a:t>
+            </a:r>
+            <a:r>
+              <a:rPr lang="en-US" b="1" i="1" dirty="0" smtClean="0">
+                <a:solidFill>
+                  <a:srgbClr val="000066"/>
+                </a:solidFill>
+              </a:rPr>
+              <a:t> strongest returns </a:t>
+            </a:r>
+            <a:r>
+              <a:rPr lang="en-US" b="1" i="1" dirty="0">
+                <a:solidFill>
+                  <a:srgbClr val="000066"/>
+                </a:solidFill>
+              </a:rPr>
+              <a:t>over the next 6 months</a:t>
             </a:r>
           </a:p>
           <a:p>
@@ -11361,7 +11385,7 @@
           <a:graphicData uri="http://schemas.openxmlformats.org/presentationml/2006/ole">
             <mc:AlternateContent xmlns:mc="http://schemas.openxmlformats.org/markup-compatibility/2006">
               <mc:Choice xmlns:v="urn:schemas-microsoft-com:vml" Requires="v">
-                <p:oleObj spid="_x0000_s44037" r:id="rId5" imgW="0" imgH="0" progId="TCLayout.ActiveDocument.1">
+                <p:oleObj spid="_x0000_s44039" r:id="rId5" imgW="0" imgH="0" progId="TCLayout.ActiveDocument.1">
                   <p:embed/>
                 </p:oleObj>
               </mc:Choice>
@@ -11433,7 +11457,7 @@
           <p:cNvPr id="8" name="Title 40">
             <a:extLst>
               <a:ext uri="{FF2B5EF4-FFF2-40B4-BE49-F238E27FC236}">
-                <a16:creationId xmlns:a16="http://schemas.microsoft.com/office/drawing/2014/main" id="{6D65D641-D69D-4168-BB7D-AD3F200877E3}"/>
+                <a16:creationId xmlns:a16="http://schemas.microsoft.com/office/drawing/2014/main" xmlns="" id="{6D65D641-D69D-4168-BB7D-AD3F200877E3}"/>
               </a:ext>
             </a:extLst>
           </p:cNvPr>
@@ -11473,7 +11497,7 @@
           <p:cNvPr id="4" name="TextBox 3">
             <a:extLst>
               <a:ext uri="{FF2B5EF4-FFF2-40B4-BE49-F238E27FC236}">
-                <a16:creationId xmlns:a16="http://schemas.microsoft.com/office/drawing/2014/main" id="{FA0A88F2-7E2F-4EE1-A30D-161713E7F524}"/>
+                <a16:creationId xmlns:a16="http://schemas.microsoft.com/office/drawing/2014/main" xmlns="" id="{FA0A88F2-7E2F-4EE1-A30D-161713E7F524}"/>
               </a:ext>
             </a:extLst>
           </p:cNvPr>
@@ -12060,7 +12084,7 @@
           <a:graphicData uri="http://schemas.openxmlformats.org/presentationml/2006/ole">
             <mc:AlternateContent xmlns:mc="http://schemas.openxmlformats.org/markup-compatibility/2006">
               <mc:Choice xmlns:v="urn:schemas-microsoft-com:vml" Requires="v">
-                <p:oleObj spid="_x0000_s24587" r:id="rId5" imgW="0" imgH="0" progId="TCLayout.ActiveDocument.1">
+                <p:oleObj spid="_x0000_s24589" r:id="rId5" imgW="0" imgH="0" progId="TCLayout.ActiveDocument.1">
                   <p:embed/>
                 </p:oleObj>
               </mc:Choice>
@@ -12132,7 +12156,7 @@
           <p:cNvPr id="8" name="Title 40">
             <a:extLst>
               <a:ext uri="{FF2B5EF4-FFF2-40B4-BE49-F238E27FC236}">
-                <a16:creationId xmlns:a16="http://schemas.microsoft.com/office/drawing/2014/main" id="{6D65D641-D69D-4168-BB7D-AD3F200877E3}"/>
+                <a16:creationId xmlns:a16="http://schemas.microsoft.com/office/drawing/2014/main" xmlns="" id="{6D65D641-D69D-4168-BB7D-AD3F200877E3}"/>
               </a:ext>
             </a:extLst>
           </p:cNvPr>
@@ -12172,7 +12196,7 @@
           <p:cNvPr id="4" name="TextBox 3">
             <a:extLst>
               <a:ext uri="{FF2B5EF4-FFF2-40B4-BE49-F238E27FC236}">
-                <a16:creationId xmlns:a16="http://schemas.microsoft.com/office/drawing/2014/main" id="{59D6BA0D-75DA-411C-AE80-6B1C75B5F712}"/>
+                <a16:creationId xmlns:a16="http://schemas.microsoft.com/office/drawing/2014/main" xmlns="" id="{59D6BA0D-75DA-411C-AE80-6B1C75B5F712}"/>
               </a:ext>
             </a:extLst>
           </p:cNvPr>
@@ -12509,7 +12533,7 @@
           <p:cNvPr id="22530" name="Picture 2" descr="Image result for stock market chart pictures">
             <a:extLst>
               <a:ext uri="{FF2B5EF4-FFF2-40B4-BE49-F238E27FC236}">
-                <a16:creationId xmlns:a16="http://schemas.microsoft.com/office/drawing/2014/main" id="{B6E261C0-D1F9-4D86-A8FC-7C37CC741C58}"/>
+                <a16:creationId xmlns:a16="http://schemas.microsoft.com/office/drawing/2014/main" xmlns="" id="{B6E261C0-D1F9-4D86-A8FC-7C37CC741C58}"/>
               </a:ext>
             </a:extLst>
           </p:cNvPr>
@@ -12660,7 +12684,7 @@
           <p:cNvPr id="5" name="Rectangle 2">
             <a:extLst>
               <a:ext uri="{FF2B5EF4-FFF2-40B4-BE49-F238E27FC236}">
-                <a16:creationId xmlns:a16="http://schemas.microsoft.com/office/drawing/2014/main" id="{B46E0A87-1915-4F74-A2DA-E556CAEBAC44}"/>
+                <a16:creationId xmlns:a16="http://schemas.microsoft.com/office/drawing/2014/main" xmlns="" id="{B46E0A87-1915-4F74-A2DA-E556CAEBAC44}"/>
               </a:ext>
             </a:extLst>
           </p:cNvPr>
@@ -12758,7 +12782,7 @@
           <p:cNvPr id="6" name="Rectangle 2">
             <a:extLst>
               <a:ext uri="{FF2B5EF4-FFF2-40B4-BE49-F238E27FC236}">
-                <a16:creationId xmlns:a16="http://schemas.microsoft.com/office/drawing/2014/main" id="{022D944A-7D95-4176-971B-BA4CECC293DE}"/>
+                <a16:creationId xmlns:a16="http://schemas.microsoft.com/office/drawing/2014/main" xmlns="" id="{022D944A-7D95-4176-971B-BA4CECC293DE}"/>
               </a:ext>
             </a:extLst>
           </p:cNvPr>
@@ -12926,7 +12950,7 @@
           <a:graphicData uri="http://schemas.openxmlformats.org/presentationml/2006/ole">
             <mc:AlternateContent xmlns:mc="http://schemas.openxmlformats.org/markup-compatibility/2006">
               <mc:Choice xmlns:v="urn:schemas-microsoft-com:vml" Requires="v">
-                <p:oleObj spid="_x0000_s27653" r:id="rId5" imgW="0" imgH="0" progId="TCLayout.ActiveDocument.1">
+                <p:oleObj spid="_x0000_s27655" r:id="rId5" imgW="0" imgH="0" progId="TCLayout.ActiveDocument.1">
                   <p:embed/>
                 </p:oleObj>
               </mc:Choice>
@@ -13032,7 +13056,7 @@
           <p:cNvPr id="8" name="TextBox 7">
             <a:extLst>
               <a:ext uri="{FF2B5EF4-FFF2-40B4-BE49-F238E27FC236}">
-                <a16:creationId xmlns:a16="http://schemas.microsoft.com/office/drawing/2014/main" id="{7FDC7CAA-A9D5-461C-94AF-C8FCB40CB859}"/>
+                <a16:creationId xmlns:a16="http://schemas.microsoft.com/office/drawing/2014/main" xmlns="" id="{7FDC7CAA-A9D5-461C-94AF-C8FCB40CB859}"/>
               </a:ext>
             </a:extLst>
           </p:cNvPr>
@@ -13078,7 +13102,7 @@
           <p:cNvPr id="9" name="TextBox 8">
             <a:extLst>
               <a:ext uri="{FF2B5EF4-FFF2-40B4-BE49-F238E27FC236}">
-                <a16:creationId xmlns:a16="http://schemas.microsoft.com/office/drawing/2014/main" id="{C7BE35D0-0DDA-4BE4-BFDD-F2FA63A36A32}"/>
+                <a16:creationId xmlns:a16="http://schemas.microsoft.com/office/drawing/2014/main" xmlns="" id="{C7BE35D0-0DDA-4BE4-BFDD-F2FA63A36A32}"/>
               </a:ext>
             </a:extLst>
           </p:cNvPr>
@@ -13125,7 +13149,7 @@
           <p:cNvPr id="10" name="TextBox 9">
             <a:extLst>
               <a:ext uri="{FF2B5EF4-FFF2-40B4-BE49-F238E27FC236}">
-                <a16:creationId xmlns:a16="http://schemas.microsoft.com/office/drawing/2014/main" id="{376AF7DA-345A-469B-AA8A-F827385FD190}"/>
+                <a16:creationId xmlns:a16="http://schemas.microsoft.com/office/drawing/2014/main" xmlns="" id="{376AF7DA-345A-469B-AA8A-F827385FD190}"/>
               </a:ext>
             </a:extLst>
           </p:cNvPr>
@@ -13371,7 +13395,7 @@
           <p:cNvPr id="22530" name="Picture 2" descr="Image result for stock market chart pictures">
             <a:extLst>
               <a:ext uri="{FF2B5EF4-FFF2-40B4-BE49-F238E27FC236}">
-                <a16:creationId xmlns:a16="http://schemas.microsoft.com/office/drawing/2014/main" id="{B6E261C0-D1F9-4D86-A8FC-7C37CC741C58}"/>
+                <a16:creationId xmlns:a16="http://schemas.microsoft.com/office/drawing/2014/main" xmlns="" id="{B6E261C0-D1F9-4D86-A8FC-7C37CC741C58}"/>
               </a:ext>
             </a:extLst>
           </p:cNvPr>
@@ -13522,7 +13546,7 @@
           <p:cNvPr id="5" name="Rectangle 2">
             <a:extLst>
               <a:ext uri="{FF2B5EF4-FFF2-40B4-BE49-F238E27FC236}">
-                <a16:creationId xmlns:a16="http://schemas.microsoft.com/office/drawing/2014/main" id="{B46E0A87-1915-4F74-A2DA-E556CAEBAC44}"/>
+                <a16:creationId xmlns:a16="http://schemas.microsoft.com/office/drawing/2014/main" xmlns="" id="{B46E0A87-1915-4F74-A2DA-E556CAEBAC44}"/>
               </a:ext>
             </a:extLst>
           </p:cNvPr>
@@ -13620,7 +13644,7 @@
           <p:cNvPr id="6" name="Rectangle 2">
             <a:extLst>
               <a:ext uri="{FF2B5EF4-FFF2-40B4-BE49-F238E27FC236}">
-                <a16:creationId xmlns:a16="http://schemas.microsoft.com/office/drawing/2014/main" id="{022D944A-7D95-4176-971B-BA4CECC293DE}"/>
+                <a16:creationId xmlns:a16="http://schemas.microsoft.com/office/drawing/2014/main" xmlns="" id="{022D944A-7D95-4176-971B-BA4CECC293DE}"/>
               </a:ext>
             </a:extLst>
           </p:cNvPr>
@@ -13797,7 +13821,7 @@
           <p:cNvPr id="12" name="Picture 11">
             <a:extLst>
               <a:ext uri="{FF2B5EF4-FFF2-40B4-BE49-F238E27FC236}">
-                <a16:creationId xmlns:a16="http://schemas.microsoft.com/office/drawing/2014/main" id="{8A9048FB-48F8-4C30-986F-7C915575C23A}"/>
+                <a16:creationId xmlns:a16="http://schemas.microsoft.com/office/drawing/2014/main" xmlns="" id="{8A9048FB-48F8-4C30-986F-7C915575C23A}"/>
               </a:ext>
             </a:extLst>
           </p:cNvPr>
@@ -13842,7 +13866,7 @@
           <a:graphicData uri="http://schemas.openxmlformats.org/presentationml/2006/ole">
             <mc:AlternateContent xmlns:mc="http://schemas.openxmlformats.org/markup-compatibility/2006">
               <mc:Choice xmlns:v="urn:schemas-microsoft-com:vml" Requires="v">
-                <p:oleObj spid="_x0000_s28677" r:id="rId6" imgW="0" imgH="0" progId="TCLayout.ActiveDocument.1">
+                <p:oleObj spid="_x0000_s28679" r:id="rId6" imgW="0" imgH="0" progId="TCLayout.ActiveDocument.1">
                   <p:embed/>
                 </p:oleObj>
               </mc:Choice>
@@ -13948,7 +13972,7 @@
           <p:cNvPr id="6" name="Rectangle 5">
             <a:extLst>
               <a:ext uri="{FF2B5EF4-FFF2-40B4-BE49-F238E27FC236}">
-                <a16:creationId xmlns:a16="http://schemas.microsoft.com/office/drawing/2014/main" id="{698C65BD-9A46-453A-A68D-4269B1E00E08}"/>
+                <a16:creationId xmlns:a16="http://schemas.microsoft.com/office/drawing/2014/main" xmlns="" id="{698C65BD-9A46-453A-A68D-4269B1E00E08}"/>
               </a:ext>
             </a:extLst>
           </p:cNvPr>
@@ -14001,7 +14025,7 @@
           <p:cNvPr id="11" name="Rectangle 2">
             <a:extLst>
               <a:ext uri="{FF2B5EF4-FFF2-40B4-BE49-F238E27FC236}">
-                <a16:creationId xmlns:a16="http://schemas.microsoft.com/office/drawing/2014/main" id="{340A7B56-754B-452D-844A-C81239CEB0F3}"/>
+                <a16:creationId xmlns:a16="http://schemas.microsoft.com/office/drawing/2014/main" xmlns="" id="{340A7B56-754B-452D-844A-C81239CEB0F3}"/>
               </a:ext>
             </a:extLst>
           </p:cNvPr>
@@ -14096,7 +14120,7 @@
           <p:cNvPr id="7" name="Picture 6">
             <a:extLst>
               <a:ext uri="{FF2B5EF4-FFF2-40B4-BE49-F238E27FC236}">
-                <a16:creationId xmlns:a16="http://schemas.microsoft.com/office/drawing/2014/main" id="{C5EE6EC4-4BE2-4069-8B8B-0417E27AC082}"/>
+                <a16:creationId xmlns:a16="http://schemas.microsoft.com/office/drawing/2014/main" xmlns="" id="{C5EE6EC4-4BE2-4069-8B8B-0417E27AC082}"/>
               </a:ext>
             </a:extLst>
           </p:cNvPr>
@@ -14141,7 +14165,7 @@
           <a:graphicData uri="http://schemas.openxmlformats.org/presentationml/2006/ole">
             <mc:AlternateContent xmlns:mc="http://schemas.openxmlformats.org/markup-compatibility/2006">
               <mc:Choice xmlns:v="urn:schemas-microsoft-com:vml" Requires="v">
-                <p:oleObj spid="_x0000_s29701" r:id="rId6" imgW="0" imgH="0" progId="TCLayout.ActiveDocument.1">
+                <p:oleObj spid="_x0000_s29703" r:id="rId6" imgW="0" imgH="0" progId="TCLayout.ActiveDocument.1">
                   <p:embed/>
                 </p:oleObj>
               </mc:Choice>
@@ -14247,7 +14271,7 @@
           <p:cNvPr id="6" name="Rectangle 5">
             <a:extLst>
               <a:ext uri="{FF2B5EF4-FFF2-40B4-BE49-F238E27FC236}">
-                <a16:creationId xmlns:a16="http://schemas.microsoft.com/office/drawing/2014/main" id="{698C65BD-9A46-453A-A68D-4269B1E00E08}"/>
+                <a16:creationId xmlns:a16="http://schemas.microsoft.com/office/drawing/2014/main" xmlns="" id="{698C65BD-9A46-453A-A68D-4269B1E00E08}"/>
               </a:ext>
             </a:extLst>
           </p:cNvPr>
@@ -14300,7 +14324,7 @@
           <p:cNvPr id="8" name="Rectangle 2">
             <a:extLst>
               <a:ext uri="{FF2B5EF4-FFF2-40B4-BE49-F238E27FC236}">
-                <a16:creationId xmlns:a16="http://schemas.microsoft.com/office/drawing/2014/main" id="{A0F6F584-AA39-43E1-9604-EAA1E6B54356}"/>
+                <a16:creationId xmlns:a16="http://schemas.microsoft.com/office/drawing/2014/main" xmlns="" id="{A0F6F584-AA39-43E1-9604-EAA1E6B54356}"/>
               </a:ext>
             </a:extLst>
           </p:cNvPr>
@@ -14382,7 +14406,7 @@
           <p:cNvPr id="8" name="Picture 7">
             <a:extLst>
               <a:ext uri="{FF2B5EF4-FFF2-40B4-BE49-F238E27FC236}">
-                <a16:creationId xmlns:a16="http://schemas.microsoft.com/office/drawing/2014/main" id="{B0FA6173-F0EE-464D-A108-3A58E435A159}"/>
+                <a16:creationId xmlns:a16="http://schemas.microsoft.com/office/drawing/2014/main" xmlns="" id="{B0FA6173-F0EE-464D-A108-3A58E435A159}"/>
               </a:ext>
             </a:extLst>
           </p:cNvPr>
@@ -14427,7 +14451,7 @@
           <a:graphicData uri="http://schemas.openxmlformats.org/presentationml/2006/ole">
             <mc:AlternateContent xmlns:mc="http://schemas.openxmlformats.org/markup-compatibility/2006">
               <mc:Choice xmlns:v="urn:schemas-microsoft-com:vml" Requires="v">
-                <p:oleObj spid="_x0000_s30725" r:id="rId6" imgW="0" imgH="0" progId="TCLayout.ActiveDocument.1">
+                <p:oleObj spid="_x0000_s30727" r:id="rId6" imgW="0" imgH="0" progId="TCLayout.ActiveDocument.1">
                   <p:embed/>
                 </p:oleObj>
               </mc:Choice>
@@ -14533,7 +14557,7 @@
           <p:cNvPr id="6" name="Rectangle 5">
             <a:extLst>
               <a:ext uri="{FF2B5EF4-FFF2-40B4-BE49-F238E27FC236}">
-                <a16:creationId xmlns:a16="http://schemas.microsoft.com/office/drawing/2014/main" id="{698C65BD-9A46-453A-A68D-4269B1E00E08}"/>
+                <a16:creationId xmlns:a16="http://schemas.microsoft.com/office/drawing/2014/main" xmlns="" id="{698C65BD-9A46-453A-A68D-4269B1E00E08}"/>
               </a:ext>
             </a:extLst>
           </p:cNvPr>
@@ -14586,7 +14610,7 @@
           <p:cNvPr id="7" name="Rectangle 2">
             <a:extLst>
               <a:ext uri="{FF2B5EF4-FFF2-40B4-BE49-F238E27FC236}">
-                <a16:creationId xmlns:a16="http://schemas.microsoft.com/office/drawing/2014/main" id="{8D1C1748-2A39-4102-8731-AE1D93803BCF}"/>
+                <a16:creationId xmlns:a16="http://schemas.microsoft.com/office/drawing/2014/main" xmlns="" id="{8D1C1748-2A39-4102-8731-AE1D93803BCF}"/>
               </a:ext>
             </a:extLst>
           </p:cNvPr>
@@ -14692,7 +14716,7 @@
           <p:cNvPr id="7" name="Picture 6">
             <a:extLst>
               <a:ext uri="{FF2B5EF4-FFF2-40B4-BE49-F238E27FC236}">
-                <a16:creationId xmlns:a16="http://schemas.microsoft.com/office/drawing/2014/main" id="{B9FD2707-B71F-4744-B2A4-ADC2ECEC1283}"/>
+                <a16:creationId xmlns:a16="http://schemas.microsoft.com/office/drawing/2014/main" xmlns="" id="{B9FD2707-B71F-4744-B2A4-ADC2ECEC1283}"/>
               </a:ext>
             </a:extLst>
           </p:cNvPr>
@@ -14737,7 +14761,7 @@
           <a:graphicData uri="http://schemas.openxmlformats.org/presentationml/2006/ole">
             <mc:AlternateContent xmlns:mc="http://schemas.openxmlformats.org/markup-compatibility/2006">
               <mc:Choice xmlns:v="urn:schemas-microsoft-com:vml" Requires="v">
-                <p:oleObj spid="_x0000_s31749" r:id="rId6" imgW="0" imgH="0" progId="TCLayout.ActiveDocument.1">
+                <p:oleObj spid="_x0000_s31751" r:id="rId6" imgW="0" imgH="0" progId="TCLayout.ActiveDocument.1">
                   <p:embed/>
                 </p:oleObj>
               </mc:Choice>
@@ -14843,7 +14867,7 @@
           <p:cNvPr id="6" name="Rectangle 5">
             <a:extLst>
               <a:ext uri="{FF2B5EF4-FFF2-40B4-BE49-F238E27FC236}">
-                <a16:creationId xmlns:a16="http://schemas.microsoft.com/office/drawing/2014/main" id="{698C65BD-9A46-453A-A68D-4269B1E00E08}"/>
+                <a16:creationId xmlns:a16="http://schemas.microsoft.com/office/drawing/2014/main" xmlns="" id="{698C65BD-9A46-453A-A68D-4269B1E00E08}"/>
               </a:ext>
             </a:extLst>
           </p:cNvPr>
@@ -14896,7 +14920,7 @@
           <p:cNvPr id="8" name="Rectangle 2">
             <a:extLst>
               <a:ext uri="{FF2B5EF4-FFF2-40B4-BE49-F238E27FC236}">
-                <a16:creationId xmlns:a16="http://schemas.microsoft.com/office/drawing/2014/main" id="{EBB7618E-C02E-4758-99D0-24877A2AAF7D}"/>
+                <a16:creationId xmlns:a16="http://schemas.microsoft.com/office/drawing/2014/main" xmlns="" id="{EBB7618E-C02E-4758-99D0-24877A2AAF7D}"/>
               </a:ext>
             </a:extLst>
           </p:cNvPr>
@@ -14978,7 +15002,7 @@
           <p:cNvPr id="8" name="Picture 7">
             <a:extLst>
               <a:ext uri="{FF2B5EF4-FFF2-40B4-BE49-F238E27FC236}">
-                <a16:creationId xmlns:a16="http://schemas.microsoft.com/office/drawing/2014/main" id="{82086EB5-1358-4AC3-9DEF-33919E829BAE}"/>
+                <a16:creationId xmlns:a16="http://schemas.microsoft.com/office/drawing/2014/main" xmlns="" id="{82086EB5-1358-4AC3-9DEF-33919E829BAE}"/>
               </a:ext>
             </a:extLst>
           </p:cNvPr>
@@ -15023,7 +15047,7 @@
           <a:graphicData uri="http://schemas.openxmlformats.org/presentationml/2006/ole">
             <mc:AlternateContent xmlns:mc="http://schemas.openxmlformats.org/markup-compatibility/2006">
               <mc:Choice xmlns:v="urn:schemas-microsoft-com:vml" Requires="v">
-                <p:oleObj spid="_x0000_s32773" r:id="rId6" imgW="0" imgH="0" progId="TCLayout.ActiveDocument.1">
+                <p:oleObj spid="_x0000_s32775" r:id="rId6" imgW="0" imgH="0" progId="TCLayout.ActiveDocument.1">
                   <p:embed/>
                 </p:oleObj>
               </mc:Choice>
@@ -15129,7 +15153,7 @@
           <p:cNvPr id="6" name="Rectangle 5">
             <a:extLst>
               <a:ext uri="{FF2B5EF4-FFF2-40B4-BE49-F238E27FC236}">
-                <a16:creationId xmlns:a16="http://schemas.microsoft.com/office/drawing/2014/main" id="{698C65BD-9A46-453A-A68D-4269B1E00E08}"/>
+                <a16:creationId xmlns:a16="http://schemas.microsoft.com/office/drawing/2014/main" xmlns="" id="{698C65BD-9A46-453A-A68D-4269B1E00E08}"/>
               </a:ext>
             </a:extLst>
           </p:cNvPr>
@@ -15182,7 +15206,7 @@
           <p:cNvPr id="7" name="Rectangle 2">
             <a:extLst>
               <a:ext uri="{FF2B5EF4-FFF2-40B4-BE49-F238E27FC236}">
-                <a16:creationId xmlns:a16="http://schemas.microsoft.com/office/drawing/2014/main" id="{35000BDB-792B-4F51-871C-89BA4DA41FFC}"/>
+                <a16:creationId xmlns:a16="http://schemas.microsoft.com/office/drawing/2014/main" xmlns="" id="{35000BDB-792B-4F51-871C-89BA4DA41FFC}"/>
               </a:ext>
             </a:extLst>
           </p:cNvPr>
